--- a/Readmission of the Diabetics patients.pptx
+++ b/Readmission of the Diabetics patients.pptx
@@ -6,8 +6,7 @@
   </p:sldMasterIdLst>
   <p:sldIdLst>
     <p:sldId id="256" r:id="rId2"/>
-    <p:sldId id="257" r:id="rId3"/>
-    <p:sldId id="258" r:id="rId4"/>
+    <p:sldId id="260" r:id="rId3"/>
   </p:sldIdLst>
   <p:sldSz cx="12192000" cy="6858000"/>
   <p:notesSz cx="6858000" cy="9144000"/>
@@ -106,6 +105,11 @@
       </a:defRPr>
     </a:lvl9pPr>
   </p:defaultTextStyle>
+  <p:extLst>
+    <p:ext uri="{EFAFB233-063F-42B5-8137-9DF3F51BA10A}">
+      <p15:sldGuideLst xmlns:p15="http://schemas.microsoft.com/office/powerpoint/2012/main"/>
+    </p:ext>
+  </p:extLst>
 </p:presentation>
 </file>
 
@@ -256,7 +260,7 @@
           <a:p>
             <a:fld id="{15AA5CCC-4B78-4276-9AC6-481FB1048F0E}" type="datetimeFigureOut">
               <a:rPr lang="fr-FR" smtClean="0"/>
-              <a:t>30/11/2022</a:t>
+              <a:t>04/12/2022</a:t>
             </a:fld>
             <a:endParaRPr lang="fr-FR"/>
           </a:p>
@@ -310,7 +314,7 @@
           <a:p>
             <a:fld id="{6F5BCCEC-CD51-4DF1-9344-DEAA97C69DD5}" type="slidenum">
               <a:rPr lang="fr-FR" smtClean="0"/>
-              <a:t>‹N°›</a:t>
+              <a:t>‹#›</a:t>
             </a:fld>
             <a:endParaRPr lang="fr-FR"/>
           </a:p>
@@ -454,7 +458,7 @@
           <a:p>
             <a:fld id="{15AA5CCC-4B78-4276-9AC6-481FB1048F0E}" type="datetimeFigureOut">
               <a:rPr lang="fr-FR" smtClean="0"/>
-              <a:t>30/11/2022</a:t>
+              <a:t>04/12/2022</a:t>
             </a:fld>
             <a:endParaRPr lang="fr-FR"/>
           </a:p>
@@ -508,7 +512,7 @@
           <a:p>
             <a:fld id="{6F5BCCEC-CD51-4DF1-9344-DEAA97C69DD5}" type="slidenum">
               <a:rPr lang="fr-FR" smtClean="0"/>
-              <a:t>‹N°›</a:t>
+              <a:t>‹#›</a:t>
             </a:fld>
             <a:endParaRPr lang="fr-FR"/>
           </a:p>
@@ -662,7 +666,7 @@
           <a:p>
             <a:fld id="{15AA5CCC-4B78-4276-9AC6-481FB1048F0E}" type="datetimeFigureOut">
               <a:rPr lang="fr-FR" smtClean="0"/>
-              <a:t>30/11/2022</a:t>
+              <a:t>04/12/2022</a:t>
             </a:fld>
             <a:endParaRPr lang="fr-FR"/>
           </a:p>
@@ -716,7 +720,7 @@
           <a:p>
             <a:fld id="{6F5BCCEC-CD51-4DF1-9344-DEAA97C69DD5}" type="slidenum">
               <a:rPr lang="fr-FR" smtClean="0"/>
-              <a:t>‹N°›</a:t>
+              <a:t>‹#›</a:t>
             </a:fld>
             <a:endParaRPr lang="fr-FR"/>
           </a:p>
@@ -860,7 +864,7 @@
           <a:p>
             <a:fld id="{15AA5CCC-4B78-4276-9AC6-481FB1048F0E}" type="datetimeFigureOut">
               <a:rPr lang="fr-FR" smtClean="0"/>
-              <a:t>30/11/2022</a:t>
+              <a:t>04/12/2022</a:t>
             </a:fld>
             <a:endParaRPr lang="fr-FR"/>
           </a:p>
@@ -914,7 +918,7 @@
           <a:p>
             <a:fld id="{6F5BCCEC-CD51-4DF1-9344-DEAA97C69DD5}" type="slidenum">
               <a:rPr lang="fr-FR" smtClean="0"/>
-              <a:t>‹N°›</a:t>
+              <a:t>‹#›</a:t>
             </a:fld>
             <a:endParaRPr lang="fr-FR"/>
           </a:p>
@@ -1135,7 +1139,7 @@
           <a:p>
             <a:fld id="{15AA5CCC-4B78-4276-9AC6-481FB1048F0E}" type="datetimeFigureOut">
               <a:rPr lang="fr-FR" smtClean="0"/>
-              <a:t>30/11/2022</a:t>
+              <a:t>04/12/2022</a:t>
             </a:fld>
             <a:endParaRPr lang="fr-FR"/>
           </a:p>
@@ -1189,7 +1193,7 @@
           <a:p>
             <a:fld id="{6F5BCCEC-CD51-4DF1-9344-DEAA97C69DD5}" type="slidenum">
               <a:rPr lang="fr-FR" smtClean="0"/>
-              <a:t>‹N°›</a:t>
+              <a:t>‹#›</a:t>
             </a:fld>
             <a:endParaRPr lang="fr-FR"/>
           </a:p>
@@ -1400,7 +1404,7 @@
           <a:p>
             <a:fld id="{15AA5CCC-4B78-4276-9AC6-481FB1048F0E}" type="datetimeFigureOut">
               <a:rPr lang="fr-FR" smtClean="0"/>
-              <a:t>30/11/2022</a:t>
+              <a:t>04/12/2022</a:t>
             </a:fld>
             <a:endParaRPr lang="fr-FR"/>
           </a:p>
@@ -1454,7 +1458,7 @@
           <a:p>
             <a:fld id="{6F5BCCEC-CD51-4DF1-9344-DEAA97C69DD5}" type="slidenum">
               <a:rPr lang="fr-FR" smtClean="0"/>
-              <a:t>‹N°›</a:t>
+              <a:t>‹#›</a:t>
             </a:fld>
             <a:endParaRPr lang="fr-FR"/>
           </a:p>
@@ -1812,7 +1816,7 @@
           <a:p>
             <a:fld id="{15AA5CCC-4B78-4276-9AC6-481FB1048F0E}" type="datetimeFigureOut">
               <a:rPr lang="fr-FR" smtClean="0"/>
-              <a:t>30/11/2022</a:t>
+              <a:t>04/12/2022</a:t>
             </a:fld>
             <a:endParaRPr lang="fr-FR"/>
           </a:p>
@@ -1866,7 +1870,7 @@
           <a:p>
             <a:fld id="{6F5BCCEC-CD51-4DF1-9344-DEAA97C69DD5}" type="slidenum">
               <a:rPr lang="fr-FR" smtClean="0"/>
-              <a:t>‹N°›</a:t>
+              <a:t>‹#›</a:t>
             </a:fld>
             <a:endParaRPr lang="fr-FR"/>
           </a:p>
@@ -1953,7 +1957,7 @@
           <a:p>
             <a:fld id="{15AA5CCC-4B78-4276-9AC6-481FB1048F0E}" type="datetimeFigureOut">
               <a:rPr lang="fr-FR" smtClean="0"/>
-              <a:t>30/11/2022</a:t>
+              <a:t>04/12/2022</a:t>
             </a:fld>
             <a:endParaRPr lang="fr-FR"/>
           </a:p>
@@ -2007,7 +2011,7 @@
           <a:p>
             <a:fld id="{6F5BCCEC-CD51-4DF1-9344-DEAA97C69DD5}" type="slidenum">
               <a:rPr lang="fr-FR" smtClean="0"/>
-              <a:t>‹N°›</a:t>
+              <a:t>‹#›</a:t>
             </a:fld>
             <a:endParaRPr lang="fr-FR"/>
           </a:p>
@@ -2066,7 +2070,7 @@
           <a:p>
             <a:fld id="{15AA5CCC-4B78-4276-9AC6-481FB1048F0E}" type="datetimeFigureOut">
               <a:rPr lang="fr-FR" smtClean="0"/>
-              <a:t>30/11/2022</a:t>
+              <a:t>04/12/2022</a:t>
             </a:fld>
             <a:endParaRPr lang="fr-FR"/>
           </a:p>
@@ -2120,7 +2124,7 @@
           <a:p>
             <a:fld id="{6F5BCCEC-CD51-4DF1-9344-DEAA97C69DD5}" type="slidenum">
               <a:rPr lang="fr-FR" smtClean="0"/>
-              <a:t>‹N°›</a:t>
+              <a:t>‹#›</a:t>
             </a:fld>
             <a:endParaRPr lang="fr-FR"/>
           </a:p>
@@ -2377,7 +2381,7 @@
           <a:p>
             <a:fld id="{15AA5CCC-4B78-4276-9AC6-481FB1048F0E}" type="datetimeFigureOut">
               <a:rPr lang="fr-FR" smtClean="0"/>
-              <a:t>30/11/2022</a:t>
+              <a:t>04/12/2022</a:t>
             </a:fld>
             <a:endParaRPr lang="fr-FR"/>
           </a:p>
@@ -2431,7 +2435,7 @@
           <a:p>
             <a:fld id="{6F5BCCEC-CD51-4DF1-9344-DEAA97C69DD5}" type="slidenum">
               <a:rPr lang="fr-FR" smtClean="0"/>
-              <a:t>‹N°›</a:t>
+              <a:t>‹#›</a:t>
             </a:fld>
             <a:endParaRPr lang="fr-FR"/>
           </a:p>
@@ -2665,7 +2669,7 @@
           <a:p>
             <a:fld id="{15AA5CCC-4B78-4276-9AC6-481FB1048F0E}" type="datetimeFigureOut">
               <a:rPr lang="fr-FR" smtClean="0"/>
-              <a:t>30/11/2022</a:t>
+              <a:t>04/12/2022</a:t>
             </a:fld>
             <a:endParaRPr lang="fr-FR"/>
           </a:p>
@@ -2719,7 +2723,7 @@
           <a:p>
             <a:fld id="{6F5BCCEC-CD51-4DF1-9344-DEAA97C69DD5}" type="slidenum">
               <a:rPr lang="fr-FR" smtClean="0"/>
-              <a:t>‹N°›</a:t>
+              <a:t>‹#›</a:t>
             </a:fld>
             <a:endParaRPr lang="fr-FR"/>
           </a:p>
@@ -2906,7 +2910,7 @@
           <a:p>
             <a:fld id="{15AA5CCC-4B78-4276-9AC6-481FB1048F0E}" type="datetimeFigureOut">
               <a:rPr lang="fr-FR" smtClean="0"/>
-              <a:t>30/11/2022</a:t>
+              <a:t>04/12/2022</a:t>
             </a:fld>
             <a:endParaRPr lang="fr-FR"/>
           </a:p>
@@ -2996,7 +3000,7 @@
           <a:p>
             <a:fld id="{6F5BCCEC-CD51-4DF1-9344-DEAA97C69DD5}" type="slidenum">
               <a:rPr lang="fr-FR" smtClean="0"/>
-              <a:t>‹N°›</a:t>
+              <a:t>‹#›</a:t>
             </a:fld>
             <a:endParaRPr lang="fr-FR"/>
           </a:p>
@@ -3309,6 +3313,14 @@
 <file path=ppt/slides/slide1.xml><?xml version="1.0" encoding="utf-8"?>
 <p:sld xmlns:a="http://schemas.openxmlformats.org/drawingml/2006/main" xmlns:r="http://schemas.openxmlformats.org/officeDocument/2006/relationships" xmlns:p="http://schemas.openxmlformats.org/presentationml/2006/main">
   <p:cSld>
+    <p:bg>
+      <p:bgPr>
+        <a:solidFill>
+          <a:schemeClr val="bg1"/>
+        </a:solidFill>
+        <a:effectLst/>
+      </p:bgPr>
+    </p:bg>
     <p:spTree>
       <p:nvGrpSpPr>
         <p:cNvPr id="1" name=""/>
@@ -3325,72 +3337,496 @@
       </p:grpSpPr>
       <p:sp>
         <p:nvSpPr>
-          <p:cNvPr id="2" name="Titre 1">
-            <a:extLst>
-              <a:ext uri="{FF2B5EF4-FFF2-40B4-BE49-F238E27FC236}">
-                <a16:creationId xmlns:a16="http://schemas.microsoft.com/office/drawing/2014/main" id="{77328127-2658-29C0-D5B6-2E19F8D9CB6F}"/>
-              </a:ext>
-            </a:extLst>
-          </p:cNvPr>
-          <p:cNvSpPr>
-            <a:spLocks noGrp="1"/>
-          </p:cNvSpPr>
-          <p:nvPr>
-            <p:ph type="ctrTitle"/>
-          </p:nvPr>
-        </p:nvSpPr>
-        <p:spPr/>
-        <p:txBody>
-          <a:bodyPr/>
-          <a:lstStyle/>
-          <a:p>
-            <a:r>
-              <a:rPr lang="en-GB"/>
-              <a:t>Readmission of the Diabetics patients</a:t>
-            </a:r>
-          </a:p>
-        </p:txBody>
-      </p:sp>
-      <p:sp>
-        <p:nvSpPr>
-          <p:cNvPr id="3" name="Sous-titre 2">
-            <a:extLst>
-              <a:ext uri="{FF2B5EF4-FFF2-40B4-BE49-F238E27FC236}">
-                <a16:creationId xmlns:a16="http://schemas.microsoft.com/office/drawing/2014/main" id="{E6A99786-7588-7713-3A13-18E7A087CB15}"/>
-              </a:ext>
-            </a:extLst>
-          </p:cNvPr>
-          <p:cNvSpPr>
-            <a:spLocks noGrp="1"/>
-          </p:cNvSpPr>
-          <p:nvPr>
-            <p:ph type="subTitle" idx="1"/>
+          <p:cNvPr id="9" name="Rectangle 8">
+            <a:extLst>
+              <a:ext uri="{FF2B5EF4-FFF2-40B4-BE49-F238E27FC236}">
+                <a16:creationId xmlns:a16="http://schemas.microsoft.com/office/drawing/2014/main" id="{E35A04CF-97D4-4FF7-B359-C546B1F62E54}"/>
+              </a:ext>
+              <a:ext uri="{C183D7F6-B498-43B3-948B-1728B52AA6E4}">
+                <adec:decorative xmlns:adec="http://schemas.microsoft.com/office/drawing/2017/decorative" val="1"/>
+              </a:ext>
+            </a:extLst>
+          </p:cNvPr>
+          <p:cNvSpPr>
+            <a:spLocks noGrp="1" noRot="1" noChangeAspect="1" noMove="1" noResize="1" noEditPoints="1" noAdjustHandles="1" noChangeArrowheads="1" noChangeShapeType="1" noTextEdit="1"/>
+          </p:cNvSpPr>
+          <p:nvPr>
+            <p:extLst>
+              <p:ext uri="{386F3935-93C4-4BCD-93E2-E3B085C9AB24}">
+                <p16:designElem xmlns:p16="http://schemas.microsoft.com/office/powerpoint/2015/main" val="1"/>
+              </p:ext>
+            </p:extLst>
           </p:nvPr>
         </p:nvSpPr>
         <p:spPr>
           <a:xfrm>
-            <a:off x="1524000" y="3602038"/>
-            <a:ext cx="4572000" cy="1655762"/>
+            <a:off x="0" y="0"/>
+            <a:ext cx="12191999" cy="6858000"/>
+          </a:xfrm>
+          <a:prstGeom prst="rect">
+            <a:avLst/>
+          </a:prstGeom>
+          <a:solidFill>
+            <a:schemeClr val="bg1">
+              <a:lumMod val="85000"/>
+            </a:schemeClr>
+          </a:solidFill>
+          <a:ln>
+            <a:noFill/>
+          </a:ln>
+        </p:spPr>
+        <p:style>
+          <a:lnRef idx="2">
+            <a:schemeClr val="accent1">
+              <a:shade val="50000"/>
+            </a:schemeClr>
+          </a:lnRef>
+          <a:fillRef idx="1">
+            <a:schemeClr val="accent1"/>
+          </a:fillRef>
+          <a:effectRef idx="0">
+            <a:schemeClr val="accent1"/>
+          </a:effectRef>
+          <a:fontRef idx="minor">
+            <a:schemeClr val="lt1"/>
+          </a:fontRef>
+        </p:style>
+        <p:txBody>
+          <a:bodyPr rtlCol="0" anchor="ctr"/>
+          <a:lstStyle/>
+          <a:p>
+            <a:pPr algn="ctr"/>
+            <a:endParaRPr lang="en-US"/>
+          </a:p>
+        </p:txBody>
+      </p:sp>
+      <p:sp>
+        <p:nvSpPr>
+          <p:cNvPr id="11" name="Freeform: Shape 10">
+            <a:extLst>
+              <a:ext uri="{FF2B5EF4-FFF2-40B4-BE49-F238E27FC236}">
+                <a16:creationId xmlns:a16="http://schemas.microsoft.com/office/drawing/2014/main" id="{1DE7243B-5109-444B-8FAF-7437C66BC0E9}"/>
+              </a:ext>
+              <a:ext uri="{C183D7F6-B498-43B3-948B-1728B52AA6E4}">
+                <adec:decorative xmlns:adec="http://schemas.microsoft.com/office/drawing/2017/decorative" val="1"/>
+              </a:ext>
+            </a:extLst>
+          </p:cNvPr>
+          <p:cNvSpPr>
+            <a:spLocks noGrp="1" noRot="1" noChangeAspect="1" noMove="1" noResize="1" noEditPoints="1" noAdjustHandles="1" noChangeArrowheads="1" noChangeShapeType="1" noTextEdit="1"/>
+          </p:cNvSpPr>
+          <p:nvPr>
+            <p:extLst>
+              <p:ext uri="{386F3935-93C4-4BCD-93E2-E3B085C9AB24}">
+                <p16:designElem xmlns:p16="http://schemas.microsoft.com/office/powerpoint/2015/main" val="1"/>
+              </p:ext>
+            </p:extLst>
+          </p:nvPr>
+        </p:nvSpPr>
+        <p:spPr>
+          <a:xfrm flipH="1">
+            <a:off x="0" y="0"/>
+            <a:ext cx="4421332" cy="6858000"/>
+          </a:xfrm>
+          <a:custGeom>
+            <a:avLst/>
+            <a:gdLst>
+              <a:gd name="connsiteX0" fmla="*/ 4421332 w 4421332"/>
+              <a:gd name="connsiteY0" fmla="*/ 0 h 6858000"/>
+              <a:gd name="connsiteX1" fmla="*/ 69075 w 4421332"/>
+              <a:gd name="connsiteY1" fmla="*/ 0 h 6858000"/>
+              <a:gd name="connsiteX2" fmla="*/ 35131 w 4421332"/>
+              <a:gd name="connsiteY2" fmla="*/ 267128 h 6858000"/>
+              <a:gd name="connsiteX3" fmla="*/ 0 w 4421332"/>
+              <a:gd name="connsiteY3" fmla="*/ 962845 h 6858000"/>
+              <a:gd name="connsiteX4" fmla="*/ 3276103 w 4421332"/>
+              <a:gd name="connsiteY4" fmla="*/ 6782205 h 6858000"/>
+              <a:gd name="connsiteX5" fmla="*/ 3407923 w 4421332"/>
+              <a:gd name="connsiteY5" fmla="*/ 6858000 h 6858000"/>
+              <a:gd name="connsiteX6" fmla="*/ 4421332 w 4421332"/>
+              <a:gd name="connsiteY6" fmla="*/ 6858000 h 6858000"/>
+            </a:gdLst>
+            <a:ahLst/>
+            <a:cxnLst>
+              <a:cxn ang="0">
+                <a:pos x="connsiteX0" y="connsiteY0"/>
+              </a:cxn>
+              <a:cxn ang="0">
+                <a:pos x="connsiteX1" y="connsiteY1"/>
+              </a:cxn>
+              <a:cxn ang="0">
+                <a:pos x="connsiteX2" y="connsiteY2"/>
+              </a:cxn>
+              <a:cxn ang="0">
+                <a:pos x="connsiteX3" y="connsiteY3"/>
+              </a:cxn>
+              <a:cxn ang="0">
+                <a:pos x="connsiteX4" y="connsiteY4"/>
+              </a:cxn>
+              <a:cxn ang="0">
+                <a:pos x="connsiteX5" y="connsiteY5"/>
+              </a:cxn>
+              <a:cxn ang="0">
+                <a:pos x="connsiteX6" y="connsiteY6"/>
+              </a:cxn>
+            </a:cxnLst>
+            <a:rect l="l" t="t" r="r" b="b"/>
+            <a:pathLst>
+              <a:path w="4421332" h="6858000">
+                <a:moveTo>
+                  <a:pt x="4421332" y="0"/>
+                </a:moveTo>
+                <a:lnTo>
+                  <a:pt x="69075" y="0"/>
+                </a:lnTo>
+                <a:lnTo>
+                  <a:pt x="35131" y="267128"/>
+                </a:lnTo>
+                <a:cubicBezTo>
+                  <a:pt x="11901" y="495874"/>
+                  <a:pt x="0" y="727970"/>
+                  <a:pt x="0" y="962845"/>
+                </a:cubicBezTo>
+                <a:cubicBezTo>
+                  <a:pt x="0" y="3429034"/>
+                  <a:pt x="1312002" y="5588789"/>
+                  <a:pt x="3276103" y="6782205"/>
+                </a:cubicBezTo>
+                <a:lnTo>
+                  <a:pt x="3407923" y="6858000"/>
+                </a:lnTo>
+                <a:lnTo>
+                  <a:pt x="4421332" y="6858000"/>
+                </a:lnTo>
+                <a:close/>
+              </a:path>
+            </a:pathLst>
+          </a:custGeom>
+          <a:solidFill>
+            <a:srgbClr val="FFFFFF">
+              <a:alpha val="80000"/>
+            </a:srgbClr>
+          </a:solidFill>
+          <a:ln>
+            <a:noFill/>
+          </a:ln>
+        </p:spPr>
+        <p:style>
+          <a:lnRef idx="2">
+            <a:schemeClr val="accent1">
+              <a:shade val="50000"/>
+            </a:schemeClr>
+          </a:lnRef>
+          <a:fillRef idx="1">
+            <a:schemeClr val="accent1"/>
+          </a:fillRef>
+          <a:effectRef idx="0">
+            <a:schemeClr val="accent1"/>
+          </a:effectRef>
+          <a:fontRef idx="minor">
+            <a:schemeClr val="lt1"/>
+          </a:fontRef>
+        </p:style>
+        <p:txBody>
+          <a:bodyPr wrap="square" rtlCol="0" anchor="ctr">
+            <a:noAutofit/>
+          </a:bodyPr>
+          <a:lstStyle/>
+          <a:p>
+            <a:pPr marL="0" marR="0" lvl="0" indent="0" algn="ctr" defTabSz="914400" rtl="0" eaLnBrk="1" fontAlgn="auto" latinLnBrk="0" hangingPunct="1">
+              <a:lnSpc>
+                <a:spcPct val="100000"/>
+              </a:lnSpc>
+              <a:spcBef>
+                <a:spcPts val="0"/>
+              </a:spcBef>
+              <a:spcAft>
+                <a:spcPts val="0"/>
+              </a:spcAft>
+              <a:buClrTx/>
+              <a:buSzTx/>
+              <a:buFontTx/>
+              <a:buNone/>
+              <a:tabLst/>
+              <a:defRPr/>
+            </a:pPr>
+            <a:endParaRPr kumimoji="0" lang="en-US" sz="1800" b="0" i="0" u="none" strike="noStrike" kern="1200" cap="none" spc="0" normalizeH="0" baseline="0" noProof="0">
+              <a:ln>
+                <a:noFill/>
+              </a:ln>
+              <a:solidFill>
+                <a:prstClr val="white"/>
+              </a:solidFill>
+              <a:effectLst/>
+              <a:uLnTx/>
+              <a:uFillTx/>
+              <a:latin typeface="Calibri" panose="020F0502020204030204"/>
+              <a:ea typeface="+mn-ea"/>
+              <a:cs typeface="+mn-cs"/>
+            </a:endParaRPr>
+          </a:p>
+        </p:txBody>
+      </p:sp>
+      <p:sp>
+        <p:nvSpPr>
+          <p:cNvPr id="13" name="Freeform: Shape 12">
+            <a:extLst>
+              <a:ext uri="{FF2B5EF4-FFF2-40B4-BE49-F238E27FC236}">
+                <a16:creationId xmlns:a16="http://schemas.microsoft.com/office/drawing/2014/main" id="{4C5D6221-DA7B-4611-AA26-7D8E349FDE96}"/>
+              </a:ext>
+              <a:ext uri="{C183D7F6-B498-43B3-948B-1728B52AA6E4}">
+                <adec:decorative xmlns:adec="http://schemas.microsoft.com/office/drawing/2017/decorative" val="1"/>
+              </a:ext>
+            </a:extLst>
+          </p:cNvPr>
+          <p:cNvSpPr>
+            <a:spLocks noGrp="1" noRot="1" noChangeAspect="1" noMove="1" noResize="1" noEditPoints="1" noAdjustHandles="1" noChangeArrowheads="1" noChangeShapeType="1" noTextEdit="1"/>
+          </p:cNvSpPr>
+          <p:nvPr>
+            <p:extLst>
+              <p:ext uri="{386F3935-93C4-4BCD-93E2-E3B085C9AB24}">
+                <p16:designElem xmlns:p16="http://schemas.microsoft.com/office/powerpoint/2015/main" val="1"/>
+              </p:ext>
+            </p:extLst>
+          </p:nvPr>
+        </p:nvSpPr>
+        <p:spPr>
+          <a:xfrm>
+            <a:off x="1" y="0"/>
+            <a:ext cx="4232227" cy="6858000"/>
+          </a:xfrm>
+          <a:custGeom>
+            <a:avLst/>
+            <a:gdLst>
+              <a:gd name="connsiteX0" fmla="*/ 0 w 4232227"/>
+              <a:gd name="connsiteY0" fmla="*/ 0 h 6858000"/>
+              <a:gd name="connsiteX1" fmla="*/ 4161853 w 4232227"/>
+              <a:gd name="connsiteY1" fmla="*/ 0 h 6858000"/>
+              <a:gd name="connsiteX2" fmla="*/ 4197953 w 4232227"/>
+              <a:gd name="connsiteY2" fmla="*/ 284091 h 6858000"/>
+              <a:gd name="connsiteX3" fmla="*/ 4232227 w 4232227"/>
+              <a:gd name="connsiteY3" fmla="*/ 962844 h 6858000"/>
+              <a:gd name="connsiteX4" fmla="*/ 758007 w 4232227"/>
+              <a:gd name="connsiteY4" fmla="*/ 6800152 h 6858000"/>
+              <a:gd name="connsiteX5" fmla="*/ 645060 w 4232227"/>
+              <a:gd name="connsiteY5" fmla="*/ 6858000 h 6858000"/>
+              <a:gd name="connsiteX6" fmla="*/ 0 w 4232227"/>
+              <a:gd name="connsiteY6" fmla="*/ 6858000 h 6858000"/>
+            </a:gdLst>
+            <a:ahLst/>
+            <a:cxnLst>
+              <a:cxn ang="0">
+                <a:pos x="connsiteX0" y="connsiteY0"/>
+              </a:cxn>
+              <a:cxn ang="0">
+                <a:pos x="connsiteX1" y="connsiteY1"/>
+              </a:cxn>
+              <a:cxn ang="0">
+                <a:pos x="connsiteX2" y="connsiteY2"/>
+              </a:cxn>
+              <a:cxn ang="0">
+                <a:pos x="connsiteX3" y="connsiteY3"/>
+              </a:cxn>
+              <a:cxn ang="0">
+                <a:pos x="connsiteX4" y="connsiteY4"/>
+              </a:cxn>
+              <a:cxn ang="0">
+                <a:pos x="connsiteX5" y="connsiteY5"/>
+              </a:cxn>
+              <a:cxn ang="0">
+                <a:pos x="connsiteX6" y="connsiteY6"/>
+              </a:cxn>
+            </a:cxnLst>
+            <a:rect l="l" t="t" r="r" b="b"/>
+            <a:pathLst>
+              <a:path w="4232227" h="6858000">
+                <a:moveTo>
+                  <a:pt x="0" y="0"/>
+                </a:moveTo>
+                <a:lnTo>
+                  <a:pt x="4161853" y="0"/>
+                </a:lnTo>
+                <a:lnTo>
+                  <a:pt x="4197953" y="284091"/>
+                </a:lnTo>
+                <a:cubicBezTo>
+                  <a:pt x="4220617" y="507260"/>
+                  <a:pt x="4232227" y="733696"/>
+                  <a:pt x="4232227" y="962844"/>
+                </a:cubicBezTo>
+                <a:cubicBezTo>
+                  <a:pt x="4232227" y="3483472"/>
+                  <a:pt x="2827409" y="5675986"/>
+                  <a:pt x="758007" y="6800152"/>
+                </a:cubicBezTo>
+                <a:lnTo>
+                  <a:pt x="645060" y="6858000"/>
+                </a:lnTo>
+                <a:lnTo>
+                  <a:pt x="0" y="6858000"/>
+                </a:lnTo>
+                <a:close/>
+              </a:path>
+            </a:pathLst>
+          </a:custGeom>
+          <a:solidFill>
+            <a:srgbClr val="404040"/>
+          </a:solidFill>
+          <a:ln>
+            <a:noFill/>
+          </a:ln>
+        </p:spPr>
+        <p:style>
+          <a:lnRef idx="2">
+            <a:schemeClr val="accent1">
+              <a:shade val="50000"/>
+            </a:schemeClr>
+          </a:lnRef>
+          <a:fillRef idx="1">
+            <a:schemeClr val="accent1"/>
+          </a:fillRef>
+          <a:effectRef idx="0">
+            <a:schemeClr val="accent1"/>
+          </a:effectRef>
+          <a:fontRef idx="minor">
+            <a:schemeClr val="lt1"/>
+          </a:fontRef>
+        </p:style>
+        <p:txBody>
+          <a:bodyPr wrap="square" rtlCol="0" anchor="ctr">
+            <a:noAutofit/>
+          </a:bodyPr>
+          <a:lstStyle/>
+          <a:p>
+            <a:pPr marL="0" marR="0" lvl="0" indent="0" algn="ctr" defTabSz="914400" rtl="0" eaLnBrk="1" fontAlgn="auto" latinLnBrk="0" hangingPunct="1">
+              <a:lnSpc>
+                <a:spcPct val="100000"/>
+              </a:lnSpc>
+              <a:spcBef>
+                <a:spcPts val="0"/>
+              </a:spcBef>
+              <a:spcAft>
+                <a:spcPts val="0"/>
+              </a:spcAft>
+              <a:buClrTx/>
+              <a:buSzTx/>
+              <a:buFontTx/>
+              <a:buNone/>
+              <a:tabLst/>
+              <a:defRPr/>
+            </a:pPr>
+            <a:endParaRPr kumimoji="0" lang="en-US" sz="1800" b="0" i="0" u="none" strike="noStrike" kern="1200" cap="none" spc="0" normalizeH="0" baseline="0" noProof="0">
+              <a:ln>
+                <a:noFill/>
+              </a:ln>
+              <a:solidFill>
+                <a:prstClr val="white"/>
+              </a:solidFill>
+              <a:effectLst/>
+              <a:uLnTx/>
+              <a:uFillTx/>
+              <a:latin typeface="Calibri" panose="020F0502020204030204"/>
+              <a:ea typeface="+mn-ea"/>
+              <a:cs typeface="+mn-cs"/>
+            </a:endParaRPr>
+          </a:p>
+        </p:txBody>
+      </p:sp>
+      <p:sp>
+        <p:nvSpPr>
+          <p:cNvPr id="2" name="Titre 1">
+            <a:extLst>
+              <a:ext uri="{FF2B5EF4-FFF2-40B4-BE49-F238E27FC236}">
+                <a16:creationId xmlns:a16="http://schemas.microsoft.com/office/drawing/2014/main" id="{77328127-2658-29C0-D5B6-2E19F8D9CB6F}"/>
+              </a:ext>
+            </a:extLst>
+          </p:cNvPr>
+          <p:cNvSpPr>
+            <a:spLocks noGrp="1"/>
+          </p:cNvSpPr>
+          <p:nvPr>
+            <p:ph type="ctrTitle"/>
+          </p:nvPr>
+        </p:nvSpPr>
+        <p:spPr>
+          <a:xfrm>
+            <a:off x="306769" y="1548676"/>
+            <a:ext cx="3618690" cy="2156621"/>
           </a:xfrm>
         </p:spPr>
         <p:txBody>
-          <a:bodyPr/>
-          <a:lstStyle/>
-          <a:p>
-            <a:r>
-              <a:rPr lang="fr-FR" dirty="0"/>
+          <a:bodyPr vert="horz" lIns="91440" tIns="45720" rIns="91440" bIns="45720" rtlCol="0" anchor="t">
+            <a:normAutofit/>
+          </a:bodyPr>
+          <a:lstStyle/>
+          <a:p>
+            <a:pPr algn="l"/>
+            <a:r>
+              <a:rPr lang="en-US" sz="3600" b="1" kern="1200" dirty="0">
+                <a:solidFill>
+                  <a:srgbClr val="FFFFFF"/>
+                </a:solidFill>
+                <a:latin typeface="Century Gothic" panose="020B0502020202090204" pitchFamily="34" charset="0"/>
+              </a:rPr>
+              <a:t>Readmission of the Diabetics patients</a:t>
+            </a:r>
+          </a:p>
+        </p:txBody>
+      </p:sp>
+      <p:sp>
+        <p:nvSpPr>
+          <p:cNvPr id="3" name="Sous-titre 2">
+            <a:extLst>
+              <a:ext uri="{FF2B5EF4-FFF2-40B4-BE49-F238E27FC236}">
+                <a16:creationId xmlns:a16="http://schemas.microsoft.com/office/drawing/2014/main" id="{E6A99786-7588-7713-3A13-18E7A087CB15}"/>
+              </a:ext>
+            </a:extLst>
+          </p:cNvPr>
+          <p:cNvSpPr>
+            <a:spLocks noGrp="1"/>
+          </p:cNvSpPr>
+          <p:nvPr>
+            <p:ph type="subTitle" idx="1"/>
+          </p:nvPr>
+        </p:nvSpPr>
+        <p:spPr>
+          <a:xfrm>
+            <a:off x="8451604" y="4390102"/>
+            <a:ext cx="2926080" cy="1456221"/>
+          </a:xfrm>
+        </p:spPr>
+        <p:txBody>
+          <a:bodyPr vert="horz" lIns="91440" tIns="45720" rIns="91440" bIns="45720" rtlCol="0">
+            <a:normAutofit/>
+          </a:bodyPr>
+          <a:lstStyle/>
+          <a:p>
+            <a:pPr indent="-228600" algn="l">
+              <a:buFont typeface="Arial" panose="020B0604020202020204" pitchFamily="34" charset="0"/>
+              <a:buChar char="•"/>
+            </a:pPr>
+            <a:r>
+              <a:rPr lang="en-US" sz="2000" dirty="0"/>
               <a:t>By: Arnaud DE BRITO</a:t>
             </a:r>
           </a:p>
           <a:p>
-            <a:r>
-              <a:rPr lang="fr-FR" dirty="0"/>
+            <a:pPr indent="-228600" algn="l">
+              <a:buFont typeface="Arial" panose="020B0604020202020204" pitchFamily="34" charset="0"/>
+              <a:buChar char="•"/>
+            </a:pPr>
+            <a:r>
+              <a:rPr lang="en-US" sz="2000" dirty="0"/>
               <a:t>Nicolas FERRARA</a:t>
             </a:r>
           </a:p>
           <a:p>
-            <a:r>
-              <a:rPr lang="fr-FR" dirty="0"/>
+            <a:pPr indent="-228600" algn="l">
+              <a:buFont typeface="Arial" panose="020B0604020202020204" pitchFamily="34" charset="0"/>
+              <a:buChar char="•"/>
+            </a:pPr>
+            <a:r>
+              <a:rPr lang="en-US" sz="2000" dirty="0"/>
               <a:t>Constance LE FOURN</a:t>
             </a:r>
           </a:p>
@@ -3412,8 +3848,8 @@
         </p:nvSpPr>
         <p:spPr>
           <a:xfrm>
-            <a:off x="6096000" y="3602038"/>
-            <a:ext cx="4572000" cy="1655762"/>
+            <a:off x="6391072" y="858530"/>
+            <a:ext cx="4986612" cy="1768456"/>
           </a:xfrm>
           <a:prstGeom prst="rect">
             <a:avLst/>
@@ -3588,20 +4024,33 @@
             </a:lvl9pPr>
           </a:lstStyle>
           <a:p>
-            <a:r>
-              <a:rPr lang="fr-FR" dirty="0"/>
-              <a:t>Python for Data </a:t>
-            </a:r>
-            <a:r>
-              <a:rPr lang="fr-FR" dirty="0" err="1"/>
-              <a:t>analysis</a:t>
-            </a:r>
-            <a:endParaRPr lang="fr-FR" dirty="0"/>
-          </a:p>
-          <a:p>
-            <a:r>
-              <a:rPr lang="fr-FR" dirty="0"/>
-              <a:t>Imen OULED DLALA</a:t>
+            <a:pPr algn="l"/>
+            <a:r>
+              <a:rPr lang="en-US" sz="3200" b="1" dirty="0">
+                <a:latin typeface="Century Gothic" panose="020B0502020202090204" pitchFamily="34" charset="0"/>
+              </a:rPr>
+              <a:t>Python for Data analysis</a:t>
+            </a:r>
+          </a:p>
+          <a:p>
+            <a:pPr algn="l"/>
+            <a:endParaRPr lang="en-US" sz="2000" dirty="0">
+              <a:latin typeface="Century Gothic" panose="020B0502020202090204" pitchFamily="34" charset="0"/>
+            </a:endParaRPr>
+          </a:p>
+          <a:p>
+            <a:pPr algn="l"/>
+            <a:r>
+              <a:rPr lang="en-US" sz="2000" dirty="0" err="1">
+                <a:latin typeface="Century Gothic" panose="020B0502020202090204" pitchFamily="34" charset="0"/>
+              </a:rPr>
+              <a:t>Imen</a:t>
+            </a:r>
+            <a:r>
+              <a:rPr lang="en-US" sz="2000" dirty="0">
+                <a:latin typeface="Century Gothic" panose="020B0502020202090204" pitchFamily="34" charset="0"/>
+              </a:rPr>
+              <a:t> OULED DLALA</a:t>
             </a:r>
           </a:p>
         </p:txBody>
@@ -3622,6 +4071,14 @@
 <file path=ppt/slides/slide2.xml><?xml version="1.0" encoding="utf-8"?>
 <p:sld xmlns:a="http://schemas.openxmlformats.org/drawingml/2006/main" xmlns:r="http://schemas.openxmlformats.org/officeDocument/2006/relationships" xmlns:p="http://schemas.openxmlformats.org/presentationml/2006/main">
   <p:cSld>
+    <p:bg>
+      <p:bgPr>
+        <a:solidFill>
+          <a:schemeClr val="bg1"/>
+        </a:solidFill>
+        <a:effectLst/>
+      </p:bgPr>
+    </p:bg>
     <p:spTree>
       <p:nvGrpSpPr>
         <p:cNvPr id="1" name=""/>
@@ -3638,138 +4095,728 @@
       </p:grpSpPr>
       <p:sp>
         <p:nvSpPr>
+          <p:cNvPr id="9" name="Rectangle 8">
+            <a:extLst>
+              <a:ext uri="{FF2B5EF4-FFF2-40B4-BE49-F238E27FC236}">
+                <a16:creationId xmlns:a16="http://schemas.microsoft.com/office/drawing/2014/main" id="{E35A04CF-97D4-4FF7-B359-C546B1F62E54}"/>
+              </a:ext>
+              <a:ext uri="{C183D7F6-B498-43B3-948B-1728B52AA6E4}">
+                <adec:decorative xmlns:adec="http://schemas.microsoft.com/office/drawing/2017/decorative" val="1"/>
+              </a:ext>
+            </a:extLst>
+          </p:cNvPr>
+          <p:cNvSpPr>
+            <a:spLocks noGrp="1" noRot="1" noChangeAspect="1" noMove="1" noResize="1" noEditPoints="1" noAdjustHandles="1" noChangeArrowheads="1" noChangeShapeType="1" noTextEdit="1"/>
+          </p:cNvSpPr>
+          <p:nvPr>
+            <p:extLst>
+              <p:ext uri="{386F3935-93C4-4BCD-93E2-E3B085C9AB24}">
+                <p16:designElem xmlns:p16="http://schemas.microsoft.com/office/powerpoint/2015/main" val="1"/>
+              </p:ext>
+            </p:extLst>
+          </p:nvPr>
+        </p:nvSpPr>
+        <p:spPr>
+          <a:xfrm>
+            <a:off x="0" y="0"/>
+            <a:ext cx="12191999" cy="6858000"/>
+          </a:xfrm>
+          <a:prstGeom prst="rect">
+            <a:avLst/>
+          </a:prstGeom>
+          <a:solidFill>
+            <a:schemeClr val="bg1">
+              <a:lumMod val="85000"/>
+            </a:schemeClr>
+          </a:solidFill>
+          <a:ln>
+            <a:noFill/>
+          </a:ln>
+        </p:spPr>
+        <p:style>
+          <a:lnRef idx="2">
+            <a:schemeClr val="accent1">
+              <a:shade val="50000"/>
+            </a:schemeClr>
+          </a:lnRef>
+          <a:fillRef idx="1">
+            <a:schemeClr val="accent1"/>
+          </a:fillRef>
+          <a:effectRef idx="0">
+            <a:schemeClr val="accent1"/>
+          </a:effectRef>
+          <a:fontRef idx="minor">
+            <a:schemeClr val="lt1"/>
+          </a:fontRef>
+        </p:style>
+        <p:txBody>
+          <a:bodyPr rtlCol="0" anchor="ctr"/>
+          <a:lstStyle/>
+          <a:p>
+            <a:pPr algn="ctr"/>
+            <a:endParaRPr lang="en-US"/>
+          </a:p>
+        </p:txBody>
+      </p:sp>
+      <p:sp>
+        <p:nvSpPr>
+          <p:cNvPr id="11" name="Freeform: Shape 10">
+            <a:extLst>
+              <a:ext uri="{FF2B5EF4-FFF2-40B4-BE49-F238E27FC236}">
+                <a16:creationId xmlns:a16="http://schemas.microsoft.com/office/drawing/2014/main" id="{1DE7243B-5109-444B-8FAF-7437C66BC0E9}"/>
+              </a:ext>
+              <a:ext uri="{C183D7F6-B498-43B3-948B-1728B52AA6E4}">
+                <adec:decorative xmlns:adec="http://schemas.microsoft.com/office/drawing/2017/decorative" val="1"/>
+              </a:ext>
+            </a:extLst>
+          </p:cNvPr>
+          <p:cNvSpPr>
+            <a:spLocks noGrp="1" noRot="1" noChangeAspect="1" noMove="1" noResize="1" noEditPoints="1" noAdjustHandles="1" noChangeArrowheads="1" noChangeShapeType="1" noTextEdit="1"/>
+          </p:cNvSpPr>
+          <p:nvPr>
+            <p:extLst>
+              <p:ext uri="{386F3935-93C4-4BCD-93E2-E3B085C9AB24}">
+                <p16:designElem xmlns:p16="http://schemas.microsoft.com/office/powerpoint/2015/main" val="1"/>
+              </p:ext>
+            </p:extLst>
+          </p:nvPr>
+        </p:nvSpPr>
+        <p:spPr>
+          <a:xfrm flipH="1">
+            <a:off x="0" y="0"/>
+            <a:ext cx="4421332" cy="6858000"/>
+          </a:xfrm>
+          <a:custGeom>
+            <a:avLst/>
+            <a:gdLst>
+              <a:gd name="connsiteX0" fmla="*/ 4421332 w 4421332"/>
+              <a:gd name="connsiteY0" fmla="*/ 0 h 6858000"/>
+              <a:gd name="connsiteX1" fmla="*/ 69075 w 4421332"/>
+              <a:gd name="connsiteY1" fmla="*/ 0 h 6858000"/>
+              <a:gd name="connsiteX2" fmla="*/ 35131 w 4421332"/>
+              <a:gd name="connsiteY2" fmla="*/ 267128 h 6858000"/>
+              <a:gd name="connsiteX3" fmla="*/ 0 w 4421332"/>
+              <a:gd name="connsiteY3" fmla="*/ 962845 h 6858000"/>
+              <a:gd name="connsiteX4" fmla="*/ 3276103 w 4421332"/>
+              <a:gd name="connsiteY4" fmla="*/ 6782205 h 6858000"/>
+              <a:gd name="connsiteX5" fmla="*/ 3407923 w 4421332"/>
+              <a:gd name="connsiteY5" fmla="*/ 6858000 h 6858000"/>
+              <a:gd name="connsiteX6" fmla="*/ 4421332 w 4421332"/>
+              <a:gd name="connsiteY6" fmla="*/ 6858000 h 6858000"/>
+            </a:gdLst>
+            <a:ahLst/>
+            <a:cxnLst>
+              <a:cxn ang="0">
+                <a:pos x="connsiteX0" y="connsiteY0"/>
+              </a:cxn>
+              <a:cxn ang="0">
+                <a:pos x="connsiteX1" y="connsiteY1"/>
+              </a:cxn>
+              <a:cxn ang="0">
+                <a:pos x="connsiteX2" y="connsiteY2"/>
+              </a:cxn>
+              <a:cxn ang="0">
+                <a:pos x="connsiteX3" y="connsiteY3"/>
+              </a:cxn>
+              <a:cxn ang="0">
+                <a:pos x="connsiteX4" y="connsiteY4"/>
+              </a:cxn>
+              <a:cxn ang="0">
+                <a:pos x="connsiteX5" y="connsiteY5"/>
+              </a:cxn>
+              <a:cxn ang="0">
+                <a:pos x="connsiteX6" y="connsiteY6"/>
+              </a:cxn>
+            </a:cxnLst>
+            <a:rect l="l" t="t" r="r" b="b"/>
+            <a:pathLst>
+              <a:path w="4421332" h="6858000">
+                <a:moveTo>
+                  <a:pt x="4421332" y="0"/>
+                </a:moveTo>
+                <a:lnTo>
+                  <a:pt x="69075" y="0"/>
+                </a:lnTo>
+                <a:lnTo>
+                  <a:pt x="35131" y="267128"/>
+                </a:lnTo>
+                <a:cubicBezTo>
+                  <a:pt x="11901" y="495874"/>
+                  <a:pt x="0" y="727970"/>
+                  <a:pt x="0" y="962845"/>
+                </a:cubicBezTo>
+                <a:cubicBezTo>
+                  <a:pt x="0" y="3429034"/>
+                  <a:pt x="1312002" y="5588789"/>
+                  <a:pt x="3276103" y="6782205"/>
+                </a:cubicBezTo>
+                <a:lnTo>
+                  <a:pt x="3407923" y="6858000"/>
+                </a:lnTo>
+                <a:lnTo>
+                  <a:pt x="4421332" y="6858000"/>
+                </a:lnTo>
+                <a:close/>
+              </a:path>
+            </a:pathLst>
+          </a:custGeom>
+          <a:solidFill>
+            <a:srgbClr val="FFFFFF">
+              <a:alpha val="80000"/>
+            </a:srgbClr>
+          </a:solidFill>
+          <a:ln>
+            <a:noFill/>
+          </a:ln>
+        </p:spPr>
+        <p:style>
+          <a:lnRef idx="2">
+            <a:schemeClr val="accent1">
+              <a:shade val="50000"/>
+            </a:schemeClr>
+          </a:lnRef>
+          <a:fillRef idx="1">
+            <a:schemeClr val="accent1"/>
+          </a:fillRef>
+          <a:effectRef idx="0">
+            <a:schemeClr val="accent1"/>
+          </a:effectRef>
+          <a:fontRef idx="minor">
+            <a:schemeClr val="lt1"/>
+          </a:fontRef>
+        </p:style>
+        <p:txBody>
+          <a:bodyPr wrap="square" rtlCol="0" anchor="ctr">
+            <a:noAutofit/>
+          </a:bodyPr>
+          <a:lstStyle/>
+          <a:p>
+            <a:pPr marL="0" marR="0" lvl="0" indent="0" algn="ctr" defTabSz="914400" rtl="0" eaLnBrk="1" fontAlgn="auto" latinLnBrk="0" hangingPunct="1">
+              <a:lnSpc>
+                <a:spcPct val="100000"/>
+              </a:lnSpc>
+              <a:spcBef>
+                <a:spcPts val="0"/>
+              </a:spcBef>
+              <a:spcAft>
+                <a:spcPts val="0"/>
+              </a:spcAft>
+              <a:buClrTx/>
+              <a:buSzTx/>
+              <a:buFontTx/>
+              <a:buNone/>
+              <a:tabLst/>
+              <a:defRPr/>
+            </a:pPr>
+            <a:endParaRPr kumimoji="0" lang="en-US" sz="1800" b="0" i="0" u="none" strike="noStrike" kern="1200" cap="none" spc="0" normalizeH="0" baseline="0" noProof="0">
+              <a:ln>
+                <a:noFill/>
+              </a:ln>
+              <a:solidFill>
+                <a:prstClr val="white"/>
+              </a:solidFill>
+              <a:effectLst/>
+              <a:uLnTx/>
+              <a:uFillTx/>
+              <a:latin typeface="Calibri" panose="020F0502020204030204"/>
+              <a:ea typeface="+mn-ea"/>
+              <a:cs typeface="+mn-cs"/>
+            </a:endParaRPr>
+          </a:p>
+        </p:txBody>
+      </p:sp>
+      <p:sp>
+        <p:nvSpPr>
+          <p:cNvPr id="13" name="Freeform: Shape 12">
+            <a:extLst>
+              <a:ext uri="{FF2B5EF4-FFF2-40B4-BE49-F238E27FC236}">
+                <a16:creationId xmlns:a16="http://schemas.microsoft.com/office/drawing/2014/main" id="{4C5D6221-DA7B-4611-AA26-7D8E349FDE96}"/>
+              </a:ext>
+              <a:ext uri="{C183D7F6-B498-43B3-948B-1728B52AA6E4}">
+                <adec:decorative xmlns:adec="http://schemas.microsoft.com/office/drawing/2017/decorative" val="1"/>
+              </a:ext>
+            </a:extLst>
+          </p:cNvPr>
+          <p:cNvSpPr>
+            <a:spLocks noGrp="1" noRot="1" noChangeAspect="1" noMove="1" noResize="1" noEditPoints="1" noAdjustHandles="1" noChangeArrowheads="1" noChangeShapeType="1" noTextEdit="1"/>
+          </p:cNvSpPr>
+          <p:nvPr>
+            <p:extLst>
+              <p:ext uri="{386F3935-93C4-4BCD-93E2-E3B085C9AB24}">
+                <p16:designElem xmlns:p16="http://schemas.microsoft.com/office/powerpoint/2015/main" val="1"/>
+              </p:ext>
+            </p:extLst>
+          </p:nvPr>
+        </p:nvSpPr>
+        <p:spPr>
+          <a:xfrm>
+            <a:off x="1" y="0"/>
+            <a:ext cx="4232227" cy="6858000"/>
+          </a:xfrm>
+          <a:custGeom>
+            <a:avLst/>
+            <a:gdLst>
+              <a:gd name="connsiteX0" fmla="*/ 0 w 4232227"/>
+              <a:gd name="connsiteY0" fmla="*/ 0 h 6858000"/>
+              <a:gd name="connsiteX1" fmla="*/ 4161853 w 4232227"/>
+              <a:gd name="connsiteY1" fmla="*/ 0 h 6858000"/>
+              <a:gd name="connsiteX2" fmla="*/ 4197953 w 4232227"/>
+              <a:gd name="connsiteY2" fmla="*/ 284091 h 6858000"/>
+              <a:gd name="connsiteX3" fmla="*/ 4232227 w 4232227"/>
+              <a:gd name="connsiteY3" fmla="*/ 962844 h 6858000"/>
+              <a:gd name="connsiteX4" fmla="*/ 758007 w 4232227"/>
+              <a:gd name="connsiteY4" fmla="*/ 6800152 h 6858000"/>
+              <a:gd name="connsiteX5" fmla="*/ 645060 w 4232227"/>
+              <a:gd name="connsiteY5" fmla="*/ 6858000 h 6858000"/>
+              <a:gd name="connsiteX6" fmla="*/ 0 w 4232227"/>
+              <a:gd name="connsiteY6" fmla="*/ 6858000 h 6858000"/>
+            </a:gdLst>
+            <a:ahLst/>
+            <a:cxnLst>
+              <a:cxn ang="0">
+                <a:pos x="connsiteX0" y="connsiteY0"/>
+              </a:cxn>
+              <a:cxn ang="0">
+                <a:pos x="connsiteX1" y="connsiteY1"/>
+              </a:cxn>
+              <a:cxn ang="0">
+                <a:pos x="connsiteX2" y="connsiteY2"/>
+              </a:cxn>
+              <a:cxn ang="0">
+                <a:pos x="connsiteX3" y="connsiteY3"/>
+              </a:cxn>
+              <a:cxn ang="0">
+                <a:pos x="connsiteX4" y="connsiteY4"/>
+              </a:cxn>
+              <a:cxn ang="0">
+                <a:pos x="connsiteX5" y="connsiteY5"/>
+              </a:cxn>
+              <a:cxn ang="0">
+                <a:pos x="connsiteX6" y="connsiteY6"/>
+              </a:cxn>
+            </a:cxnLst>
+            <a:rect l="l" t="t" r="r" b="b"/>
+            <a:pathLst>
+              <a:path w="4232227" h="6858000">
+                <a:moveTo>
+                  <a:pt x="0" y="0"/>
+                </a:moveTo>
+                <a:lnTo>
+                  <a:pt x="4161853" y="0"/>
+                </a:lnTo>
+                <a:lnTo>
+                  <a:pt x="4197953" y="284091"/>
+                </a:lnTo>
+                <a:cubicBezTo>
+                  <a:pt x="4220617" y="507260"/>
+                  <a:pt x="4232227" y="733696"/>
+                  <a:pt x="4232227" y="962844"/>
+                </a:cubicBezTo>
+                <a:cubicBezTo>
+                  <a:pt x="4232227" y="3483472"/>
+                  <a:pt x="2827409" y="5675986"/>
+                  <a:pt x="758007" y="6800152"/>
+                </a:cubicBezTo>
+                <a:lnTo>
+                  <a:pt x="645060" y="6858000"/>
+                </a:lnTo>
+                <a:lnTo>
+                  <a:pt x="0" y="6858000"/>
+                </a:lnTo>
+                <a:close/>
+              </a:path>
+            </a:pathLst>
+          </a:custGeom>
+          <a:solidFill>
+            <a:srgbClr val="404040"/>
+          </a:solidFill>
+          <a:ln>
+            <a:noFill/>
+          </a:ln>
+        </p:spPr>
+        <p:style>
+          <a:lnRef idx="2">
+            <a:schemeClr val="accent1">
+              <a:shade val="50000"/>
+            </a:schemeClr>
+          </a:lnRef>
+          <a:fillRef idx="1">
+            <a:schemeClr val="accent1"/>
+          </a:fillRef>
+          <a:effectRef idx="0">
+            <a:schemeClr val="accent1"/>
+          </a:effectRef>
+          <a:fontRef idx="minor">
+            <a:schemeClr val="lt1"/>
+          </a:fontRef>
+        </p:style>
+        <p:txBody>
+          <a:bodyPr wrap="square" rtlCol="0" anchor="ctr">
+            <a:noAutofit/>
+          </a:bodyPr>
+          <a:lstStyle/>
+          <a:p>
+            <a:pPr marL="0" marR="0" lvl="0" indent="0" algn="ctr" defTabSz="914400" rtl="0" eaLnBrk="1" fontAlgn="auto" latinLnBrk="0" hangingPunct="1">
+              <a:lnSpc>
+                <a:spcPct val="100000"/>
+              </a:lnSpc>
+              <a:spcBef>
+                <a:spcPts val="0"/>
+              </a:spcBef>
+              <a:spcAft>
+                <a:spcPts val="0"/>
+              </a:spcAft>
+              <a:buClrTx/>
+              <a:buSzTx/>
+              <a:buFontTx/>
+              <a:buNone/>
+              <a:tabLst/>
+              <a:defRPr/>
+            </a:pPr>
+            <a:endParaRPr kumimoji="0" lang="en-US" sz="1800" b="0" i="0" u="none" strike="noStrike" kern="1200" cap="none" spc="0" normalizeH="0" baseline="0" noProof="0">
+              <a:ln>
+                <a:noFill/>
+              </a:ln>
+              <a:solidFill>
+                <a:prstClr val="white"/>
+              </a:solidFill>
+              <a:effectLst/>
+              <a:uLnTx/>
+              <a:uFillTx/>
+              <a:latin typeface="Calibri" panose="020F0502020204030204"/>
+              <a:ea typeface="+mn-ea"/>
+              <a:cs typeface="+mn-cs"/>
+            </a:endParaRPr>
+          </a:p>
+        </p:txBody>
+      </p:sp>
+      <p:sp>
+        <p:nvSpPr>
           <p:cNvPr id="2" name="Titre 1">
             <a:extLst>
               <a:ext uri="{FF2B5EF4-FFF2-40B4-BE49-F238E27FC236}">
-                <a16:creationId xmlns:a16="http://schemas.microsoft.com/office/drawing/2014/main" id="{3317AD6F-551B-6D41-94ED-C59B9B30CD91}"/>
-              </a:ext>
-            </a:extLst>
-          </p:cNvPr>
-          <p:cNvSpPr>
-            <a:spLocks noGrp="1"/>
-          </p:cNvSpPr>
-          <p:nvPr>
-            <p:ph type="title"/>
-          </p:nvPr>
-        </p:nvSpPr>
-        <p:spPr/>
-        <p:txBody>
-          <a:bodyPr/>
-          <a:lstStyle/>
-          <a:p>
-            <a:endParaRPr lang="fr-FR"/>
-          </a:p>
-        </p:txBody>
-      </p:sp>
-      <p:sp>
-        <p:nvSpPr>
-          <p:cNvPr id="3" name="Espace réservé du contenu 2">
-            <a:extLst>
-              <a:ext uri="{FF2B5EF4-FFF2-40B4-BE49-F238E27FC236}">
-                <a16:creationId xmlns:a16="http://schemas.microsoft.com/office/drawing/2014/main" id="{8724B32D-E32C-68D8-63EC-DA9090CF9139}"/>
-              </a:ext>
-            </a:extLst>
-          </p:cNvPr>
-          <p:cNvSpPr>
-            <a:spLocks noGrp="1"/>
-          </p:cNvSpPr>
-          <p:nvPr>
-            <p:ph idx="1"/>
-          </p:nvPr>
-        </p:nvSpPr>
-        <p:spPr/>
-        <p:txBody>
-          <a:bodyPr/>
-          <a:lstStyle/>
-          <a:p>
-            <a:endParaRPr lang="fr-FR"/>
+                <a16:creationId xmlns:a16="http://schemas.microsoft.com/office/drawing/2014/main" id="{77328127-2658-29C0-D5B6-2E19F8D9CB6F}"/>
+              </a:ext>
+            </a:extLst>
+          </p:cNvPr>
+          <p:cNvSpPr>
+            <a:spLocks noGrp="1"/>
+          </p:cNvSpPr>
+          <p:nvPr>
+            <p:ph type="ctrTitle"/>
+          </p:nvPr>
+        </p:nvSpPr>
+        <p:spPr>
+          <a:xfrm>
+            <a:off x="306769" y="1548676"/>
+            <a:ext cx="3618690" cy="2156621"/>
+          </a:xfrm>
+        </p:spPr>
+        <p:txBody>
+          <a:bodyPr vert="horz" lIns="91440" tIns="45720" rIns="91440" bIns="45720" rtlCol="0" anchor="t">
+            <a:normAutofit/>
+          </a:bodyPr>
+          <a:lstStyle/>
+          <a:p>
+            <a:pPr algn="l"/>
+            <a:r>
+              <a:rPr lang="en-US" sz="3600" b="1" kern="1200" dirty="0">
+                <a:solidFill>
+                  <a:srgbClr val="FFFFFF"/>
+                </a:solidFill>
+                <a:latin typeface="Century Gothic" panose="020B0502020202090204" pitchFamily="34" charset="0"/>
+              </a:rPr>
+              <a:t>Readmission of the Diabetics patients</a:t>
+            </a:r>
+          </a:p>
+        </p:txBody>
+      </p:sp>
+      <p:sp>
+        <p:nvSpPr>
+          <p:cNvPr id="3" name="Sous-titre 2">
+            <a:extLst>
+              <a:ext uri="{FF2B5EF4-FFF2-40B4-BE49-F238E27FC236}">
+                <a16:creationId xmlns:a16="http://schemas.microsoft.com/office/drawing/2014/main" id="{E6A99786-7588-7713-3A13-18E7A087CB15}"/>
+              </a:ext>
+            </a:extLst>
+          </p:cNvPr>
+          <p:cNvSpPr>
+            <a:spLocks noGrp="1"/>
+          </p:cNvSpPr>
+          <p:nvPr>
+            <p:ph type="subTitle" idx="1"/>
+          </p:nvPr>
+        </p:nvSpPr>
+        <p:spPr>
+          <a:xfrm>
+            <a:off x="8451604" y="4390102"/>
+            <a:ext cx="2926080" cy="1456221"/>
+          </a:xfrm>
+        </p:spPr>
+        <p:txBody>
+          <a:bodyPr vert="horz" lIns="91440" tIns="45720" rIns="91440" bIns="45720" rtlCol="0">
+            <a:normAutofit/>
+          </a:bodyPr>
+          <a:lstStyle/>
+          <a:p>
+            <a:pPr indent="-228600" algn="l">
+              <a:buFont typeface="Arial" panose="020B0604020202020204" pitchFamily="34" charset="0"/>
+              <a:buChar char="•"/>
+            </a:pPr>
+            <a:r>
+              <a:rPr lang="en-US" sz="2000" dirty="0"/>
+              <a:t>By: Arnaud DE BRITO</a:t>
+            </a:r>
+          </a:p>
+          <a:p>
+            <a:pPr indent="-228600" algn="l">
+              <a:buFont typeface="Arial" panose="020B0604020202020204" pitchFamily="34" charset="0"/>
+              <a:buChar char="•"/>
+            </a:pPr>
+            <a:r>
+              <a:rPr lang="en-US" sz="2000" dirty="0"/>
+              <a:t>Nicolas FERRARA</a:t>
+            </a:r>
+          </a:p>
+          <a:p>
+            <a:pPr indent="-228600" algn="l">
+              <a:buFont typeface="Arial" panose="020B0604020202020204" pitchFamily="34" charset="0"/>
+              <a:buChar char="•"/>
+            </a:pPr>
+            <a:r>
+              <a:rPr lang="en-US" sz="2000" dirty="0"/>
+              <a:t>Constance LE FOURN</a:t>
+            </a:r>
+          </a:p>
+        </p:txBody>
+      </p:sp>
+      <p:sp>
+        <p:nvSpPr>
+          <p:cNvPr id="4" name="Sous-titre 2">
+            <a:extLst>
+              <a:ext uri="{FF2B5EF4-FFF2-40B4-BE49-F238E27FC236}">
+                <a16:creationId xmlns:a16="http://schemas.microsoft.com/office/drawing/2014/main" id="{F268D261-47EE-1D4F-CCA1-52A3131E5925}"/>
+              </a:ext>
+            </a:extLst>
+          </p:cNvPr>
+          <p:cNvSpPr txBox="1">
+            <a:spLocks/>
+          </p:cNvSpPr>
+          <p:nvPr/>
+        </p:nvSpPr>
+        <p:spPr>
+          <a:xfrm>
+            <a:off x="6391072" y="858530"/>
+            <a:ext cx="4986612" cy="1768456"/>
+          </a:xfrm>
+          <a:prstGeom prst="rect">
+            <a:avLst/>
+          </a:prstGeom>
+        </p:spPr>
+        <p:txBody>
+          <a:bodyPr vert="horz" lIns="91440" tIns="45720" rIns="91440" bIns="45720" rtlCol="0">
+            <a:normAutofit/>
+          </a:bodyPr>
+          <a:lstStyle>
+            <a:lvl1pPr marL="0" indent="0" algn="ctr" defTabSz="914400" rtl="0" eaLnBrk="1" latinLnBrk="0" hangingPunct="1">
+              <a:lnSpc>
+                <a:spcPct val="90000"/>
+              </a:lnSpc>
+              <a:spcBef>
+                <a:spcPts val="1000"/>
+              </a:spcBef>
+              <a:buFont typeface="Arial" panose="020B0604020202020204" pitchFamily="34" charset="0"/>
+              <a:buNone/>
+              <a:defRPr sz="2400" kern="1200">
+                <a:solidFill>
+                  <a:schemeClr val="tx1"/>
+                </a:solidFill>
+                <a:latin typeface="+mn-lt"/>
+                <a:ea typeface="+mn-ea"/>
+                <a:cs typeface="+mn-cs"/>
+              </a:defRPr>
+            </a:lvl1pPr>
+            <a:lvl2pPr marL="457200" indent="0" algn="ctr" defTabSz="914400" rtl="0" eaLnBrk="1" latinLnBrk="0" hangingPunct="1">
+              <a:lnSpc>
+                <a:spcPct val="90000"/>
+              </a:lnSpc>
+              <a:spcBef>
+                <a:spcPts val="500"/>
+              </a:spcBef>
+              <a:buFont typeface="Arial" panose="020B0604020202020204" pitchFamily="34" charset="0"/>
+              <a:buNone/>
+              <a:defRPr sz="2000" kern="1200">
+                <a:solidFill>
+                  <a:schemeClr val="tx1"/>
+                </a:solidFill>
+                <a:latin typeface="+mn-lt"/>
+                <a:ea typeface="+mn-ea"/>
+                <a:cs typeface="+mn-cs"/>
+              </a:defRPr>
+            </a:lvl2pPr>
+            <a:lvl3pPr marL="914400" indent="0" algn="ctr" defTabSz="914400" rtl="0" eaLnBrk="1" latinLnBrk="0" hangingPunct="1">
+              <a:lnSpc>
+                <a:spcPct val="90000"/>
+              </a:lnSpc>
+              <a:spcBef>
+                <a:spcPts val="500"/>
+              </a:spcBef>
+              <a:buFont typeface="Arial" panose="020B0604020202020204" pitchFamily="34" charset="0"/>
+              <a:buNone/>
+              <a:defRPr sz="1800" kern="1200">
+                <a:solidFill>
+                  <a:schemeClr val="tx1"/>
+                </a:solidFill>
+                <a:latin typeface="+mn-lt"/>
+                <a:ea typeface="+mn-ea"/>
+                <a:cs typeface="+mn-cs"/>
+              </a:defRPr>
+            </a:lvl3pPr>
+            <a:lvl4pPr marL="1371600" indent="0" algn="ctr" defTabSz="914400" rtl="0" eaLnBrk="1" latinLnBrk="0" hangingPunct="1">
+              <a:lnSpc>
+                <a:spcPct val="90000"/>
+              </a:lnSpc>
+              <a:spcBef>
+                <a:spcPts val="500"/>
+              </a:spcBef>
+              <a:buFont typeface="Arial" panose="020B0604020202020204" pitchFamily="34" charset="0"/>
+              <a:buNone/>
+              <a:defRPr sz="1600" kern="1200">
+                <a:solidFill>
+                  <a:schemeClr val="tx1"/>
+                </a:solidFill>
+                <a:latin typeface="+mn-lt"/>
+                <a:ea typeface="+mn-ea"/>
+                <a:cs typeface="+mn-cs"/>
+              </a:defRPr>
+            </a:lvl4pPr>
+            <a:lvl5pPr marL="1828800" indent="0" algn="ctr" defTabSz="914400" rtl="0" eaLnBrk="1" latinLnBrk="0" hangingPunct="1">
+              <a:lnSpc>
+                <a:spcPct val="90000"/>
+              </a:lnSpc>
+              <a:spcBef>
+                <a:spcPts val="500"/>
+              </a:spcBef>
+              <a:buFont typeface="Arial" panose="020B0604020202020204" pitchFamily="34" charset="0"/>
+              <a:buNone/>
+              <a:defRPr sz="1600" kern="1200">
+                <a:solidFill>
+                  <a:schemeClr val="tx1"/>
+                </a:solidFill>
+                <a:latin typeface="+mn-lt"/>
+                <a:ea typeface="+mn-ea"/>
+                <a:cs typeface="+mn-cs"/>
+              </a:defRPr>
+            </a:lvl5pPr>
+            <a:lvl6pPr marL="2286000" indent="0" algn="ctr" defTabSz="914400" rtl="0" eaLnBrk="1" latinLnBrk="0" hangingPunct="1">
+              <a:lnSpc>
+                <a:spcPct val="90000"/>
+              </a:lnSpc>
+              <a:spcBef>
+                <a:spcPts val="500"/>
+              </a:spcBef>
+              <a:buFont typeface="Arial" panose="020B0604020202020204" pitchFamily="34" charset="0"/>
+              <a:buNone/>
+              <a:defRPr sz="1600" kern="1200">
+                <a:solidFill>
+                  <a:schemeClr val="tx1"/>
+                </a:solidFill>
+                <a:latin typeface="+mn-lt"/>
+                <a:ea typeface="+mn-ea"/>
+                <a:cs typeface="+mn-cs"/>
+              </a:defRPr>
+            </a:lvl6pPr>
+            <a:lvl7pPr marL="2743200" indent="0" algn="ctr" defTabSz="914400" rtl="0" eaLnBrk="1" latinLnBrk="0" hangingPunct="1">
+              <a:lnSpc>
+                <a:spcPct val="90000"/>
+              </a:lnSpc>
+              <a:spcBef>
+                <a:spcPts val="500"/>
+              </a:spcBef>
+              <a:buFont typeface="Arial" panose="020B0604020202020204" pitchFamily="34" charset="0"/>
+              <a:buNone/>
+              <a:defRPr sz="1600" kern="1200">
+                <a:solidFill>
+                  <a:schemeClr val="tx1"/>
+                </a:solidFill>
+                <a:latin typeface="+mn-lt"/>
+                <a:ea typeface="+mn-ea"/>
+                <a:cs typeface="+mn-cs"/>
+              </a:defRPr>
+            </a:lvl7pPr>
+            <a:lvl8pPr marL="3200400" indent="0" algn="ctr" defTabSz="914400" rtl="0" eaLnBrk="1" latinLnBrk="0" hangingPunct="1">
+              <a:lnSpc>
+                <a:spcPct val="90000"/>
+              </a:lnSpc>
+              <a:spcBef>
+                <a:spcPts val="500"/>
+              </a:spcBef>
+              <a:buFont typeface="Arial" panose="020B0604020202020204" pitchFamily="34" charset="0"/>
+              <a:buNone/>
+              <a:defRPr sz="1600" kern="1200">
+                <a:solidFill>
+                  <a:schemeClr val="tx1"/>
+                </a:solidFill>
+                <a:latin typeface="+mn-lt"/>
+                <a:ea typeface="+mn-ea"/>
+                <a:cs typeface="+mn-cs"/>
+              </a:defRPr>
+            </a:lvl8pPr>
+            <a:lvl9pPr marL="3657600" indent="0" algn="ctr" defTabSz="914400" rtl="0" eaLnBrk="1" latinLnBrk="0" hangingPunct="1">
+              <a:lnSpc>
+                <a:spcPct val="90000"/>
+              </a:lnSpc>
+              <a:spcBef>
+                <a:spcPts val="500"/>
+              </a:spcBef>
+              <a:buFont typeface="Arial" panose="020B0604020202020204" pitchFamily="34" charset="0"/>
+              <a:buNone/>
+              <a:defRPr sz="1600" kern="1200">
+                <a:solidFill>
+                  <a:schemeClr val="tx1"/>
+                </a:solidFill>
+                <a:latin typeface="+mn-lt"/>
+                <a:ea typeface="+mn-ea"/>
+                <a:cs typeface="+mn-cs"/>
+              </a:defRPr>
+            </a:lvl9pPr>
+          </a:lstStyle>
+          <a:p>
+            <a:pPr algn="l"/>
+            <a:r>
+              <a:rPr lang="en-US" sz="3200" b="1" dirty="0">
+                <a:latin typeface="Century Gothic" panose="020B0502020202090204" pitchFamily="34" charset="0"/>
+              </a:rPr>
+              <a:t>Python for Data analysis</a:t>
+            </a:r>
+          </a:p>
+          <a:p>
+            <a:pPr algn="l"/>
+            <a:endParaRPr lang="en-US" sz="2000" dirty="0">
+              <a:latin typeface="Century Gothic" panose="020B0502020202090204" pitchFamily="34" charset="0"/>
+            </a:endParaRPr>
+          </a:p>
+          <a:p>
+            <a:pPr algn="l"/>
+            <a:r>
+              <a:rPr lang="en-US" sz="2000" dirty="0" err="1">
+                <a:latin typeface="Century Gothic" panose="020B0502020202090204" pitchFamily="34" charset="0"/>
+              </a:rPr>
+              <a:t>Imen</a:t>
+            </a:r>
+            <a:r>
+              <a:rPr lang="en-US" sz="2000" dirty="0">
+                <a:latin typeface="Century Gothic" panose="020B0502020202090204" pitchFamily="34" charset="0"/>
+              </a:rPr>
+              <a:t> OULED DLALA</a:t>
+            </a:r>
           </a:p>
         </p:txBody>
       </p:sp>
     </p:spTree>
     <p:extLst>
       <p:ext uri="{BB962C8B-B14F-4D97-AF65-F5344CB8AC3E}">
-        <p14:creationId xmlns:p14="http://schemas.microsoft.com/office/powerpoint/2010/main" val="1751581937"/>
-      </p:ext>
-    </p:extLst>
-  </p:cSld>
-  <p:clrMapOvr>
-    <a:masterClrMapping/>
-  </p:clrMapOvr>
-</p:sld>
-</file>
-
-<file path=ppt/slides/slide3.xml><?xml version="1.0" encoding="utf-8"?>
-<p:sld xmlns:a="http://schemas.openxmlformats.org/drawingml/2006/main" xmlns:r="http://schemas.openxmlformats.org/officeDocument/2006/relationships" xmlns:p="http://schemas.openxmlformats.org/presentationml/2006/main">
-  <p:cSld>
-    <p:spTree>
-      <p:nvGrpSpPr>
-        <p:cNvPr id="1" name=""/>
-        <p:cNvGrpSpPr/>
-        <p:nvPr/>
-      </p:nvGrpSpPr>
-      <p:grpSpPr>
-        <a:xfrm>
-          <a:off x="0" y="0"/>
-          <a:ext cx="0" cy="0"/>
-          <a:chOff x="0" y="0"/>
-          <a:chExt cx="0" cy="0"/>
-        </a:xfrm>
-      </p:grpSpPr>
-      <p:sp>
-        <p:nvSpPr>
-          <p:cNvPr id="2" name="Titre 1">
-            <a:extLst>
-              <a:ext uri="{FF2B5EF4-FFF2-40B4-BE49-F238E27FC236}">
-                <a16:creationId xmlns:a16="http://schemas.microsoft.com/office/drawing/2014/main" id="{816610D3-0BB3-ED07-ED50-5A1C990E219D}"/>
-              </a:ext>
-            </a:extLst>
-          </p:cNvPr>
-          <p:cNvSpPr>
-            <a:spLocks noGrp="1"/>
-          </p:cNvSpPr>
-          <p:nvPr>
-            <p:ph type="title"/>
-          </p:nvPr>
-        </p:nvSpPr>
-        <p:spPr/>
-        <p:txBody>
-          <a:bodyPr/>
-          <a:lstStyle/>
-          <a:p>
-            <a:endParaRPr lang="fr-FR"/>
-          </a:p>
-        </p:txBody>
-      </p:sp>
-      <p:sp>
-        <p:nvSpPr>
-          <p:cNvPr id="3" name="Espace réservé du contenu 2">
-            <a:extLst>
-              <a:ext uri="{FF2B5EF4-FFF2-40B4-BE49-F238E27FC236}">
-                <a16:creationId xmlns:a16="http://schemas.microsoft.com/office/drawing/2014/main" id="{FE0F11E4-156D-782E-B18B-1CD6B13DBF59}"/>
-              </a:ext>
-            </a:extLst>
-          </p:cNvPr>
-          <p:cNvSpPr>
-            <a:spLocks noGrp="1"/>
-          </p:cNvSpPr>
-          <p:nvPr>
-            <p:ph idx="1"/>
-          </p:nvPr>
-        </p:nvSpPr>
-        <p:spPr/>
-        <p:txBody>
-          <a:bodyPr/>
-          <a:lstStyle/>
-          <a:p>
-            <a:endParaRPr lang="fr-FR"/>
-          </a:p>
-        </p:txBody>
-      </p:sp>
-    </p:spTree>
-    <p:extLst>
-      <p:ext uri="{BB962C8B-B14F-4D97-AF65-F5344CB8AC3E}">
-        <p14:creationId xmlns:p14="http://schemas.microsoft.com/office/powerpoint/2010/main" val="2931423313"/>
+        <p14:creationId xmlns:p14="http://schemas.microsoft.com/office/powerpoint/2010/main" val="51902928"/>
       </p:ext>
     </p:extLst>
   </p:cSld>

--- a/Readmission of the Diabetics patients.pptx
+++ b/Readmission of the Diabetics patients.pptx
@@ -7,6 +7,12 @@
   <p:sldIdLst>
     <p:sldId id="256" r:id="rId2"/>
     <p:sldId id="260" r:id="rId3"/>
+    <p:sldId id="261" r:id="rId4"/>
+    <p:sldId id="262" r:id="rId5"/>
+    <p:sldId id="263" r:id="rId6"/>
+    <p:sldId id="264" r:id="rId7"/>
+    <p:sldId id="265" r:id="rId8"/>
+    <p:sldId id="266" r:id="rId9"/>
   </p:sldIdLst>
   <p:sldSz cx="12192000" cy="6858000"/>
   <p:notesSz cx="6858000" cy="9144000"/>
@@ -3750,8 +3756,8 @@
         </p:nvSpPr>
         <p:spPr>
           <a:xfrm>
-            <a:off x="306769" y="1548676"/>
-            <a:ext cx="3618690" cy="2156621"/>
+            <a:off x="58832" y="2115757"/>
+            <a:ext cx="4114563" cy="2156621"/>
           </a:xfrm>
         </p:spPr>
         <p:txBody>
@@ -3768,7 +3774,7 @@
                 </a:solidFill>
                 <a:latin typeface="Century Gothic" panose="020B0502020202090204" pitchFamily="34" charset="0"/>
               </a:rPr>
-              <a:t>Readmission of the Diabetics patients</a:t>
+              <a:t>Diabetic patients Dataset</a:t>
             </a:r>
           </a:p>
         </p:txBody>
@@ -4508,8 +4514,8 @@
         </p:nvSpPr>
         <p:spPr>
           <a:xfrm>
-            <a:off x="306769" y="1548676"/>
-            <a:ext cx="3618690" cy="2156621"/>
+            <a:off x="306769" y="2291615"/>
+            <a:ext cx="3618690" cy="670741"/>
           </a:xfrm>
         </p:spPr>
         <p:txBody>
@@ -4520,94 +4526,41 @@
           <a:p>
             <a:pPr algn="l"/>
             <a:r>
-              <a:rPr lang="en-US" sz="3600" b="1" kern="1200" dirty="0">
+              <a:rPr lang="en-US" sz="3600" b="1" dirty="0">
                 <a:solidFill>
                   <a:srgbClr val="FFFFFF"/>
                 </a:solidFill>
                 <a:latin typeface="Century Gothic" panose="020B0502020202090204" pitchFamily="34" charset="0"/>
               </a:rPr>
-              <a:t>Readmission of the Diabetics patients</a:t>
-            </a:r>
-          </a:p>
-        </p:txBody>
-      </p:sp>
-      <p:sp>
-        <p:nvSpPr>
-          <p:cNvPr id="3" name="Sous-titre 2">
-            <a:extLst>
-              <a:ext uri="{FF2B5EF4-FFF2-40B4-BE49-F238E27FC236}">
-                <a16:creationId xmlns:a16="http://schemas.microsoft.com/office/drawing/2014/main" id="{E6A99786-7588-7713-3A13-18E7A087CB15}"/>
-              </a:ext>
-            </a:extLst>
-          </p:cNvPr>
-          <p:cNvSpPr>
-            <a:spLocks noGrp="1"/>
-          </p:cNvSpPr>
-          <p:nvPr>
-            <p:ph type="subTitle" idx="1"/>
-          </p:nvPr>
+              <a:t>Problematic:</a:t>
+            </a:r>
+            <a:endParaRPr lang="en-US" sz="3600" b="1" kern="1200" dirty="0">
+              <a:solidFill>
+                <a:srgbClr val="FFFFFF"/>
+              </a:solidFill>
+              <a:latin typeface="Century Gothic" panose="020B0502020202090204" pitchFamily="34" charset="0"/>
+            </a:endParaRPr>
+          </a:p>
+        </p:txBody>
+      </p:sp>
+      <p:sp>
+        <p:nvSpPr>
+          <p:cNvPr id="4" name="Sous-titre 2">
+            <a:extLst>
+              <a:ext uri="{FF2B5EF4-FFF2-40B4-BE49-F238E27FC236}">
+                <a16:creationId xmlns:a16="http://schemas.microsoft.com/office/drawing/2014/main" id="{F268D261-47EE-1D4F-CCA1-52A3131E5925}"/>
+              </a:ext>
+            </a:extLst>
+          </p:cNvPr>
+          <p:cNvSpPr txBox="1">
+            <a:spLocks/>
+          </p:cNvSpPr>
+          <p:nvPr/>
         </p:nvSpPr>
         <p:spPr>
           <a:xfrm>
-            <a:off x="8451604" y="4390102"/>
-            <a:ext cx="2926080" cy="1456221"/>
-          </a:xfrm>
-        </p:spPr>
-        <p:txBody>
-          <a:bodyPr vert="horz" lIns="91440" tIns="45720" rIns="91440" bIns="45720" rtlCol="0">
-            <a:normAutofit/>
-          </a:bodyPr>
-          <a:lstStyle/>
-          <a:p>
-            <a:pPr indent="-228600" algn="l">
-              <a:buFont typeface="Arial" panose="020B0604020202020204" pitchFamily="34" charset="0"/>
-              <a:buChar char="•"/>
-            </a:pPr>
-            <a:r>
-              <a:rPr lang="en-US" sz="2000" dirty="0"/>
-              <a:t>By: Arnaud DE BRITO</a:t>
-            </a:r>
-          </a:p>
-          <a:p>
-            <a:pPr indent="-228600" algn="l">
-              <a:buFont typeface="Arial" panose="020B0604020202020204" pitchFamily="34" charset="0"/>
-              <a:buChar char="•"/>
-            </a:pPr>
-            <a:r>
-              <a:rPr lang="en-US" sz="2000" dirty="0"/>
-              <a:t>Nicolas FERRARA</a:t>
-            </a:r>
-          </a:p>
-          <a:p>
-            <a:pPr indent="-228600" algn="l">
-              <a:buFont typeface="Arial" panose="020B0604020202020204" pitchFamily="34" charset="0"/>
-              <a:buChar char="•"/>
-            </a:pPr>
-            <a:r>
-              <a:rPr lang="en-US" sz="2000" dirty="0"/>
-              <a:t>Constance LE FOURN</a:t>
-            </a:r>
-          </a:p>
-        </p:txBody>
-      </p:sp>
-      <p:sp>
-        <p:nvSpPr>
-          <p:cNvPr id="4" name="Sous-titre 2">
-            <a:extLst>
-              <a:ext uri="{FF2B5EF4-FFF2-40B4-BE49-F238E27FC236}">
-                <a16:creationId xmlns:a16="http://schemas.microsoft.com/office/drawing/2014/main" id="{F268D261-47EE-1D4F-CCA1-52A3131E5925}"/>
-              </a:ext>
-            </a:extLst>
-          </p:cNvPr>
-          <p:cNvSpPr txBox="1">
-            <a:spLocks/>
-          </p:cNvSpPr>
-          <p:nvPr/>
-        </p:nvSpPr>
-        <p:spPr>
-          <a:xfrm>
-            <a:off x="6391072" y="858530"/>
-            <a:ext cx="4986612" cy="1768456"/>
+            <a:off x="5315546" y="1816257"/>
+            <a:ext cx="6569685" cy="950716"/>
           </a:xfrm>
           <a:prstGeom prst="rect">
             <a:avLst/>
@@ -4615,7 +4568,7 @@
         </p:spPr>
         <p:txBody>
           <a:bodyPr vert="horz" lIns="91440" tIns="45720" rIns="91440" bIns="45720" rtlCol="0">
-            <a:normAutofit/>
+            <a:noAutofit/>
           </a:bodyPr>
           <a:lstStyle>
             <a:lvl1pPr marL="0" indent="0" algn="ctr" defTabSz="914400" rtl="0" eaLnBrk="1" latinLnBrk="0" hangingPunct="1">
@@ -4784,31 +4737,125 @@
           <a:p>
             <a:pPr algn="l"/>
             <a:r>
-              <a:rPr lang="en-US" sz="3200" b="1" dirty="0">
+              <a:rPr lang="en-US" sz="3200" dirty="0">
                 <a:latin typeface="Century Gothic" panose="020B0502020202090204" pitchFamily="34" charset="0"/>
               </a:rPr>
-              <a:t>Python for Data analysis</a:t>
-            </a:r>
-          </a:p>
-          <a:p>
-            <a:pPr algn="l"/>
-            <a:endParaRPr lang="en-US" sz="2000" dirty="0">
+              <a:t>How to predict the readmission of diabetic patients</a:t>
+            </a:r>
+          </a:p>
+        </p:txBody>
+      </p:sp>
+      <p:sp>
+        <p:nvSpPr>
+          <p:cNvPr id="5" name="TextBox 4">
+            <a:extLst>
+              <a:ext uri="{FF2B5EF4-FFF2-40B4-BE49-F238E27FC236}">
+                <a16:creationId xmlns:a16="http://schemas.microsoft.com/office/drawing/2014/main" id="{DFA182A9-3FC6-499E-A3DB-FD7A612BAAAD}"/>
+              </a:ext>
+            </a:extLst>
+          </p:cNvPr>
+          <p:cNvSpPr txBox="1"/>
+          <p:nvPr/>
+        </p:nvSpPr>
+        <p:spPr>
+          <a:xfrm>
+            <a:off x="5770486" y="4550273"/>
+            <a:ext cx="2648254" cy="369332"/>
+          </a:xfrm>
+          <a:prstGeom prst="rect">
+            <a:avLst/>
+          </a:prstGeom>
+          <a:noFill/>
+        </p:spPr>
+        <p:txBody>
+          <a:bodyPr wrap="square" rtlCol="0">
+            <a:spAutoFit/>
+          </a:bodyPr>
+          <a:lstStyle/>
+          <a:p>
+            <a:r>
+              <a:rPr lang="en-US" dirty="0">
+                <a:latin typeface="Century Gothic" panose="020B0502020202090204" pitchFamily="34" charset="0"/>
+              </a:rPr>
+              <a:t>Libraries used:</a:t>
+            </a:r>
+          </a:p>
+        </p:txBody>
+      </p:sp>
+      <p:sp>
+        <p:nvSpPr>
+          <p:cNvPr id="6" name="TextBox 5">
+            <a:extLst>
+              <a:ext uri="{FF2B5EF4-FFF2-40B4-BE49-F238E27FC236}">
+                <a16:creationId xmlns:a16="http://schemas.microsoft.com/office/drawing/2014/main" id="{1FF5150C-E5C8-485A-B604-F2F4D74EEFE5}"/>
+              </a:ext>
+            </a:extLst>
+          </p:cNvPr>
+          <p:cNvSpPr txBox="1"/>
+          <p:nvPr/>
+        </p:nvSpPr>
+        <p:spPr>
+          <a:xfrm>
+            <a:off x="8300620" y="4583230"/>
+            <a:ext cx="2459115" cy="1477328"/>
+          </a:xfrm>
+          <a:prstGeom prst="rect">
+            <a:avLst/>
+          </a:prstGeom>
+          <a:noFill/>
+        </p:spPr>
+        <p:txBody>
+          <a:bodyPr wrap="square" rtlCol="0">
+            <a:spAutoFit/>
+          </a:bodyPr>
+          <a:lstStyle/>
+          <a:p>
+            <a:r>
+              <a:rPr lang="en-US" dirty="0">
+                <a:latin typeface="Century Gothic" panose="020B0502020202090204" pitchFamily="34" charset="0"/>
+              </a:rPr>
+              <a:t>-</a:t>
+            </a:r>
+            <a:r>
+              <a:rPr lang="en-US" dirty="0" err="1">
+                <a:latin typeface="Century Gothic" panose="020B0502020202090204" pitchFamily="34" charset="0"/>
+              </a:rPr>
+              <a:t>Numpy</a:t>
+            </a:r>
+            <a:endParaRPr lang="en-US" dirty="0">
               <a:latin typeface="Century Gothic" panose="020B0502020202090204" pitchFamily="34" charset="0"/>
             </a:endParaRPr>
           </a:p>
           <a:p>
-            <a:pPr algn="l"/>
-            <a:r>
-              <a:rPr lang="en-US" sz="2000" dirty="0" err="1">
+            <a:r>
+              <a:rPr lang="en-US" dirty="0">
                 <a:latin typeface="Century Gothic" panose="020B0502020202090204" pitchFamily="34" charset="0"/>
               </a:rPr>
-              <a:t>Imen</a:t>
-            </a:r>
-            <a:r>
-              <a:rPr lang="en-US" sz="2000" dirty="0">
+              <a:t>-Pandas</a:t>
+            </a:r>
+          </a:p>
+          <a:p>
+            <a:r>
+              <a:rPr lang="en-US" dirty="0">
                 <a:latin typeface="Century Gothic" panose="020B0502020202090204" pitchFamily="34" charset="0"/>
               </a:rPr>
-              <a:t> OULED DLALA</a:t>
+              <a:t>-Matplotlib</a:t>
+            </a:r>
+          </a:p>
+          <a:p>
+            <a:r>
+              <a:rPr lang="en-US" dirty="0">
+                <a:latin typeface="Century Gothic" panose="020B0502020202090204" pitchFamily="34" charset="0"/>
+              </a:rPr>
+              <a:t>-Seaborn</a:t>
+            </a:r>
+          </a:p>
+          <a:p>
+            <a:r>
+              <a:rPr lang="en-US" dirty="0">
+                <a:latin typeface="Century Gothic" panose="020B0502020202090204" pitchFamily="34" charset="0"/>
+              </a:rPr>
+              <a:t>-Scikit-learn</a:t>
             </a:r>
           </a:p>
         </p:txBody>
@@ -4817,6 +4864,4277 @@
     <p:extLst>
       <p:ext uri="{BB962C8B-B14F-4D97-AF65-F5344CB8AC3E}">
         <p14:creationId xmlns:p14="http://schemas.microsoft.com/office/powerpoint/2010/main" val="51902928"/>
+      </p:ext>
+    </p:extLst>
+  </p:cSld>
+  <p:clrMapOvr>
+    <a:masterClrMapping/>
+  </p:clrMapOvr>
+</p:sld>
+</file>
+
+<file path=ppt/slides/slide3.xml><?xml version="1.0" encoding="utf-8"?>
+<p:sld xmlns:a="http://schemas.openxmlformats.org/drawingml/2006/main" xmlns:r="http://schemas.openxmlformats.org/officeDocument/2006/relationships" xmlns:p="http://schemas.openxmlformats.org/presentationml/2006/main">
+  <p:cSld>
+    <p:bg>
+      <p:bgPr>
+        <a:solidFill>
+          <a:schemeClr val="bg1"/>
+        </a:solidFill>
+        <a:effectLst/>
+      </p:bgPr>
+    </p:bg>
+    <p:spTree>
+      <p:nvGrpSpPr>
+        <p:cNvPr id="1" name=""/>
+        <p:cNvGrpSpPr/>
+        <p:nvPr/>
+      </p:nvGrpSpPr>
+      <p:grpSpPr>
+        <a:xfrm>
+          <a:off x="0" y="0"/>
+          <a:ext cx="0" cy="0"/>
+          <a:chOff x="0" y="0"/>
+          <a:chExt cx="0" cy="0"/>
+        </a:xfrm>
+      </p:grpSpPr>
+      <p:sp>
+        <p:nvSpPr>
+          <p:cNvPr id="9" name="Rectangle 8">
+            <a:extLst>
+              <a:ext uri="{FF2B5EF4-FFF2-40B4-BE49-F238E27FC236}">
+                <a16:creationId xmlns:a16="http://schemas.microsoft.com/office/drawing/2014/main" id="{E35A04CF-97D4-4FF7-B359-C546B1F62E54}"/>
+              </a:ext>
+              <a:ext uri="{C183D7F6-B498-43B3-948B-1728B52AA6E4}">
+                <adec:decorative xmlns:adec="http://schemas.microsoft.com/office/drawing/2017/decorative" val="1"/>
+              </a:ext>
+            </a:extLst>
+          </p:cNvPr>
+          <p:cNvSpPr>
+            <a:spLocks noGrp="1" noRot="1" noChangeAspect="1" noMove="1" noResize="1" noEditPoints="1" noAdjustHandles="1" noChangeArrowheads="1" noChangeShapeType="1" noTextEdit="1"/>
+          </p:cNvSpPr>
+          <p:nvPr>
+            <p:extLst>
+              <p:ext uri="{386F3935-93C4-4BCD-93E2-E3B085C9AB24}">
+                <p16:designElem xmlns:p16="http://schemas.microsoft.com/office/powerpoint/2015/main" val="1"/>
+              </p:ext>
+            </p:extLst>
+          </p:nvPr>
+        </p:nvSpPr>
+        <p:spPr>
+          <a:xfrm>
+            <a:off x="0" y="0"/>
+            <a:ext cx="12191999" cy="6858000"/>
+          </a:xfrm>
+          <a:prstGeom prst="rect">
+            <a:avLst/>
+          </a:prstGeom>
+          <a:solidFill>
+            <a:schemeClr val="bg1">
+              <a:lumMod val="85000"/>
+            </a:schemeClr>
+          </a:solidFill>
+          <a:ln>
+            <a:noFill/>
+          </a:ln>
+        </p:spPr>
+        <p:style>
+          <a:lnRef idx="2">
+            <a:schemeClr val="accent1">
+              <a:shade val="50000"/>
+            </a:schemeClr>
+          </a:lnRef>
+          <a:fillRef idx="1">
+            <a:schemeClr val="accent1"/>
+          </a:fillRef>
+          <a:effectRef idx="0">
+            <a:schemeClr val="accent1"/>
+          </a:effectRef>
+          <a:fontRef idx="minor">
+            <a:schemeClr val="lt1"/>
+          </a:fontRef>
+        </p:style>
+        <p:txBody>
+          <a:bodyPr rtlCol="0" anchor="ctr"/>
+          <a:lstStyle/>
+          <a:p>
+            <a:pPr algn="ctr"/>
+            <a:endParaRPr lang="en-US"/>
+          </a:p>
+        </p:txBody>
+      </p:sp>
+      <p:sp>
+        <p:nvSpPr>
+          <p:cNvPr id="11" name="Freeform: Shape 10">
+            <a:extLst>
+              <a:ext uri="{FF2B5EF4-FFF2-40B4-BE49-F238E27FC236}">
+                <a16:creationId xmlns:a16="http://schemas.microsoft.com/office/drawing/2014/main" id="{1DE7243B-5109-444B-8FAF-7437C66BC0E9}"/>
+              </a:ext>
+              <a:ext uri="{C183D7F6-B498-43B3-948B-1728B52AA6E4}">
+                <adec:decorative xmlns:adec="http://schemas.microsoft.com/office/drawing/2017/decorative" val="1"/>
+              </a:ext>
+            </a:extLst>
+          </p:cNvPr>
+          <p:cNvSpPr>
+            <a:spLocks noGrp="1" noRot="1" noChangeAspect="1" noMove="1" noResize="1" noEditPoints="1" noAdjustHandles="1" noChangeArrowheads="1" noChangeShapeType="1" noTextEdit="1"/>
+          </p:cNvSpPr>
+          <p:nvPr>
+            <p:extLst>
+              <p:ext uri="{386F3935-93C4-4BCD-93E2-E3B085C9AB24}">
+                <p16:designElem xmlns:p16="http://schemas.microsoft.com/office/powerpoint/2015/main" val="1"/>
+              </p:ext>
+            </p:extLst>
+          </p:nvPr>
+        </p:nvSpPr>
+        <p:spPr>
+          <a:xfrm flipH="1">
+            <a:off x="0" y="0"/>
+            <a:ext cx="4421332" cy="6858000"/>
+          </a:xfrm>
+          <a:custGeom>
+            <a:avLst/>
+            <a:gdLst>
+              <a:gd name="connsiteX0" fmla="*/ 4421332 w 4421332"/>
+              <a:gd name="connsiteY0" fmla="*/ 0 h 6858000"/>
+              <a:gd name="connsiteX1" fmla="*/ 69075 w 4421332"/>
+              <a:gd name="connsiteY1" fmla="*/ 0 h 6858000"/>
+              <a:gd name="connsiteX2" fmla="*/ 35131 w 4421332"/>
+              <a:gd name="connsiteY2" fmla="*/ 267128 h 6858000"/>
+              <a:gd name="connsiteX3" fmla="*/ 0 w 4421332"/>
+              <a:gd name="connsiteY3" fmla="*/ 962845 h 6858000"/>
+              <a:gd name="connsiteX4" fmla="*/ 3276103 w 4421332"/>
+              <a:gd name="connsiteY4" fmla="*/ 6782205 h 6858000"/>
+              <a:gd name="connsiteX5" fmla="*/ 3407923 w 4421332"/>
+              <a:gd name="connsiteY5" fmla="*/ 6858000 h 6858000"/>
+              <a:gd name="connsiteX6" fmla="*/ 4421332 w 4421332"/>
+              <a:gd name="connsiteY6" fmla="*/ 6858000 h 6858000"/>
+            </a:gdLst>
+            <a:ahLst/>
+            <a:cxnLst>
+              <a:cxn ang="0">
+                <a:pos x="connsiteX0" y="connsiteY0"/>
+              </a:cxn>
+              <a:cxn ang="0">
+                <a:pos x="connsiteX1" y="connsiteY1"/>
+              </a:cxn>
+              <a:cxn ang="0">
+                <a:pos x="connsiteX2" y="connsiteY2"/>
+              </a:cxn>
+              <a:cxn ang="0">
+                <a:pos x="connsiteX3" y="connsiteY3"/>
+              </a:cxn>
+              <a:cxn ang="0">
+                <a:pos x="connsiteX4" y="connsiteY4"/>
+              </a:cxn>
+              <a:cxn ang="0">
+                <a:pos x="connsiteX5" y="connsiteY5"/>
+              </a:cxn>
+              <a:cxn ang="0">
+                <a:pos x="connsiteX6" y="connsiteY6"/>
+              </a:cxn>
+            </a:cxnLst>
+            <a:rect l="l" t="t" r="r" b="b"/>
+            <a:pathLst>
+              <a:path w="4421332" h="6858000">
+                <a:moveTo>
+                  <a:pt x="4421332" y="0"/>
+                </a:moveTo>
+                <a:lnTo>
+                  <a:pt x="69075" y="0"/>
+                </a:lnTo>
+                <a:lnTo>
+                  <a:pt x="35131" y="267128"/>
+                </a:lnTo>
+                <a:cubicBezTo>
+                  <a:pt x="11901" y="495874"/>
+                  <a:pt x="0" y="727970"/>
+                  <a:pt x="0" y="962845"/>
+                </a:cubicBezTo>
+                <a:cubicBezTo>
+                  <a:pt x="0" y="3429034"/>
+                  <a:pt x="1312002" y="5588789"/>
+                  <a:pt x="3276103" y="6782205"/>
+                </a:cubicBezTo>
+                <a:lnTo>
+                  <a:pt x="3407923" y="6858000"/>
+                </a:lnTo>
+                <a:lnTo>
+                  <a:pt x="4421332" y="6858000"/>
+                </a:lnTo>
+                <a:close/>
+              </a:path>
+            </a:pathLst>
+          </a:custGeom>
+          <a:solidFill>
+            <a:srgbClr val="FFFFFF">
+              <a:alpha val="80000"/>
+            </a:srgbClr>
+          </a:solidFill>
+          <a:ln>
+            <a:noFill/>
+          </a:ln>
+        </p:spPr>
+        <p:style>
+          <a:lnRef idx="2">
+            <a:schemeClr val="accent1">
+              <a:shade val="50000"/>
+            </a:schemeClr>
+          </a:lnRef>
+          <a:fillRef idx="1">
+            <a:schemeClr val="accent1"/>
+          </a:fillRef>
+          <a:effectRef idx="0">
+            <a:schemeClr val="accent1"/>
+          </a:effectRef>
+          <a:fontRef idx="minor">
+            <a:schemeClr val="lt1"/>
+          </a:fontRef>
+        </p:style>
+        <p:txBody>
+          <a:bodyPr wrap="square" rtlCol="0" anchor="ctr">
+            <a:noAutofit/>
+          </a:bodyPr>
+          <a:lstStyle/>
+          <a:p>
+            <a:pPr marL="0" marR="0" lvl="0" indent="0" algn="ctr" defTabSz="914400" rtl="0" eaLnBrk="1" fontAlgn="auto" latinLnBrk="0" hangingPunct="1">
+              <a:lnSpc>
+                <a:spcPct val="100000"/>
+              </a:lnSpc>
+              <a:spcBef>
+                <a:spcPts val="0"/>
+              </a:spcBef>
+              <a:spcAft>
+                <a:spcPts val="0"/>
+              </a:spcAft>
+              <a:buClrTx/>
+              <a:buSzTx/>
+              <a:buFontTx/>
+              <a:buNone/>
+              <a:tabLst/>
+              <a:defRPr/>
+            </a:pPr>
+            <a:endParaRPr kumimoji="0" lang="en-US" sz="1800" b="0" i="0" u="none" strike="noStrike" kern="1200" cap="none" spc="0" normalizeH="0" baseline="0" noProof="0">
+              <a:ln>
+                <a:noFill/>
+              </a:ln>
+              <a:solidFill>
+                <a:prstClr val="white"/>
+              </a:solidFill>
+              <a:effectLst/>
+              <a:uLnTx/>
+              <a:uFillTx/>
+              <a:latin typeface="Calibri" panose="020F0502020204030204"/>
+              <a:ea typeface="+mn-ea"/>
+              <a:cs typeface="+mn-cs"/>
+            </a:endParaRPr>
+          </a:p>
+        </p:txBody>
+      </p:sp>
+      <p:sp>
+        <p:nvSpPr>
+          <p:cNvPr id="13" name="Freeform: Shape 12">
+            <a:extLst>
+              <a:ext uri="{FF2B5EF4-FFF2-40B4-BE49-F238E27FC236}">
+                <a16:creationId xmlns:a16="http://schemas.microsoft.com/office/drawing/2014/main" id="{4C5D6221-DA7B-4611-AA26-7D8E349FDE96}"/>
+              </a:ext>
+              <a:ext uri="{C183D7F6-B498-43B3-948B-1728B52AA6E4}">
+                <adec:decorative xmlns:adec="http://schemas.microsoft.com/office/drawing/2017/decorative" val="1"/>
+              </a:ext>
+            </a:extLst>
+          </p:cNvPr>
+          <p:cNvSpPr>
+            <a:spLocks noGrp="1" noRot="1" noChangeAspect="1" noMove="1" noResize="1" noEditPoints="1" noAdjustHandles="1" noChangeArrowheads="1" noChangeShapeType="1" noTextEdit="1"/>
+          </p:cNvSpPr>
+          <p:nvPr>
+            <p:extLst>
+              <p:ext uri="{386F3935-93C4-4BCD-93E2-E3B085C9AB24}">
+                <p16:designElem xmlns:p16="http://schemas.microsoft.com/office/powerpoint/2015/main" val="1"/>
+              </p:ext>
+            </p:extLst>
+          </p:nvPr>
+        </p:nvSpPr>
+        <p:spPr>
+          <a:xfrm>
+            <a:off x="1" y="0"/>
+            <a:ext cx="4232227" cy="6858000"/>
+          </a:xfrm>
+          <a:custGeom>
+            <a:avLst/>
+            <a:gdLst>
+              <a:gd name="connsiteX0" fmla="*/ 0 w 4232227"/>
+              <a:gd name="connsiteY0" fmla="*/ 0 h 6858000"/>
+              <a:gd name="connsiteX1" fmla="*/ 4161853 w 4232227"/>
+              <a:gd name="connsiteY1" fmla="*/ 0 h 6858000"/>
+              <a:gd name="connsiteX2" fmla="*/ 4197953 w 4232227"/>
+              <a:gd name="connsiteY2" fmla="*/ 284091 h 6858000"/>
+              <a:gd name="connsiteX3" fmla="*/ 4232227 w 4232227"/>
+              <a:gd name="connsiteY3" fmla="*/ 962844 h 6858000"/>
+              <a:gd name="connsiteX4" fmla="*/ 758007 w 4232227"/>
+              <a:gd name="connsiteY4" fmla="*/ 6800152 h 6858000"/>
+              <a:gd name="connsiteX5" fmla="*/ 645060 w 4232227"/>
+              <a:gd name="connsiteY5" fmla="*/ 6858000 h 6858000"/>
+              <a:gd name="connsiteX6" fmla="*/ 0 w 4232227"/>
+              <a:gd name="connsiteY6" fmla="*/ 6858000 h 6858000"/>
+            </a:gdLst>
+            <a:ahLst/>
+            <a:cxnLst>
+              <a:cxn ang="0">
+                <a:pos x="connsiteX0" y="connsiteY0"/>
+              </a:cxn>
+              <a:cxn ang="0">
+                <a:pos x="connsiteX1" y="connsiteY1"/>
+              </a:cxn>
+              <a:cxn ang="0">
+                <a:pos x="connsiteX2" y="connsiteY2"/>
+              </a:cxn>
+              <a:cxn ang="0">
+                <a:pos x="connsiteX3" y="connsiteY3"/>
+              </a:cxn>
+              <a:cxn ang="0">
+                <a:pos x="connsiteX4" y="connsiteY4"/>
+              </a:cxn>
+              <a:cxn ang="0">
+                <a:pos x="connsiteX5" y="connsiteY5"/>
+              </a:cxn>
+              <a:cxn ang="0">
+                <a:pos x="connsiteX6" y="connsiteY6"/>
+              </a:cxn>
+            </a:cxnLst>
+            <a:rect l="l" t="t" r="r" b="b"/>
+            <a:pathLst>
+              <a:path w="4232227" h="6858000">
+                <a:moveTo>
+                  <a:pt x="0" y="0"/>
+                </a:moveTo>
+                <a:lnTo>
+                  <a:pt x="4161853" y="0"/>
+                </a:lnTo>
+                <a:lnTo>
+                  <a:pt x="4197953" y="284091"/>
+                </a:lnTo>
+                <a:cubicBezTo>
+                  <a:pt x="4220617" y="507260"/>
+                  <a:pt x="4232227" y="733696"/>
+                  <a:pt x="4232227" y="962844"/>
+                </a:cubicBezTo>
+                <a:cubicBezTo>
+                  <a:pt x="4232227" y="3483472"/>
+                  <a:pt x="2827409" y="5675986"/>
+                  <a:pt x="758007" y="6800152"/>
+                </a:cubicBezTo>
+                <a:lnTo>
+                  <a:pt x="645060" y="6858000"/>
+                </a:lnTo>
+                <a:lnTo>
+                  <a:pt x="0" y="6858000"/>
+                </a:lnTo>
+                <a:close/>
+              </a:path>
+            </a:pathLst>
+          </a:custGeom>
+          <a:solidFill>
+            <a:srgbClr val="404040"/>
+          </a:solidFill>
+          <a:ln>
+            <a:noFill/>
+          </a:ln>
+        </p:spPr>
+        <p:style>
+          <a:lnRef idx="2">
+            <a:schemeClr val="accent1">
+              <a:shade val="50000"/>
+            </a:schemeClr>
+          </a:lnRef>
+          <a:fillRef idx="1">
+            <a:schemeClr val="accent1"/>
+          </a:fillRef>
+          <a:effectRef idx="0">
+            <a:schemeClr val="accent1"/>
+          </a:effectRef>
+          <a:fontRef idx="minor">
+            <a:schemeClr val="lt1"/>
+          </a:fontRef>
+        </p:style>
+        <p:txBody>
+          <a:bodyPr wrap="square" rtlCol="0" anchor="ctr">
+            <a:noAutofit/>
+          </a:bodyPr>
+          <a:lstStyle/>
+          <a:p>
+            <a:pPr marL="0" marR="0" lvl="0" indent="0" algn="ctr" defTabSz="914400" rtl="0" eaLnBrk="1" fontAlgn="auto" latinLnBrk="0" hangingPunct="1">
+              <a:lnSpc>
+                <a:spcPct val="100000"/>
+              </a:lnSpc>
+              <a:spcBef>
+                <a:spcPts val="0"/>
+              </a:spcBef>
+              <a:spcAft>
+                <a:spcPts val="0"/>
+              </a:spcAft>
+              <a:buClrTx/>
+              <a:buSzTx/>
+              <a:buFontTx/>
+              <a:buNone/>
+              <a:tabLst/>
+              <a:defRPr/>
+            </a:pPr>
+            <a:endParaRPr kumimoji="0" lang="en-US" sz="1800" b="0" i="0" u="none" strike="noStrike" kern="1200" cap="none" spc="0" normalizeH="0" baseline="0" noProof="0">
+              <a:ln>
+                <a:noFill/>
+              </a:ln>
+              <a:solidFill>
+                <a:prstClr val="white"/>
+              </a:solidFill>
+              <a:effectLst/>
+              <a:uLnTx/>
+              <a:uFillTx/>
+              <a:latin typeface="Calibri" panose="020F0502020204030204"/>
+              <a:ea typeface="+mn-ea"/>
+              <a:cs typeface="+mn-cs"/>
+            </a:endParaRPr>
+          </a:p>
+        </p:txBody>
+      </p:sp>
+      <p:sp>
+        <p:nvSpPr>
+          <p:cNvPr id="2" name="Titre 1">
+            <a:extLst>
+              <a:ext uri="{FF2B5EF4-FFF2-40B4-BE49-F238E27FC236}">
+                <a16:creationId xmlns:a16="http://schemas.microsoft.com/office/drawing/2014/main" id="{77328127-2658-29C0-D5B6-2E19F8D9CB6F}"/>
+              </a:ext>
+            </a:extLst>
+          </p:cNvPr>
+          <p:cNvSpPr>
+            <a:spLocks noGrp="1"/>
+          </p:cNvSpPr>
+          <p:nvPr>
+            <p:ph type="ctrTitle"/>
+          </p:nvPr>
+        </p:nvSpPr>
+        <p:spPr>
+          <a:xfrm>
+            <a:off x="306769" y="2060796"/>
+            <a:ext cx="3555017" cy="1137385"/>
+          </a:xfrm>
+        </p:spPr>
+        <p:txBody>
+          <a:bodyPr vert="horz" lIns="91440" tIns="45720" rIns="91440" bIns="45720" rtlCol="0" anchor="t">
+            <a:normAutofit/>
+          </a:bodyPr>
+          <a:lstStyle/>
+          <a:p>
+            <a:pPr algn="l"/>
+            <a:r>
+              <a:rPr lang="en-US" sz="3600" b="1" dirty="0">
+                <a:solidFill>
+                  <a:srgbClr val="FFFFFF"/>
+                </a:solidFill>
+                <a:latin typeface="Century Gothic" panose="020B0502020202090204" pitchFamily="34" charset="0"/>
+              </a:rPr>
+              <a:t>Data preprocessing:</a:t>
+            </a:r>
+            <a:endParaRPr lang="en-US" sz="3600" b="1" kern="1200" dirty="0">
+              <a:solidFill>
+                <a:srgbClr val="FFFFFF"/>
+              </a:solidFill>
+              <a:latin typeface="Century Gothic" panose="020B0502020202090204" pitchFamily="34" charset="0"/>
+            </a:endParaRPr>
+          </a:p>
+        </p:txBody>
+      </p:sp>
+      <p:sp>
+        <p:nvSpPr>
+          <p:cNvPr id="4" name="Sous-titre 2">
+            <a:extLst>
+              <a:ext uri="{FF2B5EF4-FFF2-40B4-BE49-F238E27FC236}">
+                <a16:creationId xmlns:a16="http://schemas.microsoft.com/office/drawing/2014/main" id="{F268D261-47EE-1D4F-CCA1-52A3131E5925}"/>
+              </a:ext>
+            </a:extLst>
+          </p:cNvPr>
+          <p:cNvSpPr txBox="1">
+            <a:spLocks/>
+          </p:cNvSpPr>
+          <p:nvPr/>
+        </p:nvSpPr>
+        <p:spPr>
+          <a:xfrm>
+            <a:off x="5315546" y="1816257"/>
+            <a:ext cx="6569685" cy="950716"/>
+          </a:xfrm>
+          <a:prstGeom prst="rect">
+            <a:avLst/>
+          </a:prstGeom>
+        </p:spPr>
+        <p:txBody>
+          <a:bodyPr vert="horz" lIns="91440" tIns="45720" rIns="91440" bIns="45720" rtlCol="0">
+            <a:noAutofit/>
+          </a:bodyPr>
+          <a:lstStyle>
+            <a:lvl1pPr marL="0" indent="0" algn="ctr" defTabSz="914400" rtl="0" eaLnBrk="1" latinLnBrk="0" hangingPunct="1">
+              <a:lnSpc>
+                <a:spcPct val="90000"/>
+              </a:lnSpc>
+              <a:spcBef>
+                <a:spcPts val="1000"/>
+              </a:spcBef>
+              <a:buFont typeface="Arial" panose="020B0604020202020204" pitchFamily="34" charset="0"/>
+              <a:buNone/>
+              <a:defRPr sz="2400" kern="1200">
+                <a:solidFill>
+                  <a:schemeClr val="tx1"/>
+                </a:solidFill>
+                <a:latin typeface="+mn-lt"/>
+                <a:ea typeface="+mn-ea"/>
+                <a:cs typeface="+mn-cs"/>
+              </a:defRPr>
+            </a:lvl1pPr>
+            <a:lvl2pPr marL="457200" indent="0" algn="ctr" defTabSz="914400" rtl="0" eaLnBrk="1" latinLnBrk="0" hangingPunct="1">
+              <a:lnSpc>
+                <a:spcPct val="90000"/>
+              </a:lnSpc>
+              <a:spcBef>
+                <a:spcPts val="500"/>
+              </a:spcBef>
+              <a:buFont typeface="Arial" panose="020B0604020202020204" pitchFamily="34" charset="0"/>
+              <a:buNone/>
+              <a:defRPr sz="2000" kern="1200">
+                <a:solidFill>
+                  <a:schemeClr val="tx1"/>
+                </a:solidFill>
+                <a:latin typeface="+mn-lt"/>
+                <a:ea typeface="+mn-ea"/>
+                <a:cs typeface="+mn-cs"/>
+              </a:defRPr>
+            </a:lvl2pPr>
+            <a:lvl3pPr marL="914400" indent="0" algn="ctr" defTabSz="914400" rtl="0" eaLnBrk="1" latinLnBrk="0" hangingPunct="1">
+              <a:lnSpc>
+                <a:spcPct val="90000"/>
+              </a:lnSpc>
+              <a:spcBef>
+                <a:spcPts val="500"/>
+              </a:spcBef>
+              <a:buFont typeface="Arial" panose="020B0604020202020204" pitchFamily="34" charset="0"/>
+              <a:buNone/>
+              <a:defRPr sz="1800" kern="1200">
+                <a:solidFill>
+                  <a:schemeClr val="tx1"/>
+                </a:solidFill>
+                <a:latin typeface="+mn-lt"/>
+                <a:ea typeface="+mn-ea"/>
+                <a:cs typeface="+mn-cs"/>
+              </a:defRPr>
+            </a:lvl3pPr>
+            <a:lvl4pPr marL="1371600" indent="0" algn="ctr" defTabSz="914400" rtl="0" eaLnBrk="1" latinLnBrk="0" hangingPunct="1">
+              <a:lnSpc>
+                <a:spcPct val="90000"/>
+              </a:lnSpc>
+              <a:spcBef>
+                <a:spcPts val="500"/>
+              </a:spcBef>
+              <a:buFont typeface="Arial" panose="020B0604020202020204" pitchFamily="34" charset="0"/>
+              <a:buNone/>
+              <a:defRPr sz="1600" kern="1200">
+                <a:solidFill>
+                  <a:schemeClr val="tx1"/>
+                </a:solidFill>
+                <a:latin typeface="+mn-lt"/>
+                <a:ea typeface="+mn-ea"/>
+                <a:cs typeface="+mn-cs"/>
+              </a:defRPr>
+            </a:lvl4pPr>
+            <a:lvl5pPr marL="1828800" indent="0" algn="ctr" defTabSz="914400" rtl="0" eaLnBrk="1" latinLnBrk="0" hangingPunct="1">
+              <a:lnSpc>
+                <a:spcPct val="90000"/>
+              </a:lnSpc>
+              <a:spcBef>
+                <a:spcPts val="500"/>
+              </a:spcBef>
+              <a:buFont typeface="Arial" panose="020B0604020202020204" pitchFamily="34" charset="0"/>
+              <a:buNone/>
+              <a:defRPr sz="1600" kern="1200">
+                <a:solidFill>
+                  <a:schemeClr val="tx1"/>
+                </a:solidFill>
+                <a:latin typeface="+mn-lt"/>
+                <a:ea typeface="+mn-ea"/>
+                <a:cs typeface="+mn-cs"/>
+              </a:defRPr>
+            </a:lvl5pPr>
+            <a:lvl6pPr marL="2286000" indent="0" algn="ctr" defTabSz="914400" rtl="0" eaLnBrk="1" latinLnBrk="0" hangingPunct="1">
+              <a:lnSpc>
+                <a:spcPct val="90000"/>
+              </a:lnSpc>
+              <a:spcBef>
+                <a:spcPts val="500"/>
+              </a:spcBef>
+              <a:buFont typeface="Arial" panose="020B0604020202020204" pitchFamily="34" charset="0"/>
+              <a:buNone/>
+              <a:defRPr sz="1600" kern="1200">
+                <a:solidFill>
+                  <a:schemeClr val="tx1"/>
+                </a:solidFill>
+                <a:latin typeface="+mn-lt"/>
+                <a:ea typeface="+mn-ea"/>
+                <a:cs typeface="+mn-cs"/>
+              </a:defRPr>
+            </a:lvl6pPr>
+            <a:lvl7pPr marL="2743200" indent="0" algn="ctr" defTabSz="914400" rtl="0" eaLnBrk="1" latinLnBrk="0" hangingPunct="1">
+              <a:lnSpc>
+                <a:spcPct val="90000"/>
+              </a:lnSpc>
+              <a:spcBef>
+                <a:spcPts val="500"/>
+              </a:spcBef>
+              <a:buFont typeface="Arial" panose="020B0604020202020204" pitchFamily="34" charset="0"/>
+              <a:buNone/>
+              <a:defRPr sz="1600" kern="1200">
+                <a:solidFill>
+                  <a:schemeClr val="tx1"/>
+                </a:solidFill>
+                <a:latin typeface="+mn-lt"/>
+                <a:ea typeface="+mn-ea"/>
+                <a:cs typeface="+mn-cs"/>
+              </a:defRPr>
+            </a:lvl7pPr>
+            <a:lvl8pPr marL="3200400" indent="0" algn="ctr" defTabSz="914400" rtl="0" eaLnBrk="1" latinLnBrk="0" hangingPunct="1">
+              <a:lnSpc>
+                <a:spcPct val="90000"/>
+              </a:lnSpc>
+              <a:spcBef>
+                <a:spcPts val="500"/>
+              </a:spcBef>
+              <a:buFont typeface="Arial" panose="020B0604020202020204" pitchFamily="34" charset="0"/>
+              <a:buNone/>
+              <a:defRPr sz="1600" kern="1200">
+                <a:solidFill>
+                  <a:schemeClr val="tx1"/>
+                </a:solidFill>
+                <a:latin typeface="+mn-lt"/>
+                <a:ea typeface="+mn-ea"/>
+                <a:cs typeface="+mn-cs"/>
+              </a:defRPr>
+            </a:lvl8pPr>
+            <a:lvl9pPr marL="3657600" indent="0" algn="ctr" defTabSz="914400" rtl="0" eaLnBrk="1" latinLnBrk="0" hangingPunct="1">
+              <a:lnSpc>
+                <a:spcPct val="90000"/>
+              </a:lnSpc>
+              <a:spcBef>
+                <a:spcPts val="500"/>
+              </a:spcBef>
+              <a:buFont typeface="Arial" panose="020B0604020202020204" pitchFamily="34" charset="0"/>
+              <a:buNone/>
+              <a:defRPr sz="1600" kern="1200">
+                <a:solidFill>
+                  <a:schemeClr val="tx1"/>
+                </a:solidFill>
+                <a:latin typeface="+mn-lt"/>
+                <a:ea typeface="+mn-ea"/>
+                <a:cs typeface="+mn-cs"/>
+              </a:defRPr>
+            </a:lvl9pPr>
+          </a:lstStyle>
+          <a:p>
+            <a:pPr algn="l"/>
+            <a:endParaRPr lang="en-US" sz="3200" dirty="0">
+              <a:latin typeface="Century Gothic" panose="020B0502020202090204" pitchFamily="34" charset="0"/>
+            </a:endParaRPr>
+          </a:p>
+        </p:txBody>
+      </p:sp>
+    </p:spTree>
+    <p:extLst>
+      <p:ext uri="{BB962C8B-B14F-4D97-AF65-F5344CB8AC3E}">
+        <p14:creationId xmlns:p14="http://schemas.microsoft.com/office/powerpoint/2010/main" val="829951670"/>
+      </p:ext>
+    </p:extLst>
+  </p:cSld>
+  <p:clrMapOvr>
+    <a:masterClrMapping/>
+  </p:clrMapOvr>
+</p:sld>
+</file>
+
+<file path=ppt/slides/slide4.xml><?xml version="1.0" encoding="utf-8"?>
+<p:sld xmlns:a="http://schemas.openxmlformats.org/drawingml/2006/main" xmlns:r="http://schemas.openxmlformats.org/officeDocument/2006/relationships" xmlns:p="http://schemas.openxmlformats.org/presentationml/2006/main">
+  <p:cSld>
+    <p:bg>
+      <p:bgPr>
+        <a:solidFill>
+          <a:schemeClr val="bg1"/>
+        </a:solidFill>
+        <a:effectLst/>
+      </p:bgPr>
+    </p:bg>
+    <p:spTree>
+      <p:nvGrpSpPr>
+        <p:cNvPr id="1" name=""/>
+        <p:cNvGrpSpPr/>
+        <p:nvPr/>
+      </p:nvGrpSpPr>
+      <p:grpSpPr>
+        <a:xfrm>
+          <a:off x="0" y="0"/>
+          <a:ext cx="0" cy="0"/>
+          <a:chOff x="0" y="0"/>
+          <a:chExt cx="0" cy="0"/>
+        </a:xfrm>
+      </p:grpSpPr>
+      <p:sp>
+        <p:nvSpPr>
+          <p:cNvPr id="9" name="Rectangle 8">
+            <a:extLst>
+              <a:ext uri="{FF2B5EF4-FFF2-40B4-BE49-F238E27FC236}">
+                <a16:creationId xmlns:a16="http://schemas.microsoft.com/office/drawing/2014/main" id="{E35A04CF-97D4-4FF7-B359-C546B1F62E54}"/>
+              </a:ext>
+              <a:ext uri="{C183D7F6-B498-43B3-948B-1728B52AA6E4}">
+                <adec:decorative xmlns:adec="http://schemas.microsoft.com/office/drawing/2017/decorative" val="1"/>
+              </a:ext>
+            </a:extLst>
+          </p:cNvPr>
+          <p:cNvSpPr>
+            <a:spLocks noGrp="1" noRot="1" noChangeAspect="1" noMove="1" noResize="1" noEditPoints="1" noAdjustHandles="1" noChangeArrowheads="1" noChangeShapeType="1" noTextEdit="1"/>
+          </p:cNvSpPr>
+          <p:nvPr>
+            <p:extLst>
+              <p:ext uri="{386F3935-93C4-4BCD-93E2-E3B085C9AB24}">
+                <p16:designElem xmlns:p16="http://schemas.microsoft.com/office/powerpoint/2015/main" val="1"/>
+              </p:ext>
+            </p:extLst>
+          </p:nvPr>
+        </p:nvSpPr>
+        <p:spPr>
+          <a:xfrm>
+            <a:off x="0" y="0"/>
+            <a:ext cx="12191999" cy="6858000"/>
+          </a:xfrm>
+          <a:prstGeom prst="rect">
+            <a:avLst/>
+          </a:prstGeom>
+          <a:solidFill>
+            <a:schemeClr val="bg1">
+              <a:lumMod val="85000"/>
+            </a:schemeClr>
+          </a:solidFill>
+          <a:ln>
+            <a:noFill/>
+          </a:ln>
+        </p:spPr>
+        <p:style>
+          <a:lnRef idx="2">
+            <a:schemeClr val="accent1">
+              <a:shade val="50000"/>
+            </a:schemeClr>
+          </a:lnRef>
+          <a:fillRef idx="1">
+            <a:schemeClr val="accent1"/>
+          </a:fillRef>
+          <a:effectRef idx="0">
+            <a:schemeClr val="accent1"/>
+          </a:effectRef>
+          <a:fontRef idx="minor">
+            <a:schemeClr val="lt1"/>
+          </a:fontRef>
+        </p:style>
+        <p:txBody>
+          <a:bodyPr rtlCol="0" anchor="ctr"/>
+          <a:lstStyle/>
+          <a:p>
+            <a:pPr algn="ctr"/>
+            <a:endParaRPr lang="en-US"/>
+          </a:p>
+        </p:txBody>
+      </p:sp>
+      <p:sp>
+        <p:nvSpPr>
+          <p:cNvPr id="11" name="Freeform: Shape 10">
+            <a:extLst>
+              <a:ext uri="{FF2B5EF4-FFF2-40B4-BE49-F238E27FC236}">
+                <a16:creationId xmlns:a16="http://schemas.microsoft.com/office/drawing/2014/main" id="{1DE7243B-5109-444B-8FAF-7437C66BC0E9}"/>
+              </a:ext>
+              <a:ext uri="{C183D7F6-B498-43B3-948B-1728B52AA6E4}">
+                <adec:decorative xmlns:adec="http://schemas.microsoft.com/office/drawing/2017/decorative" val="1"/>
+              </a:ext>
+            </a:extLst>
+          </p:cNvPr>
+          <p:cNvSpPr>
+            <a:spLocks noGrp="1" noRot="1" noChangeAspect="1" noMove="1" noResize="1" noEditPoints="1" noAdjustHandles="1" noChangeArrowheads="1" noChangeShapeType="1" noTextEdit="1"/>
+          </p:cNvSpPr>
+          <p:nvPr>
+            <p:extLst>
+              <p:ext uri="{386F3935-93C4-4BCD-93E2-E3B085C9AB24}">
+                <p16:designElem xmlns:p16="http://schemas.microsoft.com/office/powerpoint/2015/main" val="1"/>
+              </p:ext>
+            </p:extLst>
+          </p:nvPr>
+        </p:nvSpPr>
+        <p:spPr>
+          <a:xfrm flipH="1">
+            <a:off x="0" y="0"/>
+            <a:ext cx="4421332" cy="6858000"/>
+          </a:xfrm>
+          <a:custGeom>
+            <a:avLst/>
+            <a:gdLst>
+              <a:gd name="connsiteX0" fmla="*/ 4421332 w 4421332"/>
+              <a:gd name="connsiteY0" fmla="*/ 0 h 6858000"/>
+              <a:gd name="connsiteX1" fmla="*/ 69075 w 4421332"/>
+              <a:gd name="connsiteY1" fmla="*/ 0 h 6858000"/>
+              <a:gd name="connsiteX2" fmla="*/ 35131 w 4421332"/>
+              <a:gd name="connsiteY2" fmla="*/ 267128 h 6858000"/>
+              <a:gd name="connsiteX3" fmla="*/ 0 w 4421332"/>
+              <a:gd name="connsiteY3" fmla="*/ 962845 h 6858000"/>
+              <a:gd name="connsiteX4" fmla="*/ 3276103 w 4421332"/>
+              <a:gd name="connsiteY4" fmla="*/ 6782205 h 6858000"/>
+              <a:gd name="connsiteX5" fmla="*/ 3407923 w 4421332"/>
+              <a:gd name="connsiteY5" fmla="*/ 6858000 h 6858000"/>
+              <a:gd name="connsiteX6" fmla="*/ 4421332 w 4421332"/>
+              <a:gd name="connsiteY6" fmla="*/ 6858000 h 6858000"/>
+            </a:gdLst>
+            <a:ahLst/>
+            <a:cxnLst>
+              <a:cxn ang="0">
+                <a:pos x="connsiteX0" y="connsiteY0"/>
+              </a:cxn>
+              <a:cxn ang="0">
+                <a:pos x="connsiteX1" y="connsiteY1"/>
+              </a:cxn>
+              <a:cxn ang="0">
+                <a:pos x="connsiteX2" y="connsiteY2"/>
+              </a:cxn>
+              <a:cxn ang="0">
+                <a:pos x="connsiteX3" y="connsiteY3"/>
+              </a:cxn>
+              <a:cxn ang="0">
+                <a:pos x="connsiteX4" y="connsiteY4"/>
+              </a:cxn>
+              <a:cxn ang="0">
+                <a:pos x="connsiteX5" y="connsiteY5"/>
+              </a:cxn>
+              <a:cxn ang="0">
+                <a:pos x="connsiteX6" y="connsiteY6"/>
+              </a:cxn>
+            </a:cxnLst>
+            <a:rect l="l" t="t" r="r" b="b"/>
+            <a:pathLst>
+              <a:path w="4421332" h="6858000">
+                <a:moveTo>
+                  <a:pt x="4421332" y="0"/>
+                </a:moveTo>
+                <a:lnTo>
+                  <a:pt x="69075" y="0"/>
+                </a:lnTo>
+                <a:lnTo>
+                  <a:pt x="35131" y="267128"/>
+                </a:lnTo>
+                <a:cubicBezTo>
+                  <a:pt x="11901" y="495874"/>
+                  <a:pt x="0" y="727970"/>
+                  <a:pt x="0" y="962845"/>
+                </a:cubicBezTo>
+                <a:cubicBezTo>
+                  <a:pt x="0" y="3429034"/>
+                  <a:pt x="1312002" y="5588789"/>
+                  <a:pt x="3276103" y="6782205"/>
+                </a:cubicBezTo>
+                <a:lnTo>
+                  <a:pt x="3407923" y="6858000"/>
+                </a:lnTo>
+                <a:lnTo>
+                  <a:pt x="4421332" y="6858000"/>
+                </a:lnTo>
+                <a:close/>
+              </a:path>
+            </a:pathLst>
+          </a:custGeom>
+          <a:solidFill>
+            <a:srgbClr val="FFFFFF">
+              <a:alpha val="80000"/>
+            </a:srgbClr>
+          </a:solidFill>
+          <a:ln>
+            <a:noFill/>
+          </a:ln>
+        </p:spPr>
+        <p:style>
+          <a:lnRef idx="2">
+            <a:schemeClr val="accent1">
+              <a:shade val="50000"/>
+            </a:schemeClr>
+          </a:lnRef>
+          <a:fillRef idx="1">
+            <a:schemeClr val="accent1"/>
+          </a:fillRef>
+          <a:effectRef idx="0">
+            <a:schemeClr val="accent1"/>
+          </a:effectRef>
+          <a:fontRef idx="minor">
+            <a:schemeClr val="lt1"/>
+          </a:fontRef>
+        </p:style>
+        <p:txBody>
+          <a:bodyPr wrap="square" rtlCol="0" anchor="ctr">
+            <a:noAutofit/>
+          </a:bodyPr>
+          <a:lstStyle/>
+          <a:p>
+            <a:pPr marL="0" marR="0" lvl="0" indent="0" algn="ctr" defTabSz="914400" rtl="0" eaLnBrk="1" fontAlgn="auto" latinLnBrk="0" hangingPunct="1">
+              <a:lnSpc>
+                <a:spcPct val="100000"/>
+              </a:lnSpc>
+              <a:spcBef>
+                <a:spcPts val="0"/>
+              </a:spcBef>
+              <a:spcAft>
+                <a:spcPts val="0"/>
+              </a:spcAft>
+              <a:buClrTx/>
+              <a:buSzTx/>
+              <a:buFontTx/>
+              <a:buNone/>
+              <a:tabLst/>
+              <a:defRPr/>
+            </a:pPr>
+            <a:endParaRPr kumimoji="0" lang="en-US" sz="1800" b="0" i="0" u="none" strike="noStrike" kern="1200" cap="none" spc="0" normalizeH="0" baseline="0" noProof="0">
+              <a:ln>
+                <a:noFill/>
+              </a:ln>
+              <a:solidFill>
+                <a:prstClr val="white"/>
+              </a:solidFill>
+              <a:effectLst/>
+              <a:uLnTx/>
+              <a:uFillTx/>
+              <a:latin typeface="Calibri" panose="020F0502020204030204"/>
+              <a:ea typeface="+mn-ea"/>
+              <a:cs typeface="+mn-cs"/>
+            </a:endParaRPr>
+          </a:p>
+        </p:txBody>
+      </p:sp>
+      <p:sp>
+        <p:nvSpPr>
+          <p:cNvPr id="13" name="Freeform: Shape 12">
+            <a:extLst>
+              <a:ext uri="{FF2B5EF4-FFF2-40B4-BE49-F238E27FC236}">
+                <a16:creationId xmlns:a16="http://schemas.microsoft.com/office/drawing/2014/main" id="{4C5D6221-DA7B-4611-AA26-7D8E349FDE96}"/>
+              </a:ext>
+              <a:ext uri="{C183D7F6-B498-43B3-948B-1728B52AA6E4}">
+                <adec:decorative xmlns:adec="http://schemas.microsoft.com/office/drawing/2017/decorative" val="1"/>
+              </a:ext>
+            </a:extLst>
+          </p:cNvPr>
+          <p:cNvSpPr>
+            <a:spLocks noGrp="1" noRot="1" noChangeAspect="1" noMove="1" noResize="1" noEditPoints="1" noAdjustHandles="1" noChangeArrowheads="1" noChangeShapeType="1" noTextEdit="1"/>
+          </p:cNvSpPr>
+          <p:nvPr>
+            <p:extLst>
+              <p:ext uri="{386F3935-93C4-4BCD-93E2-E3B085C9AB24}">
+                <p16:designElem xmlns:p16="http://schemas.microsoft.com/office/powerpoint/2015/main" val="1"/>
+              </p:ext>
+            </p:extLst>
+          </p:nvPr>
+        </p:nvSpPr>
+        <p:spPr>
+          <a:xfrm>
+            <a:off x="1" y="0"/>
+            <a:ext cx="4232227" cy="6858000"/>
+          </a:xfrm>
+          <a:custGeom>
+            <a:avLst/>
+            <a:gdLst>
+              <a:gd name="connsiteX0" fmla="*/ 0 w 4232227"/>
+              <a:gd name="connsiteY0" fmla="*/ 0 h 6858000"/>
+              <a:gd name="connsiteX1" fmla="*/ 4161853 w 4232227"/>
+              <a:gd name="connsiteY1" fmla="*/ 0 h 6858000"/>
+              <a:gd name="connsiteX2" fmla="*/ 4197953 w 4232227"/>
+              <a:gd name="connsiteY2" fmla="*/ 284091 h 6858000"/>
+              <a:gd name="connsiteX3" fmla="*/ 4232227 w 4232227"/>
+              <a:gd name="connsiteY3" fmla="*/ 962844 h 6858000"/>
+              <a:gd name="connsiteX4" fmla="*/ 758007 w 4232227"/>
+              <a:gd name="connsiteY4" fmla="*/ 6800152 h 6858000"/>
+              <a:gd name="connsiteX5" fmla="*/ 645060 w 4232227"/>
+              <a:gd name="connsiteY5" fmla="*/ 6858000 h 6858000"/>
+              <a:gd name="connsiteX6" fmla="*/ 0 w 4232227"/>
+              <a:gd name="connsiteY6" fmla="*/ 6858000 h 6858000"/>
+            </a:gdLst>
+            <a:ahLst/>
+            <a:cxnLst>
+              <a:cxn ang="0">
+                <a:pos x="connsiteX0" y="connsiteY0"/>
+              </a:cxn>
+              <a:cxn ang="0">
+                <a:pos x="connsiteX1" y="connsiteY1"/>
+              </a:cxn>
+              <a:cxn ang="0">
+                <a:pos x="connsiteX2" y="connsiteY2"/>
+              </a:cxn>
+              <a:cxn ang="0">
+                <a:pos x="connsiteX3" y="connsiteY3"/>
+              </a:cxn>
+              <a:cxn ang="0">
+                <a:pos x="connsiteX4" y="connsiteY4"/>
+              </a:cxn>
+              <a:cxn ang="0">
+                <a:pos x="connsiteX5" y="connsiteY5"/>
+              </a:cxn>
+              <a:cxn ang="0">
+                <a:pos x="connsiteX6" y="connsiteY6"/>
+              </a:cxn>
+            </a:cxnLst>
+            <a:rect l="l" t="t" r="r" b="b"/>
+            <a:pathLst>
+              <a:path w="4232227" h="6858000">
+                <a:moveTo>
+                  <a:pt x="0" y="0"/>
+                </a:moveTo>
+                <a:lnTo>
+                  <a:pt x="4161853" y="0"/>
+                </a:lnTo>
+                <a:lnTo>
+                  <a:pt x="4197953" y="284091"/>
+                </a:lnTo>
+                <a:cubicBezTo>
+                  <a:pt x="4220617" y="507260"/>
+                  <a:pt x="4232227" y="733696"/>
+                  <a:pt x="4232227" y="962844"/>
+                </a:cubicBezTo>
+                <a:cubicBezTo>
+                  <a:pt x="4232227" y="3483472"/>
+                  <a:pt x="2827409" y="5675986"/>
+                  <a:pt x="758007" y="6800152"/>
+                </a:cubicBezTo>
+                <a:lnTo>
+                  <a:pt x="645060" y="6858000"/>
+                </a:lnTo>
+                <a:lnTo>
+                  <a:pt x="0" y="6858000"/>
+                </a:lnTo>
+                <a:close/>
+              </a:path>
+            </a:pathLst>
+          </a:custGeom>
+          <a:solidFill>
+            <a:srgbClr val="404040"/>
+          </a:solidFill>
+          <a:ln>
+            <a:noFill/>
+          </a:ln>
+        </p:spPr>
+        <p:style>
+          <a:lnRef idx="2">
+            <a:schemeClr val="accent1">
+              <a:shade val="50000"/>
+            </a:schemeClr>
+          </a:lnRef>
+          <a:fillRef idx="1">
+            <a:schemeClr val="accent1"/>
+          </a:fillRef>
+          <a:effectRef idx="0">
+            <a:schemeClr val="accent1"/>
+          </a:effectRef>
+          <a:fontRef idx="minor">
+            <a:schemeClr val="lt1"/>
+          </a:fontRef>
+        </p:style>
+        <p:txBody>
+          <a:bodyPr wrap="square" rtlCol="0" anchor="ctr">
+            <a:noAutofit/>
+          </a:bodyPr>
+          <a:lstStyle/>
+          <a:p>
+            <a:pPr marL="0" marR="0" lvl="0" indent="0" algn="ctr" defTabSz="914400" rtl="0" eaLnBrk="1" fontAlgn="auto" latinLnBrk="0" hangingPunct="1">
+              <a:lnSpc>
+                <a:spcPct val="100000"/>
+              </a:lnSpc>
+              <a:spcBef>
+                <a:spcPts val="0"/>
+              </a:spcBef>
+              <a:spcAft>
+                <a:spcPts val="0"/>
+              </a:spcAft>
+              <a:buClrTx/>
+              <a:buSzTx/>
+              <a:buFontTx/>
+              <a:buNone/>
+              <a:tabLst/>
+              <a:defRPr/>
+            </a:pPr>
+            <a:endParaRPr kumimoji="0" lang="en-US" sz="1800" b="0" i="0" u="none" strike="noStrike" kern="1200" cap="none" spc="0" normalizeH="0" baseline="0" noProof="0">
+              <a:ln>
+                <a:noFill/>
+              </a:ln>
+              <a:solidFill>
+                <a:prstClr val="white"/>
+              </a:solidFill>
+              <a:effectLst/>
+              <a:uLnTx/>
+              <a:uFillTx/>
+              <a:latin typeface="Calibri" panose="020F0502020204030204"/>
+              <a:ea typeface="+mn-ea"/>
+              <a:cs typeface="+mn-cs"/>
+            </a:endParaRPr>
+          </a:p>
+        </p:txBody>
+      </p:sp>
+      <p:sp>
+        <p:nvSpPr>
+          <p:cNvPr id="2" name="Titre 1">
+            <a:extLst>
+              <a:ext uri="{FF2B5EF4-FFF2-40B4-BE49-F238E27FC236}">
+                <a16:creationId xmlns:a16="http://schemas.microsoft.com/office/drawing/2014/main" id="{77328127-2658-29C0-D5B6-2E19F8D9CB6F}"/>
+              </a:ext>
+            </a:extLst>
+          </p:cNvPr>
+          <p:cNvSpPr>
+            <a:spLocks noGrp="1"/>
+          </p:cNvSpPr>
+          <p:nvPr>
+            <p:ph type="ctrTitle"/>
+          </p:nvPr>
+        </p:nvSpPr>
+        <p:spPr>
+          <a:xfrm>
+            <a:off x="306769" y="1980896"/>
+            <a:ext cx="3626039" cy="1010878"/>
+          </a:xfrm>
+        </p:spPr>
+        <p:txBody>
+          <a:bodyPr vert="horz" lIns="91440" tIns="45720" rIns="91440" bIns="45720" rtlCol="0" anchor="t">
+            <a:normAutofit fontScale="90000"/>
+          </a:bodyPr>
+          <a:lstStyle/>
+          <a:p>
+            <a:pPr algn="l"/>
+            <a:r>
+              <a:rPr lang="en-US" sz="3600" b="1" dirty="0">
+                <a:solidFill>
+                  <a:srgbClr val="FFFFFF"/>
+                </a:solidFill>
+                <a:latin typeface="Century Gothic" panose="020B0502020202090204" pitchFamily="34" charset="0"/>
+              </a:rPr>
+              <a:t>Data visualization:</a:t>
+            </a:r>
+            <a:endParaRPr lang="en-US" sz="3600" b="1" kern="1200" dirty="0">
+              <a:solidFill>
+                <a:srgbClr val="FFFFFF"/>
+              </a:solidFill>
+              <a:latin typeface="Century Gothic" panose="020B0502020202090204" pitchFamily="34" charset="0"/>
+            </a:endParaRPr>
+          </a:p>
+        </p:txBody>
+      </p:sp>
+      <p:sp>
+        <p:nvSpPr>
+          <p:cNvPr id="4" name="Sous-titre 2">
+            <a:extLst>
+              <a:ext uri="{FF2B5EF4-FFF2-40B4-BE49-F238E27FC236}">
+                <a16:creationId xmlns:a16="http://schemas.microsoft.com/office/drawing/2014/main" id="{F268D261-47EE-1D4F-CCA1-52A3131E5925}"/>
+              </a:ext>
+            </a:extLst>
+          </p:cNvPr>
+          <p:cNvSpPr txBox="1">
+            <a:spLocks/>
+          </p:cNvSpPr>
+          <p:nvPr/>
+        </p:nvSpPr>
+        <p:spPr>
+          <a:xfrm>
+            <a:off x="5315546" y="1816257"/>
+            <a:ext cx="6569685" cy="950716"/>
+          </a:xfrm>
+          <a:prstGeom prst="rect">
+            <a:avLst/>
+          </a:prstGeom>
+        </p:spPr>
+        <p:txBody>
+          <a:bodyPr vert="horz" lIns="91440" tIns="45720" rIns="91440" bIns="45720" rtlCol="0">
+            <a:noAutofit/>
+          </a:bodyPr>
+          <a:lstStyle>
+            <a:lvl1pPr marL="0" indent="0" algn="ctr" defTabSz="914400" rtl="0" eaLnBrk="1" latinLnBrk="0" hangingPunct="1">
+              <a:lnSpc>
+                <a:spcPct val="90000"/>
+              </a:lnSpc>
+              <a:spcBef>
+                <a:spcPts val="1000"/>
+              </a:spcBef>
+              <a:buFont typeface="Arial" panose="020B0604020202020204" pitchFamily="34" charset="0"/>
+              <a:buNone/>
+              <a:defRPr sz="2400" kern="1200">
+                <a:solidFill>
+                  <a:schemeClr val="tx1"/>
+                </a:solidFill>
+                <a:latin typeface="+mn-lt"/>
+                <a:ea typeface="+mn-ea"/>
+                <a:cs typeface="+mn-cs"/>
+              </a:defRPr>
+            </a:lvl1pPr>
+            <a:lvl2pPr marL="457200" indent="0" algn="ctr" defTabSz="914400" rtl="0" eaLnBrk="1" latinLnBrk="0" hangingPunct="1">
+              <a:lnSpc>
+                <a:spcPct val="90000"/>
+              </a:lnSpc>
+              <a:spcBef>
+                <a:spcPts val="500"/>
+              </a:spcBef>
+              <a:buFont typeface="Arial" panose="020B0604020202020204" pitchFamily="34" charset="0"/>
+              <a:buNone/>
+              <a:defRPr sz="2000" kern="1200">
+                <a:solidFill>
+                  <a:schemeClr val="tx1"/>
+                </a:solidFill>
+                <a:latin typeface="+mn-lt"/>
+                <a:ea typeface="+mn-ea"/>
+                <a:cs typeface="+mn-cs"/>
+              </a:defRPr>
+            </a:lvl2pPr>
+            <a:lvl3pPr marL="914400" indent="0" algn="ctr" defTabSz="914400" rtl="0" eaLnBrk="1" latinLnBrk="0" hangingPunct="1">
+              <a:lnSpc>
+                <a:spcPct val="90000"/>
+              </a:lnSpc>
+              <a:spcBef>
+                <a:spcPts val="500"/>
+              </a:spcBef>
+              <a:buFont typeface="Arial" panose="020B0604020202020204" pitchFamily="34" charset="0"/>
+              <a:buNone/>
+              <a:defRPr sz="1800" kern="1200">
+                <a:solidFill>
+                  <a:schemeClr val="tx1"/>
+                </a:solidFill>
+                <a:latin typeface="+mn-lt"/>
+                <a:ea typeface="+mn-ea"/>
+                <a:cs typeface="+mn-cs"/>
+              </a:defRPr>
+            </a:lvl3pPr>
+            <a:lvl4pPr marL="1371600" indent="0" algn="ctr" defTabSz="914400" rtl="0" eaLnBrk="1" latinLnBrk="0" hangingPunct="1">
+              <a:lnSpc>
+                <a:spcPct val="90000"/>
+              </a:lnSpc>
+              <a:spcBef>
+                <a:spcPts val="500"/>
+              </a:spcBef>
+              <a:buFont typeface="Arial" panose="020B0604020202020204" pitchFamily="34" charset="0"/>
+              <a:buNone/>
+              <a:defRPr sz="1600" kern="1200">
+                <a:solidFill>
+                  <a:schemeClr val="tx1"/>
+                </a:solidFill>
+                <a:latin typeface="+mn-lt"/>
+                <a:ea typeface="+mn-ea"/>
+                <a:cs typeface="+mn-cs"/>
+              </a:defRPr>
+            </a:lvl4pPr>
+            <a:lvl5pPr marL="1828800" indent="0" algn="ctr" defTabSz="914400" rtl="0" eaLnBrk="1" latinLnBrk="0" hangingPunct="1">
+              <a:lnSpc>
+                <a:spcPct val="90000"/>
+              </a:lnSpc>
+              <a:spcBef>
+                <a:spcPts val="500"/>
+              </a:spcBef>
+              <a:buFont typeface="Arial" panose="020B0604020202020204" pitchFamily="34" charset="0"/>
+              <a:buNone/>
+              <a:defRPr sz="1600" kern="1200">
+                <a:solidFill>
+                  <a:schemeClr val="tx1"/>
+                </a:solidFill>
+                <a:latin typeface="+mn-lt"/>
+                <a:ea typeface="+mn-ea"/>
+                <a:cs typeface="+mn-cs"/>
+              </a:defRPr>
+            </a:lvl5pPr>
+            <a:lvl6pPr marL="2286000" indent="0" algn="ctr" defTabSz="914400" rtl="0" eaLnBrk="1" latinLnBrk="0" hangingPunct="1">
+              <a:lnSpc>
+                <a:spcPct val="90000"/>
+              </a:lnSpc>
+              <a:spcBef>
+                <a:spcPts val="500"/>
+              </a:spcBef>
+              <a:buFont typeface="Arial" panose="020B0604020202020204" pitchFamily="34" charset="0"/>
+              <a:buNone/>
+              <a:defRPr sz="1600" kern="1200">
+                <a:solidFill>
+                  <a:schemeClr val="tx1"/>
+                </a:solidFill>
+                <a:latin typeface="+mn-lt"/>
+                <a:ea typeface="+mn-ea"/>
+                <a:cs typeface="+mn-cs"/>
+              </a:defRPr>
+            </a:lvl6pPr>
+            <a:lvl7pPr marL="2743200" indent="0" algn="ctr" defTabSz="914400" rtl="0" eaLnBrk="1" latinLnBrk="0" hangingPunct="1">
+              <a:lnSpc>
+                <a:spcPct val="90000"/>
+              </a:lnSpc>
+              <a:spcBef>
+                <a:spcPts val="500"/>
+              </a:spcBef>
+              <a:buFont typeface="Arial" panose="020B0604020202020204" pitchFamily="34" charset="0"/>
+              <a:buNone/>
+              <a:defRPr sz="1600" kern="1200">
+                <a:solidFill>
+                  <a:schemeClr val="tx1"/>
+                </a:solidFill>
+                <a:latin typeface="+mn-lt"/>
+                <a:ea typeface="+mn-ea"/>
+                <a:cs typeface="+mn-cs"/>
+              </a:defRPr>
+            </a:lvl7pPr>
+            <a:lvl8pPr marL="3200400" indent="0" algn="ctr" defTabSz="914400" rtl="0" eaLnBrk="1" latinLnBrk="0" hangingPunct="1">
+              <a:lnSpc>
+                <a:spcPct val="90000"/>
+              </a:lnSpc>
+              <a:spcBef>
+                <a:spcPts val="500"/>
+              </a:spcBef>
+              <a:buFont typeface="Arial" panose="020B0604020202020204" pitchFamily="34" charset="0"/>
+              <a:buNone/>
+              <a:defRPr sz="1600" kern="1200">
+                <a:solidFill>
+                  <a:schemeClr val="tx1"/>
+                </a:solidFill>
+                <a:latin typeface="+mn-lt"/>
+                <a:ea typeface="+mn-ea"/>
+                <a:cs typeface="+mn-cs"/>
+              </a:defRPr>
+            </a:lvl8pPr>
+            <a:lvl9pPr marL="3657600" indent="0" algn="ctr" defTabSz="914400" rtl="0" eaLnBrk="1" latinLnBrk="0" hangingPunct="1">
+              <a:lnSpc>
+                <a:spcPct val="90000"/>
+              </a:lnSpc>
+              <a:spcBef>
+                <a:spcPts val="500"/>
+              </a:spcBef>
+              <a:buFont typeface="Arial" panose="020B0604020202020204" pitchFamily="34" charset="0"/>
+              <a:buNone/>
+              <a:defRPr sz="1600" kern="1200">
+                <a:solidFill>
+                  <a:schemeClr val="tx1"/>
+                </a:solidFill>
+                <a:latin typeface="+mn-lt"/>
+                <a:ea typeface="+mn-ea"/>
+                <a:cs typeface="+mn-cs"/>
+              </a:defRPr>
+            </a:lvl9pPr>
+          </a:lstStyle>
+          <a:p>
+            <a:pPr algn="l"/>
+            <a:endParaRPr lang="en-US" sz="3200" dirty="0">
+              <a:latin typeface="Century Gothic" panose="020B0502020202090204" pitchFamily="34" charset="0"/>
+            </a:endParaRPr>
+          </a:p>
+        </p:txBody>
+      </p:sp>
+    </p:spTree>
+    <p:extLst>
+      <p:ext uri="{BB962C8B-B14F-4D97-AF65-F5344CB8AC3E}">
+        <p14:creationId xmlns:p14="http://schemas.microsoft.com/office/powerpoint/2010/main" val="3645481631"/>
+      </p:ext>
+    </p:extLst>
+  </p:cSld>
+  <p:clrMapOvr>
+    <a:masterClrMapping/>
+  </p:clrMapOvr>
+</p:sld>
+</file>
+
+<file path=ppt/slides/slide5.xml><?xml version="1.0" encoding="utf-8"?>
+<p:sld xmlns:a="http://schemas.openxmlformats.org/drawingml/2006/main" xmlns:r="http://schemas.openxmlformats.org/officeDocument/2006/relationships" xmlns:p="http://schemas.openxmlformats.org/presentationml/2006/main">
+  <p:cSld>
+    <p:bg>
+      <p:bgPr>
+        <a:solidFill>
+          <a:schemeClr val="bg1"/>
+        </a:solidFill>
+        <a:effectLst/>
+      </p:bgPr>
+    </p:bg>
+    <p:spTree>
+      <p:nvGrpSpPr>
+        <p:cNvPr id="1" name=""/>
+        <p:cNvGrpSpPr/>
+        <p:nvPr/>
+      </p:nvGrpSpPr>
+      <p:grpSpPr>
+        <a:xfrm>
+          <a:off x="0" y="0"/>
+          <a:ext cx="0" cy="0"/>
+          <a:chOff x="0" y="0"/>
+          <a:chExt cx="0" cy="0"/>
+        </a:xfrm>
+      </p:grpSpPr>
+      <p:sp>
+        <p:nvSpPr>
+          <p:cNvPr id="9" name="Rectangle 8">
+            <a:extLst>
+              <a:ext uri="{FF2B5EF4-FFF2-40B4-BE49-F238E27FC236}">
+                <a16:creationId xmlns:a16="http://schemas.microsoft.com/office/drawing/2014/main" id="{E35A04CF-97D4-4FF7-B359-C546B1F62E54}"/>
+              </a:ext>
+              <a:ext uri="{C183D7F6-B498-43B3-948B-1728B52AA6E4}">
+                <adec:decorative xmlns:adec="http://schemas.microsoft.com/office/drawing/2017/decorative" val="1"/>
+              </a:ext>
+            </a:extLst>
+          </p:cNvPr>
+          <p:cNvSpPr>
+            <a:spLocks noGrp="1" noRot="1" noChangeAspect="1" noMove="1" noResize="1" noEditPoints="1" noAdjustHandles="1" noChangeArrowheads="1" noChangeShapeType="1" noTextEdit="1"/>
+          </p:cNvSpPr>
+          <p:nvPr>
+            <p:extLst>
+              <p:ext uri="{386F3935-93C4-4BCD-93E2-E3B085C9AB24}">
+                <p16:designElem xmlns:p16="http://schemas.microsoft.com/office/powerpoint/2015/main" val="1"/>
+              </p:ext>
+            </p:extLst>
+          </p:nvPr>
+        </p:nvSpPr>
+        <p:spPr>
+          <a:xfrm>
+            <a:off x="0" y="0"/>
+            <a:ext cx="12191999" cy="6858000"/>
+          </a:xfrm>
+          <a:prstGeom prst="rect">
+            <a:avLst/>
+          </a:prstGeom>
+          <a:solidFill>
+            <a:schemeClr val="bg1">
+              <a:lumMod val="85000"/>
+            </a:schemeClr>
+          </a:solidFill>
+          <a:ln>
+            <a:noFill/>
+          </a:ln>
+        </p:spPr>
+        <p:style>
+          <a:lnRef idx="2">
+            <a:schemeClr val="accent1">
+              <a:shade val="50000"/>
+            </a:schemeClr>
+          </a:lnRef>
+          <a:fillRef idx="1">
+            <a:schemeClr val="accent1"/>
+          </a:fillRef>
+          <a:effectRef idx="0">
+            <a:schemeClr val="accent1"/>
+          </a:effectRef>
+          <a:fontRef idx="minor">
+            <a:schemeClr val="lt1"/>
+          </a:fontRef>
+        </p:style>
+        <p:txBody>
+          <a:bodyPr rtlCol="0" anchor="ctr"/>
+          <a:lstStyle/>
+          <a:p>
+            <a:pPr algn="ctr"/>
+            <a:endParaRPr lang="en-US"/>
+          </a:p>
+        </p:txBody>
+      </p:sp>
+      <p:sp>
+        <p:nvSpPr>
+          <p:cNvPr id="11" name="Freeform: Shape 10">
+            <a:extLst>
+              <a:ext uri="{FF2B5EF4-FFF2-40B4-BE49-F238E27FC236}">
+                <a16:creationId xmlns:a16="http://schemas.microsoft.com/office/drawing/2014/main" id="{1DE7243B-5109-444B-8FAF-7437C66BC0E9}"/>
+              </a:ext>
+              <a:ext uri="{C183D7F6-B498-43B3-948B-1728B52AA6E4}">
+                <adec:decorative xmlns:adec="http://schemas.microsoft.com/office/drawing/2017/decorative" val="1"/>
+              </a:ext>
+            </a:extLst>
+          </p:cNvPr>
+          <p:cNvSpPr>
+            <a:spLocks noGrp="1" noRot="1" noChangeAspect="1" noMove="1" noResize="1" noEditPoints="1" noAdjustHandles="1" noChangeArrowheads="1" noChangeShapeType="1" noTextEdit="1"/>
+          </p:cNvSpPr>
+          <p:nvPr>
+            <p:extLst>
+              <p:ext uri="{386F3935-93C4-4BCD-93E2-E3B085C9AB24}">
+                <p16:designElem xmlns:p16="http://schemas.microsoft.com/office/powerpoint/2015/main" val="1"/>
+              </p:ext>
+            </p:extLst>
+          </p:nvPr>
+        </p:nvSpPr>
+        <p:spPr>
+          <a:xfrm flipH="1">
+            <a:off x="0" y="0"/>
+            <a:ext cx="4421332" cy="6858000"/>
+          </a:xfrm>
+          <a:custGeom>
+            <a:avLst/>
+            <a:gdLst>
+              <a:gd name="connsiteX0" fmla="*/ 4421332 w 4421332"/>
+              <a:gd name="connsiteY0" fmla="*/ 0 h 6858000"/>
+              <a:gd name="connsiteX1" fmla="*/ 69075 w 4421332"/>
+              <a:gd name="connsiteY1" fmla="*/ 0 h 6858000"/>
+              <a:gd name="connsiteX2" fmla="*/ 35131 w 4421332"/>
+              <a:gd name="connsiteY2" fmla="*/ 267128 h 6858000"/>
+              <a:gd name="connsiteX3" fmla="*/ 0 w 4421332"/>
+              <a:gd name="connsiteY3" fmla="*/ 962845 h 6858000"/>
+              <a:gd name="connsiteX4" fmla="*/ 3276103 w 4421332"/>
+              <a:gd name="connsiteY4" fmla="*/ 6782205 h 6858000"/>
+              <a:gd name="connsiteX5" fmla="*/ 3407923 w 4421332"/>
+              <a:gd name="connsiteY5" fmla="*/ 6858000 h 6858000"/>
+              <a:gd name="connsiteX6" fmla="*/ 4421332 w 4421332"/>
+              <a:gd name="connsiteY6" fmla="*/ 6858000 h 6858000"/>
+            </a:gdLst>
+            <a:ahLst/>
+            <a:cxnLst>
+              <a:cxn ang="0">
+                <a:pos x="connsiteX0" y="connsiteY0"/>
+              </a:cxn>
+              <a:cxn ang="0">
+                <a:pos x="connsiteX1" y="connsiteY1"/>
+              </a:cxn>
+              <a:cxn ang="0">
+                <a:pos x="connsiteX2" y="connsiteY2"/>
+              </a:cxn>
+              <a:cxn ang="0">
+                <a:pos x="connsiteX3" y="connsiteY3"/>
+              </a:cxn>
+              <a:cxn ang="0">
+                <a:pos x="connsiteX4" y="connsiteY4"/>
+              </a:cxn>
+              <a:cxn ang="0">
+                <a:pos x="connsiteX5" y="connsiteY5"/>
+              </a:cxn>
+              <a:cxn ang="0">
+                <a:pos x="connsiteX6" y="connsiteY6"/>
+              </a:cxn>
+            </a:cxnLst>
+            <a:rect l="l" t="t" r="r" b="b"/>
+            <a:pathLst>
+              <a:path w="4421332" h="6858000">
+                <a:moveTo>
+                  <a:pt x="4421332" y="0"/>
+                </a:moveTo>
+                <a:lnTo>
+                  <a:pt x="69075" y="0"/>
+                </a:lnTo>
+                <a:lnTo>
+                  <a:pt x="35131" y="267128"/>
+                </a:lnTo>
+                <a:cubicBezTo>
+                  <a:pt x="11901" y="495874"/>
+                  <a:pt x="0" y="727970"/>
+                  <a:pt x="0" y="962845"/>
+                </a:cubicBezTo>
+                <a:cubicBezTo>
+                  <a:pt x="0" y="3429034"/>
+                  <a:pt x="1312002" y="5588789"/>
+                  <a:pt x="3276103" y="6782205"/>
+                </a:cubicBezTo>
+                <a:lnTo>
+                  <a:pt x="3407923" y="6858000"/>
+                </a:lnTo>
+                <a:lnTo>
+                  <a:pt x="4421332" y="6858000"/>
+                </a:lnTo>
+                <a:close/>
+              </a:path>
+            </a:pathLst>
+          </a:custGeom>
+          <a:solidFill>
+            <a:srgbClr val="FFFFFF">
+              <a:alpha val="80000"/>
+            </a:srgbClr>
+          </a:solidFill>
+          <a:ln>
+            <a:noFill/>
+          </a:ln>
+        </p:spPr>
+        <p:style>
+          <a:lnRef idx="2">
+            <a:schemeClr val="accent1">
+              <a:shade val="50000"/>
+            </a:schemeClr>
+          </a:lnRef>
+          <a:fillRef idx="1">
+            <a:schemeClr val="accent1"/>
+          </a:fillRef>
+          <a:effectRef idx="0">
+            <a:schemeClr val="accent1"/>
+          </a:effectRef>
+          <a:fontRef idx="minor">
+            <a:schemeClr val="lt1"/>
+          </a:fontRef>
+        </p:style>
+        <p:txBody>
+          <a:bodyPr wrap="square" rtlCol="0" anchor="ctr">
+            <a:noAutofit/>
+          </a:bodyPr>
+          <a:lstStyle/>
+          <a:p>
+            <a:pPr marL="0" marR="0" lvl="0" indent="0" algn="ctr" defTabSz="914400" rtl="0" eaLnBrk="1" fontAlgn="auto" latinLnBrk="0" hangingPunct="1">
+              <a:lnSpc>
+                <a:spcPct val="100000"/>
+              </a:lnSpc>
+              <a:spcBef>
+                <a:spcPts val="0"/>
+              </a:spcBef>
+              <a:spcAft>
+                <a:spcPts val="0"/>
+              </a:spcAft>
+              <a:buClrTx/>
+              <a:buSzTx/>
+              <a:buFontTx/>
+              <a:buNone/>
+              <a:tabLst/>
+              <a:defRPr/>
+            </a:pPr>
+            <a:endParaRPr kumimoji="0" lang="en-US" sz="1800" b="0" i="0" u="none" strike="noStrike" kern="1200" cap="none" spc="0" normalizeH="0" baseline="0" noProof="0">
+              <a:ln>
+                <a:noFill/>
+              </a:ln>
+              <a:solidFill>
+                <a:prstClr val="white"/>
+              </a:solidFill>
+              <a:effectLst/>
+              <a:uLnTx/>
+              <a:uFillTx/>
+              <a:latin typeface="Calibri" panose="020F0502020204030204"/>
+              <a:ea typeface="+mn-ea"/>
+              <a:cs typeface="+mn-cs"/>
+            </a:endParaRPr>
+          </a:p>
+        </p:txBody>
+      </p:sp>
+      <p:sp>
+        <p:nvSpPr>
+          <p:cNvPr id="13" name="Freeform: Shape 12">
+            <a:extLst>
+              <a:ext uri="{FF2B5EF4-FFF2-40B4-BE49-F238E27FC236}">
+                <a16:creationId xmlns:a16="http://schemas.microsoft.com/office/drawing/2014/main" id="{4C5D6221-DA7B-4611-AA26-7D8E349FDE96}"/>
+              </a:ext>
+              <a:ext uri="{C183D7F6-B498-43B3-948B-1728B52AA6E4}">
+                <adec:decorative xmlns:adec="http://schemas.microsoft.com/office/drawing/2017/decorative" val="1"/>
+              </a:ext>
+            </a:extLst>
+          </p:cNvPr>
+          <p:cNvSpPr>
+            <a:spLocks noGrp="1" noRot="1" noChangeAspect="1" noMove="1" noResize="1" noEditPoints="1" noAdjustHandles="1" noChangeArrowheads="1" noChangeShapeType="1" noTextEdit="1"/>
+          </p:cNvSpPr>
+          <p:nvPr>
+            <p:extLst>
+              <p:ext uri="{386F3935-93C4-4BCD-93E2-E3B085C9AB24}">
+                <p16:designElem xmlns:p16="http://schemas.microsoft.com/office/powerpoint/2015/main" val="1"/>
+              </p:ext>
+            </p:extLst>
+          </p:nvPr>
+        </p:nvSpPr>
+        <p:spPr>
+          <a:xfrm>
+            <a:off x="1" y="0"/>
+            <a:ext cx="4232227" cy="6858000"/>
+          </a:xfrm>
+          <a:custGeom>
+            <a:avLst/>
+            <a:gdLst>
+              <a:gd name="connsiteX0" fmla="*/ 0 w 4232227"/>
+              <a:gd name="connsiteY0" fmla="*/ 0 h 6858000"/>
+              <a:gd name="connsiteX1" fmla="*/ 4161853 w 4232227"/>
+              <a:gd name="connsiteY1" fmla="*/ 0 h 6858000"/>
+              <a:gd name="connsiteX2" fmla="*/ 4197953 w 4232227"/>
+              <a:gd name="connsiteY2" fmla="*/ 284091 h 6858000"/>
+              <a:gd name="connsiteX3" fmla="*/ 4232227 w 4232227"/>
+              <a:gd name="connsiteY3" fmla="*/ 962844 h 6858000"/>
+              <a:gd name="connsiteX4" fmla="*/ 758007 w 4232227"/>
+              <a:gd name="connsiteY4" fmla="*/ 6800152 h 6858000"/>
+              <a:gd name="connsiteX5" fmla="*/ 645060 w 4232227"/>
+              <a:gd name="connsiteY5" fmla="*/ 6858000 h 6858000"/>
+              <a:gd name="connsiteX6" fmla="*/ 0 w 4232227"/>
+              <a:gd name="connsiteY6" fmla="*/ 6858000 h 6858000"/>
+            </a:gdLst>
+            <a:ahLst/>
+            <a:cxnLst>
+              <a:cxn ang="0">
+                <a:pos x="connsiteX0" y="connsiteY0"/>
+              </a:cxn>
+              <a:cxn ang="0">
+                <a:pos x="connsiteX1" y="connsiteY1"/>
+              </a:cxn>
+              <a:cxn ang="0">
+                <a:pos x="connsiteX2" y="connsiteY2"/>
+              </a:cxn>
+              <a:cxn ang="0">
+                <a:pos x="connsiteX3" y="connsiteY3"/>
+              </a:cxn>
+              <a:cxn ang="0">
+                <a:pos x="connsiteX4" y="connsiteY4"/>
+              </a:cxn>
+              <a:cxn ang="0">
+                <a:pos x="connsiteX5" y="connsiteY5"/>
+              </a:cxn>
+              <a:cxn ang="0">
+                <a:pos x="connsiteX6" y="connsiteY6"/>
+              </a:cxn>
+            </a:cxnLst>
+            <a:rect l="l" t="t" r="r" b="b"/>
+            <a:pathLst>
+              <a:path w="4232227" h="6858000">
+                <a:moveTo>
+                  <a:pt x="0" y="0"/>
+                </a:moveTo>
+                <a:lnTo>
+                  <a:pt x="4161853" y="0"/>
+                </a:lnTo>
+                <a:lnTo>
+                  <a:pt x="4197953" y="284091"/>
+                </a:lnTo>
+                <a:cubicBezTo>
+                  <a:pt x="4220617" y="507260"/>
+                  <a:pt x="4232227" y="733696"/>
+                  <a:pt x="4232227" y="962844"/>
+                </a:cubicBezTo>
+                <a:cubicBezTo>
+                  <a:pt x="4232227" y="3483472"/>
+                  <a:pt x="2827409" y="5675986"/>
+                  <a:pt x="758007" y="6800152"/>
+                </a:cubicBezTo>
+                <a:lnTo>
+                  <a:pt x="645060" y="6858000"/>
+                </a:lnTo>
+                <a:lnTo>
+                  <a:pt x="0" y="6858000"/>
+                </a:lnTo>
+                <a:close/>
+              </a:path>
+            </a:pathLst>
+          </a:custGeom>
+          <a:solidFill>
+            <a:srgbClr val="404040"/>
+          </a:solidFill>
+          <a:ln>
+            <a:noFill/>
+          </a:ln>
+        </p:spPr>
+        <p:style>
+          <a:lnRef idx="2">
+            <a:schemeClr val="accent1">
+              <a:shade val="50000"/>
+            </a:schemeClr>
+          </a:lnRef>
+          <a:fillRef idx="1">
+            <a:schemeClr val="accent1"/>
+          </a:fillRef>
+          <a:effectRef idx="0">
+            <a:schemeClr val="accent1"/>
+          </a:effectRef>
+          <a:fontRef idx="minor">
+            <a:schemeClr val="lt1"/>
+          </a:fontRef>
+        </p:style>
+        <p:txBody>
+          <a:bodyPr wrap="square" rtlCol="0" anchor="ctr">
+            <a:noAutofit/>
+          </a:bodyPr>
+          <a:lstStyle/>
+          <a:p>
+            <a:pPr marL="0" marR="0" lvl="0" indent="0" algn="ctr" defTabSz="914400" rtl="0" eaLnBrk="1" fontAlgn="auto" latinLnBrk="0" hangingPunct="1">
+              <a:lnSpc>
+                <a:spcPct val="100000"/>
+              </a:lnSpc>
+              <a:spcBef>
+                <a:spcPts val="0"/>
+              </a:spcBef>
+              <a:spcAft>
+                <a:spcPts val="0"/>
+              </a:spcAft>
+              <a:buClrTx/>
+              <a:buSzTx/>
+              <a:buFontTx/>
+              <a:buNone/>
+              <a:tabLst/>
+              <a:defRPr/>
+            </a:pPr>
+            <a:endParaRPr kumimoji="0" lang="en-US" sz="1800" b="0" i="0" u="none" strike="noStrike" kern="1200" cap="none" spc="0" normalizeH="0" baseline="0" noProof="0">
+              <a:ln>
+                <a:noFill/>
+              </a:ln>
+              <a:solidFill>
+                <a:prstClr val="white"/>
+              </a:solidFill>
+              <a:effectLst/>
+              <a:uLnTx/>
+              <a:uFillTx/>
+              <a:latin typeface="Calibri" panose="020F0502020204030204"/>
+              <a:ea typeface="+mn-ea"/>
+              <a:cs typeface="+mn-cs"/>
+            </a:endParaRPr>
+          </a:p>
+        </p:txBody>
+      </p:sp>
+      <p:sp>
+        <p:nvSpPr>
+          <p:cNvPr id="2" name="Titre 1">
+            <a:extLst>
+              <a:ext uri="{FF2B5EF4-FFF2-40B4-BE49-F238E27FC236}">
+                <a16:creationId xmlns:a16="http://schemas.microsoft.com/office/drawing/2014/main" id="{77328127-2658-29C0-D5B6-2E19F8D9CB6F}"/>
+              </a:ext>
+            </a:extLst>
+          </p:cNvPr>
+          <p:cNvSpPr>
+            <a:spLocks noGrp="1"/>
+          </p:cNvSpPr>
+          <p:nvPr>
+            <p:ph type="ctrTitle"/>
+          </p:nvPr>
+        </p:nvSpPr>
+        <p:spPr>
+          <a:xfrm>
+            <a:off x="191359" y="1972018"/>
+            <a:ext cx="3626039" cy="1010878"/>
+          </a:xfrm>
+        </p:spPr>
+        <p:txBody>
+          <a:bodyPr vert="horz" lIns="91440" tIns="45720" rIns="91440" bIns="45720" rtlCol="0" anchor="t">
+            <a:normAutofit/>
+          </a:bodyPr>
+          <a:lstStyle/>
+          <a:p>
+            <a:pPr algn="l"/>
+            <a:r>
+              <a:rPr lang="en-US" sz="3600" b="1" kern="1200" dirty="0">
+                <a:solidFill>
+                  <a:srgbClr val="FFFFFF"/>
+                </a:solidFill>
+                <a:latin typeface="Century Gothic" panose="020B0502020202090204" pitchFamily="34" charset="0"/>
+              </a:rPr>
+              <a:t>Modeling:</a:t>
+            </a:r>
+          </a:p>
+        </p:txBody>
+      </p:sp>
+      <p:sp>
+        <p:nvSpPr>
+          <p:cNvPr id="4" name="Sous-titre 2">
+            <a:extLst>
+              <a:ext uri="{FF2B5EF4-FFF2-40B4-BE49-F238E27FC236}">
+                <a16:creationId xmlns:a16="http://schemas.microsoft.com/office/drawing/2014/main" id="{F268D261-47EE-1D4F-CCA1-52A3131E5925}"/>
+              </a:ext>
+            </a:extLst>
+          </p:cNvPr>
+          <p:cNvSpPr txBox="1">
+            <a:spLocks/>
+          </p:cNvSpPr>
+          <p:nvPr/>
+        </p:nvSpPr>
+        <p:spPr>
+          <a:xfrm>
+            <a:off x="5315546" y="1816257"/>
+            <a:ext cx="6569685" cy="950716"/>
+          </a:xfrm>
+          <a:prstGeom prst="rect">
+            <a:avLst/>
+          </a:prstGeom>
+        </p:spPr>
+        <p:txBody>
+          <a:bodyPr vert="horz" lIns="91440" tIns="45720" rIns="91440" bIns="45720" rtlCol="0">
+            <a:noAutofit/>
+          </a:bodyPr>
+          <a:lstStyle>
+            <a:lvl1pPr marL="0" indent="0" algn="ctr" defTabSz="914400" rtl="0" eaLnBrk="1" latinLnBrk="0" hangingPunct="1">
+              <a:lnSpc>
+                <a:spcPct val="90000"/>
+              </a:lnSpc>
+              <a:spcBef>
+                <a:spcPts val="1000"/>
+              </a:spcBef>
+              <a:buFont typeface="Arial" panose="020B0604020202020204" pitchFamily="34" charset="0"/>
+              <a:buNone/>
+              <a:defRPr sz="2400" kern="1200">
+                <a:solidFill>
+                  <a:schemeClr val="tx1"/>
+                </a:solidFill>
+                <a:latin typeface="+mn-lt"/>
+                <a:ea typeface="+mn-ea"/>
+                <a:cs typeface="+mn-cs"/>
+              </a:defRPr>
+            </a:lvl1pPr>
+            <a:lvl2pPr marL="457200" indent="0" algn="ctr" defTabSz="914400" rtl="0" eaLnBrk="1" latinLnBrk="0" hangingPunct="1">
+              <a:lnSpc>
+                <a:spcPct val="90000"/>
+              </a:lnSpc>
+              <a:spcBef>
+                <a:spcPts val="500"/>
+              </a:spcBef>
+              <a:buFont typeface="Arial" panose="020B0604020202020204" pitchFamily="34" charset="0"/>
+              <a:buNone/>
+              <a:defRPr sz="2000" kern="1200">
+                <a:solidFill>
+                  <a:schemeClr val="tx1"/>
+                </a:solidFill>
+                <a:latin typeface="+mn-lt"/>
+                <a:ea typeface="+mn-ea"/>
+                <a:cs typeface="+mn-cs"/>
+              </a:defRPr>
+            </a:lvl2pPr>
+            <a:lvl3pPr marL="914400" indent="0" algn="ctr" defTabSz="914400" rtl="0" eaLnBrk="1" latinLnBrk="0" hangingPunct="1">
+              <a:lnSpc>
+                <a:spcPct val="90000"/>
+              </a:lnSpc>
+              <a:spcBef>
+                <a:spcPts val="500"/>
+              </a:spcBef>
+              <a:buFont typeface="Arial" panose="020B0604020202020204" pitchFamily="34" charset="0"/>
+              <a:buNone/>
+              <a:defRPr sz="1800" kern="1200">
+                <a:solidFill>
+                  <a:schemeClr val="tx1"/>
+                </a:solidFill>
+                <a:latin typeface="+mn-lt"/>
+                <a:ea typeface="+mn-ea"/>
+                <a:cs typeface="+mn-cs"/>
+              </a:defRPr>
+            </a:lvl3pPr>
+            <a:lvl4pPr marL="1371600" indent="0" algn="ctr" defTabSz="914400" rtl="0" eaLnBrk="1" latinLnBrk="0" hangingPunct="1">
+              <a:lnSpc>
+                <a:spcPct val="90000"/>
+              </a:lnSpc>
+              <a:spcBef>
+                <a:spcPts val="500"/>
+              </a:spcBef>
+              <a:buFont typeface="Arial" panose="020B0604020202020204" pitchFamily="34" charset="0"/>
+              <a:buNone/>
+              <a:defRPr sz="1600" kern="1200">
+                <a:solidFill>
+                  <a:schemeClr val="tx1"/>
+                </a:solidFill>
+                <a:latin typeface="+mn-lt"/>
+                <a:ea typeface="+mn-ea"/>
+                <a:cs typeface="+mn-cs"/>
+              </a:defRPr>
+            </a:lvl4pPr>
+            <a:lvl5pPr marL="1828800" indent="0" algn="ctr" defTabSz="914400" rtl="0" eaLnBrk="1" latinLnBrk="0" hangingPunct="1">
+              <a:lnSpc>
+                <a:spcPct val="90000"/>
+              </a:lnSpc>
+              <a:spcBef>
+                <a:spcPts val="500"/>
+              </a:spcBef>
+              <a:buFont typeface="Arial" panose="020B0604020202020204" pitchFamily="34" charset="0"/>
+              <a:buNone/>
+              <a:defRPr sz="1600" kern="1200">
+                <a:solidFill>
+                  <a:schemeClr val="tx1"/>
+                </a:solidFill>
+                <a:latin typeface="+mn-lt"/>
+                <a:ea typeface="+mn-ea"/>
+                <a:cs typeface="+mn-cs"/>
+              </a:defRPr>
+            </a:lvl5pPr>
+            <a:lvl6pPr marL="2286000" indent="0" algn="ctr" defTabSz="914400" rtl="0" eaLnBrk="1" latinLnBrk="0" hangingPunct="1">
+              <a:lnSpc>
+                <a:spcPct val="90000"/>
+              </a:lnSpc>
+              <a:spcBef>
+                <a:spcPts val="500"/>
+              </a:spcBef>
+              <a:buFont typeface="Arial" panose="020B0604020202020204" pitchFamily="34" charset="0"/>
+              <a:buNone/>
+              <a:defRPr sz="1600" kern="1200">
+                <a:solidFill>
+                  <a:schemeClr val="tx1"/>
+                </a:solidFill>
+                <a:latin typeface="+mn-lt"/>
+                <a:ea typeface="+mn-ea"/>
+                <a:cs typeface="+mn-cs"/>
+              </a:defRPr>
+            </a:lvl6pPr>
+            <a:lvl7pPr marL="2743200" indent="0" algn="ctr" defTabSz="914400" rtl="0" eaLnBrk="1" latinLnBrk="0" hangingPunct="1">
+              <a:lnSpc>
+                <a:spcPct val="90000"/>
+              </a:lnSpc>
+              <a:spcBef>
+                <a:spcPts val="500"/>
+              </a:spcBef>
+              <a:buFont typeface="Arial" panose="020B0604020202020204" pitchFamily="34" charset="0"/>
+              <a:buNone/>
+              <a:defRPr sz="1600" kern="1200">
+                <a:solidFill>
+                  <a:schemeClr val="tx1"/>
+                </a:solidFill>
+                <a:latin typeface="+mn-lt"/>
+                <a:ea typeface="+mn-ea"/>
+                <a:cs typeface="+mn-cs"/>
+              </a:defRPr>
+            </a:lvl7pPr>
+            <a:lvl8pPr marL="3200400" indent="0" algn="ctr" defTabSz="914400" rtl="0" eaLnBrk="1" latinLnBrk="0" hangingPunct="1">
+              <a:lnSpc>
+                <a:spcPct val="90000"/>
+              </a:lnSpc>
+              <a:spcBef>
+                <a:spcPts val="500"/>
+              </a:spcBef>
+              <a:buFont typeface="Arial" panose="020B0604020202020204" pitchFamily="34" charset="0"/>
+              <a:buNone/>
+              <a:defRPr sz="1600" kern="1200">
+                <a:solidFill>
+                  <a:schemeClr val="tx1"/>
+                </a:solidFill>
+                <a:latin typeface="+mn-lt"/>
+                <a:ea typeface="+mn-ea"/>
+                <a:cs typeface="+mn-cs"/>
+              </a:defRPr>
+            </a:lvl8pPr>
+            <a:lvl9pPr marL="3657600" indent="0" algn="ctr" defTabSz="914400" rtl="0" eaLnBrk="1" latinLnBrk="0" hangingPunct="1">
+              <a:lnSpc>
+                <a:spcPct val="90000"/>
+              </a:lnSpc>
+              <a:spcBef>
+                <a:spcPts val="500"/>
+              </a:spcBef>
+              <a:buFont typeface="Arial" panose="020B0604020202020204" pitchFamily="34" charset="0"/>
+              <a:buNone/>
+              <a:defRPr sz="1600" kern="1200">
+                <a:solidFill>
+                  <a:schemeClr val="tx1"/>
+                </a:solidFill>
+                <a:latin typeface="+mn-lt"/>
+                <a:ea typeface="+mn-ea"/>
+                <a:cs typeface="+mn-cs"/>
+              </a:defRPr>
+            </a:lvl9pPr>
+          </a:lstStyle>
+          <a:p>
+            <a:pPr algn="l"/>
+            <a:endParaRPr lang="en-US" sz="3200" dirty="0">
+              <a:latin typeface="Century Gothic" panose="020B0502020202090204" pitchFamily="34" charset="0"/>
+            </a:endParaRPr>
+          </a:p>
+        </p:txBody>
+      </p:sp>
+    </p:spTree>
+    <p:extLst>
+      <p:ext uri="{BB962C8B-B14F-4D97-AF65-F5344CB8AC3E}">
+        <p14:creationId xmlns:p14="http://schemas.microsoft.com/office/powerpoint/2010/main" val="3472526266"/>
+      </p:ext>
+    </p:extLst>
+  </p:cSld>
+  <p:clrMapOvr>
+    <a:masterClrMapping/>
+  </p:clrMapOvr>
+</p:sld>
+</file>
+
+<file path=ppt/slides/slide6.xml><?xml version="1.0" encoding="utf-8"?>
+<p:sld xmlns:a="http://schemas.openxmlformats.org/drawingml/2006/main" xmlns:r="http://schemas.openxmlformats.org/officeDocument/2006/relationships" xmlns:p="http://schemas.openxmlformats.org/presentationml/2006/main">
+  <p:cSld>
+    <p:bg>
+      <p:bgPr>
+        <a:solidFill>
+          <a:schemeClr val="bg1"/>
+        </a:solidFill>
+        <a:effectLst/>
+      </p:bgPr>
+    </p:bg>
+    <p:spTree>
+      <p:nvGrpSpPr>
+        <p:cNvPr id="1" name=""/>
+        <p:cNvGrpSpPr/>
+        <p:nvPr/>
+      </p:nvGrpSpPr>
+      <p:grpSpPr>
+        <a:xfrm>
+          <a:off x="0" y="0"/>
+          <a:ext cx="0" cy="0"/>
+          <a:chOff x="0" y="0"/>
+          <a:chExt cx="0" cy="0"/>
+        </a:xfrm>
+      </p:grpSpPr>
+      <p:sp>
+        <p:nvSpPr>
+          <p:cNvPr id="9" name="Rectangle 8">
+            <a:extLst>
+              <a:ext uri="{FF2B5EF4-FFF2-40B4-BE49-F238E27FC236}">
+                <a16:creationId xmlns:a16="http://schemas.microsoft.com/office/drawing/2014/main" id="{E35A04CF-97D4-4FF7-B359-C546B1F62E54}"/>
+              </a:ext>
+              <a:ext uri="{C183D7F6-B498-43B3-948B-1728B52AA6E4}">
+                <adec:decorative xmlns:adec="http://schemas.microsoft.com/office/drawing/2017/decorative" val="1"/>
+              </a:ext>
+            </a:extLst>
+          </p:cNvPr>
+          <p:cNvSpPr>
+            <a:spLocks noGrp="1" noRot="1" noChangeAspect="1" noMove="1" noResize="1" noEditPoints="1" noAdjustHandles="1" noChangeArrowheads="1" noChangeShapeType="1" noTextEdit="1"/>
+          </p:cNvSpPr>
+          <p:nvPr>
+            <p:extLst>
+              <p:ext uri="{386F3935-93C4-4BCD-93E2-E3B085C9AB24}">
+                <p16:designElem xmlns:p16="http://schemas.microsoft.com/office/powerpoint/2015/main" val="1"/>
+              </p:ext>
+            </p:extLst>
+          </p:nvPr>
+        </p:nvSpPr>
+        <p:spPr>
+          <a:xfrm>
+            <a:off x="0" y="0"/>
+            <a:ext cx="12191999" cy="6858000"/>
+          </a:xfrm>
+          <a:prstGeom prst="rect">
+            <a:avLst/>
+          </a:prstGeom>
+          <a:solidFill>
+            <a:schemeClr val="bg1">
+              <a:lumMod val="85000"/>
+            </a:schemeClr>
+          </a:solidFill>
+          <a:ln>
+            <a:noFill/>
+          </a:ln>
+        </p:spPr>
+        <p:style>
+          <a:lnRef idx="2">
+            <a:schemeClr val="accent1">
+              <a:shade val="50000"/>
+            </a:schemeClr>
+          </a:lnRef>
+          <a:fillRef idx="1">
+            <a:schemeClr val="accent1"/>
+          </a:fillRef>
+          <a:effectRef idx="0">
+            <a:schemeClr val="accent1"/>
+          </a:effectRef>
+          <a:fontRef idx="minor">
+            <a:schemeClr val="lt1"/>
+          </a:fontRef>
+        </p:style>
+        <p:txBody>
+          <a:bodyPr rtlCol="0" anchor="ctr"/>
+          <a:lstStyle/>
+          <a:p>
+            <a:pPr algn="ctr"/>
+            <a:endParaRPr lang="en-US"/>
+          </a:p>
+        </p:txBody>
+      </p:sp>
+      <p:sp>
+        <p:nvSpPr>
+          <p:cNvPr id="11" name="Freeform: Shape 10">
+            <a:extLst>
+              <a:ext uri="{FF2B5EF4-FFF2-40B4-BE49-F238E27FC236}">
+                <a16:creationId xmlns:a16="http://schemas.microsoft.com/office/drawing/2014/main" id="{1DE7243B-5109-444B-8FAF-7437C66BC0E9}"/>
+              </a:ext>
+              <a:ext uri="{C183D7F6-B498-43B3-948B-1728B52AA6E4}">
+                <adec:decorative xmlns:adec="http://schemas.microsoft.com/office/drawing/2017/decorative" val="1"/>
+              </a:ext>
+            </a:extLst>
+          </p:cNvPr>
+          <p:cNvSpPr>
+            <a:spLocks noGrp="1" noRot="1" noChangeAspect="1" noMove="1" noResize="1" noEditPoints="1" noAdjustHandles="1" noChangeArrowheads="1" noChangeShapeType="1" noTextEdit="1"/>
+          </p:cNvSpPr>
+          <p:nvPr>
+            <p:extLst>
+              <p:ext uri="{386F3935-93C4-4BCD-93E2-E3B085C9AB24}">
+                <p16:designElem xmlns:p16="http://schemas.microsoft.com/office/powerpoint/2015/main" val="1"/>
+              </p:ext>
+            </p:extLst>
+          </p:nvPr>
+        </p:nvSpPr>
+        <p:spPr>
+          <a:xfrm flipH="1">
+            <a:off x="0" y="0"/>
+            <a:ext cx="4421332" cy="6858000"/>
+          </a:xfrm>
+          <a:custGeom>
+            <a:avLst/>
+            <a:gdLst>
+              <a:gd name="connsiteX0" fmla="*/ 4421332 w 4421332"/>
+              <a:gd name="connsiteY0" fmla="*/ 0 h 6858000"/>
+              <a:gd name="connsiteX1" fmla="*/ 69075 w 4421332"/>
+              <a:gd name="connsiteY1" fmla="*/ 0 h 6858000"/>
+              <a:gd name="connsiteX2" fmla="*/ 35131 w 4421332"/>
+              <a:gd name="connsiteY2" fmla="*/ 267128 h 6858000"/>
+              <a:gd name="connsiteX3" fmla="*/ 0 w 4421332"/>
+              <a:gd name="connsiteY3" fmla="*/ 962845 h 6858000"/>
+              <a:gd name="connsiteX4" fmla="*/ 3276103 w 4421332"/>
+              <a:gd name="connsiteY4" fmla="*/ 6782205 h 6858000"/>
+              <a:gd name="connsiteX5" fmla="*/ 3407923 w 4421332"/>
+              <a:gd name="connsiteY5" fmla="*/ 6858000 h 6858000"/>
+              <a:gd name="connsiteX6" fmla="*/ 4421332 w 4421332"/>
+              <a:gd name="connsiteY6" fmla="*/ 6858000 h 6858000"/>
+            </a:gdLst>
+            <a:ahLst/>
+            <a:cxnLst>
+              <a:cxn ang="0">
+                <a:pos x="connsiteX0" y="connsiteY0"/>
+              </a:cxn>
+              <a:cxn ang="0">
+                <a:pos x="connsiteX1" y="connsiteY1"/>
+              </a:cxn>
+              <a:cxn ang="0">
+                <a:pos x="connsiteX2" y="connsiteY2"/>
+              </a:cxn>
+              <a:cxn ang="0">
+                <a:pos x="connsiteX3" y="connsiteY3"/>
+              </a:cxn>
+              <a:cxn ang="0">
+                <a:pos x="connsiteX4" y="connsiteY4"/>
+              </a:cxn>
+              <a:cxn ang="0">
+                <a:pos x="connsiteX5" y="connsiteY5"/>
+              </a:cxn>
+              <a:cxn ang="0">
+                <a:pos x="connsiteX6" y="connsiteY6"/>
+              </a:cxn>
+            </a:cxnLst>
+            <a:rect l="l" t="t" r="r" b="b"/>
+            <a:pathLst>
+              <a:path w="4421332" h="6858000">
+                <a:moveTo>
+                  <a:pt x="4421332" y="0"/>
+                </a:moveTo>
+                <a:lnTo>
+                  <a:pt x="69075" y="0"/>
+                </a:lnTo>
+                <a:lnTo>
+                  <a:pt x="35131" y="267128"/>
+                </a:lnTo>
+                <a:cubicBezTo>
+                  <a:pt x="11901" y="495874"/>
+                  <a:pt x="0" y="727970"/>
+                  <a:pt x="0" y="962845"/>
+                </a:cubicBezTo>
+                <a:cubicBezTo>
+                  <a:pt x="0" y="3429034"/>
+                  <a:pt x="1312002" y="5588789"/>
+                  <a:pt x="3276103" y="6782205"/>
+                </a:cubicBezTo>
+                <a:lnTo>
+                  <a:pt x="3407923" y="6858000"/>
+                </a:lnTo>
+                <a:lnTo>
+                  <a:pt x="4421332" y="6858000"/>
+                </a:lnTo>
+                <a:close/>
+              </a:path>
+            </a:pathLst>
+          </a:custGeom>
+          <a:solidFill>
+            <a:srgbClr val="FFFFFF">
+              <a:alpha val="80000"/>
+            </a:srgbClr>
+          </a:solidFill>
+          <a:ln>
+            <a:noFill/>
+          </a:ln>
+        </p:spPr>
+        <p:style>
+          <a:lnRef idx="2">
+            <a:schemeClr val="accent1">
+              <a:shade val="50000"/>
+            </a:schemeClr>
+          </a:lnRef>
+          <a:fillRef idx="1">
+            <a:schemeClr val="accent1"/>
+          </a:fillRef>
+          <a:effectRef idx="0">
+            <a:schemeClr val="accent1"/>
+          </a:effectRef>
+          <a:fontRef idx="minor">
+            <a:schemeClr val="lt1"/>
+          </a:fontRef>
+        </p:style>
+        <p:txBody>
+          <a:bodyPr wrap="square" rtlCol="0" anchor="ctr">
+            <a:noAutofit/>
+          </a:bodyPr>
+          <a:lstStyle/>
+          <a:p>
+            <a:pPr marL="0" marR="0" lvl="0" indent="0" algn="ctr" defTabSz="914400" rtl="0" eaLnBrk="1" fontAlgn="auto" latinLnBrk="0" hangingPunct="1">
+              <a:lnSpc>
+                <a:spcPct val="100000"/>
+              </a:lnSpc>
+              <a:spcBef>
+                <a:spcPts val="0"/>
+              </a:spcBef>
+              <a:spcAft>
+                <a:spcPts val="0"/>
+              </a:spcAft>
+              <a:buClrTx/>
+              <a:buSzTx/>
+              <a:buFontTx/>
+              <a:buNone/>
+              <a:tabLst/>
+              <a:defRPr/>
+            </a:pPr>
+            <a:endParaRPr kumimoji="0" lang="en-US" sz="1800" b="0" i="0" u="none" strike="noStrike" kern="1200" cap="none" spc="0" normalizeH="0" baseline="0" noProof="0">
+              <a:ln>
+                <a:noFill/>
+              </a:ln>
+              <a:solidFill>
+                <a:prstClr val="white"/>
+              </a:solidFill>
+              <a:effectLst/>
+              <a:uLnTx/>
+              <a:uFillTx/>
+              <a:latin typeface="Calibri" panose="020F0502020204030204"/>
+              <a:ea typeface="+mn-ea"/>
+              <a:cs typeface="+mn-cs"/>
+            </a:endParaRPr>
+          </a:p>
+        </p:txBody>
+      </p:sp>
+      <p:sp>
+        <p:nvSpPr>
+          <p:cNvPr id="13" name="Freeform: Shape 12">
+            <a:extLst>
+              <a:ext uri="{FF2B5EF4-FFF2-40B4-BE49-F238E27FC236}">
+                <a16:creationId xmlns:a16="http://schemas.microsoft.com/office/drawing/2014/main" id="{4C5D6221-DA7B-4611-AA26-7D8E349FDE96}"/>
+              </a:ext>
+              <a:ext uri="{C183D7F6-B498-43B3-948B-1728B52AA6E4}">
+                <adec:decorative xmlns:adec="http://schemas.microsoft.com/office/drawing/2017/decorative" val="1"/>
+              </a:ext>
+            </a:extLst>
+          </p:cNvPr>
+          <p:cNvSpPr>
+            <a:spLocks noGrp="1" noRot="1" noChangeAspect="1" noMove="1" noResize="1" noEditPoints="1" noAdjustHandles="1" noChangeArrowheads="1" noChangeShapeType="1" noTextEdit="1"/>
+          </p:cNvSpPr>
+          <p:nvPr>
+            <p:extLst>
+              <p:ext uri="{386F3935-93C4-4BCD-93E2-E3B085C9AB24}">
+                <p16:designElem xmlns:p16="http://schemas.microsoft.com/office/powerpoint/2015/main" val="1"/>
+              </p:ext>
+            </p:extLst>
+          </p:nvPr>
+        </p:nvSpPr>
+        <p:spPr>
+          <a:xfrm>
+            <a:off x="1" y="0"/>
+            <a:ext cx="4232227" cy="6858000"/>
+          </a:xfrm>
+          <a:custGeom>
+            <a:avLst/>
+            <a:gdLst>
+              <a:gd name="connsiteX0" fmla="*/ 0 w 4232227"/>
+              <a:gd name="connsiteY0" fmla="*/ 0 h 6858000"/>
+              <a:gd name="connsiteX1" fmla="*/ 4161853 w 4232227"/>
+              <a:gd name="connsiteY1" fmla="*/ 0 h 6858000"/>
+              <a:gd name="connsiteX2" fmla="*/ 4197953 w 4232227"/>
+              <a:gd name="connsiteY2" fmla="*/ 284091 h 6858000"/>
+              <a:gd name="connsiteX3" fmla="*/ 4232227 w 4232227"/>
+              <a:gd name="connsiteY3" fmla="*/ 962844 h 6858000"/>
+              <a:gd name="connsiteX4" fmla="*/ 758007 w 4232227"/>
+              <a:gd name="connsiteY4" fmla="*/ 6800152 h 6858000"/>
+              <a:gd name="connsiteX5" fmla="*/ 645060 w 4232227"/>
+              <a:gd name="connsiteY5" fmla="*/ 6858000 h 6858000"/>
+              <a:gd name="connsiteX6" fmla="*/ 0 w 4232227"/>
+              <a:gd name="connsiteY6" fmla="*/ 6858000 h 6858000"/>
+            </a:gdLst>
+            <a:ahLst/>
+            <a:cxnLst>
+              <a:cxn ang="0">
+                <a:pos x="connsiteX0" y="connsiteY0"/>
+              </a:cxn>
+              <a:cxn ang="0">
+                <a:pos x="connsiteX1" y="connsiteY1"/>
+              </a:cxn>
+              <a:cxn ang="0">
+                <a:pos x="connsiteX2" y="connsiteY2"/>
+              </a:cxn>
+              <a:cxn ang="0">
+                <a:pos x="connsiteX3" y="connsiteY3"/>
+              </a:cxn>
+              <a:cxn ang="0">
+                <a:pos x="connsiteX4" y="connsiteY4"/>
+              </a:cxn>
+              <a:cxn ang="0">
+                <a:pos x="connsiteX5" y="connsiteY5"/>
+              </a:cxn>
+              <a:cxn ang="0">
+                <a:pos x="connsiteX6" y="connsiteY6"/>
+              </a:cxn>
+            </a:cxnLst>
+            <a:rect l="l" t="t" r="r" b="b"/>
+            <a:pathLst>
+              <a:path w="4232227" h="6858000">
+                <a:moveTo>
+                  <a:pt x="0" y="0"/>
+                </a:moveTo>
+                <a:lnTo>
+                  <a:pt x="4161853" y="0"/>
+                </a:lnTo>
+                <a:lnTo>
+                  <a:pt x="4197953" y="284091"/>
+                </a:lnTo>
+                <a:cubicBezTo>
+                  <a:pt x="4220617" y="507260"/>
+                  <a:pt x="4232227" y="733696"/>
+                  <a:pt x="4232227" y="962844"/>
+                </a:cubicBezTo>
+                <a:cubicBezTo>
+                  <a:pt x="4232227" y="3483472"/>
+                  <a:pt x="2827409" y="5675986"/>
+                  <a:pt x="758007" y="6800152"/>
+                </a:cubicBezTo>
+                <a:lnTo>
+                  <a:pt x="645060" y="6858000"/>
+                </a:lnTo>
+                <a:lnTo>
+                  <a:pt x="0" y="6858000"/>
+                </a:lnTo>
+                <a:close/>
+              </a:path>
+            </a:pathLst>
+          </a:custGeom>
+          <a:solidFill>
+            <a:srgbClr val="404040"/>
+          </a:solidFill>
+          <a:ln>
+            <a:noFill/>
+          </a:ln>
+        </p:spPr>
+        <p:style>
+          <a:lnRef idx="2">
+            <a:schemeClr val="accent1">
+              <a:shade val="50000"/>
+            </a:schemeClr>
+          </a:lnRef>
+          <a:fillRef idx="1">
+            <a:schemeClr val="accent1"/>
+          </a:fillRef>
+          <a:effectRef idx="0">
+            <a:schemeClr val="accent1"/>
+          </a:effectRef>
+          <a:fontRef idx="minor">
+            <a:schemeClr val="lt1"/>
+          </a:fontRef>
+        </p:style>
+        <p:txBody>
+          <a:bodyPr wrap="square" rtlCol="0" anchor="ctr">
+            <a:noAutofit/>
+          </a:bodyPr>
+          <a:lstStyle/>
+          <a:p>
+            <a:pPr marL="0" marR="0" lvl="0" indent="0" algn="ctr" defTabSz="914400" rtl="0" eaLnBrk="1" fontAlgn="auto" latinLnBrk="0" hangingPunct="1">
+              <a:lnSpc>
+                <a:spcPct val="100000"/>
+              </a:lnSpc>
+              <a:spcBef>
+                <a:spcPts val="0"/>
+              </a:spcBef>
+              <a:spcAft>
+                <a:spcPts val="0"/>
+              </a:spcAft>
+              <a:buClrTx/>
+              <a:buSzTx/>
+              <a:buFontTx/>
+              <a:buNone/>
+              <a:tabLst/>
+              <a:defRPr/>
+            </a:pPr>
+            <a:endParaRPr kumimoji="0" lang="en-US" sz="1800" b="0" i="0" u="none" strike="noStrike" kern="1200" cap="none" spc="0" normalizeH="0" baseline="0" noProof="0">
+              <a:ln>
+                <a:noFill/>
+              </a:ln>
+              <a:solidFill>
+                <a:prstClr val="white"/>
+              </a:solidFill>
+              <a:effectLst/>
+              <a:uLnTx/>
+              <a:uFillTx/>
+              <a:latin typeface="Calibri" panose="020F0502020204030204"/>
+              <a:ea typeface="+mn-ea"/>
+              <a:cs typeface="+mn-cs"/>
+            </a:endParaRPr>
+          </a:p>
+        </p:txBody>
+      </p:sp>
+      <p:sp>
+        <p:nvSpPr>
+          <p:cNvPr id="2" name="Titre 1">
+            <a:extLst>
+              <a:ext uri="{FF2B5EF4-FFF2-40B4-BE49-F238E27FC236}">
+                <a16:creationId xmlns:a16="http://schemas.microsoft.com/office/drawing/2014/main" id="{77328127-2658-29C0-D5B6-2E19F8D9CB6F}"/>
+              </a:ext>
+            </a:extLst>
+          </p:cNvPr>
+          <p:cNvSpPr>
+            <a:spLocks noGrp="1"/>
+          </p:cNvSpPr>
+          <p:nvPr>
+            <p:ph type="ctrTitle"/>
+          </p:nvPr>
+        </p:nvSpPr>
+        <p:spPr>
+          <a:xfrm>
+            <a:off x="191359" y="1972018"/>
+            <a:ext cx="3626039" cy="1010878"/>
+          </a:xfrm>
+        </p:spPr>
+        <p:txBody>
+          <a:bodyPr vert="horz" lIns="91440" tIns="45720" rIns="91440" bIns="45720" rtlCol="0" anchor="t">
+            <a:normAutofit/>
+          </a:bodyPr>
+          <a:lstStyle/>
+          <a:p>
+            <a:pPr algn="l"/>
+            <a:r>
+              <a:rPr lang="en-US" sz="3600" b="1" kern="1200" dirty="0">
+                <a:solidFill>
+                  <a:srgbClr val="FFFFFF"/>
+                </a:solidFill>
+                <a:latin typeface="Century Gothic" panose="020B0502020202090204" pitchFamily="34" charset="0"/>
+              </a:rPr>
+              <a:t>Django API:</a:t>
+            </a:r>
+          </a:p>
+        </p:txBody>
+      </p:sp>
+      <p:sp>
+        <p:nvSpPr>
+          <p:cNvPr id="4" name="Sous-titre 2">
+            <a:extLst>
+              <a:ext uri="{FF2B5EF4-FFF2-40B4-BE49-F238E27FC236}">
+                <a16:creationId xmlns:a16="http://schemas.microsoft.com/office/drawing/2014/main" id="{F268D261-47EE-1D4F-CCA1-52A3131E5925}"/>
+              </a:ext>
+            </a:extLst>
+          </p:cNvPr>
+          <p:cNvSpPr txBox="1">
+            <a:spLocks/>
+          </p:cNvSpPr>
+          <p:nvPr/>
+        </p:nvSpPr>
+        <p:spPr>
+          <a:xfrm>
+            <a:off x="5315546" y="1816257"/>
+            <a:ext cx="6569685" cy="950716"/>
+          </a:xfrm>
+          <a:prstGeom prst="rect">
+            <a:avLst/>
+          </a:prstGeom>
+        </p:spPr>
+        <p:txBody>
+          <a:bodyPr vert="horz" lIns="91440" tIns="45720" rIns="91440" bIns="45720" rtlCol="0">
+            <a:noAutofit/>
+          </a:bodyPr>
+          <a:lstStyle>
+            <a:lvl1pPr marL="0" indent="0" algn="ctr" defTabSz="914400" rtl="0" eaLnBrk="1" latinLnBrk="0" hangingPunct="1">
+              <a:lnSpc>
+                <a:spcPct val="90000"/>
+              </a:lnSpc>
+              <a:spcBef>
+                <a:spcPts val="1000"/>
+              </a:spcBef>
+              <a:buFont typeface="Arial" panose="020B0604020202020204" pitchFamily="34" charset="0"/>
+              <a:buNone/>
+              <a:defRPr sz="2400" kern="1200">
+                <a:solidFill>
+                  <a:schemeClr val="tx1"/>
+                </a:solidFill>
+                <a:latin typeface="+mn-lt"/>
+                <a:ea typeface="+mn-ea"/>
+                <a:cs typeface="+mn-cs"/>
+              </a:defRPr>
+            </a:lvl1pPr>
+            <a:lvl2pPr marL="457200" indent="0" algn="ctr" defTabSz="914400" rtl="0" eaLnBrk="1" latinLnBrk="0" hangingPunct="1">
+              <a:lnSpc>
+                <a:spcPct val="90000"/>
+              </a:lnSpc>
+              <a:spcBef>
+                <a:spcPts val="500"/>
+              </a:spcBef>
+              <a:buFont typeface="Arial" panose="020B0604020202020204" pitchFamily="34" charset="0"/>
+              <a:buNone/>
+              <a:defRPr sz="2000" kern="1200">
+                <a:solidFill>
+                  <a:schemeClr val="tx1"/>
+                </a:solidFill>
+                <a:latin typeface="+mn-lt"/>
+                <a:ea typeface="+mn-ea"/>
+                <a:cs typeface="+mn-cs"/>
+              </a:defRPr>
+            </a:lvl2pPr>
+            <a:lvl3pPr marL="914400" indent="0" algn="ctr" defTabSz="914400" rtl="0" eaLnBrk="1" latinLnBrk="0" hangingPunct="1">
+              <a:lnSpc>
+                <a:spcPct val="90000"/>
+              </a:lnSpc>
+              <a:spcBef>
+                <a:spcPts val="500"/>
+              </a:spcBef>
+              <a:buFont typeface="Arial" panose="020B0604020202020204" pitchFamily="34" charset="0"/>
+              <a:buNone/>
+              <a:defRPr sz="1800" kern="1200">
+                <a:solidFill>
+                  <a:schemeClr val="tx1"/>
+                </a:solidFill>
+                <a:latin typeface="+mn-lt"/>
+                <a:ea typeface="+mn-ea"/>
+                <a:cs typeface="+mn-cs"/>
+              </a:defRPr>
+            </a:lvl3pPr>
+            <a:lvl4pPr marL="1371600" indent="0" algn="ctr" defTabSz="914400" rtl="0" eaLnBrk="1" latinLnBrk="0" hangingPunct="1">
+              <a:lnSpc>
+                <a:spcPct val="90000"/>
+              </a:lnSpc>
+              <a:spcBef>
+                <a:spcPts val="500"/>
+              </a:spcBef>
+              <a:buFont typeface="Arial" panose="020B0604020202020204" pitchFamily="34" charset="0"/>
+              <a:buNone/>
+              <a:defRPr sz="1600" kern="1200">
+                <a:solidFill>
+                  <a:schemeClr val="tx1"/>
+                </a:solidFill>
+                <a:latin typeface="+mn-lt"/>
+                <a:ea typeface="+mn-ea"/>
+                <a:cs typeface="+mn-cs"/>
+              </a:defRPr>
+            </a:lvl4pPr>
+            <a:lvl5pPr marL="1828800" indent="0" algn="ctr" defTabSz="914400" rtl="0" eaLnBrk="1" latinLnBrk="0" hangingPunct="1">
+              <a:lnSpc>
+                <a:spcPct val="90000"/>
+              </a:lnSpc>
+              <a:spcBef>
+                <a:spcPts val="500"/>
+              </a:spcBef>
+              <a:buFont typeface="Arial" panose="020B0604020202020204" pitchFamily="34" charset="0"/>
+              <a:buNone/>
+              <a:defRPr sz="1600" kern="1200">
+                <a:solidFill>
+                  <a:schemeClr val="tx1"/>
+                </a:solidFill>
+                <a:latin typeface="+mn-lt"/>
+                <a:ea typeface="+mn-ea"/>
+                <a:cs typeface="+mn-cs"/>
+              </a:defRPr>
+            </a:lvl5pPr>
+            <a:lvl6pPr marL="2286000" indent="0" algn="ctr" defTabSz="914400" rtl="0" eaLnBrk="1" latinLnBrk="0" hangingPunct="1">
+              <a:lnSpc>
+                <a:spcPct val="90000"/>
+              </a:lnSpc>
+              <a:spcBef>
+                <a:spcPts val="500"/>
+              </a:spcBef>
+              <a:buFont typeface="Arial" panose="020B0604020202020204" pitchFamily="34" charset="0"/>
+              <a:buNone/>
+              <a:defRPr sz="1600" kern="1200">
+                <a:solidFill>
+                  <a:schemeClr val="tx1"/>
+                </a:solidFill>
+                <a:latin typeface="+mn-lt"/>
+                <a:ea typeface="+mn-ea"/>
+                <a:cs typeface="+mn-cs"/>
+              </a:defRPr>
+            </a:lvl6pPr>
+            <a:lvl7pPr marL="2743200" indent="0" algn="ctr" defTabSz="914400" rtl="0" eaLnBrk="1" latinLnBrk="0" hangingPunct="1">
+              <a:lnSpc>
+                <a:spcPct val="90000"/>
+              </a:lnSpc>
+              <a:spcBef>
+                <a:spcPts val="500"/>
+              </a:spcBef>
+              <a:buFont typeface="Arial" panose="020B0604020202020204" pitchFamily="34" charset="0"/>
+              <a:buNone/>
+              <a:defRPr sz="1600" kern="1200">
+                <a:solidFill>
+                  <a:schemeClr val="tx1"/>
+                </a:solidFill>
+                <a:latin typeface="+mn-lt"/>
+                <a:ea typeface="+mn-ea"/>
+                <a:cs typeface="+mn-cs"/>
+              </a:defRPr>
+            </a:lvl7pPr>
+            <a:lvl8pPr marL="3200400" indent="0" algn="ctr" defTabSz="914400" rtl="0" eaLnBrk="1" latinLnBrk="0" hangingPunct="1">
+              <a:lnSpc>
+                <a:spcPct val="90000"/>
+              </a:lnSpc>
+              <a:spcBef>
+                <a:spcPts val="500"/>
+              </a:spcBef>
+              <a:buFont typeface="Arial" panose="020B0604020202020204" pitchFamily="34" charset="0"/>
+              <a:buNone/>
+              <a:defRPr sz="1600" kern="1200">
+                <a:solidFill>
+                  <a:schemeClr val="tx1"/>
+                </a:solidFill>
+                <a:latin typeface="+mn-lt"/>
+                <a:ea typeface="+mn-ea"/>
+                <a:cs typeface="+mn-cs"/>
+              </a:defRPr>
+            </a:lvl8pPr>
+            <a:lvl9pPr marL="3657600" indent="0" algn="ctr" defTabSz="914400" rtl="0" eaLnBrk="1" latinLnBrk="0" hangingPunct="1">
+              <a:lnSpc>
+                <a:spcPct val="90000"/>
+              </a:lnSpc>
+              <a:spcBef>
+                <a:spcPts val="500"/>
+              </a:spcBef>
+              <a:buFont typeface="Arial" panose="020B0604020202020204" pitchFamily="34" charset="0"/>
+              <a:buNone/>
+              <a:defRPr sz="1600" kern="1200">
+                <a:solidFill>
+                  <a:schemeClr val="tx1"/>
+                </a:solidFill>
+                <a:latin typeface="+mn-lt"/>
+                <a:ea typeface="+mn-ea"/>
+                <a:cs typeface="+mn-cs"/>
+              </a:defRPr>
+            </a:lvl9pPr>
+          </a:lstStyle>
+          <a:p>
+            <a:pPr algn="l"/>
+            <a:endParaRPr lang="en-US" sz="3200" dirty="0">
+              <a:latin typeface="Century Gothic" panose="020B0502020202090204" pitchFamily="34" charset="0"/>
+            </a:endParaRPr>
+          </a:p>
+        </p:txBody>
+      </p:sp>
+    </p:spTree>
+    <p:extLst>
+      <p:ext uri="{BB962C8B-B14F-4D97-AF65-F5344CB8AC3E}">
+        <p14:creationId xmlns:p14="http://schemas.microsoft.com/office/powerpoint/2010/main" val="4207212014"/>
+      </p:ext>
+    </p:extLst>
+  </p:cSld>
+  <p:clrMapOvr>
+    <a:masterClrMapping/>
+  </p:clrMapOvr>
+</p:sld>
+</file>
+
+<file path=ppt/slides/slide7.xml><?xml version="1.0" encoding="utf-8"?>
+<p:sld xmlns:a="http://schemas.openxmlformats.org/drawingml/2006/main" xmlns:r="http://schemas.openxmlformats.org/officeDocument/2006/relationships" xmlns:p="http://schemas.openxmlformats.org/presentationml/2006/main">
+  <p:cSld>
+    <p:bg>
+      <p:bgPr>
+        <a:solidFill>
+          <a:schemeClr val="bg1"/>
+        </a:solidFill>
+        <a:effectLst/>
+      </p:bgPr>
+    </p:bg>
+    <p:spTree>
+      <p:nvGrpSpPr>
+        <p:cNvPr id="1" name=""/>
+        <p:cNvGrpSpPr/>
+        <p:nvPr/>
+      </p:nvGrpSpPr>
+      <p:grpSpPr>
+        <a:xfrm>
+          <a:off x="0" y="0"/>
+          <a:ext cx="0" cy="0"/>
+          <a:chOff x="0" y="0"/>
+          <a:chExt cx="0" cy="0"/>
+        </a:xfrm>
+      </p:grpSpPr>
+      <p:sp>
+        <p:nvSpPr>
+          <p:cNvPr id="9" name="Rectangle 8">
+            <a:extLst>
+              <a:ext uri="{FF2B5EF4-FFF2-40B4-BE49-F238E27FC236}">
+                <a16:creationId xmlns:a16="http://schemas.microsoft.com/office/drawing/2014/main" id="{E35A04CF-97D4-4FF7-B359-C546B1F62E54}"/>
+              </a:ext>
+              <a:ext uri="{C183D7F6-B498-43B3-948B-1728B52AA6E4}">
+                <adec:decorative xmlns:adec="http://schemas.microsoft.com/office/drawing/2017/decorative" val="1"/>
+              </a:ext>
+            </a:extLst>
+          </p:cNvPr>
+          <p:cNvSpPr>
+            <a:spLocks noGrp="1" noRot="1" noChangeAspect="1" noMove="1" noResize="1" noEditPoints="1" noAdjustHandles="1" noChangeArrowheads="1" noChangeShapeType="1" noTextEdit="1"/>
+          </p:cNvSpPr>
+          <p:nvPr>
+            <p:extLst>
+              <p:ext uri="{386F3935-93C4-4BCD-93E2-E3B085C9AB24}">
+                <p16:designElem xmlns:p16="http://schemas.microsoft.com/office/powerpoint/2015/main" val="1"/>
+              </p:ext>
+            </p:extLst>
+          </p:nvPr>
+        </p:nvSpPr>
+        <p:spPr>
+          <a:xfrm>
+            <a:off x="0" y="0"/>
+            <a:ext cx="12191999" cy="6858000"/>
+          </a:xfrm>
+          <a:prstGeom prst="rect">
+            <a:avLst/>
+          </a:prstGeom>
+          <a:solidFill>
+            <a:schemeClr val="bg1">
+              <a:lumMod val="85000"/>
+            </a:schemeClr>
+          </a:solidFill>
+          <a:ln>
+            <a:noFill/>
+          </a:ln>
+        </p:spPr>
+        <p:style>
+          <a:lnRef idx="2">
+            <a:schemeClr val="accent1">
+              <a:shade val="50000"/>
+            </a:schemeClr>
+          </a:lnRef>
+          <a:fillRef idx="1">
+            <a:schemeClr val="accent1"/>
+          </a:fillRef>
+          <a:effectRef idx="0">
+            <a:schemeClr val="accent1"/>
+          </a:effectRef>
+          <a:fontRef idx="minor">
+            <a:schemeClr val="lt1"/>
+          </a:fontRef>
+        </p:style>
+        <p:txBody>
+          <a:bodyPr rtlCol="0" anchor="ctr"/>
+          <a:lstStyle/>
+          <a:p>
+            <a:pPr algn="ctr"/>
+            <a:endParaRPr lang="en-US"/>
+          </a:p>
+        </p:txBody>
+      </p:sp>
+      <p:sp>
+        <p:nvSpPr>
+          <p:cNvPr id="11" name="Freeform: Shape 10">
+            <a:extLst>
+              <a:ext uri="{FF2B5EF4-FFF2-40B4-BE49-F238E27FC236}">
+                <a16:creationId xmlns:a16="http://schemas.microsoft.com/office/drawing/2014/main" id="{1DE7243B-5109-444B-8FAF-7437C66BC0E9}"/>
+              </a:ext>
+              <a:ext uri="{C183D7F6-B498-43B3-948B-1728B52AA6E4}">
+                <adec:decorative xmlns:adec="http://schemas.microsoft.com/office/drawing/2017/decorative" val="1"/>
+              </a:ext>
+            </a:extLst>
+          </p:cNvPr>
+          <p:cNvSpPr>
+            <a:spLocks noGrp="1" noRot="1" noChangeAspect="1" noMove="1" noResize="1" noEditPoints="1" noAdjustHandles="1" noChangeArrowheads="1" noChangeShapeType="1" noTextEdit="1"/>
+          </p:cNvSpPr>
+          <p:nvPr>
+            <p:extLst>
+              <p:ext uri="{386F3935-93C4-4BCD-93E2-E3B085C9AB24}">
+                <p16:designElem xmlns:p16="http://schemas.microsoft.com/office/powerpoint/2015/main" val="1"/>
+              </p:ext>
+            </p:extLst>
+          </p:nvPr>
+        </p:nvSpPr>
+        <p:spPr>
+          <a:xfrm flipH="1">
+            <a:off x="0" y="0"/>
+            <a:ext cx="4421332" cy="6858000"/>
+          </a:xfrm>
+          <a:custGeom>
+            <a:avLst/>
+            <a:gdLst>
+              <a:gd name="connsiteX0" fmla="*/ 4421332 w 4421332"/>
+              <a:gd name="connsiteY0" fmla="*/ 0 h 6858000"/>
+              <a:gd name="connsiteX1" fmla="*/ 69075 w 4421332"/>
+              <a:gd name="connsiteY1" fmla="*/ 0 h 6858000"/>
+              <a:gd name="connsiteX2" fmla="*/ 35131 w 4421332"/>
+              <a:gd name="connsiteY2" fmla="*/ 267128 h 6858000"/>
+              <a:gd name="connsiteX3" fmla="*/ 0 w 4421332"/>
+              <a:gd name="connsiteY3" fmla="*/ 962845 h 6858000"/>
+              <a:gd name="connsiteX4" fmla="*/ 3276103 w 4421332"/>
+              <a:gd name="connsiteY4" fmla="*/ 6782205 h 6858000"/>
+              <a:gd name="connsiteX5" fmla="*/ 3407923 w 4421332"/>
+              <a:gd name="connsiteY5" fmla="*/ 6858000 h 6858000"/>
+              <a:gd name="connsiteX6" fmla="*/ 4421332 w 4421332"/>
+              <a:gd name="connsiteY6" fmla="*/ 6858000 h 6858000"/>
+            </a:gdLst>
+            <a:ahLst/>
+            <a:cxnLst>
+              <a:cxn ang="0">
+                <a:pos x="connsiteX0" y="connsiteY0"/>
+              </a:cxn>
+              <a:cxn ang="0">
+                <a:pos x="connsiteX1" y="connsiteY1"/>
+              </a:cxn>
+              <a:cxn ang="0">
+                <a:pos x="connsiteX2" y="connsiteY2"/>
+              </a:cxn>
+              <a:cxn ang="0">
+                <a:pos x="connsiteX3" y="connsiteY3"/>
+              </a:cxn>
+              <a:cxn ang="0">
+                <a:pos x="connsiteX4" y="connsiteY4"/>
+              </a:cxn>
+              <a:cxn ang="0">
+                <a:pos x="connsiteX5" y="connsiteY5"/>
+              </a:cxn>
+              <a:cxn ang="0">
+                <a:pos x="connsiteX6" y="connsiteY6"/>
+              </a:cxn>
+            </a:cxnLst>
+            <a:rect l="l" t="t" r="r" b="b"/>
+            <a:pathLst>
+              <a:path w="4421332" h="6858000">
+                <a:moveTo>
+                  <a:pt x="4421332" y="0"/>
+                </a:moveTo>
+                <a:lnTo>
+                  <a:pt x="69075" y="0"/>
+                </a:lnTo>
+                <a:lnTo>
+                  <a:pt x="35131" y="267128"/>
+                </a:lnTo>
+                <a:cubicBezTo>
+                  <a:pt x="11901" y="495874"/>
+                  <a:pt x="0" y="727970"/>
+                  <a:pt x="0" y="962845"/>
+                </a:cubicBezTo>
+                <a:cubicBezTo>
+                  <a:pt x="0" y="3429034"/>
+                  <a:pt x="1312002" y="5588789"/>
+                  <a:pt x="3276103" y="6782205"/>
+                </a:cubicBezTo>
+                <a:lnTo>
+                  <a:pt x="3407923" y="6858000"/>
+                </a:lnTo>
+                <a:lnTo>
+                  <a:pt x="4421332" y="6858000"/>
+                </a:lnTo>
+                <a:close/>
+              </a:path>
+            </a:pathLst>
+          </a:custGeom>
+          <a:solidFill>
+            <a:srgbClr val="FFFFFF">
+              <a:alpha val="80000"/>
+            </a:srgbClr>
+          </a:solidFill>
+          <a:ln>
+            <a:noFill/>
+          </a:ln>
+        </p:spPr>
+        <p:style>
+          <a:lnRef idx="2">
+            <a:schemeClr val="accent1">
+              <a:shade val="50000"/>
+            </a:schemeClr>
+          </a:lnRef>
+          <a:fillRef idx="1">
+            <a:schemeClr val="accent1"/>
+          </a:fillRef>
+          <a:effectRef idx="0">
+            <a:schemeClr val="accent1"/>
+          </a:effectRef>
+          <a:fontRef idx="minor">
+            <a:schemeClr val="lt1"/>
+          </a:fontRef>
+        </p:style>
+        <p:txBody>
+          <a:bodyPr wrap="square" rtlCol="0" anchor="ctr">
+            <a:noAutofit/>
+          </a:bodyPr>
+          <a:lstStyle/>
+          <a:p>
+            <a:pPr marL="0" marR="0" lvl="0" indent="0" algn="ctr" defTabSz="914400" rtl="0" eaLnBrk="1" fontAlgn="auto" latinLnBrk="0" hangingPunct="1">
+              <a:lnSpc>
+                <a:spcPct val="100000"/>
+              </a:lnSpc>
+              <a:spcBef>
+                <a:spcPts val="0"/>
+              </a:spcBef>
+              <a:spcAft>
+                <a:spcPts val="0"/>
+              </a:spcAft>
+              <a:buClrTx/>
+              <a:buSzTx/>
+              <a:buFontTx/>
+              <a:buNone/>
+              <a:tabLst/>
+              <a:defRPr/>
+            </a:pPr>
+            <a:endParaRPr kumimoji="0" lang="en-US" sz="1800" b="0" i="0" u="none" strike="noStrike" kern="1200" cap="none" spc="0" normalizeH="0" baseline="0" noProof="0">
+              <a:ln>
+                <a:noFill/>
+              </a:ln>
+              <a:solidFill>
+                <a:prstClr val="white"/>
+              </a:solidFill>
+              <a:effectLst/>
+              <a:uLnTx/>
+              <a:uFillTx/>
+              <a:latin typeface="Calibri" panose="020F0502020204030204"/>
+              <a:ea typeface="+mn-ea"/>
+              <a:cs typeface="+mn-cs"/>
+            </a:endParaRPr>
+          </a:p>
+        </p:txBody>
+      </p:sp>
+      <p:sp>
+        <p:nvSpPr>
+          <p:cNvPr id="13" name="Freeform: Shape 12">
+            <a:extLst>
+              <a:ext uri="{FF2B5EF4-FFF2-40B4-BE49-F238E27FC236}">
+                <a16:creationId xmlns:a16="http://schemas.microsoft.com/office/drawing/2014/main" id="{4C5D6221-DA7B-4611-AA26-7D8E349FDE96}"/>
+              </a:ext>
+              <a:ext uri="{C183D7F6-B498-43B3-948B-1728B52AA6E4}">
+                <adec:decorative xmlns:adec="http://schemas.microsoft.com/office/drawing/2017/decorative" val="1"/>
+              </a:ext>
+            </a:extLst>
+          </p:cNvPr>
+          <p:cNvSpPr>
+            <a:spLocks noGrp="1" noRot="1" noChangeAspect="1" noMove="1" noResize="1" noEditPoints="1" noAdjustHandles="1" noChangeArrowheads="1" noChangeShapeType="1" noTextEdit="1"/>
+          </p:cNvSpPr>
+          <p:nvPr>
+            <p:extLst>
+              <p:ext uri="{386F3935-93C4-4BCD-93E2-E3B085C9AB24}">
+                <p16:designElem xmlns:p16="http://schemas.microsoft.com/office/powerpoint/2015/main" val="1"/>
+              </p:ext>
+            </p:extLst>
+          </p:nvPr>
+        </p:nvSpPr>
+        <p:spPr>
+          <a:xfrm>
+            <a:off x="1" y="0"/>
+            <a:ext cx="4232227" cy="6858000"/>
+          </a:xfrm>
+          <a:custGeom>
+            <a:avLst/>
+            <a:gdLst>
+              <a:gd name="connsiteX0" fmla="*/ 0 w 4232227"/>
+              <a:gd name="connsiteY0" fmla="*/ 0 h 6858000"/>
+              <a:gd name="connsiteX1" fmla="*/ 4161853 w 4232227"/>
+              <a:gd name="connsiteY1" fmla="*/ 0 h 6858000"/>
+              <a:gd name="connsiteX2" fmla="*/ 4197953 w 4232227"/>
+              <a:gd name="connsiteY2" fmla="*/ 284091 h 6858000"/>
+              <a:gd name="connsiteX3" fmla="*/ 4232227 w 4232227"/>
+              <a:gd name="connsiteY3" fmla="*/ 962844 h 6858000"/>
+              <a:gd name="connsiteX4" fmla="*/ 758007 w 4232227"/>
+              <a:gd name="connsiteY4" fmla="*/ 6800152 h 6858000"/>
+              <a:gd name="connsiteX5" fmla="*/ 645060 w 4232227"/>
+              <a:gd name="connsiteY5" fmla="*/ 6858000 h 6858000"/>
+              <a:gd name="connsiteX6" fmla="*/ 0 w 4232227"/>
+              <a:gd name="connsiteY6" fmla="*/ 6858000 h 6858000"/>
+            </a:gdLst>
+            <a:ahLst/>
+            <a:cxnLst>
+              <a:cxn ang="0">
+                <a:pos x="connsiteX0" y="connsiteY0"/>
+              </a:cxn>
+              <a:cxn ang="0">
+                <a:pos x="connsiteX1" y="connsiteY1"/>
+              </a:cxn>
+              <a:cxn ang="0">
+                <a:pos x="connsiteX2" y="connsiteY2"/>
+              </a:cxn>
+              <a:cxn ang="0">
+                <a:pos x="connsiteX3" y="connsiteY3"/>
+              </a:cxn>
+              <a:cxn ang="0">
+                <a:pos x="connsiteX4" y="connsiteY4"/>
+              </a:cxn>
+              <a:cxn ang="0">
+                <a:pos x="connsiteX5" y="connsiteY5"/>
+              </a:cxn>
+              <a:cxn ang="0">
+                <a:pos x="connsiteX6" y="connsiteY6"/>
+              </a:cxn>
+            </a:cxnLst>
+            <a:rect l="l" t="t" r="r" b="b"/>
+            <a:pathLst>
+              <a:path w="4232227" h="6858000">
+                <a:moveTo>
+                  <a:pt x="0" y="0"/>
+                </a:moveTo>
+                <a:lnTo>
+                  <a:pt x="4161853" y="0"/>
+                </a:lnTo>
+                <a:lnTo>
+                  <a:pt x="4197953" y="284091"/>
+                </a:lnTo>
+                <a:cubicBezTo>
+                  <a:pt x="4220617" y="507260"/>
+                  <a:pt x="4232227" y="733696"/>
+                  <a:pt x="4232227" y="962844"/>
+                </a:cubicBezTo>
+                <a:cubicBezTo>
+                  <a:pt x="4232227" y="3483472"/>
+                  <a:pt x="2827409" y="5675986"/>
+                  <a:pt x="758007" y="6800152"/>
+                </a:cubicBezTo>
+                <a:lnTo>
+                  <a:pt x="645060" y="6858000"/>
+                </a:lnTo>
+                <a:lnTo>
+                  <a:pt x="0" y="6858000"/>
+                </a:lnTo>
+                <a:close/>
+              </a:path>
+            </a:pathLst>
+          </a:custGeom>
+          <a:solidFill>
+            <a:srgbClr val="404040"/>
+          </a:solidFill>
+          <a:ln>
+            <a:noFill/>
+          </a:ln>
+        </p:spPr>
+        <p:style>
+          <a:lnRef idx="2">
+            <a:schemeClr val="accent1">
+              <a:shade val="50000"/>
+            </a:schemeClr>
+          </a:lnRef>
+          <a:fillRef idx="1">
+            <a:schemeClr val="accent1"/>
+          </a:fillRef>
+          <a:effectRef idx="0">
+            <a:schemeClr val="accent1"/>
+          </a:effectRef>
+          <a:fontRef idx="minor">
+            <a:schemeClr val="lt1"/>
+          </a:fontRef>
+        </p:style>
+        <p:txBody>
+          <a:bodyPr wrap="square" rtlCol="0" anchor="ctr">
+            <a:noAutofit/>
+          </a:bodyPr>
+          <a:lstStyle/>
+          <a:p>
+            <a:pPr marL="0" marR="0" lvl="0" indent="0" algn="ctr" defTabSz="914400" rtl="0" eaLnBrk="1" fontAlgn="auto" latinLnBrk="0" hangingPunct="1">
+              <a:lnSpc>
+                <a:spcPct val="100000"/>
+              </a:lnSpc>
+              <a:spcBef>
+                <a:spcPts val="0"/>
+              </a:spcBef>
+              <a:spcAft>
+                <a:spcPts val="0"/>
+              </a:spcAft>
+              <a:buClrTx/>
+              <a:buSzTx/>
+              <a:buFontTx/>
+              <a:buNone/>
+              <a:tabLst/>
+              <a:defRPr/>
+            </a:pPr>
+            <a:endParaRPr kumimoji="0" lang="en-US" sz="1800" b="0" i="0" u="none" strike="noStrike" kern="1200" cap="none" spc="0" normalizeH="0" baseline="0" noProof="0">
+              <a:ln>
+                <a:noFill/>
+              </a:ln>
+              <a:solidFill>
+                <a:prstClr val="white"/>
+              </a:solidFill>
+              <a:effectLst/>
+              <a:uLnTx/>
+              <a:uFillTx/>
+              <a:latin typeface="Calibri" panose="020F0502020204030204"/>
+              <a:ea typeface="+mn-ea"/>
+              <a:cs typeface="+mn-cs"/>
+            </a:endParaRPr>
+          </a:p>
+        </p:txBody>
+      </p:sp>
+      <p:sp>
+        <p:nvSpPr>
+          <p:cNvPr id="2" name="Titre 1">
+            <a:extLst>
+              <a:ext uri="{FF2B5EF4-FFF2-40B4-BE49-F238E27FC236}">
+                <a16:creationId xmlns:a16="http://schemas.microsoft.com/office/drawing/2014/main" id="{77328127-2658-29C0-D5B6-2E19F8D9CB6F}"/>
+              </a:ext>
+            </a:extLst>
+          </p:cNvPr>
+          <p:cNvSpPr>
+            <a:spLocks noGrp="1"/>
+          </p:cNvSpPr>
+          <p:nvPr>
+            <p:ph type="ctrTitle"/>
+          </p:nvPr>
+        </p:nvSpPr>
+        <p:spPr>
+          <a:xfrm>
+            <a:off x="191359" y="1972018"/>
+            <a:ext cx="3626039" cy="1010878"/>
+          </a:xfrm>
+        </p:spPr>
+        <p:txBody>
+          <a:bodyPr vert="horz" lIns="91440" tIns="45720" rIns="91440" bIns="45720" rtlCol="0" anchor="t">
+            <a:normAutofit/>
+          </a:bodyPr>
+          <a:lstStyle/>
+          <a:p>
+            <a:pPr algn="l"/>
+            <a:r>
+              <a:rPr lang="en-US" sz="3600" b="1" dirty="0">
+                <a:solidFill>
+                  <a:srgbClr val="FFFFFF"/>
+                </a:solidFill>
+                <a:latin typeface="Century Gothic" panose="020B0502020202090204" pitchFamily="34" charset="0"/>
+              </a:rPr>
+              <a:t>The project</a:t>
+            </a:r>
+            <a:r>
+              <a:rPr lang="en-US" sz="3600" b="1" kern="1200" dirty="0">
+                <a:solidFill>
+                  <a:srgbClr val="FFFFFF"/>
+                </a:solidFill>
+                <a:latin typeface="Century Gothic" panose="020B0502020202090204" pitchFamily="34" charset="0"/>
+              </a:rPr>
+              <a:t>:</a:t>
+            </a:r>
+          </a:p>
+        </p:txBody>
+      </p:sp>
+      <p:sp>
+        <p:nvSpPr>
+          <p:cNvPr id="4" name="Sous-titre 2">
+            <a:extLst>
+              <a:ext uri="{FF2B5EF4-FFF2-40B4-BE49-F238E27FC236}">
+                <a16:creationId xmlns:a16="http://schemas.microsoft.com/office/drawing/2014/main" id="{F268D261-47EE-1D4F-CCA1-52A3131E5925}"/>
+              </a:ext>
+            </a:extLst>
+          </p:cNvPr>
+          <p:cNvSpPr txBox="1">
+            <a:spLocks/>
+          </p:cNvSpPr>
+          <p:nvPr/>
+        </p:nvSpPr>
+        <p:spPr>
+          <a:xfrm>
+            <a:off x="5430956" y="1021302"/>
+            <a:ext cx="6569685" cy="950716"/>
+          </a:xfrm>
+          <a:prstGeom prst="rect">
+            <a:avLst/>
+          </a:prstGeom>
+        </p:spPr>
+        <p:txBody>
+          <a:bodyPr vert="horz" lIns="91440" tIns="45720" rIns="91440" bIns="45720" rtlCol="0">
+            <a:noAutofit/>
+          </a:bodyPr>
+          <a:lstStyle>
+            <a:lvl1pPr marL="0" indent="0" algn="ctr" defTabSz="914400" rtl="0" eaLnBrk="1" latinLnBrk="0" hangingPunct="1">
+              <a:lnSpc>
+                <a:spcPct val="90000"/>
+              </a:lnSpc>
+              <a:spcBef>
+                <a:spcPts val="1000"/>
+              </a:spcBef>
+              <a:buFont typeface="Arial" panose="020B0604020202020204" pitchFamily="34" charset="0"/>
+              <a:buNone/>
+              <a:defRPr sz="2400" kern="1200">
+                <a:solidFill>
+                  <a:schemeClr val="tx1"/>
+                </a:solidFill>
+                <a:latin typeface="+mn-lt"/>
+                <a:ea typeface="+mn-ea"/>
+                <a:cs typeface="+mn-cs"/>
+              </a:defRPr>
+            </a:lvl1pPr>
+            <a:lvl2pPr marL="457200" indent="0" algn="ctr" defTabSz="914400" rtl="0" eaLnBrk="1" latinLnBrk="0" hangingPunct="1">
+              <a:lnSpc>
+                <a:spcPct val="90000"/>
+              </a:lnSpc>
+              <a:spcBef>
+                <a:spcPts val="500"/>
+              </a:spcBef>
+              <a:buFont typeface="Arial" panose="020B0604020202020204" pitchFamily="34" charset="0"/>
+              <a:buNone/>
+              <a:defRPr sz="2000" kern="1200">
+                <a:solidFill>
+                  <a:schemeClr val="tx1"/>
+                </a:solidFill>
+                <a:latin typeface="+mn-lt"/>
+                <a:ea typeface="+mn-ea"/>
+                <a:cs typeface="+mn-cs"/>
+              </a:defRPr>
+            </a:lvl2pPr>
+            <a:lvl3pPr marL="914400" indent="0" algn="ctr" defTabSz="914400" rtl="0" eaLnBrk="1" latinLnBrk="0" hangingPunct="1">
+              <a:lnSpc>
+                <a:spcPct val="90000"/>
+              </a:lnSpc>
+              <a:spcBef>
+                <a:spcPts val="500"/>
+              </a:spcBef>
+              <a:buFont typeface="Arial" panose="020B0604020202020204" pitchFamily="34" charset="0"/>
+              <a:buNone/>
+              <a:defRPr sz="1800" kern="1200">
+                <a:solidFill>
+                  <a:schemeClr val="tx1"/>
+                </a:solidFill>
+                <a:latin typeface="+mn-lt"/>
+                <a:ea typeface="+mn-ea"/>
+                <a:cs typeface="+mn-cs"/>
+              </a:defRPr>
+            </a:lvl3pPr>
+            <a:lvl4pPr marL="1371600" indent="0" algn="ctr" defTabSz="914400" rtl="0" eaLnBrk="1" latinLnBrk="0" hangingPunct="1">
+              <a:lnSpc>
+                <a:spcPct val="90000"/>
+              </a:lnSpc>
+              <a:spcBef>
+                <a:spcPts val="500"/>
+              </a:spcBef>
+              <a:buFont typeface="Arial" panose="020B0604020202020204" pitchFamily="34" charset="0"/>
+              <a:buNone/>
+              <a:defRPr sz="1600" kern="1200">
+                <a:solidFill>
+                  <a:schemeClr val="tx1"/>
+                </a:solidFill>
+                <a:latin typeface="+mn-lt"/>
+                <a:ea typeface="+mn-ea"/>
+                <a:cs typeface="+mn-cs"/>
+              </a:defRPr>
+            </a:lvl4pPr>
+            <a:lvl5pPr marL="1828800" indent="0" algn="ctr" defTabSz="914400" rtl="0" eaLnBrk="1" latinLnBrk="0" hangingPunct="1">
+              <a:lnSpc>
+                <a:spcPct val="90000"/>
+              </a:lnSpc>
+              <a:spcBef>
+                <a:spcPts val="500"/>
+              </a:spcBef>
+              <a:buFont typeface="Arial" panose="020B0604020202020204" pitchFamily="34" charset="0"/>
+              <a:buNone/>
+              <a:defRPr sz="1600" kern="1200">
+                <a:solidFill>
+                  <a:schemeClr val="tx1"/>
+                </a:solidFill>
+                <a:latin typeface="+mn-lt"/>
+                <a:ea typeface="+mn-ea"/>
+                <a:cs typeface="+mn-cs"/>
+              </a:defRPr>
+            </a:lvl5pPr>
+            <a:lvl6pPr marL="2286000" indent="0" algn="ctr" defTabSz="914400" rtl="0" eaLnBrk="1" latinLnBrk="0" hangingPunct="1">
+              <a:lnSpc>
+                <a:spcPct val="90000"/>
+              </a:lnSpc>
+              <a:spcBef>
+                <a:spcPts val="500"/>
+              </a:spcBef>
+              <a:buFont typeface="Arial" panose="020B0604020202020204" pitchFamily="34" charset="0"/>
+              <a:buNone/>
+              <a:defRPr sz="1600" kern="1200">
+                <a:solidFill>
+                  <a:schemeClr val="tx1"/>
+                </a:solidFill>
+                <a:latin typeface="+mn-lt"/>
+                <a:ea typeface="+mn-ea"/>
+                <a:cs typeface="+mn-cs"/>
+              </a:defRPr>
+            </a:lvl6pPr>
+            <a:lvl7pPr marL="2743200" indent="0" algn="ctr" defTabSz="914400" rtl="0" eaLnBrk="1" latinLnBrk="0" hangingPunct="1">
+              <a:lnSpc>
+                <a:spcPct val="90000"/>
+              </a:lnSpc>
+              <a:spcBef>
+                <a:spcPts val="500"/>
+              </a:spcBef>
+              <a:buFont typeface="Arial" panose="020B0604020202020204" pitchFamily="34" charset="0"/>
+              <a:buNone/>
+              <a:defRPr sz="1600" kern="1200">
+                <a:solidFill>
+                  <a:schemeClr val="tx1"/>
+                </a:solidFill>
+                <a:latin typeface="+mn-lt"/>
+                <a:ea typeface="+mn-ea"/>
+                <a:cs typeface="+mn-cs"/>
+              </a:defRPr>
+            </a:lvl7pPr>
+            <a:lvl8pPr marL="3200400" indent="0" algn="ctr" defTabSz="914400" rtl="0" eaLnBrk="1" latinLnBrk="0" hangingPunct="1">
+              <a:lnSpc>
+                <a:spcPct val="90000"/>
+              </a:lnSpc>
+              <a:spcBef>
+                <a:spcPts val="500"/>
+              </a:spcBef>
+              <a:buFont typeface="Arial" panose="020B0604020202020204" pitchFamily="34" charset="0"/>
+              <a:buNone/>
+              <a:defRPr sz="1600" kern="1200">
+                <a:solidFill>
+                  <a:schemeClr val="tx1"/>
+                </a:solidFill>
+                <a:latin typeface="+mn-lt"/>
+                <a:ea typeface="+mn-ea"/>
+                <a:cs typeface="+mn-cs"/>
+              </a:defRPr>
+            </a:lvl8pPr>
+            <a:lvl9pPr marL="3657600" indent="0" algn="ctr" defTabSz="914400" rtl="0" eaLnBrk="1" latinLnBrk="0" hangingPunct="1">
+              <a:lnSpc>
+                <a:spcPct val="90000"/>
+              </a:lnSpc>
+              <a:spcBef>
+                <a:spcPts val="500"/>
+              </a:spcBef>
+              <a:buFont typeface="Arial" panose="020B0604020202020204" pitchFamily="34" charset="0"/>
+              <a:buNone/>
+              <a:defRPr sz="1600" kern="1200">
+                <a:solidFill>
+                  <a:schemeClr val="tx1"/>
+                </a:solidFill>
+                <a:latin typeface="+mn-lt"/>
+                <a:ea typeface="+mn-ea"/>
+                <a:cs typeface="+mn-cs"/>
+              </a:defRPr>
+            </a:lvl9pPr>
+          </a:lstStyle>
+          <a:p>
+            <a:pPr algn="l"/>
+            <a:r>
+              <a:rPr lang="en-US" sz="3200" dirty="0">
+                <a:latin typeface="Century Gothic" panose="020B0502020202090204" pitchFamily="34" charset="0"/>
+              </a:rPr>
+              <a:t>How does it fit in the context</a:t>
+            </a:r>
+          </a:p>
+          <a:p>
+            <a:pPr algn="l"/>
+            <a:r>
+              <a:rPr lang="en-US" sz="3200" dirty="0">
+                <a:latin typeface="Century Gothic" panose="020B0502020202090204" pitchFamily="34" charset="0"/>
+              </a:rPr>
+              <a:t>Of our study?</a:t>
+            </a:r>
+          </a:p>
+        </p:txBody>
+      </p:sp>
+      <p:sp>
+        <p:nvSpPr>
+          <p:cNvPr id="5" name="TextBox 4">
+            <a:extLst>
+              <a:ext uri="{FF2B5EF4-FFF2-40B4-BE49-F238E27FC236}">
+                <a16:creationId xmlns:a16="http://schemas.microsoft.com/office/drawing/2014/main" id="{DFA182A9-3FC6-499E-A3DB-FD7A612BAAAD}"/>
+              </a:ext>
+            </a:extLst>
+          </p:cNvPr>
+          <p:cNvSpPr txBox="1"/>
+          <p:nvPr/>
+        </p:nvSpPr>
+        <p:spPr>
+          <a:xfrm>
+            <a:off x="7959020" y="3702622"/>
+            <a:ext cx="3907278" cy="646331"/>
+          </a:xfrm>
+          <a:prstGeom prst="rect">
+            <a:avLst/>
+          </a:prstGeom>
+          <a:noFill/>
+        </p:spPr>
+        <p:txBody>
+          <a:bodyPr wrap="square" rtlCol="0">
+            <a:spAutoFit/>
+          </a:bodyPr>
+          <a:lstStyle/>
+          <a:p>
+            <a:r>
+              <a:rPr lang="en-US" dirty="0">
+                <a:latin typeface="Century Gothic" panose="020B0502020202090204" pitchFamily="34" charset="0"/>
+              </a:rPr>
+              <a:t>Use of models seen in machine learning class with a problematic </a:t>
+            </a:r>
+          </a:p>
+        </p:txBody>
+      </p:sp>
+      <p:sp>
+        <p:nvSpPr>
+          <p:cNvPr id="3" name="TextBox 2">
+            <a:extLst>
+              <a:ext uri="{FF2B5EF4-FFF2-40B4-BE49-F238E27FC236}">
+                <a16:creationId xmlns:a16="http://schemas.microsoft.com/office/drawing/2014/main" id="{C4D085F4-E879-46B2-B603-DC6BA33B1844}"/>
+              </a:ext>
+            </a:extLst>
+          </p:cNvPr>
+          <p:cNvSpPr txBox="1"/>
+          <p:nvPr/>
+        </p:nvSpPr>
+        <p:spPr>
+          <a:xfrm>
+            <a:off x="4612690" y="2832212"/>
+            <a:ext cx="5299969" cy="646331"/>
+          </a:xfrm>
+          <a:prstGeom prst="rect">
+            <a:avLst/>
+          </a:prstGeom>
+          <a:noFill/>
+        </p:spPr>
+        <p:txBody>
+          <a:bodyPr wrap="square" rtlCol="0">
+            <a:spAutoFit/>
+          </a:bodyPr>
+          <a:lstStyle/>
+          <a:p>
+            <a:r>
+              <a:rPr lang="en-US" dirty="0">
+                <a:latin typeface="Century Gothic" panose="020B0502020202090204" pitchFamily="34" charset="0"/>
+              </a:rPr>
+              <a:t>Resume of all libraries use </a:t>
+            </a:r>
+          </a:p>
+          <a:p>
+            <a:r>
+              <a:rPr lang="en-US" dirty="0">
+                <a:latin typeface="Century Gothic" panose="020B0502020202090204" pitchFamily="34" charset="0"/>
+              </a:rPr>
+              <a:t>In python during the semester </a:t>
+            </a:r>
+            <a:r>
+              <a:rPr lang="fr-FR" dirty="0"/>
+              <a:t> </a:t>
+            </a:r>
+          </a:p>
+        </p:txBody>
+      </p:sp>
+      <p:sp>
+        <p:nvSpPr>
+          <p:cNvPr id="7" name="TextBox 6">
+            <a:extLst>
+              <a:ext uri="{FF2B5EF4-FFF2-40B4-BE49-F238E27FC236}">
+                <a16:creationId xmlns:a16="http://schemas.microsoft.com/office/drawing/2014/main" id="{1F039747-FC36-4984-B851-48EF4EB007A4}"/>
+              </a:ext>
+            </a:extLst>
+          </p:cNvPr>
+          <p:cNvSpPr txBox="1"/>
+          <p:nvPr/>
+        </p:nvSpPr>
+        <p:spPr>
+          <a:xfrm>
+            <a:off x="4021585" y="4654785"/>
+            <a:ext cx="5299969" cy="646331"/>
+          </a:xfrm>
+          <a:prstGeom prst="rect">
+            <a:avLst/>
+          </a:prstGeom>
+          <a:noFill/>
+        </p:spPr>
+        <p:txBody>
+          <a:bodyPr wrap="square" rtlCol="0">
+            <a:spAutoFit/>
+          </a:bodyPr>
+          <a:lstStyle/>
+          <a:p>
+            <a:r>
+              <a:rPr lang="en-US" dirty="0">
+                <a:latin typeface="Century Gothic" panose="020B0502020202090204" pitchFamily="34" charset="0"/>
+              </a:rPr>
+              <a:t>Observation of concept discovered</a:t>
+            </a:r>
+          </a:p>
+          <a:p>
+            <a:r>
+              <a:rPr lang="en-US" dirty="0">
+                <a:latin typeface="Century Gothic" panose="020B0502020202090204" pitchFamily="34" charset="0"/>
+              </a:rPr>
+              <a:t>During soft skills sessions</a:t>
+            </a:r>
+          </a:p>
+        </p:txBody>
+      </p:sp>
+      <p:sp>
+        <p:nvSpPr>
+          <p:cNvPr id="10" name="TextBox 9">
+            <a:extLst>
+              <a:ext uri="{FF2B5EF4-FFF2-40B4-BE49-F238E27FC236}">
+                <a16:creationId xmlns:a16="http://schemas.microsoft.com/office/drawing/2014/main" id="{AE169347-5B4C-4D64-BA0A-242963DE92DF}"/>
+              </a:ext>
+            </a:extLst>
+          </p:cNvPr>
+          <p:cNvSpPr txBox="1"/>
+          <p:nvPr/>
+        </p:nvSpPr>
+        <p:spPr>
+          <a:xfrm>
+            <a:off x="8079420" y="5433227"/>
+            <a:ext cx="3666478" cy="646331"/>
+          </a:xfrm>
+          <a:prstGeom prst="rect">
+            <a:avLst/>
+          </a:prstGeom>
+          <a:noFill/>
+        </p:spPr>
+        <p:txBody>
+          <a:bodyPr wrap="square" rtlCol="0">
+            <a:spAutoFit/>
+          </a:bodyPr>
+          <a:lstStyle/>
+          <a:p>
+            <a:r>
+              <a:rPr lang="en-US" dirty="0">
+                <a:latin typeface="Century Gothic" panose="020B0502020202090204" pitchFamily="34" charset="0"/>
+              </a:rPr>
+              <a:t>A subject that could fit with </a:t>
+            </a:r>
+          </a:p>
+          <a:p>
+            <a:r>
+              <a:rPr lang="en-US" dirty="0">
+                <a:latin typeface="Century Gothic" panose="020B0502020202090204" pitchFamily="34" charset="0"/>
+              </a:rPr>
+              <a:t>Problems of the medical sector</a:t>
+            </a:r>
+          </a:p>
+        </p:txBody>
+      </p:sp>
+    </p:spTree>
+    <p:extLst>
+      <p:ext uri="{BB962C8B-B14F-4D97-AF65-F5344CB8AC3E}">
+        <p14:creationId xmlns:p14="http://schemas.microsoft.com/office/powerpoint/2010/main" val="1307230348"/>
+      </p:ext>
+    </p:extLst>
+  </p:cSld>
+  <p:clrMapOvr>
+    <a:masterClrMapping/>
+  </p:clrMapOvr>
+</p:sld>
+</file>
+
+<file path=ppt/slides/slide8.xml><?xml version="1.0" encoding="utf-8"?>
+<p:sld xmlns:a="http://schemas.openxmlformats.org/drawingml/2006/main" xmlns:r="http://schemas.openxmlformats.org/officeDocument/2006/relationships" xmlns:p="http://schemas.openxmlformats.org/presentationml/2006/main">
+  <p:cSld>
+    <p:bg>
+      <p:bgPr>
+        <a:solidFill>
+          <a:schemeClr val="bg1"/>
+        </a:solidFill>
+        <a:effectLst/>
+      </p:bgPr>
+    </p:bg>
+    <p:spTree>
+      <p:nvGrpSpPr>
+        <p:cNvPr id="1" name=""/>
+        <p:cNvGrpSpPr/>
+        <p:nvPr/>
+      </p:nvGrpSpPr>
+      <p:grpSpPr>
+        <a:xfrm>
+          <a:off x="0" y="0"/>
+          <a:ext cx="0" cy="0"/>
+          <a:chOff x="0" y="0"/>
+          <a:chExt cx="0" cy="0"/>
+        </a:xfrm>
+      </p:grpSpPr>
+      <p:sp>
+        <p:nvSpPr>
+          <p:cNvPr id="9" name="Rectangle 8">
+            <a:extLst>
+              <a:ext uri="{FF2B5EF4-FFF2-40B4-BE49-F238E27FC236}">
+                <a16:creationId xmlns:a16="http://schemas.microsoft.com/office/drawing/2014/main" id="{E35A04CF-97D4-4FF7-B359-C546B1F62E54}"/>
+              </a:ext>
+              <a:ext uri="{C183D7F6-B498-43B3-948B-1728B52AA6E4}">
+                <adec:decorative xmlns:adec="http://schemas.microsoft.com/office/drawing/2017/decorative" val="1"/>
+              </a:ext>
+            </a:extLst>
+          </p:cNvPr>
+          <p:cNvSpPr>
+            <a:spLocks noGrp="1" noRot="1" noChangeAspect="1" noMove="1" noResize="1" noEditPoints="1" noAdjustHandles="1" noChangeArrowheads="1" noChangeShapeType="1" noTextEdit="1"/>
+          </p:cNvSpPr>
+          <p:nvPr>
+            <p:extLst>
+              <p:ext uri="{386F3935-93C4-4BCD-93E2-E3B085C9AB24}">
+                <p16:designElem xmlns:p16="http://schemas.microsoft.com/office/powerpoint/2015/main" val="1"/>
+              </p:ext>
+            </p:extLst>
+          </p:nvPr>
+        </p:nvSpPr>
+        <p:spPr>
+          <a:xfrm>
+            <a:off x="0" y="0"/>
+            <a:ext cx="12191999" cy="6858000"/>
+          </a:xfrm>
+          <a:prstGeom prst="rect">
+            <a:avLst/>
+          </a:prstGeom>
+          <a:solidFill>
+            <a:schemeClr val="bg1">
+              <a:lumMod val="85000"/>
+            </a:schemeClr>
+          </a:solidFill>
+          <a:ln>
+            <a:noFill/>
+          </a:ln>
+        </p:spPr>
+        <p:style>
+          <a:lnRef idx="2">
+            <a:schemeClr val="accent1">
+              <a:shade val="50000"/>
+            </a:schemeClr>
+          </a:lnRef>
+          <a:fillRef idx="1">
+            <a:schemeClr val="accent1"/>
+          </a:fillRef>
+          <a:effectRef idx="0">
+            <a:schemeClr val="accent1"/>
+          </a:effectRef>
+          <a:fontRef idx="minor">
+            <a:schemeClr val="lt1"/>
+          </a:fontRef>
+        </p:style>
+        <p:txBody>
+          <a:bodyPr rtlCol="0" anchor="ctr"/>
+          <a:lstStyle/>
+          <a:p>
+            <a:pPr algn="ctr"/>
+            <a:endParaRPr lang="en-US"/>
+          </a:p>
+        </p:txBody>
+      </p:sp>
+      <p:sp>
+        <p:nvSpPr>
+          <p:cNvPr id="11" name="Freeform: Shape 10">
+            <a:extLst>
+              <a:ext uri="{FF2B5EF4-FFF2-40B4-BE49-F238E27FC236}">
+                <a16:creationId xmlns:a16="http://schemas.microsoft.com/office/drawing/2014/main" id="{1DE7243B-5109-444B-8FAF-7437C66BC0E9}"/>
+              </a:ext>
+              <a:ext uri="{C183D7F6-B498-43B3-948B-1728B52AA6E4}">
+                <adec:decorative xmlns:adec="http://schemas.microsoft.com/office/drawing/2017/decorative" val="1"/>
+              </a:ext>
+            </a:extLst>
+          </p:cNvPr>
+          <p:cNvSpPr>
+            <a:spLocks noGrp="1" noRot="1" noChangeAspect="1" noMove="1" noResize="1" noEditPoints="1" noAdjustHandles="1" noChangeArrowheads="1" noChangeShapeType="1" noTextEdit="1"/>
+          </p:cNvSpPr>
+          <p:nvPr>
+            <p:extLst>
+              <p:ext uri="{386F3935-93C4-4BCD-93E2-E3B085C9AB24}">
+                <p16:designElem xmlns:p16="http://schemas.microsoft.com/office/powerpoint/2015/main" val="1"/>
+              </p:ext>
+            </p:extLst>
+          </p:nvPr>
+        </p:nvSpPr>
+        <p:spPr>
+          <a:xfrm flipH="1">
+            <a:off x="0" y="0"/>
+            <a:ext cx="4421332" cy="6858000"/>
+          </a:xfrm>
+          <a:custGeom>
+            <a:avLst/>
+            <a:gdLst>
+              <a:gd name="connsiteX0" fmla="*/ 4421332 w 4421332"/>
+              <a:gd name="connsiteY0" fmla="*/ 0 h 6858000"/>
+              <a:gd name="connsiteX1" fmla="*/ 69075 w 4421332"/>
+              <a:gd name="connsiteY1" fmla="*/ 0 h 6858000"/>
+              <a:gd name="connsiteX2" fmla="*/ 35131 w 4421332"/>
+              <a:gd name="connsiteY2" fmla="*/ 267128 h 6858000"/>
+              <a:gd name="connsiteX3" fmla="*/ 0 w 4421332"/>
+              <a:gd name="connsiteY3" fmla="*/ 962845 h 6858000"/>
+              <a:gd name="connsiteX4" fmla="*/ 3276103 w 4421332"/>
+              <a:gd name="connsiteY4" fmla="*/ 6782205 h 6858000"/>
+              <a:gd name="connsiteX5" fmla="*/ 3407923 w 4421332"/>
+              <a:gd name="connsiteY5" fmla="*/ 6858000 h 6858000"/>
+              <a:gd name="connsiteX6" fmla="*/ 4421332 w 4421332"/>
+              <a:gd name="connsiteY6" fmla="*/ 6858000 h 6858000"/>
+            </a:gdLst>
+            <a:ahLst/>
+            <a:cxnLst>
+              <a:cxn ang="0">
+                <a:pos x="connsiteX0" y="connsiteY0"/>
+              </a:cxn>
+              <a:cxn ang="0">
+                <a:pos x="connsiteX1" y="connsiteY1"/>
+              </a:cxn>
+              <a:cxn ang="0">
+                <a:pos x="connsiteX2" y="connsiteY2"/>
+              </a:cxn>
+              <a:cxn ang="0">
+                <a:pos x="connsiteX3" y="connsiteY3"/>
+              </a:cxn>
+              <a:cxn ang="0">
+                <a:pos x="connsiteX4" y="connsiteY4"/>
+              </a:cxn>
+              <a:cxn ang="0">
+                <a:pos x="connsiteX5" y="connsiteY5"/>
+              </a:cxn>
+              <a:cxn ang="0">
+                <a:pos x="connsiteX6" y="connsiteY6"/>
+              </a:cxn>
+            </a:cxnLst>
+            <a:rect l="l" t="t" r="r" b="b"/>
+            <a:pathLst>
+              <a:path w="4421332" h="6858000">
+                <a:moveTo>
+                  <a:pt x="4421332" y="0"/>
+                </a:moveTo>
+                <a:lnTo>
+                  <a:pt x="69075" y="0"/>
+                </a:lnTo>
+                <a:lnTo>
+                  <a:pt x="35131" y="267128"/>
+                </a:lnTo>
+                <a:cubicBezTo>
+                  <a:pt x="11901" y="495874"/>
+                  <a:pt x="0" y="727970"/>
+                  <a:pt x="0" y="962845"/>
+                </a:cubicBezTo>
+                <a:cubicBezTo>
+                  <a:pt x="0" y="3429034"/>
+                  <a:pt x="1312002" y="5588789"/>
+                  <a:pt x="3276103" y="6782205"/>
+                </a:cubicBezTo>
+                <a:lnTo>
+                  <a:pt x="3407923" y="6858000"/>
+                </a:lnTo>
+                <a:lnTo>
+                  <a:pt x="4421332" y="6858000"/>
+                </a:lnTo>
+                <a:close/>
+              </a:path>
+            </a:pathLst>
+          </a:custGeom>
+          <a:solidFill>
+            <a:srgbClr val="FFFFFF">
+              <a:alpha val="80000"/>
+            </a:srgbClr>
+          </a:solidFill>
+          <a:ln>
+            <a:noFill/>
+          </a:ln>
+        </p:spPr>
+        <p:style>
+          <a:lnRef idx="2">
+            <a:schemeClr val="accent1">
+              <a:shade val="50000"/>
+            </a:schemeClr>
+          </a:lnRef>
+          <a:fillRef idx="1">
+            <a:schemeClr val="accent1"/>
+          </a:fillRef>
+          <a:effectRef idx="0">
+            <a:schemeClr val="accent1"/>
+          </a:effectRef>
+          <a:fontRef idx="minor">
+            <a:schemeClr val="lt1"/>
+          </a:fontRef>
+        </p:style>
+        <p:txBody>
+          <a:bodyPr wrap="square" rtlCol="0" anchor="ctr">
+            <a:noAutofit/>
+          </a:bodyPr>
+          <a:lstStyle/>
+          <a:p>
+            <a:pPr marL="0" marR="0" lvl="0" indent="0" algn="ctr" defTabSz="914400" rtl="0" eaLnBrk="1" fontAlgn="auto" latinLnBrk="0" hangingPunct="1">
+              <a:lnSpc>
+                <a:spcPct val="100000"/>
+              </a:lnSpc>
+              <a:spcBef>
+                <a:spcPts val="0"/>
+              </a:spcBef>
+              <a:spcAft>
+                <a:spcPts val="0"/>
+              </a:spcAft>
+              <a:buClrTx/>
+              <a:buSzTx/>
+              <a:buFontTx/>
+              <a:buNone/>
+              <a:tabLst/>
+              <a:defRPr/>
+            </a:pPr>
+            <a:endParaRPr kumimoji="0" lang="en-US" sz="1800" b="0" i="0" u="none" strike="noStrike" kern="1200" cap="none" spc="0" normalizeH="0" baseline="0" noProof="0">
+              <a:ln>
+                <a:noFill/>
+              </a:ln>
+              <a:solidFill>
+                <a:prstClr val="white"/>
+              </a:solidFill>
+              <a:effectLst/>
+              <a:uLnTx/>
+              <a:uFillTx/>
+              <a:latin typeface="Calibri" panose="020F0502020204030204"/>
+              <a:ea typeface="+mn-ea"/>
+              <a:cs typeface="+mn-cs"/>
+            </a:endParaRPr>
+          </a:p>
+        </p:txBody>
+      </p:sp>
+      <p:sp>
+        <p:nvSpPr>
+          <p:cNvPr id="13" name="Freeform: Shape 12">
+            <a:extLst>
+              <a:ext uri="{FF2B5EF4-FFF2-40B4-BE49-F238E27FC236}">
+                <a16:creationId xmlns:a16="http://schemas.microsoft.com/office/drawing/2014/main" id="{4C5D6221-DA7B-4611-AA26-7D8E349FDE96}"/>
+              </a:ext>
+              <a:ext uri="{C183D7F6-B498-43B3-948B-1728B52AA6E4}">
+                <adec:decorative xmlns:adec="http://schemas.microsoft.com/office/drawing/2017/decorative" val="1"/>
+              </a:ext>
+            </a:extLst>
+          </p:cNvPr>
+          <p:cNvSpPr>
+            <a:spLocks noGrp="1" noRot="1" noChangeAspect="1" noMove="1" noResize="1" noEditPoints="1" noAdjustHandles="1" noChangeArrowheads="1" noChangeShapeType="1" noTextEdit="1"/>
+          </p:cNvSpPr>
+          <p:nvPr>
+            <p:extLst>
+              <p:ext uri="{386F3935-93C4-4BCD-93E2-E3B085C9AB24}">
+                <p16:designElem xmlns:p16="http://schemas.microsoft.com/office/powerpoint/2015/main" val="1"/>
+              </p:ext>
+            </p:extLst>
+          </p:nvPr>
+        </p:nvSpPr>
+        <p:spPr>
+          <a:xfrm>
+            <a:off x="1" y="0"/>
+            <a:ext cx="4232227" cy="6858000"/>
+          </a:xfrm>
+          <a:custGeom>
+            <a:avLst/>
+            <a:gdLst>
+              <a:gd name="connsiteX0" fmla="*/ 0 w 4232227"/>
+              <a:gd name="connsiteY0" fmla="*/ 0 h 6858000"/>
+              <a:gd name="connsiteX1" fmla="*/ 4161853 w 4232227"/>
+              <a:gd name="connsiteY1" fmla="*/ 0 h 6858000"/>
+              <a:gd name="connsiteX2" fmla="*/ 4197953 w 4232227"/>
+              <a:gd name="connsiteY2" fmla="*/ 284091 h 6858000"/>
+              <a:gd name="connsiteX3" fmla="*/ 4232227 w 4232227"/>
+              <a:gd name="connsiteY3" fmla="*/ 962844 h 6858000"/>
+              <a:gd name="connsiteX4" fmla="*/ 758007 w 4232227"/>
+              <a:gd name="connsiteY4" fmla="*/ 6800152 h 6858000"/>
+              <a:gd name="connsiteX5" fmla="*/ 645060 w 4232227"/>
+              <a:gd name="connsiteY5" fmla="*/ 6858000 h 6858000"/>
+              <a:gd name="connsiteX6" fmla="*/ 0 w 4232227"/>
+              <a:gd name="connsiteY6" fmla="*/ 6858000 h 6858000"/>
+            </a:gdLst>
+            <a:ahLst/>
+            <a:cxnLst>
+              <a:cxn ang="0">
+                <a:pos x="connsiteX0" y="connsiteY0"/>
+              </a:cxn>
+              <a:cxn ang="0">
+                <a:pos x="connsiteX1" y="connsiteY1"/>
+              </a:cxn>
+              <a:cxn ang="0">
+                <a:pos x="connsiteX2" y="connsiteY2"/>
+              </a:cxn>
+              <a:cxn ang="0">
+                <a:pos x="connsiteX3" y="connsiteY3"/>
+              </a:cxn>
+              <a:cxn ang="0">
+                <a:pos x="connsiteX4" y="connsiteY4"/>
+              </a:cxn>
+              <a:cxn ang="0">
+                <a:pos x="connsiteX5" y="connsiteY5"/>
+              </a:cxn>
+              <a:cxn ang="0">
+                <a:pos x="connsiteX6" y="connsiteY6"/>
+              </a:cxn>
+            </a:cxnLst>
+            <a:rect l="l" t="t" r="r" b="b"/>
+            <a:pathLst>
+              <a:path w="4232227" h="6858000">
+                <a:moveTo>
+                  <a:pt x="0" y="0"/>
+                </a:moveTo>
+                <a:lnTo>
+                  <a:pt x="4161853" y="0"/>
+                </a:lnTo>
+                <a:lnTo>
+                  <a:pt x="4197953" y="284091"/>
+                </a:lnTo>
+                <a:cubicBezTo>
+                  <a:pt x="4220617" y="507260"/>
+                  <a:pt x="4232227" y="733696"/>
+                  <a:pt x="4232227" y="962844"/>
+                </a:cubicBezTo>
+                <a:cubicBezTo>
+                  <a:pt x="4232227" y="3483472"/>
+                  <a:pt x="2827409" y="5675986"/>
+                  <a:pt x="758007" y="6800152"/>
+                </a:cubicBezTo>
+                <a:lnTo>
+                  <a:pt x="645060" y="6858000"/>
+                </a:lnTo>
+                <a:lnTo>
+                  <a:pt x="0" y="6858000"/>
+                </a:lnTo>
+                <a:close/>
+              </a:path>
+            </a:pathLst>
+          </a:custGeom>
+          <a:solidFill>
+            <a:srgbClr val="404040"/>
+          </a:solidFill>
+          <a:ln>
+            <a:noFill/>
+          </a:ln>
+        </p:spPr>
+        <p:style>
+          <a:lnRef idx="2">
+            <a:schemeClr val="accent1">
+              <a:shade val="50000"/>
+            </a:schemeClr>
+          </a:lnRef>
+          <a:fillRef idx="1">
+            <a:schemeClr val="accent1"/>
+          </a:fillRef>
+          <a:effectRef idx="0">
+            <a:schemeClr val="accent1"/>
+          </a:effectRef>
+          <a:fontRef idx="minor">
+            <a:schemeClr val="lt1"/>
+          </a:fontRef>
+        </p:style>
+        <p:txBody>
+          <a:bodyPr wrap="square" rtlCol="0" anchor="ctr">
+            <a:noAutofit/>
+          </a:bodyPr>
+          <a:lstStyle/>
+          <a:p>
+            <a:pPr marL="0" marR="0" lvl="0" indent="0" algn="ctr" defTabSz="914400" rtl="0" eaLnBrk="1" fontAlgn="auto" latinLnBrk="0" hangingPunct="1">
+              <a:lnSpc>
+                <a:spcPct val="100000"/>
+              </a:lnSpc>
+              <a:spcBef>
+                <a:spcPts val="0"/>
+              </a:spcBef>
+              <a:spcAft>
+                <a:spcPts val="0"/>
+              </a:spcAft>
+              <a:buClrTx/>
+              <a:buSzTx/>
+              <a:buFontTx/>
+              <a:buNone/>
+              <a:tabLst/>
+              <a:defRPr/>
+            </a:pPr>
+            <a:endParaRPr kumimoji="0" lang="en-US" sz="1800" b="0" i="0" u="none" strike="noStrike" kern="1200" cap="none" spc="0" normalizeH="0" baseline="0" noProof="0">
+              <a:ln>
+                <a:noFill/>
+              </a:ln>
+              <a:solidFill>
+                <a:prstClr val="white"/>
+              </a:solidFill>
+              <a:effectLst/>
+              <a:uLnTx/>
+              <a:uFillTx/>
+              <a:latin typeface="Calibri" panose="020F0502020204030204"/>
+              <a:ea typeface="+mn-ea"/>
+              <a:cs typeface="+mn-cs"/>
+            </a:endParaRPr>
+          </a:p>
+        </p:txBody>
+      </p:sp>
+      <p:sp>
+        <p:nvSpPr>
+          <p:cNvPr id="2" name="Titre 1">
+            <a:extLst>
+              <a:ext uri="{FF2B5EF4-FFF2-40B4-BE49-F238E27FC236}">
+                <a16:creationId xmlns:a16="http://schemas.microsoft.com/office/drawing/2014/main" id="{77328127-2658-29C0-D5B6-2E19F8D9CB6F}"/>
+              </a:ext>
+            </a:extLst>
+          </p:cNvPr>
+          <p:cNvSpPr>
+            <a:spLocks noGrp="1"/>
+          </p:cNvSpPr>
+          <p:nvPr>
+            <p:ph type="ctrTitle"/>
+          </p:nvPr>
+        </p:nvSpPr>
+        <p:spPr>
+          <a:xfrm>
+            <a:off x="191359" y="1972018"/>
+            <a:ext cx="3626039" cy="1010878"/>
+          </a:xfrm>
+        </p:spPr>
+        <p:txBody>
+          <a:bodyPr vert="horz" lIns="91440" tIns="45720" rIns="91440" bIns="45720" rtlCol="0" anchor="t">
+            <a:normAutofit/>
+          </a:bodyPr>
+          <a:lstStyle/>
+          <a:p>
+            <a:pPr algn="l"/>
+            <a:r>
+              <a:rPr lang="en-US" sz="3600" b="1" kern="1200" dirty="0">
+                <a:solidFill>
+                  <a:srgbClr val="FFFFFF"/>
+                </a:solidFill>
+                <a:latin typeface="Century Gothic" panose="020B0502020202090204" pitchFamily="34" charset="0"/>
+              </a:rPr>
+              <a:t>Conclusions:</a:t>
+            </a:r>
+          </a:p>
+        </p:txBody>
+      </p:sp>
+      <p:sp>
+        <p:nvSpPr>
+          <p:cNvPr id="4" name="Sous-titre 2">
+            <a:extLst>
+              <a:ext uri="{FF2B5EF4-FFF2-40B4-BE49-F238E27FC236}">
+                <a16:creationId xmlns:a16="http://schemas.microsoft.com/office/drawing/2014/main" id="{F268D261-47EE-1D4F-CCA1-52A3131E5925}"/>
+              </a:ext>
+            </a:extLst>
+          </p:cNvPr>
+          <p:cNvSpPr txBox="1">
+            <a:spLocks/>
+          </p:cNvSpPr>
+          <p:nvPr/>
+        </p:nvSpPr>
+        <p:spPr>
+          <a:xfrm>
+            <a:off x="5430956" y="1021302"/>
+            <a:ext cx="6569685" cy="950716"/>
+          </a:xfrm>
+          <a:prstGeom prst="rect">
+            <a:avLst/>
+          </a:prstGeom>
+        </p:spPr>
+        <p:txBody>
+          <a:bodyPr vert="horz" lIns="91440" tIns="45720" rIns="91440" bIns="45720" rtlCol="0">
+            <a:noAutofit/>
+          </a:bodyPr>
+          <a:lstStyle>
+            <a:lvl1pPr marL="0" indent="0" algn="ctr" defTabSz="914400" rtl="0" eaLnBrk="1" latinLnBrk="0" hangingPunct="1">
+              <a:lnSpc>
+                <a:spcPct val="90000"/>
+              </a:lnSpc>
+              <a:spcBef>
+                <a:spcPts val="1000"/>
+              </a:spcBef>
+              <a:buFont typeface="Arial" panose="020B0604020202020204" pitchFamily="34" charset="0"/>
+              <a:buNone/>
+              <a:defRPr sz="2400" kern="1200">
+                <a:solidFill>
+                  <a:schemeClr val="tx1"/>
+                </a:solidFill>
+                <a:latin typeface="+mn-lt"/>
+                <a:ea typeface="+mn-ea"/>
+                <a:cs typeface="+mn-cs"/>
+              </a:defRPr>
+            </a:lvl1pPr>
+            <a:lvl2pPr marL="457200" indent="0" algn="ctr" defTabSz="914400" rtl="0" eaLnBrk="1" latinLnBrk="0" hangingPunct="1">
+              <a:lnSpc>
+                <a:spcPct val="90000"/>
+              </a:lnSpc>
+              <a:spcBef>
+                <a:spcPts val="500"/>
+              </a:spcBef>
+              <a:buFont typeface="Arial" panose="020B0604020202020204" pitchFamily="34" charset="0"/>
+              <a:buNone/>
+              <a:defRPr sz="2000" kern="1200">
+                <a:solidFill>
+                  <a:schemeClr val="tx1"/>
+                </a:solidFill>
+                <a:latin typeface="+mn-lt"/>
+                <a:ea typeface="+mn-ea"/>
+                <a:cs typeface="+mn-cs"/>
+              </a:defRPr>
+            </a:lvl2pPr>
+            <a:lvl3pPr marL="914400" indent="0" algn="ctr" defTabSz="914400" rtl="0" eaLnBrk="1" latinLnBrk="0" hangingPunct="1">
+              <a:lnSpc>
+                <a:spcPct val="90000"/>
+              </a:lnSpc>
+              <a:spcBef>
+                <a:spcPts val="500"/>
+              </a:spcBef>
+              <a:buFont typeface="Arial" panose="020B0604020202020204" pitchFamily="34" charset="0"/>
+              <a:buNone/>
+              <a:defRPr sz="1800" kern="1200">
+                <a:solidFill>
+                  <a:schemeClr val="tx1"/>
+                </a:solidFill>
+                <a:latin typeface="+mn-lt"/>
+                <a:ea typeface="+mn-ea"/>
+                <a:cs typeface="+mn-cs"/>
+              </a:defRPr>
+            </a:lvl3pPr>
+            <a:lvl4pPr marL="1371600" indent="0" algn="ctr" defTabSz="914400" rtl="0" eaLnBrk="1" latinLnBrk="0" hangingPunct="1">
+              <a:lnSpc>
+                <a:spcPct val="90000"/>
+              </a:lnSpc>
+              <a:spcBef>
+                <a:spcPts val="500"/>
+              </a:spcBef>
+              <a:buFont typeface="Arial" panose="020B0604020202020204" pitchFamily="34" charset="0"/>
+              <a:buNone/>
+              <a:defRPr sz="1600" kern="1200">
+                <a:solidFill>
+                  <a:schemeClr val="tx1"/>
+                </a:solidFill>
+                <a:latin typeface="+mn-lt"/>
+                <a:ea typeface="+mn-ea"/>
+                <a:cs typeface="+mn-cs"/>
+              </a:defRPr>
+            </a:lvl4pPr>
+            <a:lvl5pPr marL="1828800" indent="0" algn="ctr" defTabSz="914400" rtl="0" eaLnBrk="1" latinLnBrk="0" hangingPunct="1">
+              <a:lnSpc>
+                <a:spcPct val="90000"/>
+              </a:lnSpc>
+              <a:spcBef>
+                <a:spcPts val="500"/>
+              </a:spcBef>
+              <a:buFont typeface="Arial" panose="020B0604020202020204" pitchFamily="34" charset="0"/>
+              <a:buNone/>
+              <a:defRPr sz="1600" kern="1200">
+                <a:solidFill>
+                  <a:schemeClr val="tx1"/>
+                </a:solidFill>
+                <a:latin typeface="+mn-lt"/>
+                <a:ea typeface="+mn-ea"/>
+                <a:cs typeface="+mn-cs"/>
+              </a:defRPr>
+            </a:lvl5pPr>
+            <a:lvl6pPr marL="2286000" indent="0" algn="ctr" defTabSz="914400" rtl="0" eaLnBrk="1" latinLnBrk="0" hangingPunct="1">
+              <a:lnSpc>
+                <a:spcPct val="90000"/>
+              </a:lnSpc>
+              <a:spcBef>
+                <a:spcPts val="500"/>
+              </a:spcBef>
+              <a:buFont typeface="Arial" panose="020B0604020202020204" pitchFamily="34" charset="0"/>
+              <a:buNone/>
+              <a:defRPr sz="1600" kern="1200">
+                <a:solidFill>
+                  <a:schemeClr val="tx1"/>
+                </a:solidFill>
+                <a:latin typeface="+mn-lt"/>
+                <a:ea typeface="+mn-ea"/>
+                <a:cs typeface="+mn-cs"/>
+              </a:defRPr>
+            </a:lvl6pPr>
+            <a:lvl7pPr marL="2743200" indent="0" algn="ctr" defTabSz="914400" rtl="0" eaLnBrk="1" latinLnBrk="0" hangingPunct="1">
+              <a:lnSpc>
+                <a:spcPct val="90000"/>
+              </a:lnSpc>
+              <a:spcBef>
+                <a:spcPts val="500"/>
+              </a:spcBef>
+              <a:buFont typeface="Arial" panose="020B0604020202020204" pitchFamily="34" charset="0"/>
+              <a:buNone/>
+              <a:defRPr sz="1600" kern="1200">
+                <a:solidFill>
+                  <a:schemeClr val="tx1"/>
+                </a:solidFill>
+                <a:latin typeface="+mn-lt"/>
+                <a:ea typeface="+mn-ea"/>
+                <a:cs typeface="+mn-cs"/>
+              </a:defRPr>
+            </a:lvl7pPr>
+            <a:lvl8pPr marL="3200400" indent="0" algn="ctr" defTabSz="914400" rtl="0" eaLnBrk="1" latinLnBrk="0" hangingPunct="1">
+              <a:lnSpc>
+                <a:spcPct val="90000"/>
+              </a:lnSpc>
+              <a:spcBef>
+                <a:spcPts val="500"/>
+              </a:spcBef>
+              <a:buFont typeface="Arial" panose="020B0604020202020204" pitchFamily="34" charset="0"/>
+              <a:buNone/>
+              <a:defRPr sz="1600" kern="1200">
+                <a:solidFill>
+                  <a:schemeClr val="tx1"/>
+                </a:solidFill>
+                <a:latin typeface="+mn-lt"/>
+                <a:ea typeface="+mn-ea"/>
+                <a:cs typeface="+mn-cs"/>
+              </a:defRPr>
+            </a:lvl8pPr>
+            <a:lvl9pPr marL="3657600" indent="0" algn="ctr" defTabSz="914400" rtl="0" eaLnBrk="1" latinLnBrk="0" hangingPunct="1">
+              <a:lnSpc>
+                <a:spcPct val="90000"/>
+              </a:lnSpc>
+              <a:spcBef>
+                <a:spcPts val="500"/>
+              </a:spcBef>
+              <a:buFont typeface="Arial" panose="020B0604020202020204" pitchFamily="34" charset="0"/>
+              <a:buNone/>
+              <a:defRPr sz="1600" kern="1200">
+                <a:solidFill>
+                  <a:schemeClr val="tx1"/>
+                </a:solidFill>
+                <a:latin typeface="+mn-lt"/>
+                <a:ea typeface="+mn-ea"/>
+                <a:cs typeface="+mn-cs"/>
+              </a:defRPr>
+            </a:lvl9pPr>
+          </a:lstStyle>
+          <a:p>
+            <a:pPr algn="l"/>
+            <a:r>
+              <a:rPr lang="en-US" sz="3200" dirty="0">
+                <a:latin typeface="Century Gothic" panose="020B0502020202090204" pitchFamily="34" charset="0"/>
+              </a:rPr>
+              <a:t>Which lessons can we </a:t>
+            </a:r>
+          </a:p>
+          <a:p>
+            <a:pPr algn="l"/>
+            <a:r>
+              <a:rPr lang="en-US" sz="3200" dirty="0">
+                <a:latin typeface="Century Gothic" panose="020B0502020202090204" pitchFamily="34" charset="0"/>
+              </a:rPr>
+              <a:t>Bring back from this study?</a:t>
+            </a:r>
+          </a:p>
+        </p:txBody>
+      </p:sp>
+    </p:spTree>
+    <p:extLst>
+      <p:ext uri="{BB962C8B-B14F-4D97-AF65-F5344CB8AC3E}">
+        <p14:creationId xmlns:p14="http://schemas.microsoft.com/office/powerpoint/2010/main" val="1860417989"/>
       </p:ext>
     </p:extLst>
   </p:cSld>

--- a/Readmission of the Diabetics patients.pptx
+++ b/Readmission of the Diabetics patients.pptx
@@ -8,11 +8,16 @@
     <p:sldId id="256" r:id="rId2"/>
     <p:sldId id="260" r:id="rId3"/>
     <p:sldId id="261" r:id="rId4"/>
-    <p:sldId id="262" r:id="rId5"/>
-    <p:sldId id="263" r:id="rId6"/>
-    <p:sldId id="264" r:id="rId7"/>
-    <p:sldId id="265" r:id="rId8"/>
-    <p:sldId id="266" r:id="rId9"/>
+    <p:sldId id="267" r:id="rId5"/>
+    <p:sldId id="268" r:id="rId6"/>
+    <p:sldId id="269" r:id="rId7"/>
+    <p:sldId id="262" r:id="rId8"/>
+    <p:sldId id="270" r:id="rId9"/>
+    <p:sldId id="271" r:id="rId10"/>
+    <p:sldId id="263" r:id="rId11"/>
+    <p:sldId id="264" r:id="rId12"/>
+    <p:sldId id="265" r:id="rId13"/>
+    <p:sldId id="266" r:id="rId14"/>
   </p:sldIdLst>
   <p:sldSz cx="12192000" cy="6858000"/>
   <p:notesSz cx="6858000" cy="9144000"/>
@@ -4074,7 +4079,7 @@
 </p:sld>
 </file>
 
-<file path=ppt/slides/slide2.xml><?xml version="1.0" encoding="utf-8"?>
+<file path=ppt/slides/slide10.xml><?xml version="1.0" encoding="utf-8"?>
 <p:sld xmlns:a="http://schemas.openxmlformats.org/drawingml/2006/main" xmlns:r="http://schemas.openxmlformats.org/officeDocument/2006/relationships" xmlns:p="http://schemas.openxmlformats.org/presentationml/2006/main">
   <p:cSld>
     <p:bg>
@@ -4514,8 +4519,8 @@
         </p:nvSpPr>
         <p:spPr>
           <a:xfrm>
-            <a:off x="306769" y="2291615"/>
-            <a:ext cx="3618690" cy="670741"/>
+            <a:off x="191359" y="1972018"/>
+            <a:ext cx="3626039" cy="1010878"/>
           </a:xfrm>
         </p:spPr>
         <p:txBody>
@@ -4526,20 +4531,14 @@
           <a:p>
             <a:pPr algn="l"/>
             <a:r>
-              <a:rPr lang="en-US" sz="3600" b="1" dirty="0">
+              <a:rPr lang="en-US" sz="3600" b="1" kern="1200" dirty="0">
                 <a:solidFill>
                   <a:srgbClr val="FFFFFF"/>
                 </a:solidFill>
                 <a:latin typeface="Century Gothic" panose="020B0502020202090204" pitchFamily="34" charset="0"/>
               </a:rPr>
-              <a:t>Problematic:</a:t>
+              <a:t>Modeling:</a:t>
             </a:r>
-            <a:endParaRPr lang="en-US" sz="3600" b="1" kern="1200" dirty="0">
-              <a:solidFill>
-                <a:srgbClr val="FFFFFF"/>
-              </a:solidFill>
-              <a:latin typeface="Century Gothic" panose="020B0502020202090204" pitchFamily="34" charset="0"/>
-            </a:endParaRPr>
           </a:p>
         </p:txBody>
       </p:sp>
@@ -4736,134 +4735,16 @@
           </a:lstStyle>
           <a:p>
             <a:pPr algn="l"/>
-            <a:r>
-              <a:rPr lang="en-US" sz="3200" dirty="0">
-                <a:latin typeface="Century Gothic" panose="020B0502020202090204" pitchFamily="34" charset="0"/>
-              </a:rPr>
-              <a:t>How to predict the readmission of diabetic patients</a:t>
-            </a:r>
-          </a:p>
-        </p:txBody>
-      </p:sp>
-      <p:sp>
-        <p:nvSpPr>
-          <p:cNvPr id="5" name="TextBox 4">
-            <a:extLst>
-              <a:ext uri="{FF2B5EF4-FFF2-40B4-BE49-F238E27FC236}">
-                <a16:creationId xmlns:a16="http://schemas.microsoft.com/office/drawing/2014/main" id="{DFA182A9-3FC6-499E-A3DB-FD7A612BAAAD}"/>
-              </a:ext>
-            </a:extLst>
-          </p:cNvPr>
-          <p:cNvSpPr txBox="1"/>
-          <p:nvPr/>
-        </p:nvSpPr>
-        <p:spPr>
-          <a:xfrm>
-            <a:off x="5770486" y="4550273"/>
-            <a:ext cx="2648254" cy="369332"/>
-          </a:xfrm>
-          <a:prstGeom prst="rect">
-            <a:avLst/>
-          </a:prstGeom>
-          <a:noFill/>
-        </p:spPr>
-        <p:txBody>
-          <a:bodyPr wrap="square" rtlCol="0">
-            <a:spAutoFit/>
-          </a:bodyPr>
-          <a:lstStyle/>
-          <a:p>
-            <a:r>
-              <a:rPr lang="en-US" dirty="0">
-                <a:latin typeface="Century Gothic" panose="020B0502020202090204" pitchFamily="34" charset="0"/>
-              </a:rPr>
-              <a:t>Libraries used:</a:t>
-            </a:r>
-          </a:p>
-        </p:txBody>
-      </p:sp>
-      <p:sp>
-        <p:nvSpPr>
-          <p:cNvPr id="6" name="TextBox 5">
-            <a:extLst>
-              <a:ext uri="{FF2B5EF4-FFF2-40B4-BE49-F238E27FC236}">
-                <a16:creationId xmlns:a16="http://schemas.microsoft.com/office/drawing/2014/main" id="{1FF5150C-E5C8-485A-B604-F2F4D74EEFE5}"/>
-              </a:ext>
-            </a:extLst>
-          </p:cNvPr>
-          <p:cNvSpPr txBox="1"/>
-          <p:nvPr/>
-        </p:nvSpPr>
-        <p:spPr>
-          <a:xfrm>
-            <a:off x="8300620" y="4583230"/>
-            <a:ext cx="2459115" cy="1477328"/>
-          </a:xfrm>
-          <a:prstGeom prst="rect">
-            <a:avLst/>
-          </a:prstGeom>
-          <a:noFill/>
-        </p:spPr>
-        <p:txBody>
-          <a:bodyPr wrap="square" rtlCol="0">
-            <a:spAutoFit/>
-          </a:bodyPr>
-          <a:lstStyle/>
-          <a:p>
-            <a:r>
-              <a:rPr lang="en-US" dirty="0">
-                <a:latin typeface="Century Gothic" panose="020B0502020202090204" pitchFamily="34" charset="0"/>
-              </a:rPr>
-              <a:t>-</a:t>
-            </a:r>
-            <a:r>
-              <a:rPr lang="en-US" dirty="0" err="1">
-                <a:latin typeface="Century Gothic" panose="020B0502020202090204" pitchFamily="34" charset="0"/>
-              </a:rPr>
-              <a:t>Numpy</a:t>
-            </a:r>
-            <a:endParaRPr lang="en-US" dirty="0">
+            <a:endParaRPr lang="en-US" sz="3200" dirty="0">
               <a:latin typeface="Century Gothic" panose="020B0502020202090204" pitchFamily="34" charset="0"/>
             </a:endParaRPr>
-          </a:p>
-          <a:p>
-            <a:r>
-              <a:rPr lang="en-US" dirty="0">
-                <a:latin typeface="Century Gothic" panose="020B0502020202090204" pitchFamily="34" charset="0"/>
-              </a:rPr>
-              <a:t>-Pandas</a:t>
-            </a:r>
-          </a:p>
-          <a:p>
-            <a:r>
-              <a:rPr lang="en-US" dirty="0">
-                <a:latin typeface="Century Gothic" panose="020B0502020202090204" pitchFamily="34" charset="0"/>
-              </a:rPr>
-              <a:t>-Matplotlib</a:t>
-            </a:r>
-          </a:p>
-          <a:p>
-            <a:r>
-              <a:rPr lang="en-US" dirty="0">
-                <a:latin typeface="Century Gothic" panose="020B0502020202090204" pitchFamily="34" charset="0"/>
-              </a:rPr>
-              <a:t>-Seaborn</a:t>
-            </a:r>
-          </a:p>
-          <a:p>
-            <a:r>
-              <a:rPr lang="en-US" dirty="0">
-                <a:latin typeface="Century Gothic" panose="020B0502020202090204" pitchFamily="34" charset="0"/>
-              </a:rPr>
-              <a:t>-Scikit-learn</a:t>
-            </a:r>
           </a:p>
         </p:txBody>
       </p:sp>
     </p:spTree>
     <p:extLst>
       <p:ext uri="{BB962C8B-B14F-4D97-AF65-F5344CB8AC3E}">
-        <p14:creationId xmlns:p14="http://schemas.microsoft.com/office/powerpoint/2010/main" val="51902928"/>
+        <p14:creationId xmlns:p14="http://schemas.microsoft.com/office/powerpoint/2010/main" val="3472526266"/>
       </p:ext>
     </p:extLst>
   </p:cSld>
@@ -4873,7 +4754,7 @@
 </p:sld>
 </file>
 
-<file path=ppt/slides/slide3.xml><?xml version="1.0" encoding="utf-8"?>
+<file path=ppt/slides/slide11.xml><?xml version="1.0" encoding="utf-8"?>
 <p:sld xmlns:a="http://schemas.openxmlformats.org/drawingml/2006/main" xmlns:r="http://schemas.openxmlformats.org/officeDocument/2006/relationships" xmlns:p="http://schemas.openxmlformats.org/presentationml/2006/main">
   <p:cSld>
     <p:bg>
@@ -5313,8 +5194,8 @@
         </p:nvSpPr>
         <p:spPr>
           <a:xfrm>
-            <a:off x="306769" y="2060796"/>
-            <a:ext cx="3555017" cy="1137385"/>
+            <a:off x="191359" y="1972018"/>
+            <a:ext cx="3626039" cy="1010878"/>
           </a:xfrm>
         </p:spPr>
         <p:txBody>
@@ -5325,20 +5206,14 @@
           <a:p>
             <a:pPr algn="l"/>
             <a:r>
-              <a:rPr lang="en-US" sz="3600" b="1" dirty="0">
+              <a:rPr lang="en-US" sz="3600" b="1" kern="1200" dirty="0">
                 <a:solidFill>
                   <a:srgbClr val="FFFFFF"/>
                 </a:solidFill>
                 <a:latin typeface="Century Gothic" panose="020B0502020202090204" pitchFamily="34" charset="0"/>
               </a:rPr>
-              <a:t>Data preprocessing:</a:t>
+              <a:t>Django API:</a:t>
             </a:r>
-            <a:endParaRPr lang="en-US" sz="3600" b="1" kern="1200" dirty="0">
-              <a:solidFill>
-                <a:srgbClr val="FFFFFF"/>
-              </a:solidFill>
-              <a:latin typeface="Century Gothic" panose="020B0502020202090204" pitchFamily="34" charset="0"/>
-            </a:endParaRPr>
           </a:p>
         </p:txBody>
       </p:sp>
@@ -5544,7 +5419,7 @@
     </p:spTree>
     <p:extLst>
       <p:ext uri="{BB962C8B-B14F-4D97-AF65-F5344CB8AC3E}">
-        <p14:creationId xmlns:p14="http://schemas.microsoft.com/office/powerpoint/2010/main" val="829951670"/>
+        <p14:creationId xmlns:p14="http://schemas.microsoft.com/office/powerpoint/2010/main" val="4207212014"/>
       </p:ext>
     </p:extLst>
   </p:cSld>
@@ -5554,7 +5429,7 @@
 </p:sld>
 </file>
 
-<file path=ppt/slides/slide4.xml><?xml version="1.0" encoding="utf-8"?>
+<file path=ppt/slides/slide12.xml><?xml version="1.0" encoding="utf-8"?>
 <p:sld xmlns:a="http://schemas.openxmlformats.org/drawingml/2006/main" xmlns:r="http://schemas.openxmlformats.org/officeDocument/2006/relationships" xmlns:p="http://schemas.openxmlformats.org/presentationml/2006/main">
   <p:cSld>
     <p:bg>
@@ -5994,13 +5869,13 @@
         </p:nvSpPr>
         <p:spPr>
           <a:xfrm>
-            <a:off x="306769" y="1980896"/>
+            <a:off x="191359" y="1972018"/>
             <a:ext cx="3626039" cy="1010878"/>
           </a:xfrm>
         </p:spPr>
         <p:txBody>
           <a:bodyPr vert="horz" lIns="91440" tIns="45720" rIns="91440" bIns="45720" rtlCol="0" anchor="t">
-            <a:normAutofit fontScale="90000"/>
+            <a:normAutofit/>
           </a:bodyPr>
           <a:lstStyle/>
           <a:p>
@@ -6012,14 +5887,17 @@
                 </a:solidFill>
                 <a:latin typeface="Century Gothic" panose="020B0502020202090204" pitchFamily="34" charset="0"/>
               </a:rPr>
-              <a:t>Data visualization:</a:t>
+              <a:t>The project</a:t>
             </a:r>
-            <a:endParaRPr lang="en-US" sz="3600" b="1" kern="1200" dirty="0">
-              <a:solidFill>
-                <a:srgbClr val="FFFFFF"/>
-              </a:solidFill>
-              <a:latin typeface="Century Gothic" panose="020B0502020202090204" pitchFamily="34" charset="0"/>
-            </a:endParaRPr>
+            <a:r>
+              <a:rPr lang="en-US" sz="3600" b="1" kern="1200" dirty="0">
+                <a:solidFill>
+                  <a:srgbClr val="FFFFFF"/>
+                </a:solidFill>
+                <a:latin typeface="Century Gothic" panose="020B0502020202090204" pitchFamily="34" charset="0"/>
+              </a:rPr>
+              <a:t>:</a:t>
+            </a:r>
           </a:p>
         </p:txBody>
       </p:sp>
@@ -6039,7 +5917,7 @@
         </p:nvSpPr>
         <p:spPr>
           <a:xfrm>
-            <a:off x="5315546" y="1816257"/>
+            <a:off x="5430956" y="1021302"/>
             <a:ext cx="6569685" cy="950716"/>
           </a:xfrm>
           <a:prstGeom prst="rect">
@@ -6216,16 +6094,204 @@
           </a:lstStyle>
           <a:p>
             <a:pPr algn="l"/>
-            <a:endParaRPr lang="en-US" sz="3200" dirty="0">
-              <a:latin typeface="Century Gothic" panose="020B0502020202090204" pitchFamily="34" charset="0"/>
-            </a:endParaRPr>
+            <a:r>
+              <a:rPr lang="en-US" sz="3200" dirty="0">
+                <a:latin typeface="Century Gothic" panose="020B0502020202090204" pitchFamily="34" charset="0"/>
+              </a:rPr>
+              <a:t>How does it fit in the context</a:t>
+            </a:r>
+          </a:p>
+          <a:p>
+            <a:pPr algn="l"/>
+            <a:r>
+              <a:rPr lang="en-US" sz="3200" dirty="0">
+                <a:latin typeface="Century Gothic" panose="020B0502020202090204" pitchFamily="34" charset="0"/>
+              </a:rPr>
+              <a:t>Of our study?</a:t>
+            </a:r>
+          </a:p>
+        </p:txBody>
+      </p:sp>
+      <p:sp>
+        <p:nvSpPr>
+          <p:cNvPr id="5" name="TextBox 4">
+            <a:extLst>
+              <a:ext uri="{FF2B5EF4-FFF2-40B4-BE49-F238E27FC236}">
+                <a16:creationId xmlns:a16="http://schemas.microsoft.com/office/drawing/2014/main" id="{DFA182A9-3FC6-499E-A3DB-FD7A612BAAAD}"/>
+              </a:ext>
+            </a:extLst>
+          </p:cNvPr>
+          <p:cNvSpPr txBox="1"/>
+          <p:nvPr/>
+        </p:nvSpPr>
+        <p:spPr>
+          <a:xfrm>
+            <a:off x="7959020" y="3702622"/>
+            <a:ext cx="3907278" cy="646331"/>
+          </a:xfrm>
+          <a:prstGeom prst="rect">
+            <a:avLst/>
+          </a:prstGeom>
+          <a:noFill/>
+        </p:spPr>
+        <p:txBody>
+          <a:bodyPr wrap="square" rtlCol="0">
+            <a:spAutoFit/>
+          </a:bodyPr>
+          <a:lstStyle/>
+          <a:p>
+            <a:r>
+              <a:rPr lang="en-US" dirty="0">
+                <a:latin typeface="Century Gothic" panose="020B0502020202090204" pitchFamily="34" charset="0"/>
+              </a:rPr>
+              <a:t>Use of models seen in machine learning class with a problematic </a:t>
+            </a:r>
+          </a:p>
+        </p:txBody>
+      </p:sp>
+      <p:sp>
+        <p:nvSpPr>
+          <p:cNvPr id="3" name="TextBox 2">
+            <a:extLst>
+              <a:ext uri="{FF2B5EF4-FFF2-40B4-BE49-F238E27FC236}">
+                <a16:creationId xmlns:a16="http://schemas.microsoft.com/office/drawing/2014/main" id="{C4D085F4-E879-46B2-B603-DC6BA33B1844}"/>
+              </a:ext>
+            </a:extLst>
+          </p:cNvPr>
+          <p:cNvSpPr txBox="1"/>
+          <p:nvPr/>
+        </p:nvSpPr>
+        <p:spPr>
+          <a:xfrm>
+            <a:off x="4612690" y="2832212"/>
+            <a:ext cx="5299969" cy="646331"/>
+          </a:xfrm>
+          <a:prstGeom prst="rect">
+            <a:avLst/>
+          </a:prstGeom>
+          <a:noFill/>
+        </p:spPr>
+        <p:txBody>
+          <a:bodyPr wrap="square" rtlCol="0">
+            <a:spAutoFit/>
+          </a:bodyPr>
+          <a:lstStyle/>
+          <a:p>
+            <a:r>
+              <a:rPr lang="en-US" dirty="0">
+                <a:latin typeface="Century Gothic" panose="020B0502020202090204" pitchFamily="34" charset="0"/>
+              </a:rPr>
+              <a:t>Resume of all libraries use </a:t>
+            </a:r>
+          </a:p>
+          <a:p>
+            <a:r>
+              <a:rPr lang="en-US" dirty="0">
+                <a:latin typeface="Century Gothic" panose="020B0502020202090204" pitchFamily="34" charset="0"/>
+              </a:rPr>
+              <a:t>In python during the semester </a:t>
+            </a:r>
+            <a:r>
+              <a:rPr lang="fr-FR" dirty="0"/>
+              <a:t> </a:t>
+            </a:r>
+          </a:p>
+        </p:txBody>
+      </p:sp>
+      <p:sp>
+        <p:nvSpPr>
+          <p:cNvPr id="7" name="TextBox 6">
+            <a:extLst>
+              <a:ext uri="{FF2B5EF4-FFF2-40B4-BE49-F238E27FC236}">
+                <a16:creationId xmlns:a16="http://schemas.microsoft.com/office/drawing/2014/main" id="{1F039747-FC36-4984-B851-48EF4EB007A4}"/>
+              </a:ext>
+            </a:extLst>
+          </p:cNvPr>
+          <p:cNvSpPr txBox="1"/>
+          <p:nvPr/>
+        </p:nvSpPr>
+        <p:spPr>
+          <a:xfrm>
+            <a:off x="4021585" y="4654785"/>
+            <a:ext cx="5299969" cy="646331"/>
+          </a:xfrm>
+          <a:prstGeom prst="rect">
+            <a:avLst/>
+          </a:prstGeom>
+          <a:noFill/>
+        </p:spPr>
+        <p:txBody>
+          <a:bodyPr wrap="square" rtlCol="0">
+            <a:spAutoFit/>
+          </a:bodyPr>
+          <a:lstStyle/>
+          <a:p>
+            <a:r>
+              <a:rPr lang="en-US" dirty="0">
+                <a:latin typeface="Century Gothic" panose="020B0502020202090204" pitchFamily="34" charset="0"/>
+              </a:rPr>
+              <a:t>Observation of concept discovered</a:t>
+            </a:r>
+          </a:p>
+          <a:p>
+            <a:r>
+              <a:rPr lang="en-US" dirty="0">
+                <a:latin typeface="Century Gothic" panose="020B0502020202090204" pitchFamily="34" charset="0"/>
+              </a:rPr>
+              <a:t>During soft skills sessions</a:t>
+            </a:r>
+          </a:p>
+        </p:txBody>
+      </p:sp>
+      <p:sp>
+        <p:nvSpPr>
+          <p:cNvPr id="10" name="TextBox 9">
+            <a:extLst>
+              <a:ext uri="{FF2B5EF4-FFF2-40B4-BE49-F238E27FC236}">
+                <a16:creationId xmlns:a16="http://schemas.microsoft.com/office/drawing/2014/main" id="{AE169347-5B4C-4D64-BA0A-242963DE92DF}"/>
+              </a:ext>
+            </a:extLst>
+          </p:cNvPr>
+          <p:cNvSpPr txBox="1"/>
+          <p:nvPr/>
+        </p:nvSpPr>
+        <p:spPr>
+          <a:xfrm>
+            <a:off x="8079420" y="5433227"/>
+            <a:ext cx="3666478" cy="646331"/>
+          </a:xfrm>
+          <a:prstGeom prst="rect">
+            <a:avLst/>
+          </a:prstGeom>
+          <a:noFill/>
+        </p:spPr>
+        <p:txBody>
+          <a:bodyPr wrap="square" rtlCol="0">
+            <a:spAutoFit/>
+          </a:bodyPr>
+          <a:lstStyle/>
+          <a:p>
+            <a:r>
+              <a:rPr lang="en-US" dirty="0">
+                <a:latin typeface="Century Gothic" panose="020B0502020202090204" pitchFamily="34" charset="0"/>
+              </a:rPr>
+              <a:t>A subject that could fit with </a:t>
+            </a:r>
+          </a:p>
+          <a:p>
+            <a:r>
+              <a:rPr lang="en-US" dirty="0">
+                <a:latin typeface="Century Gothic" panose="020B0502020202090204" pitchFamily="34" charset="0"/>
+              </a:rPr>
+              <a:t>Problems of the medical sector</a:t>
+            </a:r>
           </a:p>
         </p:txBody>
       </p:sp>
     </p:spTree>
     <p:extLst>
       <p:ext uri="{BB962C8B-B14F-4D97-AF65-F5344CB8AC3E}">
-        <p14:creationId xmlns:p14="http://schemas.microsoft.com/office/powerpoint/2010/main" val="3645481631"/>
+        <p14:creationId xmlns:p14="http://schemas.microsoft.com/office/powerpoint/2010/main" val="1307230348"/>
       </p:ext>
     </p:extLst>
   </p:cSld>
@@ -6235,7 +6301,7 @@
 </p:sld>
 </file>
 
-<file path=ppt/slides/slide5.xml><?xml version="1.0" encoding="utf-8"?>
+<file path=ppt/slides/slide13.xml><?xml version="1.0" encoding="utf-8"?>
 <p:sld xmlns:a="http://schemas.openxmlformats.org/drawingml/2006/main" xmlns:r="http://schemas.openxmlformats.org/officeDocument/2006/relationships" xmlns:p="http://schemas.openxmlformats.org/presentationml/2006/main">
   <p:cSld>
     <p:bg>
@@ -6693,7 +6759,7 @@
                 </a:solidFill>
                 <a:latin typeface="Century Gothic" panose="020B0502020202090204" pitchFamily="34" charset="0"/>
               </a:rPr>
-              <a:t>Modeling:</a:t>
+              <a:t>Conclusions:</a:t>
             </a:r>
           </a:p>
         </p:txBody>
@@ -6714,7 +6780,7 @@
         </p:nvSpPr>
         <p:spPr>
           <a:xfrm>
-            <a:off x="5315546" y="1816257"/>
+            <a:off x="5430956" y="1021302"/>
             <a:ext cx="6569685" cy="950716"/>
           </a:xfrm>
           <a:prstGeom prst="rect">
@@ -6891,16 +6957,28 @@
           </a:lstStyle>
           <a:p>
             <a:pPr algn="l"/>
-            <a:endParaRPr lang="en-US" sz="3200" dirty="0">
-              <a:latin typeface="Century Gothic" panose="020B0502020202090204" pitchFamily="34" charset="0"/>
-            </a:endParaRPr>
+            <a:r>
+              <a:rPr lang="en-US" sz="3200" dirty="0">
+                <a:latin typeface="Century Gothic" panose="020B0502020202090204" pitchFamily="34" charset="0"/>
+              </a:rPr>
+              <a:t>Which lessons can we </a:t>
+            </a:r>
+          </a:p>
+          <a:p>
+            <a:pPr algn="l"/>
+            <a:r>
+              <a:rPr lang="en-US" sz="3200" dirty="0">
+                <a:latin typeface="Century Gothic" panose="020B0502020202090204" pitchFamily="34" charset="0"/>
+              </a:rPr>
+              <a:t>Bring back from this study?</a:t>
+            </a:r>
           </a:p>
         </p:txBody>
       </p:sp>
     </p:spTree>
     <p:extLst>
       <p:ext uri="{BB962C8B-B14F-4D97-AF65-F5344CB8AC3E}">
-        <p14:creationId xmlns:p14="http://schemas.microsoft.com/office/powerpoint/2010/main" val="3472526266"/>
+        <p14:creationId xmlns:p14="http://schemas.microsoft.com/office/powerpoint/2010/main" val="1860417989"/>
       </p:ext>
     </p:extLst>
   </p:cSld>
@@ -6910,7 +6988,7 @@
 </p:sld>
 </file>
 
-<file path=ppt/slides/slide6.xml><?xml version="1.0" encoding="utf-8"?>
+<file path=ppt/slides/slide2.xml><?xml version="1.0" encoding="utf-8"?>
 <p:sld xmlns:a="http://schemas.openxmlformats.org/drawingml/2006/main" xmlns:r="http://schemas.openxmlformats.org/officeDocument/2006/relationships" xmlns:p="http://schemas.openxmlformats.org/presentationml/2006/main">
   <p:cSld>
     <p:bg>
@@ -7350,8 +7428,8 @@
         </p:nvSpPr>
         <p:spPr>
           <a:xfrm>
-            <a:off x="191359" y="1972018"/>
-            <a:ext cx="3626039" cy="1010878"/>
+            <a:off x="306769" y="2291615"/>
+            <a:ext cx="3618690" cy="670741"/>
           </a:xfrm>
         </p:spPr>
         <p:txBody>
@@ -7362,14 +7440,20 @@
           <a:p>
             <a:pPr algn="l"/>
             <a:r>
-              <a:rPr lang="en-US" sz="3600" b="1" kern="1200" dirty="0">
+              <a:rPr lang="en-US" sz="3600" b="1" dirty="0">
                 <a:solidFill>
                   <a:srgbClr val="FFFFFF"/>
                 </a:solidFill>
                 <a:latin typeface="Century Gothic" panose="020B0502020202090204" pitchFamily="34" charset="0"/>
               </a:rPr>
-              <a:t>Django API:</a:t>
+              <a:t>Problematic:</a:t>
             </a:r>
+            <a:endParaRPr lang="en-US" sz="3600" b="1" kern="1200" dirty="0">
+              <a:solidFill>
+                <a:srgbClr val="FFFFFF"/>
+              </a:solidFill>
+              <a:latin typeface="Century Gothic" panose="020B0502020202090204" pitchFamily="34" charset="0"/>
+            </a:endParaRPr>
           </a:p>
         </p:txBody>
       </p:sp>
@@ -7566,16 +7650,134 @@
           </a:lstStyle>
           <a:p>
             <a:pPr algn="l"/>
-            <a:endParaRPr lang="en-US" sz="3200" dirty="0">
+            <a:r>
+              <a:rPr lang="en-US" sz="3200" dirty="0">
+                <a:latin typeface="Century Gothic" panose="020B0502020202090204" pitchFamily="34" charset="0"/>
+              </a:rPr>
+              <a:t>How to predict the readmission of diabetic patients</a:t>
+            </a:r>
+          </a:p>
+        </p:txBody>
+      </p:sp>
+      <p:sp>
+        <p:nvSpPr>
+          <p:cNvPr id="5" name="TextBox 4">
+            <a:extLst>
+              <a:ext uri="{FF2B5EF4-FFF2-40B4-BE49-F238E27FC236}">
+                <a16:creationId xmlns:a16="http://schemas.microsoft.com/office/drawing/2014/main" id="{DFA182A9-3FC6-499E-A3DB-FD7A612BAAAD}"/>
+              </a:ext>
+            </a:extLst>
+          </p:cNvPr>
+          <p:cNvSpPr txBox="1"/>
+          <p:nvPr/>
+        </p:nvSpPr>
+        <p:spPr>
+          <a:xfrm>
+            <a:off x="5770486" y="4550273"/>
+            <a:ext cx="2648254" cy="369332"/>
+          </a:xfrm>
+          <a:prstGeom prst="rect">
+            <a:avLst/>
+          </a:prstGeom>
+          <a:noFill/>
+        </p:spPr>
+        <p:txBody>
+          <a:bodyPr wrap="square" rtlCol="0">
+            <a:spAutoFit/>
+          </a:bodyPr>
+          <a:lstStyle/>
+          <a:p>
+            <a:r>
+              <a:rPr lang="en-US" dirty="0">
+                <a:latin typeface="Century Gothic" panose="020B0502020202090204" pitchFamily="34" charset="0"/>
+              </a:rPr>
+              <a:t>Libraries used:</a:t>
+            </a:r>
+          </a:p>
+        </p:txBody>
+      </p:sp>
+      <p:sp>
+        <p:nvSpPr>
+          <p:cNvPr id="6" name="TextBox 5">
+            <a:extLst>
+              <a:ext uri="{FF2B5EF4-FFF2-40B4-BE49-F238E27FC236}">
+                <a16:creationId xmlns:a16="http://schemas.microsoft.com/office/drawing/2014/main" id="{1FF5150C-E5C8-485A-B604-F2F4D74EEFE5}"/>
+              </a:ext>
+            </a:extLst>
+          </p:cNvPr>
+          <p:cNvSpPr txBox="1"/>
+          <p:nvPr/>
+        </p:nvSpPr>
+        <p:spPr>
+          <a:xfrm>
+            <a:off x="8300620" y="4583230"/>
+            <a:ext cx="2459115" cy="1477328"/>
+          </a:xfrm>
+          <a:prstGeom prst="rect">
+            <a:avLst/>
+          </a:prstGeom>
+          <a:noFill/>
+        </p:spPr>
+        <p:txBody>
+          <a:bodyPr wrap="square" rtlCol="0">
+            <a:spAutoFit/>
+          </a:bodyPr>
+          <a:lstStyle/>
+          <a:p>
+            <a:r>
+              <a:rPr lang="en-US" dirty="0">
+                <a:latin typeface="Century Gothic" panose="020B0502020202090204" pitchFamily="34" charset="0"/>
+              </a:rPr>
+              <a:t>-</a:t>
+            </a:r>
+            <a:r>
+              <a:rPr lang="en-US" dirty="0" err="1">
+                <a:latin typeface="Century Gothic" panose="020B0502020202090204" pitchFamily="34" charset="0"/>
+              </a:rPr>
+              <a:t>Numpy</a:t>
+            </a:r>
+            <a:endParaRPr lang="en-US" dirty="0">
               <a:latin typeface="Century Gothic" panose="020B0502020202090204" pitchFamily="34" charset="0"/>
             </a:endParaRPr>
+          </a:p>
+          <a:p>
+            <a:r>
+              <a:rPr lang="en-US" dirty="0">
+                <a:latin typeface="Century Gothic" panose="020B0502020202090204" pitchFamily="34" charset="0"/>
+              </a:rPr>
+              <a:t>-Pandas</a:t>
+            </a:r>
+          </a:p>
+          <a:p>
+            <a:r>
+              <a:rPr lang="en-US" dirty="0">
+                <a:latin typeface="Century Gothic" panose="020B0502020202090204" pitchFamily="34" charset="0"/>
+              </a:rPr>
+              <a:t>-Matplotlib</a:t>
+            </a:r>
+          </a:p>
+          <a:p>
+            <a:r>
+              <a:rPr lang="en-US" dirty="0">
+                <a:latin typeface="Century Gothic" panose="020B0502020202090204" pitchFamily="34" charset="0"/>
+              </a:rPr>
+              <a:t>-Seaborn</a:t>
+            </a:r>
+          </a:p>
+          <a:p>
+            <a:r>
+              <a:rPr lang="en-US" dirty="0">
+                <a:latin typeface="Century Gothic" panose="020B0502020202090204" pitchFamily="34" charset="0"/>
+              </a:rPr>
+              <a:t>-Scikit-learn</a:t>
+            </a:r>
           </a:p>
         </p:txBody>
       </p:sp>
     </p:spTree>
     <p:extLst>
       <p:ext uri="{BB962C8B-B14F-4D97-AF65-F5344CB8AC3E}">
-        <p14:creationId xmlns:p14="http://schemas.microsoft.com/office/powerpoint/2010/main" val="4207212014"/>
+        <p14:creationId xmlns:p14="http://schemas.microsoft.com/office/powerpoint/2010/main" val="51902928"/>
       </p:ext>
     </p:extLst>
   </p:cSld>
@@ -7585,7 +7787,7 @@
 </p:sld>
 </file>
 
-<file path=ppt/slides/slide7.xml><?xml version="1.0" encoding="utf-8"?>
+<file path=ppt/slides/slide3.xml><?xml version="1.0" encoding="utf-8"?>
 <p:sld xmlns:a="http://schemas.openxmlformats.org/drawingml/2006/main" xmlns:r="http://schemas.openxmlformats.org/officeDocument/2006/relationships" xmlns:p="http://schemas.openxmlformats.org/presentationml/2006/main">
   <p:cSld>
     <p:bg>
@@ -8025,8 +8227,8 @@
         </p:nvSpPr>
         <p:spPr>
           <a:xfrm>
-            <a:off x="191359" y="1972018"/>
-            <a:ext cx="3626039" cy="1010878"/>
+            <a:off x="306769" y="2060796"/>
+            <a:ext cx="3555017" cy="1137385"/>
           </a:xfrm>
         </p:spPr>
         <p:txBody>
@@ -8043,17 +8245,14 @@
                 </a:solidFill>
                 <a:latin typeface="Century Gothic" panose="020B0502020202090204" pitchFamily="34" charset="0"/>
               </a:rPr>
-              <a:t>The project</a:t>
+              <a:t>Data preprocessing:</a:t>
             </a:r>
-            <a:r>
-              <a:rPr lang="en-US" sz="3600" b="1" kern="1200" dirty="0">
-                <a:solidFill>
-                  <a:srgbClr val="FFFFFF"/>
-                </a:solidFill>
-                <a:latin typeface="Century Gothic" panose="020B0502020202090204" pitchFamily="34" charset="0"/>
-              </a:rPr>
-              <a:t>:</a:t>
-            </a:r>
+            <a:endParaRPr lang="en-US" sz="3600" b="1" kern="1200" dirty="0">
+              <a:solidFill>
+                <a:srgbClr val="FFFFFF"/>
+              </a:solidFill>
+              <a:latin typeface="Century Gothic" panose="020B0502020202090204" pitchFamily="34" charset="0"/>
+            </a:endParaRPr>
           </a:p>
         </p:txBody>
       </p:sp>
@@ -8073,7 +8272,7 @@
         </p:nvSpPr>
         <p:spPr>
           <a:xfrm>
-            <a:off x="5430956" y="1021302"/>
+            <a:off x="5315546" y="1816257"/>
             <a:ext cx="6569685" cy="950716"/>
           </a:xfrm>
           <a:prstGeom prst="rect">
@@ -8250,30 +8449,18 @@
           </a:lstStyle>
           <a:p>
             <a:pPr algn="l"/>
-            <a:r>
-              <a:rPr lang="en-US" sz="3200" dirty="0">
-                <a:latin typeface="Century Gothic" panose="020B0502020202090204" pitchFamily="34" charset="0"/>
-              </a:rPr>
-              <a:t>How does it fit in the context</a:t>
-            </a:r>
-          </a:p>
-          <a:p>
-            <a:pPr algn="l"/>
-            <a:r>
-              <a:rPr lang="en-US" sz="3200" dirty="0">
-                <a:latin typeface="Century Gothic" panose="020B0502020202090204" pitchFamily="34" charset="0"/>
-              </a:rPr>
-              <a:t>Of our study?</a:t>
-            </a:r>
-          </a:p>
-        </p:txBody>
-      </p:sp>
-      <p:sp>
-        <p:nvSpPr>
-          <p:cNvPr id="5" name="TextBox 4">
-            <a:extLst>
-              <a:ext uri="{FF2B5EF4-FFF2-40B4-BE49-F238E27FC236}">
-                <a16:creationId xmlns:a16="http://schemas.microsoft.com/office/drawing/2014/main" id="{DFA182A9-3FC6-499E-A3DB-FD7A612BAAAD}"/>
+            <a:endParaRPr lang="en-US" sz="3200" dirty="0">
+              <a:latin typeface="Century Gothic" panose="020B0502020202090204" pitchFamily="34" charset="0"/>
+            </a:endParaRPr>
+          </a:p>
+        </p:txBody>
+      </p:sp>
+      <p:sp>
+        <p:nvSpPr>
+          <p:cNvPr id="3" name="TextBox 2">
+            <a:extLst>
+              <a:ext uri="{FF2B5EF4-FFF2-40B4-BE49-F238E27FC236}">
+                <a16:creationId xmlns:a16="http://schemas.microsoft.com/office/drawing/2014/main" id="{EAD47845-7B0F-4589-A4F6-5510F2647AF3}"/>
               </a:ext>
             </a:extLst>
           </p:cNvPr>
@@ -8282,8 +8469,8 @@
         </p:nvSpPr>
         <p:spPr>
           <a:xfrm>
-            <a:off x="7959020" y="3702622"/>
-            <a:ext cx="3907278" cy="646331"/>
+            <a:off x="4872111" y="677296"/>
+            <a:ext cx="5513033" cy="461665"/>
           </a:xfrm>
           <a:prstGeom prst="rect">
             <a:avLst/>
@@ -8297,157 +8484,48 @@
           <a:lstStyle/>
           <a:p>
             <a:r>
-              <a:rPr lang="en-US" dirty="0">
+              <a:rPr lang="en-US" sz="2400" dirty="0">
                 <a:latin typeface="Century Gothic" panose="020B0502020202090204" pitchFamily="34" charset="0"/>
               </a:rPr>
-              <a:t>Use of models seen in machine learning class with a problematic </a:t>
+              <a:t>Let’s have a look to our data:</a:t>
             </a:r>
           </a:p>
         </p:txBody>
       </p:sp>
-      <p:sp>
-        <p:nvSpPr>
-          <p:cNvPr id="3" name="TextBox 2">
-            <a:extLst>
-              <a:ext uri="{FF2B5EF4-FFF2-40B4-BE49-F238E27FC236}">
-                <a16:creationId xmlns:a16="http://schemas.microsoft.com/office/drawing/2014/main" id="{C4D085F4-E879-46B2-B603-DC6BA33B1844}"/>
-              </a:ext>
-            </a:extLst>
-          </p:cNvPr>
-          <p:cNvSpPr txBox="1"/>
+      <p:pic>
+        <p:nvPicPr>
+          <p:cNvPr id="6" name="Picture 5">
+            <a:extLst>
+              <a:ext uri="{FF2B5EF4-FFF2-40B4-BE49-F238E27FC236}">
+                <a16:creationId xmlns:a16="http://schemas.microsoft.com/office/drawing/2014/main" id="{39714161-A0A1-4079-96E1-5B976FD229C5}"/>
+              </a:ext>
+            </a:extLst>
+          </p:cNvPr>
+          <p:cNvPicPr>
+            <a:picLocks noChangeAspect="1"/>
+          </p:cNvPicPr>
           <p:nvPr/>
-        </p:nvSpPr>
+        </p:nvPicPr>
+        <p:blipFill>
+          <a:blip r:embed="rId2"/>
+          <a:stretch>
+            <a:fillRect/>
+          </a:stretch>
+        </p:blipFill>
         <p:spPr>
           <a:xfrm>
-            <a:off x="4612690" y="2832212"/>
-            <a:ext cx="5299969" cy="646331"/>
+            <a:off x="4040458" y="3444269"/>
+            <a:ext cx="7844773" cy="1049064"/>
           </a:xfrm>
           <a:prstGeom prst="rect">
             <a:avLst/>
           </a:prstGeom>
-          <a:noFill/>
         </p:spPr>
-        <p:txBody>
-          <a:bodyPr wrap="square" rtlCol="0">
-            <a:spAutoFit/>
-          </a:bodyPr>
-          <a:lstStyle/>
-          <a:p>
-            <a:r>
-              <a:rPr lang="en-US" dirty="0">
-                <a:latin typeface="Century Gothic" panose="020B0502020202090204" pitchFamily="34" charset="0"/>
-              </a:rPr>
-              <a:t>Resume of all libraries use </a:t>
-            </a:r>
-          </a:p>
-          <a:p>
-            <a:r>
-              <a:rPr lang="en-US" dirty="0">
-                <a:latin typeface="Century Gothic" panose="020B0502020202090204" pitchFamily="34" charset="0"/>
-              </a:rPr>
-              <a:t>In python during the semester </a:t>
-            </a:r>
-            <a:r>
-              <a:rPr lang="fr-FR" dirty="0"/>
-              <a:t> </a:t>
-            </a:r>
-          </a:p>
-        </p:txBody>
-      </p:sp>
-      <p:sp>
-        <p:nvSpPr>
-          <p:cNvPr id="7" name="TextBox 6">
-            <a:extLst>
-              <a:ext uri="{FF2B5EF4-FFF2-40B4-BE49-F238E27FC236}">
-                <a16:creationId xmlns:a16="http://schemas.microsoft.com/office/drawing/2014/main" id="{1F039747-FC36-4984-B851-48EF4EB007A4}"/>
-              </a:ext>
-            </a:extLst>
-          </p:cNvPr>
-          <p:cNvSpPr txBox="1"/>
-          <p:nvPr/>
-        </p:nvSpPr>
-        <p:spPr>
-          <a:xfrm>
-            <a:off x="4021585" y="4654785"/>
-            <a:ext cx="5299969" cy="646331"/>
-          </a:xfrm>
-          <a:prstGeom prst="rect">
-            <a:avLst/>
-          </a:prstGeom>
-          <a:noFill/>
-        </p:spPr>
-        <p:txBody>
-          <a:bodyPr wrap="square" rtlCol="0">
-            <a:spAutoFit/>
-          </a:bodyPr>
-          <a:lstStyle/>
-          <a:p>
-            <a:r>
-              <a:rPr lang="en-US" dirty="0">
-                <a:latin typeface="Century Gothic" panose="020B0502020202090204" pitchFamily="34" charset="0"/>
-              </a:rPr>
-              <a:t>Observation of concept discovered</a:t>
-            </a:r>
-          </a:p>
-          <a:p>
-            <a:r>
-              <a:rPr lang="en-US" dirty="0">
-                <a:latin typeface="Century Gothic" panose="020B0502020202090204" pitchFamily="34" charset="0"/>
-              </a:rPr>
-              <a:t>During soft skills sessions</a:t>
-            </a:r>
-          </a:p>
-        </p:txBody>
-      </p:sp>
-      <p:sp>
-        <p:nvSpPr>
-          <p:cNvPr id="10" name="TextBox 9">
-            <a:extLst>
-              <a:ext uri="{FF2B5EF4-FFF2-40B4-BE49-F238E27FC236}">
-                <a16:creationId xmlns:a16="http://schemas.microsoft.com/office/drawing/2014/main" id="{AE169347-5B4C-4D64-BA0A-242963DE92DF}"/>
-              </a:ext>
-            </a:extLst>
-          </p:cNvPr>
-          <p:cNvSpPr txBox="1"/>
-          <p:nvPr/>
-        </p:nvSpPr>
-        <p:spPr>
-          <a:xfrm>
-            <a:off x="8079420" y="5433227"/>
-            <a:ext cx="3666478" cy="646331"/>
-          </a:xfrm>
-          <a:prstGeom prst="rect">
-            <a:avLst/>
-          </a:prstGeom>
-          <a:noFill/>
-        </p:spPr>
-        <p:txBody>
-          <a:bodyPr wrap="square" rtlCol="0">
-            <a:spAutoFit/>
-          </a:bodyPr>
-          <a:lstStyle/>
-          <a:p>
-            <a:r>
-              <a:rPr lang="en-US" dirty="0">
-                <a:latin typeface="Century Gothic" panose="020B0502020202090204" pitchFamily="34" charset="0"/>
-              </a:rPr>
-              <a:t>A subject that could fit with </a:t>
-            </a:r>
-          </a:p>
-          <a:p>
-            <a:r>
-              <a:rPr lang="en-US" dirty="0">
-                <a:latin typeface="Century Gothic" panose="020B0502020202090204" pitchFamily="34" charset="0"/>
-              </a:rPr>
-              <a:t>Problems of the medical sector</a:t>
-            </a:r>
-          </a:p>
-        </p:txBody>
-      </p:sp>
+      </p:pic>
     </p:spTree>
     <p:extLst>
       <p:ext uri="{BB962C8B-B14F-4D97-AF65-F5344CB8AC3E}">
-        <p14:creationId xmlns:p14="http://schemas.microsoft.com/office/powerpoint/2010/main" val="1307230348"/>
+        <p14:creationId xmlns:p14="http://schemas.microsoft.com/office/powerpoint/2010/main" val="829951670"/>
       </p:ext>
     </p:extLst>
   </p:cSld>
@@ -8457,7 +8535,7 @@
 </p:sld>
 </file>
 
-<file path=ppt/slides/slide8.xml><?xml version="1.0" encoding="utf-8"?>
+<file path=ppt/slides/slide4.xml><?xml version="1.0" encoding="utf-8"?>
 <p:sld xmlns:a="http://schemas.openxmlformats.org/drawingml/2006/main" xmlns:r="http://schemas.openxmlformats.org/officeDocument/2006/relationships" xmlns:p="http://schemas.openxmlformats.org/presentationml/2006/main">
   <p:cSld>
     <p:bg>
@@ -8897,8 +8975,8 @@
         </p:nvSpPr>
         <p:spPr>
           <a:xfrm>
-            <a:off x="191359" y="1972018"/>
-            <a:ext cx="3626039" cy="1010878"/>
+            <a:off x="306769" y="2060796"/>
+            <a:ext cx="3555017" cy="1137385"/>
           </a:xfrm>
         </p:spPr>
         <p:txBody>
@@ -8909,14 +8987,20 @@
           <a:p>
             <a:pPr algn="l"/>
             <a:r>
-              <a:rPr lang="en-US" sz="3600" b="1" kern="1200" dirty="0">
+              <a:rPr lang="en-US" sz="3600" b="1" dirty="0">
                 <a:solidFill>
                   <a:srgbClr val="FFFFFF"/>
                 </a:solidFill>
                 <a:latin typeface="Century Gothic" panose="020B0502020202090204" pitchFamily="34" charset="0"/>
               </a:rPr>
-              <a:t>Conclusions:</a:t>
+              <a:t>Data preprocessing:</a:t>
             </a:r>
+            <a:endParaRPr lang="en-US" sz="3600" b="1" kern="1200" dirty="0">
+              <a:solidFill>
+                <a:srgbClr val="FFFFFF"/>
+              </a:solidFill>
+              <a:latin typeface="Century Gothic" panose="020B0502020202090204" pitchFamily="34" charset="0"/>
+            </a:endParaRPr>
           </a:p>
         </p:txBody>
       </p:sp>
@@ -8936,7 +9020,7 @@
         </p:nvSpPr>
         <p:spPr>
           <a:xfrm>
-            <a:off x="5430956" y="1021302"/>
+            <a:off x="5315546" y="1816257"/>
             <a:ext cx="6569685" cy="950716"/>
           </a:xfrm>
           <a:prstGeom prst="rect">
@@ -9113,28 +9197,4053 @@
           </a:lstStyle>
           <a:p>
             <a:pPr algn="l"/>
+            <a:endParaRPr lang="en-US" sz="3200" dirty="0">
+              <a:latin typeface="Century Gothic" panose="020B0502020202090204" pitchFamily="34" charset="0"/>
+            </a:endParaRPr>
+          </a:p>
+        </p:txBody>
+      </p:sp>
+      <p:sp>
+        <p:nvSpPr>
+          <p:cNvPr id="3" name="TextBox 2">
+            <a:extLst>
+              <a:ext uri="{FF2B5EF4-FFF2-40B4-BE49-F238E27FC236}">
+                <a16:creationId xmlns:a16="http://schemas.microsoft.com/office/drawing/2014/main" id="{EAD47845-7B0F-4589-A4F6-5510F2647AF3}"/>
+              </a:ext>
+            </a:extLst>
+          </p:cNvPr>
+          <p:cNvSpPr txBox="1"/>
+          <p:nvPr/>
+        </p:nvSpPr>
+        <p:spPr>
+          <a:xfrm>
+            <a:off x="4872111" y="339944"/>
+            <a:ext cx="6402530" cy="1200329"/>
+          </a:xfrm>
+          <a:prstGeom prst="rect">
+            <a:avLst/>
+          </a:prstGeom>
+          <a:noFill/>
+        </p:spPr>
+        <p:txBody>
+          <a:bodyPr wrap="square" rtlCol="0">
+            <a:spAutoFit/>
+          </a:bodyPr>
+          <a:lstStyle/>
+          <a:p>
             <a:r>
-              <a:rPr lang="en-US" sz="3200" dirty="0">
+              <a:rPr lang="en-US" sz="2400" dirty="0">
                 <a:latin typeface="Century Gothic" panose="020B0502020202090204" pitchFamily="34" charset="0"/>
               </a:rPr>
-              <a:t>Which lessons can we </a:t>
+              <a:t>Then we have cleaned up the dataset.</a:t>
             </a:r>
           </a:p>
           <a:p>
-            <a:pPr algn="l"/>
             <a:r>
-              <a:rPr lang="en-US" sz="3200" dirty="0">
+              <a:rPr lang="en-US" sz="2400" dirty="0">
                 <a:latin typeface="Century Gothic" panose="020B0502020202090204" pitchFamily="34" charset="0"/>
               </a:rPr>
-              <a:t>Bring back from this study?</a:t>
+              <a:t>It includes encoding, dropping </a:t>
             </a:r>
-          </a:p>
-        </p:txBody>
-      </p:sp>
+            <a:r>
+              <a:rPr lang="en-US" sz="2400" dirty="0" err="1">
+                <a:latin typeface="Century Gothic" panose="020B0502020202090204" pitchFamily="34" charset="0"/>
+              </a:rPr>
+              <a:t>NaN</a:t>
+            </a:r>
+            <a:r>
+              <a:rPr lang="en-US" sz="2400" dirty="0">
+                <a:latin typeface="Century Gothic" panose="020B0502020202090204" pitchFamily="34" charset="0"/>
+              </a:rPr>
+              <a:t> and duplicates values.</a:t>
+            </a:r>
+          </a:p>
+        </p:txBody>
+      </p:sp>
+      <p:pic>
+        <p:nvPicPr>
+          <p:cNvPr id="8" name="Picture 7">
+            <a:extLst>
+              <a:ext uri="{FF2B5EF4-FFF2-40B4-BE49-F238E27FC236}">
+                <a16:creationId xmlns:a16="http://schemas.microsoft.com/office/drawing/2014/main" id="{68A78C1F-828B-4909-8A3A-78BE39CE7544}"/>
+              </a:ext>
+            </a:extLst>
+          </p:cNvPr>
+          <p:cNvPicPr>
+            <a:picLocks noChangeAspect="1"/>
+          </p:cNvPicPr>
+          <p:nvPr/>
+        </p:nvPicPr>
+        <p:blipFill>
+          <a:blip r:embed="rId2"/>
+          <a:stretch>
+            <a:fillRect/>
+          </a:stretch>
+        </p:blipFill>
+        <p:spPr>
+          <a:xfrm>
+            <a:off x="4728100" y="1816257"/>
+            <a:ext cx="2690785" cy="3078830"/>
+          </a:xfrm>
+          <a:prstGeom prst="rect">
+            <a:avLst/>
+          </a:prstGeom>
+        </p:spPr>
+      </p:pic>
+      <p:pic>
+        <p:nvPicPr>
+          <p:cNvPr id="12" name="Picture 11">
+            <a:extLst>
+              <a:ext uri="{FF2B5EF4-FFF2-40B4-BE49-F238E27FC236}">
+                <a16:creationId xmlns:a16="http://schemas.microsoft.com/office/drawing/2014/main" id="{9FE6ED6A-62C8-44E8-B280-4EE50F8F1D5C}"/>
+              </a:ext>
+            </a:extLst>
+          </p:cNvPr>
+          <p:cNvPicPr>
+            <a:picLocks noChangeAspect="1"/>
+          </p:cNvPicPr>
+          <p:nvPr/>
+        </p:nvPicPr>
+        <p:blipFill>
+          <a:blip r:embed="rId3"/>
+          <a:stretch>
+            <a:fillRect/>
+          </a:stretch>
+        </p:blipFill>
+        <p:spPr>
+          <a:xfrm>
+            <a:off x="9472558" y="1816257"/>
+            <a:ext cx="2412674" cy="2719148"/>
+          </a:xfrm>
+          <a:prstGeom prst="rect">
+            <a:avLst/>
+          </a:prstGeom>
+        </p:spPr>
+      </p:pic>
+      <p:pic>
+        <p:nvPicPr>
+          <p:cNvPr id="10" name="Picture 9">
+            <a:extLst>
+              <a:ext uri="{FF2B5EF4-FFF2-40B4-BE49-F238E27FC236}">
+                <a16:creationId xmlns:a16="http://schemas.microsoft.com/office/drawing/2014/main" id="{542A0046-4B0D-4CB5-88DA-EFDF201D102D}"/>
+              </a:ext>
+            </a:extLst>
+          </p:cNvPr>
+          <p:cNvPicPr>
+            <a:picLocks noChangeAspect="1"/>
+          </p:cNvPicPr>
+          <p:nvPr/>
+        </p:nvPicPr>
+        <p:blipFill>
+          <a:blip r:embed="rId4"/>
+          <a:stretch>
+            <a:fillRect/>
+          </a:stretch>
+        </p:blipFill>
+        <p:spPr>
+          <a:xfrm>
+            <a:off x="2996119" y="5341142"/>
+            <a:ext cx="8991146" cy="1176914"/>
+          </a:xfrm>
+          <a:prstGeom prst="rect">
+            <a:avLst/>
+          </a:prstGeom>
+        </p:spPr>
+      </p:pic>
     </p:spTree>
     <p:extLst>
       <p:ext uri="{BB962C8B-B14F-4D97-AF65-F5344CB8AC3E}">
-        <p14:creationId xmlns:p14="http://schemas.microsoft.com/office/powerpoint/2010/main" val="1860417989"/>
+        <p14:creationId xmlns:p14="http://schemas.microsoft.com/office/powerpoint/2010/main" val="3806126751"/>
+      </p:ext>
+    </p:extLst>
+  </p:cSld>
+  <p:clrMapOvr>
+    <a:masterClrMapping/>
+  </p:clrMapOvr>
+</p:sld>
+</file>
+
+<file path=ppt/slides/slide5.xml><?xml version="1.0" encoding="utf-8"?>
+<p:sld xmlns:a="http://schemas.openxmlformats.org/drawingml/2006/main" xmlns:r="http://schemas.openxmlformats.org/officeDocument/2006/relationships" xmlns:p="http://schemas.openxmlformats.org/presentationml/2006/main">
+  <p:cSld>
+    <p:bg>
+      <p:bgPr>
+        <a:solidFill>
+          <a:schemeClr val="bg1"/>
+        </a:solidFill>
+        <a:effectLst/>
+      </p:bgPr>
+    </p:bg>
+    <p:spTree>
+      <p:nvGrpSpPr>
+        <p:cNvPr id="1" name=""/>
+        <p:cNvGrpSpPr/>
+        <p:nvPr/>
+      </p:nvGrpSpPr>
+      <p:grpSpPr>
+        <a:xfrm>
+          <a:off x="0" y="0"/>
+          <a:ext cx="0" cy="0"/>
+          <a:chOff x="0" y="0"/>
+          <a:chExt cx="0" cy="0"/>
+        </a:xfrm>
+      </p:grpSpPr>
+      <p:sp>
+        <p:nvSpPr>
+          <p:cNvPr id="9" name="Rectangle 8">
+            <a:extLst>
+              <a:ext uri="{FF2B5EF4-FFF2-40B4-BE49-F238E27FC236}">
+                <a16:creationId xmlns:a16="http://schemas.microsoft.com/office/drawing/2014/main" id="{E35A04CF-97D4-4FF7-B359-C546B1F62E54}"/>
+              </a:ext>
+              <a:ext uri="{C183D7F6-B498-43B3-948B-1728B52AA6E4}">
+                <adec:decorative xmlns:adec="http://schemas.microsoft.com/office/drawing/2017/decorative" val="1"/>
+              </a:ext>
+            </a:extLst>
+          </p:cNvPr>
+          <p:cNvSpPr>
+            <a:spLocks noGrp="1" noRot="1" noChangeAspect="1" noMove="1" noResize="1" noEditPoints="1" noAdjustHandles="1" noChangeArrowheads="1" noChangeShapeType="1" noTextEdit="1"/>
+          </p:cNvSpPr>
+          <p:nvPr>
+            <p:extLst>
+              <p:ext uri="{386F3935-93C4-4BCD-93E2-E3B085C9AB24}">
+                <p16:designElem xmlns:p16="http://schemas.microsoft.com/office/powerpoint/2015/main" val="1"/>
+              </p:ext>
+            </p:extLst>
+          </p:nvPr>
+        </p:nvSpPr>
+        <p:spPr>
+          <a:xfrm>
+            <a:off x="0" y="0"/>
+            <a:ext cx="12191999" cy="6858000"/>
+          </a:xfrm>
+          <a:prstGeom prst="rect">
+            <a:avLst/>
+          </a:prstGeom>
+          <a:solidFill>
+            <a:schemeClr val="bg1">
+              <a:lumMod val="85000"/>
+            </a:schemeClr>
+          </a:solidFill>
+          <a:ln>
+            <a:noFill/>
+          </a:ln>
+        </p:spPr>
+        <p:style>
+          <a:lnRef idx="2">
+            <a:schemeClr val="accent1">
+              <a:shade val="50000"/>
+            </a:schemeClr>
+          </a:lnRef>
+          <a:fillRef idx="1">
+            <a:schemeClr val="accent1"/>
+          </a:fillRef>
+          <a:effectRef idx="0">
+            <a:schemeClr val="accent1"/>
+          </a:effectRef>
+          <a:fontRef idx="minor">
+            <a:schemeClr val="lt1"/>
+          </a:fontRef>
+        </p:style>
+        <p:txBody>
+          <a:bodyPr rtlCol="0" anchor="ctr"/>
+          <a:lstStyle/>
+          <a:p>
+            <a:pPr algn="ctr"/>
+            <a:endParaRPr lang="en-US"/>
+          </a:p>
+        </p:txBody>
+      </p:sp>
+      <p:sp>
+        <p:nvSpPr>
+          <p:cNvPr id="11" name="Freeform: Shape 10">
+            <a:extLst>
+              <a:ext uri="{FF2B5EF4-FFF2-40B4-BE49-F238E27FC236}">
+                <a16:creationId xmlns:a16="http://schemas.microsoft.com/office/drawing/2014/main" id="{1DE7243B-5109-444B-8FAF-7437C66BC0E9}"/>
+              </a:ext>
+              <a:ext uri="{C183D7F6-B498-43B3-948B-1728B52AA6E4}">
+                <adec:decorative xmlns:adec="http://schemas.microsoft.com/office/drawing/2017/decorative" val="1"/>
+              </a:ext>
+            </a:extLst>
+          </p:cNvPr>
+          <p:cNvSpPr>
+            <a:spLocks noGrp="1" noRot="1" noChangeAspect="1" noMove="1" noResize="1" noEditPoints="1" noAdjustHandles="1" noChangeArrowheads="1" noChangeShapeType="1" noTextEdit="1"/>
+          </p:cNvSpPr>
+          <p:nvPr>
+            <p:extLst>
+              <p:ext uri="{386F3935-93C4-4BCD-93E2-E3B085C9AB24}">
+                <p16:designElem xmlns:p16="http://schemas.microsoft.com/office/powerpoint/2015/main" val="1"/>
+              </p:ext>
+            </p:extLst>
+          </p:nvPr>
+        </p:nvSpPr>
+        <p:spPr>
+          <a:xfrm flipH="1">
+            <a:off x="0" y="0"/>
+            <a:ext cx="4421332" cy="6858000"/>
+          </a:xfrm>
+          <a:custGeom>
+            <a:avLst/>
+            <a:gdLst>
+              <a:gd name="connsiteX0" fmla="*/ 4421332 w 4421332"/>
+              <a:gd name="connsiteY0" fmla="*/ 0 h 6858000"/>
+              <a:gd name="connsiteX1" fmla="*/ 69075 w 4421332"/>
+              <a:gd name="connsiteY1" fmla="*/ 0 h 6858000"/>
+              <a:gd name="connsiteX2" fmla="*/ 35131 w 4421332"/>
+              <a:gd name="connsiteY2" fmla="*/ 267128 h 6858000"/>
+              <a:gd name="connsiteX3" fmla="*/ 0 w 4421332"/>
+              <a:gd name="connsiteY3" fmla="*/ 962845 h 6858000"/>
+              <a:gd name="connsiteX4" fmla="*/ 3276103 w 4421332"/>
+              <a:gd name="connsiteY4" fmla="*/ 6782205 h 6858000"/>
+              <a:gd name="connsiteX5" fmla="*/ 3407923 w 4421332"/>
+              <a:gd name="connsiteY5" fmla="*/ 6858000 h 6858000"/>
+              <a:gd name="connsiteX6" fmla="*/ 4421332 w 4421332"/>
+              <a:gd name="connsiteY6" fmla="*/ 6858000 h 6858000"/>
+            </a:gdLst>
+            <a:ahLst/>
+            <a:cxnLst>
+              <a:cxn ang="0">
+                <a:pos x="connsiteX0" y="connsiteY0"/>
+              </a:cxn>
+              <a:cxn ang="0">
+                <a:pos x="connsiteX1" y="connsiteY1"/>
+              </a:cxn>
+              <a:cxn ang="0">
+                <a:pos x="connsiteX2" y="connsiteY2"/>
+              </a:cxn>
+              <a:cxn ang="0">
+                <a:pos x="connsiteX3" y="connsiteY3"/>
+              </a:cxn>
+              <a:cxn ang="0">
+                <a:pos x="connsiteX4" y="connsiteY4"/>
+              </a:cxn>
+              <a:cxn ang="0">
+                <a:pos x="connsiteX5" y="connsiteY5"/>
+              </a:cxn>
+              <a:cxn ang="0">
+                <a:pos x="connsiteX6" y="connsiteY6"/>
+              </a:cxn>
+            </a:cxnLst>
+            <a:rect l="l" t="t" r="r" b="b"/>
+            <a:pathLst>
+              <a:path w="4421332" h="6858000">
+                <a:moveTo>
+                  <a:pt x="4421332" y="0"/>
+                </a:moveTo>
+                <a:lnTo>
+                  <a:pt x="69075" y="0"/>
+                </a:lnTo>
+                <a:lnTo>
+                  <a:pt x="35131" y="267128"/>
+                </a:lnTo>
+                <a:cubicBezTo>
+                  <a:pt x="11901" y="495874"/>
+                  <a:pt x="0" y="727970"/>
+                  <a:pt x="0" y="962845"/>
+                </a:cubicBezTo>
+                <a:cubicBezTo>
+                  <a:pt x="0" y="3429034"/>
+                  <a:pt x="1312002" y="5588789"/>
+                  <a:pt x="3276103" y="6782205"/>
+                </a:cubicBezTo>
+                <a:lnTo>
+                  <a:pt x="3407923" y="6858000"/>
+                </a:lnTo>
+                <a:lnTo>
+                  <a:pt x="4421332" y="6858000"/>
+                </a:lnTo>
+                <a:close/>
+              </a:path>
+            </a:pathLst>
+          </a:custGeom>
+          <a:solidFill>
+            <a:srgbClr val="FFFFFF">
+              <a:alpha val="80000"/>
+            </a:srgbClr>
+          </a:solidFill>
+          <a:ln>
+            <a:noFill/>
+          </a:ln>
+        </p:spPr>
+        <p:style>
+          <a:lnRef idx="2">
+            <a:schemeClr val="accent1">
+              <a:shade val="50000"/>
+            </a:schemeClr>
+          </a:lnRef>
+          <a:fillRef idx="1">
+            <a:schemeClr val="accent1"/>
+          </a:fillRef>
+          <a:effectRef idx="0">
+            <a:schemeClr val="accent1"/>
+          </a:effectRef>
+          <a:fontRef idx="minor">
+            <a:schemeClr val="lt1"/>
+          </a:fontRef>
+        </p:style>
+        <p:txBody>
+          <a:bodyPr wrap="square" rtlCol="0" anchor="ctr">
+            <a:noAutofit/>
+          </a:bodyPr>
+          <a:lstStyle/>
+          <a:p>
+            <a:pPr marL="0" marR="0" lvl="0" indent="0" algn="ctr" defTabSz="914400" rtl="0" eaLnBrk="1" fontAlgn="auto" latinLnBrk="0" hangingPunct="1">
+              <a:lnSpc>
+                <a:spcPct val="100000"/>
+              </a:lnSpc>
+              <a:spcBef>
+                <a:spcPts val="0"/>
+              </a:spcBef>
+              <a:spcAft>
+                <a:spcPts val="0"/>
+              </a:spcAft>
+              <a:buClrTx/>
+              <a:buSzTx/>
+              <a:buFontTx/>
+              <a:buNone/>
+              <a:tabLst/>
+              <a:defRPr/>
+            </a:pPr>
+            <a:endParaRPr kumimoji="0" lang="en-US" sz="1800" b="0" i="0" u="none" strike="noStrike" kern="1200" cap="none" spc="0" normalizeH="0" baseline="0" noProof="0">
+              <a:ln>
+                <a:noFill/>
+              </a:ln>
+              <a:solidFill>
+                <a:prstClr val="white"/>
+              </a:solidFill>
+              <a:effectLst/>
+              <a:uLnTx/>
+              <a:uFillTx/>
+              <a:latin typeface="Calibri" panose="020F0502020204030204"/>
+              <a:ea typeface="+mn-ea"/>
+              <a:cs typeface="+mn-cs"/>
+            </a:endParaRPr>
+          </a:p>
+        </p:txBody>
+      </p:sp>
+      <p:sp>
+        <p:nvSpPr>
+          <p:cNvPr id="13" name="Freeform: Shape 12">
+            <a:extLst>
+              <a:ext uri="{FF2B5EF4-FFF2-40B4-BE49-F238E27FC236}">
+                <a16:creationId xmlns:a16="http://schemas.microsoft.com/office/drawing/2014/main" id="{4C5D6221-DA7B-4611-AA26-7D8E349FDE96}"/>
+              </a:ext>
+              <a:ext uri="{C183D7F6-B498-43B3-948B-1728B52AA6E4}">
+                <adec:decorative xmlns:adec="http://schemas.microsoft.com/office/drawing/2017/decorative" val="1"/>
+              </a:ext>
+            </a:extLst>
+          </p:cNvPr>
+          <p:cNvSpPr>
+            <a:spLocks noGrp="1" noRot="1" noChangeAspect="1" noMove="1" noResize="1" noEditPoints="1" noAdjustHandles="1" noChangeArrowheads="1" noChangeShapeType="1" noTextEdit="1"/>
+          </p:cNvSpPr>
+          <p:nvPr>
+            <p:extLst>
+              <p:ext uri="{386F3935-93C4-4BCD-93E2-E3B085C9AB24}">
+                <p16:designElem xmlns:p16="http://schemas.microsoft.com/office/powerpoint/2015/main" val="1"/>
+              </p:ext>
+            </p:extLst>
+          </p:nvPr>
+        </p:nvSpPr>
+        <p:spPr>
+          <a:xfrm>
+            <a:off x="1" y="0"/>
+            <a:ext cx="4232227" cy="6858000"/>
+          </a:xfrm>
+          <a:custGeom>
+            <a:avLst/>
+            <a:gdLst>
+              <a:gd name="connsiteX0" fmla="*/ 0 w 4232227"/>
+              <a:gd name="connsiteY0" fmla="*/ 0 h 6858000"/>
+              <a:gd name="connsiteX1" fmla="*/ 4161853 w 4232227"/>
+              <a:gd name="connsiteY1" fmla="*/ 0 h 6858000"/>
+              <a:gd name="connsiteX2" fmla="*/ 4197953 w 4232227"/>
+              <a:gd name="connsiteY2" fmla="*/ 284091 h 6858000"/>
+              <a:gd name="connsiteX3" fmla="*/ 4232227 w 4232227"/>
+              <a:gd name="connsiteY3" fmla="*/ 962844 h 6858000"/>
+              <a:gd name="connsiteX4" fmla="*/ 758007 w 4232227"/>
+              <a:gd name="connsiteY4" fmla="*/ 6800152 h 6858000"/>
+              <a:gd name="connsiteX5" fmla="*/ 645060 w 4232227"/>
+              <a:gd name="connsiteY5" fmla="*/ 6858000 h 6858000"/>
+              <a:gd name="connsiteX6" fmla="*/ 0 w 4232227"/>
+              <a:gd name="connsiteY6" fmla="*/ 6858000 h 6858000"/>
+            </a:gdLst>
+            <a:ahLst/>
+            <a:cxnLst>
+              <a:cxn ang="0">
+                <a:pos x="connsiteX0" y="connsiteY0"/>
+              </a:cxn>
+              <a:cxn ang="0">
+                <a:pos x="connsiteX1" y="connsiteY1"/>
+              </a:cxn>
+              <a:cxn ang="0">
+                <a:pos x="connsiteX2" y="connsiteY2"/>
+              </a:cxn>
+              <a:cxn ang="0">
+                <a:pos x="connsiteX3" y="connsiteY3"/>
+              </a:cxn>
+              <a:cxn ang="0">
+                <a:pos x="connsiteX4" y="connsiteY4"/>
+              </a:cxn>
+              <a:cxn ang="0">
+                <a:pos x="connsiteX5" y="connsiteY5"/>
+              </a:cxn>
+              <a:cxn ang="0">
+                <a:pos x="connsiteX6" y="connsiteY6"/>
+              </a:cxn>
+            </a:cxnLst>
+            <a:rect l="l" t="t" r="r" b="b"/>
+            <a:pathLst>
+              <a:path w="4232227" h="6858000">
+                <a:moveTo>
+                  <a:pt x="0" y="0"/>
+                </a:moveTo>
+                <a:lnTo>
+                  <a:pt x="4161853" y="0"/>
+                </a:lnTo>
+                <a:lnTo>
+                  <a:pt x="4197953" y="284091"/>
+                </a:lnTo>
+                <a:cubicBezTo>
+                  <a:pt x="4220617" y="507260"/>
+                  <a:pt x="4232227" y="733696"/>
+                  <a:pt x="4232227" y="962844"/>
+                </a:cubicBezTo>
+                <a:cubicBezTo>
+                  <a:pt x="4232227" y="3483472"/>
+                  <a:pt x="2827409" y="5675986"/>
+                  <a:pt x="758007" y="6800152"/>
+                </a:cubicBezTo>
+                <a:lnTo>
+                  <a:pt x="645060" y="6858000"/>
+                </a:lnTo>
+                <a:lnTo>
+                  <a:pt x="0" y="6858000"/>
+                </a:lnTo>
+                <a:close/>
+              </a:path>
+            </a:pathLst>
+          </a:custGeom>
+          <a:solidFill>
+            <a:srgbClr val="404040"/>
+          </a:solidFill>
+          <a:ln>
+            <a:noFill/>
+          </a:ln>
+        </p:spPr>
+        <p:style>
+          <a:lnRef idx="2">
+            <a:schemeClr val="accent1">
+              <a:shade val="50000"/>
+            </a:schemeClr>
+          </a:lnRef>
+          <a:fillRef idx="1">
+            <a:schemeClr val="accent1"/>
+          </a:fillRef>
+          <a:effectRef idx="0">
+            <a:schemeClr val="accent1"/>
+          </a:effectRef>
+          <a:fontRef idx="minor">
+            <a:schemeClr val="lt1"/>
+          </a:fontRef>
+        </p:style>
+        <p:txBody>
+          <a:bodyPr wrap="square" rtlCol="0" anchor="ctr">
+            <a:noAutofit/>
+          </a:bodyPr>
+          <a:lstStyle/>
+          <a:p>
+            <a:pPr marL="0" marR="0" lvl="0" indent="0" algn="ctr" defTabSz="914400" rtl="0" eaLnBrk="1" fontAlgn="auto" latinLnBrk="0" hangingPunct="1">
+              <a:lnSpc>
+                <a:spcPct val="100000"/>
+              </a:lnSpc>
+              <a:spcBef>
+                <a:spcPts val="0"/>
+              </a:spcBef>
+              <a:spcAft>
+                <a:spcPts val="0"/>
+              </a:spcAft>
+              <a:buClrTx/>
+              <a:buSzTx/>
+              <a:buFontTx/>
+              <a:buNone/>
+              <a:tabLst/>
+              <a:defRPr/>
+            </a:pPr>
+            <a:endParaRPr kumimoji="0" lang="en-US" sz="1800" b="0" i="0" u="none" strike="noStrike" kern="1200" cap="none" spc="0" normalizeH="0" baseline="0" noProof="0">
+              <a:ln>
+                <a:noFill/>
+              </a:ln>
+              <a:solidFill>
+                <a:prstClr val="white"/>
+              </a:solidFill>
+              <a:effectLst/>
+              <a:uLnTx/>
+              <a:uFillTx/>
+              <a:latin typeface="Calibri" panose="020F0502020204030204"/>
+              <a:ea typeface="+mn-ea"/>
+              <a:cs typeface="+mn-cs"/>
+            </a:endParaRPr>
+          </a:p>
+        </p:txBody>
+      </p:sp>
+      <p:sp>
+        <p:nvSpPr>
+          <p:cNvPr id="2" name="Titre 1">
+            <a:extLst>
+              <a:ext uri="{FF2B5EF4-FFF2-40B4-BE49-F238E27FC236}">
+                <a16:creationId xmlns:a16="http://schemas.microsoft.com/office/drawing/2014/main" id="{77328127-2658-29C0-D5B6-2E19F8D9CB6F}"/>
+              </a:ext>
+            </a:extLst>
+          </p:cNvPr>
+          <p:cNvSpPr>
+            <a:spLocks noGrp="1"/>
+          </p:cNvSpPr>
+          <p:nvPr>
+            <p:ph type="ctrTitle"/>
+          </p:nvPr>
+        </p:nvSpPr>
+        <p:spPr>
+          <a:xfrm>
+            <a:off x="306769" y="2060796"/>
+            <a:ext cx="3555017" cy="1137385"/>
+          </a:xfrm>
+        </p:spPr>
+        <p:txBody>
+          <a:bodyPr vert="horz" lIns="91440" tIns="45720" rIns="91440" bIns="45720" rtlCol="0" anchor="t">
+            <a:normAutofit/>
+          </a:bodyPr>
+          <a:lstStyle/>
+          <a:p>
+            <a:pPr algn="l"/>
+            <a:r>
+              <a:rPr lang="en-US" sz="3600" b="1" dirty="0">
+                <a:solidFill>
+                  <a:srgbClr val="FFFFFF"/>
+                </a:solidFill>
+                <a:latin typeface="Century Gothic" panose="020B0502020202090204" pitchFamily="34" charset="0"/>
+              </a:rPr>
+              <a:t>Data preprocessing:</a:t>
+            </a:r>
+            <a:endParaRPr lang="en-US" sz="3600" b="1" kern="1200" dirty="0">
+              <a:solidFill>
+                <a:srgbClr val="FFFFFF"/>
+              </a:solidFill>
+              <a:latin typeface="Century Gothic" panose="020B0502020202090204" pitchFamily="34" charset="0"/>
+            </a:endParaRPr>
+          </a:p>
+        </p:txBody>
+      </p:sp>
+      <p:sp>
+        <p:nvSpPr>
+          <p:cNvPr id="4" name="Sous-titre 2">
+            <a:extLst>
+              <a:ext uri="{FF2B5EF4-FFF2-40B4-BE49-F238E27FC236}">
+                <a16:creationId xmlns:a16="http://schemas.microsoft.com/office/drawing/2014/main" id="{F268D261-47EE-1D4F-CCA1-52A3131E5925}"/>
+              </a:ext>
+            </a:extLst>
+          </p:cNvPr>
+          <p:cNvSpPr txBox="1">
+            <a:spLocks/>
+          </p:cNvSpPr>
+          <p:nvPr/>
+        </p:nvSpPr>
+        <p:spPr>
+          <a:xfrm>
+            <a:off x="5315546" y="1816257"/>
+            <a:ext cx="6569685" cy="950716"/>
+          </a:xfrm>
+          <a:prstGeom prst="rect">
+            <a:avLst/>
+          </a:prstGeom>
+        </p:spPr>
+        <p:txBody>
+          <a:bodyPr vert="horz" lIns="91440" tIns="45720" rIns="91440" bIns="45720" rtlCol="0">
+            <a:noAutofit/>
+          </a:bodyPr>
+          <a:lstStyle>
+            <a:lvl1pPr marL="0" indent="0" algn="ctr" defTabSz="914400" rtl="0" eaLnBrk="1" latinLnBrk="0" hangingPunct="1">
+              <a:lnSpc>
+                <a:spcPct val="90000"/>
+              </a:lnSpc>
+              <a:spcBef>
+                <a:spcPts val="1000"/>
+              </a:spcBef>
+              <a:buFont typeface="Arial" panose="020B0604020202020204" pitchFamily="34" charset="0"/>
+              <a:buNone/>
+              <a:defRPr sz="2400" kern="1200">
+                <a:solidFill>
+                  <a:schemeClr val="tx1"/>
+                </a:solidFill>
+                <a:latin typeface="+mn-lt"/>
+                <a:ea typeface="+mn-ea"/>
+                <a:cs typeface="+mn-cs"/>
+              </a:defRPr>
+            </a:lvl1pPr>
+            <a:lvl2pPr marL="457200" indent="0" algn="ctr" defTabSz="914400" rtl="0" eaLnBrk="1" latinLnBrk="0" hangingPunct="1">
+              <a:lnSpc>
+                <a:spcPct val="90000"/>
+              </a:lnSpc>
+              <a:spcBef>
+                <a:spcPts val="500"/>
+              </a:spcBef>
+              <a:buFont typeface="Arial" panose="020B0604020202020204" pitchFamily="34" charset="0"/>
+              <a:buNone/>
+              <a:defRPr sz="2000" kern="1200">
+                <a:solidFill>
+                  <a:schemeClr val="tx1"/>
+                </a:solidFill>
+                <a:latin typeface="+mn-lt"/>
+                <a:ea typeface="+mn-ea"/>
+                <a:cs typeface="+mn-cs"/>
+              </a:defRPr>
+            </a:lvl2pPr>
+            <a:lvl3pPr marL="914400" indent="0" algn="ctr" defTabSz="914400" rtl="0" eaLnBrk="1" latinLnBrk="0" hangingPunct="1">
+              <a:lnSpc>
+                <a:spcPct val="90000"/>
+              </a:lnSpc>
+              <a:spcBef>
+                <a:spcPts val="500"/>
+              </a:spcBef>
+              <a:buFont typeface="Arial" panose="020B0604020202020204" pitchFamily="34" charset="0"/>
+              <a:buNone/>
+              <a:defRPr sz="1800" kern="1200">
+                <a:solidFill>
+                  <a:schemeClr val="tx1"/>
+                </a:solidFill>
+                <a:latin typeface="+mn-lt"/>
+                <a:ea typeface="+mn-ea"/>
+                <a:cs typeface="+mn-cs"/>
+              </a:defRPr>
+            </a:lvl3pPr>
+            <a:lvl4pPr marL="1371600" indent="0" algn="ctr" defTabSz="914400" rtl="0" eaLnBrk="1" latinLnBrk="0" hangingPunct="1">
+              <a:lnSpc>
+                <a:spcPct val="90000"/>
+              </a:lnSpc>
+              <a:spcBef>
+                <a:spcPts val="500"/>
+              </a:spcBef>
+              <a:buFont typeface="Arial" panose="020B0604020202020204" pitchFamily="34" charset="0"/>
+              <a:buNone/>
+              <a:defRPr sz="1600" kern="1200">
+                <a:solidFill>
+                  <a:schemeClr val="tx1"/>
+                </a:solidFill>
+                <a:latin typeface="+mn-lt"/>
+                <a:ea typeface="+mn-ea"/>
+                <a:cs typeface="+mn-cs"/>
+              </a:defRPr>
+            </a:lvl4pPr>
+            <a:lvl5pPr marL="1828800" indent="0" algn="ctr" defTabSz="914400" rtl="0" eaLnBrk="1" latinLnBrk="0" hangingPunct="1">
+              <a:lnSpc>
+                <a:spcPct val="90000"/>
+              </a:lnSpc>
+              <a:spcBef>
+                <a:spcPts val="500"/>
+              </a:spcBef>
+              <a:buFont typeface="Arial" panose="020B0604020202020204" pitchFamily="34" charset="0"/>
+              <a:buNone/>
+              <a:defRPr sz="1600" kern="1200">
+                <a:solidFill>
+                  <a:schemeClr val="tx1"/>
+                </a:solidFill>
+                <a:latin typeface="+mn-lt"/>
+                <a:ea typeface="+mn-ea"/>
+                <a:cs typeface="+mn-cs"/>
+              </a:defRPr>
+            </a:lvl5pPr>
+            <a:lvl6pPr marL="2286000" indent="0" algn="ctr" defTabSz="914400" rtl="0" eaLnBrk="1" latinLnBrk="0" hangingPunct="1">
+              <a:lnSpc>
+                <a:spcPct val="90000"/>
+              </a:lnSpc>
+              <a:spcBef>
+                <a:spcPts val="500"/>
+              </a:spcBef>
+              <a:buFont typeface="Arial" panose="020B0604020202020204" pitchFamily="34" charset="0"/>
+              <a:buNone/>
+              <a:defRPr sz="1600" kern="1200">
+                <a:solidFill>
+                  <a:schemeClr val="tx1"/>
+                </a:solidFill>
+                <a:latin typeface="+mn-lt"/>
+                <a:ea typeface="+mn-ea"/>
+                <a:cs typeface="+mn-cs"/>
+              </a:defRPr>
+            </a:lvl6pPr>
+            <a:lvl7pPr marL="2743200" indent="0" algn="ctr" defTabSz="914400" rtl="0" eaLnBrk="1" latinLnBrk="0" hangingPunct="1">
+              <a:lnSpc>
+                <a:spcPct val="90000"/>
+              </a:lnSpc>
+              <a:spcBef>
+                <a:spcPts val="500"/>
+              </a:spcBef>
+              <a:buFont typeface="Arial" panose="020B0604020202020204" pitchFamily="34" charset="0"/>
+              <a:buNone/>
+              <a:defRPr sz="1600" kern="1200">
+                <a:solidFill>
+                  <a:schemeClr val="tx1"/>
+                </a:solidFill>
+                <a:latin typeface="+mn-lt"/>
+                <a:ea typeface="+mn-ea"/>
+                <a:cs typeface="+mn-cs"/>
+              </a:defRPr>
+            </a:lvl7pPr>
+            <a:lvl8pPr marL="3200400" indent="0" algn="ctr" defTabSz="914400" rtl="0" eaLnBrk="1" latinLnBrk="0" hangingPunct="1">
+              <a:lnSpc>
+                <a:spcPct val="90000"/>
+              </a:lnSpc>
+              <a:spcBef>
+                <a:spcPts val="500"/>
+              </a:spcBef>
+              <a:buFont typeface="Arial" panose="020B0604020202020204" pitchFamily="34" charset="0"/>
+              <a:buNone/>
+              <a:defRPr sz="1600" kern="1200">
+                <a:solidFill>
+                  <a:schemeClr val="tx1"/>
+                </a:solidFill>
+                <a:latin typeface="+mn-lt"/>
+                <a:ea typeface="+mn-ea"/>
+                <a:cs typeface="+mn-cs"/>
+              </a:defRPr>
+            </a:lvl8pPr>
+            <a:lvl9pPr marL="3657600" indent="0" algn="ctr" defTabSz="914400" rtl="0" eaLnBrk="1" latinLnBrk="0" hangingPunct="1">
+              <a:lnSpc>
+                <a:spcPct val="90000"/>
+              </a:lnSpc>
+              <a:spcBef>
+                <a:spcPts val="500"/>
+              </a:spcBef>
+              <a:buFont typeface="Arial" panose="020B0604020202020204" pitchFamily="34" charset="0"/>
+              <a:buNone/>
+              <a:defRPr sz="1600" kern="1200">
+                <a:solidFill>
+                  <a:schemeClr val="tx1"/>
+                </a:solidFill>
+                <a:latin typeface="+mn-lt"/>
+                <a:ea typeface="+mn-ea"/>
+                <a:cs typeface="+mn-cs"/>
+              </a:defRPr>
+            </a:lvl9pPr>
+          </a:lstStyle>
+          <a:p>
+            <a:pPr algn="l"/>
+            <a:endParaRPr lang="en-US" sz="3200" dirty="0">
+              <a:latin typeface="Century Gothic" panose="020B0502020202090204" pitchFamily="34" charset="0"/>
+            </a:endParaRPr>
+          </a:p>
+        </p:txBody>
+      </p:sp>
+      <p:sp>
+        <p:nvSpPr>
+          <p:cNvPr id="3" name="TextBox 2">
+            <a:extLst>
+              <a:ext uri="{FF2B5EF4-FFF2-40B4-BE49-F238E27FC236}">
+                <a16:creationId xmlns:a16="http://schemas.microsoft.com/office/drawing/2014/main" id="{EAD47845-7B0F-4589-A4F6-5510F2647AF3}"/>
+              </a:ext>
+            </a:extLst>
+          </p:cNvPr>
+          <p:cNvSpPr txBox="1"/>
+          <p:nvPr/>
+        </p:nvSpPr>
+        <p:spPr>
+          <a:xfrm>
+            <a:off x="4872111" y="339944"/>
+            <a:ext cx="6402530" cy="1200329"/>
+          </a:xfrm>
+          <a:prstGeom prst="rect">
+            <a:avLst/>
+          </a:prstGeom>
+          <a:noFill/>
+        </p:spPr>
+        <p:txBody>
+          <a:bodyPr wrap="square" rtlCol="0">
+            <a:spAutoFit/>
+          </a:bodyPr>
+          <a:lstStyle/>
+          <a:p>
+            <a:r>
+              <a:rPr lang="en-US" sz="2400" dirty="0">
+                <a:latin typeface="Century Gothic" panose="020B0502020202090204" pitchFamily="34" charset="0"/>
+              </a:rPr>
+              <a:t>Then we have cleaned up the dataset.</a:t>
+            </a:r>
+          </a:p>
+          <a:p>
+            <a:r>
+              <a:rPr lang="en-US" sz="2400" dirty="0">
+                <a:latin typeface="Century Gothic" panose="020B0502020202090204" pitchFamily="34" charset="0"/>
+              </a:rPr>
+              <a:t>It includes encoding, dropping </a:t>
+            </a:r>
+            <a:r>
+              <a:rPr lang="en-US" sz="2400" dirty="0" err="1">
+                <a:latin typeface="Century Gothic" panose="020B0502020202090204" pitchFamily="34" charset="0"/>
+              </a:rPr>
+              <a:t>NaN</a:t>
+            </a:r>
+            <a:r>
+              <a:rPr lang="en-US" sz="2400" dirty="0">
+                <a:latin typeface="Century Gothic" panose="020B0502020202090204" pitchFamily="34" charset="0"/>
+              </a:rPr>
+              <a:t> and duplicates values.</a:t>
+            </a:r>
+          </a:p>
+        </p:txBody>
+      </p:sp>
+      <p:pic>
+        <p:nvPicPr>
+          <p:cNvPr id="8" name="Picture 7">
+            <a:extLst>
+              <a:ext uri="{FF2B5EF4-FFF2-40B4-BE49-F238E27FC236}">
+                <a16:creationId xmlns:a16="http://schemas.microsoft.com/office/drawing/2014/main" id="{68A78C1F-828B-4909-8A3A-78BE39CE7544}"/>
+              </a:ext>
+            </a:extLst>
+          </p:cNvPr>
+          <p:cNvPicPr>
+            <a:picLocks noChangeAspect="1"/>
+          </p:cNvPicPr>
+          <p:nvPr/>
+        </p:nvPicPr>
+        <p:blipFill>
+          <a:blip r:embed="rId2"/>
+          <a:stretch>
+            <a:fillRect/>
+          </a:stretch>
+        </p:blipFill>
+        <p:spPr>
+          <a:xfrm>
+            <a:off x="4728100" y="1816257"/>
+            <a:ext cx="2690785" cy="3078830"/>
+          </a:xfrm>
+          <a:prstGeom prst="rect">
+            <a:avLst/>
+          </a:prstGeom>
+        </p:spPr>
+      </p:pic>
+      <p:pic>
+        <p:nvPicPr>
+          <p:cNvPr id="12" name="Picture 11">
+            <a:extLst>
+              <a:ext uri="{FF2B5EF4-FFF2-40B4-BE49-F238E27FC236}">
+                <a16:creationId xmlns:a16="http://schemas.microsoft.com/office/drawing/2014/main" id="{9FE6ED6A-62C8-44E8-B280-4EE50F8F1D5C}"/>
+              </a:ext>
+            </a:extLst>
+          </p:cNvPr>
+          <p:cNvPicPr>
+            <a:picLocks noChangeAspect="1"/>
+          </p:cNvPicPr>
+          <p:nvPr/>
+        </p:nvPicPr>
+        <p:blipFill>
+          <a:blip r:embed="rId3"/>
+          <a:stretch>
+            <a:fillRect/>
+          </a:stretch>
+        </p:blipFill>
+        <p:spPr>
+          <a:xfrm>
+            <a:off x="9472558" y="1816257"/>
+            <a:ext cx="2412674" cy="2719148"/>
+          </a:xfrm>
+          <a:prstGeom prst="rect">
+            <a:avLst/>
+          </a:prstGeom>
+        </p:spPr>
+      </p:pic>
+      <p:pic>
+        <p:nvPicPr>
+          <p:cNvPr id="10" name="Picture 9">
+            <a:extLst>
+              <a:ext uri="{FF2B5EF4-FFF2-40B4-BE49-F238E27FC236}">
+                <a16:creationId xmlns:a16="http://schemas.microsoft.com/office/drawing/2014/main" id="{542A0046-4B0D-4CB5-88DA-EFDF201D102D}"/>
+              </a:ext>
+            </a:extLst>
+          </p:cNvPr>
+          <p:cNvPicPr>
+            <a:picLocks noChangeAspect="1"/>
+          </p:cNvPicPr>
+          <p:nvPr/>
+        </p:nvPicPr>
+        <p:blipFill>
+          <a:blip r:embed="rId4"/>
+          <a:stretch>
+            <a:fillRect/>
+          </a:stretch>
+        </p:blipFill>
+        <p:spPr>
+          <a:xfrm>
+            <a:off x="2996119" y="5341142"/>
+            <a:ext cx="8991146" cy="1176914"/>
+          </a:xfrm>
+          <a:prstGeom prst="rect">
+            <a:avLst/>
+          </a:prstGeom>
+        </p:spPr>
+      </p:pic>
+    </p:spTree>
+    <p:extLst>
+      <p:ext uri="{BB962C8B-B14F-4D97-AF65-F5344CB8AC3E}">
+        <p14:creationId xmlns:p14="http://schemas.microsoft.com/office/powerpoint/2010/main" val="1061080657"/>
+      </p:ext>
+    </p:extLst>
+  </p:cSld>
+  <p:clrMapOvr>
+    <a:masterClrMapping/>
+  </p:clrMapOvr>
+</p:sld>
+</file>
+
+<file path=ppt/slides/slide6.xml><?xml version="1.0" encoding="utf-8"?>
+<p:sld xmlns:a="http://schemas.openxmlformats.org/drawingml/2006/main" xmlns:r="http://schemas.openxmlformats.org/officeDocument/2006/relationships" xmlns:p="http://schemas.openxmlformats.org/presentationml/2006/main">
+  <p:cSld>
+    <p:bg>
+      <p:bgPr>
+        <a:solidFill>
+          <a:schemeClr val="bg1"/>
+        </a:solidFill>
+        <a:effectLst/>
+      </p:bgPr>
+    </p:bg>
+    <p:spTree>
+      <p:nvGrpSpPr>
+        <p:cNvPr id="1" name=""/>
+        <p:cNvGrpSpPr/>
+        <p:nvPr/>
+      </p:nvGrpSpPr>
+      <p:grpSpPr>
+        <a:xfrm>
+          <a:off x="0" y="0"/>
+          <a:ext cx="0" cy="0"/>
+          <a:chOff x="0" y="0"/>
+          <a:chExt cx="0" cy="0"/>
+        </a:xfrm>
+      </p:grpSpPr>
+      <p:sp>
+        <p:nvSpPr>
+          <p:cNvPr id="9" name="Rectangle 8">
+            <a:extLst>
+              <a:ext uri="{FF2B5EF4-FFF2-40B4-BE49-F238E27FC236}">
+                <a16:creationId xmlns:a16="http://schemas.microsoft.com/office/drawing/2014/main" id="{E35A04CF-97D4-4FF7-B359-C546B1F62E54}"/>
+              </a:ext>
+              <a:ext uri="{C183D7F6-B498-43B3-948B-1728B52AA6E4}">
+                <adec:decorative xmlns:adec="http://schemas.microsoft.com/office/drawing/2017/decorative" val="1"/>
+              </a:ext>
+            </a:extLst>
+          </p:cNvPr>
+          <p:cNvSpPr>
+            <a:spLocks noGrp="1" noRot="1" noChangeAspect="1" noMove="1" noResize="1" noEditPoints="1" noAdjustHandles="1" noChangeArrowheads="1" noChangeShapeType="1" noTextEdit="1"/>
+          </p:cNvSpPr>
+          <p:nvPr>
+            <p:extLst>
+              <p:ext uri="{386F3935-93C4-4BCD-93E2-E3B085C9AB24}">
+                <p16:designElem xmlns:p16="http://schemas.microsoft.com/office/powerpoint/2015/main" val="1"/>
+              </p:ext>
+            </p:extLst>
+          </p:nvPr>
+        </p:nvSpPr>
+        <p:spPr>
+          <a:xfrm>
+            <a:off x="0" y="0"/>
+            <a:ext cx="12191999" cy="6858000"/>
+          </a:xfrm>
+          <a:prstGeom prst="rect">
+            <a:avLst/>
+          </a:prstGeom>
+          <a:solidFill>
+            <a:schemeClr val="bg1">
+              <a:lumMod val="85000"/>
+            </a:schemeClr>
+          </a:solidFill>
+          <a:ln>
+            <a:noFill/>
+          </a:ln>
+        </p:spPr>
+        <p:style>
+          <a:lnRef idx="2">
+            <a:schemeClr val="accent1">
+              <a:shade val="50000"/>
+            </a:schemeClr>
+          </a:lnRef>
+          <a:fillRef idx="1">
+            <a:schemeClr val="accent1"/>
+          </a:fillRef>
+          <a:effectRef idx="0">
+            <a:schemeClr val="accent1"/>
+          </a:effectRef>
+          <a:fontRef idx="minor">
+            <a:schemeClr val="lt1"/>
+          </a:fontRef>
+        </p:style>
+        <p:txBody>
+          <a:bodyPr rtlCol="0" anchor="ctr"/>
+          <a:lstStyle/>
+          <a:p>
+            <a:pPr algn="ctr"/>
+            <a:endParaRPr lang="en-US"/>
+          </a:p>
+        </p:txBody>
+      </p:sp>
+      <p:sp>
+        <p:nvSpPr>
+          <p:cNvPr id="11" name="Freeform: Shape 10">
+            <a:extLst>
+              <a:ext uri="{FF2B5EF4-FFF2-40B4-BE49-F238E27FC236}">
+                <a16:creationId xmlns:a16="http://schemas.microsoft.com/office/drawing/2014/main" id="{1DE7243B-5109-444B-8FAF-7437C66BC0E9}"/>
+              </a:ext>
+              <a:ext uri="{C183D7F6-B498-43B3-948B-1728B52AA6E4}">
+                <adec:decorative xmlns:adec="http://schemas.microsoft.com/office/drawing/2017/decorative" val="1"/>
+              </a:ext>
+            </a:extLst>
+          </p:cNvPr>
+          <p:cNvSpPr>
+            <a:spLocks noGrp="1" noRot="1" noChangeAspect="1" noMove="1" noResize="1" noEditPoints="1" noAdjustHandles="1" noChangeArrowheads="1" noChangeShapeType="1" noTextEdit="1"/>
+          </p:cNvSpPr>
+          <p:nvPr>
+            <p:extLst>
+              <p:ext uri="{386F3935-93C4-4BCD-93E2-E3B085C9AB24}">
+                <p16:designElem xmlns:p16="http://schemas.microsoft.com/office/powerpoint/2015/main" val="1"/>
+              </p:ext>
+            </p:extLst>
+          </p:nvPr>
+        </p:nvSpPr>
+        <p:spPr>
+          <a:xfrm flipH="1">
+            <a:off x="0" y="0"/>
+            <a:ext cx="4421332" cy="6858000"/>
+          </a:xfrm>
+          <a:custGeom>
+            <a:avLst/>
+            <a:gdLst>
+              <a:gd name="connsiteX0" fmla="*/ 4421332 w 4421332"/>
+              <a:gd name="connsiteY0" fmla="*/ 0 h 6858000"/>
+              <a:gd name="connsiteX1" fmla="*/ 69075 w 4421332"/>
+              <a:gd name="connsiteY1" fmla="*/ 0 h 6858000"/>
+              <a:gd name="connsiteX2" fmla="*/ 35131 w 4421332"/>
+              <a:gd name="connsiteY2" fmla="*/ 267128 h 6858000"/>
+              <a:gd name="connsiteX3" fmla="*/ 0 w 4421332"/>
+              <a:gd name="connsiteY3" fmla="*/ 962845 h 6858000"/>
+              <a:gd name="connsiteX4" fmla="*/ 3276103 w 4421332"/>
+              <a:gd name="connsiteY4" fmla="*/ 6782205 h 6858000"/>
+              <a:gd name="connsiteX5" fmla="*/ 3407923 w 4421332"/>
+              <a:gd name="connsiteY5" fmla="*/ 6858000 h 6858000"/>
+              <a:gd name="connsiteX6" fmla="*/ 4421332 w 4421332"/>
+              <a:gd name="connsiteY6" fmla="*/ 6858000 h 6858000"/>
+            </a:gdLst>
+            <a:ahLst/>
+            <a:cxnLst>
+              <a:cxn ang="0">
+                <a:pos x="connsiteX0" y="connsiteY0"/>
+              </a:cxn>
+              <a:cxn ang="0">
+                <a:pos x="connsiteX1" y="connsiteY1"/>
+              </a:cxn>
+              <a:cxn ang="0">
+                <a:pos x="connsiteX2" y="connsiteY2"/>
+              </a:cxn>
+              <a:cxn ang="0">
+                <a:pos x="connsiteX3" y="connsiteY3"/>
+              </a:cxn>
+              <a:cxn ang="0">
+                <a:pos x="connsiteX4" y="connsiteY4"/>
+              </a:cxn>
+              <a:cxn ang="0">
+                <a:pos x="connsiteX5" y="connsiteY5"/>
+              </a:cxn>
+              <a:cxn ang="0">
+                <a:pos x="connsiteX6" y="connsiteY6"/>
+              </a:cxn>
+            </a:cxnLst>
+            <a:rect l="l" t="t" r="r" b="b"/>
+            <a:pathLst>
+              <a:path w="4421332" h="6858000">
+                <a:moveTo>
+                  <a:pt x="4421332" y="0"/>
+                </a:moveTo>
+                <a:lnTo>
+                  <a:pt x="69075" y="0"/>
+                </a:lnTo>
+                <a:lnTo>
+                  <a:pt x="35131" y="267128"/>
+                </a:lnTo>
+                <a:cubicBezTo>
+                  <a:pt x="11901" y="495874"/>
+                  <a:pt x="0" y="727970"/>
+                  <a:pt x="0" y="962845"/>
+                </a:cubicBezTo>
+                <a:cubicBezTo>
+                  <a:pt x="0" y="3429034"/>
+                  <a:pt x="1312002" y="5588789"/>
+                  <a:pt x="3276103" y="6782205"/>
+                </a:cubicBezTo>
+                <a:lnTo>
+                  <a:pt x="3407923" y="6858000"/>
+                </a:lnTo>
+                <a:lnTo>
+                  <a:pt x="4421332" y="6858000"/>
+                </a:lnTo>
+                <a:close/>
+              </a:path>
+            </a:pathLst>
+          </a:custGeom>
+          <a:solidFill>
+            <a:srgbClr val="FFFFFF">
+              <a:alpha val="80000"/>
+            </a:srgbClr>
+          </a:solidFill>
+          <a:ln>
+            <a:noFill/>
+          </a:ln>
+        </p:spPr>
+        <p:style>
+          <a:lnRef idx="2">
+            <a:schemeClr val="accent1">
+              <a:shade val="50000"/>
+            </a:schemeClr>
+          </a:lnRef>
+          <a:fillRef idx="1">
+            <a:schemeClr val="accent1"/>
+          </a:fillRef>
+          <a:effectRef idx="0">
+            <a:schemeClr val="accent1"/>
+          </a:effectRef>
+          <a:fontRef idx="minor">
+            <a:schemeClr val="lt1"/>
+          </a:fontRef>
+        </p:style>
+        <p:txBody>
+          <a:bodyPr wrap="square" rtlCol="0" anchor="ctr">
+            <a:noAutofit/>
+          </a:bodyPr>
+          <a:lstStyle/>
+          <a:p>
+            <a:pPr marL="0" marR="0" lvl="0" indent="0" algn="ctr" defTabSz="914400" rtl="0" eaLnBrk="1" fontAlgn="auto" latinLnBrk="0" hangingPunct="1">
+              <a:lnSpc>
+                <a:spcPct val="100000"/>
+              </a:lnSpc>
+              <a:spcBef>
+                <a:spcPts val="0"/>
+              </a:spcBef>
+              <a:spcAft>
+                <a:spcPts val="0"/>
+              </a:spcAft>
+              <a:buClrTx/>
+              <a:buSzTx/>
+              <a:buFontTx/>
+              <a:buNone/>
+              <a:tabLst/>
+              <a:defRPr/>
+            </a:pPr>
+            <a:endParaRPr kumimoji="0" lang="en-US" sz="1800" b="0" i="0" u="none" strike="noStrike" kern="1200" cap="none" spc="0" normalizeH="0" baseline="0" noProof="0">
+              <a:ln>
+                <a:noFill/>
+              </a:ln>
+              <a:solidFill>
+                <a:prstClr val="white"/>
+              </a:solidFill>
+              <a:effectLst/>
+              <a:uLnTx/>
+              <a:uFillTx/>
+              <a:latin typeface="Calibri" panose="020F0502020204030204"/>
+              <a:ea typeface="+mn-ea"/>
+              <a:cs typeface="+mn-cs"/>
+            </a:endParaRPr>
+          </a:p>
+        </p:txBody>
+      </p:sp>
+      <p:sp>
+        <p:nvSpPr>
+          <p:cNvPr id="13" name="Freeform: Shape 12">
+            <a:extLst>
+              <a:ext uri="{FF2B5EF4-FFF2-40B4-BE49-F238E27FC236}">
+                <a16:creationId xmlns:a16="http://schemas.microsoft.com/office/drawing/2014/main" id="{4C5D6221-DA7B-4611-AA26-7D8E349FDE96}"/>
+              </a:ext>
+              <a:ext uri="{C183D7F6-B498-43B3-948B-1728B52AA6E4}">
+                <adec:decorative xmlns:adec="http://schemas.microsoft.com/office/drawing/2017/decorative" val="1"/>
+              </a:ext>
+            </a:extLst>
+          </p:cNvPr>
+          <p:cNvSpPr>
+            <a:spLocks noGrp="1" noRot="1" noChangeAspect="1" noMove="1" noResize="1" noEditPoints="1" noAdjustHandles="1" noChangeArrowheads="1" noChangeShapeType="1" noTextEdit="1"/>
+          </p:cNvSpPr>
+          <p:nvPr>
+            <p:extLst>
+              <p:ext uri="{386F3935-93C4-4BCD-93E2-E3B085C9AB24}">
+                <p16:designElem xmlns:p16="http://schemas.microsoft.com/office/powerpoint/2015/main" val="1"/>
+              </p:ext>
+            </p:extLst>
+          </p:nvPr>
+        </p:nvSpPr>
+        <p:spPr>
+          <a:xfrm>
+            <a:off x="1" y="0"/>
+            <a:ext cx="4232227" cy="6858000"/>
+          </a:xfrm>
+          <a:custGeom>
+            <a:avLst/>
+            <a:gdLst>
+              <a:gd name="connsiteX0" fmla="*/ 0 w 4232227"/>
+              <a:gd name="connsiteY0" fmla="*/ 0 h 6858000"/>
+              <a:gd name="connsiteX1" fmla="*/ 4161853 w 4232227"/>
+              <a:gd name="connsiteY1" fmla="*/ 0 h 6858000"/>
+              <a:gd name="connsiteX2" fmla="*/ 4197953 w 4232227"/>
+              <a:gd name="connsiteY2" fmla="*/ 284091 h 6858000"/>
+              <a:gd name="connsiteX3" fmla="*/ 4232227 w 4232227"/>
+              <a:gd name="connsiteY3" fmla="*/ 962844 h 6858000"/>
+              <a:gd name="connsiteX4" fmla="*/ 758007 w 4232227"/>
+              <a:gd name="connsiteY4" fmla="*/ 6800152 h 6858000"/>
+              <a:gd name="connsiteX5" fmla="*/ 645060 w 4232227"/>
+              <a:gd name="connsiteY5" fmla="*/ 6858000 h 6858000"/>
+              <a:gd name="connsiteX6" fmla="*/ 0 w 4232227"/>
+              <a:gd name="connsiteY6" fmla="*/ 6858000 h 6858000"/>
+            </a:gdLst>
+            <a:ahLst/>
+            <a:cxnLst>
+              <a:cxn ang="0">
+                <a:pos x="connsiteX0" y="connsiteY0"/>
+              </a:cxn>
+              <a:cxn ang="0">
+                <a:pos x="connsiteX1" y="connsiteY1"/>
+              </a:cxn>
+              <a:cxn ang="0">
+                <a:pos x="connsiteX2" y="connsiteY2"/>
+              </a:cxn>
+              <a:cxn ang="0">
+                <a:pos x="connsiteX3" y="connsiteY3"/>
+              </a:cxn>
+              <a:cxn ang="0">
+                <a:pos x="connsiteX4" y="connsiteY4"/>
+              </a:cxn>
+              <a:cxn ang="0">
+                <a:pos x="connsiteX5" y="connsiteY5"/>
+              </a:cxn>
+              <a:cxn ang="0">
+                <a:pos x="connsiteX6" y="connsiteY6"/>
+              </a:cxn>
+            </a:cxnLst>
+            <a:rect l="l" t="t" r="r" b="b"/>
+            <a:pathLst>
+              <a:path w="4232227" h="6858000">
+                <a:moveTo>
+                  <a:pt x="0" y="0"/>
+                </a:moveTo>
+                <a:lnTo>
+                  <a:pt x="4161853" y="0"/>
+                </a:lnTo>
+                <a:lnTo>
+                  <a:pt x="4197953" y="284091"/>
+                </a:lnTo>
+                <a:cubicBezTo>
+                  <a:pt x="4220617" y="507260"/>
+                  <a:pt x="4232227" y="733696"/>
+                  <a:pt x="4232227" y="962844"/>
+                </a:cubicBezTo>
+                <a:cubicBezTo>
+                  <a:pt x="4232227" y="3483472"/>
+                  <a:pt x="2827409" y="5675986"/>
+                  <a:pt x="758007" y="6800152"/>
+                </a:cubicBezTo>
+                <a:lnTo>
+                  <a:pt x="645060" y="6858000"/>
+                </a:lnTo>
+                <a:lnTo>
+                  <a:pt x="0" y="6858000"/>
+                </a:lnTo>
+                <a:close/>
+              </a:path>
+            </a:pathLst>
+          </a:custGeom>
+          <a:solidFill>
+            <a:srgbClr val="404040"/>
+          </a:solidFill>
+          <a:ln>
+            <a:noFill/>
+          </a:ln>
+        </p:spPr>
+        <p:style>
+          <a:lnRef idx="2">
+            <a:schemeClr val="accent1">
+              <a:shade val="50000"/>
+            </a:schemeClr>
+          </a:lnRef>
+          <a:fillRef idx="1">
+            <a:schemeClr val="accent1"/>
+          </a:fillRef>
+          <a:effectRef idx="0">
+            <a:schemeClr val="accent1"/>
+          </a:effectRef>
+          <a:fontRef idx="minor">
+            <a:schemeClr val="lt1"/>
+          </a:fontRef>
+        </p:style>
+        <p:txBody>
+          <a:bodyPr wrap="square" rtlCol="0" anchor="ctr">
+            <a:noAutofit/>
+          </a:bodyPr>
+          <a:lstStyle/>
+          <a:p>
+            <a:pPr marL="0" marR="0" lvl="0" indent="0" algn="ctr" defTabSz="914400" rtl="0" eaLnBrk="1" fontAlgn="auto" latinLnBrk="0" hangingPunct="1">
+              <a:lnSpc>
+                <a:spcPct val="100000"/>
+              </a:lnSpc>
+              <a:spcBef>
+                <a:spcPts val="0"/>
+              </a:spcBef>
+              <a:spcAft>
+                <a:spcPts val="0"/>
+              </a:spcAft>
+              <a:buClrTx/>
+              <a:buSzTx/>
+              <a:buFontTx/>
+              <a:buNone/>
+              <a:tabLst/>
+              <a:defRPr/>
+            </a:pPr>
+            <a:endParaRPr kumimoji="0" lang="en-US" sz="1800" b="0" i="0" u="none" strike="noStrike" kern="1200" cap="none" spc="0" normalizeH="0" baseline="0" noProof="0">
+              <a:ln>
+                <a:noFill/>
+              </a:ln>
+              <a:solidFill>
+                <a:prstClr val="white"/>
+              </a:solidFill>
+              <a:effectLst/>
+              <a:uLnTx/>
+              <a:uFillTx/>
+              <a:latin typeface="Calibri" panose="020F0502020204030204"/>
+              <a:ea typeface="+mn-ea"/>
+              <a:cs typeface="+mn-cs"/>
+            </a:endParaRPr>
+          </a:p>
+        </p:txBody>
+      </p:sp>
+      <p:sp>
+        <p:nvSpPr>
+          <p:cNvPr id="2" name="Titre 1">
+            <a:extLst>
+              <a:ext uri="{FF2B5EF4-FFF2-40B4-BE49-F238E27FC236}">
+                <a16:creationId xmlns:a16="http://schemas.microsoft.com/office/drawing/2014/main" id="{77328127-2658-29C0-D5B6-2E19F8D9CB6F}"/>
+              </a:ext>
+            </a:extLst>
+          </p:cNvPr>
+          <p:cNvSpPr>
+            <a:spLocks noGrp="1"/>
+          </p:cNvSpPr>
+          <p:nvPr>
+            <p:ph type="ctrTitle"/>
+          </p:nvPr>
+        </p:nvSpPr>
+        <p:spPr>
+          <a:xfrm>
+            <a:off x="306769" y="2060796"/>
+            <a:ext cx="3555017" cy="1137385"/>
+          </a:xfrm>
+        </p:spPr>
+        <p:txBody>
+          <a:bodyPr vert="horz" lIns="91440" tIns="45720" rIns="91440" bIns="45720" rtlCol="0" anchor="t">
+            <a:normAutofit/>
+          </a:bodyPr>
+          <a:lstStyle/>
+          <a:p>
+            <a:pPr algn="l"/>
+            <a:r>
+              <a:rPr lang="en-US" sz="3600" b="1" dirty="0">
+                <a:solidFill>
+                  <a:srgbClr val="FFFFFF"/>
+                </a:solidFill>
+                <a:latin typeface="Century Gothic" panose="020B0502020202090204" pitchFamily="34" charset="0"/>
+              </a:rPr>
+              <a:t>Data preprocessing:</a:t>
+            </a:r>
+            <a:endParaRPr lang="en-US" sz="3600" b="1" kern="1200" dirty="0">
+              <a:solidFill>
+                <a:srgbClr val="FFFFFF"/>
+              </a:solidFill>
+              <a:latin typeface="Century Gothic" panose="020B0502020202090204" pitchFamily="34" charset="0"/>
+            </a:endParaRPr>
+          </a:p>
+        </p:txBody>
+      </p:sp>
+      <p:sp>
+        <p:nvSpPr>
+          <p:cNvPr id="4" name="Sous-titre 2">
+            <a:extLst>
+              <a:ext uri="{FF2B5EF4-FFF2-40B4-BE49-F238E27FC236}">
+                <a16:creationId xmlns:a16="http://schemas.microsoft.com/office/drawing/2014/main" id="{F268D261-47EE-1D4F-CCA1-52A3131E5925}"/>
+              </a:ext>
+            </a:extLst>
+          </p:cNvPr>
+          <p:cNvSpPr txBox="1">
+            <a:spLocks/>
+          </p:cNvSpPr>
+          <p:nvPr/>
+        </p:nvSpPr>
+        <p:spPr>
+          <a:xfrm>
+            <a:off x="5315546" y="1816257"/>
+            <a:ext cx="6569685" cy="950716"/>
+          </a:xfrm>
+          <a:prstGeom prst="rect">
+            <a:avLst/>
+          </a:prstGeom>
+        </p:spPr>
+        <p:txBody>
+          <a:bodyPr vert="horz" lIns="91440" tIns="45720" rIns="91440" bIns="45720" rtlCol="0">
+            <a:noAutofit/>
+          </a:bodyPr>
+          <a:lstStyle>
+            <a:lvl1pPr marL="0" indent="0" algn="ctr" defTabSz="914400" rtl="0" eaLnBrk="1" latinLnBrk="0" hangingPunct="1">
+              <a:lnSpc>
+                <a:spcPct val="90000"/>
+              </a:lnSpc>
+              <a:spcBef>
+                <a:spcPts val="1000"/>
+              </a:spcBef>
+              <a:buFont typeface="Arial" panose="020B0604020202020204" pitchFamily="34" charset="0"/>
+              <a:buNone/>
+              <a:defRPr sz="2400" kern="1200">
+                <a:solidFill>
+                  <a:schemeClr val="tx1"/>
+                </a:solidFill>
+                <a:latin typeface="+mn-lt"/>
+                <a:ea typeface="+mn-ea"/>
+                <a:cs typeface="+mn-cs"/>
+              </a:defRPr>
+            </a:lvl1pPr>
+            <a:lvl2pPr marL="457200" indent="0" algn="ctr" defTabSz="914400" rtl="0" eaLnBrk="1" latinLnBrk="0" hangingPunct="1">
+              <a:lnSpc>
+                <a:spcPct val="90000"/>
+              </a:lnSpc>
+              <a:spcBef>
+                <a:spcPts val="500"/>
+              </a:spcBef>
+              <a:buFont typeface="Arial" panose="020B0604020202020204" pitchFamily="34" charset="0"/>
+              <a:buNone/>
+              <a:defRPr sz="2000" kern="1200">
+                <a:solidFill>
+                  <a:schemeClr val="tx1"/>
+                </a:solidFill>
+                <a:latin typeface="+mn-lt"/>
+                <a:ea typeface="+mn-ea"/>
+                <a:cs typeface="+mn-cs"/>
+              </a:defRPr>
+            </a:lvl2pPr>
+            <a:lvl3pPr marL="914400" indent="0" algn="ctr" defTabSz="914400" rtl="0" eaLnBrk="1" latinLnBrk="0" hangingPunct="1">
+              <a:lnSpc>
+                <a:spcPct val="90000"/>
+              </a:lnSpc>
+              <a:spcBef>
+                <a:spcPts val="500"/>
+              </a:spcBef>
+              <a:buFont typeface="Arial" panose="020B0604020202020204" pitchFamily="34" charset="0"/>
+              <a:buNone/>
+              <a:defRPr sz="1800" kern="1200">
+                <a:solidFill>
+                  <a:schemeClr val="tx1"/>
+                </a:solidFill>
+                <a:latin typeface="+mn-lt"/>
+                <a:ea typeface="+mn-ea"/>
+                <a:cs typeface="+mn-cs"/>
+              </a:defRPr>
+            </a:lvl3pPr>
+            <a:lvl4pPr marL="1371600" indent="0" algn="ctr" defTabSz="914400" rtl="0" eaLnBrk="1" latinLnBrk="0" hangingPunct="1">
+              <a:lnSpc>
+                <a:spcPct val="90000"/>
+              </a:lnSpc>
+              <a:spcBef>
+                <a:spcPts val="500"/>
+              </a:spcBef>
+              <a:buFont typeface="Arial" panose="020B0604020202020204" pitchFamily="34" charset="0"/>
+              <a:buNone/>
+              <a:defRPr sz="1600" kern="1200">
+                <a:solidFill>
+                  <a:schemeClr val="tx1"/>
+                </a:solidFill>
+                <a:latin typeface="+mn-lt"/>
+                <a:ea typeface="+mn-ea"/>
+                <a:cs typeface="+mn-cs"/>
+              </a:defRPr>
+            </a:lvl4pPr>
+            <a:lvl5pPr marL="1828800" indent="0" algn="ctr" defTabSz="914400" rtl="0" eaLnBrk="1" latinLnBrk="0" hangingPunct="1">
+              <a:lnSpc>
+                <a:spcPct val="90000"/>
+              </a:lnSpc>
+              <a:spcBef>
+                <a:spcPts val="500"/>
+              </a:spcBef>
+              <a:buFont typeface="Arial" panose="020B0604020202020204" pitchFamily="34" charset="0"/>
+              <a:buNone/>
+              <a:defRPr sz="1600" kern="1200">
+                <a:solidFill>
+                  <a:schemeClr val="tx1"/>
+                </a:solidFill>
+                <a:latin typeface="+mn-lt"/>
+                <a:ea typeface="+mn-ea"/>
+                <a:cs typeface="+mn-cs"/>
+              </a:defRPr>
+            </a:lvl5pPr>
+            <a:lvl6pPr marL="2286000" indent="0" algn="ctr" defTabSz="914400" rtl="0" eaLnBrk="1" latinLnBrk="0" hangingPunct="1">
+              <a:lnSpc>
+                <a:spcPct val="90000"/>
+              </a:lnSpc>
+              <a:spcBef>
+                <a:spcPts val="500"/>
+              </a:spcBef>
+              <a:buFont typeface="Arial" panose="020B0604020202020204" pitchFamily="34" charset="0"/>
+              <a:buNone/>
+              <a:defRPr sz="1600" kern="1200">
+                <a:solidFill>
+                  <a:schemeClr val="tx1"/>
+                </a:solidFill>
+                <a:latin typeface="+mn-lt"/>
+                <a:ea typeface="+mn-ea"/>
+                <a:cs typeface="+mn-cs"/>
+              </a:defRPr>
+            </a:lvl6pPr>
+            <a:lvl7pPr marL="2743200" indent="0" algn="ctr" defTabSz="914400" rtl="0" eaLnBrk="1" latinLnBrk="0" hangingPunct="1">
+              <a:lnSpc>
+                <a:spcPct val="90000"/>
+              </a:lnSpc>
+              <a:spcBef>
+                <a:spcPts val="500"/>
+              </a:spcBef>
+              <a:buFont typeface="Arial" panose="020B0604020202020204" pitchFamily="34" charset="0"/>
+              <a:buNone/>
+              <a:defRPr sz="1600" kern="1200">
+                <a:solidFill>
+                  <a:schemeClr val="tx1"/>
+                </a:solidFill>
+                <a:latin typeface="+mn-lt"/>
+                <a:ea typeface="+mn-ea"/>
+                <a:cs typeface="+mn-cs"/>
+              </a:defRPr>
+            </a:lvl7pPr>
+            <a:lvl8pPr marL="3200400" indent="0" algn="ctr" defTabSz="914400" rtl="0" eaLnBrk="1" latinLnBrk="0" hangingPunct="1">
+              <a:lnSpc>
+                <a:spcPct val="90000"/>
+              </a:lnSpc>
+              <a:spcBef>
+                <a:spcPts val="500"/>
+              </a:spcBef>
+              <a:buFont typeface="Arial" panose="020B0604020202020204" pitchFamily="34" charset="0"/>
+              <a:buNone/>
+              <a:defRPr sz="1600" kern="1200">
+                <a:solidFill>
+                  <a:schemeClr val="tx1"/>
+                </a:solidFill>
+                <a:latin typeface="+mn-lt"/>
+                <a:ea typeface="+mn-ea"/>
+                <a:cs typeface="+mn-cs"/>
+              </a:defRPr>
+            </a:lvl8pPr>
+            <a:lvl9pPr marL="3657600" indent="0" algn="ctr" defTabSz="914400" rtl="0" eaLnBrk="1" latinLnBrk="0" hangingPunct="1">
+              <a:lnSpc>
+                <a:spcPct val="90000"/>
+              </a:lnSpc>
+              <a:spcBef>
+                <a:spcPts val="500"/>
+              </a:spcBef>
+              <a:buFont typeface="Arial" panose="020B0604020202020204" pitchFamily="34" charset="0"/>
+              <a:buNone/>
+              <a:defRPr sz="1600" kern="1200">
+                <a:solidFill>
+                  <a:schemeClr val="tx1"/>
+                </a:solidFill>
+                <a:latin typeface="+mn-lt"/>
+                <a:ea typeface="+mn-ea"/>
+                <a:cs typeface="+mn-cs"/>
+              </a:defRPr>
+            </a:lvl9pPr>
+          </a:lstStyle>
+          <a:p>
+            <a:pPr algn="l"/>
+            <a:endParaRPr lang="en-US" sz="3200" dirty="0">
+              <a:latin typeface="Century Gothic" panose="020B0502020202090204" pitchFamily="34" charset="0"/>
+            </a:endParaRPr>
+          </a:p>
+        </p:txBody>
+      </p:sp>
+      <p:sp>
+        <p:nvSpPr>
+          <p:cNvPr id="3" name="TextBox 2">
+            <a:extLst>
+              <a:ext uri="{FF2B5EF4-FFF2-40B4-BE49-F238E27FC236}">
+                <a16:creationId xmlns:a16="http://schemas.microsoft.com/office/drawing/2014/main" id="{EAD47845-7B0F-4589-A4F6-5510F2647AF3}"/>
+              </a:ext>
+            </a:extLst>
+          </p:cNvPr>
+          <p:cNvSpPr txBox="1"/>
+          <p:nvPr/>
+        </p:nvSpPr>
+        <p:spPr>
+          <a:xfrm>
+            <a:off x="4872111" y="602591"/>
+            <a:ext cx="7013120" cy="830997"/>
+          </a:xfrm>
+          <a:prstGeom prst="rect">
+            <a:avLst/>
+          </a:prstGeom>
+          <a:noFill/>
+        </p:spPr>
+        <p:txBody>
+          <a:bodyPr wrap="square" rtlCol="0">
+            <a:spAutoFit/>
+          </a:bodyPr>
+          <a:lstStyle/>
+          <a:p>
+            <a:r>
+              <a:rPr lang="en-US" sz="2400" dirty="0">
+                <a:latin typeface="Century Gothic" panose="020B0502020202090204" pitchFamily="34" charset="0"/>
+              </a:rPr>
+              <a:t>The last step is the heatmap of the correlation matrix to find links between variables.</a:t>
+            </a:r>
+          </a:p>
+        </p:txBody>
+      </p:sp>
+      <p:pic>
+        <p:nvPicPr>
+          <p:cNvPr id="6" name="Picture 5">
+            <a:extLst>
+              <a:ext uri="{FF2B5EF4-FFF2-40B4-BE49-F238E27FC236}">
+                <a16:creationId xmlns:a16="http://schemas.microsoft.com/office/drawing/2014/main" id="{BE494B29-AC7A-4CD7-93C8-8409FDAA709C}"/>
+              </a:ext>
+            </a:extLst>
+          </p:cNvPr>
+          <p:cNvPicPr>
+            <a:picLocks noChangeAspect="1"/>
+          </p:cNvPicPr>
+          <p:nvPr/>
+        </p:nvPicPr>
+        <p:blipFill>
+          <a:blip r:embed="rId2"/>
+          <a:stretch>
+            <a:fillRect/>
+          </a:stretch>
+        </p:blipFill>
+        <p:spPr>
+          <a:xfrm>
+            <a:off x="4538996" y="2191502"/>
+            <a:ext cx="7500082" cy="4559494"/>
+          </a:xfrm>
+          <a:prstGeom prst="rect">
+            <a:avLst/>
+          </a:prstGeom>
+        </p:spPr>
+      </p:pic>
+    </p:spTree>
+    <p:extLst>
+      <p:ext uri="{BB962C8B-B14F-4D97-AF65-F5344CB8AC3E}">
+        <p14:creationId xmlns:p14="http://schemas.microsoft.com/office/powerpoint/2010/main" val="587511424"/>
+      </p:ext>
+    </p:extLst>
+  </p:cSld>
+  <p:clrMapOvr>
+    <a:masterClrMapping/>
+  </p:clrMapOvr>
+</p:sld>
+</file>
+
+<file path=ppt/slides/slide7.xml><?xml version="1.0" encoding="utf-8"?>
+<p:sld xmlns:a="http://schemas.openxmlformats.org/drawingml/2006/main" xmlns:r="http://schemas.openxmlformats.org/officeDocument/2006/relationships" xmlns:p="http://schemas.openxmlformats.org/presentationml/2006/main">
+  <p:cSld>
+    <p:bg>
+      <p:bgPr>
+        <a:solidFill>
+          <a:schemeClr val="bg1"/>
+        </a:solidFill>
+        <a:effectLst/>
+      </p:bgPr>
+    </p:bg>
+    <p:spTree>
+      <p:nvGrpSpPr>
+        <p:cNvPr id="1" name=""/>
+        <p:cNvGrpSpPr/>
+        <p:nvPr/>
+      </p:nvGrpSpPr>
+      <p:grpSpPr>
+        <a:xfrm>
+          <a:off x="0" y="0"/>
+          <a:ext cx="0" cy="0"/>
+          <a:chOff x="0" y="0"/>
+          <a:chExt cx="0" cy="0"/>
+        </a:xfrm>
+      </p:grpSpPr>
+      <p:sp>
+        <p:nvSpPr>
+          <p:cNvPr id="9" name="Rectangle 8">
+            <a:extLst>
+              <a:ext uri="{FF2B5EF4-FFF2-40B4-BE49-F238E27FC236}">
+                <a16:creationId xmlns:a16="http://schemas.microsoft.com/office/drawing/2014/main" id="{E35A04CF-97D4-4FF7-B359-C546B1F62E54}"/>
+              </a:ext>
+              <a:ext uri="{C183D7F6-B498-43B3-948B-1728B52AA6E4}">
+                <adec:decorative xmlns:adec="http://schemas.microsoft.com/office/drawing/2017/decorative" val="1"/>
+              </a:ext>
+            </a:extLst>
+          </p:cNvPr>
+          <p:cNvSpPr>
+            <a:spLocks noGrp="1" noRot="1" noChangeAspect="1" noMove="1" noResize="1" noEditPoints="1" noAdjustHandles="1" noChangeArrowheads="1" noChangeShapeType="1" noTextEdit="1"/>
+          </p:cNvSpPr>
+          <p:nvPr>
+            <p:extLst>
+              <p:ext uri="{386F3935-93C4-4BCD-93E2-E3B085C9AB24}">
+                <p16:designElem xmlns:p16="http://schemas.microsoft.com/office/powerpoint/2015/main" val="1"/>
+              </p:ext>
+            </p:extLst>
+          </p:nvPr>
+        </p:nvSpPr>
+        <p:spPr>
+          <a:xfrm>
+            <a:off x="0" y="0"/>
+            <a:ext cx="12191999" cy="6858000"/>
+          </a:xfrm>
+          <a:prstGeom prst="rect">
+            <a:avLst/>
+          </a:prstGeom>
+          <a:solidFill>
+            <a:schemeClr val="bg1">
+              <a:lumMod val="85000"/>
+            </a:schemeClr>
+          </a:solidFill>
+          <a:ln>
+            <a:noFill/>
+          </a:ln>
+        </p:spPr>
+        <p:style>
+          <a:lnRef idx="2">
+            <a:schemeClr val="accent1">
+              <a:shade val="50000"/>
+            </a:schemeClr>
+          </a:lnRef>
+          <a:fillRef idx="1">
+            <a:schemeClr val="accent1"/>
+          </a:fillRef>
+          <a:effectRef idx="0">
+            <a:schemeClr val="accent1"/>
+          </a:effectRef>
+          <a:fontRef idx="minor">
+            <a:schemeClr val="lt1"/>
+          </a:fontRef>
+        </p:style>
+        <p:txBody>
+          <a:bodyPr rtlCol="0" anchor="ctr"/>
+          <a:lstStyle/>
+          <a:p>
+            <a:pPr algn="ctr"/>
+            <a:endParaRPr lang="en-US"/>
+          </a:p>
+        </p:txBody>
+      </p:sp>
+      <p:sp>
+        <p:nvSpPr>
+          <p:cNvPr id="11" name="Freeform: Shape 10">
+            <a:extLst>
+              <a:ext uri="{FF2B5EF4-FFF2-40B4-BE49-F238E27FC236}">
+                <a16:creationId xmlns:a16="http://schemas.microsoft.com/office/drawing/2014/main" id="{1DE7243B-5109-444B-8FAF-7437C66BC0E9}"/>
+              </a:ext>
+              <a:ext uri="{C183D7F6-B498-43B3-948B-1728B52AA6E4}">
+                <adec:decorative xmlns:adec="http://schemas.microsoft.com/office/drawing/2017/decorative" val="1"/>
+              </a:ext>
+            </a:extLst>
+          </p:cNvPr>
+          <p:cNvSpPr>
+            <a:spLocks noGrp="1" noRot="1" noChangeAspect="1" noMove="1" noResize="1" noEditPoints="1" noAdjustHandles="1" noChangeArrowheads="1" noChangeShapeType="1" noTextEdit="1"/>
+          </p:cNvSpPr>
+          <p:nvPr>
+            <p:extLst>
+              <p:ext uri="{386F3935-93C4-4BCD-93E2-E3B085C9AB24}">
+                <p16:designElem xmlns:p16="http://schemas.microsoft.com/office/powerpoint/2015/main" val="1"/>
+              </p:ext>
+            </p:extLst>
+          </p:nvPr>
+        </p:nvSpPr>
+        <p:spPr>
+          <a:xfrm flipH="1">
+            <a:off x="0" y="0"/>
+            <a:ext cx="4421332" cy="6858000"/>
+          </a:xfrm>
+          <a:custGeom>
+            <a:avLst/>
+            <a:gdLst>
+              <a:gd name="connsiteX0" fmla="*/ 4421332 w 4421332"/>
+              <a:gd name="connsiteY0" fmla="*/ 0 h 6858000"/>
+              <a:gd name="connsiteX1" fmla="*/ 69075 w 4421332"/>
+              <a:gd name="connsiteY1" fmla="*/ 0 h 6858000"/>
+              <a:gd name="connsiteX2" fmla="*/ 35131 w 4421332"/>
+              <a:gd name="connsiteY2" fmla="*/ 267128 h 6858000"/>
+              <a:gd name="connsiteX3" fmla="*/ 0 w 4421332"/>
+              <a:gd name="connsiteY3" fmla="*/ 962845 h 6858000"/>
+              <a:gd name="connsiteX4" fmla="*/ 3276103 w 4421332"/>
+              <a:gd name="connsiteY4" fmla="*/ 6782205 h 6858000"/>
+              <a:gd name="connsiteX5" fmla="*/ 3407923 w 4421332"/>
+              <a:gd name="connsiteY5" fmla="*/ 6858000 h 6858000"/>
+              <a:gd name="connsiteX6" fmla="*/ 4421332 w 4421332"/>
+              <a:gd name="connsiteY6" fmla="*/ 6858000 h 6858000"/>
+            </a:gdLst>
+            <a:ahLst/>
+            <a:cxnLst>
+              <a:cxn ang="0">
+                <a:pos x="connsiteX0" y="connsiteY0"/>
+              </a:cxn>
+              <a:cxn ang="0">
+                <a:pos x="connsiteX1" y="connsiteY1"/>
+              </a:cxn>
+              <a:cxn ang="0">
+                <a:pos x="connsiteX2" y="connsiteY2"/>
+              </a:cxn>
+              <a:cxn ang="0">
+                <a:pos x="connsiteX3" y="connsiteY3"/>
+              </a:cxn>
+              <a:cxn ang="0">
+                <a:pos x="connsiteX4" y="connsiteY4"/>
+              </a:cxn>
+              <a:cxn ang="0">
+                <a:pos x="connsiteX5" y="connsiteY5"/>
+              </a:cxn>
+              <a:cxn ang="0">
+                <a:pos x="connsiteX6" y="connsiteY6"/>
+              </a:cxn>
+            </a:cxnLst>
+            <a:rect l="l" t="t" r="r" b="b"/>
+            <a:pathLst>
+              <a:path w="4421332" h="6858000">
+                <a:moveTo>
+                  <a:pt x="4421332" y="0"/>
+                </a:moveTo>
+                <a:lnTo>
+                  <a:pt x="69075" y="0"/>
+                </a:lnTo>
+                <a:lnTo>
+                  <a:pt x="35131" y="267128"/>
+                </a:lnTo>
+                <a:cubicBezTo>
+                  <a:pt x="11901" y="495874"/>
+                  <a:pt x="0" y="727970"/>
+                  <a:pt x="0" y="962845"/>
+                </a:cubicBezTo>
+                <a:cubicBezTo>
+                  <a:pt x="0" y="3429034"/>
+                  <a:pt x="1312002" y="5588789"/>
+                  <a:pt x="3276103" y="6782205"/>
+                </a:cubicBezTo>
+                <a:lnTo>
+                  <a:pt x="3407923" y="6858000"/>
+                </a:lnTo>
+                <a:lnTo>
+                  <a:pt x="4421332" y="6858000"/>
+                </a:lnTo>
+                <a:close/>
+              </a:path>
+            </a:pathLst>
+          </a:custGeom>
+          <a:solidFill>
+            <a:srgbClr val="FFFFFF">
+              <a:alpha val="80000"/>
+            </a:srgbClr>
+          </a:solidFill>
+          <a:ln>
+            <a:noFill/>
+          </a:ln>
+        </p:spPr>
+        <p:style>
+          <a:lnRef idx="2">
+            <a:schemeClr val="accent1">
+              <a:shade val="50000"/>
+            </a:schemeClr>
+          </a:lnRef>
+          <a:fillRef idx="1">
+            <a:schemeClr val="accent1"/>
+          </a:fillRef>
+          <a:effectRef idx="0">
+            <a:schemeClr val="accent1"/>
+          </a:effectRef>
+          <a:fontRef idx="minor">
+            <a:schemeClr val="lt1"/>
+          </a:fontRef>
+        </p:style>
+        <p:txBody>
+          <a:bodyPr wrap="square" rtlCol="0" anchor="ctr">
+            <a:noAutofit/>
+          </a:bodyPr>
+          <a:lstStyle/>
+          <a:p>
+            <a:pPr marL="0" marR="0" lvl="0" indent="0" algn="ctr" defTabSz="914400" rtl="0" eaLnBrk="1" fontAlgn="auto" latinLnBrk="0" hangingPunct="1">
+              <a:lnSpc>
+                <a:spcPct val="100000"/>
+              </a:lnSpc>
+              <a:spcBef>
+                <a:spcPts val="0"/>
+              </a:spcBef>
+              <a:spcAft>
+                <a:spcPts val="0"/>
+              </a:spcAft>
+              <a:buClrTx/>
+              <a:buSzTx/>
+              <a:buFontTx/>
+              <a:buNone/>
+              <a:tabLst/>
+              <a:defRPr/>
+            </a:pPr>
+            <a:endParaRPr kumimoji="0" lang="en-US" sz="1800" b="0" i="0" u="none" strike="noStrike" kern="1200" cap="none" spc="0" normalizeH="0" baseline="0" noProof="0">
+              <a:ln>
+                <a:noFill/>
+              </a:ln>
+              <a:solidFill>
+                <a:prstClr val="white"/>
+              </a:solidFill>
+              <a:effectLst/>
+              <a:uLnTx/>
+              <a:uFillTx/>
+              <a:latin typeface="Calibri" panose="020F0502020204030204"/>
+              <a:ea typeface="+mn-ea"/>
+              <a:cs typeface="+mn-cs"/>
+            </a:endParaRPr>
+          </a:p>
+        </p:txBody>
+      </p:sp>
+      <p:sp>
+        <p:nvSpPr>
+          <p:cNvPr id="13" name="Freeform: Shape 12">
+            <a:extLst>
+              <a:ext uri="{FF2B5EF4-FFF2-40B4-BE49-F238E27FC236}">
+                <a16:creationId xmlns:a16="http://schemas.microsoft.com/office/drawing/2014/main" id="{4C5D6221-DA7B-4611-AA26-7D8E349FDE96}"/>
+              </a:ext>
+              <a:ext uri="{C183D7F6-B498-43B3-948B-1728B52AA6E4}">
+                <adec:decorative xmlns:adec="http://schemas.microsoft.com/office/drawing/2017/decorative" val="1"/>
+              </a:ext>
+            </a:extLst>
+          </p:cNvPr>
+          <p:cNvSpPr>
+            <a:spLocks noGrp="1" noRot="1" noChangeAspect="1" noMove="1" noResize="1" noEditPoints="1" noAdjustHandles="1" noChangeArrowheads="1" noChangeShapeType="1" noTextEdit="1"/>
+          </p:cNvSpPr>
+          <p:nvPr>
+            <p:extLst>
+              <p:ext uri="{386F3935-93C4-4BCD-93E2-E3B085C9AB24}">
+                <p16:designElem xmlns:p16="http://schemas.microsoft.com/office/powerpoint/2015/main" val="1"/>
+              </p:ext>
+            </p:extLst>
+          </p:nvPr>
+        </p:nvSpPr>
+        <p:spPr>
+          <a:xfrm>
+            <a:off x="1" y="0"/>
+            <a:ext cx="4232227" cy="6858000"/>
+          </a:xfrm>
+          <a:custGeom>
+            <a:avLst/>
+            <a:gdLst>
+              <a:gd name="connsiteX0" fmla="*/ 0 w 4232227"/>
+              <a:gd name="connsiteY0" fmla="*/ 0 h 6858000"/>
+              <a:gd name="connsiteX1" fmla="*/ 4161853 w 4232227"/>
+              <a:gd name="connsiteY1" fmla="*/ 0 h 6858000"/>
+              <a:gd name="connsiteX2" fmla="*/ 4197953 w 4232227"/>
+              <a:gd name="connsiteY2" fmla="*/ 284091 h 6858000"/>
+              <a:gd name="connsiteX3" fmla="*/ 4232227 w 4232227"/>
+              <a:gd name="connsiteY3" fmla="*/ 962844 h 6858000"/>
+              <a:gd name="connsiteX4" fmla="*/ 758007 w 4232227"/>
+              <a:gd name="connsiteY4" fmla="*/ 6800152 h 6858000"/>
+              <a:gd name="connsiteX5" fmla="*/ 645060 w 4232227"/>
+              <a:gd name="connsiteY5" fmla="*/ 6858000 h 6858000"/>
+              <a:gd name="connsiteX6" fmla="*/ 0 w 4232227"/>
+              <a:gd name="connsiteY6" fmla="*/ 6858000 h 6858000"/>
+            </a:gdLst>
+            <a:ahLst/>
+            <a:cxnLst>
+              <a:cxn ang="0">
+                <a:pos x="connsiteX0" y="connsiteY0"/>
+              </a:cxn>
+              <a:cxn ang="0">
+                <a:pos x="connsiteX1" y="connsiteY1"/>
+              </a:cxn>
+              <a:cxn ang="0">
+                <a:pos x="connsiteX2" y="connsiteY2"/>
+              </a:cxn>
+              <a:cxn ang="0">
+                <a:pos x="connsiteX3" y="connsiteY3"/>
+              </a:cxn>
+              <a:cxn ang="0">
+                <a:pos x="connsiteX4" y="connsiteY4"/>
+              </a:cxn>
+              <a:cxn ang="0">
+                <a:pos x="connsiteX5" y="connsiteY5"/>
+              </a:cxn>
+              <a:cxn ang="0">
+                <a:pos x="connsiteX6" y="connsiteY6"/>
+              </a:cxn>
+            </a:cxnLst>
+            <a:rect l="l" t="t" r="r" b="b"/>
+            <a:pathLst>
+              <a:path w="4232227" h="6858000">
+                <a:moveTo>
+                  <a:pt x="0" y="0"/>
+                </a:moveTo>
+                <a:lnTo>
+                  <a:pt x="4161853" y="0"/>
+                </a:lnTo>
+                <a:lnTo>
+                  <a:pt x="4197953" y="284091"/>
+                </a:lnTo>
+                <a:cubicBezTo>
+                  <a:pt x="4220617" y="507260"/>
+                  <a:pt x="4232227" y="733696"/>
+                  <a:pt x="4232227" y="962844"/>
+                </a:cubicBezTo>
+                <a:cubicBezTo>
+                  <a:pt x="4232227" y="3483472"/>
+                  <a:pt x="2827409" y="5675986"/>
+                  <a:pt x="758007" y="6800152"/>
+                </a:cubicBezTo>
+                <a:lnTo>
+                  <a:pt x="645060" y="6858000"/>
+                </a:lnTo>
+                <a:lnTo>
+                  <a:pt x="0" y="6858000"/>
+                </a:lnTo>
+                <a:close/>
+              </a:path>
+            </a:pathLst>
+          </a:custGeom>
+          <a:solidFill>
+            <a:srgbClr val="404040"/>
+          </a:solidFill>
+          <a:ln>
+            <a:noFill/>
+          </a:ln>
+        </p:spPr>
+        <p:style>
+          <a:lnRef idx="2">
+            <a:schemeClr val="accent1">
+              <a:shade val="50000"/>
+            </a:schemeClr>
+          </a:lnRef>
+          <a:fillRef idx="1">
+            <a:schemeClr val="accent1"/>
+          </a:fillRef>
+          <a:effectRef idx="0">
+            <a:schemeClr val="accent1"/>
+          </a:effectRef>
+          <a:fontRef idx="minor">
+            <a:schemeClr val="lt1"/>
+          </a:fontRef>
+        </p:style>
+        <p:txBody>
+          <a:bodyPr wrap="square" rtlCol="0" anchor="ctr">
+            <a:noAutofit/>
+          </a:bodyPr>
+          <a:lstStyle/>
+          <a:p>
+            <a:pPr marL="0" marR="0" lvl="0" indent="0" algn="ctr" defTabSz="914400" rtl="0" eaLnBrk="1" fontAlgn="auto" latinLnBrk="0" hangingPunct="1">
+              <a:lnSpc>
+                <a:spcPct val="100000"/>
+              </a:lnSpc>
+              <a:spcBef>
+                <a:spcPts val="0"/>
+              </a:spcBef>
+              <a:spcAft>
+                <a:spcPts val="0"/>
+              </a:spcAft>
+              <a:buClrTx/>
+              <a:buSzTx/>
+              <a:buFontTx/>
+              <a:buNone/>
+              <a:tabLst/>
+              <a:defRPr/>
+            </a:pPr>
+            <a:endParaRPr kumimoji="0" lang="en-US" sz="1800" b="0" i="0" u="none" strike="noStrike" kern="1200" cap="none" spc="0" normalizeH="0" baseline="0" noProof="0">
+              <a:ln>
+                <a:noFill/>
+              </a:ln>
+              <a:solidFill>
+                <a:prstClr val="white"/>
+              </a:solidFill>
+              <a:effectLst/>
+              <a:uLnTx/>
+              <a:uFillTx/>
+              <a:latin typeface="Calibri" panose="020F0502020204030204"/>
+              <a:ea typeface="+mn-ea"/>
+              <a:cs typeface="+mn-cs"/>
+            </a:endParaRPr>
+          </a:p>
+        </p:txBody>
+      </p:sp>
+      <p:sp>
+        <p:nvSpPr>
+          <p:cNvPr id="2" name="Titre 1">
+            <a:extLst>
+              <a:ext uri="{FF2B5EF4-FFF2-40B4-BE49-F238E27FC236}">
+                <a16:creationId xmlns:a16="http://schemas.microsoft.com/office/drawing/2014/main" id="{77328127-2658-29C0-D5B6-2E19F8D9CB6F}"/>
+              </a:ext>
+            </a:extLst>
+          </p:cNvPr>
+          <p:cNvSpPr>
+            <a:spLocks noGrp="1"/>
+          </p:cNvSpPr>
+          <p:nvPr>
+            <p:ph type="ctrTitle"/>
+          </p:nvPr>
+        </p:nvSpPr>
+        <p:spPr>
+          <a:xfrm>
+            <a:off x="306769" y="1980896"/>
+            <a:ext cx="3626039" cy="1010878"/>
+          </a:xfrm>
+        </p:spPr>
+        <p:txBody>
+          <a:bodyPr vert="horz" lIns="91440" tIns="45720" rIns="91440" bIns="45720" rtlCol="0" anchor="t">
+            <a:normAutofit fontScale="90000"/>
+          </a:bodyPr>
+          <a:lstStyle/>
+          <a:p>
+            <a:pPr algn="l"/>
+            <a:r>
+              <a:rPr lang="en-US" sz="3600" b="1" dirty="0">
+                <a:solidFill>
+                  <a:srgbClr val="FFFFFF"/>
+                </a:solidFill>
+                <a:latin typeface="Century Gothic" panose="020B0502020202090204" pitchFamily="34" charset="0"/>
+              </a:rPr>
+              <a:t>Data visualization:</a:t>
+            </a:r>
+            <a:endParaRPr lang="en-US" sz="3600" b="1" kern="1200" dirty="0">
+              <a:solidFill>
+                <a:srgbClr val="FFFFFF"/>
+              </a:solidFill>
+              <a:latin typeface="Century Gothic" panose="020B0502020202090204" pitchFamily="34" charset="0"/>
+            </a:endParaRPr>
+          </a:p>
+        </p:txBody>
+      </p:sp>
+      <p:sp>
+        <p:nvSpPr>
+          <p:cNvPr id="4" name="Sous-titre 2">
+            <a:extLst>
+              <a:ext uri="{FF2B5EF4-FFF2-40B4-BE49-F238E27FC236}">
+                <a16:creationId xmlns:a16="http://schemas.microsoft.com/office/drawing/2014/main" id="{F268D261-47EE-1D4F-CCA1-52A3131E5925}"/>
+              </a:ext>
+            </a:extLst>
+          </p:cNvPr>
+          <p:cNvSpPr txBox="1">
+            <a:spLocks/>
+          </p:cNvSpPr>
+          <p:nvPr/>
+        </p:nvSpPr>
+        <p:spPr>
+          <a:xfrm>
+            <a:off x="5315546" y="1816257"/>
+            <a:ext cx="6569685" cy="950716"/>
+          </a:xfrm>
+          <a:prstGeom prst="rect">
+            <a:avLst/>
+          </a:prstGeom>
+        </p:spPr>
+        <p:txBody>
+          <a:bodyPr vert="horz" lIns="91440" tIns="45720" rIns="91440" bIns="45720" rtlCol="0">
+            <a:noAutofit/>
+          </a:bodyPr>
+          <a:lstStyle>
+            <a:lvl1pPr marL="0" indent="0" algn="ctr" defTabSz="914400" rtl="0" eaLnBrk="1" latinLnBrk="0" hangingPunct="1">
+              <a:lnSpc>
+                <a:spcPct val="90000"/>
+              </a:lnSpc>
+              <a:spcBef>
+                <a:spcPts val="1000"/>
+              </a:spcBef>
+              <a:buFont typeface="Arial" panose="020B0604020202020204" pitchFamily="34" charset="0"/>
+              <a:buNone/>
+              <a:defRPr sz="2400" kern="1200">
+                <a:solidFill>
+                  <a:schemeClr val="tx1"/>
+                </a:solidFill>
+                <a:latin typeface="+mn-lt"/>
+                <a:ea typeface="+mn-ea"/>
+                <a:cs typeface="+mn-cs"/>
+              </a:defRPr>
+            </a:lvl1pPr>
+            <a:lvl2pPr marL="457200" indent="0" algn="ctr" defTabSz="914400" rtl="0" eaLnBrk="1" latinLnBrk="0" hangingPunct="1">
+              <a:lnSpc>
+                <a:spcPct val="90000"/>
+              </a:lnSpc>
+              <a:spcBef>
+                <a:spcPts val="500"/>
+              </a:spcBef>
+              <a:buFont typeface="Arial" panose="020B0604020202020204" pitchFamily="34" charset="0"/>
+              <a:buNone/>
+              <a:defRPr sz="2000" kern="1200">
+                <a:solidFill>
+                  <a:schemeClr val="tx1"/>
+                </a:solidFill>
+                <a:latin typeface="+mn-lt"/>
+                <a:ea typeface="+mn-ea"/>
+                <a:cs typeface="+mn-cs"/>
+              </a:defRPr>
+            </a:lvl2pPr>
+            <a:lvl3pPr marL="914400" indent="0" algn="ctr" defTabSz="914400" rtl="0" eaLnBrk="1" latinLnBrk="0" hangingPunct="1">
+              <a:lnSpc>
+                <a:spcPct val="90000"/>
+              </a:lnSpc>
+              <a:spcBef>
+                <a:spcPts val="500"/>
+              </a:spcBef>
+              <a:buFont typeface="Arial" panose="020B0604020202020204" pitchFamily="34" charset="0"/>
+              <a:buNone/>
+              <a:defRPr sz="1800" kern="1200">
+                <a:solidFill>
+                  <a:schemeClr val="tx1"/>
+                </a:solidFill>
+                <a:latin typeface="+mn-lt"/>
+                <a:ea typeface="+mn-ea"/>
+                <a:cs typeface="+mn-cs"/>
+              </a:defRPr>
+            </a:lvl3pPr>
+            <a:lvl4pPr marL="1371600" indent="0" algn="ctr" defTabSz="914400" rtl="0" eaLnBrk="1" latinLnBrk="0" hangingPunct="1">
+              <a:lnSpc>
+                <a:spcPct val="90000"/>
+              </a:lnSpc>
+              <a:spcBef>
+                <a:spcPts val="500"/>
+              </a:spcBef>
+              <a:buFont typeface="Arial" panose="020B0604020202020204" pitchFamily="34" charset="0"/>
+              <a:buNone/>
+              <a:defRPr sz="1600" kern="1200">
+                <a:solidFill>
+                  <a:schemeClr val="tx1"/>
+                </a:solidFill>
+                <a:latin typeface="+mn-lt"/>
+                <a:ea typeface="+mn-ea"/>
+                <a:cs typeface="+mn-cs"/>
+              </a:defRPr>
+            </a:lvl4pPr>
+            <a:lvl5pPr marL="1828800" indent="0" algn="ctr" defTabSz="914400" rtl="0" eaLnBrk="1" latinLnBrk="0" hangingPunct="1">
+              <a:lnSpc>
+                <a:spcPct val="90000"/>
+              </a:lnSpc>
+              <a:spcBef>
+                <a:spcPts val="500"/>
+              </a:spcBef>
+              <a:buFont typeface="Arial" panose="020B0604020202020204" pitchFamily="34" charset="0"/>
+              <a:buNone/>
+              <a:defRPr sz="1600" kern="1200">
+                <a:solidFill>
+                  <a:schemeClr val="tx1"/>
+                </a:solidFill>
+                <a:latin typeface="+mn-lt"/>
+                <a:ea typeface="+mn-ea"/>
+                <a:cs typeface="+mn-cs"/>
+              </a:defRPr>
+            </a:lvl5pPr>
+            <a:lvl6pPr marL="2286000" indent="0" algn="ctr" defTabSz="914400" rtl="0" eaLnBrk="1" latinLnBrk="0" hangingPunct="1">
+              <a:lnSpc>
+                <a:spcPct val="90000"/>
+              </a:lnSpc>
+              <a:spcBef>
+                <a:spcPts val="500"/>
+              </a:spcBef>
+              <a:buFont typeface="Arial" panose="020B0604020202020204" pitchFamily="34" charset="0"/>
+              <a:buNone/>
+              <a:defRPr sz="1600" kern="1200">
+                <a:solidFill>
+                  <a:schemeClr val="tx1"/>
+                </a:solidFill>
+                <a:latin typeface="+mn-lt"/>
+                <a:ea typeface="+mn-ea"/>
+                <a:cs typeface="+mn-cs"/>
+              </a:defRPr>
+            </a:lvl6pPr>
+            <a:lvl7pPr marL="2743200" indent="0" algn="ctr" defTabSz="914400" rtl="0" eaLnBrk="1" latinLnBrk="0" hangingPunct="1">
+              <a:lnSpc>
+                <a:spcPct val="90000"/>
+              </a:lnSpc>
+              <a:spcBef>
+                <a:spcPts val="500"/>
+              </a:spcBef>
+              <a:buFont typeface="Arial" panose="020B0604020202020204" pitchFamily="34" charset="0"/>
+              <a:buNone/>
+              <a:defRPr sz="1600" kern="1200">
+                <a:solidFill>
+                  <a:schemeClr val="tx1"/>
+                </a:solidFill>
+                <a:latin typeface="+mn-lt"/>
+                <a:ea typeface="+mn-ea"/>
+                <a:cs typeface="+mn-cs"/>
+              </a:defRPr>
+            </a:lvl7pPr>
+            <a:lvl8pPr marL="3200400" indent="0" algn="ctr" defTabSz="914400" rtl="0" eaLnBrk="1" latinLnBrk="0" hangingPunct="1">
+              <a:lnSpc>
+                <a:spcPct val="90000"/>
+              </a:lnSpc>
+              <a:spcBef>
+                <a:spcPts val="500"/>
+              </a:spcBef>
+              <a:buFont typeface="Arial" panose="020B0604020202020204" pitchFamily="34" charset="0"/>
+              <a:buNone/>
+              <a:defRPr sz="1600" kern="1200">
+                <a:solidFill>
+                  <a:schemeClr val="tx1"/>
+                </a:solidFill>
+                <a:latin typeface="+mn-lt"/>
+                <a:ea typeface="+mn-ea"/>
+                <a:cs typeface="+mn-cs"/>
+              </a:defRPr>
+            </a:lvl8pPr>
+            <a:lvl9pPr marL="3657600" indent="0" algn="ctr" defTabSz="914400" rtl="0" eaLnBrk="1" latinLnBrk="0" hangingPunct="1">
+              <a:lnSpc>
+                <a:spcPct val="90000"/>
+              </a:lnSpc>
+              <a:spcBef>
+                <a:spcPts val="500"/>
+              </a:spcBef>
+              <a:buFont typeface="Arial" panose="020B0604020202020204" pitchFamily="34" charset="0"/>
+              <a:buNone/>
+              <a:defRPr sz="1600" kern="1200">
+                <a:solidFill>
+                  <a:schemeClr val="tx1"/>
+                </a:solidFill>
+                <a:latin typeface="+mn-lt"/>
+                <a:ea typeface="+mn-ea"/>
+                <a:cs typeface="+mn-cs"/>
+              </a:defRPr>
+            </a:lvl9pPr>
+          </a:lstStyle>
+          <a:p>
+            <a:pPr algn="l"/>
+            <a:endParaRPr lang="en-US" sz="3200" dirty="0">
+              <a:latin typeface="Century Gothic" panose="020B0502020202090204" pitchFamily="34" charset="0"/>
+            </a:endParaRPr>
+          </a:p>
+        </p:txBody>
+      </p:sp>
+      <p:sp>
+        <p:nvSpPr>
+          <p:cNvPr id="3" name="TextBox 2">
+            <a:extLst>
+              <a:ext uri="{FF2B5EF4-FFF2-40B4-BE49-F238E27FC236}">
+                <a16:creationId xmlns:a16="http://schemas.microsoft.com/office/drawing/2014/main" id="{202E6CE0-2539-41B7-8A0C-62E272A12CC7}"/>
+              </a:ext>
+            </a:extLst>
+          </p:cNvPr>
+          <p:cNvSpPr txBox="1"/>
+          <p:nvPr/>
+        </p:nvSpPr>
+        <p:spPr>
+          <a:xfrm>
+            <a:off x="5090102" y="554186"/>
+            <a:ext cx="6569685" cy="707886"/>
+          </a:xfrm>
+          <a:prstGeom prst="rect">
+            <a:avLst/>
+          </a:prstGeom>
+          <a:noFill/>
+        </p:spPr>
+        <p:txBody>
+          <a:bodyPr wrap="square" rtlCol="0">
+            <a:spAutoFit/>
+          </a:bodyPr>
+          <a:lstStyle/>
+          <a:p>
+            <a:r>
+              <a:rPr lang="en-US" sz="2000" dirty="0">
+                <a:latin typeface="Century Gothic" panose="020B0502020202090204" pitchFamily="34" charset="0"/>
+              </a:rPr>
+              <a:t>First let’s have a look to the number of diabetic people depending on their age:</a:t>
+            </a:r>
+          </a:p>
+        </p:txBody>
+      </p:sp>
+      <p:pic>
+        <p:nvPicPr>
+          <p:cNvPr id="6" name="Picture 5">
+            <a:extLst>
+              <a:ext uri="{FF2B5EF4-FFF2-40B4-BE49-F238E27FC236}">
+                <a16:creationId xmlns:a16="http://schemas.microsoft.com/office/drawing/2014/main" id="{BCAEEE91-FE71-4001-8C0B-A977FD787FAB}"/>
+              </a:ext>
+            </a:extLst>
+          </p:cNvPr>
+          <p:cNvPicPr>
+            <a:picLocks noChangeAspect="1"/>
+          </p:cNvPicPr>
+          <p:nvPr/>
+        </p:nvPicPr>
+        <p:blipFill>
+          <a:blip r:embed="rId2"/>
+          <a:stretch>
+            <a:fillRect/>
+          </a:stretch>
+        </p:blipFill>
+        <p:spPr>
+          <a:xfrm>
+            <a:off x="3930682" y="3866227"/>
+            <a:ext cx="8058184" cy="2547890"/>
+          </a:xfrm>
+          <a:prstGeom prst="rect">
+            <a:avLst/>
+          </a:prstGeom>
+        </p:spPr>
+      </p:pic>
+    </p:spTree>
+    <p:extLst>
+      <p:ext uri="{BB962C8B-B14F-4D97-AF65-F5344CB8AC3E}">
+        <p14:creationId xmlns:p14="http://schemas.microsoft.com/office/powerpoint/2010/main" val="3645481631"/>
+      </p:ext>
+    </p:extLst>
+  </p:cSld>
+  <p:clrMapOvr>
+    <a:masterClrMapping/>
+  </p:clrMapOvr>
+</p:sld>
+</file>
+
+<file path=ppt/slides/slide8.xml><?xml version="1.0" encoding="utf-8"?>
+<p:sld xmlns:a="http://schemas.openxmlformats.org/drawingml/2006/main" xmlns:r="http://schemas.openxmlformats.org/officeDocument/2006/relationships" xmlns:p="http://schemas.openxmlformats.org/presentationml/2006/main">
+  <p:cSld>
+    <p:bg>
+      <p:bgPr>
+        <a:solidFill>
+          <a:schemeClr val="bg1"/>
+        </a:solidFill>
+        <a:effectLst/>
+      </p:bgPr>
+    </p:bg>
+    <p:spTree>
+      <p:nvGrpSpPr>
+        <p:cNvPr id="1" name=""/>
+        <p:cNvGrpSpPr/>
+        <p:nvPr/>
+      </p:nvGrpSpPr>
+      <p:grpSpPr>
+        <a:xfrm>
+          <a:off x="0" y="0"/>
+          <a:ext cx="0" cy="0"/>
+          <a:chOff x="0" y="0"/>
+          <a:chExt cx="0" cy="0"/>
+        </a:xfrm>
+      </p:grpSpPr>
+      <p:sp>
+        <p:nvSpPr>
+          <p:cNvPr id="9" name="Rectangle 8">
+            <a:extLst>
+              <a:ext uri="{FF2B5EF4-FFF2-40B4-BE49-F238E27FC236}">
+                <a16:creationId xmlns:a16="http://schemas.microsoft.com/office/drawing/2014/main" id="{E35A04CF-97D4-4FF7-B359-C546B1F62E54}"/>
+              </a:ext>
+              <a:ext uri="{C183D7F6-B498-43B3-948B-1728B52AA6E4}">
+                <adec:decorative xmlns:adec="http://schemas.microsoft.com/office/drawing/2017/decorative" val="1"/>
+              </a:ext>
+            </a:extLst>
+          </p:cNvPr>
+          <p:cNvSpPr>
+            <a:spLocks noGrp="1" noRot="1" noChangeAspect="1" noMove="1" noResize="1" noEditPoints="1" noAdjustHandles="1" noChangeArrowheads="1" noChangeShapeType="1" noTextEdit="1"/>
+          </p:cNvSpPr>
+          <p:nvPr>
+            <p:extLst>
+              <p:ext uri="{386F3935-93C4-4BCD-93E2-E3B085C9AB24}">
+                <p16:designElem xmlns:p16="http://schemas.microsoft.com/office/powerpoint/2015/main" val="1"/>
+              </p:ext>
+            </p:extLst>
+          </p:nvPr>
+        </p:nvSpPr>
+        <p:spPr>
+          <a:xfrm>
+            <a:off x="0" y="0"/>
+            <a:ext cx="12191999" cy="6858000"/>
+          </a:xfrm>
+          <a:prstGeom prst="rect">
+            <a:avLst/>
+          </a:prstGeom>
+          <a:solidFill>
+            <a:schemeClr val="bg1">
+              <a:lumMod val="85000"/>
+            </a:schemeClr>
+          </a:solidFill>
+          <a:ln>
+            <a:noFill/>
+          </a:ln>
+        </p:spPr>
+        <p:style>
+          <a:lnRef idx="2">
+            <a:schemeClr val="accent1">
+              <a:shade val="50000"/>
+            </a:schemeClr>
+          </a:lnRef>
+          <a:fillRef idx="1">
+            <a:schemeClr val="accent1"/>
+          </a:fillRef>
+          <a:effectRef idx="0">
+            <a:schemeClr val="accent1"/>
+          </a:effectRef>
+          <a:fontRef idx="minor">
+            <a:schemeClr val="lt1"/>
+          </a:fontRef>
+        </p:style>
+        <p:txBody>
+          <a:bodyPr rtlCol="0" anchor="ctr"/>
+          <a:lstStyle/>
+          <a:p>
+            <a:pPr algn="ctr"/>
+            <a:endParaRPr lang="en-US"/>
+          </a:p>
+        </p:txBody>
+      </p:sp>
+      <p:sp>
+        <p:nvSpPr>
+          <p:cNvPr id="11" name="Freeform: Shape 10">
+            <a:extLst>
+              <a:ext uri="{FF2B5EF4-FFF2-40B4-BE49-F238E27FC236}">
+                <a16:creationId xmlns:a16="http://schemas.microsoft.com/office/drawing/2014/main" id="{1DE7243B-5109-444B-8FAF-7437C66BC0E9}"/>
+              </a:ext>
+              <a:ext uri="{C183D7F6-B498-43B3-948B-1728B52AA6E4}">
+                <adec:decorative xmlns:adec="http://schemas.microsoft.com/office/drawing/2017/decorative" val="1"/>
+              </a:ext>
+            </a:extLst>
+          </p:cNvPr>
+          <p:cNvSpPr>
+            <a:spLocks noGrp="1" noRot="1" noChangeAspect="1" noMove="1" noResize="1" noEditPoints="1" noAdjustHandles="1" noChangeArrowheads="1" noChangeShapeType="1" noTextEdit="1"/>
+          </p:cNvSpPr>
+          <p:nvPr>
+            <p:extLst>
+              <p:ext uri="{386F3935-93C4-4BCD-93E2-E3B085C9AB24}">
+                <p16:designElem xmlns:p16="http://schemas.microsoft.com/office/powerpoint/2015/main" val="1"/>
+              </p:ext>
+            </p:extLst>
+          </p:nvPr>
+        </p:nvSpPr>
+        <p:spPr>
+          <a:xfrm flipH="1">
+            <a:off x="0" y="0"/>
+            <a:ext cx="4421332" cy="6858000"/>
+          </a:xfrm>
+          <a:custGeom>
+            <a:avLst/>
+            <a:gdLst>
+              <a:gd name="connsiteX0" fmla="*/ 4421332 w 4421332"/>
+              <a:gd name="connsiteY0" fmla="*/ 0 h 6858000"/>
+              <a:gd name="connsiteX1" fmla="*/ 69075 w 4421332"/>
+              <a:gd name="connsiteY1" fmla="*/ 0 h 6858000"/>
+              <a:gd name="connsiteX2" fmla="*/ 35131 w 4421332"/>
+              <a:gd name="connsiteY2" fmla="*/ 267128 h 6858000"/>
+              <a:gd name="connsiteX3" fmla="*/ 0 w 4421332"/>
+              <a:gd name="connsiteY3" fmla="*/ 962845 h 6858000"/>
+              <a:gd name="connsiteX4" fmla="*/ 3276103 w 4421332"/>
+              <a:gd name="connsiteY4" fmla="*/ 6782205 h 6858000"/>
+              <a:gd name="connsiteX5" fmla="*/ 3407923 w 4421332"/>
+              <a:gd name="connsiteY5" fmla="*/ 6858000 h 6858000"/>
+              <a:gd name="connsiteX6" fmla="*/ 4421332 w 4421332"/>
+              <a:gd name="connsiteY6" fmla="*/ 6858000 h 6858000"/>
+            </a:gdLst>
+            <a:ahLst/>
+            <a:cxnLst>
+              <a:cxn ang="0">
+                <a:pos x="connsiteX0" y="connsiteY0"/>
+              </a:cxn>
+              <a:cxn ang="0">
+                <a:pos x="connsiteX1" y="connsiteY1"/>
+              </a:cxn>
+              <a:cxn ang="0">
+                <a:pos x="connsiteX2" y="connsiteY2"/>
+              </a:cxn>
+              <a:cxn ang="0">
+                <a:pos x="connsiteX3" y="connsiteY3"/>
+              </a:cxn>
+              <a:cxn ang="0">
+                <a:pos x="connsiteX4" y="connsiteY4"/>
+              </a:cxn>
+              <a:cxn ang="0">
+                <a:pos x="connsiteX5" y="connsiteY5"/>
+              </a:cxn>
+              <a:cxn ang="0">
+                <a:pos x="connsiteX6" y="connsiteY6"/>
+              </a:cxn>
+            </a:cxnLst>
+            <a:rect l="l" t="t" r="r" b="b"/>
+            <a:pathLst>
+              <a:path w="4421332" h="6858000">
+                <a:moveTo>
+                  <a:pt x="4421332" y="0"/>
+                </a:moveTo>
+                <a:lnTo>
+                  <a:pt x="69075" y="0"/>
+                </a:lnTo>
+                <a:lnTo>
+                  <a:pt x="35131" y="267128"/>
+                </a:lnTo>
+                <a:cubicBezTo>
+                  <a:pt x="11901" y="495874"/>
+                  <a:pt x="0" y="727970"/>
+                  <a:pt x="0" y="962845"/>
+                </a:cubicBezTo>
+                <a:cubicBezTo>
+                  <a:pt x="0" y="3429034"/>
+                  <a:pt x="1312002" y="5588789"/>
+                  <a:pt x="3276103" y="6782205"/>
+                </a:cubicBezTo>
+                <a:lnTo>
+                  <a:pt x="3407923" y="6858000"/>
+                </a:lnTo>
+                <a:lnTo>
+                  <a:pt x="4421332" y="6858000"/>
+                </a:lnTo>
+                <a:close/>
+              </a:path>
+            </a:pathLst>
+          </a:custGeom>
+          <a:solidFill>
+            <a:srgbClr val="FFFFFF">
+              <a:alpha val="80000"/>
+            </a:srgbClr>
+          </a:solidFill>
+          <a:ln>
+            <a:noFill/>
+          </a:ln>
+        </p:spPr>
+        <p:style>
+          <a:lnRef idx="2">
+            <a:schemeClr val="accent1">
+              <a:shade val="50000"/>
+            </a:schemeClr>
+          </a:lnRef>
+          <a:fillRef idx="1">
+            <a:schemeClr val="accent1"/>
+          </a:fillRef>
+          <a:effectRef idx="0">
+            <a:schemeClr val="accent1"/>
+          </a:effectRef>
+          <a:fontRef idx="minor">
+            <a:schemeClr val="lt1"/>
+          </a:fontRef>
+        </p:style>
+        <p:txBody>
+          <a:bodyPr wrap="square" rtlCol="0" anchor="ctr">
+            <a:noAutofit/>
+          </a:bodyPr>
+          <a:lstStyle/>
+          <a:p>
+            <a:pPr marL="0" marR="0" lvl="0" indent="0" algn="ctr" defTabSz="914400" rtl="0" eaLnBrk="1" fontAlgn="auto" latinLnBrk="0" hangingPunct="1">
+              <a:lnSpc>
+                <a:spcPct val="100000"/>
+              </a:lnSpc>
+              <a:spcBef>
+                <a:spcPts val="0"/>
+              </a:spcBef>
+              <a:spcAft>
+                <a:spcPts val="0"/>
+              </a:spcAft>
+              <a:buClrTx/>
+              <a:buSzTx/>
+              <a:buFontTx/>
+              <a:buNone/>
+              <a:tabLst/>
+              <a:defRPr/>
+            </a:pPr>
+            <a:endParaRPr kumimoji="0" lang="en-US" sz="1800" b="0" i="0" u="none" strike="noStrike" kern="1200" cap="none" spc="0" normalizeH="0" baseline="0" noProof="0">
+              <a:ln>
+                <a:noFill/>
+              </a:ln>
+              <a:solidFill>
+                <a:prstClr val="white"/>
+              </a:solidFill>
+              <a:effectLst/>
+              <a:uLnTx/>
+              <a:uFillTx/>
+              <a:latin typeface="Calibri" panose="020F0502020204030204"/>
+              <a:ea typeface="+mn-ea"/>
+              <a:cs typeface="+mn-cs"/>
+            </a:endParaRPr>
+          </a:p>
+        </p:txBody>
+      </p:sp>
+      <p:sp>
+        <p:nvSpPr>
+          <p:cNvPr id="13" name="Freeform: Shape 12">
+            <a:extLst>
+              <a:ext uri="{FF2B5EF4-FFF2-40B4-BE49-F238E27FC236}">
+                <a16:creationId xmlns:a16="http://schemas.microsoft.com/office/drawing/2014/main" id="{4C5D6221-DA7B-4611-AA26-7D8E349FDE96}"/>
+              </a:ext>
+              <a:ext uri="{C183D7F6-B498-43B3-948B-1728B52AA6E4}">
+                <adec:decorative xmlns:adec="http://schemas.microsoft.com/office/drawing/2017/decorative" val="1"/>
+              </a:ext>
+            </a:extLst>
+          </p:cNvPr>
+          <p:cNvSpPr>
+            <a:spLocks noGrp="1" noRot="1" noChangeAspect="1" noMove="1" noResize="1" noEditPoints="1" noAdjustHandles="1" noChangeArrowheads="1" noChangeShapeType="1" noTextEdit="1"/>
+          </p:cNvSpPr>
+          <p:nvPr>
+            <p:extLst>
+              <p:ext uri="{386F3935-93C4-4BCD-93E2-E3B085C9AB24}">
+                <p16:designElem xmlns:p16="http://schemas.microsoft.com/office/powerpoint/2015/main" val="1"/>
+              </p:ext>
+            </p:extLst>
+          </p:nvPr>
+        </p:nvSpPr>
+        <p:spPr>
+          <a:xfrm>
+            <a:off x="1" y="0"/>
+            <a:ext cx="4232227" cy="6858000"/>
+          </a:xfrm>
+          <a:custGeom>
+            <a:avLst/>
+            <a:gdLst>
+              <a:gd name="connsiteX0" fmla="*/ 0 w 4232227"/>
+              <a:gd name="connsiteY0" fmla="*/ 0 h 6858000"/>
+              <a:gd name="connsiteX1" fmla="*/ 4161853 w 4232227"/>
+              <a:gd name="connsiteY1" fmla="*/ 0 h 6858000"/>
+              <a:gd name="connsiteX2" fmla="*/ 4197953 w 4232227"/>
+              <a:gd name="connsiteY2" fmla="*/ 284091 h 6858000"/>
+              <a:gd name="connsiteX3" fmla="*/ 4232227 w 4232227"/>
+              <a:gd name="connsiteY3" fmla="*/ 962844 h 6858000"/>
+              <a:gd name="connsiteX4" fmla="*/ 758007 w 4232227"/>
+              <a:gd name="connsiteY4" fmla="*/ 6800152 h 6858000"/>
+              <a:gd name="connsiteX5" fmla="*/ 645060 w 4232227"/>
+              <a:gd name="connsiteY5" fmla="*/ 6858000 h 6858000"/>
+              <a:gd name="connsiteX6" fmla="*/ 0 w 4232227"/>
+              <a:gd name="connsiteY6" fmla="*/ 6858000 h 6858000"/>
+            </a:gdLst>
+            <a:ahLst/>
+            <a:cxnLst>
+              <a:cxn ang="0">
+                <a:pos x="connsiteX0" y="connsiteY0"/>
+              </a:cxn>
+              <a:cxn ang="0">
+                <a:pos x="connsiteX1" y="connsiteY1"/>
+              </a:cxn>
+              <a:cxn ang="0">
+                <a:pos x="connsiteX2" y="connsiteY2"/>
+              </a:cxn>
+              <a:cxn ang="0">
+                <a:pos x="connsiteX3" y="connsiteY3"/>
+              </a:cxn>
+              <a:cxn ang="0">
+                <a:pos x="connsiteX4" y="connsiteY4"/>
+              </a:cxn>
+              <a:cxn ang="0">
+                <a:pos x="connsiteX5" y="connsiteY5"/>
+              </a:cxn>
+              <a:cxn ang="0">
+                <a:pos x="connsiteX6" y="connsiteY6"/>
+              </a:cxn>
+            </a:cxnLst>
+            <a:rect l="l" t="t" r="r" b="b"/>
+            <a:pathLst>
+              <a:path w="4232227" h="6858000">
+                <a:moveTo>
+                  <a:pt x="0" y="0"/>
+                </a:moveTo>
+                <a:lnTo>
+                  <a:pt x="4161853" y="0"/>
+                </a:lnTo>
+                <a:lnTo>
+                  <a:pt x="4197953" y="284091"/>
+                </a:lnTo>
+                <a:cubicBezTo>
+                  <a:pt x="4220617" y="507260"/>
+                  <a:pt x="4232227" y="733696"/>
+                  <a:pt x="4232227" y="962844"/>
+                </a:cubicBezTo>
+                <a:cubicBezTo>
+                  <a:pt x="4232227" y="3483472"/>
+                  <a:pt x="2827409" y="5675986"/>
+                  <a:pt x="758007" y="6800152"/>
+                </a:cubicBezTo>
+                <a:lnTo>
+                  <a:pt x="645060" y="6858000"/>
+                </a:lnTo>
+                <a:lnTo>
+                  <a:pt x="0" y="6858000"/>
+                </a:lnTo>
+                <a:close/>
+              </a:path>
+            </a:pathLst>
+          </a:custGeom>
+          <a:solidFill>
+            <a:srgbClr val="404040"/>
+          </a:solidFill>
+          <a:ln>
+            <a:noFill/>
+          </a:ln>
+        </p:spPr>
+        <p:style>
+          <a:lnRef idx="2">
+            <a:schemeClr val="accent1">
+              <a:shade val="50000"/>
+            </a:schemeClr>
+          </a:lnRef>
+          <a:fillRef idx="1">
+            <a:schemeClr val="accent1"/>
+          </a:fillRef>
+          <a:effectRef idx="0">
+            <a:schemeClr val="accent1"/>
+          </a:effectRef>
+          <a:fontRef idx="minor">
+            <a:schemeClr val="lt1"/>
+          </a:fontRef>
+        </p:style>
+        <p:txBody>
+          <a:bodyPr wrap="square" rtlCol="0" anchor="ctr">
+            <a:noAutofit/>
+          </a:bodyPr>
+          <a:lstStyle/>
+          <a:p>
+            <a:pPr marL="0" marR="0" lvl="0" indent="0" algn="ctr" defTabSz="914400" rtl="0" eaLnBrk="1" fontAlgn="auto" latinLnBrk="0" hangingPunct="1">
+              <a:lnSpc>
+                <a:spcPct val="100000"/>
+              </a:lnSpc>
+              <a:spcBef>
+                <a:spcPts val="0"/>
+              </a:spcBef>
+              <a:spcAft>
+                <a:spcPts val="0"/>
+              </a:spcAft>
+              <a:buClrTx/>
+              <a:buSzTx/>
+              <a:buFontTx/>
+              <a:buNone/>
+              <a:tabLst/>
+              <a:defRPr/>
+            </a:pPr>
+            <a:endParaRPr kumimoji="0" lang="en-US" sz="1800" b="0" i="0" u="none" strike="noStrike" kern="1200" cap="none" spc="0" normalizeH="0" baseline="0" noProof="0">
+              <a:ln>
+                <a:noFill/>
+              </a:ln>
+              <a:solidFill>
+                <a:prstClr val="white"/>
+              </a:solidFill>
+              <a:effectLst/>
+              <a:uLnTx/>
+              <a:uFillTx/>
+              <a:latin typeface="Calibri" panose="020F0502020204030204"/>
+              <a:ea typeface="+mn-ea"/>
+              <a:cs typeface="+mn-cs"/>
+            </a:endParaRPr>
+          </a:p>
+        </p:txBody>
+      </p:sp>
+      <p:sp>
+        <p:nvSpPr>
+          <p:cNvPr id="2" name="Titre 1">
+            <a:extLst>
+              <a:ext uri="{FF2B5EF4-FFF2-40B4-BE49-F238E27FC236}">
+                <a16:creationId xmlns:a16="http://schemas.microsoft.com/office/drawing/2014/main" id="{77328127-2658-29C0-D5B6-2E19F8D9CB6F}"/>
+              </a:ext>
+            </a:extLst>
+          </p:cNvPr>
+          <p:cNvSpPr>
+            <a:spLocks noGrp="1"/>
+          </p:cNvSpPr>
+          <p:nvPr>
+            <p:ph type="ctrTitle"/>
+          </p:nvPr>
+        </p:nvSpPr>
+        <p:spPr>
+          <a:xfrm>
+            <a:off x="306769" y="1980896"/>
+            <a:ext cx="3626039" cy="1010878"/>
+          </a:xfrm>
+        </p:spPr>
+        <p:txBody>
+          <a:bodyPr vert="horz" lIns="91440" tIns="45720" rIns="91440" bIns="45720" rtlCol="0" anchor="t">
+            <a:normAutofit fontScale="90000"/>
+          </a:bodyPr>
+          <a:lstStyle/>
+          <a:p>
+            <a:pPr algn="l"/>
+            <a:r>
+              <a:rPr lang="en-US" sz="3600" b="1" dirty="0">
+                <a:solidFill>
+                  <a:srgbClr val="FFFFFF"/>
+                </a:solidFill>
+                <a:latin typeface="Century Gothic" panose="020B0502020202090204" pitchFamily="34" charset="0"/>
+              </a:rPr>
+              <a:t>Data visualization:</a:t>
+            </a:r>
+            <a:endParaRPr lang="en-US" sz="3600" b="1" kern="1200" dirty="0">
+              <a:solidFill>
+                <a:srgbClr val="FFFFFF"/>
+              </a:solidFill>
+              <a:latin typeface="Century Gothic" panose="020B0502020202090204" pitchFamily="34" charset="0"/>
+            </a:endParaRPr>
+          </a:p>
+        </p:txBody>
+      </p:sp>
+      <p:sp>
+        <p:nvSpPr>
+          <p:cNvPr id="4" name="Sous-titre 2">
+            <a:extLst>
+              <a:ext uri="{FF2B5EF4-FFF2-40B4-BE49-F238E27FC236}">
+                <a16:creationId xmlns:a16="http://schemas.microsoft.com/office/drawing/2014/main" id="{F268D261-47EE-1D4F-CCA1-52A3131E5925}"/>
+              </a:ext>
+            </a:extLst>
+          </p:cNvPr>
+          <p:cNvSpPr txBox="1">
+            <a:spLocks/>
+          </p:cNvSpPr>
+          <p:nvPr/>
+        </p:nvSpPr>
+        <p:spPr>
+          <a:xfrm>
+            <a:off x="5315546" y="1816257"/>
+            <a:ext cx="6569685" cy="950716"/>
+          </a:xfrm>
+          <a:prstGeom prst="rect">
+            <a:avLst/>
+          </a:prstGeom>
+        </p:spPr>
+        <p:txBody>
+          <a:bodyPr vert="horz" lIns="91440" tIns="45720" rIns="91440" bIns="45720" rtlCol="0">
+            <a:noAutofit/>
+          </a:bodyPr>
+          <a:lstStyle>
+            <a:lvl1pPr marL="0" indent="0" algn="ctr" defTabSz="914400" rtl="0" eaLnBrk="1" latinLnBrk="0" hangingPunct="1">
+              <a:lnSpc>
+                <a:spcPct val="90000"/>
+              </a:lnSpc>
+              <a:spcBef>
+                <a:spcPts val="1000"/>
+              </a:spcBef>
+              <a:buFont typeface="Arial" panose="020B0604020202020204" pitchFamily="34" charset="0"/>
+              <a:buNone/>
+              <a:defRPr sz="2400" kern="1200">
+                <a:solidFill>
+                  <a:schemeClr val="tx1"/>
+                </a:solidFill>
+                <a:latin typeface="+mn-lt"/>
+                <a:ea typeface="+mn-ea"/>
+                <a:cs typeface="+mn-cs"/>
+              </a:defRPr>
+            </a:lvl1pPr>
+            <a:lvl2pPr marL="457200" indent="0" algn="ctr" defTabSz="914400" rtl="0" eaLnBrk="1" latinLnBrk="0" hangingPunct="1">
+              <a:lnSpc>
+                <a:spcPct val="90000"/>
+              </a:lnSpc>
+              <a:spcBef>
+                <a:spcPts val="500"/>
+              </a:spcBef>
+              <a:buFont typeface="Arial" panose="020B0604020202020204" pitchFamily="34" charset="0"/>
+              <a:buNone/>
+              <a:defRPr sz="2000" kern="1200">
+                <a:solidFill>
+                  <a:schemeClr val="tx1"/>
+                </a:solidFill>
+                <a:latin typeface="+mn-lt"/>
+                <a:ea typeface="+mn-ea"/>
+                <a:cs typeface="+mn-cs"/>
+              </a:defRPr>
+            </a:lvl2pPr>
+            <a:lvl3pPr marL="914400" indent="0" algn="ctr" defTabSz="914400" rtl="0" eaLnBrk="1" latinLnBrk="0" hangingPunct="1">
+              <a:lnSpc>
+                <a:spcPct val="90000"/>
+              </a:lnSpc>
+              <a:spcBef>
+                <a:spcPts val="500"/>
+              </a:spcBef>
+              <a:buFont typeface="Arial" panose="020B0604020202020204" pitchFamily="34" charset="0"/>
+              <a:buNone/>
+              <a:defRPr sz="1800" kern="1200">
+                <a:solidFill>
+                  <a:schemeClr val="tx1"/>
+                </a:solidFill>
+                <a:latin typeface="+mn-lt"/>
+                <a:ea typeface="+mn-ea"/>
+                <a:cs typeface="+mn-cs"/>
+              </a:defRPr>
+            </a:lvl3pPr>
+            <a:lvl4pPr marL="1371600" indent="0" algn="ctr" defTabSz="914400" rtl="0" eaLnBrk="1" latinLnBrk="0" hangingPunct="1">
+              <a:lnSpc>
+                <a:spcPct val="90000"/>
+              </a:lnSpc>
+              <a:spcBef>
+                <a:spcPts val="500"/>
+              </a:spcBef>
+              <a:buFont typeface="Arial" panose="020B0604020202020204" pitchFamily="34" charset="0"/>
+              <a:buNone/>
+              <a:defRPr sz="1600" kern="1200">
+                <a:solidFill>
+                  <a:schemeClr val="tx1"/>
+                </a:solidFill>
+                <a:latin typeface="+mn-lt"/>
+                <a:ea typeface="+mn-ea"/>
+                <a:cs typeface="+mn-cs"/>
+              </a:defRPr>
+            </a:lvl4pPr>
+            <a:lvl5pPr marL="1828800" indent="0" algn="ctr" defTabSz="914400" rtl="0" eaLnBrk="1" latinLnBrk="0" hangingPunct="1">
+              <a:lnSpc>
+                <a:spcPct val="90000"/>
+              </a:lnSpc>
+              <a:spcBef>
+                <a:spcPts val="500"/>
+              </a:spcBef>
+              <a:buFont typeface="Arial" panose="020B0604020202020204" pitchFamily="34" charset="0"/>
+              <a:buNone/>
+              <a:defRPr sz="1600" kern="1200">
+                <a:solidFill>
+                  <a:schemeClr val="tx1"/>
+                </a:solidFill>
+                <a:latin typeface="+mn-lt"/>
+                <a:ea typeface="+mn-ea"/>
+                <a:cs typeface="+mn-cs"/>
+              </a:defRPr>
+            </a:lvl5pPr>
+            <a:lvl6pPr marL="2286000" indent="0" algn="ctr" defTabSz="914400" rtl="0" eaLnBrk="1" latinLnBrk="0" hangingPunct="1">
+              <a:lnSpc>
+                <a:spcPct val="90000"/>
+              </a:lnSpc>
+              <a:spcBef>
+                <a:spcPts val="500"/>
+              </a:spcBef>
+              <a:buFont typeface="Arial" panose="020B0604020202020204" pitchFamily="34" charset="0"/>
+              <a:buNone/>
+              <a:defRPr sz="1600" kern="1200">
+                <a:solidFill>
+                  <a:schemeClr val="tx1"/>
+                </a:solidFill>
+                <a:latin typeface="+mn-lt"/>
+                <a:ea typeface="+mn-ea"/>
+                <a:cs typeface="+mn-cs"/>
+              </a:defRPr>
+            </a:lvl6pPr>
+            <a:lvl7pPr marL="2743200" indent="0" algn="ctr" defTabSz="914400" rtl="0" eaLnBrk="1" latinLnBrk="0" hangingPunct="1">
+              <a:lnSpc>
+                <a:spcPct val="90000"/>
+              </a:lnSpc>
+              <a:spcBef>
+                <a:spcPts val="500"/>
+              </a:spcBef>
+              <a:buFont typeface="Arial" panose="020B0604020202020204" pitchFamily="34" charset="0"/>
+              <a:buNone/>
+              <a:defRPr sz="1600" kern="1200">
+                <a:solidFill>
+                  <a:schemeClr val="tx1"/>
+                </a:solidFill>
+                <a:latin typeface="+mn-lt"/>
+                <a:ea typeface="+mn-ea"/>
+                <a:cs typeface="+mn-cs"/>
+              </a:defRPr>
+            </a:lvl7pPr>
+            <a:lvl8pPr marL="3200400" indent="0" algn="ctr" defTabSz="914400" rtl="0" eaLnBrk="1" latinLnBrk="0" hangingPunct="1">
+              <a:lnSpc>
+                <a:spcPct val="90000"/>
+              </a:lnSpc>
+              <a:spcBef>
+                <a:spcPts val="500"/>
+              </a:spcBef>
+              <a:buFont typeface="Arial" panose="020B0604020202020204" pitchFamily="34" charset="0"/>
+              <a:buNone/>
+              <a:defRPr sz="1600" kern="1200">
+                <a:solidFill>
+                  <a:schemeClr val="tx1"/>
+                </a:solidFill>
+                <a:latin typeface="+mn-lt"/>
+                <a:ea typeface="+mn-ea"/>
+                <a:cs typeface="+mn-cs"/>
+              </a:defRPr>
+            </a:lvl8pPr>
+            <a:lvl9pPr marL="3657600" indent="0" algn="ctr" defTabSz="914400" rtl="0" eaLnBrk="1" latinLnBrk="0" hangingPunct="1">
+              <a:lnSpc>
+                <a:spcPct val="90000"/>
+              </a:lnSpc>
+              <a:spcBef>
+                <a:spcPts val="500"/>
+              </a:spcBef>
+              <a:buFont typeface="Arial" panose="020B0604020202020204" pitchFamily="34" charset="0"/>
+              <a:buNone/>
+              <a:defRPr sz="1600" kern="1200">
+                <a:solidFill>
+                  <a:schemeClr val="tx1"/>
+                </a:solidFill>
+                <a:latin typeface="+mn-lt"/>
+                <a:ea typeface="+mn-ea"/>
+                <a:cs typeface="+mn-cs"/>
+              </a:defRPr>
+            </a:lvl9pPr>
+          </a:lstStyle>
+          <a:p>
+            <a:pPr algn="l"/>
+            <a:endParaRPr lang="en-US" sz="3200" dirty="0">
+              <a:latin typeface="Century Gothic" panose="020B0502020202090204" pitchFamily="34" charset="0"/>
+            </a:endParaRPr>
+          </a:p>
+        </p:txBody>
+      </p:sp>
+      <p:sp>
+        <p:nvSpPr>
+          <p:cNvPr id="7" name="TextBox 6">
+            <a:extLst>
+              <a:ext uri="{FF2B5EF4-FFF2-40B4-BE49-F238E27FC236}">
+                <a16:creationId xmlns:a16="http://schemas.microsoft.com/office/drawing/2014/main" id="{14DB6575-BDCF-4E84-B859-4F92A6FF6825}"/>
+              </a:ext>
+            </a:extLst>
+          </p:cNvPr>
+          <p:cNvSpPr txBox="1"/>
+          <p:nvPr/>
+        </p:nvSpPr>
+        <p:spPr>
+          <a:xfrm>
+            <a:off x="4702412" y="630283"/>
+            <a:ext cx="2319826" cy="1200329"/>
+          </a:xfrm>
+          <a:prstGeom prst="rect">
+            <a:avLst/>
+          </a:prstGeom>
+          <a:noFill/>
+        </p:spPr>
+        <p:txBody>
+          <a:bodyPr wrap="square" rtlCol="0">
+            <a:spAutoFit/>
+          </a:bodyPr>
+          <a:lstStyle/>
+          <a:p>
+            <a:r>
+              <a:rPr lang="en-US" dirty="0">
+                <a:latin typeface="Century Gothic" panose="020B0502020202090204" pitchFamily="34" charset="0"/>
+              </a:rPr>
+              <a:t>Then, we have a repartition of patient time at the hospital (in days):</a:t>
+            </a:r>
+          </a:p>
+        </p:txBody>
+      </p:sp>
+      <p:pic>
+        <p:nvPicPr>
+          <p:cNvPr id="10" name="Picture 9">
+            <a:extLst>
+              <a:ext uri="{FF2B5EF4-FFF2-40B4-BE49-F238E27FC236}">
+                <a16:creationId xmlns:a16="http://schemas.microsoft.com/office/drawing/2014/main" id="{70BD477C-DCC2-43E5-AAC2-8DB861CA7343}"/>
+              </a:ext>
+            </a:extLst>
+          </p:cNvPr>
+          <p:cNvPicPr>
+            <a:picLocks noChangeAspect="1"/>
+          </p:cNvPicPr>
+          <p:nvPr/>
+        </p:nvPicPr>
+        <p:blipFill>
+          <a:blip r:embed="rId2"/>
+          <a:stretch>
+            <a:fillRect/>
+          </a:stretch>
+        </p:blipFill>
+        <p:spPr>
+          <a:xfrm>
+            <a:off x="7916452" y="98907"/>
+            <a:ext cx="3945527" cy="3638591"/>
+          </a:xfrm>
+          <a:prstGeom prst="rect">
+            <a:avLst/>
+          </a:prstGeom>
+        </p:spPr>
+      </p:pic>
+      <p:pic>
+        <p:nvPicPr>
+          <p:cNvPr id="8" name="Picture 7">
+            <a:extLst>
+              <a:ext uri="{FF2B5EF4-FFF2-40B4-BE49-F238E27FC236}">
+                <a16:creationId xmlns:a16="http://schemas.microsoft.com/office/drawing/2014/main" id="{33728B70-84AE-430F-8AD8-314663C29E13}"/>
+              </a:ext>
+            </a:extLst>
+          </p:cNvPr>
+          <p:cNvPicPr>
+            <a:picLocks noChangeAspect="1"/>
+          </p:cNvPicPr>
+          <p:nvPr/>
+        </p:nvPicPr>
+        <p:blipFill>
+          <a:blip r:embed="rId3"/>
+          <a:stretch>
+            <a:fillRect/>
+          </a:stretch>
+        </p:blipFill>
+        <p:spPr>
+          <a:xfrm>
+            <a:off x="3932808" y="4188313"/>
+            <a:ext cx="8115602" cy="2570780"/>
+          </a:xfrm>
+          <a:prstGeom prst="rect">
+            <a:avLst/>
+          </a:prstGeom>
+        </p:spPr>
+      </p:pic>
+      <p:sp>
+        <p:nvSpPr>
+          <p:cNvPr id="12" name="TextBox 11">
+            <a:extLst>
+              <a:ext uri="{FF2B5EF4-FFF2-40B4-BE49-F238E27FC236}">
+                <a16:creationId xmlns:a16="http://schemas.microsoft.com/office/drawing/2014/main" id="{6FC4055A-1E8E-41E7-AF4D-7C5BDDB0763A}"/>
+              </a:ext>
+            </a:extLst>
+          </p:cNvPr>
+          <p:cNvSpPr txBox="1"/>
+          <p:nvPr/>
+        </p:nvSpPr>
+        <p:spPr>
+          <a:xfrm>
+            <a:off x="4728100" y="2746253"/>
+            <a:ext cx="2319826" cy="1200329"/>
+          </a:xfrm>
+          <a:prstGeom prst="rect">
+            <a:avLst/>
+          </a:prstGeom>
+          <a:noFill/>
+        </p:spPr>
+        <p:txBody>
+          <a:bodyPr wrap="square" rtlCol="0">
+            <a:spAutoFit/>
+          </a:bodyPr>
+          <a:lstStyle/>
+          <a:p>
+            <a:r>
+              <a:rPr lang="en-US" dirty="0">
+                <a:latin typeface="Century Gothic" panose="020B0502020202090204" pitchFamily="34" charset="0"/>
+              </a:rPr>
+              <a:t>And a repartition of the medication they take during their stay:</a:t>
+            </a:r>
+          </a:p>
+        </p:txBody>
+      </p:sp>
+    </p:spTree>
+    <p:extLst>
+      <p:ext uri="{BB962C8B-B14F-4D97-AF65-F5344CB8AC3E}">
+        <p14:creationId xmlns:p14="http://schemas.microsoft.com/office/powerpoint/2010/main" val="3161064848"/>
+      </p:ext>
+    </p:extLst>
+  </p:cSld>
+  <p:clrMapOvr>
+    <a:masterClrMapping/>
+  </p:clrMapOvr>
+</p:sld>
+</file>
+
+<file path=ppt/slides/slide9.xml><?xml version="1.0" encoding="utf-8"?>
+<p:sld xmlns:a="http://schemas.openxmlformats.org/drawingml/2006/main" xmlns:r="http://schemas.openxmlformats.org/officeDocument/2006/relationships" xmlns:p="http://schemas.openxmlformats.org/presentationml/2006/main">
+  <p:cSld>
+    <p:bg>
+      <p:bgPr>
+        <a:solidFill>
+          <a:schemeClr val="bg1"/>
+        </a:solidFill>
+        <a:effectLst/>
+      </p:bgPr>
+    </p:bg>
+    <p:spTree>
+      <p:nvGrpSpPr>
+        <p:cNvPr id="1" name=""/>
+        <p:cNvGrpSpPr/>
+        <p:nvPr/>
+      </p:nvGrpSpPr>
+      <p:grpSpPr>
+        <a:xfrm>
+          <a:off x="0" y="0"/>
+          <a:ext cx="0" cy="0"/>
+          <a:chOff x="0" y="0"/>
+          <a:chExt cx="0" cy="0"/>
+        </a:xfrm>
+      </p:grpSpPr>
+      <p:sp>
+        <p:nvSpPr>
+          <p:cNvPr id="9" name="Rectangle 8">
+            <a:extLst>
+              <a:ext uri="{FF2B5EF4-FFF2-40B4-BE49-F238E27FC236}">
+                <a16:creationId xmlns:a16="http://schemas.microsoft.com/office/drawing/2014/main" id="{E35A04CF-97D4-4FF7-B359-C546B1F62E54}"/>
+              </a:ext>
+              <a:ext uri="{C183D7F6-B498-43B3-948B-1728B52AA6E4}">
+                <adec:decorative xmlns:adec="http://schemas.microsoft.com/office/drawing/2017/decorative" val="1"/>
+              </a:ext>
+            </a:extLst>
+          </p:cNvPr>
+          <p:cNvSpPr>
+            <a:spLocks noGrp="1" noRot="1" noChangeAspect="1" noMove="1" noResize="1" noEditPoints="1" noAdjustHandles="1" noChangeArrowheads="1" noChangeShapeType="1" noTextEdit="1"/>
+          </p:cNvSpPr>
+          <p:nvPr>
+            <p:extLst>
+              <p:ext uri="{386F3935-93C4-4BCD-93E2-E3B085C9AB24}">
+                <p16:designElem xmlns:p16="http://schemas.microsoft.com/office/powerpoint/2015/main" val="1"/>
+              </p:ext>
+            </p:extLst>
+          </p:nvPr>
+        </p:nvSpPr>
+        <p:spPr>
+          <a:xfrm>
+            <a:off x="0" y="0"/>
+            <a:ext cx="12191999" cy="6858000"/>
+          </a:xfrm>
+          <a:prstGeom prst="rect">
+            <a:avLst/>
+          </a:prstGeom>
+          <a:solidFill>
+            <a:schemeClr val="bg1">
+              <a:lumMod val="85000"/>
+            </a:schemeClr>
+          </a:solidFill>
+          <a:ln>
+            <a:noFill/>
+          </a:ln>
+        </p:spPr>
+        <p:style>
+          <a:lnRef idx="2">
+            <a:schemeClr val="accent1">
+              <a:shade val="50000"/>
+            </a:schemeClr>
+          </a:lnRef>
+          <a:fillRef idx="1">
+            <a:schemeClr val="accent1"/>
+          </a:fillRef>
+          <a:effectRef idx="0">
+            <a:schemeClr val="accent1"/>
+          </a:effectRef>
+          <a:fontRef idx="minor">
+            <a:schemeClr val="lt1"/>
+          </a:fontRef>
+        </p:style>
+        <p:txBody>
+          <a:bodyPr rtlCol="0" anchor="ctr"/>
+          <a:lstStyle/>
+          <a:p>
+            <a:pPr algn="ctr"/>
+            <a:endParaRPr lang="en-US"/>
+          </a:p>
+        </p:txBody>
+      </p:sp>
+      <p:sp>
+        <p:nvSpPr>
+          <p:cNvPr id="11" name="Freeform: Shape 10">
+            <a:extLst>
+              <a:ext uri="{FF2B5EF4-FFF2-40B4-BE49-F238E27FC236}">
+                <a16:creationId xmlns:a16="http://schemas.microsoft.com/office/drawing/2014/main" id="{1DE7243B-5109-444B-8FAF-7437C66BC0E9}"/>
+              </a:ext>
+              <a:ext uri="{C183D7F6-B498-43B3-948B-1728B52AA6E4}">
+                <adec:decorative xmlns:adec="http://schemas.microsoft.com/office/drawing/2017/decorative" val="1"/>
+              </a:ext>
+            </a:extLst>
+          </p:cNvPr>
+          <p:cNvSpPr>
+            <a:spLocks noGrp="1" noRot="1" noChangeAspect="1" noMove="1" noResize="1" noEditPoints="1" noAdjustHandles="1" noChangeArrowheads="1" noChangeShapeType="1" noTextEdit="1"/>
+          </p:cNvSpPr>
+          <p:nvPr>
+            <p:extLst>
+              <p:ext uri="{386F3935-93C4-4BCD-93E2-E3B085C9AB24}">
+                <p16:designElem xmlns:p16="http://schemas.microsoft.com/office/powerpoint/2015/main" val="1"/>
+              </p:ext>
+            </p:extLst>
+          </p:nvPr>
+        </p:nvSpPr>
+        <p:spPr>
+          <a:xfrm flipH="1">
+            <a:off x="0" y="0"/>
+            <a:ext cx="4421332" cy="6858000"/>
+          </a:xfrm>
+          <a:custGeom>
+            <a:avLst/>
+            <a:gdLst>
+              <a:gd name="connsiteX0" fmla="*/ 4421332 w 4421332"/>
+              <a:gd name="connsiteY0" fmla="*/ 0 h 6858000"/>
+              <a:gd name="connsiteX1" fmla="*/ 69075 w 4421332"/>
+              <a:gd name="connsiteY1" fmla="*/ 0 h 6858000"/>
+              <a:gd name="connsiteX2" fmla="*/ 35131 w 4421332"/>
+              <a:gd name="connsiteY2" fmla="*/ 267128 h 6858000"/>
+              <a:gd name="connsiteX3" fmla="*/ 0 w 4421332"/>
+              <a:gd name="connsiteY3" fmla="*/ 962845 h 6858000"/>
+              <a:gd name="connsiteX4" fmla="*/ 3276103 w 4421332"/>
+              <a:gd name="connsiteY4" fmla="*/ 6782205 h 6858000"/>
+              <a:gd name="connsiteX5" fmla="*/ 3407923 w 4421332"/>
+              <a:gd name="connsiteY5" fmla="*/ 6858000 h 6858000"/>
+              <a:gd name="connsiteX6" fmla="*/ 4421332 w 4421332"/>
+              <a:gd name="connsiteY6" fmla="*/ 6858000 h 6858000"/>
+            </a:gdLst>
+            <a:ahLst/>
+            <a:cxnLst>
+              <a:cxn ang="0">
+                <a:pos x="connsiteX0" y="connsiteY0"/>
+              </a:cxn>
+              <a:cxn ang="0">
+                <a:pos x="connsiteX1" y="connsiteY1"/>
+              </a:cxn>
+              <a:cxn ang="0">
+                <a:pos x="connsiteX2" y="connsiteY2"/>
+              </a:cxn>
+              <a:cxn ang="0">
+                <a:pos x="connsiteX3" y="connsiteY3"/>
+              </a:cxn>
+              <a:cxn ang="0">
+                <a:pos x="connsiteX4" y="connsiteY4"/>
+              </a:cxn>
+              <a:cxn ang="0">
+                <a:pos x="connsiteX5" y="connsiteY5"/>
+              </a:cxn>
+              <a:cxn ang="0">
+                <a:pos x="connsiteX6" y="connsiteY6"/>
+              </a:cxn>
+            </a:cxnLst>
+            <a:rect l="l" t="t" r="r" b="b"/>
+            <a:pathLst>
+              <a:path w="4421332" h="6858000">
+                <a:moveTo>
+                  <a:pt x="4421332" y="0"/>
+                </a:moveTo>
+                <a:lnTo>
+                  <a:pt x="69075" y="0"/>
+                </a:lnTo>
+                <a:lnTo>
+                  <a:pt x="35131" y="267128"/>
+                </a:lnTo>
+                <a:cubicBezTo>
+                  <a:pt x="11901" y="495874"/>
+                  <a:pt x="0" y="727970"/>
+                  <a:pt x="0" y="962845"/>
+                </a:cubicBezTo>
+                <a:cubicBezTo>
+                  <a:pt x="0" y="3429034"/>
+                  <a:pt x="1312002" y="5588789"/>
+                  <a:pt x="3276103" y="6782205"/>
+                </a:cubicBezTo>
+                <a:lnTo>
+                  <a:pt x="3407923" y="6858000"/>
+                </a:lnTo>
+                <a:lnTo>
+                  <a:pt x="4421332" y="6858000"/>
+                </a:lnTo>
+                <a:close/>
+              </a:path>
+            </a:pathLst>
+          </a:custGeom>
+          <a:solidFill>
+            <a:srgbClr val="FFFFFF">
+              <a:alpha val="80000"/>
+            </a:srgbClr>
+          </a:solidFill>
+          <a:ln>
+            <a:noFill/>
+          </a:ln>
+        </p:spPr>
+        <p:style>
+          <a:lnRef idx="2">
+            <a:schemeClr val="accent1">
+              <a:shade val="50000"/>
+            </a:schemeClr>
+          </a:lnRef>
+          <a:fillRef idx="1">
+            <a:schemeClr val="accent1"/>
+          </a:fillRef>
+          <a:effectRef idx="0">
+            <a:schemeClr val="accent1"/>
+          </a:effectRef>
+          <a:fontRef idx="minor">
+            <a:schemeClr val="lt1"/>
+          </a:fontRef>
+        </p:style>
+        <p:txBody>
+          <a:bodyPr wrap="square" rtlCol="0" anchor="ctr">
+            <a:noAutofit/>
+          </a:bodyPr>
+          <a:lstStyle/>
+          <a:p>
+            <a:pPr marL="0" marR="0" lvl="0" indent="0" algn="ctr" defTabSz="914400" rtl="0" eaLnBrk="1" fontAlgn="auto" latinLnBrk="0" hangingPunct="1">
+              <a:lnSpc>
+                <a:spcPct val="100000"/>
+              </a:lnSpc>
+              <a:spcBef>
+                <a:spcPts val="0"/>
+              </a:spcBef>
+              <a:spcAft>
+                <a:spcPts val="0"/>
+              </a:spcAft>
+              <a:buClrTx/>
+              <a:buSzTx/>
+              <a:buFontTx/>
+              <a:buNone/>
+              <a:tabLst/>
+              <a:defRPr/>
+            </a:pPr>
+            <a:endParaRPr kumimoji="0" lang="en-US" sz="1800" b="0" i="0" u="none" strike="noStrike" kern="1200" cap="none" spc="0" normalizeH="0" baseline="0" noProof="0">
+              <a:ln>
+                <a:noFill/>
+              </a:ln>
+              <a:solidFill>
+                <a:prstClr val="white"/>
+              </a:solidFill>
+              <a:effectLst/>
+              <a:uLnTx/>
+              <a:uFillTx/>
+              <a:latin typeface="Calibri" panose="020F0502020204030204"/>
+              <a:ea typeface="+mn-ea"/>
+              <a:cs typeface="+mn-cs"/>
+            </a:endParaRPr>
+          </a:p>
+        </p:txBody>
+      </p:sp>
+      <p:sp>
+        <p:nvSpPr>
+          <p:cNvPr id="13" name="Freeform: Shape 12">
+            <a:extLst>
+              <a:ext uri="{FF2B5EF4-FFF2-40B4-BE49-F238E27FC236}">
+                <a16:creationId xmlns:a16="http://schemas.microsoft.com/office/drawing/2014/main" id="{4C5D6221-DA7B-4611-AA26-7D8E349FDE96}"/>
+              </a:ext>
+              <a:ext uri="{C183D7F6-B498-43B3-948B-1728B52AA6E4}">
+                <adec:decorative xmlns:adec="http://schemas.microsoft.com/office/drawing/2017/decorative" val="1"/>
+              </a:ext>
+            </a:extLst>
+          </p:cNvPr>
+          <p:cNvSpPr>
+            <a:spLocks noGrp="1" noRot="1" noChangeAspect="1" noMove="1" noResize="1" noEditPoints="1" noAdjustHandles="1" noChangeArrowheads="1" noChangeShapeType="1" noTextEdit="1"/>
+          </p:cNvSpPr>
+          <p:nvPr>
+            <p:extLst>
+              <p:ext uri="{386F3935-93C4-4BCD-93E2-E3B085C9AB24}">
+                <p16:designElem xmlns:p16="http://schemas.microsoft.com/office/powerpoint/2015/main" val="1"/>
+              </p:ext>
+            </p:extLst>
+          </p:nvPr>
+        </p:nvSpPr>
+        <p:spPr>
+          <a:xfrm>
+            <a:off x="1" y="0"/>
+            <a:ext cx="4232227" cy="6858000"/>
+          </a:xfrm>
+          <a:custGeom>
+            <a:avLst/>
+            <a:gdLst>
+              <a:gd name="connsiteX0" fmla="*/ 0 w 4232227"/>
+              <a:gd name="connsiteY0" fmla="*/ 0 h 6858000"/>
+              <a:gd name="connsiteX1" fmla="*/ 4161853 w 4232227"/>
+              <a:gd name="connsiteY1" fmla="*/ 0 h 6858000"/>
+              <a:gd name="connsiteX2" fmla="*/ 4197953 w 4232227"/>
+              <a:gd name="connsiteY2" fmla="*/ 284091 h 6858000"/>
+              <a:gd name="connsiteX3" fmla="*/ 4232227 w 4232227"/>
+              <a:gd name="connsiteY3" fmla="*/ 962844 h 6858000"/>
+              <a:gd name="connsiteX4" fmla="*/ 758007 w 4232227"/>
+              <a:gd name="connsiteY4" fmla="*/ 6800152 h 6858000"/>
+              <a:gd name="connsiteX5" fmla="*/ 645060 w 4232227"/>
+              <a:gd name="connsiteY5" fmla="*/ 6858000 h 6858000"/>
+              <a:gd name="connsiteX6" fmla="*/ 0 w 4232227"/>
+              <a:gd name="connsiteY6" fmla="*/ 6858000 h 6858000"/>
+            </a:gdLst>
+            <a:ahLst/>
+            <a:cxnLst>
+              <a:cxn ang="0">
+                <a:pos x="connsiteX0" y="connsiteY0"/>
+              </a:cxn>
+              <a:cxn ang="0">
+                <a:pos x="connsiteX1" y="connsiteY1"/>
+              </a:cxn>
+              <a:cxn ang="0">
+                <a:pos x="connsiteX2" y="connsiteY2"/>
+              </a:cxn>
+              <a:cxn ang="0">
+                <a:pos x="connsiteX3" y="connsiteY3"/>
+              </a:cxn>
+              <a:cxn ang="0">
+                <a:pos x="connsiteX4" y="connsiteY4"/>
+              </a:cxn>
+              <a:cxn ang="0">
+                <a:pos x="connsiteX5" y="connsiteY5"/>
+              </a:cxn>
+              <a:cxn ang="0">
+                <a:pos x="connsiteX6" y="connsiteY6"/>
+              </a:cxn>
+            </a:cxnLst>
+            <a:rect l="l" t="t" r="r" b="b"/>
+            <a:pathLst>
+              <a:path w="4232227" h="6858000">
+                <a:moveTo>
+                  <a:pt x="0" y="0"/>
+                </a:moveTo>
+                <a:lnTo>
+                  <a:pt x="4161853" y="0"/>
+                </a:lnTo>
+                <a:lnTo>
+                  <a:pt x="4197953" y="284091"/>
+                </a:lnTo>
+                <a:cubicBezTo>
+                  <a:pt x="4220617" y="507260"/>
+                  <a:pt x="4232227" y="733696"/>
+                  <a:pt x="4232227" y="962844"/>
+                </a:cubicBezTo>
+                <a:cubicBezTo>
+                  <a:pt x="4232227" y="3483472"/>
+                  <a:pt x="2827409" y="5675986"/>
+                  <a:pt x="758007" y="6800152"/>
+                </a:cubicBezTo>
+                <a:lnTo>
+                  <a:pt x="645060" y="6858000"/>
+                </a:lnTo>
+                <a:lnTo>
+                  <a:pt x="0" y="6858000"/>
+                </a:lnTo>
+                <a:close/>
+              </a:path>
+            </a:pathLst>
+          </a:custGeom>
+          <a:solidFill>
+            <a:srgbClr val="404040"/>
+          </a:solidFill>
+          <a:ln>
+            <a:noFill/>
+          </a:ln>
+        </p:spPr>
+        <p:style>
+          <a:lnRef idx="2">
+            <a:schemeClr val="accent1">
+              <a:shade val="50000"/>
+            </a:schemeClr>
+          </a:lnRef>
+          <a:fillRef idx="1">
+            <a:schemeClr val="accent1"/>
+          </a:fillRef>
+          <a:effectRef idx="0">
+            <a:schemeClr val="accent1"/>
+          </a:effectRef>
+          <a:fontRef idx="minor">
+            <a:schemeClr val="lt1"/>
+          </a:fontRef>
+        </p:style>
+        <p:txBody>
+          <a:bodyPr wrap="square" rtlCol="0" anchor="ctr">
+            <a:noAutofit/>
+          </a:bodyPr>
+          <a:lstStyle/>
+          <a:p>
+            <a:pPr marL="0" marR="0" lvl="0" indent="0" algn="ctr" defTabSz="914400" rtl="0" eaLnBrk="1" fontAlgn="auto" latinLnBrk="0" hangingPunct="1">
+              <a:lnSpc>
+                <a:spcPct val="100000"/>
+              </a:lnSpc>
+              <a:spcBef>
+                <a:spcPts val="0"/>
+              </a:spcBef>
+              <a:spcAft>
+                <a:spcPts val="0"/>
+              </a:spcAft>
+              <a:buClrTx/>
+              <a:buSzTx/>
+              <a:buFontTx/>
+              <a:buNone/>
+              <a:tabLst/>
+              <a:defRPr/>
+            </a:pPr>
+            <a:endParaRPr kumimoji="0" lang="en-US" sz="1800" b="0" i="0" u="none" strike="noStrike" kern="1200" cap="none" spc="0" normalizeH="0" baseline="0" noProof="0">
+              <a:ln>
+                <a:noFill/>
+              </a:ln>
+              <a:solidFill>
+                <a:prstClr val="white"/>
+              </a:solidFill>
+              <a:effectLst/>
+              <a:uLnTx/>
+              <a:uFillTx/>
+              <a:latin typeface="Calibri" panose="020F0502020204030204"/>
+              <a:ea typeface="+mn-ea"/>
+              <a:cs typeface="+mn-cs"/>
+            </a:endParaRPr>
+          </a:p>
+        </p:txBody>
+      </p:sp>
+      <p:sp>
+        <p:nvSpPr>
+          <p:cNvPr id="2" name="Titre 1">
+            <a:extLst>
+              <a:ext uri="{FF2B5EF4-FFF2-40B4-BE49-F238E27FC236}">
+                <a16:creationId xmlns:a16="http://schemas.microsoft.com/office/drawing/2014/main" id="{77328127-2658-29C0-D5B6-2E19F8D9CB6F}"/>
+              </a:ext>
+            </a:extLst>
+          </p:cNvPr>
+          <p:cNvSpPr>
+            <a:spLocks noGrp="1"/>
+          </p:cNvSpPr>
+          <p:nvPr>
+            <p:ph type="ctrTitle"/>
+          </p:nvPr>
+        </p:nvSpPr>
+        <p:spPr>
+          <a:xfrm>
+            <a:off x="306769" y="1980896"/>
+            <a:ext cx="3626039" cy="1010878"/>
+          </a:xfrm>
+        </p:spPr>
+        <p:txBody>
+          <a:bodyPr vert="horz" lIns="91440" tIns="45720" rIns="91440" bIns="45720" rtlCol="0" anchor="t">
+            <a:normAutofit fontScale="90000"/>
+          </a:bodyPr>
+          <a:lstStyle/>
+          <a:p>
+            <a:pPr algn="l"/>
+            <a:r>
+              <a:rPr lang="en-US" sz="3600" b="1">
+                <a:solidFill>
+                  <a:srgbClr val="FFFFFF"/>
+                </a:solidFill>
+                <a:latin typeface="Century Gothic" panose="020B0502020202090204" pitchFamily="34" charset="0"/>
+              </a:rPr>
+              <a:t>Data visualization:</a:t>
+            </a:r>
+            <a:endParaRPr lang="en-US" sz="3600" b="1" kern="1200" dirty="0">
+              <a:solidFill>
+                <a:srgbClr val="FFFFFF"/>
+              </a:solidFill>
+              <a:latin typeface="Century Gothic" panose="020B0502020202090204" pitchFamily="34" charset="0"/>
+            </a:endParaRPr>
+          </a:p>
+        </p:txBody>
+      </p:sp>
+      <p:sp>
+        <p:nvSpPr>
+          <p:cNvPr id="4" name="Sous-titre 2">
+            <a:extLst>
+              <a:ext uri="{FF2B5EF4-FFF2-40B4-BE49-F238E27FC236}">
+                <a16:creationId xmlns:a16="http://schemas.microsoft.com/office/drawing/2014/main" id="{F268D261-47EE-1D4F-CCA1-52A3131E5925}"/>
+              </a:ext>
+            </a:extLst>
+          </p:cNvPr>
+          <p:cNvSpPr txBox="1">
+            <a:spLocks/>
+          </p:cNvSpPr>
+          <p:nvPr/>
+        </p:nvSpPr>
+        <p:spPr>
+          <a:xfrm>
+            <a:off x="5315546" y="1816257"/>
+            <a:ext cx="6569685" cy="950716"/>
+          </a:xfrm>
+          <a:prstGeom prst="rect">
+            <a:avLst/>
+          </a:prstGeom>
+        </p:spPr>
+        <p:txBody>
+          <a:bodyPr vert="horz" lIns="91440" tIns="45720" rIns="91440" bIns="45720" rtlCol="0">
+            <a:noAutofit/>
+          </a:bodyPr>
+          <a:lstStyle>
+            <a:lvl1pPr marL="0" indent="0" algn="ctr" defTabSz="914400" rtl="0" eaLnBrk="1" latinLnBrk="0" hangingPunct="1">
+              <a:lnSpc>
+                <a:spcPct val="90000"/>
+              </a:lnSpc>
+              <a:spcBef>
+                <a:spcPts val="1000"/>
+              </a:spcBef>
+              <a:buFont typeface="Arial" panose="020B0604020202020204" pitchFamily="34" charset="0"/>
+              <a:buNone/>
+              <a:defRPr sz="2400" kern="1200">
+                <a:solidFill>
+                  <a:schemeClr val="tx1"/>
+                </a:solidFill>
+                <a:latin typeface="+mn-lt"/>
+                <a:ea typeface="+mn-ea"/>
+                <a:cs typeface="+mn-cs"/>
+              </a:defRPr>
+            </a:lvl1pPr>
+            <a:lvl2pPr marL="457200" indent="0" algn="ctr" defTabSz="914400" rtl="0" eaLnBrk="1" latinLnBrk="0" hangingPunct="1">
+              <a:lnSpc>
+                <a:spcPct val="90000"/>
+              </a:lnSpc>
+              <a:spcBef>
+                <a:spcPts val="500"/>
+              </a:spcBef>
+              <a:buFont typeface="Arial" panose="020B0604020202020204" pitchFamily="34" charset="0"/>
+              <a:buNone/>
+              <a:defRPr sz="2000" kern="1200">
+                <a:solidFill>
+                  <a:schemeClr val="tx1"/>
+                </a:solidFill>
+                <a:latin typeface="+mn-lt"/>
+                <a:ea typeface="+mn-ea"/>
+                <a:cs typeface="+mn-cs"/>
+              </a:defRPr>
+            </a:lvl2pPr>
+            <a:lvl3pPr marL="914400" indent="0" algn="ctr" defTabSz="914400" rtl="0" eaLnBrk="1" latinLnBrk="0" hangingPunct="1">
+              <a:lnSpc>
+                <a:spcPct val="90000"/>
+              </a:lnSpc>
+              <a:spcBef>
+                <a:spcPts val="500"/>
+              </a:spcBef>
+              <a:buFont typeface="Arial" panose="020B0604020202020204" pitchFamily="34" charset="0"/>
+              <a:buNone/>
+              <a:defRPr sz="1800" kern="1200">
+                <a:solidFill>
+                  <a:schemeClr val="tx1"/>
+                </a:solidFill>
+                <a:latin typeface="+mn-lt"/>
+                <a:ea typeface="+mn-ea"/>
+                <a:cs typeface="+mn-cs"/>
+              </a:defRPr>
+            </a:lvl3pPr>
+            <a:lvl4pPr marL="1371600" indent="0" algn="ctr" defTabSz="914400" rtl="0" eaLnBrk="1" latinLnBrk="0" hangingPunct="1">
+              <a:lnSpc>
+                <a:spcPct val="90000"/>
+              </a:lnSpc>
+              <a:spcBef>
+                <a:spcPts val="500"/>
+              </a:spcBef>
+              <a:buFont typeface="Arial" panose="020B0604020202020204" pitchFamily="34" charset="0"/>
+              <a:buNone/>
+              <a:defRPr sz="1600" kern="1200">
+                <a:solidFill>
+                  <a:schemeClr val="tx1"/>
+                </a:solidFill>
+                <a:latin typeface="+mn-lt"/>
+                <a:ea typeface="+mn-ea"/>
+                <a:cs typeface="+mn-cs"/>
+              </a:defRPr>
+            </a:lvl4pPr>
+            <a:lvl5pPr marL="1828800" indent="0" algn="ctr" defTabSz="914400" rtl="0" eaLnBrk="1" latinLnBrk="0" hangingPunct="1">
+              <a:lnSpc>
+                <a:spcPct val="90000"/>
+              </a:lnSpc>
+              <a:spcBef>
+                <a:spcPts val="500"/>
+              </a:spcBef>
+              <a:buFont typeface="Arial" panose="020B0604020202020204" pitchFamily="34" charset="0"/>
+              <a:buNone/>
+              <a:defRPr sz="1600" kern="1200">
+                <a:solidFill>
+                  <a:schemeClr val="tx1"/>
+                </a:solidFill>
+                <a:latin typeface="+mn-lt"/>
+                <a:ea typeface="+mn-ea"/>
+                <a:cs typeface="+mn-cs"/>
+              </a:defRPr>
+            </a:lvl5pPr>
+            <a:lvl6pPr marL="2286000" indent="0" algn="ctr" defTabSz="914400" rtl="0" eaLnBrk="1" latinLnBrk="0" hangingPunct="1">
+              <a:lnSpc>
+                <a:spcPct val="90000"/>
+              </a:lnSpc>
+              <a:spcBef>
+                <a:spcPts val="500"/>
+              </a:spcBef>
+              <a:buFont typeface="Arial" panose="020B0604020202020204" pitchFamily="34" charset="0"/>
+              <a:buNone/>
+              <a:defRPr sz="1600" kern="1200">
+                <a:solidFill>
+                  <a:schemeClr val="tx1"/>
+                </a:solidFill>
+                <a:latin typeface="+mn-lt"/>
+                <a:ea typeface="+mn-ea"/>
+                <a:cs typeface="+mn-cs"/>
+              </a:defRPr>
+            </a:lvl6pPr>
+            <a:lvl7pPr marL="2743200" indent="0" algn="ctr" defTabSz="914400" rtl="0" eaLnBrk="1" latinLnBrk="0" hangingPunct="1">
+              <a:lnSpc>
+                <a:spcPct val="90000"/>
+              </a:lnSpc>
+              <a:spcBef>
+                <a:spcPts val="500"/>
+              </a:spcBef>
+              <a:buFont typeface="Arial" panose="020B0604020202020204" pitchFamily="34" charset="0"/>
+              <a:buNone/>
+              <a:defRPr sz="1600" kern="1200">
+                <a:solidFill>
+                  <a:schemeClr val="tx1"/>
+                </a:solidFill>
+                <a:latin typeface="+mn-lt"/>
+                <a:ea typeface="+mn-ea"/>
+                <a:cs typeface="+mn-cs"/>
+              </a:defRPr>
+            </a:lvl7pPr>
+            <a:lvl8pPr marL="3200400" indent="0" algn="ctr" defTabSz="914400" rtl="0" eaLnBrk="1" latinLnBrk="0" hangingPunct="1">
+              <a:lnSpc>
+                <a:spcPct val="90000"/>
+              </a:lnSpc>
+              <a:spcBef>
+                <a:spcPts val="500"/>
+              </a:spcBef>
+              <a:buFont typeface="Arial" panose="020B0604020202020204" pitchFamily="34" charset="0"/>
+              <a:buNone/>
+              <a:defRPr sz="1600" kern="1200">
+                <a:solidFill>
+                  <a:schemeClr val="tx1"/>
+                </a:solidFill>
+                <a:latin typeface="+mn-lt"/>
+                <a:ea typeface="+mn-ea"/>
+                <a:cs typeface="+mn-cs"/>
+              </a:defRPr>
+            </a:lvl8pPr>
+            <a:lvl9pPr marL="3657600" indent="0" algn="ctr" defTabSz="914400" rtl="0" eaLnBrk="1" latinLnBrk="0" hangingPunct="1">
+              <a:lnSpc>
+                <a:spcPct val="90000"/>
+              </a:lnSpc>
+              <a:spcBef>
+                <a:spcPts val="500"/>
+              </a:spcBef>
+              <a:buFont typeface="Arial" panose="020B0604020202020204" pitchFamily="34" charset="0"/>
+              <a:buNone/>
+              <a:defRPr sz="1600" kern="1200">
+                <a:solidFill>
+                  <a:schemeClr val="tx1"/>
+                </a:solidFill>
+                <a:latin typeface="+mn-lt"/>
+                <a:ea typeface="+mn-ea"/>
+                <a:cs typeface="+mn-cs"/>
+              </a:defRPr>
+            </a:lvl9pPr>
+          </a:lstStyle>
+          <a:p>
+            <a:pPr algn="l"/>
+            <a:endParaRPr lang="en-US" sz="3200" dirty="0">
+              <a:latin typeface="Century Gothic" panose="020B0502020202090204" pitchFamily="34" charset="0"/>
+            </a:endParaRPr>
+          </a:p>
+        </p:txBody>
+      </p:sp>
+      <p:sp>
+        <p:nvSpPr>
+          <p:cNvPr id="7" name="TextBox 6">
+            <a:extLst>
+              <a:ext uri="{FF2B5EF4-FFF2-40B4-BE49-F238E27FC236}">
+                <a16:creationId xmlns:a16="http://schemas.microsoft.com/office/drawing/2014/main" id="{14DB6575-BDCF-4E84-B859-4F92A6FF6825}"/>
+              </a:ext>
+            </a:extLst>
+          </p:cNvPr>
+          <p:cNvSpPr txBox="1"/>
+          <p:nvPr/>
+        </p:nvSpPr>
+        <p:spPr>
+          <a:xfrm>
+            <a:off x="4702412" y="630283"/>
+            <a:ext cx="6270388" cy="1015663"/>
+          </a:xfrm>
+          <a:prstGeom prst="rect">
+            <a:avLst/>
+          </a:prstGeom>
+          <a:noFill/>
+        </p:spPr>
+        <p:txBody>
+          <a:bodyPr wrap="square" rtlCol="0">
+            <a:spAutoFit/>
+          </a:bodyPr>
+          <a:lstStyle/>
+          <a:p>
+            <a:r>
+              <a:rPr lang="en-US" sz="2000">
+                <a:latin typeface="Century Gothic" panose="020B0502020202090204" pitchFamily="34" charset="0"/>
+              </a:rPr>
+              <a:t>The last visualization is a representation of the time in hospital in function of the medication they take:</a:t>
+            </a:r>
+            <a:endParaRPr lang="en-US" sz="2000" dirty="0">
+              <a:latin typeface="Century Gothic" panose="020B0502020202090204" pitchFamily="34" charset="0"/>
+            </a:endParaRPr>
+          </a:p>
+        </p:txBody>
+      </p:sp>
+      <p:pic>
+        <p:nvPicPr>
+          <p:cNvPr id="5" name="Picture 4">
+            <a:extLst>
+              <a:ext uri="{FF2B5EF4-FFF2-40B4-BE49-F238E27FC236}">
+                <a16:creationId xmlns:a16="http://schemas.microsoft.com/office/drawing/2014/main" id="{4242545C-4ADE-4D17-BE85-8B5463AD00AB}"/>
+              </a:ext>
+            </a:extLst>
+          </p:cNvPr>
+          <p:cNvPicPr>
+            <a:picLocks noChangeAspect="1"/>
+          </p:cNvPicPr>
+          <p:nvPr/>
+        </p:nvPicPr>
+        <p:blipFill>
+          <a:blip r:embed="rId2"/>
+          <a:stretch>
+            <a:fillRect/>
+          </a:stretch>
+        </p:blipFill>
+        <p:spPr>
+          <a:xfrm>
+            <a:off x="4134039" y="3237043"/>
+            <a:ext cx="7918532" cy="3413540"/>
+          </a:xfrm>
+          <a:prstGeom prst="rect">
+            <a:avLst/>
+          </a:prstGeom>
+        </p:spPr>
+      </p:pic>
+    </p:spTree>
+    <p:extLst>
+      <p:ext uri="{BB962C8B-B14F-4D97-AF65-F5344CB8AC3E}">
+        <p14:creationId xmlns:p14="http://schemas.microsoft.com/office/powerpoint/2010/main" val="1636868409"/>
       </p:ext>
     </p:extLst>
   </p:cSld>

--- a/Readmission of the Diabetics patients.pptx
+++ b/Readmission of the Diabetics patients.pptx
@@ -9,11 +9,11 @@
     <p:sldId id="260" r:id="rId3"/>
     <p:sldId id="261" r:id="rId4"/>
     <p:sldId id="267" r:id="rId5"/>
-    <p:sldId id="268" r:id="rId6"/>
-    <p:sldId id="269" r:id="rId7"/>
-    <p:sldId id="262" r:id="rId8"/>
-    <p:sldId id="270" r:id="rId9"/>
-    <p:sldId id="271" r:id="rId10"/>
+    <p:sldId id="269" r:id="rId6"/>
+    <p:sldId id="262" r:id="rId7"/>
+    <p:sldId id="270" r:id="rId8"/>
+    <p:sldId id="271" r:id="rId9"/>
+    <p:sldId id="272" r:id="rId10"/>
     <p:sldId id="263" r:id="rId11"/>
     <p:sldId id="264" r:id="rId12"/>
     <p:sldId id="265" r:id="rId13"/>
@@ -271,7 +271,7 @@
           <a:p>
             <a:fld id="{15AA5CCC-4B78-4276-9AC6-481FB1048F0E}" type="datetimeFigureOut">
               <a:rPr lang="fr-FR" smtClean="0"/>
-              <a:t>04/12/2022</a:t>
+              <a:t>05/12/2022</a:t>
             </a:fld>
             <a:endParaRPr lang="fr-FR"/>
           </a:p>
@@ -325,7 +325,7 @@
           <a:p>
             <a:fld id="{6F5BCCEC-CD51-4DF1-9344-DEAA97C69DD5}" type="slidenum">
               <a:rPr lang="fr-FR" smtClean="0"/>
-              <a:t>‹#›</a:t>
+              <a:t>‹N°›</a:t>
             </a:fld>
             <a:endParaRPr lang="fr-FR"/>
           </a:p>
@@ -469,7 +469,7 @@
           <a:p>
             <a:fld id="{15AA5CCC-4B78-4276-9AC6-481FB1048F0E}" type="datetimeFigureOut">
               <a:rPr lang="fr-FR" smtClean="0"/>
-              <a:t>04/12/2022</a:t>
+              <a:t>05/12/2022</a:t>
             </a:fld>
             <a:endParaRPr lang="fr-FR"/>
           </a:p>
@@ -523,7 +523,7 @@
           <a:p>
             <a:fld id="{6F5BCCEC-CD51-4DF1-9344-DEAA97C69DD5}" type="slidenum">
               <a:rPr lang="fr-FR" smtClean="0"/>
-              <a:t>‹#›</a:t>
+              <a:t>‹N°›</a:t>
             </a:fld>
             <a:endParaRPr lang="fr-FR"/>
           </a:p>
@@ -677,7 +677,7 @@
           <a:p>
             <a:fld id="{15AA5CCC-4B78-4276-9AC6-481FB1048F0E}" type="datetimeFigureOut">
               <a:rPr lang="fr-FR" smtClean="0"/>
-              <a:t>04/12/2022</a:t>
+              <a:t>05/12/2022</a:t>
             </a:fld>
             <a:endParaRPr lang="fr-FR"/>
           </a:p>
@@ -731,7 +731,7 @@
           <a:p>
             <a:fld id="{6F5BCCEC-CD51-4DF1-9344-DEAA97C69DD5}" type="slidenum">
               <a:rPr lang="fr-FR" smtClean="0"/>
-              <a:t>‹#›</a:t>
+              <a:t>‹N°›</a:t>
             </a:fld>
             <a:endParaRPr lang="fr-FR"/>
           </a:p>
@@ -875,7 +875,7 @@
           <a:p>
             <a:fld id="{15AA5CCC-4B78-4276-9AC6-481FB1048F0E}" type="datetimeFigureOut">
               <a:rPr lang="fr-FR" smtClean="0"/>
-              <a:t>04/12/2022</a:t>
+              <a:t>05/12/2022</a:t>
             </a:fld>
             <a:endParaRPr lang="fr-FR"/>
           </a:p>
@@ -929,7 +929,7 @@
           <a:p>
             <a:fld id="{6F5BCCEC-CD51-4DF1-9344-DEAA97C69DD5}" type="slidenum">
               <a:rPr lang="fr-FR" smtClean="0"/>
-              <a:t>‹#›</a:t>
+              <a:t>‹N°›</a:t>
             </a:fld>
             <a:endParaRPr lang="fr-FR"/>
           </a:p>
@@ -1150,7 +1150,7 @@
           <a:p>
             <a:fld id="{15AA5CCC-4B78-4276-9AC6-481FB1048F0E}" type="datetimeFigureOut">
               <a:rPr lang="fr-FR" smtClean="0"/>
-              <a:t>04/12/2022</a:t>
+              <a:t>05/12/2022</a:t>
             </a:fld>
             <a:endParaRPr lang="fr-FR"/>
           </a:p>
@@ -1204,7 +1204,7 @@
           <a:p>
             <a:fld id="{6F5BCCEC-CD51-4DF1-9344-DEAA97C69DD5}" type="slidenum">
               <a:rPr lang="fr-FR" smtClean="0"/>
-              <a:t>‹#›</a:t>
+              <a:t>‹N°›</a:t>
             </a:fld>
             <a:endParaRPr lang="fr-FR"/>
           </a:p>
@@ -1415,7 +1415,7 @@
           <a:p>
             <a:fld id="{15AA5CCC-4B78-4276-9AC6-481FB1048F0E}" type="datetimeFigureOut">
               <a:rPr lang="fr-FR" smtClean="0"/>
-              <a:t>04/12/2022</a:t>
+              <a:t>05/12/2022</a:t>
             </a:fld>
             <a:endParaRPr lang="fr-FR"/>
           </a:p>
@@ -1469,7 +1469,7 @@
           <a:p>
             <a:fld id="{6F5BCCEC-CD51-4DF1-9344-DEAA97C69DD5}" type="slidenum">
               <a:rPr lang="fr-FR" smtClean="0"/>
-              <a:t>‹#›</a:t>
+              <a:t>‹N°›</a:t>
             </a:fld>
             <a:endParaRPr lang="fr-FR"/>
           </a:p>
@@ -1827,7 +1827,7 @@
           <a:p>
             <a:fld id="{15AA5CCC-4B78-4276-9AC6-481FB1048F0E}" type="datetimeFigureOut">
               <a:rPr lang="fr-FR" smtClean="0"/>
-              <a:t>04/12/2022</a:t>
+              <a:t>05/12/2022</a:t>
             </a:fld>
             <a:endParaRPr lang="fr-FR"/>
           </a:p>
@@ -1881,7 +1881,7 @@
           <a:p>
             <a:fld id="{6F5BCCEC-CD51-4DF1-9344-DEAA97C69DD5}" type="slidenum">
               <a:rPr lang="fr-FR" smtClean="0"/>
-              <a:t>‹#›</a:t>
+              <a:t>‹N°›</a:t>
             </a:fld>
             <a:endParaRPr lang="fr-FR"/>
           </a:p>
@@ -1968,7 +1968,7 @@
           <a:p>
             <a:fld id="{15AA5CCC-4B78-4276-9AC6-481FB1048F0E}" type="datetimeFigureOut">
               <a:rPr lang="fr-FR" smtClean="0"/>
-              <a:t>04/12/2022</a:t>
+              <a:t>05/12/2022</a:t>
             </a:fld>
             <a:endParaRPr lang="fr-FR"/>
           </a:p>
@@ -2022,7 +2022,7 @@
           <a:p>
             <a:fld id="{6F5BCCEC-CD51-4DF1-9344-DEAA97C69DD5}" type="slidenum">
               <a:rPr lang="fr-FR" smtClean="0"/>
-              <a:t>‹#›</a:t>
+              <a:t>‹N°›</a:t>
             </a:fld>
             <a:endParaRPr lang="fr-FR"/>
           </a:p>
@@ -2081,7 +2081,7 @@
           <a:p>
             <a:fld id="{15AA5CCC-4B78-4276-9AC6-481FB1048F0E}" type="datetimeFigureOut">
               <a:rPr lang="fr-FR" smtClean="0"/>
-              <a:t>04/12/2022</a:t>
+              <a:t>05/12/2022</a:t>
             </a:fld>
             <a:endParaRPr lang="fr-FR"/>
           </a:p>
@@ -2135,7 +2135,7 @@
           <a:p>
             <a:fld id="{6F5BCCEC-CD51-4DF1-9344-DEAA97C69DD5}" type="slidenum">
               <a:rPr lang="fr-FR" smtClean="0"/>
-              <a:t>‹#›</a:t>
+              <a:t>‹N°›</a:t>
             </a:fld>
             <a:endParaRPr lang="fr-FR"/>
           </a:p>
@@ -2392,7 +2392,7 @@
           <a:p>
             <a:fld id="{15AA5CCC-4B78-4276-9AC6-481FB1048F0E}" type="datetimeFigureOut">
               <a:rPr lang="fr-FR" smtClean="0"/>
-              <a:t>04/12/2022</a:t>
+              <a:t>05/12/2022</a:t>
             </a:fld>
             <a:endParaRPr lang="fr-FR"/>
           </a:p>
@@ -2446,7 +2446,7 @@
           <a:p>
             <a:fld id="{6F5BCCEC-CD51-4DF1-9344-DEAA97C69DD5}" type="slidenum">
               <a:rPr lang="fr-FR" smtClean="0"/>
-              <a:t>‹#›</a:t>
+              <a:t>‹N°›</a:t>
             </a:fld>
             <a:endParaRPr lang="fr-FR"/>
           </a:p>
@@ -2680,7 +2680,7 @@
           <a:p>
             <a:fld id="{15AA5CCC-4B78-4276-9AC6-481FB1048F0E}" type="datetimeFigureOut">
               <a:rPr lang="fr-FR" smtClean="0"/>
-              <a:t>04/12/2022</a:t>
+              <a:t>05/12/2022</a:t>
             </a:fld>
             <a:endParaRPr lang="fr-FR"/>
           </a:p>
@@ -2734,7 +2734,7 @@
           <a:p>
             <a:fld id="{6F5BCCEC-CD51-4DF1-9344-DEAA97C69DD5}" type="slidenum">
               <a:rPr lang="fr-FR" smtClean="0"/>
-              <a:t>‹#›</a:t>
+              <a:t>‹N°›</a:t>
             </a:fld>
             <a:endParaRPr lang="fr-FR"/>
           </a:p>
@@ -2921,7 +2921,7 @@
           <a:p>
             <a:fld id="{15AA5CCC-4B78-4276-9AC6-481FB1048F0E}" type="datetimeFigureOut">
               <a:rPr lang="fr-FR" smtClean="0"/>
-              <a:t>04/12/2022</a:t>
+              <a:t>05/12/2022</a:t>
             </a:fld>
             <a:endParaRPr lang="fr-FR"/>
           </a:p>
@@ -3011,7 +3011,7 @@
           <a:p>
             <a:fld id="{6F5BCCEC-CD51-4DF1-9344-DEAA97C69DD5}" type="slidenum">
               <a:rPr lang="fr-FR" smtClean="0"/>
-              <a:t>‹#›</a:t>
+              <a:t>‹N°›</a:t>
             </a:fld>
             <a:endParaRPr lang="fr-FR"/>
           </a:p>
@@ -4741,6 +4741,165 @@
           </a:p>
         </p:txBody>
       </p:sp>
+      <p:sp>
+        <p:nvSpPr>
+          <p:cNvPr id="8" name="ZoneTexte 7">
+            <a:extLst>
+              <a:ext uri="{FF2B5EF4-FFF2-40B4-BE49-F238E27FC236}">
+                <a16:creationId xmlns:a16="http://schemas.microsoft.com/office/drawing/2014/main" id="{F5CC9960-23F4-3569-8111-28A48756EC4E}"/>
+              </a:ext>
+            </a:extLst>
+          </p:cNvPr>
+          <p:cNvSpPr txBox="1"/>
+          <p:nvPr/>
+        </p:nvSpPr>
+        <p:spPr>
+          <a:xfrm>
+            <a:off x="4923386" y="863600"/>
+            <a:ext cx="3878809" cy="400110"/>
+          </a:xfrm>
+          <a:prstGeom prst="rect">
+            <a:avLst/>
+          </a:prstGeom>
+          <a:noFill/>
+        </p:spPr>
+        <p:txBody>
+          <a:bodyPr wrap="square" rtlCol="0">
+            <a:spAutoFit/>
+          </a:bodyPr>
+          <a:lstStyle/>
+          <a:p>
+            <a:r>
+              <a:rPr lang="fr-FR" sz="2000" dirty="0">
+                <a:latin typeface="Century Gothic" panose="020B0502020202020204" pitchFamily="34" charset="0"/>
+              </a:rPr>
+              <a:t>Final </a:t>
+            </a:r>
+            <a:r>
+              <a:rPr lang="fr-FR" sz="2000" dirty="0" err="1">
+                <a:latin typeface="Century Gothic" panose="020B0502020202020204" pitchFamily="34" charset="0"/>
+              </a:rPr>
+              <a:t>results</a:t>
+            </a:r>
+            <a:r>
+              <a:rPr lang="fr-FR" sz="2000" dirty="0">
+                <a:latin typeface="Century Gothic" panose="020B0502020202020204" pitchFamily="34" charset="0"/>
+              </a:rPr>
+              <a:t> </a:t>
+            </a:r>
+            <a:r>
+              <a:rPr lang="fr-FR" sz="2000" dirty="0" err="1">
+                <a:latin typeface="Century Gothic" panose="020B0502020202020204" pitchFamily="34" charset="0"/>
+              </a:rPr>
+              <a:t>with</a:t>
+            </a:r>
+            <a:r>
+              <a:rPr lang="fr-FR" sz="2000" dirty="0">
+                <a:latin typeface="Century Gothic" panose="020B0502020202020204" pitchFamily="34" charset="0"/>
+              </a:rPr>
+              <a:t> the </a:t>
+            </a:r>
+            <a:r>
+              <a:rPr lang="fr-FR" sz="2000" dirty="0" err="1">
+                <a:latin typeface="Century Gothic" panose="020B0502020202020204" pitchFamily="34" charset="0"/>
+              </a:rPr>
+              <a:t>database</a:t>
+            </a:r>
+            <a:endParaRPr lang="fr-FR" sz="2000" dirty="0">
+              <a:latin typeface="Century Gothic" panose="020B0502020202020204" pitchFamily="34" charset="0"/>
+            </a:endParaRPr>
+          </a:p>
+        </p:txBody>
+      </p:sp>
+      <p:pic>
+        <p:nvPicPr>
+          <p:cNvPr id="12" name="Image 11">
+            <a:extLst>
+              <a:ext uri="{FF2B5EF4-FFF2-40B4-BE49-F238E27FC236}">
+                <a16:creationId xmlns:a16="http://schemas.microsoft.com/office/drawing/2014/main" id="{185A777A-81CD-7500-C2BA-EB5E80F99594}"/>
+              </a:ext>
+            </a:extLst>
+          </p:cNvPr>
+          <p:cNvPicPr>
+            <a:picLocks noChangeAspect="1"/>
+          </p:cNvPicPr>
+          <p:nvPr/>
+        </p:nvPicPr>
+        <p:blipFill rotWithShape="1">
+          <a:blip r:embed="rId2"/>
+          <a:srcRect r="18457"/>
+          <a:stretch/>
+        </p:blipFill>
+        <p:spPr>
+          <a:xfrm>
+            <a:off x="4421332" y="1896133"/>
+            <a:ext cx="4885261" cy="1162648"/>
+          </a:xfrm>
+          <a:prstGeom prst="rect">
+            <a:avLst/>
+          </a:prstGeom>
+        </p:spPr>
+      </p:pic>
+      <p:pic>
+        <p:nvPicPr>
+          <p:cNvPr id="15" name="Image 14">
+            <a:extLst>
+              <a:ext uri="{FF2B5EF4-FFF2-40B4-BE49-F238E27FC236}">
+                <a16:creationId xmlns:a16="http://schemas.microsoft.com/office/drawing/2014/main" id="{914CF203-287D-05C6-4BC1-92EA6D6646F9}"/>
+              </a:ext>
+            </a:extLst>
+          </p:cNvPr>
+          <p:cNvPicPr>
+            <a:picLocks noChangeAspect="1"/>
+          </p:cNvPicPr>
+          <p:nvPr/>
+        </p:nvPicPr>
+        <p:blipFill>
+          <a:blip r:embed="rId3"/>
+          <a:stretch>
+            <a:fillRect/>
+          </a:stretch>
+        </p:blipFill>
+        <p:spPr>
+          <a:xfrm>
+            <a:off x="4087314" y="3079967"/>
+            <a:ext cx="5219279" cy="3155381"/>
+          </a:xfrm>
+          <a:prstGeom prst="rect">
+            <a:avLst/>
+          </a:prstGeom>
+        </p:spPr>
+      </p:pic>
+      <p:pic>
+        <p:nvPicPr>
+          <p:cNvPr id="17" name="Image 16">
+            <a:extLst>
+              <a:ext uri="{FF2B5EF4-FFF2-40B4-BE49-F238E27FC236}">
+                <a16:creationId xmlns:a16="http://schemas.microsoft.com/office/drawing/2014/main" id="{BFAD5270-0B7E-5E40-1FA2-2753B71FFC5F}"/>
+              </a:ext>
+            </a:extLst>
+          </p:cNvPr>
+          <p:cNvPicPr>
+            <a:picLocks noChangeAspect="1"/>
+          </p:cNvPicPr>
+          <p:nvPr/>
+        </p:nvPicPr>
+        <p:blipFill>
+          <a:blip r:embed="rId4"/>
+          <a:stretch>
+            <a:fillRect/>
+          </a:stretch>
+        </p:blipFill>
+        <p:spPr>
+          <a:xfrm>
+            <a:off x="9416369" y="1972018"/>
+            <a:ext cx="2786677" cy="3901347"/>
+          </a:xfrm>
+          <a:prstGeom prst="rect">
+            <a:avLst/>
+          </a:prstGeom>
+        </p:spPr>
+      </p:pic>
     </p:spTree>
     <p:extLst>
       <p:ext uri="{BB962C8B-B14F-4D97-AF65-F5344CB8AC3E}">
@@ -5416,6 +5575,155 @@
           </a:p>
         </p:txBody>
       </p:sp>
+      <p:pic>
+        <p:nvPicPr>
+          <p:cNvPr id="5" name="Image 4">
+            <a:extLst>
+              <a:ext uri="{FF2B5EF4-FFF2-40B4-BE49-F238E27FC236}">
+                <a16:creationId xmlns:a16="http://schemas.microsoft.com/office/drawing/2014/main" id="{0AEF9FC5-985B-8BDB-EB02-C44716045DAC}"/>
+              </a:ext>
+            </a:extLst>
+          </p:cNvPr>
+          <p:cNvPicPr>
+            <a:picLocks noChangeAspect="1"/>
+          </p:cNvPicPr>
+          <p:nvPr/>
+        </p:nvPicPr>
+        <p:blipFill>
+          <a:blip r:embed="rId2"/>
+          <a:stretch>
+            <a:fillRect/>
+          </a:stretch>
+        </p:blipFill>
+        <p:spPr>
+          <a:xfrm>
+            <a:off x="6096000" y="255579"/>
+            <a:ext cx="5789231" cy="3100913"/>
+          </a:xfrm>
+          <a:prstGeom prst="rect">
+            <a:avLst/>
+          </a:prstGeom>
+        </p:spPr>
+      </p:pic>
+      <p:pic>
+        <p:nvPicPr>
+          <p:cNvPr id="7" name="Image 6">
+            <a:extLst>
+              <a:ext uri="{FF2B5EF4-FFF2-40B4-BE49-F238E27FC236}">
+                <a16:creationId xmlns:a16="http://schemas.microsoft.com/office/drawing/2014/main" id="{741FD746-CFFD-3E0B-676A-79CF0FB67BAA}"/>
+              </a:ext>
+            </a:extLst>
+          </p:cNvPr>
+          <p:cNvPicPr>
+            <a:picLocks noChangeAspect="1"/>
+          </p:cNvPicPr>
+          <p:nvPr/>
+        </p:nvPicPr>
+        <p:blipFill>
+          <a:blip r:embed="rId3"/>
+          <a:stretch>
+            <a:fillRect/>
+          </a:stretch>
+        </p:blipFill>
+        <p:spPr>
+          <a:xfrm>
+            <a:off x="6779949" y="3520365"/>
+            <a:ext cx="4421332" cy="3173762"/>
+          </a:xfrm>
+          <a:prstGeom prst="rect">
+            <a:avLst/>
+          </a:prstGeom>
+        </p:spPr>
+      </p:pic>
+      <p:sp>
+        <p:nvSpPr>
+          <p:cNvPr id="8" name="ZoneTexte 7">
+            <a:extLst>
+              <a:ext uri="{FF2B5EF4-FFF2-40B4-BE49-F238E27FC236}">
+                <a16:creationId xmlns:a16="http://schemas.microsoft.com/office/drawing/2014/main" id="{F28CD973-69CB-A145-3C2A-2B784B7A2C86}"/>
+              </a:ext>
+            </a:extLst>
+          </p:cNvPr>
+          <p:cNvSpPr txBox="1"/>
+          <p:nvPr/>
+        </p:nvSpPr>
+        <p:spPr>
+          <a:xfrm flipH="1">
+            <a:off x="4490484" y="1446925"/>
+            <a:ext cx="1583230" cy="707886"/>
+          </a:xfrm>
+          <a:prstGeom prst="rect">
+            <a:avLst/>
+          </a:prstGeom>
+          <a:noFill/>
+        </p:spPr>
+        <p:txBody>
+          <a:bodyPr wrap="square" rtlCol="0">
+            <a:spAutoFit/>
+          </a:bodyPr>
+          <a:lstStyle/>
+          <a:p>
+            <a:r>
+              <a:rPr lang="fr-FR" sz="2000" dirty="0">
+                <a:latin typeface="Century Gothic" panose="020B0502020202020204" pitchFamily="34" charset="0"/>
+              </a:rPr>
+              <a:t>The </a:t>
+            </a:r>
+            <a:r>
+              <a:rPr lang="fr-FR" sz="2000" dirty="0" err="1">
+                <a:latin typeface="Century Gothic" panose="020B0502020202020204" pitchFamily="34" charset="0"/>
+              </a:rPr>
+              <a:t>databases</a:t>
+            </a:r>
+            <a:endParaRPr lang="fr-FR" sz="2000" dirty="0">
+              <a:latin typeface="Century Gothic" panose="020B0502020202020204" pitchFamily="34" charset="0"/>
+            </a:endParaRPr>
+          </a:p>
+        </p:txBody>
+      </p:sp>
+      <p:sp>
+        <p:nvSpPr>
+          <p:cNvPr id="10" name="ZoneTexte 9">
+            <a:extLst>
+              <a:ext uri="{FF2B5EF4-FFF2-40B4-BE49-F238E27FC236}">
+                <a16:creationId xmlns:a16="http://schemas.microsoft.com/office/drawing/2014/main" id="{FDE5281D-5F97-8589-7DFF-D280043A56A5}"/>
+              </a:ext>
+            </a:extLst>
+          </p:cNvPr>
+          <p:cNvSpPr txBox="1"/>
+          <p:nvPr/>
+        </p:nvSpPr>
+        <p:spPr>
+          <a:xfrm>
+            <a:off x="4490484" y="4922580"/>
+            <a:ext cx="1814920" cy="400110"/>
+          </a:xfrm>
+          <a:prstGeom prst="rect">
+            <a:avLst/>
+          </a:prstGeom>
+          <a:noFill/>
+        </p:spPr>
+        <p:txBody>
+          <a:bodyPr wrap="none" rtlCol="0">
+            <a:spAutoFit/>
+          </a:bodyPr>
+          <a:lstStyle/>
+          <a:p>
+            <a:r>
+              <a:rPr lang="fr-FR" sz="2000" dirty="0" err="1">
+                <a:latin typeface="Century Gothic" panose="020B0502020202020204" pitchFamily="34" charset="0"/>
+              </a:rPr>
+              <a:t>Some</a:t>
+            </a:r>
+            <a:r>
+              <a:rPr lang="fr-FR" sz="2000" dirty="0">
+                <a:latin typeface="Century Gothic" panose="020B0502020202020204" pitchFamily="34" charset="0"/>
+              </a:rPr>
+              <a:t> graphs</a:t>
+            </a:r>
+          </a:p>
+        </p:txBody>
+      </p:sp>
     </p:spTree>
     <p:extLst>
       <p:ext uri="{BB962C8B-B14F-4D97-AF65-F5344CB8AC3E}">
@@ -6107,7 +6415,7 @@
               <a:rPr lang="en-US" sz="3200" dirty="0">
                 <a:latin typeface="Century Gothic" panose="020B0502020202090204" pitchFamily="34" charset="0"/>
               </a:rPr>
-              <a:t>Of our study?</a:t>
+              <a:t>of our study?</a:t>
             </a:r>
           </a:p>
         </p:txBody>
@@ -6975,6 +7283,86 @@
           </a:p>
         </p:txBody>
       </p:sp>
+      <p:sp>
+        <p:nvSpPr>
+          <p:cNvPr id="3" name="ZoneTexte 2">
+            <a:extLst>
+              <a:ext uri="{FF2B5EF4-FFF2-40B4-BE49-F238E27FC236}">
+                <a16:creationId xmlns:a16="http://schemas.microsoft.com/office/drawing/2014/main" id="{8F5FFC48-2140-0F72-4588-08A46FDDF557}"/>
+              </a:ext>
+            </a:extLst>
+          </p:cNvPr>
+          <p:cNvSpPr txBox="1"/>
+          <p:nvPr/>
+        </p:nvSpPr>
+        <p:spPr>
+          <a:xfrm>
+            <a:off x="4962247" y="4282859"/>
+            <a:ext cx="6569686" cy="1323439"/>
+          </a:xfrm>
+          <a:prstGeom prst="rect">
+            <a:avLst/>
+          </a:prstGeom>
+          <a:noFill/>
+        </p:spPr>
+        <p:txBody>
+          <a:bodyPr wrap="square" rtlCol="0">
+            <a:spAutoFit/>
+          </a:bodyPr>
+          <a:lstStyle/>
+          <a:p>
+            <a:endParaRPr lang="en-US" sz="2000" dirty="0">
+              <a:latin typeface="Century Gothic" panose="020B0502020202020204" pitchFamily="34" charset="0"/>
+            </a:endParaRPr>
+          </a:p>
+          <a:p>
+            <a:r>
+              <a:rPr lang="en-US" sz="2000" dirty="0" err="1">
+                <a:latin typeface="Century Gothic" panose="020B0502020202020204" pitchFamily="34" charset="0"/>
+              </a:rPr>
+              <a:t>XGBoost</a:t>
+            </a:r>
+            <a:r>
+              <a:rPr lang="en-US" sz="2000" dirty="0">
+                <a:latin typeface="Century Gothic" panose="020B0502020202020204" pitchFamily="34" charset="0"/>
+              </a:rPr>
+              <a:t> allows us to predict the readmission of a patient depending on the drugs, age and admission with an accuracy of 94,9%.</a:t>
+            </a:r>
+            <a:endParaRPr lang="fr-FR" sz="2000" dirty="0">
+              <a:latin typeface="Century Gothic" panose="020B0502020202020204" pitchFamily="34" charset="0"/>
+            </a:endParaRPr>
+          </a:p>
+        </p:txBody>
+      </p:sp>
+      <p:pic>
+        <p:nvPicPr>
+          <p:cNvPr id="6" name="Image 5">
+            <a:extLst>
+              <a:ext uri="{FF2B5EF4-FFF2-40B4-BE49-F238E27FC236}">
+                <a16:creationId xmlns:a16="http://schemas.microsoft.com/office/drawing/2014/main" id="{D447B475-CD72-5854-682C-B1C26DB21846}"/>
+              </a:ext>
+            </a:extLst>
+          </p:cNvPr>
+          <p:cNvPicPr>
+            <a:picLocks noChangeAspect="1"/>
+          </p:cNvPicPr>
+          <p:nvPr/>
+        </p:nvPicPr>
+        <p:blipFill rotWithShape="1">
+          <a:blip r:embed="rId2"/>
+          <a:srcRect l="7722"/>
+          <a:stretch/>
+        </p:blipFill>
+        <p:spPr>
+          <a:xfrm>
+            <a:off x="4008756" y="2648908"/>
+            <a:ext cx="8064093" cy="1384899"/>
+          </a:xfrm>
+          <a:prstGeom prst="rect">
+            <a:avLst/>
+          </a:prstGeom>
+        </p:spPr>
+      </p:pic>
     </p:spTree>
     <p:extLst>
       <p:ext uri="{BB962C8B-B14F-4D97-AF65-F5344CB8AC3E}">
@@ -10045,8 +10433,8 @@
         </p:nvSpPr>
         <p:spPr>
           <a:xfrm>
-            <a:off x="4872111" y="339944"/>
-            <a:ext cx="6402530" cy="1200329"/>
+            <a:off x="4872111" y="602591"/>
+            <a:ext cx="7013120" cy="830997"/>
           </a:xfrm>
           <a:prstGeom prst="rect">
             <a:avLst/>
@@ -10063,37 +10451,17 @@
               <a:rPr lang="en-US" sz="2400" dirty="0">
                 <a:latin typeface="Century Gothic" panose="020B0502020202090204" pitchFamily="34" charset="0"/>
               </a:rPr>
-              <a:t>Then we have cleaned up the dataset.</a:t>
-            </a:r>
-          </a:p>
-          <a:p>
-            <a:r>
-              <a:rPr lang="en-US" sz="2400" dirty="0">
-                <a:latin typeface="Century Gothic" panose="020B0502020202090204" pitchFamily="34" charset="0"/>
-              </a:rPr>
-              <a:t>It includes encoding, dropping </a:t>
-            </a:r>
-            <a:r>
-              <a:rPr lang="en-US" sz="2400" dirty="0" err="1">
-                <a:latin typeface="Century Gothic" panose="020B0502020202090204" pitchFamily="34" charset="0"/>
-              </a:rPr>
-              <a:t>NaN</a:t>
-            </a:r>
-            <a:r>
-              <a:rPr lang="en-US" sz="2400" dirty="0">
-                <a:latin typeface="Century Gothic" panose="020B0502020202090204" pitchFamily="34" charset="0"/>
-              </a:rPr>
-              <a:t> and duplicates values.</a:t>
+              <a:t>The last step is the heatmap of the correlation matrix to find links between variables.</a:t>
             </a:r>
           </a:p>
         </p:txBody>
       </p:sp>
       <p:pic>
         <p:nvPicPr>
-          <p:cNvPr id="8" name="Picture 7">
-            <a:extLst>
-              <a:ext uri="{FF2B5EF4-FFF2-40B4-BE49-F238E27FC236}">
-                <a16:creationId xmlns:a16="http://schemas.microsoft.com/office/drawing/2014/main" id="{68A78C1F-828B-4909-8A3A-78BE39CE7544}"/>
+          <p:cNvPr id="6" name="Picture 5">
+            <a:extLst>
+              <a:ext uri="{FF2B5EF4-FFF2-40B4-BE49-F238E27FC236}">
+                <a16:creationId xmlns:a16="http://schemas.microsoft.com/office/drawing/2014/main" id="{BE494B29-AC7A-4CD7-93C8-8409FDAA709C}"/>
               </a:ext>
             </a:extLst>
           </p:cNvPr>
@@ -10110,68 +10478,8 @@
         </p:blipFill>
         <p:spPr>
           <a:xfrm>
-            <a:off x="4728100" y="1816257"/>
-            <a:ext cx="2690785" cy="3078830"/>
-          </a:xfrm>
-          <a:prstGeom prst="rect">
-            <a:avLst/>
-          </a:prstGeom>
-        </p:spPr>
-      </p:pic>
-      <p:pic>
-        <p:nvPicPr>
-          <p:cNvPr id="12" name="Picture 11">
-            <a:extLst>
-              <a:ext uri="{FF2B5EF4-FFF2-40B4-BE49-F238E27FC236}">
-                <a16:creationId xmlns:a16="http://schemas.microsoft.com/office/drawing/2014/main" id="{9FE6ED6A-62C8-44E8-B280-4EE50F8F1D5C}"/>
-              </a:ext>
-            </a:extLst>
-          </p:cNvPr>
-          <p:cNvPicPr>
-            <a:picLocks noChangeAspect="1"/>
-          </p:cNvPicPr>
-          <p:nvPr/>
-        </p:nvPicPr>
-        <p:blipFill>
-          <a:blip r:embed="rId3"/>
-          <a:stretch>
-            <a:fillRect/>
-          </a:stretch>
-        </p:blipFill>
-        <p:spPr>
-          <a:xfrm>
-            <a:off x="9472558" y="1816257"/>
-            <a:ext cx="2412674" cy="2719148"/>
-          </a:xfrm>
-          <a:prstGeom prst="rect">
-            <a:avLst/>
-          </a:prstGeom>
-        </p:spPr>
-      </p:pic>
-      <p:pic>
-        <p:nvPicPr>
-          <p:cNvPr id="10" name="Picture 9">
-            <a:extLst>
-              <a:ext uri="{FF2B5EF4-FFF2-40B4-BE49-F238E27FC236}">
-                <a16:creationId xmlns:a16="http://schemas.microsoft.com/office/drawing/2014/main" id="{542A0046-4B0D-4CB5-88DA-EFDF201D102D}"/>
-              </a:ext>
-            </a:extLst>
-          </p:cNvPr>
-          <p:cNvPicPr>
-            <a:picLocks noChangeAspect="1"/>
-          </p:cNvPicPr>
-          <p:nvPr/>
-        </p:nvPicPr>
-        <p:blipFill>
-          <a:blip r:embed="rId4"/>
-          <a:stretch>
-            <a:fillRect/>
-          </a:stretch>
-        </p:blipFill>
-        <p:spPr>
-          <a:xfrm>
-            <a:off x="2996119" y="5341142"/>
-            <a:ext cx="8991146" cy="1176914"/>
+            <a:off x="4538996" y="2191502"/>
+            <a:ext cx="7500082" cy="4559494"/>
           </a:xfrm>
           <a:prstGeom prst="rect">
             <a:avLst/>
@@ -10181,7 +10489,7 @@
     </p:spTree>
     <p:extLst>
       <p:ext uri="{BB962C8B-B14F-4D97-AF65-F5344CB8AC3E}">
-        <p14:creationId xmlns:p14="http://schemas.microsoft.com/office/powerpoint/2010/main" val="1061080657"/>
+        <p14:creationId xmlns:p14="http://schemas.microsoft.com/office/powerpoint/2010/main" val="587511424"/>
       </p:ext>
     </p:extLst>
   </p:cSld>
@@ -10631,13 +10939,13 @@
         </p:nvSpPr>
         <p:spPr>
           <a:xfrm>
-            <a:off x="306769" y="2060796"/>
-            <a:ext cx="3555017" cy="1137385"/>
+            <a:off x="306769" y="1980896"/>
+            <a:ext cx="3626039" cy="1010878"/>
           </a:xfrm>
         </p:spPr>
         <p:txBody>
           <a:bodyPr vert="horz" lIns="91440" tIns="45720" rIns="91440" bIns="45720" rtlCol="0" anchor="t">
-            <a:normAutofit/>
+            <a:normAutofit fontScale="90000"/>
           </a:bodyPr>
           <a:lstStyle/>
           <a:p>
@@ -10649,7 +10957,7 @@
                 </a:solidFill>
                 <a:latin typeface="Century Gothic" panose="020B0502020202090204" pitchFamily="34" charset="0"/>
               </a:rPr>
-              <a:t>Data preprocessing:</a:t>
+              <a:t>Data visualization:</a:t>
             </a:r>
             <a:endParaRPr lang="en-US" sz="3600" b="1" kern="1200" dirty="0">
               <a:solidFill>
@@ -10864,7 +11172,7 @@
           <p:cNvPr id="3" name="TextBox 2">
             <a:extLst>
               <a:ext uri="{FF2B5EF4-FFF2-40B4-BE49-F238E27FC236}">
-                <a16:creationId xmlns:a16="http://schemas.microsoft.com/office/drawing/2014/main" id="{EAD47845-7B0F-4589-A4F6-5510F2647AF3}"/>
+                <a16:creationId xmlns:a16="http://schemas.microsoft.com/office/drawing/2014/main" id="{202E6CE0-2539-41B7-8A0C-62E272A12CC7}"/>
               </a:ext>
             </a:extLst>
           </p:cNvPr>
@@ -10873,8 +11181,8 @@
         </p:nvSpPr>
         <p:spPr>
           <a:xfrm>
-            <a:off x="4872111" y="602591"/>
-            <a:ext cx="7013120" cy="830997"/>
+            <a:off x="5090102" y="554186"/>
+            <a:ext cx="6569685" cy="707886"/>
           </a:xfrm>
           <a:prstGeom prst="rect">
             <a:avLst/>
@@ -10888,10 +11196,10 @@
           <a:lstStyle/>
           <a:p>
             <a:r>
-              <a:rPr lang="en-US" sz="2400" dirty="0">
+              <a:rPr lang="en-US" sz="2000" dirty="0">
                 <a:latin typeface="Century Gothic" panose="020B0502020202090204" pitchFamily="34" charset="0"/>
               </a:rPr>
-              <a:t>The last step is the heatmap of the correlation matrix to find links between variables.</a:t>
+              <a:t>First let’s have a look to the number of diabetic people depending on their age:</a:t>
             </a:r>
           </a:p>
         </p:txBody>
@@ -10901,7 +11209,7 @@
           <p:cNvPr id="6" name="Picture 5">
             <a:extLst>
               <a:ext uri="{FF2B5EF4-FFF2-40B4-BE49-F238E27FC236}">
-                <a16:creationId xmlns:a16="http://schemas.microsoft.com/office/drawing/2014/main" id="{BE494B29-AC7A-4CD7-93C8-8409FDAA709C}"/>
+                <a16:creationId xmlns:a16="http://schemas.microsoft.com/office/drawing/2014/main" id="{BCAEEE91-FE71-4001-8C0B-A977FD787FAB}"/>
               </a:ext>
             </a:extLst>
           </p:cNvPr>
@@ -10918,8 +11226,8 @@
         </p:blipFill>
         <p:spPr>
           <a:xfrm>
-            <a:off x="4538996" y="2191502"/>
-            <a:ext cx="7500082" cy="4559494"/>
+            <a:off x="3930682" y="3866227"/>
+            <a:ext cx="8058184" cy="2547890"/>
           </a:xfrm>
           <a:prstGeom prst="rect">
             <a:avLst/>
@@ -10929,7 +11237,7 @@
     </p:spTree>
     <p:extLst>
       <p:ext uri="{BB962C8B-B14F-4D97-AF65-F5344CB8AC3E}">
-        <p14:creationId xmlns:p14="http://schemas.microsoft.com/office/powerpoint/2010/main" val="587511424"/>
+        <p14:creationId xmlns:p14="http://schemas.microsoft.com/office/powerpoint/2010/main" val="3645481631"/>
       </p:ext>
     </p:extLst>
   </p:cSld>
@@ -11609,10 +11917,10 @@
       </p:sp>
       <p:sp>
         <p:nvSpPr>
-          <p:cNvPr id="3" name="TextBox 2">
-            <a:extLst>
-              <a:ext uri="{FF2B5EF4-FFF2-40B4-BE49-F238E27FC236}">
-                <a16:creationId xmlns:a16="http://schemas.microsoft.com/office/drawing/2014/main" id="{202E6CE0-2539-41B7-8A0C-62E272A12CC7}"/>
+          <p:cNvPr id="7" name="TextBox 6">
+            <a:extLst>
+              <a:ext uri="{FF2B5EF4-FFF2-40B4-BE49-F238E27FC236}">
+                <a16:creationId xmlns:a16="http://schemas.microsoft.com/office/drawing/2014/main" id="{14DB6575-BDCF-4E84-B859-4F92A6FF6825}"/>
               </a:ext>
             </a:extLst>
           </p:cNvPr>
@@ -11621,8 +11929,8 @@
         </p:nvSpPr>
         <p:spPr>
           <a:xfrm>
-            <a:off x="5090102" y="554186"/>
-            <a:ext cx="6569685" cy="707886"/>
+            <a:off x="4702412" y="630283"/>
+            <a:ext cx="2319826" cy="1200329"/>
           </a:xfrm>
           <a:prstGeom prst="rect">
             <a:avLst/>
@@ -11636,20 +11944,20 @@
           <a:lstStyle/>
           <a:p>
             <a:r>
-              <a:rPr lang="en-US" sz="2000" dirty="0">
+              <a:rPr lang="en-US" dirty="0">
                 <a:latin typeface="Century Gothic" panose="020B0502020202090204" pitchFamily="34" charset="0"/>
               </a:rPr>
-              <a:t>First let’s have a look to the number of diabetic people depending on their age:</a:t>
+              <a:t>Then, we have a repartition of patient time at the hospital (in days):</a:t>
             </a:r>
           </a:p>
         </p:txBody>
       </p:sp>
       <p:pic>
         <p:nvPicPr>
-          <p:cNvPr id="6" name="Picture 5">
-            <a:extLst>
-              <a:ext uri="{FF2B5EF4-FFF2-40B4-BE49-F238E27FC236}">
-                <a16:creationId xmlns:a16="http://schemas.microsoft.com/office/drawing/2014/main" id="{BCAEEE91-FE71-4001-8C0B-A977FD787FAB}"/>
+          <p:cNvPr id="10" name="Picture 9">
+            <a:extLst>
+              <a:ext uri="{FF2B5EF4-FFF2-40B4-BE49-F238E27FC236}">
+                <a16:creationId xmlns:a16="http://schemas.microsoft.com/office/drawing/2014/main" id="{70BD477C-DCC2-43E5-AAC2-8DB861CA7343}"/>
               </a:ext>
             </a:extLst>
           </p:cNvPr>
@@ -11666,18 +11974,85 @@
         </p:blipFill>
         <p:spPr>
           <a:xfrm>
-            <a:off x="3930682" y="3866227"/>
-            <a:ext cx="8058184" cy="2547890"/>
+            <a:off x="7916452" y="98907"/>
+            <a:ext cx="3945527" cy="3638591"/>
           </a:xfrm>
           <a:prstGeom prst="rect">
             <a:avLst/>
           </a:prstGeom>
         </p:spPr>
       </p:pic>
+      <p:pic>
+        <p:nvPicPr>
+          <p:cNvPr id="8" name="Picture 7">
+            <a:extLst>
+              <a:ext uri="{FF2B5EF4-FFF2-40B4-BE49-F238E27FC236}">
+                <a16:creationId xmlns:a16="http://schemas.microsoft.com/office/drawing/2014/main" id="{33728B70-84AE-430F-8AD8-314663C29E13}"/>
+              </a:ext>
+            </a:extLst>
+          </p:cNvPr>
+          <p:cNvPicPr>
+            <a:picLocks noChangeAspect="1"/>
+          </p:cNvPicPr>
+          <p:nvPr/>
+        </p:nvPicPr>
+        <p:blipFill>
+          <a:blip r:embed="rId3"/>
+          <a:stretch>
+            <a:fillRect/>
+          </a:stretch>
+        </p:blipFill>
+        <p:spPr>
+          <a:xfrm>
+            <a:off x="3932808" y="4188313"/>
+            <a:ext cx="8115602" cy="2570780"/>
+          </a:xfrm>
+          <a:prstGeom prst="rect">
+            <a:avLst/>
+          </a:prstGeom>
+        </p:spPr>
+      </p:pic>
+      <p:sp>
+        <p:nvSpPr>
+          <p:cNvPr id="12" name="TextBox 11">
+            <a:extLst>
+              <a:ext uri="{FF2B5EF4-FFF2-40B4-BE49-F238E27FC236}">
+                <a16:creationId xmlns:a16="http://schemas.microsoft.com/office/drawing/2014/main" id="{6FC4055A-1E8E-41E7-AF4D-7C5BDDB0763A}"/>
+              </a:ext>
+            </a:extLst>
+          </p:cNvPr>
+          <p:cNvSpPr txBox="1"/>
+          <p:nvPr/>
+        </p:nvSpPr>
+        <p:spPr>
+          <a:xfrm>
+            <a:off x="4728100" y="2746253"/>
+            <a:ext cx="2319826" cy="1200329"/>
+          </a:xfrm>
+          <a:prstGeom prst="rect">
+            <a:avLst/>
+          </a:prstGeom>
+          <a:noFill/>
+        </p:spPr>
+        <p:txBody>
+          <a:bodyPr wrap="square" rtlCol="0">
+            <a:spAutoFit/>
+          </a:bodyPr>
+          <a:lstStyle/>
+          <a:p>
+            <a:r>
+              <a:rPr lang="en-US" dirty="0">
+                <a:latin typeface="Century Gothic" panose="020B0502020202090204" pitchFamily="34" charset="0"/>
+              </a:rPr>
+              <a:t>And a repartition of the medication they take during their stay:</a:t>
+            </a:r>
+          </a:p>
+        </p:txBody>
+      </p:sp>
     </p:spTree>
     <p:extLst>
       <p:ext uri="{BB962C8B-B14F-4D97-AF65-F5344CB8AC3E}">
-        <p14:creationId xmlns:p14="http://schemas.microsoft.com/office/powerpoint/2010/main" val="3645481631"/>
+        <p14:creationId xmlns:p14="http://schemas.microsoft.com/office/powerpoint/2010/main" val="3161064848"/>
       </p:ext>
     </p:extLst>
   </p:cSld>
@@ -12139,7 +12514,7 @@
           <a:p>
             <a:pPr algn="l"/>
             <a:r>
-              <a:rPr lang="en-US" sz="3600" b="1" dirty="0">
+              <a:rPr lang="en-US" sz="3600" b="1">
                 <a:solidFill>
                   <a:srgbClr val="FFFFFF"/>
                 </a:solidFill>
@@ -12370,7 +12745,7 @@
         <p:spPr>
           <a:xfrm>
             <a:off x="4702412" y="630283"/>
-            <a:ext cx="2319826" cy="1200329"/>
+            <a:ext cx="6270388" cy="1015663"/>
           </a:xfrm>
           <a:prstGeom prst="rect">
             <a:avLst/>
@@ -12384,20 +12759,20 @@
           <a:lstStyle/>
           <a:p>
             <a:r>
-              <a:rPr lang="en-US" dirty="0">
+              <a:rPr lang="en-US" sz="2000" dirty="0">
                 <a:latin typeface="Century Gothic" panose="020B0502020202090204" pitchFamily="34" charset="0"/>
               </a:rPr>
-              <a:t>Then, we have a repartition of patient time at the hospital (in days):</a:t>
+              <a:t>The last visualization is a representation of the time in hospital in function of the medication they take:</a:t>
             </a:r>
           </a:p>
         </p:txBody>
       </p:sp>
       <p:pic>
         <p:nvPicPr>
-          <p:cNvPr id="10" name="Picture 9">
-            <a:extLst>
-              <a:ext uri="{FF2B5EF4-FFF2-40B4-BE49-F238E27FC236}">
-                <a16:creationId xmlns:a16="http://schemas.microsoft.com/office/drawing/2014/main" id="{70BD477C-DCC2-43E5-AAC2-8DB861CA7343}"/>
+          <p:cNvPr id="5" name="Picture 4">
+            <a:extLst>
+              <a:ext uri="{FF2B5EF4-FFF2-40B4-BE49-F238E27FC236}">
+                <a16:creationId xmlns:a16="http://schemas.microsoft.com/office/drawing/2014/main" id="{4242545C-4ADE-4D17-BE85-8B5463AD00AB}"/>
               </a:ext>
             </a:extLst>
           </p:cNvPr>
@@ -12414,85 +12789,18 @@
         </p:blipFill>
         <p:spPr>
           <a:xfrm>
-            <a:off x="7916452" y="98907"/>
-            <a:ext cx="3945527" cy="3638591"/>
+            <a:off x="4134039" y="3237043"/>
+            <a:ext cx="7918532" cy="3413540"/>
           </a:xfrm>
           <a:prstGeom prst="rect">
             <a:avLst/>
           </a:prstGeom>
         </p:spPr>
       </p:pic>
-      <p:pic>
-        <p:nvPicPr>
-          <p:cNvPr id="8" name="Picture 7">
-            <a:extLst>
-              <a:ext uri="{FF2B5EF4-FFF2-40B4-BE49-F238E27FC236}">
-                <a16:creationId xmlns:a16="http://schemas.microsoft.com/office/drawing/2014/main" id="{33728B70-84AE-430F-8AD8-314663C29E13}"/>
-              </a:ext>
-            </a:extLst>
-          </p:cNvPr>
-          <p:cNvPicPr>
-            <a:picLocks noChangeAspect="1"/>
-          </p:cNvPicPr>
-          <p:nvPr/>
-        </p:nvPicPr>
-        <p:blipFill>
-          <a:blip r:embed="rId3"/>
-          <a:stretch>
-            <a:fillRect/>
-          </a:stretch>
-        </p:blipFill>
-        <p:spPr>
-          <a:xfrm>
-            <a:off x="3932808" y="4188313"/>
-            <a:ext cx="8115602" cy="2570780"/>
-          </a:xfrm>
-          <a:prstGeom prst="rect">
-            <a:avLst/>
-          </a:prstGeom>
-        </p:spPr>
-      </p:pic>
-      <p:sp>
-        <p:nvSpPr>
-          <p:cNvPr id="12" name="TextBox 11">
-            <a:extLst>
-              <a:ext uri="{FF2B5EF4-FFF2-40B4-BE49-F238E27FC236}">
-                <a16:creationId xmlns:a16="http://schemas.microsoft.com/office/drawing/2014/main" id="{6FC4055A-1E8E-41E7-AF4D-7C5BDDB0763A}"/>
-              </a:ext>
-            </a:extLst>
-          </p:cNvPr>
-          <p:cNvSpPr txBox="1"/>
-          <p:nvPr/>
-        </p:nvSpPr>
-        <p:spPr>
-          <a:xfrm>
-            <a:off x="4728100" y="2746253"/>
-            <a:ext cx="2319826" cy="1200329"/>
-          </a:xfrm>
-          <a:prstGeom prst="rect">
-            <a:avLst/>
-          </a:prstGeom>
-          <a:noFill/>
-        </p:spPr>
-        <p:txBody>
-          <a:bodyPr wrap="square" rtlCol="0">
-            <a:spAutoFit/>
-          </a:bodyPr>
-          <a:lstStyle/>
-          <a:p>
-            <a:r>
-              <a:rPr lang="en-US" dirty="0">
-                <a:latin typeface="Century Gothic" panose="020B0502020202090204" pitchFamily="34" charset="0"/>
-              </a:rPr>
-              <a:t>And a repartition of the medication they take during their stay:</a:t>
-            </a:r>
-          </a:p>
-        </p:txBody>
-      </p:sp>
     </p:spTree>
     <p:extLst>
       <p:ext uri="{BB962C8B-B14F-4D97-AF65-F5344CB8AC3E}">
-        <p14:creationId xmlns:p14="http://schemas.microsoft.com/office/powerpoint/2010/main" val="3161064848"/>
+        <p14:creationId xmlns:p14="http://schemas.microsoft.com/office/powerpoint/2010/main" val="1636868409"/>
       </p:ext>
     </p:extLst>
   </p:cSld>
@@ -12942,32 +13250,26 @@
         </p:nvSpPr>
         <p:spPr>
           <a:xfrm>
-            <a:off x="306769" y="1980896"/>
+            <a:off x="191359" y="1972018"/>
             <a:ext cx="3626039" cy="1010878"/>
           </a:xfrm>
         </p:spPr>
         <p:txBody>
           <a:bodyPr vert="horz" lIns="91440" tIns="45720" rIns="91440" bIns="45720" rtlCol="0" anchor="t">
-            <a:normAutofit fontScale="90000"/>
+            <a:normAutofit/>
           </a:bodyPr>
           <a:lstStyle/>
           <a:p>
             <a:pPr algn="l"/>
             <a:r>
-              <a:rPr lang="en-US" sz="3600" b="1">
+              <a:rPr lang="en-US" sz="3600" b="1" kern="1200" dirty="0">
                 <a:solidFill>
                   <a:srgbClr val="FFFFFF"/>
                 </a:solidFill>
                 <a:latin typeface="Century Gothic" panose="020B0502020202090204" pitchFamily="34" charset="0"/>
               </a:rPr>
-              <a:t>Data visualization:</a:t>
+              <a:t>Modeling:</a:t>
             </a:r>
-            <a:endParaRPr lang="en-US" sz="3600" b="1" kern="1200" dirty="0">
-              <a:solidFill>
-                <a:srgbClr val="FFFFFF"/>
-              </a:solidFill>
-              <a:latin typeface="Century Gothic" panose="020B0502020202090204" pitchFamily="34" charset="0"/>
-            </a:endParaRPr>
           </a:p>
         </p:txBody>
       </p:sp>
@@ -13170,12 +13472,71 @@
           </a:p>
         </p:txBody>
       </p:sp>
-      <p:sp>
-        <p:nvSpPr>
-          <p:cNvPr id="7" name="TextBox 6">
-            <a:extLst>
-              <a:ext uri="{FF2B5EF4-FFF2-40B4-BE49-F238E27FC236}">
-                <a16:creationId xmlns:a16="http://schemas.microsoft.com/office/drawing/2014/main" id="{14DB6575-BDCF-4E84-B859-4F92A6FF6825}"/>
+      <p:pic>
+        <p:nvPicPr>
+          <p:cNvPr id="5" name="Image 4">
+            <a:extLst>
+              <a:ext uri="{FF2B5EF4-FFF2-40B4-BE49-F238E27FC236}">
+                <a16:creationId xmlns:a16="http://schemas.microsoft.com/office/drawing/2014/main" id="{FB092EAF-6B73-A123-73A0-121C2135B323}"/>
+              </a:ext>
+            </a:extLst>
+          </p:cNvPr>
+          <p:cNvPicPr>
+            <a:picLocks noChangeAspect="1"/>
+          </p:cNvPicPr>
+          <p:nvPr/>
+        </p:nvPicPr>
+        <p:blipFill rotWithShape="1">
+          <a:blip r:embed="rId2"/>
+          <a:srcRect l="8594" t="-680" r="36277" b="38614"/>
+          <a:stretch/>
+        </p:blipFill>
+        <p:spPr>
+          <a:xfrm>
+            <a:off x="4232228" y="2563482"/>
+            <a:ext cx="4416844" cy="2982896"/>
+          </a:xfrm>
+          <a:prstGeom prst="rect">
+            <a:avLst/>
+          </a:prstGeom>
+        </p:spPr>
+      </p:pic>
+      <p:pic>
+        <p:nvPicPr>
+          <p:cNvPr id="7" name="Image 6">
+            <a:extLst>
+              <a:ext uri="{FF2B5EF4-FFF2-40B4-BE49-F238E27FC236}">
+                <a16:creationId xmlns:a16="http://schemas.microsoft.com/office/drawing/2014/main" id="{33F39989-71FB-0814-1008-C30662CB97F7}"/>
+              </a:ext>
+            </a:extLst>
+          </p:cNvPr>
+          <p:cNvPicPr>
+            <a:picLocks noChangeAspect="1"/>
+          </p:cNvPicPr>
+          <p:nvPr/>
+        </p:nvPicPr>
+        <p:blipFill>
+          <a:blip r:embed="rId3"/>
+          <a:stretch>
+            <a:fillRect/>
+          </a:stretch>
+        </p:blipFill>
+        <p:spPr>
+          <a:xfrm>
+            <a:off x="8696313" y="1521617"/>
+            <a:ext cx="3247793" cy="4472783"/>
+          </a:xfrm>
+          <a:prstGeom prst="rect">
+            <a:avLst/>
+          </a:prstGeom>
+        </p:spPr>
+      </p:pic>
+      <p:sp>
+        <p:nvSpPr>
+          <p:cNvPr id="8" name="ZoneTexte 7">
+            <a:extLst>
+              <a:ext uri="{FF2B5EF4-FFF2-40B4-BE49-F238E27FC236}">
+                <a16:creationId xmlns:a16="http://schemas.microsoft.com/office/drawing/2014/main" id="{F5CC9960-23F4-3569-8111-28A48756EC4E}"/>
               </a:ext>
             </a:extLst>
           </p:cNvPr>
@@ -13184,8 +13545,8 @@
         </p:nvSpPr>
         <p:spPr>
           <a:xfrm>
-            <a:off x="4702412" y="630283"/>
-            <a:ext cx="6270388" cy="1015663"/>
+            <a:off x="6095999" y="774132"/>
+            <a:ext cx="3878809" cy="400110"/>
           </a:xfrm>
           <a:prstGeom prst="rect">
             <a:avLst/>
@@ -13199,51 +13560,51 @@
           <a:lstStyle/>
           <a:p>
             <a:r>
-              <a:rPr lang="en-US" sz="2000">
-                <a:latin typeface="Century Gothic" panose="020B0502020202090204" pitchFamily="34" charset="0"/>
+              <a:rPr lang="fr-FR" sz="2000" dirty="0">
+                <a:latin typeface="Century Gothic" panose="020B0502020202020204" pitchFamily="34" charset="0"/>
               </a:rPr>
-              <a:t>The last visualization is a representation of the time in hospital in function of the medication they take:</a:t>
+              <a:t>First </a:t>
             </a:r>
-            <a:endParaRPr lang="en-US" sz="2000" dirty="0">
-              <a:latin typeface="Century Gothic" panose="020B0502020202090204" pitchFamily="34" charset="0"/>
+            <a:r>
+              <a:rPr lang="fr-FR" sz="2000" dirty="0" err="1">
+                <a:latin typeface="Century Gothic" panose="020B0502020202020204" pitchFamily="34" charset="0"/>
+              </a:rPr>
+              <a:t>results</a:t>
+            </a:r>
+            <a:r>
+              <a:rPr lang="fr-FR" sz="2000" dirty="0">
+                <a:latin typeface="Century Gothic" panose="020B0502020202020204" pitchFamily="34" charset="0"/>
+              </a:rPr>
+              <a:t> </a:t>
+            </a:r>
+            <a:r>
+              <a:rPr lang="fr-FR" sz="2000" dirty="0" err="1">
+                <a:latin typeface="Century Gothic" panose="020B0502020202020204" pitchFamily="34" charset="0"/>
+              </a:rPr>
+              <a:t>with</a:t>
+            </a:r>
+            <a:r>
+              <a:rPr lang="fr-FR" sz="2000" dirty="0">
+                <a:latin typeface="Century Gothic" panose="020B0502020202020204" pitchFamily="34" charset="0"/>
+              </a:rPr>
+              <a:t> the </a:t>
+            </a:r>
+            <a:r>
+              <a:rPr lang="fr-FR" sz="2000" dirty="0" err="1">
+                <a:latin typeface="Century Gothic" panose="020B0502020202020204" pitchFamily="34" charset="0"/>
+              </a:rPr>
+              <a:t>database</a:t>
+            </a:r>
+            <a:endParaRPr lang="fr-FR" sz="2000" dirty="0">
+              <a:latin typeface="Century Gothic" panose="020B0502020202020204" pitchFamily="34" charset="0"/>
             </a:endParaRPr>
           </a:p>
         </p:txBody>
       </p:sp>
-      <p:pic>
-        <p:nvPicPr>
-          <p:cNvPr id="5" name="Picture 4">
-            <a:extLst>
-              <a:ext uri="{FF2B5EF4-FFF2-40B4-BE49-F238E27FC236}">
-                <a16:creationId xmlns:a16="http://schemas.microsoft.com/office/drawing/2014/main" id="{4242545C-4ADE-4D17-BE85-8B5463AD00AB}"/>
-              </a:ext>
-            </a:extLst>
-          </p:cNvPr>
-          <p:cNvPicPr>
-            <a:picLocks noChangeAspect="1"/>
-          </p:cNvPicPr>
-          <p:nvPr/>
-        </p:nvPicPr>
-        <p:blipFill>
-          <a:blip r:embed="rId2"/>
-          <a:stretch>
-            <a:fillRect/>
-          </a:stretch>
-        </p:blipFill>
-        <p:spPr>
-          <a:xfrm>
-            <a:off x="4134039" y="3237043"/>
-            <a:ext cx="7918532" cy="3413540"/>
-          </a:xfrm>
-          <a:prstGeom prst="rect">
-            <a:avLst/>
-          </a:prstGeom>
-        </p:spPr>
-      </p:pic>
     </p:spTree>
     <p:extLst>
       <p:ext uri="{BB962C8B-B14F-4D97-AF65-F5344CB8AC3E}">
-        <p14:creationId xmlns:p14="http://schemas.microsoft.com/office/powerpoint/2010/main" val="1636868409"/>
+        <p14:creationId xmlns:p14="http://schemas.microsoft.com/office/powerpoint/2010/main" val="3577947455"/>
       </p:ext>
     </p:extLst>
   </p:cSld>

--- a/Readmission of the Diabetics patients.pptx
+++ b/Readmission of the Diabetics patients.pptx
@@ -14,10 +14,15 @@
     <p:sldId id="270" r:id="rId8"/>
     <p:sldId id="271" r:id="rId9"/>
     <p:sldId id="272" r:id="rId10"/>
-    <p:sldId id="263" r:id="rId11"/>
-    <p:sldId id="264" r:id="rId12"/>
-    <p:sldId id="265" r:id="rId13"/>
-    <p:sldId id="266" r:id="rId14"/>
+    <p:sldId id="273" r:id="rId11"/>
+    <p:sldId id="263" r:id="rId12"/>
+    <p:sldId id="274" r:id="rId13"/>
+    <p:sldId id="275" r:id="rId14"/>
+    <p:sldId id="276" r:id="rId15"/>
+    <p:sldId id="277" r:id="rId16"/>
+    <p:sldId id="264" r:id="rId17"/>
+    <p:sldId id="265" r:id="rId18"/>
+    <p:sldId id="266" r:id="rId19"/>
   </p:sldIdLst>
   <p:sldSz cx="12192000" cy="6858000"/>
   <p:notesSz cx="6858000" cy="9144000"/>
@@ -122,6 +127,325 @@
     </p:ext>
   </p:extLst>
 </p:presentation>
+</file>
+
+<file path=ppt/revisionInfo.xml><?xml version="1.0" encoding="utf-8"?>
+<p1510:revInfo xmlns:a="http://schemas.openxmlformats.org/drawingml/2006/main" xmlns:r="http://schemas.openxmlformats.org/officeDocument/2006/relationships" xmlns:p1510="http://schemas.microsoft.com/office/powerpoint/2015/10/main">
+  <p1510:revLst>
+    <p1510:client id="{4205C09B-B8FD-4498-AD50-18A7FD0EBE81}" v="1" dt="2022-12-05T19:47:08.052"/>
+  </p1510:revLst>
+</p1510:revInfo>
+</file>
+
+<file path=ppt/changesInfos/changesInfo1.xml><?xml version="1.0" encoding="utf-8"?>
+<pc:chgInfo xmlns:a="http://schemas.openxmlformats.org/drawingml/2006/main" xmlns:r="http://schemas.openxmlformats.org/officeDocument/2006/relationships" xmlns:ac="http://schemas.microsoft.com/office/drawing/2013/main/command" xmlns:pc="http://schemas.microsoft.com/office/powerpoint/2013/main/command">
+  <pc:docChgLst>
+    <pc:chgData name="FERRARA Nicolas" userId="c6c16a94-d698-49d7-8961-7fb329fd5c9c" providerId="ADAL" clId="{4205C09B-B8FD-4498-AD50-18A7FD0EBE81}"/>
+    <pc:docChg chg="undo custSel addSld modSld sldOrd">
+      <pc:chgData name="FERRARA Nicolas" userId="c6c16a94-d698-49d7-8961-7fb329fd5c9c" providerId="ADAL" clId="{4205C09B-B8FD-4498-AD50-18A7FD0EBE81}" dt="2022-12-05T19:54:32.558" v="344" actId="1076"/>
+      <pc:docMkLst>
+        <pc:docMk/>
+      </pc:docMkLst>
+      <pc:sldChg chg="addSp delSp modSp mod ord">
+        <pc:chgData name="FERRARA Nicolas" userId="c6c16a94-d698-49d7-8961-7fb329fd5c9c" providerId="ADAL" clId="{4205C09B-B8FD-4498-AD50-18A7FD0EBE81}" dt="2022-12-05T19:49:47.191" v="126" actId="22"/>
+        <pc:sldMkLst>
+          <pc:docMk/>
+          <pc:sldMk cId="3472526266" sldId="263"/>
+        </pc:sldMkLst>
+        <pc:spChg chg="add del">
+          <ac:chgData name="FERRARA Nicolas" userId="c6c16a94-d698-49d7-8961-7fb329fd5c9c" providerId="ADAL" clId="{4205C09B-B8FD-4498-AD50-18A7FD0EBE81}" dt="2022-12-05T19:46:57.110" v="107" actId="22"/>
+          <ac:spMkLst>
+            <pc:docMk/>
+            <pc:sldMk cId="3472526266" sldId="263"/>
+            <ac:spMk id="5" creationId="{2AE72126-8CE0-BA33-376C-6164BD0A71BC}"/>
+          </ac:spMkLst>
+        </pc:spChg>
+        <pc:spChg chg="del mod">
+          <ac:chgData name="FERRARA Nicolas" userId="c6c16a94-d698-49d7-8961-7fb329fd5c9c" providerId="ADAL" clId="{4205C09B-B8FD-4498-AD50-18A7FD0EBE81}" dt="2022-12-05T19:46:53.499" v="105"/>
+          <ac:spMkLst>
+            <pc:docMk/>
+            <pc:sldMk cId="3472526266" sldId="263"/>
+            <ac:spMk id="8" creationId="{F5CC9960-23F4-3569-8111-28A48756EC4E}"/>
+          </ac:spMkLst>
+        </pc:spChg>
+        <pc:spChg chg="add mod">
+          <ac:chgData name="FERRARA Nicolas" userId="c6c16a94-d698-49d7-8961-7fb329fd5c9c" providerId="ADAL" clId="{4205C09B-B8FD-4498-AD50-18A7FD0EBE81}" dt="2022-12-05T19:47:49.785" v="121" actId="20577"/>
+          <ac:spMkLst>
+            <pc:docMk/>
+            <pc:sldMk cId="3472526266" sldId="263"/>
+            <ac:spMk id="10" creationId="{33E59E23-3019-8F44-013F-01FD561D99CA}"/>
+          </ac:spMkLst>
+        </pc:spChg>
+        <pc:picChg chg="add del mod">
+          <ac:chgData name="FERRARA Nicolas" userId="c6c16a94-d698-49d7-8961-7fb329fd5c9c" providerId="ADAL" clId="{4205C09B-B8FD-4498-AD50-18A7FD0EBE81}" dt="2022-12-05T19:47:16.563" v="110" actId="478"/>
+          <ac:picMkLst>
+            <pc:docMk/>
+            <pc:sldMk cId="3472526266" sldId="263"/>
+            <ac:picMk id="6" creationId="{B0B97AD2-C5C5-075C-292B-D9E150D256BB}"/>
+          </ac:picMkLst>
+        </pc:picChg>
+        <pc:picChg chg="del">
+          <ac:chgData name="FERRARA Nicolas" userId="c6c16a94-d698-49d7-8961-7fb329fd5c9c" providerId="ADAL" clId="{4205C09B-B8FD-4498-AD50-18A7FD0EBE81}" dt="2022-12-05T19:46:33.673" v="100" actId="478"/>
+          <ac:picMkLst>
+            <pc:docMk/>
+            <pc:sldMk cId="3472526266" sldId="263"/>
+            <ac:picMk id="12" creationId="{185A777A-81CD-7500-C2BA-EB5E80F99594}"/>
+          </ac:picMkLst>
+        </pc:picChg>
+        <pc:picChg chg="del">
+          <ac:chgData name="FERRARA Nicolas" userId="c6c16a94-d698-49d7-8961-7fb329fd5c9c" providerId="ADAL" clId="{4205C09B-B8FD-4498-AD50-18A7FD0EBE81}" dt="2022-12-05T19:46:32.290" v="99" actId="478"/>
+          <ac:picMkLst>
+            <pc:docMk/>
+            <pc:sldMk cId="3472526266" sldId="263"/>
+            <ac:picMk id="15" creationId="{914CF203-287D-05C6-4BC1-92EA6D6646F9}"/>
+          </ac:picMkLst>
+        </pc:picChg>
+        <pc:picChg chg="add mod">
+          <ac:chgData name="FERRARA Nicolas" userId="c6c16a94-d698-49d7-8961-7fb329fd5c9c" providerId="ADAL" clId="{4205C09B-B8FD-4498-AD50-18A7FD0EBE81}" dt="2022-12-05T19:49:23.245" v="125" actId="1076"/>
+          <ac:picMkLst>
+            <pc:docMk/>
+            <pc:sldMk cId="3472526266" sldId="263"/>
+            <ac:picMk id="16" creationId="{503047D3-0213-C399-4250-57D974E6D897}"/>
+          </ac:picMkLst>
+        </pc:picChg>
+        <pc:picChg chg="del">
+          <ac:chgData name="FERRARA Nicolas" userId="c6c16a94-d698-49d7-8961-7fb329fd5c9c" providerId="ADAL" clId="{4205C09B-B8FD-4498-AD50-18A7FD0EBE81}" dt="2022-12-05T19:46:34.882" v="101" actId="478"/>
+          <ac:picMkLst>
+            <pc:docMk/>
+            <pc:sldMk cId="3472526266" sldId="263"/>
+            <ac:picMk id="17" creationId="{BFAD5270-0B7E-5E40-1FA2-2753B71FFC5F}"/>
+          </ac:picMkLst>
+        </pc:picChg>
+        <pc:picChg chg="add">
+          <ac:chgData name="FERRARA Nicolas" userId="c6c16a94-d698-49d7-8961-7fb329fd5c9c" providerId="ADAL" clId="{4205C09B-B8FD-4498-AD50-18A7FD0EBE81}" dt="2022-12-05T19:49:47.191" v="126" actId="22"/>
+          <ac:picMkLst>
+            <pc:docMk/>
+            <pc:sldMk cId="3472526266" sldId="263"/>
+            <ac:picMk id="19" creationId="{6CCED5ED-9B20-2485-0B7B-7AE8E54C90A3}"/>
+          </ac:picMkLst>
+        </pc:picChg>
+      </pc:sldChg>
+      <pc:sldChg chg="addSp modSp mod">
+        <pc:chgData name="FERRARA Nicolas" userId="c6c16a94-d698-49d7-8961-7fb329fd5c9c" providerId="ADAL" clId="{4205C09B-B8FD-4498-AD50-18A7FD0EBE81}" dt="2022-12-05T19:45:27.261" v="44" actId="20577"/>
+        <pc:sldMkLst>
+          <pc:docMk/>
+          <pc:sldMk cId="3577947455" sldId="272"/>
+        </pc:sldMkLst>
+        <pc:spChg chg="mod">
+          <ac:chgData name="FERRARA Nicolas" userId="c6c16a94-d698-49d7-8961-7fb329fd5c9c" providerId="ADAL" clId="{4205C09B-B8FD-4498-AD50-18A7FD0EBE81}" dt="2022-12-05T19:44:08.148" v="3" actId="1076"/>
+          <ac:spMkLst>
+            <pc:docMk/>
+            <pc:sldMk cId="3577947455" sldId="272"/>
+            <ac:spMk id="2" creationId="{77328127-2658-29C0-D5B6-2E19F8D9CB6F}"/>
+          </ac:spMkLst>
+        </pc:spChg>
+        <pc:spChg chg="mod">
+          <ac:chgData name="FERRARA Nicolas" userId="c6c16a94-d698-49d7-8961-7fb329fd5c9c" providerId="ADAL" clId="{4205C09B-B8FD-4498-AD50-18A7FD0EBE81}" dt="2022-12-05T19:45:27.261" v="44" actId="20577"/>
+          <ac:spMkLst>
+            <pc:docMk/>
+            <pc:sldMk cId="3577947455" sldId="272"/>
+            <ac:spMk id="8" creationId="{F5CC9960-23F4-3569-8111-28A48756EC4E}"/>
+          </ac:spMkLst>
+        </pc:spChg>
+        <pc:picChg chg="mod">
+          <ac:chgData name="FERRARA Nicolas" userId="c6c16a94-d698-49d7-8961-7fb329fd5c9c" providerId="ADAL" clId="{4205C09B-B8FD-4498-AD50-18A7FD0EBE81}" dt="2022-12-05T19:44:19.364" v="5" actId="1076"/>
+          <ac:picMkLst>
+            <pc:docMk/>
+            <pc:sldMk cId="3577947455" sldId="272"/>
+            <ac:picMk id="5" creationId="{FB092EAF-6B73-A123-73A0-121C2135B323}"/>
+          </ac:picMkLst>
+        </pc:picChg>
+        <pc:picChg chg="add mod">
+          <ac:chgData name="FERRARA Nicolas" userId="c6c16a94-d698-49d7-8961-7fb329fd5c9c" providerId="ADAL" clId="{4205C09B-B8FD-4498-AD50-18A7FD0EBE81}" dt="2022-12-05T19:44:11.340" v="4" actId="1076"/>
+          <ac:picMkLst>
+            <pc:docMk/>
+            <pc:sldMk cId="3577947455" sldId="272"/>
+            <ac:picMk id="6" creationId="{32BC8459-B34F-D87C-0E7E-A0698EBE10A5}"/>
+          </ac:picMkLst>
+        </pc:picChg>
+      </pc:sldChg>
+      <pc:sldChg chg="delSp modSp add mod">
+        <pc:chgData name="FERRARA Nicolas" userId="c6c16a94-d698-49d7-8961-7fb329fd5c9c" providerId="ADAL" clId="{4205C09B-B8FD-4498-AD50-18A7FD0EBE81}" dt="2022-12-05T19:45:59.864" v="94" actId="20577"/>
+        <pc:sldMkLst>
+          <pc:docMk/>
+          <pc:sldMk cId="1656836523" sldId="273"/>
+        </pc:sldMkLst>
+        <pc:spChg chg="mod">
+          <ac:chgData name="FERRARA Nicolas" userId="c6c16a94-d698-49d7-8961-7fb329fd5c9c" providerId="ADAL" clId="{4205C09B-B8FD-4498-AD50-18A7FD0EBE81}" dt="2022-12-05T19:45:59.864" v="94" actId="20577"/>
+          <ac:spMkLst>
+            <pc:docMk/>
+            <pc:sldMk cId="1656836523" sldId="273"/>
+            <ac:spMk id="8" creationId="{F5CC9960-23F4-3569-8111-28A48756EC4E}"/>
+          </ac:spMkLst>
+        </pc:spChg>
+        <pc:picChg chg="mod">
+          <ac:chgData name="FERRARA Nicolas" userId="c6c16a94-d698-49d7-8961-7fb329fd5c9c" providerId="ADAL" clId="{4205C09B-B8FD-4498-AD50-18A7FD0EBE81}" dt="2022-12-05T19:44:53.340" v="8" actId="1076"/>
+          <ac:picMkLst>
+            <pc:docMk/>
+            <pc:sldMk cId="1656836523" sldId="273"/>
+            <ac:picMk id="12" creationId="{185A777A-81CD-7500-C2BA-EB5E80F99594}"/>
+          </ac:picMkLst>
+        </pc:picChg>
+        <pc:picChg chg="mod">
+          <ac:chgData name="FERRARA Nicolas" userId="c6c16a94-d698-49d7-8961-7fb329fd5c9c" providerId="ADAL" clId="{4205C09B-B8FD-4498-AD50-18A7FD0EBE81}" dt="2022-12-05T19:44:57.409" v="9" actId="1076"/>
+          <ac:picMkLst>
+            <pc:docMk/>
+            <pc:sldMk cId="1656836523" sldId="273"/>
+            <ac:picMk id="15" creationId="{914CF203-287D-05C6-4BC1-92EA6D6646F9}"/>
+          </ac:picMkLst>
+        </pc:picChg>
+        <pc:picChg chg="del">
+          <ac:chgData name="FERRARA Nicolas" userId="c6c16a94-d698-49d7-8961-7fb329fd5c9c" providerId="ADAL" clId="{4205C09B-B8FD-4498-AD50-18A7FD0EBE81}" dt="2022-12-05T19:44:49.909" v="7" actId="478"/>
+          <ac:picMkLst>
+            <pc:docMk/>
+            <pc:sldMk cId="1656836523" sldId="273"/>
+            <ac:picMk id="17" creationId="{BFAD5270-0B7E-5E40-1FA2-2753B71FFC5F}"/>
+          </ac:picMkLst>
+        </pc:picChg>
+      </pc:sldChg>
+      <pc:sldChg chg="addSp delSp modSp add mod">
+        <pc:chgData name="FERRARA Nicolas" userId="c6c16a94-d698-49d7-8961-7fb329fd5c9c" providerId="ADAL" clId="{4205C09B-B8FD-4498-AD50-18A7FD0EBE81}" dt="2022-12-05T19:51:51.604" v="225" actId="14100"/>
+        <pc:sldMkLst>
+          <pc:docMk/>
+          <pc:sldMk cId="7034221" sldId="274"/>
+        </pc:sldMkLst>
+        <pc:spChg chg="mod">
+          <ac:chgData name="FERRARA Nicolas" userId="c6c16a94-d698-49d7-8961-7fb329fd5c9c" providerId="ADAL" clId="{4205C09B-B8FD-4498-AD50-18A7FD0EBE81}" dt="2022-12-05T19:51:51.604" v="225" actId="14100"/>
+          <ac:spMkLst>
+            <pc:docMk/>
+            <pc:sldMk cId="7034221" sldId="274"/>
+            <ac:spMk id="8" creationId="{F5CC9960-23F4-3569-8111-28A48756EC4E}"/>
+          </ac:spMkLst>
+        </pc:spChg>
+        <pc:picChg chg="add mod">
+          <ac:chgData name="FERRARA Nicolas" userId="c6c16a94-d698-49d7-8961-7fb329fd5c9c" providerId="ADAL" clId="{4205C09B-B8FD-4498-AD50-18A7FD0EBE81}" dt="2022-12-05T19:50:23.218" v="130" actId="1076"/>
+          <ac:picMkLst>
+            <pc:docMk/>
+            <pc:sldMk cId="7034221" sldId="274"/>
+            <ac:picMk id="5" creationId="{869D7681-012C-92AE-774C-45EFCEA6A694}"/>
+          </ac:picMkLst>
+        </pc:picChg>
+        <pc:picChg chg="add mod">
+          <ac:chgData name="FERRARA Nicolas" userId="c6c16a94-d698-49d7-8961-7fb329fd5c9c" providerId="ADAL" clId="{4205C09B-B8FD-4498-AD50-18A7FD0EBE81}" dt="2022-12-05T19:50:58.743" v="176" actId="1076"/>
+          <ac:picMkLst>
+            <pc:docMk/>
+            <pc:sldMk cId="7034221" sldId="274"/>
+            <ac:picMk id="7" creationId="{4779DDFE-4545-0862-F5BC-271DEC4A281A}"/>
+          </ac:picMkLst>
+        </pc:picChg>
+        <pc:picChg chg="del">
+          <ac:chgData name="FERRARA Nicolas" userId="c6c16a94-d698-49d7-8961-7fb329fd5c9c" providerId="ADAL" clId="{4205C09B-B8FD-4498-AD50-18A7FD0EBE81}" dt="2022-12-05T19:46:28.378" v="97" actId="478"/>
+          <ac:picMkLst>
+            <pc:docMk/>
+            <pc:sldMk cId="7034221" sldId="274"/>
+            <ac:picMk id="12" creationId="{185A777A-81CD-7500-C2BA-EB5E80F99594}"/>
+          </ac:picMkLst>
+        </pc:picChg>
+        <pc:picChg chg="del">
+          <ac:chgData name="FERRARA Nicolas" userId="c6c16a94-d698-49d7-8961-7fb329fd5c9c" providerId="ADAL" clId="{4205C09B-B8FD-4498-AD50-18A7FD0EBE81}" dt="2022-12-05T19:46:27.042" v="96" actId="478"/>
+          <ac:picMkLst>
+            <pc:docMk/>
+            <pc:sldMk cId="7034221" sldId="274"/>
+            <ac:picMk id="15" creationId="{914CF203-287D-05C6-4BC1-92EA6D6646F9}"/>
+          </ac:picMkLst>
+        </pc:picChg>
+        <pc:picChg chg="del">
+          <ac:chgData name="FERRARA Nicolas" userId="c6c16a94-d698-49d7-8961-7fb329fd5c9c" providerId="ADAL" clId="{4205C09B-B8FD-4498-AD50-18A7FD0EBE81}" dt="2022-12-05T19:46:29.731" v="98" actId="478"/>
+          <ac:picMkLst>
+            <pc:docMk/>
+            <pc:sldMk cId="7034221" sldId="274"/>
+            <ac:picMk id="17" creationId="{BFAD5270-0B7E-5E40-1FA2-2753B71FFC5F}"/>
+          </ac:picMkLst>
+        </pc:picChg>
+      </pc:sldChg>
+      <pc:sldChg chg="addSp delSp modSp add mod">
+        <pc:chgData name="FERRARA Nicolas" userId="c6c16a94-d698-49d7-8961-7fb329fd5c9c" providerId="ADAL" clId="{4205C09B-B8FD-4498-AD50-18A7FD0EBE81}" dt="2022-12-05T19:52:32.849" v="253" actId="1076"/>
+        <pc:sldMkLst>
+          <pc:docMk/>
+          <pc:sldMk cId="2834950294" sldId="275"/>
+        </pc:sldMkLst>
+        <pc:spChg chg="add del mod">
+          <ac:chgData name="FERRARA Nicolas" userId="c6c16a94-d698-49d7-8961-7fb329fd5c9c" providerId="ADAL" clId="{4205C09B-B8FD-4498-AD50-18A7FD0EBE81}" dt="2022-12-05T19:52:07.815" v="247" actId="14100"/>
+          <ac:spMkLst>
+            <pc:docMk/>
+            <pc:sldMk cId="2834950294" sldId="275"/>
+            <ac:spMk id="8" creationId="{F5CC9960-23F4-3569-8111-28A48756EC4E}"/>
+          </ac:spMkLst>
+        </pc:spChg>
+        <pc:picChg chg="add mod">
+          <ac:chgData name="FERRARA Nicolas" userId="c6c16a94-d698-49d7-8961-7fb329fd5c9c" providerId="ADAL" clId="{4205C09B-B8FD-4498-AD50-18A7FD0EBE81}" dt="2022-12-05T19:52:18.214" v="251" actId="1076"/>
+          <ac:picMkLst>
+            <pc:docMk/>
+            <pc:sldMk cId="2834950294" sldId="275"/>
+            <ac:picMk id="5" creationId="{4AFEF010-7AB2-026D-2F43-7662E7FE35B6}"/>
+          </ac:picMkLst>
+        </pc:picChg>
+        <pc:picChg chg="add mod">
+          <ac:chgData name="FERRARA Nicolas" userId="c6c16a94-d698-49d7-8961-7fb329fd5c9c" providerId="ADAL" clId="{4205C09B-B8FD-4498-AD50-18A7FD0EBE81}" dt="2022-12-05T19:52:32.849" v="253" actId="1076"/>
+          <ac:picMkLst>
+            <pc:docMk/>
+            <pc:sldMk cId="2834950294" sldId="275"/>
+            <ac:picMk id="7" creationId="{DF7106F1-A0B6-6A9A-0613-9EF08EAC51F6}"/>
+          </ac:picMkLst>
+        </pc:picChg>
+      </pc:sldChg>
+      <pc:sldChg chg="addSp modSp add mod">
+        <pc:chgData name="FERRARA Nicolas" userId="c6c16a94-d698-49d7-8961-7fb329fd5c9c" providerId="ADAL" clId="{4205C09B-B8FD-4498-AD50-18A7FD0EBE81}" dt="2022-12-05T19:53:50.752" v="313" actId="1076"/>
+        <pc:sldMkLst>
+          <pc:docMk/>
+          <pc:sldMk cId="1571191830" sldId="276"/>
+        </pc:sldMkLst>
+        <pc:spChg chg="mod">
+          <ac:chgData name="FERRARA Nicolas" userId="c6c16a94-d698-49d7-8961-7fb329fd5c9c" providerId="ADAL" clId="{4205C09B-B8FD-4498-AD50-18A7FD0EBE81}" dt="2022-12-05T19:53:07.365" v="307" actId="14100"/>
+          <ac:spMkLst>
+            <pc:docMk/>
+            <pc:sldMk cId="1571191830" sldId="276"/>
+            <ac:spMk id="8" creationId="{F5CC9960-23F4-3569-8111-28A48756EC4E}"/>
+          </ac:spMkLst>
+        </pc:spChg>
+        <pc:picChg chg="add mod">
+          <ac:chgData name="FERRARA Nicolas" userId="c6c16a94-d698-49d7-8961-7fb329fd5c9c" providerId="ADAL" clId="{4205C09B-B8FD-4498-AD50-18A7FD0EBE81}" dt="2022-12-05T19:53:30.218" v="311" actId="1076"/>
+          <ac:picMkLst>
+            <pc:docMk/>
+            <pc:sldMk cId="1571191830" sldId="276"/>
+            <ac:picMk id="5" creationId="{3551BBB7-D836-F93A-A420-BFCF5CD5C79B}"/>
+          </ac:picMkLst>
+        </pc:picChg>
+        <pc:picChg chg="add mod">
+          <ac:chgData name="FERRARA Nicolas" userId="c6c16a94-d698-49d7-8961-7fb329fd5c9c" providerId="ADAL" clId="{4205C09B-B8FD-4498-AD50-18A7FD0EBE81}" dt="2022-12-05T19:53:50.752" v="313" actId="1076"/>
+          <ac:picMkLst>
+            <pc:docMk/>
+            <pc:sldMk cId="1571191830" sldId="276"/>
+            <ac:picMk id="7" creationId="{B7039964-8576-E97D-9FD4-179D265DC66A}"/>
+          </ac:picMkLst>
+        </pc:picChg>
+      </pc:sldChg>
+      <pc:sldChg chg="addSp modSp add mod">
+        <pc:chgData name="FERRARA Nicolas" userId="c6c16a94-d698-49d7-8961-7fb329fd5c9c" providerId="ADAL" clId="{4205C09B-B8FD-4498-AD50-18A7FD0EBE81}" dt="2022-12-05T19:54:32.558" v="344" actId="1076"/>
+        <pc:sldMkLst>
+          <pc:docMk/>
+          <pc:sldMk cId="1801074990" sldId="277"/>
+        </pc:sldMkLst>
+        <pc:spChg chg="mod">
+          <ac:chgData name="FERRARA Nicolas" userId="c6c16a94-d698-49d7-8961-7fb329fd5c9c" providerId="ADAL" clId="{4205C09B-B8FD-4498-AD50-18A7FD0EBE81}" dt="2022-12-05T19:54:25.793" v="342" actId="20577"/>
+          <ac:spMkLst>
+            <pc:docMk/>
+            <pc:sldMk cId="1801074990" sldId="277"/>
+            <ac:spMk id="8" creationId="{F5CC9960-23F4-3569-8111-28A48756EC4E}"/>
+          </ac:spMkLst>
+        </pc:spChg>
+        <pc:picChg chg="add mod">
+          <ac:chgData name="FERRARA Nicolas" userId="c6c16a94-d698-49d7-8961-7fb329fd5c9c" providerId="ADAL" clId="{4205C09B-B8FD-4498-AD50-18A7FD0EBE81}" dt="2022-12-05T19:54:32.558" v="344" actId="1076"/>
+          <ac:picMkLst>
+            <pc:docMk/>
+            <pc:sldMk cId="1801074990" sldId="277"/>
+            <ac:picMk id="5" creationId="{1B5F7456-FC48-D393-609D-DA75E8EDDB5E}"/>
+          </ac:picMkLst>
+        </pc:picChg>
+      </pc:sldChg>
+    </pc:docChg>
+  </pc:docChgLst>
+</pc:chgInfo>
 </file>
 
 <file path=ppt/slideLayouts/slideLayout1.xml><?xml version="1.0" encoding="utf-8"?>
@@ -4756,7 +5080,7 @@
         <p:spPr>
           <a:xfrm>
             <a:off x="4923386" y="863600"/>
-            <a:ext cx="3878809" cy="400110"/>
+            <a:ext cx="3878809" cy="707886"/>
           </a:xfrm>
           <a:prstGeom prst="rect">
             <a:avLst/>
@@ -4773,41 +5097,32 @@
               <a:rPr lang="fr-FR" sz="2000" dirty="0">
                 <a:latin typeface="Century Gothic" panose="020B0502020202020204" pitchFamily="34" charset="0"/>
               </a:rPr>
-              <a:t>Final </a:t>
+              <a:t>Modification of </a:t>
             </a:r>
             <a:r>
               <a:rPr lang="fr-FR" sz="2000" dirty="0" err="1">
                 <a:latin typeface="Century Gothic" panose="020B0502020202020204" pitchFamily="34" charset="0"/>
               </a:rPr>
-              <a:t>results</a:t>
+              <a:t>dataset</a:t>
             </a:r>
             <a:r>
               <a:rPr lang="fr-FR" sz="2000" dirty="0">
                 <a:latin typeface="Century Gothic" panose="020B0502020202020204" pitchFamily="34" charset="0"/>
               </a:rPr>
-              <a:t> </a:t>
+              <a:t> and </a:t>
             </a:r>
             <a:r>
               <a:rPr lang="fr-FR" sz="2000" dirty="0" err="1">
                 <a:latin typeface="Century Gothic" panose="020B0502020202020204" pitchFamily="34" charset="0"/>
               </a:rPr>
-              <a:t>with</a:t>
+              <a:t>Models</a:t>
             </a:r>
             <a:r>
               <a:rPr lang="fr-FR" sz="2000" dirty="0">
                 <a:latin typeface="Century Gothic" panose="020B0502020202020204" pitchFamily="34" charset="0"/>
               </a:rPr>
-              <a:t> the </a:t>
+              <a:t> Benchmark</a:t>
             </a:r>
-            <a:r>
-              <a:rPr lang="fr-FR" sz="2000" dirty="0" err="1">
-                <a:latin typeface="Century Gothic" panose="020B0502020202020204" pitchFamily="34" charset="0"/>
-              </a:rPr>
-              <a:t>database</a:t>
-            </a:r>
-            <a:endParaRPr lang="fr-FR" sz="2000" dirty="0">
-              <a:latin typeface="Century Gothic" panose="020B0502020202020204" pitchFamily="34" charset="0"/>
-            </a:endParaRPr>
           </a:p>
         </p:txBody>
       </p:sp>
@@ -4832,7 +5147,7 @@
         </p:blipFill>
         <p:spPr>
           <a:xfrm>
-            <a:off x="4421332" y="1896133"/>
+            <a:off x="4958660" y="1604325"/>
             <a:ext cx="4885261" cy="1162648"/>
           </a:xfrm>
           <a:prstGeom prst="rect">
@@ -4862,38 +5177,8 @@
         </p:blipFill>
         <p:spPr>
           <a:xfrm>
-            <a:off x="4087314" y="3079967"/>
+            <a:off x="4791650" y="3107588"/>
             <a:ext cx="5219279" cy="3155381"/>
-          </a:xfrm>
-          <a:prstGeom prst="rect">
-            <a:avLst/>
-          </a:prstGeom>
-        </p:spPr>
-      </p:pic>
-      <p:pic>
-        <p:nvPicPr>
-          <p:cNvPr id="17" name="Image 16">
-            <a:extLst>
-              <a:ext uri="{FF2B5EF4-FFF2-40B4-BE49-F238E27FC236}">
-                <a16:creationId xmlns:a16="http://schemas.microsoft.com/office/drawing/2014/main" id="{BFAD5270-0B7E-5E40-1FA2-2753B71FFC5F}"/>
-              </a:ext>
-            </a:extLst>
-          </p:cNvPr>
-          <p:cNvPicPr>
-            <a:picLocks noChangeAspect="1"/>
-          </p:cNvPicPr>
-          <p:nvPr/>
-        </p:nvPicPr>
-        <p:blipFill>
-          <a:blip r:embed="rId4"/>
-          <a:stretch>
-            <a:fillRect/>
-          </a:stretch>
-        </p:blipFill>
-        <p:spPr>
-          <a:xfrm>
-            <a:off x="9416369" y="1972018"/>
-            <a:ext cx="2786677" cy="3901347"/>
           </a:xfrm>
           <a:prstGeom prst="rect">
             <a:avLst/>
@@ -4903,7 +5188,7 @@
     </p:spTree>
     <p:extLst>
       <p:ext uri="{BB962C8B-B14F-4D97-AF65-F5344CB8AC3E}">
-        <p14:creationId xmlns:p14="http://schemas.microsoft.com/office/powerpoint/2010/main" val="3472526266"/>
+        <p14:creationId xmlns:p14="http://schemas.microsoft.com/office/powerpoint/2010/main" val="1656836523"/>
       </p:ext>
     </p:extLst>
   </p:cSld>
@@ -5371,7 +5656,7 @@
                 </a:solidFill>
                 <a:latin typeface="Century Gothic" panose="020B0502020202090204" pitchFamily="34" charset="0"/>
               </a:rPr>
-              <a:t>Django API:</a:t>
+              <a:t>Modeling:</a:t>
             </a:r>
           </a:p>
         </p:txBody>
@@ -5575,12 +5860,47 @@
           </a:p>
         </p:txBody>
       </p:sp>
+      <p:sp>
+        <p:nvSpPr>
+          <p:cNvPr id="10" name="ZoneTexte 9">
+            <a:extLst>
+              <a:ext uri="{FF2B5EF4-FFF2-40B4-BE49-F238E27FC236}">
+                <a16:creationId xmlns:a16="http://schemas.microsoft.com/office/drawing/2014/main" id="{33E59E23-3019-8F44-013F-01FD561D99CA}"/>
+              </a:ext>
+            </a:extLst>
+          </p:cNvPr>
+          <p:cNvSpPr txBox="1"/>
+          <p:nvPr/>
+        </p:nvSpPr>
+        <p:spPr>
+          <a:xfrm>
+            <a:off x="5315546" y="723463"/>
+            <a:ext cx="6094324" cy="400110"/>
+          </a:xfrm>
+          <a:prstGeom prst="rect">
+            <a:avLst/>
+          </a:prstGeom>
+          <a:noFill/>
+        </p:spPr>
+        <p:txBody>
+          <a:bodyPr wrap="square">
+            <a:spAutoFit/>
+          </a:bodyPr>
+          <a:lstStyle/>
+          <a:p>
+            <a:r>
+              <a:rPr lang="en-US" sz="2000" dirty="0"/>
+              <a:t>Second results with a logistic regression</a:t>
+            </a:r>
+          </a:p>
+        </p:txBody>
+      </p:sp>
       <p:pic>
         <p:nvPicPr>
-          <p:cNvPr id="5" name="Image 4">
-            <a:extLst>
-              <a:ext uri="{FF2B5EF4-FFF2-40B4-BE49-F238E27FC236}">
-                <a16:creationId xmlns:a16="http://schemas.microsoft.com/office/drawing/2014/main" id="{0AEF9FC5-985B-8BDB-EB02-C44716045DAC}"/>
+          <p:cNvPr id="16" name="Image 15">
+            <a:extLst>
+              <a:ext uri="{FF2B5EF4-FFF2-40B4-BE49-F238E27FC236}">
+                <a16:creationId xmlns:a16="http://schemas.microsoft.com/office/drawing/2014/main" id="{503047D3-0213-C399-4250-57D974E6D897}"/>
               </a:ext>
             </a:extLst>
           </p:cNvPr>
@@ -5597,8 +5917,8 @@
         </p:blipFill>
         <p:spPr>
           <a:xfrm>
-            <a:off x="6096000" y="255579"/>
-            <a:ext cx="5789231" cy="3100913"/>
+            <a:off x="8362708" y="1384832"/>
+            <a:ext cx="3424159" cy="5010964"/>
           </a:xfrm>
           <a:prstGeom prst="rect">
             <a:avLst/>
@@ -5607,10 +5927,10 @@
       </p:pic>
       <p:pic>
         <p:nvPicPr>
-          <p:cNvPr id="7" name="Image 6">
-            <a:extLst>
-              <a:ext uri="{FF2B5EF4-FFF2-40B4-BE49-F238E27FC236}">
-                <a16:creationId xmlns:a16="http://schemas.microsoft.com/office/drawing/2014/main" id="{741FD746-CFFD-3E0B-676A-79CF0FB67BAA}"/>
+          <p:cNvPr id="19" name="Image 18">
+            <a:extLst>
+              <a:ext uri="{FF2B5EF4-FFF2-40B4-BE49-F238E27FC236}">
+                <a16:creationId xmlns:a16="http://schemas.microsoft.com/office/drawing/2014/main" id="{6CCED5ED-9B20-2485-0B7B-7AE8E54C90A3}"/>
               </a:ext>
             </a:extLst>
           </p:cNvPr>
@@ -5627,107 +5947,18 @@
         </p:blipFill>
         <p:spPr>
           <a:xfrm>
-            <a:off x="6779949" y="3520365"/>
-            <a:ext cx="4421332" cy="3173762"/>
+            <a:off x="4872884" y="1687679"/>
+            <a:ext cx="2446232" cy="3482642"/>
           </a:xfrm>
           <a:prstGeom prst="rect">
             <a:avLst/>
           </a:prstGeom>
         </p:spPr>
       </p:pic>
-      <p:sp>
-        <p:nvSpPr>
-          <p:cNvPr id="8" name="ZoneTexte 7">
-            <a:extLst>
-              <a:ext uri="{FF2B5EF4-FFF2-40B4-BE49-F238E27FC236}">
-                <a16:creationId xmlns:a16="http://schemas.microsoft.com/office/drawing/2014/main" id="{F28CD973-69CB-A145-3C2A-2B784B7A2C86}"/>
-              </a:ext>
-            </a:extLst>
-          </p:cNvPr>
-          <p:cNvSpPr txBox="1"/>
-          <p:nvPr/>
-        </p:nvSpPr>
-        <p:spPr>
-          <a:xfrm flipH="1">
-            <a:off x="4490484" y="1446925"/>
-            <a:ext cx="1583230" cy="707886"/>
-          </a:xfrm>
-          <a:prstGeom prst="rect">
-            <a:avLst/>
-          </a:prstGeom>
-          <a:noFill/>
-        </p:spPr>
-        <p:txBody>
-          <a:bodyPr wrap="square" rtlCol="0">
-            <a:spAutoFit/>
-          </a:bodyPr>
-          <a:lstStyle/>
-          <a:p>
-            <a:r>
-              <a:rPr lang="fr-FR" sz="2000" dirty="0">
-                <a:latin typeface="Century Gothic" panose="020B0502020202020204" pitchFamily="34" charset="0"/>
-              </a:rPr>
-              <a:t>The </a:t>
-            </a:r>
-            <a:r>
-              <a:rPr lang="fr-FR" sz="2000" dirty="0" err="1">
-                <a:latin typeface="Century Gothic" panose="020B0502020202020204" pitchFamily="34" charset="0"/>
-              </a:rPr>
-              <a:t>databases</a:t>
-            </a:r>
-            <a:endParaRPr lang="fr-FR" sz="2000" dirty="0">
-              <a:latin typeface="Century Gothic" panose="020B0502020202020204" pitchFamily="34" charset="0"/>
-            </a:endParaRPr>
-          </a:p>
-        </p:txBody>
-      </p:sp>
-      <p:sp>
-        <p:nvSpPr>
-          <p:cNvPr id="10" name="ZoneTexte 9">
-            <a:extLst>
-              <a:ext uri="{FF2B5EF4-FFF2-40B4-BE49-F238E27FC236}">
-                <a16:creationId xmlns:a16="http://schemas.microsoft.com/office/drawing/2014/main" id="{FDE5281D-5F97-8589-7DFF-D280043A56A5}"/>
-              </a:ext>
-            </a:extLst>
-          </p:cNvPr>
-          <p:cNvSpPr txBox="1"/>
-          <p:nvPr/>
-        </p:nvSpPr>
-        <p:spPr>
-          <a:xfrm>
-            <a:off x="4490484" y="4922580"/>
-            <a:ext cx="1814920" cy="400110"/>
-          </a:xfrm>
-          <a:prstGeom prst="rect">
-            <a:avLst/>
-          </a:prstGeom>
-          <a:noFill/>
-        </p:spPr>
-        <p:txBody>
-          <a:bodyPr wrap="none" rtlCol="0">
-            <a:spAutoFit/>
-          </a:bodyPr>
-          <a:lstStyle/>
-          <a:p>
-            <a:r>
-              <a:rPr lang="fr-FR" sz="2000" dirty="0" err="1">
-                <a:latin typeface="Century Gothic" panose="020B0502020202020204" pitchFamily="34" charset="0"/>
-              </a:rPr>
-              <a:t>Some</a:t>
-            </a:r>
-            <a:r>
-              <a:rPr lang="fr-FR" sz="2000" dirty="0">
-                <a:latin typeface="Century Gothic" panose="020B0502020202020204" pitchFamily="34" charset="0"/>
-              </a:rPr>
-              <a:t> graphs</a:t>
-            </a:r>
-          </a:p>
-        </p:txBody>
-      </p:sp>
     </p:spTree>
     <p:extLst>
       <p:ext uri="{BB962C8B-B14F-4D97-AF65-F5344CB8AC3E}">
-        <p14:creationId xmlns:p14="http://schemas.microsoft.com/office/powerpoint/2010/main" val="4207212014"/>
+        <p14:creationId xmlns:p14="http://schemas.microsoft.com/office/powerpoint/2010/main" val="3472526266"/>
       </p:ext>
     </p:extLst>
   </p:cSld>
@@ -6189,22 +6420,13 @@
           <a:p>
             <a:pPr algn="l"/>
             <a:r>
-              <a:rPr lang="en-US" sz="3600" b="1" dirty="0">
+              <a:rPr lang="en-US" sz="3600" b="1" kern="1200" dirty="0">
                 <a:solidFill>
                   <a:srgbClr val="FFFFFF"/>
                 </a:solidFill>
                 <a:latin typeface="Century Gothic" panose="020B0502020202090204" pitchFamily="34" charset="0"/>
               </a:rPr>
-              <a:t>The project</a:t>
-            </a:r>
-            <a:r>
-              <a:rPr lang="en-US" sz="3600" b="1" kern="1200" dirty="0">
-                <a:solidFill>
-                  <a:srgbClr val="FFFFFF"/>
-                </a:solidFill>
-                <a:latin typeface="Century Gothic" panose="020B0502020202090204" pitchFamily="34" charset="0"/>
-              </a:rPr>
-              <a:t>:</a:t>
+              <a:t>Modeling:</a:t>
             </a:r>
           </a:p>
         </p:txBody>
@@ -6225,7 +6447,7 @@
         </p:nvSpPr>
         <p:spPr>
           <a:xfrm>
-            <a:off x="5430956" y="1021302"/>
+            <a:off x="5315546" y="1816257"/>
             <a:ext cx="6569685" cy="950716"/>
           </a:xfrm>
           <a:prstGeom prst="rect">
@@ -6402,30 +6624,18 @@
           </a:lstStyle>
           <a:p>
             <a:pPr algn="l"/>
-            <a:r>
-              <a:rPr lang="en-US" sz="3200" dirty="0">
-                <a:latin typeface="Century Gothic" panose="020B0502020202090204" pitchFamily="34" charset="0"/>
-              </a:rPr>
-              <a:t>How does it fit in the context</a:t>
-            </a:r>
-          </a:p>
-          <a:p>
-            <a:pPr algn="l"/>
-            <a:r>
-              <a:rPr lang="en-US" sz="3200" dirty="0">
-                <a:latin typeface="Century Gothic" panose="020B0502020202090204" pitchFamily="34" charset="0"/>
-              </a:rPr>
-              <a:t>of our study?</a:t>
-            </a:r>
+            <a:endParaRPr lang="en-US" sz="3200" dirty="0">
+              <a:latin typeface="Century Gothic" panose="020B0502020202090204" pitchFamily="34" charset="0"/>
+            </a:endParaRPr>
           </a:p>
         </p:txBody>
       </p:sp>
       <p:sp>
         <p:nvSpPr>
-          <p:cNvPr id="5" name="TextBox 4">
-            <a:extLst>
-              <a:ext uri="{FF2B5EF4-FFF2-40B4-BE49-F238E27FC236}">
-                <a16:creationId xmlns:a16="http://schemas.microsoft.com/office/drawing/2014/main" id="{DFA182A9-3FC6-499E-A3DB-FD7A612BAAAD}"/>
+          <p:cNvPr id="8" name="ZoneTexte 7">
+            <a:extLst>
+              <a:ext uri="{FF2B5EF4-FFF2-40B4-BE49-F238E27FC236}">
+                <a16:creationId xmlns:a16="http://schemas.microsoft.com/office/drawing/2014/main" id="{F5CC9960-23F4-3569-8111-28A48756EC4E}"/>
               </a:ext>
             </a:extLst>
           </p:cNvPr>
@@ -6434,8 +6644,8 @@
         </p:nvSpPr>
         <p:spPr>
           <a:xfrm>
-            <a:off x="7959020" y="3702622"/>
-            <a:ext cx="3907278" cy="646331"/>
+            <a:off x="4923386" y="863600"/>
+            <a:ext cx="5445257" cy="400110"/>
           </a:xfrm>
           <a:prstGeom prst="rect">
             <a:avLst/>
@@ -6449,157 +6659,108 @@
           <a:lstStyle/>
           <a:p>
             <a:r>
-              <a:rPr lang="en-US" dirty="0">
-                <a:latin typeface="Century Gothic" panose="020B0502020202090204" pitchFamily="34" charset="0"/>
+              <a:rPr lang="fr-FR" sz="2000" dirty="0" err="1">
+                <a:latin typeface="Century Gothic" panose="020B0502020202020204" pitchFamily="34" charset="0"/>
               </a:rPr>
-              <a:t>Use of models seen in machine learning class with a problematic </a:t>
+              <a:t>Results</a:t>
+            </a:r>
+            <a:r>
+              <a:rPr lang="fr-FR" sz="2000" dirty="0">
+                <a:latin typeface="Century Gothic" panose="020B0502020202020204" pitchFamily="34" charset="0"/>
+              </a:rPr>
+              <a:t> </a:t>
+            </a:r>
+            <a:r>
+              <a:rPr lang="fr-FR" sz="2000" dirty="0" err="1">
+                <a:latin typeface="Century Gothic" panose="020B0502020202020204" pitchFamily="34" charset="0"/>
+              </a:rPr>
+              <a:t>with</a:t>
+            </a:r>
+            <a:r>
+              <a:rPr lang="fr-FR" sz="2000" dirty="0">
+                <a:latin typeface="Century Gothic" panose="020B0502020202020204" pitchFamily="34" charset="0"/>
+              </a:rPr>
+              <a:t> </a:t>
+            </a:r>
+            <a:r>
+              <a:rPr lang="fr-FR" sz="2000" dirty="0" err="1">
+                <a:latin typeface="Century Gothic" panose="020B0502020202020204" pitchFamily="34" charset="0"/>
+              </a:rPr>
+              <a:t>Random</a:t>
+            </a:r>
+            <a:r>
+              <a:rPr lang="fr-FR" sz="2000" dirty="0">
+                <a:latin typeface="Century Gothic" panose="020B0502020202020204" pitchFamily="34" charset="0"/>
+              </a:rPr>
+              <a:t> Forest Classification</a:t>
             </a:r>
           </a:p>
         </p:txBody>
       </p:sp>
-      <p:sp>
-        <p:nvSpPr>
-          <p:cNvPr id="3" name="TextBox 2">
-            <a:extLst>
-              <a:ext uri="{FF2B5EF4-FFF2-40B4-BE49-F238E27FC236}">
-                <a16:creationId xmlns:a16="http://schemas.microsoft.com/office/drawing/2014/main" id="{C4D085F4-E879-46B2-B603-DC6BA33B1844}"/>
-              </a:ext>
-            </a:extLst>
-          </p:cNvPr>
-          <p:cNvSpPr txBox="1"/>
+      <p:pic>
+        <p:nvPicPr>
+          <p:cNvPr id="5" name="Image 4">
+            <a:extLst>
+              <a:ext uri="{FF2B5EF4-FFF2-40B4-BE49-F238E27FC236}">
+                <a16:creationId xmlns:a16="http://schemas.microsoft.com/office/drawing/2014/main" id="{869D7681-012C-92AE-774C-45EFCEA6A694}"/>
+              </a:ext>
+            </a:extLst>
+          </p:cNvPr>
+          <p:cNvPicPr>
+            <a:picLocks noChangeAspect="1"/>
+          </p:cNvPicPr>
           <p:nvPr/>
-        </p:nvSpPr>
+        </p:nvPicPr>
+        <p:blipFill>
+          <a:blip r:embed="rId2"/>
+          <a:stretch>
+            <a:fillRect/>
+          </a:stretch>
+        </p:blipFill>
         <p:spPr>
           <a:xfrm>
-            <a:off x="4612690" y="2832212"/>
-            <a:ext cx="5299969" cy="646331"/>
+            <a:off x="8791309" y="1816257"/>
+            <a:ext cx="2918845" cy="4227092"/>
           </a:xfrm>
           <a:prstGeom prst="rect">
             <a:avLst/>
           </a:prstGeom>
-          <a:noFill/>
         </p:spPr>
-        <p:txBody>
-          <a:bodyPr wrap="square" rtlCol="0">
-            <a:spAutoFit/>
-          </a:bodyPr>
-          <a:lstStyle/>
-          <a:p>
-            <a:r>
-              <a:rPr lang="en-US" dirty="0">
-                <a:latin typeface="Century Gothic" panose="020B0502020202090204" pitchFamily="34" charset="0"/>
-              </a:rPr>
-              <a:t>Resume of all libraries use </a:t>
-            </a:r>
-          </a:p>
-          <a:p>
-            <a:r>
-              <a:rPr lang="en-US" dirty="0">
-                <a:latin typeface="Century Gothic" panose="020B0502020202090204" pitchFamily="34" charset="0"/>
-              </a:rPr>
-              <a:t>In python during the semester </a:t>
-            </a:r>
-            <a:r>
-              <a:rPr lang="fr-FR" dirty="0"/>
-              <a:t> </a:t>
-            </a:r>
-          </a:p>
-        </p:txBody>
-      </p:sp>
-      <p:sp>
-        <p:nvSpPr>
-          <p:cNvPr id="7" name="TextBox 6">
-            <a:extLst>
-              <a:ext uri="{FF2B5EF4-FFF2-40B4-BE49-F238E27FC236}">
-                <a16:creationId xmlns:a16="http://schemas.microsoft.com/office/drawing/2014/main" id="{1F039747-FC36-4984-B851-48EF4EB007A4}"/>
-              </a:ext>
-            </a:extLst>
-          </p:cNvPr>
-          <p:cNvSpPr txBox="1"/>
+      </p:pic>
+      <p:pic>
+        <p:nvPicPr>
+          <p:cNvPr id="7" name="Image 6">
+            <a:extLst>
+              <a:ext uri="{FF2B5EF4-FFF2-40B4-BE49-F238E27FC236}">
+                <a16:creationId xmlns:a16="http://schemas.microsoft.com/office/drawing/2014/main" id="{4779DDFE-4545-0862-F5BC-271DEC4A281A}"/>
+              </a:ext>
+            </a:extLst>
+          </p:cNvPr>
+          <p:cNvPicPr>
+            <a:picLocks noChangeAspect="1"/>
+          </p:cNvPicPr>
           <p:nvPr/>
-        </p:nvSpPr>
+        </p:nvPicPr>
+        <p:blipFill>
+          <a:blip r:embed="rId3"/>
+          <a:stretch>
+            <a:fillRect/>
+          </a:stretch>
+        </p:blipFill>
         <p:spPr>
           <a:xfrm>
-            <a:off x="4021585" y="4654785"/>
-            <a:ext cx="5299969" cy="646331"/>
+            <a:off x="5008778" y="2203723"/>
+            <a:ext cx="2377646" cy="3452159"/>
           </a:xfrm>
           <a:prstGeom prst="rect">
             <a:avLst/>
           </a:prstGeom>
-          <a:noFill/>
         </p:spPr>
-        <p:txBody>
-          <a:bodyPr wrap="square" rtlCol="0">
-            <a:spAutoFit/>
-          </a:bodyPr>
-          <a:lstStyle/>
-          <a:p>
-            <a:r>
-              <a:rPr lang="en-US" dirty="0">
-                <a:latin typeface="Century Gothic" panose="020B0502020202090204" pitchFamily="34" charset="0"/>
-              </a:rPr>
-              <a:t>Observation of concept discovered</a:t>
-            </a:r>
-          </a:p>
-          <a:p>
-            <a:r>
-              <a:rPr lang="en-US" dirty="0">
-                <a:latin typeface="Century Gothic" panose="020B0502020202090204" pitchFamily="34" charset="0"/>
-              </a:rPr>
-              <a:t>During soft skills sessions</a:t>
-            </a:r>
-          </a:p>
-        </p:txBody>
-      </p:sp>
-      <p:sp>
-        <p:nvSpPr>
-          <p:cNvPr id="10" name="TextBox 9">
-            <a:extLst>
-              <a:ext uri="{FF2B5EF4-FFF2-40B4-BE49-F238E27FC236}">
-                <a16:creationId xmlns:a16="http://schemas.microsoft.com/office/drawing/2014/main" id="{AE169347-5B4C-4D64-BA0A-242963DE92DF}"/>
-              </a:ext>
-            </a:extLst>
-          </p:cNvPr>
-          <p:cNvSpPr txBox="1"/>
-          <p:nvPr/>
-        </p:nvSpPr>
-        <p:spPr>
-          <a:xfrm>
-            <a:off x="8079420" y="5433227"/>
-            <a:ext cx="3666478" cy="646331"/>
-          </a:xfrm>
-          <a:prstGeom prst="rect">
-            <a:avLst/>
-          </a:prstGeom>
-          <a:noFill/>
-        </p:spPr>
-        <p:txBody>
-          <a:bodyPr wrap="square" rtlCol="0">
-            <a:spAutoFit/>
-          </a:bodyPr>
-          <a:lstStyle/>
-          <a:p>
-            <a:r>
-              <a:rPr lang="en-US" dirty="0">
-                <a:latin typeface="Century Gothic" panose="020B0502020202090204" pitchFamily="34" charset="0"/>
-              </a:rPr>
-              <a:t>A subject that could fit with </a:t>
-            </a:r>
-          </a:p>
-          <a:p>
-            <a:r>
-              <a:rPr lang="en-US" dirty="0">
-                <a:latin typeface="Century Gothic" panose="020B0502020202090204" pitchFamily="34" charset="0"/>
-              </a:rPr>
-              <a:t>Problems of the medical sector</a:t>
-            </a:r>
-          </a:p>
-        </p:txBody>
-      </p:sp>
+      </p:pic>
     </p:spTree>
     <p:extLst>
       <p:ext uri="{BB962C8B-B14F-4D97-AF65-F5344CB8AC3E}">
-        <p14:creationId xmlns:p14="http://schemas.microsoft.com/office/powerpoint/2010/main" val="1307230348"/>
+        <p14:creationId xmlns:p14="http://schemas.microsoft.com/office/powerpoint/2010/main" val="7034221"/>
       </p:ext>
     </p:extLst>
   </p:cSld>
@@ -7067,7 +7228,7 @@
                 </a:solidFill>
                 <a:latin typeface="Century Gothic" panose="020B0502020202090204" pitchFamily="34" charset="0"/>
               </a:rPr>
-              <a:t>Conclusions:</a:t>
+              <a:t>Modeling:</a:t>
             </a:r>
           </a:p>
         </p:txBody>
@@ -7088,7 +7249,7 @@
         </p:nvSpPr>
         <p:spPr>
           <a:xfrm>
-            <a:off x="5430956" y="1021302"/>
+            <a:off x="5315546" y="1816257"/>
             <a:ext cx="6569685" cy="950716"/>
           </a:xfrm>
           <a:prstGeom prst="rect">
@@ -7265,30 +7426,18 @@
           </a:lstStyle>
           <a:p>
             <a:pPr algn="l"/>
-            <a:r>
-              <a:rPr lang="en-US" sz="3200" dirty="0">
-                <a:latin typeface="Century Gothic" panose="020B0502020202090204" pitchFamily="34" charset="0"/>
-              </a:rPr>
-              <a:t>Which lessons can we </a:t>
-            </a:r>
-          </a:p>
-          <a:p>
-            <a:pPr algn="l"/>
-            <a:r>
-              <a:rPr lang="en-US" sz="3200" dirty="0">
-                <a:latin typeface="Century Gothic" panose="020B0502020202090204" pitchFamily="34" charset="0"/>
-              </a:rPr>
-              <a:t>Bring back from this study?</a:t>
-            </a:r>
+            <a:endParaRPr lang="en-US" sz="3200" dirty="0">
+              <a:latin typeface="Century Gothic" panose="020B0502020202090204" pitchFamily="34" charset="0"/>
+            </a:endParaRPr>
           </a:p>
         </p:txBody>
       </p:sp>
       <p:sp>
         <p:nvSpPr>
-          <p:cNvPr id="3" name="ZoneTexte 2">
-            <a:extLst>
-              <a:ext uri="{FF2B5EF4-FFF2-40B4-BE49-F238E27FC236}">
-                <a16:creationId xmlns:a16="http://schemas.microsoft.com/office/drawing/2014/main" id="{8F5FFC48-2140-0F72-4588-08A46FDDF557}"/>
+          <p:cNvPr id="8" name="ZoneTexte 7">
+            <a:extLst>
+              <a:ext uri="{FF2B5EF4-FFF2-40B4-BE49-F238E27FC236}">
+                <a16:creationId xmlns:a16="http://schemas.microsoft.com/office/drawing/2014/main" id="{F5CC9960-23F4-3569-8111-28A48756EC4E}"/>
               </a:ext>
             </a:extLst>
           </p:cNvPr>
@@ -7297,8 +7446,8 @@
         </p:nvSpPr>
         <p:spPr>
           <a:xfrm>
-            <a:off x="4962247" y="4282859"/>
-            <a:ext cx="6569686" cy="1323439"/>
+            <a:off x="4923386" y="863600"/>
+            <a:ext cx="4792114" cy="400110"/>
           </a:xfrm>
           <a:prstGeom prst="rect">
             <a:avLst/>
@@ -7311,35 +7460,51 @@
           </a:bodyPr>
           <a:lstStyle/>
           <a:p>
-            <a:endParaRPr lang="en-US" sz="2000" dirty="0">
-              <a:latin typeface="Century Gothic" panose="020B0502020202020204" pitchFamily="34" charset="0"/>
-            </a:endParaRPr>
-          </a:p>
-          <a:p>
             <a:r>
-              <a:rPr lang="en-US" sz="2000" dirty="0" err="1">
+              <a:rPr lang="fr-FR" sz="2000" dirty="0" err="1">
+                <a:latin typeface="Century Gothic" panose="020B0502020202020204" pitchFamily="34" charset="0"/>
+              </a:rPr>
+              <a:t>Results</a:t>
+            </a:r>
+            <a:r>
+              <a:rPr lang="fr-FR" sz="2000" dirty="0">
+                <a:latin typeface="Century Gothic" panose="020B0502020202020204" pitchFamily="34" charset="0"/>
+              </a:rPr>
+              <a:t> </a:t>
+            </a:r>
+            <a:r>
+              <a:rPr lang="fr-FR" sz="2000" dirty="0" err="1">
+                <a:latin typeface="Century Gothic" panose="020B0502020202020204" pitchFamily="34" charset="0"/>
+              </a:rPr>
+              <a:t>with</a:t>
+            </a:r>
+            <a:r>
+              <a:rPr lang="fr-FR" sz="2000" dirty="0">
+                <a:latin typeface="Century Gothic" panose="020B0502020202020204" pitchFamily="34" charset="0"/>
+              </a:rPr>
+              <a:t> </a:t>
+            </a:r>
+            <a:r>
+              <a:rPr lang="fr-FR" sz="2000" dirty="0" err="1">
                 <a:latin typeface="Century Gothic" panose="020B0502020202020204" pitchFamily="34" charset="0"/>
               </a:rPr>
               <a:t>XGBoost</a:t>
             </a:r>
             <a:r>
-              <a:rPr lang="en-US" sz="2000" dirty="0">
+              <a:rPr lang="fr-FR" sz="2000" dirty="0">
                 <a:latin typeface="Century Gothic" panose="020B0502020202020204" pitchFamily="34" charset="0"/>
               </a:rPr>
-              <a:t> allows us to predict the readmission of a patient depending on the drugs, age and admission with an accuracy of 94,9%.</a:t>
+              <a:t> Classification</a:t>
             </a:r>
-            <a:endParaRPr lang="fr-FR" sz="2000" dirty="0">
-              <a:latin typeface="Century Gothic" panose="020B0502020202020204" pitchFamily="34" charset="0"/>
-            </a:endParaRPr>
           </a:p>
         </p:txBody>
       </p:sp>
       <p:pic>
         <p:nvPicPr>
-          <p:cNvPr id="6" name="Image 5">
-            <a:extLst>
-              <a:ext uri="{FF2B5EF4-FFF2-40B4-BE49-F238E27FC236}">
-                <a16:creationId xmlns:a16="http://schemas.microsoft.com/office/drawing/2014/main" id="{D447B475-CD72-5854-682C-B1C26DB21846}"/>
+          <p:cNvPr id="5" name="Image 4">
+            <a:extLst>
+              <a:ext uri="{FF2B5EF4-FFF2-40B4-BE49-F238E27FC236}">
+                <a16:creationId xmlns:a16="http://schemas.microsoft.com/office/drawing/2014/main" id="{4AFEF010-7AB2-026D-2F43-7662E7FE35B6}"/>
               </a:ext>
             </a:extLst>
           </p:cNvPr>
@@ -7348,15 +7513,46 @@
           </p:cNvPicPr>
           <p:nvPr/>
         </p:nvPicPr>
-        <p:blipFill rotWithShape="1">
+        <p:blipFill>
           <a:blip r:embed="rId2"/>
-          <a:srcRect l="7722"/>
-          <a:stretch/>
+          <a:stretch>
+            <a:fillRect/>
+          </a:stretch>
         </p:blipFill>
         <p:spPr>
           <a:xfrm>
-            <a:off x="4008756" y="2648908"/>
-            <a:ext cx="8064093" cy="1384899"/>
+            <a:off x="8456820" y="1972018"/>
+            <a:ext cx="3212893" cy="4515586"/>
+          </a:xfrm>
+          <a:prstGeom prst="rect">
+            <a:avLst/>
+          </a:prstGeom>
+        </p:spPr>
+      </p:pic>
+      <p:pic>
+        <p:nvPicPr>
+          <p:cNvPr id="7" name="Image 6">
+            <a:extLst>
+              <a:ext uri="{FF2B5EF4-FFF2-40B4-BE49-F238E27FC236}">
+                <a16:creationId xmlns:a16="http://schemas.microsoft.com/office/drawing/2014/main" id="{DF7106F1-A0B6-6A9A-0613-9EF08EAC51F6}"/>
+              </a:ext>
+            </a:extLst>
+          </p:cNvPr>
+          <p:cNvPicPr>
+            <a:picLocks noChangeAspect="1"/>
+          </p:cNvPicPr>
+          <p:nvPr/>
+        </p:nvPicPr>
+        <p:blipFill>
+          <a:blip r:embed="rId3"/>
+          <a:stretch>
+            <a:fillRect/>
+          </a:stretch>
+        </p:blipFill>
+        <p:spPr>
+          <a:xfrm>
+            <a:off x="4977166" y="2291615"/>
+            <a:ext cx="2522439" cy="3467400"/>
           </a:xfrm>
           <a:prstGeom prst="rect">
             <a:avLst/>
@@ -7366,7 +7562,7 @@
     </p:spTree>
     <p:extLst>
       <p:ext uri="{BB962C8B-B14F-4D97-AF65-F5344CB8AC3E}">
-        <p14:creationId xmlns:p14="http://schemas.microsoft.com/office/powerpoint/2010/main" val="1860417989"/>
+        <p14:creationId xmlns:p14="http://schemas.microsoft.com/office/powerpoint/2010/main" val="2834950294"/>
       </p:ext>
     </p:extLst>
   </p:cSld>
@@ -7376,7 +7572,7 @@
 </p:sld>
 </file>
 
-<file path=ppt/slides/slide2.xml><?xml version="1.0" encoding="utf-8"?>
+<file path=ppt/slides/slide14.xml><?xml version="1.0" encoding="utf-8"?>
 <p:sld xmlns:a="http://schemas.openxmlformats.org/drawingml/2006/main" xmlns:r="http://schemas.openxmlformats.org/officeDocument/2006/relationships" xmlns:p="http://schemas.openxmlformats.org/presentationml/2006/main">
   <p:cSld>
     <p:bg>
@@ -7816,8 +8012,8 @@
         </p:nvSpPr>
         <p:spPr>
           <a:xfrm>
-            <a:off x="306769" y="2291615"/>
-            <a:ext cx="3618690" cy="670741"/>
+            <a:off x="191359" y="1972018"/>
+            <a:ext cx="3626039" cy="1010878"/>
           </a:xfrm>
         </p:spPr>
         <p:txBody>
@@ -7828,20 +8024,14 @@
           <a:p>
             <a:pPr algn="l"/>
             <a:r>
-              <a:rPr lang="en-US" sz="3600" b="1" dirty="0">
+              <a:rPr lang="en-US" sz="3600" b="1" kern="1200" dirty="0">
                 <a:solidFill>
                   <a:srgbClr val="FFFFFF"/>
                 </a:solidFill>
                 <a:latin typeface="Century Gothic" panose="020B0502020202090204" pitchFamily="34" charset="0"/>
               </a:rPr>
-              <a:t>Problematic:</a:t>
+              <a:t>Modeling:</a:t>
             </a:r>
-            <a:endParaRPr lang="en-US" sz="3600" b="1" kern="1200" dirty="0">
-              <a:solidFill>
-                <a:srgbClr val="FFFFFF"/>
-              </a:solidFill>
-              <a:latin typeface="Century Gothic" panose="020B0502020202090204" pitchFamily="34" charset="0"/>
-            </a:endParaRPr>
           </a:p>
         </p:txBody>
       </p:sp>
@@ -8038,21 +8228,18 @@
           </a:lstStyle>
           <a:p>
             <a:pPr algn="l"/>
-            <a:r>
-              <a:rPr lang="en-US" sz="3200" dirty="0">
-                <a:latin typeface="Century Gothic" panose="020B0502020202090204" pitchFamily="34" charset="0"/>
-              </a:rPr>
-              <a:t>How to predict the readmission of diabetic patients</a:t>
-            </a:r>
+            <a:endParaRPr lang="en-US" sz="3200" dirty="0">
+              <a:latin typeface="Century Gothic" panose="020B0502020202090204" pitchFamily="34" charset="0"/>
+            </a:endParaRPr>
           </a:p>
         </p:txBody>
       </p:sp>
       <p:sp>
         <p:nvSpPr>
-          <p:cNvPr id="5" name="TextBox 4">
-            <a:extLst>
-              <a:ext uri="{FF2B5EF4-FFF2-40B4-BE49-F238E27FC236}">
-                <a16:creationId xmlns:a16="http://schemas.microsoft.com/office/drawing/2014/main" id="{DFA182A9-3FC6-499E-A3DB-FD7A612BAAAD}"/>
+          <p:cNvPr id="8" name="ZoneTexte 7">
+            <a:extLst>
+              <a:ext uri="{FF2B5EF4-FFF2-40B4-BE49-F238E27FC236}">
+                <a16:creationId xmlns:a16="http://schemas.microsoft.com/office/drawing/2014/main" id="{F5CC9960-23F4-3569-8111-28A48756EC4E}"/>
               </a:ext>
             </a:extLst>
           </p:cNvPr>
@@ -8061,8 +8248,8 @@
         </p:nvSpPr>
         <p:spPr>
           <a:xfrm>
-            <a:off x="5770486" y="4550273"/>
-            <a:ext cx="2648254" cy="369332"/>
+            <a:off x="4923386" y="863600"/>
+            <a:ext cx="5445257" cy="400110"/>
           </a:xfrm>
           <a:prstGeom prst="rect">
             <a:avLst/>
@@ -8076,96 +8263,120 @@
           <a:lstStyle/>
           <a:p>
             <a:r>
-              <a:rPr lang="en-US" dirty="0">
-                <a:latin typeface="Century Gothic" panose="020B0502020202090204" pitchFamily="34" charset="0"/>
+              <a:rPr lang="fr-FR" sz="2000" dirty="0" err="1">
+                <a:latin typeface="Century Gothic" panose="020B0502020202020204" pitchFamily="34" charset="0"/>
               </a:rPr>
-              <a:t>Libraries used:</a:t>
+              <a:t>Results</a:t>
+            </a:r>
+            <a:r>
+              <a:rPr lang="fr-FR" sz="2000" dirty="0">
+                <a:latin typeface="Century Gothic" panose="020B0502020202020204" pitchFamily="34" charset="0"/>
+              </a:rPr>
+              <a:t> </a:t>
+            </a:r>
+            <a:r>
+              <a:rPr lang="fr-FR" sz="2000" dirty="0" err="1">
+                <a:latin typeface="Century Gothic" panose="020B0502020202020204" pitchFamily="34" charset="0"/>
+              </a:rPr>
+              <a:t>with</a:t>
+            </a:r>
+            <a:r>
+              <a:rPr lang="fr-FR" sz="2000" dirty="0">
+                <a:latin typeface="Century Gothic" panose="020B0502020202020204" pitchFamily="34" charset="0"/>
+              </a:rPr>
+              <a:t> </a:t>
+            </a:r>
+            <a:r>
+              <a:rPr lang="fr-FR" sz="2000" dirty="0" err="1">
+                <a:latin typeface="Century Gothic" panose="020B0502020202020204" pitchFamily="34" charset="0"/>
+              </a:rPr>
+              <a:t>Decision</a:t>
+            </a:r>
+            <a:r>
+              <a:rPr lang="fr-FR" sz="2000" dirty="0">
+                <a:latin typeface="Century Gothic" panose="020B0502020202020204" pitchFamily="34" charset="0"/>
+              </a:rPr>
+              <a:t> </a:t>
+            </a:r>
+            <a:r>
+              <a:rPr lang="fr-FR" sz="2000" dirty="0" err="1">
+                <a:latin typeface="Century Gothic" panose="020B0502020202020204" pitchFamily="34" charset="0"/>
+              </a:rPr>
+              <a:t>Tree</a:t>
+            </a:r>
+            <a:r>
+              <a:rPr lang="fr-FR" sz="2000" dirty="0">
+                <a:latin typeface="Century Gothic" panose="020B0502020202020204" pitchFamily="34" charset="0"/>
+              </a:rPr>
+              <a:t> Classification</a:t>
             </a:r>
           </a:p>
         </p:txBody>
       </p:sp>
-      <p:sp>
-        <p:nvSpPr>
-          <p:cNvPr id="6" name="TextBox 5">
-            <a:extLst>
-              <a:ext uri="{FF2B5EF4-FFF2-40B4-BE49-F238E27FC236}">
-                <a16:creationId xmlns:a16="http://schemas.microsoft.com/office/drawing/2014/main" id="{1FF5150C-E5C8-485A-B604-F2F4D74EEFE5}"/>
-              </a:ext>
-            </a:extLst>
-          </p:cNvPr>
-          <p:cNvSpPr txBox="1"/>
+      <p:pic>
+        <p:nvPicPr>
+          <p:cNvPr id="5" name="Image 4">
+            <a:extLst>
+              <a:ext uri="{FF2B5EF4-FFF2-40B4-BE49-F238E27FC236}">
+                <a16:creationId xmlns:a16="http://schemas.microsoft.com/office/drawing/2014/main" id="{3551BBB7-D836-F93A-A420-BFCF5CD5C79B}"/>
+              </a:ext>
+            </a:extLst>
+          </p:cNvPr>
+          <p:cNvPicPr>
+            <a:picLocks noChangeAspect="1"/>
+          </p:cNvPicPr>
           <p:nvPr/>
-        </p:nvSpPr>
+        </p:nvPicPr>
+        <p:blipFill>
+          <a:blip r:embed="rId2"/>
+          <a:stretch>
+            <a:fillRect/>
+          </a:stretch>
+        </p:blipFill>
         <p:spPr>
           <a:xfrm>
-            <a:off x="8300620" y="4583230"/>
-            <a:ext cx="2459115" cy="1477328"/>
+            <a:off x="8380804" y="1816257"/>
+            <a:ext cx="3208350" cy="4610425"/>
           </a:xfrm>
           <a:prstGeom prst="rect">
             <a:avLst/>
           </a:prstGeom>
-          <a:noFill/>
         </p:spPr>
-        <p:txBody>
-          <a:bodyPr wrap="square" rtlCol="0">
-            <a:spAutoFit/>
-          </a:bodyPr>
-          <a:lstStyle/>
-          <a:p>
-            <a:r>
-              <a:rPr lang="en-US" dirty="0">
-                <a:latin typeface="Century Gothic" panose="020B0502020202090204" pitchFamily="34" charset="0"/>
-              </a:rPr>
-              <a:t>-</a:t>
-            </a:r>
-            <a:r>
-              <a:rPr lang="en-US" dirty="0" err="1">
-                <a:latin typeface="Century Gothic" panose="020B0502020202090204" pitchFamily="34" charset="0"/>
-              </a:rPr>
-              <a:t>Numpy</a:t>
-            </a:r>
-            <a:endParaRPr lang="en-US" dirty="0">
-              <a:latin typeface="Century Gothic" panose="020B0502020202090204" pitchFamily="34" charset="0"/>
-            </a:endParaRPr>
-          </a:p>
-          <a:p>
-            <a:r>
-              <a:rPr lang="en-US" dirty="0">
-                <a:latin typeface="Century Gothic" panose="020B0502020202090204" pitchFamily="34" charset="0"/>
-              </a:rPr>
-              <a:t>-Pandas</a:t>
-            </a:r>
-          </a:p>
-          <a:p>
-            <a:r>
-              <a:rPr lang="en-US" dirty="0">
-                <a:latin typeface="Century Gothic" panose="020B0502020202090204" pitchFamily="34" charset="0"/>
-              </a:rPr>
-              <a:t>-Matplotlib</a:t>
-            </a:r>
-          </a:p>
-          <a:p>
-            <a:r>
-              <a:rPr lang="en-US" dirty="0">
-                <a:latin typeface="Century Gothic" panose="020B0502020202090204" pitchFamily="34" charset="0"/>
-              </a:rPr>
-              <a:t>-Seaborn</a:t>
-            </a:r>
-          </a:p>
-          <a:p>
-            <a:r>
-              <a:rPr lang="en-US" dirty="0">
-                <a:latin typeface="Century Gothic" panose="020B0502020202090204" pitchFamily="34" charset="0"/>
-              </a:rPr>
-              <a:t>-Scikit-learn</a:t>
-            </a:r>
-          </a:p>
-        </p:txBody>
-      </p:sp>
+      </p:pic>
+      <p:pic>
+        <p:nvPicPr>
+          <p:cNvPr id="7" name="Image 6">
+            <a:extLst>
+              <a:ext uri="{FF2B5EF4-FFF2-40B4-BE49-F238E27FC236}">
+                <a16:creationId xmlns:a16="http://schemas.microsoft.com/office/drawing/2014/main" id="{B7039964-8576-E97D-9FD4-179D265DC66A}"/>
+              </a:ext>
+            </a:extLst>
+          </p:cNvPr>
+          <p:cNvPicPr>
+            <a:picLocks noChangeAspect="1"/>
+          </p:cNvPicPr>
+          <p:nvPr/>
+        </p:nvPicPr>
+        <p:blipFill>
+          <a:blip r:embed="rId3"/>
+          <a:stretch>
+            <a:fillRect/>
+          </a:stretch>
+        </p:blipFill>
+        <p:spPr>
+          <a:xfrm>
+            <a:off x="4994634" y="2127310"/>
+            <a:ext cx="2491956" cy="3452159"/>
+          </a:xfrm>
+          <a:prstGeom prst="rect">
+            <a:avLst/>
+          </a:prstGeom>
+        </p:spPr>
+      </p:pic>
     </p:spTree>
     <p:extLst>
       <p:ext uri="{BB962C8B-B14F-4D97-AF65-F5344CB8AC3E}">
-        <p14:creationId xmlns:p14="http://schemas.microsoft.com/office/powerpoint/2010/main" val="51902928"/>
+        <p14:creationId xmlns:p14="http://schemas.microsoft.com/office/powerpoint/2010/main" val="1571191830"/>
       </p:ext>
     </p:extLst>
   </p:cSld>
@@ -8175,7 +8386,7 @@
 </p:sld>
 </file>
 
-<file path=ppt/slides/slide3.xml><?xml version="1.0" encoding="utf-8"?>
+<file path=ppt/slides/slide15.xml><?xml version="1.0" encoding="utf-8"?>
 <p:sld xmlns:a="http://schemas.openxmlformats.org/drawingml/2006/main" xmlns:r="http://schemas.openxmlformats.org/officeDocument/2006/relationships" xmlns:p="http://schemas.openxmlformats.org/presentationml/2006/main">
   <p:cSld>
     <p:bg>
@@ -8615,8 +8826,8 @@
         </p:nvSpPr>
         <p:spPr>
           <a:xfrm>
-            <a:off x="306769" y="2060796"/>
-            <a:ext cx="3555017" cy="1137385"/>
+            <a:off x="191359" y="1972018"/>
+            <a:ext cx="3626039" cy="1010878"/>
           </a:xfrm>
         </p:spPr>
         <p:txBody>
@@ -8627,20 +8838,14 @@
           <a:p>
             <a:pPr algn="l"/>
             <a:r>
-              <a:rPr lang="en-US" sz="3600" b="1" dirty="0">
+              <a:rPr lang="en-US" sz="3600" b="1" kern="1200" dirty="0">
                 <a:solidFill>
                   <a:srgbClr val="FFFFFF"/>
                 </a:solidFill>
                 <a:latin typeface="Century Gothic" panose="020B0502020202090204" pitchFamily="34" charset="0"/>
               </a:rPr>
-              <a:t>Data preprocessing:</a:t>
+              <a:t>Modeling:</a:t>
             </a:r>
-            <a:endParaRPr lang="en-US" sz="3600" b="1" kern="1200" dirty="0">
-              <a:solidFill>
-                <a:srgbClr val="FFFFFF"/>
-              </a:solidFill>
-              <a:latin typeface="Century Gothic" panose="020B0502020202090204" pitchFamily="34" charset="0"/>
-            </a:endParaRPr>
           </a:p>
         </p:txBody>
       </p:sp>
@@ -8845,10 +9050,10 @@
       </p:sp>
       <p:sp>
         <p:nvSpPr>
-          <p:cNvPr id="3" name="TextBox 2">
-            <a:extLst>
-              <a:ext uri="{FF2B5EF4-FFF2-40B4-BE49-F238E27FC236}">
-                <a16:creationId xmlns:a16="http://schemas.microsoft.com/office/drawing/2014/main" id="{EAD47845-7B0F-4589-A4F6-5510F2647AF3}"/>
+          <p:cNvPr id="8" name="ZoneTexte 7">
+            <a:extLst>
+              <a:ext uri="{FF2B5EF4-FFF2-40B4-BE49-F238E27FC236}">
+                <a16:creationId xmlns:a16="http://schemas.microsoft.com/office/drawing/2014/main" id="{F5CC9960-23F4-3569-8111-28A48756EC4E}"/>
               </a:ext>
             </a:extLst>
           </p:cNvPr>
@@ -8857,8 +9062,8 @@
         </p:nvSpPr>
         <p:spPr>
           <a:xfrm>
-            <a:off x="4872111" y="677296"/>
-            <a:ext cx="5513033" cy="461665"/>
+            <a:off x="4923386" y="863600"/>
+            <a:ext cx="3878809" cy="400110"/>
           </a:xfrm>
           <a:prstGeom prst="rect">
             <a:avLst/>
@@ -8872,20 +9077,29 @@
           <a:lstStyle/>
           <a:p>
             <a:r>
-              <a:rPr lang="en-US" sz="2400" dirty="0">
-                <a:latin typeface="Century Gothic" panose="020B0502020202090204" pitchFamily="34" charset="0"/>
+              <a:rPr lang="fr-FR" sz="2000" dirty="0">
+                <a:latin typeface="Century Gothic" panose="020B0502020202020204" pitchFamily="34" charset="0"/>
               </a:rPr>
-              <a:t>Let’s have a look to our data:</a:t>
+              <a:t>Global </a:t>
             </a:r>
+            <a:r>
+              <a:rPr lang="fr-FR" sz="2000" dirty="0" err="1">
+                <a:latin typeface="Century Gothic" panose="020B0502020202020204" pitchFamily="34" charset="0"/>
+              </a:rPr>
+              <a:t>results</a:t>
+            </a:r>
+            <a:endParaRPr lang="fr-FR" sz="2000" dirty="0">
+              <a:latin typeface="Century Gothic" panose="020B0502020202020204" pitchFamily="34" charset="0"/>
+            </a:endParaRPr>
           </a:p>
         </p:txBody>
       </p:sp>
       <p:pic>
         <p:nvPicPr>
-          <p:cNvPr id="6" name="Picture 5">
-            <a:extLst>
-              <a:ext uri="{FF2B5EF4-FFF2-40B4-BE49-F238E27FC236}">
-                <a16:creationId xmlns:a16="http://schemas.microsoft.com/office/drawing/2014/main" id="{39714161-A0A1-4079-96E1-5B976FD229C5}"/>
+          <p:cNvPr id="5" name="Image 4">
+            <a:extLst>
+              <a:ext uri="{FF2B5EF4-FFF2-40B4-BE49-F238E27FC236}">
+                <a16:creationId xmlns:a16="http://schemas.microsoft.com/office/drawing/2014/main" id="{1B5F7456-FC48-D393-609D-DA75E8EDDB5E}"/>
               </a:ext>
             </a:extLst>
           </p:cNvPr>
@@ -8902,8 +9116,8 @@
         </p:blipFill>
         <p:spPr>
           <a:xfrm>
-            <a:off x="4040458" y="3444269"/>
-            <a:ext cx="7844773" cy="1049064"/>
+            <a:off x="522015" y="3429000"/>
+            <a:ext cx="11507197" cy="1386960"/>
           </a:xfrm>
           <a:prstGeom prst="rect">
             <a:avLst/>
@@ -8913,7 +9127,7 @@
     </p:spTree>
     <p:extLst>
       <p:ext uri="{BB962C8B-B14F-4D97-AF65-F5344CB8AC3E}">
-        <p14:creationId xmlns:p14="http://schemas.microsoft.com/office/powerpoint/2010/main" val="829951670"/>
+        <p14:creationId xmlns:p14="http://schemas.microsoft.com/office/powerpoint/2010/main" val="1801074990"/>
       </p:ext>
     </p:extLst>
   </p:cSld>
@@ -8923,7 +9137,7 @@
 </p:sld>
 </file>
 
-<file path=ppt/slides/slide4.xml><?xml version="1.0" encoding="utf-8"?>
+<file path=ppt/slides/slide16.xml><?xml version="1.0" encoding="utf-8"?>
 <p:sld xmlns:a="http://schemas.openxmlformats.org/drawingml/2006/main" xmlns:r="http://schemas.openxmlformats.org/officeDocument/2006/relationships" xmlns:p="http://schemas.openxmlformats.org/presentationml/2006/main">
   <p:cSld>
     <p:bg>
@@ -9363,8 +9577,8 @@
         </p:nvSpPr>
         <p:spPr>
           <a:xfrm>
-            <a:off x="306769" y="2060796"/>
-            <a:ext cx="3555017" cy="1137385"/>
+            <a:off x="191359" y="1972018"/>
+            <a:ext cx="3626039" cy="1010878"/>
           </a:xfrm>
         </p:spPr>
         <p:txBody>
@@ -9375,20 +9589,14 @@
           <a:p>
             <a:pPr algn="l"/>
             <a:r>
-              <a:rPr lang="en-US" sz="3600" b="1" dirty="0">
+              <a:rPr lang="en-US" sz="3600" b="1" kern="1200" dirty="0">
                 <a:solidFill>
                   <a:srgbClr val="FFFFFF"/>
                 </a:solidFill>
                 <a:latin typeface="Century Gothic" panose="020B0502020202090204" pitchFamily="34" charset="0"/>
               </a:rPr>
-              <a:t>Data preprocessing:</a:t>
+              <a:t>Django API:</a:t>
             </a:r>
-            <a:endParaRPr lang="en-US" sz="3600" b="1" kern="1200" dirty="0">
-              <a:solidFill>
-                <a:srgbClr val="FFFFFF"/>
-              </a:solidFill>
-              <a:latin typeface="Century Gothic" panose="020B0502020202090204" pitchFamily="34" charset="0"/>
-            </a:endParaRPr>
           </a:p>
         </p:txBody>
       </p:sp>
@@ -9591,69 +9799,12 @@
           </a:p>
         </p:txBody>
       </p:sp>
-      <p:sp>
-        <p:nvSpPr>
-          <p:cNvPr id="3" name="TextBox 2">
-            <a:extLst>
-              <a:ext uri="{FF2B5EF4-FFF2-40B4-BE49-F238E27FC236}">
-                <a16:creationId xmlns:a16="http://schemas.microsoft.com/office/drawing/2014/main" id="{EAD47845-7B0F-4589-A4F6-5510F2647AF3}"/>
-              </a:ext>
-            </a:extLst>
-          </p:cNvPr>
-          <p:cNvSpPr txBox="1"/>
-          <p:nvPr/>
-        </p:nvSpPr>
-        <p:spPr>
-          <a:xfrm>
-            <a:off x="4872111" y="339944"/>
-            <a:ext cx="6402530" cy="1200329"/>
-          </a:xfrm>
-          <a:prstGeom prst="rect">
-            <a:avLst/>
-          </a:prstGeom>
-          <a:noFill/>
-        </p:spPr>
-        <p:txBody>
-          <a:bodyPr wrap="square" rtlCol="0">
-            <a:spAutoFit/>
-          </a:bodyPr>
-          <a:lstStyle/>
-          <a:p>
-            <a:r>
-              <a:rPr lang="en-US" sz="2400" dirty="0">
-                <a:latin typeface="Century Gothic" panose="020B0502020202090204" pitchFamily="34" charset="0"/>
-              </a:rPr>
-              <a:t>Then we have cleaned up the dataset.</a:t>
-            </a:r>
-          </a:p>
-          <a:p>
-            <a:r>
-              <a:rPr lang="en-US" sz="2400" dirty="0">
-                <a:latin typeface="Century Gothic" panose="020B0502020202090204" pitchFamily="34" charset="0"/>
-              </a:rPr>
-              <a:t>It includes encoding, dropping </a:t>
-            </a:r>
-            <a:r>
-              <a:rPr lang="en-US" sz="2400" dirty="0" err="1">
-                <a:latin typeface="Century Gothic" panose="020B0502020202090204" pitchFamily="34" charset="0"/>
-              </a:rPr>
-              <a:t>NaN</a:t>
-            </a:r>
-            <a:r>
-              <a:rPr lang="en-US" sz="2400" dirty="0">
-                <a:latin typeface="Century Gothic" panose="020B0502020202090204" pitchFamily="34" charset="0"/>
-              </a:rPr>
-              <a:t> and duplicates values.</a:t>
-            </a:r>
-          </a:p>
-        </p:txBody>
-      </p:sp>
       <p:pic>
         <p:nvPicPr>
-          <p:cNvPr id="8" name="Picture 7">
-            <a:extLst>
-              <a:ext uri="{FF2B5EF4-FFF2-40B4-BE49-F238E27FC236}">
-                <a16:creationId xmlns:a16="http://schemas.microsoft.com/office/drawing/2014/main" id="{68A78C1F-828B-4909-8A3A-78BE39CE7544}"/>
+          <p:cNvPr id="5" name="Image 4">
+            <a:extLst>
+              <a:ext uri="{FF2B5EF4-FFF2-40B4-BE49-F238E27FC236}">
+                <a16:creationId xmlns:a16="http://schemas.microsoft.com/office/drawing/2014/main" id="{0AEF9FC5-985B-8BDB-EB02-C44716045DAC}"/>
               </a:ext>
             </a:extLst>
           </p:cNvPr>
@@ -9670,8 +9821,8 @@
         </p:blipFill>
         <p:spPr>
           <a:xfrm>
-            <a:off x="4728100" y="1816257"/>
-            <a:ext cx="2690785" cy="3078830"/>
+            <a:off x="6096000" y="255579"/>
+            <a:ext cx="5789231" cy="3100913"/>
           </a:xfrm>
           <a:prstGeom prst="rect">
             <a:avLst/>
@@ -9680,10 +9831,10 @@
       </p:pic>
       <p:pic>
         <p:nvPicPr>
-          <p:cNvPr id="12" name="Picture 11">
-            <a:extLst>
-              <a:ext uri="{FF2B5EF4-FFF2-40B4-BE49-F238E27FC236}">
-                <a16:creationId xmlns:a16="http://schemas.microsoft.com/office/drawing/2014/main" id="{9FE6ED6A-62C8-44E8-B280-4EE50F8F1D5C}"/>
+          <p:cNvPr id="7" name="Image 6">
+            <a:extLst>
+              <a:ext uri="{FF2B5EF4-FFF2-40B4-BE49-F238E27FC236}">
+                <a16:creationId xmlns:a16="http://schemas.microsoft.com/office/drawing/2014/main" id="{741FD746-CFFD-3E0B-676A-79CF0FB67BAA}"/>
               </a:ext>
             </a:extLst>
           </p:cNvPr>
@@ -9700,48 +9851,107 @@
         </p:blipFill>
         <p:spPr>
           <a:xfrm>
-            <a:off x="9472558" y="1816257"/>
-            <a:ext cx="2412674" cy="2719148"/>
+            <a:off x="6779949" y="3520365"/>
+            <a:ext cx="4421332" cy="3173762"/>
           </a:xfrm>
           <a:prstGeom prst="rect">
             <a:avLst/>
           </a:prstGeom>
         </p:spPr>
       </p:pic>
-      <p:pic>
-        <p:nvPicPr>
-          <p:cNvPr id="10" name="Picture 9">
-            <a:extLst>
-              <a:ext uri="{FF2B5EF4-FFF2-40B4-BE49-F238E27FC236}">
-                <a16:creationId xmlns:a16="http://schemas.microsoft.com/office/drawing/2014/main" id="{542A0046-4B0D-4CB5-88DA-EFDF201D102D}"/>
-              </a:ext>
-            </a:extLst>
-          </p:cNvPr>
-          <p:cNvPicPr>
-            <a:picLocks noChangeAspect="1"/>
-          </p:cNvPicPr>
+      <p:sp>
+        <p:nvSpPr>
+          <p:cNvPr id="8" name="ZoneTexte 7">
+            <a:extLst>
+              <a:ext uri="{FF2B5EF4-FFF2-40B4-BE49-F238E27FC236}">
+                <a16:creationId xmlns:a16="http://schemas.microsoft.com/office/drawing/2014/main" id="{F28CD973-69CB-A145-3C2A-2B784B7A2C86}"/>
+              </a:ext>
+            </a:extLst>
+          </p:cNvPr>
+          <p:cNvSpPr txBox="1"/>
           <p:nvPr/>
-        </p:nvPicPr>
-        <p:blipFill>
-          <a:blip r:embed="rId4"/>
-          <a:stretch>
-            <a:fillRect/>
-          </a:stretch>
-        </p:blipFill>
+        </p:nvSpPr>
         <p:spPr>
-          <a:xfrm>
-            <a:off x="2996119" y="5341142"/>
-            <a:ext cx="8991146" cy="1176914"/>
+          <a:xfrm flipH="1">
+            <a:off x="4490484" y="1446925"/>
+            <a:ext cx="1583230" cy="707886"/>
           </a:xfrm>
           <a:prstGeom prst="rect">
             <a:avLst/>
           </a:prstGeom>
+          <a:noFill/>
         </p:spPr>
-      </p:pic>
+        <p:txBody>
+          <a:bodyPr wrap="square" rtlCol="0">
+            <a:spAutoFit/>
+          </a:bodyPr>
+          <a:lstStyle/>
+          <a:p>
+            <a:r>
+              <a:rPr lang="fr-FR" sz="2000" dirty="0">
+                <a:latin typeface="Century Gothic" panose="020B0502020202020204" pitchFamily="34" charset="0"/>
+              </a:rPr>
+              <a:t>The </a:t>
+            </a:r>
+            <a:r>
+              <a:rPr lang="fr-FR" sz="2000" dirty="0" err="1">
+                <a:latin typeface="Century Gothic" panose="020B0502020202020204" pitchFamily="34" charset="0"/>
+              </a:rPr>
+              <a:t>databases</a:t>
+            </a:r>
+            <a:endParaRPr lang="fr-FR" sz="2000" dirty="0">
+              <a:latin typeface="Century Gothic" panose="020B0502020202020204" pitchFamily="34" charset="0"/>
+            </a:endParaRPr>
+          </a:p>
+        </p:txBody>
+      </p:sp>
+      <p:sp>
+        <p:nvSpPr>
+          <p:cNvPr id="10" name="ZoneTexte 9">
+            <a:extLst>
+              <a:ext uri="{FF2B5EF4-FFF2-40B4-BE49-F238E27FC236}">
+                <a16:creationId xmlns:a16="http://schemas.microsoft.com/office/drawing/2014/main" id="{FDE5281D-5F97-8589-7DFF-D280043A56A5}"/>
+              </a:ext>
+            </a:extLst>
+          </p:cNvPr>
+          <p:cNvSpPr txBox="1"/>
+          <p:nvPr/>
+        </p:nvSpPr>
+        <p:spPr>
+          <a:xfrm>
+            <a:off x="4490484" y="4922580"/>
+            <a:ext cx="1814920" cy="400110"/>
+          </a:xfrm>
+          <a:prstGeom prst="rect">
+            <a:avLst/>
+          </a:prstGeom>
+          <a:noFill/>
+        </p:spPr>
+        <p:txBody>
+          <a:bodyPr wrap="none" rtlCol="0">
+            <a:spAutoFit/>
+          </a:bodyPr>
+          <a:lstStyle/>
+          <a:p>
+            <a:r>
+              <a:rPr lang="fr-FR" sz="2000" dirty="0" err="1">
+                <a:latin typeface="Century Gothic" panose="020B0502020202020204" pitchFamily="34" charset="0"/>
+              </a:rPr>
+              <a:t>Some</a:t>
+            </a:r>
+            <a:r>
+              <a:rPr lang="fr-FR" sz="2000" dirty="0">
+                <a:latin typeface="Century Gothic" panose="020B0502020202020204" pitchFamily="34" charset="0"/>
+              </a:rPr>
+              <a:t> graphs</a:t>
+            </a:r>
+          </a:p>
+        </p:txBody>
+      </p:sp>
     </p:spTree>
     <p:extLst>
       <p:ext uri="{BB962C8B-B14F-4D97-AF65-F5344CB8AC3E}">
-        <p14:creationId xmlns:p14="http://schemas.microsoft.com/office/powerpoint/2010/main" val="3806126751"/>
+        <p14:creationId xmlns:p14="http://schemas.microsoft.com/office/powerpoint/2010/main" val="4207212014"/>
       </p:ext>
     </p:extLst>
   </p:cSld>
@@ -9751,7 +9961,7 @@
 </p:sld>
 </file>
 
-<file path=ppt/slides/slide5.xml><?xml version="1.0" encoding="utf-8"?>
+<file path=ppt/slides/slide17.xml><?xml version="1.0" encoding="utf-8"?>
 <p:sld xmlns:a="http://schemas.openxmlformats.org/drawingml/2006/main" xmlns:r="http://schemas.openxmlformats.org/officeDocument/2006/relationships" xmlns:p="http://schemas.openxmlformats.org/presentationml/2006/main">
   <p:cSld>
     <p:bg>
@@ -10191,8 +10401,8 @@
         </p:nvSpPr>
         <p:spPr>
           <a:xfrm>
-            <a:off x="306769" y="2060796"/>
-            <a:ext cx="3555017" cy="1137385"/>
+            <a:off x="191359" y="1972018"/>
+            <a:ext cx="3626039" cy="1010878"/>
           </a:xfrm>
         </p:spPr>
         <p:txBody>
@@ -10209,14 +10419,17 @@
                 </a:solidFill>
                 <a:latin typeface="Century Gothic" panose="020B0502020202090204" pitchFamily="34" charset="0"/>
               </a:rPr>
-              <a:t>Data preprocessing:</a:t>
+              <a:t>The project</a:t>
             </a:r>
-            <a:endParaRPr lang="en-US" sz="3600" b="1" kern="1200" dirty="0">
-              <a:solidFill>
-                <a:srgbClr val="FFFFFF"/>
-              </a:solidFill>
-              <a:latin typeface="Century Gothic" panose="020B0502020202090204" pitchFamily="34" charset="0"/>
-            </a:endParaRPr>
+            <a:r>
+              <a:rPr lang="en-US" sz="3600" b="1" kern="1200" dirty="0">
+                <a:solidFill>
+                  <a:srgbClr val="FFFFFF"/>
+                </a:solidFill>
+                <a:latin typeface="Century Gothic" panose="020B0502020202090204" pitchFamily="34" charset="0"/>
+              </a:rPr>
+              <a:t>:</a:t>
+            </a:r>
           </a:p>
         </p:txBody>
       </p:sp>
@@ -10236,7 +10449,7 @@
         </p:nvSpPr>
         <p:spPr>
           <a:xfrm>
-            <a:off x="5315546" y="1816257"/>
+            <a:off x="5430956" y="1021302"/>
             <a:ext cx="6569685" cy="950716"/>
           </a:xfrm>
           <a:prstGeom prst="rect">
@@ -10413,18 +10626,30 @@
           </a:lstStyle>
           <a:p>
             <a:pPr algn="l"/>
-            <a:endParaRPr lang="en-US" sz="3200" dirty="0">
-              <a:latin typeface="Century Gothic" panose="020B0502020202090204" pitchFamily="34" charset="0"/>
-            </a:endParaRPr>
+            <a:r>
+              <a:rPr lang="en-US" sz="3200" dirty="0">
+                <a:latin typeface="Century Gothic" panose="020B0502020202090204" pitchFamily="34" charset="0"/>
+              </a:rPr>
+              <a:t>How does it fit in the context</a:t>
+            </a:r>
+          </a:p>
+          <a:p>
+            <a:pPr algn="l"/>
+            <a:r>
+              <a:rPr lang="en-US" sz="3200" dirty="0">
+                <a:latin typeface="Century Gothic" panose="020B0502020202090204" pitchFamily="34" charset="0"/>
+              </a:rPr>
+              <a:t>of our study?</a:t>
+            </a:r>
           </a:p>
         </p:txBody>
       </p:sp>
       <p:sp>
         <p:nvSpPr>
-          <p:cNvPr id="3" name="TextBox 2">
-            <a:extLst>
-              <a:ext uri="{FF2B5EF4-FFF2-40B4-BE49-F238E27FC236}">
-                <a16:creationId xmlns:a16="http://schemas.microsoft.com/office/drawing/2014/main" id="{EAD47845-7B0F-4589-A4F6-5510F2647AF3}"/>
+          <p:cNvPr id="5" name="TextBox 4">
+            <a:extLst>
+              <a:ext uri="{FF2B5EF4-FFF2-40B4-BE49-F238E27FC236}">
+                <a16:creationId xmlns:a16="http://schemas.microsoft.com/office/drawing/2014/main" id="{DFA182A9-3FC6-499E-A3DB-FD7A612BAAAD}"/>
               </a:ext>
             </a:extLst>
           </p:cNvPr>
@@ -10433,8 +10658,8 @@
         </p:nvSpPr>
         <p:spPr>
           <a:xfrm>
-            <a:off x="4872111" y="602591"/>
-            <a:ext cx="7013120" cy="830997"/>
+            <a:off x="7959020" y="3702622"/>
+            <a:ext cx="3907278" cy="646331"/>
           </a:xfrm>
           <a:prstGeom prst="rect">
             <a:avLst/>
@@ -10448,48 +10673,157 @@
           <a:lstStyle/>
           <a:p>
             <a:r>
-              <a:rPr lang="en-US" sz="2400" dirty="0">
+              <a:rPr lang="en-US" dirty="0">
                 <a:latin typeface="Century Gothic" panose="020B0502020202090204" pitchFamily="34" charset="0"/>
               </a:rPr>
-              <a:t>The last step is the heatmap of the correlation matrix to find links between variables.</a:t>
+              <a:t>Use of models seen in machine learning class with a problematic </a:t>
             </a:r>
           </a:p>
         </p:txBody>
       </p:sp>
-      <p:pic>
-        <p:nvPicPr>
-          <p:cNvPr id="6" name="Picture 5">
-            <a:extLst>
-              <a:ext uri="{FF2B5EF4-FFF2-40B4-BE49-F238E27FC236}">
-                <a16:creationId xmlns:a16="http://schemas.microsoft.com/office/drawing/2014/main" id="{BE494B29-AC7A-4CD7-93C8-8409FDAA709C}"/>
-              </a:ext>
-            </a:extLst>
-          </p:cNvPr>
-          <p:cNvPicPr>
-            <a:picLocks noChangeAspect="1"/>
-          </p:cNvPicPr>
+      <p:sp>
+        <p:nvSpPr>
+          <p:cNvPr id="3" name="TextBox 2">
+            <a:extLst>
+              <a:ext uri="{FF2B5EF4-FFF2-40B4-BE49-F238E27FC236}">
+                <a16:creationId xmlns:a16="http://schemas.microsoft.com/office/drawing/2014/main" id="{C4D085F4-E879-46B2-B603-DC6BA33B1844}"/>
+              </a:ext>
+            </a:extLst>
+          </p:cNvPr>
+          <p:cNvSpPr txBox="1"/>
           <p:nvPr/>
-        </p:nvPicPr>
-        <p:blipFill>
-          <a:blip r:embed="rId2"/>
-          <a:stretch>
-            <a:fillRect/>
-          </a:stretch>
-        </p:blipFill>
+        </p:nvSpPr>
         <p:spPr>
           <a:xfrm>
-            <a:off x="4538996" y="2191502"/>
-            <a:ext cx="7500082" cy="4559494"/>
+            <a:off x="4612690" y="2832212"/>
+            <a:ext cx="5299969" cy="646331"/>
           </a:xfrm>
           <a:prstGeom prst="rect">
             <a:avLst/>
           </a:prstGeom>
+          <a:noFill/>
         </p:spPr>
-      </p:pic>
+        <p:txBody>
+          <a:bodyPr wrap="square" rtlCol="0">
+            <a:spAutoFit/>
+          </a:bodyPr>
+          <a:lstStyle/>
+          <a:p>
+            <a:r>
+              <a:rPr lang="en-US" dirty="0">
+                <a:latin typeface="Century Gothic" panose="020B0502020202090204" pitchFamily="34" charset="0"/>
+              </a:rPr>
+              <a:t>Resume of all libraries use </a:t>
+            </a:r>
+          </a:p>
+          <a:p>
+            <a:r>
+              <a:rPr lang="en-US" dirty="0">
+                <a:latin typeface="Century Gothic" panose="020B0502020202090204" pitchFamily="34" charset="0"/>
+              </a:rPr>
+              <a:t>In python during the semester </a:t>
+            </a:r>
+            <a:r>
+              <a:rPr lang="fr-FR" dirty="0"/>
+              <a:t> </a:t>
+            </a:r>
+          </a:p>
+        </p:txBody>
+      </p:sp>
+      <p:sp>
+        <p:nvSpPr>
+          <p:cNvPr id="7" name="TextBox 6">
+            <a:extLst>
+              <a:ext uri="{FF2B5EF4-FFF2-40B4-BE49-F238E27FC236}">
+                <a16:creationId xmlns:a16="http://schemas.microsoft.com/office/drawing/2014/main" id="{1F039747-FC36-4984-B851-48EF4EB007A4}"/>
+              </a:ext>
+            </a:extLst>
+          </p:cNvPr>
+          <p:cNvSpPr txBox="1"/>
+          <p:nvPr/>
+        </p:nvSpPr>
+        <p:spPr>
+          <a:xfrm>
+            <a:off x="4021585" y="4654785"/>
+            <a:ext cx="5299969" cy="646331"/>
+          </a:xfrm>
+          <a:prstGeom prst="rect">
+            <a:avLst/>
+          </a:prstGeom>
+          <a:noFill/>
+        </p:spPr>
+        <p:txBody>
+          <a:bodyPr wrap="square" rtlCol="0">
+            <a:spAutoFit/>
+          </a:bodyPr>
+          <a:lstStyle/>
+          <a:p>
+            <a:r>
+              <a:rPr lang="en-US" dirty="0">
+                <a:latin typeface="Century Gothic" panose="020B0502020202090204" pitchFamily="34" charset="0"/>
+              </a:rPr>
+              <a:t>Observation of concept discovered</a:t>
+            </a:r>
+          </a:p>
+          <a:p>
+            <a:r>
+              <a:rPr lang="en-US" dirty="0">
+                <a:latin typeface="Century Gothic" panose="020B0502020202090204" pitchFamily="34" charset="0"/>
+              </a:rPr>
+              <a:t>During soft skills sessions</a:t>
+            </a:r>
+          </a:p>
+        </p:txBody>
+      </p:sp>
+      <p:sp>
+        <p:nvSpPr>
+          <p:cNvPr id="10" name="TextBox 9">
+            <a:extLst>
+              <a:ext uri="{FF2B5EF4-FFF2-40B4-BE49-F238E27FC236}">
+                <a16:creationId xmlns:a16="http://schemas.microsoft.com/office/drawing/2014/main" id="{AE169347-5B4C-4D64-BA0A-242963DE92DF}"/>
+              </a:ext>
+            </a:extLst>
+          </p:cNvPr>
+          <p:cNvSpPr txBox="1"/>
+          <p:nvPr/>
+        </p:nvSpPr>
+        <p:spPr>
+          <a:xfrm>
+            <a:off x="8079420" y="5433227"/>
+            <a:ext cx="3666478" cy="646331"/>
+          </a:xfrm>
+          <a:prstGeom prst="rect">
+            <a:avLst/>
+          </a:prstGeom>
+          <a:noFill/>
+        </p:spPr>
+        <p:txBody>
+          <a:bodyPr wrap="square" rtlCol="0">
+            <a:spAutoFit/>
+          </a:bodyPr>
+          <a:lstStyle/>
+          <a:p>
+            <a:r>
+              <a:rPr lang="en-US" dirty="0">
+                <a:latin typeface="Century Gothic" panose="020B0502020202090204" pitchFamily="34" charset="0"/>
+              </a:rPr>
+              <a:t>A subject that could fit with </a:t>
+            </a:r>
+          </a:p>
+          <a:p>
+            <a:r>
+              <a:rPr lang="en-US" dirty="0">
+                <a:latin typeface="Century Gothic" panose="020B0502020202090204" pitchFamily="34" charset="0"/>
+              </a:rPr>
+              <a:t>Problems of the medical sector</a:t>
+            </a:r>
+          </a:p>
+        </p:txBody>
+      </p:sp>
     </p:spTree>
     <p:extLst>
       <p:ext uri="{BB962C8B-B14F-4D97-AF65-F5344CB8AC3E}">
-        <p14:creationId xmlns:p14="http://schemas.microsoft.com/office/powerpoint/2010/main" val="587511424"/>
+        <p14:creationId xmlns:p14="http://schemas.microsoft.com/office/powerpoint/2010/main" val="1307230348"/>
       </p:ext>
     </p:extLst>
   </p:cSld>
@@ -10499,7 +10833,7 @@
 </p:sld>
 </file>
 
-<file path=ppt/slides/slide6.xml><?xml version="1.0" encoding="utf-8"?>
+<file path=ppt/slides/slide18.xml><?xml version="1.0" encoding="utf-8"?>
 <p:sld xmlns:a="http://schemas.openxmlformats.org/drawingml/2006/main" xmlns:r="http://schemas.openxmlformats.org/officeDocument/2006/relationships" xmlns:p="http://schemas.openxmlformats.org/presentationml/2006/main">
   <p:cSld>
     <p:bg>
@@ -10939,32 +11273,26 @@
         </p:nvSpPr>
         <p:spPr>
           <a:xfrm>
-            <a:off x="306769" y="1980896"/>
+            <a:off x="191359" y="1972018"/>
             <a:ext cx="3626039" cy="1010878"/>
           </a:xfrm>
         </p:spPr>
         <p:txBody>
           <a:bodyPr vert="horz" lIns="91440" tIns="45720" rIns="91440" bIns="45720" rtlCol="0" anchor="t">
-            <a:normAutofit fontScale="90000"/>
+            <a:normAutofit/>
           </a:bodyPr>
           <a:lstStyle/>
           <a:p>
             <a:pPr algn="l"/>
             <a:r>
-              <a:rPr lang="en-US" sz="3600" b="1" dirty="0">
+              <a:rPr lang="en-US" sz="3600" b="1" kern="1200" dirty="0">
                 <a:solidFill>
                   <a:srgbClr val="FFFFFF"/>
                 </a:solidFill>
                 <a:latin typeface="Century Gothic" panose="020B0502020202090204" pitchFamily="34" charset="0"/>
               </a:rPr>
-              <a:t>Data visualization:</a:t>
+              <a:t>Conclusions:</a:t>
             </a:r>
-            <a:endParaRPr lang="en-US" sz="3600" b="1" kern="1200" dirty="0">
-              <a:solidFill>
-                <a:srgbClr val="FFFFFF"/>
-              </a:solidFill>
-              <a:latin typeface="Century Gothic" panose="020B0502020202090204" pitchFamily="34" charset="0"/>
-            </a:endParaRPr>
           </a:p>
         </p:txBody>
       </p:sp>
@@ -10984,7 +11312,7 @@
         </p:nvSpPr>
         <p:spPr>
           <a:xfrm>
-            <a:off x="5315546" y="1816257"/>
+            <a:off x="5430956" y="1021302"/>
             <a:ext cx="6569685" cy="950716"/>
           </a:xfrm>
           <a:prstGeom prst="rect">
@@ -11161,18 +11489,30 @@
           </a:lstStyle>
           <a:p>
             <a:pPr algn="l"/>
-            <a:endParaRPr lang="en-US" sz="3200" dirty="0">
-              <a:latin typeface="Century Gothic" panose="020B0502020202090204" pitchFamily="34" charset="0"/>
-            </a:endParaRPr>
+            <a:r>
+              <a:rPr lang="en-US" sz="3200" dirty="0">
+                <a:latin typeface="Century Gothic" panose="020B0502020202090204" pitchFamily="34" charset="0"/>
+              </a:rPr>
+              <a:t>Which lessons can we </a:t>
+            </a:r>
+          </a:p>
+          <a:p>
+            <a:pPr algn="l"/>
+            <a:r>
+              <a:rPr lang="en-US" sz="3200" dirty="0">
+                <a:latin typeface="Century Gothic" panose="020B0502020202090204" pitchFamily="34" charset="0"/>
+              </a:rPr>
+              <a:t>Bring back from this study?</a:t>
+            </a:r>
           </a:p>
         </p:txBody>
       </p:sp>
       <p:sp>
         <p:nvSpPr>
-          <p:cNvPr id="3" name="TextBox 2">
-            <a:extLst>
-              <a:ext uri="{FF2B5EF4-FFF2-40B4-BE49-F238E27FC236}">
-                <a16:creationId xmlns:a16="http://schemas.microsoft.com/office/drawing/2014/main" id="{202E6CE0-2539-41B7-8A0C-62E272A12CC7}"/>
+          <p:cNvPr id="3" name="ZoneTexte 2">
+            <a:extLst>
+              <a:ext uri="{FF2B5EF4-FFF2-40B4-BE49-F238E27FC236}">
+                <a16:creationId xmlns:a16="http://schemas.microsoft.com/office/drawing/2014/main" id="{8F5FFC48-2140-0F72-4588-08A46FDDF557}"/>
               </a:ext>
             </a:extLst>
           </p:cNvPr>
@@ -11181,8 +11521,8 @@
         </p:nvSpPr>
         <p:spPr>
           <a:xfrm>
-            <a:off x="5090102" y="554186"/>
-            <a:ext cx="6569685" cy="707886"/>
+            <a:off x="4962247" y="4282859"/>
+            <a:ext cx="6569686" cy="1323439"/>
           </a:xfrm>
           <a:prstGeom prst="rect">
             <a:avLst/>
@@ -11195,21 +11535,35 @@
           </a:bodyPr>
           <a:lstStyle/>
           <a:p>
+            <a:endParaRPr lang="en-US" sz="2000" dirty="0">
+              <a:latin typeface="Century Gothic" panose="020B0502020202020204" pitchFamily="34" charset="0"/>
+            </a:endParaRPr>
+          </a:p>
+          <a:p>
+            <a:r>
+              <a:rPr lang="en-US" sz="2000" dirty="0" err="1">
+                <a:latin typeface="Century Gothic" panose="020B0502020202020204" pitchFamily="34" charset="0"/>
+              </a:rPr>
+              <a:t>XGBoost</a:t>
+            </a:r>
             <a:r>
               <a:rPr lang="en-US" sz="2000" dirty="0">
-                <a:latin typeface="Century Gothic" panose="020B0502020202090204" pitchFamily="34" charset="0"/>
+                <a:latin typeface="Century Gothic" panose="020B0502020202020204" pitchFamily="34" charset="0"/>
               </a:rPr>
-              <a:t>First let’s have a look to the number of diabetic people depending on their age:</a:t>
+              <a:t> allows us to predict the readmission of a patient depending on the drugs, age and admission with an accuracy of 94,9%.</a:t>
             </a:r>
+            <a:endParaRPr lang="fr-FR" sz="2000" dirty="0">
+              <a:latin typeface="Century Gothic" panose="020B0502020202020204" pitchFamily="34" charset="0"/>
+            </a:endParaRPr>
           </a:p>
         </p:txBody>
       </p:sp>
       <p:pic>
         <p:nvPicPr>
-          <p:cNvPr id="6" name="Picture 5">
-            <a:extLst>
-              <a:ext uri="{FF2B5EF4-FFF2-40B4-BE49-F238E27FC236}">
-                <a16:creationId xmlns:a16="http://schemas.microsoft.com/office/drawing/2014/main" id="{BCAEEE91-FE71-4001-8C0B-A977FD787FAB}"/>
+          <p:cNvPr id="6" name="Image 5">
+            <a:extLst>
+              <a:ext uri="{FF2B5EF4-FFF2-40B4-BE49-F238E27FC236}">
+                <a16:creationId xmlns:a16="http://schemas.microsoft.com/office/drawing/2014/main" id="{D447B475-CD72-5854-682C-B1C26DB21846}"/>
               </a:ext>
             </a:extLst>
           </p:cNvPr>
@@ -11218,16 +11572,15 @@
           </p:cNvPicPr>
           <p:nvPr/>
         </p:nvPicPr>
-        <p:blipFill>
+        <p:blipFill rotWithShape="1">
           <a:blip r:embed="rId2"/>
-          <a:stretch>
-            <a:fillRect/>
-          </a:stretch>
+          <a:srcRect l="7722"/>
+          <a:stretch/>
         </p:blipFill>
         <p:spPr>
           <a:xfrm>
-            <a:off x="3930682" y="3866227"/>
-            <a:ext cx="8058184" cy="2547890"/>
+            <a:off x="4008756" y="2648908"/>
+            <a:ext cx="8064093" cy="1384899"/>
           </a:xfrm>
           <a:prstGeom prst="rect">
             <a:avLst/>
@@ -11237,7 +11590,7 @@
     </p:spTree>
     <p:extLst>
       <p:ext uri="{BB962C8B-B14F-4D97-AF65-F5344CB8AC3E}">
-        <p14:creationId xmlns:p14="http://schemas.microsoft.com/office/powerpoint/2010/main" val="3645481631"/>
+        <p14:creationId xmlns:p14="http://schemas.microsoft.com/office/powerpoint/2010/main" val="1860417989"/>
       </p:ext>
     </p:extLst>
   </p:cSld>
@@ -11247,7 +11600,7 @@
 </p:sld>
 </file>
 
-<file path=ppt/slides/slide7.xml><?xml version="1.0" encoding="utf-8"?>
+<file path=ppt/slides/slide2.xml><?xml version="1.0" encoding="utf-8"?>
 <p:sld xmlns:a="http://schemas.openxmlformats.org/drawingml/2006/main" xmlns:r="http://schemas.openxmlformats.org/officeDocument/2006/relationships" xmlns:p="http://schemas.openxmlformats.org/presentationml/2006/main">
   <p:cSld>
     <p:bg>
@@ -11687,13 +12040,13 @@
         </p:nvSpPr>
         <p:spPr>
           <a:xfrm>
-            <a:off x="306769" y="1980896"/>
-            <a:ext cx="3626039" cy="1010878"/>
+            <a:off x="306769" y="2291615"/>
+            <a:ext cx="3618690" cy="670741"/>
           </a:xfrm>
         </p:spPr>
         <p:txBody>
           <a:bodyPr vert="horz" lIns="91440" tIns="45720" rIns="91440" bIns="45720" rtlCol="0" anchor="t">
-            <a:normAutofit fontScale="90000"/>
+            <a:normAutofit/>
           </a:bodyPr>
           <a:lstStyle/>
           <a:p>
@@ -11705,7 +12058,7 @@
                 </a:solidFill>
                 <a:latin typeface="Century Gothic" panose="020B0502020202090204" pitchFamily="34" charset="0"/>
               </a:rPr>
-              <a:t>Data visualization:</a:t>
+              <a:t>Problematic:</a:t>
             </a:r>
             <a:endParaRPr lang="en-US" sz="3600" b="1" kern="1200" dirty="0">
               <a:solidFill>
@@ -11909,18 +12262,21 @@
           </a:lstStyle>
           <a:p>
             <a:pPr algn="l"/>
-            <a:endParaRPr lang="en-US" sz="3200" dirty="0">
-              <a:latin typeface="Century Gothic" panose="020B0502020202090204" pitchFamily="34" charset="0"/>
-            </a:endParaRPr>
+            <a:r>
+              <a:rPr lang="en-US" sz="3200" dirty="0">
+                <a:latin typeface="Century Gothic" panose="020B0502020202090204" pitchFamily="34" charset="0"/>
+              </a:rPr>
+              <a:t>How to predict the readmission of diabetic patients</a:t>
+            </a:r>
           </a:p>
         </p:txBody>
       </p:sp>
       <p:sp>
         <p:nvSpPr>
-          <p:cNvPr id="7" name="TextBox 6">
-            <a:extLst>
-              <a:ext uri="{FF2B5EF4-FFF2-40B4-BE49-F238E27FC236}">
-                <a16:creationId xmlns:a16="http://schemas.microsoft.com/office/drawing/2014/main" id="{14DB6575-BDCF-4E84-B859-4F92A6FF6825}"/>
+          <p:cNvPr id="5" name="TextBox 4">
+            <a:extLst>
+              <a:ext uri="{FF2B5EF4-FFF2-40B4-BE49-F238E27FC236}">
+                <a16:creationId xmlns:a16="http://schemas.microsoft.com/office/drawing/2014/main" id="{DFA182A9-3FC6-499E-A3DB-FD7A612BAAAD}"/>
               </a:ext>
             </a:extLst>
           </p:cNvPr>
@@ -11929,8 +12285,8 @@
         </p:nvSpPr>
         <p:spPr>
           <a:xfrm>
-            <a:off x="4702412" y="630283"/>
-            <a:ext cx="2319826" cy="1200329"/>
+            <a:off x="5770486" y="4550273"/>
+            <a:ext cx="2648254" cy="369332"/>
           </a:xfrm>
           <a:prstGeom prst="rect">
             <a:avLst/>
@@ -11947,77 +12303,17 @@
               <a:rPr lang="en-US" dirty="0">
                 <a:latin typeface="Century Gothic" panose="020B0502020202090204" pitchFamily="34" charset="0"/>
               </a:rPr>
-              <a:t>Then, we have a repartition of patient time at the hospital (in days):</a:t>
+              <a:t>Libraries used:</a:t>
             </a:r>
           </a:p>
         </p:txBody>
       </p:sp>
-      <p:pic>
-        <p:nvPicPr>
-          <p:cNvPr id="10" name="Picture 9">
-            <a:extLst>
-              <a:ext uri="{FF2B5EF4-FFF2-40B4-BE49-F238E27FC236}">
-                <a16:creationId xmlns:a16="http://schemas.microsoft.com/office/drawing/2014/main" id="{70BD477C-DCC2-43E5-AAC2-8DB861CA7343}"/>
-              </a:ext>
-            </a:extLst>
-          </p:cNvPr>
-          <p:cNvPicPr>
-            <a:picLocks noChangeAspect="1"/>
-          </p:cNvPicPr>
-          <p:nvPr/>
-        </p:nvPicPr>
-        <p:blipFill>
-          <a:blip r:embed="rId2"/>
-          <a:stretch>
-            <a:fillRect/>
-          </a:stretch>
-        </p:blipFill>
-        <p:spPr>
-          <a:xfrm>
-            <a:off x="7916452" y="98907"/>
-            <a:ext cx="3945527" cy="3638591"/>
-          </a:xfrm>
-          <a:prstGeom prst="rect">
-            <a:avLst/>
-          </a:prstGeom>
-        </p:spPr>
-      </p:pic>
-      <p:pic>
-        <p:nvPicPr>
-          <p:cNvPr id="8" name="Picture 7">
-            <a:extLst>
-              <a:ext uri="{FF2B5EF4-FFF2-40B4-BE49-F238E27FC236}">
-                <a16:creationId xmlns:a16="http://schemas.microsoft.com/office/drawing/2014/main" id="{33728B70-84AE-430F-8AD8-314663C29E13}"/>
-              </a:ext>
-            </a:extLst>
-          </p:cNvPr>
-          <p:cNvPicPr>
-            <a:picLocks noChangeAspect="1"/>
-          </p:cNvPicPr>
-          <p:nvPr/>
-        </p:nvPicPr>
-        <p:blipFill>
-          <a:blip r:embed="rId3"/>
-          <a:stretch>
-            <a:fillRect/>
-          </a:stretch>
-        </p:blipFill>
-        <p:spPr>
-          <a:xfrm>
-            <a:off x="3932808" y="4188313"/>
-            <a:ext cx="8115602" cy="2570780"/>
-          </a:xfrm>
-          <a:prstGeom prst="rect">
-            <a:avLst/>
-          </a:prstGeom>
-        </p:spPr>
-      </p:pic>
       <p:sp>
         <p:nvSpPr>
-          <p:cNvPr id="12" name="TextBox 11">
-            <a:extLst>
-              <a:ext uri="{FF2B5EF4-FFF2-40B4-BE49-F238E27FC236}">
-                <a16:creationId xmlns:a16="http://schemas.microsoft.com/office/drawing/2014/main" id="{6FC4055A-1E8E-41E7-AF4D-7C5BDDB0763A}"/>
+          <p:cNvPr id="6" name="TextBox 5">
+            <a:extLst>
+              <a:ext uri="{FF2B5EF4-FFF2-40B4-BE49-F238E27FC236}">
+                <a16:creationId xmlns:a16="http://schemas.microsoft.com/office/drawing/2014/main" id="{1FF5150C-E5C8-485A-B604-F2F4D74EEFE5}"/>
               </a:ext>
             </a:extLst>
           </p:cNvPr>
@@ -12026,8 +12322,8 @@
         </p:nvSpPr>
         <p:spPr>
           <a:xfrm>
-            <a:off x="4728100" y="2746253"/>
-            <a:ext cx="2319826" cy="1200329"/>
+            <a:off x="8300620" y="4583230"/>
+            <a:ext cx="2459115" cy="1477328"/>
           </a:xfrm>
           <a:prstGeom prst="rect">
             <a:avLst/>
@@ -12044,7 +12340,48 @@
               <a:rPr lang="en-US" dirty="0">
                 <a:latin typeface="Century Gothic" panose="020B0502020202090204" pitchFamily="34" charset="0"/>
               </a:rPr>
-              <a:t>And a repartition of the medication they take during their stay:</a:t>
+              <a:t>-</a:t>
+            </a:r>
+            <a:r>
+              <a:rPr lang="en-US" dirty="0" err="1">
+                <a:latin typeface="Century Gothic" panose="020B0502020202090204" pitchFamily="34" charset="0"/>
+              </a:rPr>
+              <a:t>Numpy</a:t>
+            </a:r>
+            <a:endParaRPr lang="en-US" dirty="0">
+              <a:latin typeface="Century Gothic" panose="020B0502020202090204" pitchFamily="34" charset="0"/>
+            </a:endParaRPr>
+          </a:p>
+          <a:p>
+            <a:r>
+              <a:rPr lang="en-US" dirty="0">
+                <a:latin typeface="Century Gothic" panose="020B0502020202090204" pitchFamily="34" charset="0"/>
+              </a:rPr>
+              <a:t>-Pandas</a:t>
+            </a:r>
+          </a:p>
+          <a:p>
+            <a:r>
+              <a:rPr lang="en-US" dirty="0">
+                <a:latin typeface="Century Gothic" panose="020B0502020202090204" pitchFamily="34" charset="0"/>
+              </a:rPr>
+              <a:t>-Matplotlib</a:t>
+            </a:r>
+          </a:p>
+          <a:p>
+            <a:r>
+              <a:rPr lang="en-US" dirty="0">
+                <a:latin typeface="Century Gothic" panose="020B0502020202090204" pitchFamily="34" charset="0"/>
+              </a:rPr>
+              <a:t>-Seaborn</a:t>
+            </a:r>
+          </a:p>
+          <a:p>
+            <a:r>
+              <a:rPr lang="en-US" dirty="0">
+                <a:latin typeface="Century Gothic" panose="020B0502020202090204" pitchFamily="34" charset="0"/>
+              </a:rPr>
+              <a:t>-Scikit-learn</a:t>
             </a:r>
           </a:p>
         </p:txBody>
@@ -12052,7 +12389,7 @@
     </p:spTree>
     <p:extLst>
       <p:ext uri="{BB962C8B-B14F-4D97-AF65-F5344CB8AC3E}">
-        <p14:creationId xmlns:p14="http://schemas.microsoft.com/office/powerpoint/2010/main" val="3161064848"/>
+        <p14:creationId xmlns:p14="http://schemas.microsoft.com/office/powerpoint/2010/main" val="51902928"/>
       </p:ext>
     </p:extLst>
   </p:cSld>
@@ -12062,7 +12399,7 @@
 </p:sld>
 </file>
 
-<file path=ppt/slides/slide8.xml><?xml version="1.0" encoding="utf-8"?>
+<file path=ppt/slides/slide3.xml><?xml version="1.0" encoding="utf-8"?>
 <p:sld xmlns:a="http://schemas.openxmlformats.org/drawingml/2006/main" xmlns:r="http://schemas.openxmlformats.org/officeDocument/2006/relationships" xmlns:p="http://schemas.openxmlformats.org/presentationml/2006/main">
   <p:cSld>
     <p:bg>
@@ -12502,25 +12839,25 @@
         </p:nvSpPr>
         <p:spPr>
           <a:xfrm>
-            <a:off x="306769" y="1980896"/>
-            <a:ext cx="3626039" cy="1010878"/>
+            <a:off x="306769" y="2060796"/>
+            <a:ext cx="3555017" cy="1137385"/>
           </a:xfrm>
         </p:spPr>
         <p:txBody>
           <a:bodyPr vert="horz" lIns="91440" tIns="45720" rIns="91440" bIns="45720" rtlCol="0" anchor="t">
-            <a:normAutofit fontScale="90000"/>
+            <a:normAutofit/>
           </a:bodyPr>
           <a:lstStyle/>
           <a:p>
             <a:pPr algn="l"/>
             <a:r>
-              <a:rPr lang="en-US" sz="3600" b="1">
+              <a:rPr lang="en-US" sz="3600" b="1" dirty="0">
                 <a:solidFill>
                   <a:srgbClr val="FFFFFF"/>
                 </a:solidFill>
                 <a:latin typeface="Century Gothic" panose="020B0502020202090204" pitchFamily="34" charset="0"/>
               </a:rPr>
-              <a:t>Data visualization:</a:t>
+              <a:t>Data preprocessing:</a:t>
             </a:r>
             <a:endParaRPr lang="en-US" sz="3600" b="1" kern="1200" dirty="0">
               <a:solidFill>
@@ -12732,10 +13069,10 @@
       </p:sp>
       <p:sp>
         <p:nvSpPr>
-          <p:cNvPr id="7" name="TextBox 6">
-            <a:extLst>
-              <a:ext uri="{FF2B5EF4-FFF2-40B4-BE49-F238E27FC236}">
-                <a16:creationId xmlns:a16="http://schemas.microsoft.com/office/drawing/2014/main" id="{14DB6575-BDCF-4E84-B859-4F92A6FF6825}"/>
+          <p:cNvPr id="3" name="TextBox 2">
+            <a:extLst>
+              <a:ext uri="{FF2B5EF4-FFF2-40B4-BE49-F238E27FC236}">
+                <a16:creationId xmlns:a16="http://schemas.microsoft.com/office/drawing/2014/main" id="{EAD47845-7B0F-4589-A4F6-5510F2647AF3}"/>
               </a:ext>
             </a:extLst>
           </p:cNvPr>
@@ -12744,8 +13081,8 @@
         </p:nvSpPr>
         <p:spPr>
           <a:xfrm>
-            <a:off x="4702412" y="630283"/>
-            <a:ext cx="6270388" cy="1015663"/>
+            <a:off x="4872111" y="677296"/>
+            <a:ext cx="5513033" cy="461665"/>
           </a:xfrm>
           <a:prstGeom prst="rect">
             <a:avLst/>
@@ -12759,20 +13096,20 @@
           <a:lstStyle/>
           <a:p>
             <a:r>
-              <a:rPr lang="en-US" sz="2000" dirty="0">
+              <a:rPr lang="en-US" sz="2400" dirty="0">
                 <a:latin typeface="Century Gothic" panose="020B0502020202090204" pitchFamily="34" charset="0"/>
               </a:rPr>
-              <a:t>The last visualization is a representation of the time in hospital in function of the medication they take:</a:t>
+              <a:t>Let’s have a look to our data:</a:t>
             </a:r>
           </a:p>
         </p:txBody>
       </p:sp>
       <p:pic>
         <p:nvPicPr>
-          <p:cNvPr id="5" name="Picture 4">
-            <a:extLst>
-              <a:ext uri="{FF2B5EF4-FFF2-40B4-BE49-F238E27FC236}">
-                <a16:creationId xmlns:a16="http://schemas.microsoft.com/office/drawing/2014/main" id="{4242545C-4ADE-4D17-BE85-8B5463AD00AB}"/>
+          <p:cNvPr id="6" name="Picture 5">
+            <a:extLst>
+              <a:ext uri="{FF2B5EF4-FFF2-40B4-BE49-F238E27FC236}">
+                <a16:creationId xmlns:a16="http://schemas.microsoft.com/office/drawing/2014/main" id="{39714161-A0A1-4079-96E1-5B976FD229C5}"/>
               </a:ext>
             </a:extLst>
           </p:cNvPr>
@@ -12789,8 +13126,8 @@
         </p:blipFill>
         <p:spPr>
           <a:xfrm>
-            <a:off x="4134039" y="3237043"/>
-            <a:ext cx="7918532" cy="3413540"/>
+            <a:off x="4040458" y="3444269"/>
+            <a:ext cx="7844773" cy="1049064"/>
           </a:xfrm>
           <a:prstGeom prst="rect">
             <a:avLst/>
@@ -12800,7 +13137,7 @@
     </p:spTree>
     <p:extLst>
       <p:ext uri="{BB962C8B-B14F-4D97-AF65-F5344CB8AC3E}">
-        <p14:creationId xmlns:p14="http://schemas.microsoft.com/office/powerpoint/2010/main" val="1636868409"/>
+        <p14:creationId xmlns:p14="http://schemas.microsoft.com/office/powerpoint/2010/main" val="829951670"/>
       </p:ext>
     </p:extLst>
   </p:cSld>
@@ -12810,7 +13147,7 @@
 </p:sld>
 </file>
 
-<file path=ppt/slides/slide9.xml><?xml version="1.0" encoding="utf-8"?>
+<file path=ppt/slides/slide4.xml><?xml version="1.0" encoding="utf-8"?>
 <p:sld xmlns:a="http://schemas.openxmlformats.org/drawingml/2006/main" xmlns:r="http://schemas.openxmlformats.org/officeDocument/2006/relationships" xmlns:p="http://schemas.openxmlformats.org/presentationml/2006/main">
   <p:cSld>
     <p:bg>
@@ -13250,8 +13587,8 @@
         </p:nvSpPr>
         <p:spPr>
           <a:xfrm>
-            <a:off x="191359" y="1972018"/>
-            <a:ext cx="3626039" cy="1010878"/>
+            <a:off x="306769" y="2060796"/>
+            <a:ext cx="3555017" cy="1137385"/>
           </a:xfrm>
         </p:spPr>
         <p:txBody>
@@ -13262,14 +13599,20 @@
           <a:p>
             <a:pPr algn="l"/>
             <a:r>
-              <a:rPr lang="en-US" sz="3600" b="1" kern="1200" dirty="0">
+              <a:rPr lang="en-US" sz="3600" b="1" dirty="0">
                 <a:solidFill>
                   <a:srgbClr val="FFFFFF"/>
                 </a:solidFill>
                 <a:latin typeface="Century Gothic" panose="020B0502020202090204" pitchFamily="34" charset="0"/>
               </a:rPr>
-              <a:t>Modeling:</a:t>
+              <a:t>Data preprocessing:</a:t>
             </a:r>
+            <a:endParaRPr lang="en-US" sz="3600" b="1" kern="1200" dirty="0">
+              <a:solidFill>
+                <a:srgbClr val="FFFFFF"/>
+              </a:solidFill>
+              <a:latin typeface="Century Gothic" panose="020B0502020202090204" pitchFamily="34" charset="0"/>
+            </a:endParaRPr>
           </a:p>
         </p:txBody>
       </p:sp>
@@ -13472,6 +13815,3887 @@
           </a:p>
         </p:txBody>
       </p:sp>
+      <p:sp>
+        <p:nvSpPr>
+          <p:cNvPr id="3" name="TextBox 2">
+            <a:extLst>
+              <a:ext uri="{FF2B5EF4-FFF2-40B4-BE49-F238E27FC236}">
+                <a16:creationId xmlns:a16="http://schemas.microsoft.com/office/drawing/2014/main" id="{EAD47845-7B0F-4589-A4F6-5510F2647AF3}"/>
+              </a:ext>
+            </a:extLst>
+          </p:cNvPr>
+          <p:cNvSpPr txBox="1"/>
+          <p:nvPr/>
+        </p:nvSpPr>
+        <p:spPr>
+          <a:xfrm>
+            <a:off x="4872111" y="339944"/>
+            <a:ext cx="6402530" cy="1200329"/>
+          </a:xfrm>
+          <a:prstGeom prst="rect">
+            <a:avLst/>
+          </a:prstGeom>
+          <a:noFill/>
+        </p:spPr>
+        <p:txBody>
+          <a:bodyPr wrap="square" rtlCol="0">
+            <a:spAutoFit/>
+          </a:bodyPr>
+          <a:lstStyle/>
+          <a:p>
+            <a:r>
+              <a:rPr lang="en-US" sz="2400" dirty="0">
+                <a:latin typeface="Century Gothic" panose="020B0502020202090204" pitchFamily="34" charset="0"/>
+              </a:rPr>
+              <a:t>Then we have cleaned up the dataset.</a:t>
+            </a:r>
+          </a:p>
+          <a:p>
+            <a:r>
+              <a:rPr lang="en-US" sz="2400" dirty="0">
+                <a:latin typeface="Century Gothic" panose="020B0502020202090204" pitchFamily="34" charset="0"/>
+              </a:rPr>
+              <a:t>It includes encoding, dropping </a:t>
+            </a:r>
+            <a:r>
+              <a:rPr lang="en-US" sz="2400" dirty="0" err="1">
+                <a:latin typeface="Century Gothic" panose="020B0502020202090204" pitchFamily="34" charset="0"/>
+              </a:rPr>
+              <a:t>NaN</a:t>
+            </a:r>
+            <a:r>
+              <a:rPr lang="en-US" sz="2400" dirty="0">
+                <a:latin typeface="Century Gothic" panose="020B0502020202090204" pitchFamily="34" charset="0"/>
+              </a:rPr>
+              <a:t> and duplicates values.</a:t>
+            </a:r>
+          </a:p>
+        </p:txBody>
+      </p:sp>
+      <p:pic>
+        <p:nvPicPr>
+          <p:cNvPr id="8" name="Picture 7">
+            <a:extLst>
+              <a:ext uri="{FF2B5EF4-FFF2-40B4-BE49-F238E27FC236}">
+                <a16:creationId xmlns:a16="http://schemas.microsoft.com/office/drawing/2014/main" id="{68A78C1F-828B-4909-8A3A-78BE39CE7544}"/>
+              </a:ext>
+            </a:extLst>
+          </p:cNvPr>
+          <p:cNvPicPr>
+            <a:picLocks noChangeAspect="1"/>
+          </p:cNvPicPr>
+          <p:nvPr/>
+        </p:nvPicPr>
+        <p:blipFill>
+          <a:blip r:embed="rId2"/>
+          <a:stretch>
+            <a:fillRect/>
+          </a:stretch>
+        </p:blipFill>
+        <p:spPr>
+          <a:xfrm>
+            <a:off x="4728100" y="1816257"/>
+            <a:ext cx="2690785" cy="3078830"/>
+          </a:xfrm>
+          <a:prstGeom prst="rect">
+            <a:avLst/>
+          </a:prstGeom>
+        </p:spPr>
+      </p:pic>
+      <p:pic>
+        <p:nvPicPr>
+          <p:cNvPr id="12" name="Picture 11">
+            <a:extLst>
+              <a:ext uri="{FF2B5EF4-FFF2-40B4-BE49-F238E27FC236}">
+                <a16:creationId xmlns:a16="http://schemas.microsoft.com/office/drawing/2014/main" id="{9FE6ED6A-62C8-44E8-B280-4EE50F8F1D5C}"/>
+              </a:ext>
+            </a:extLst>
+          </p:cNvPr>
+          <p:cNvPicPr>
+            <a:picLocks noChangeAspect="1"/>
+          </p:cNvPicPr>
+          <p:nvPr/>
+        </p:nvPicPr>
+        <p:blipFill>
+          <a:blip r:embed="rId3"/>
+          <a:stretch>
+            <a:fillRect/>
+          </a:stretch>
+        </p:blipFill>
+        <p:spPr>
+          <a:xfrm>
+            <a:off x="9472558" y="1816257"/>
+            <a:ext cx="2412674" cy="2719148"/>
+          </a:xfrm>
+          <a:prstGeom prst="rect">
+            <a:avLst/>
+          </a:prstGeom>
+        </p:spPr>
+      </p:pic>
+      <p:pic>
+        <p:nvPicPr>
+          <p:cNvPr id="10" name="Picture 9">
+            <a:extLst>
+              <a:ext uri="{FF2B5EF4-FFF2-40B4-BE49-F238E27FC236}">
+                <a16:creationId xmlns:a16="http://schemas.microsoft.com/office/drawing/2014/main" id="{542A0046-4B0D-4CB5-88DA-EFDF201D102D}"/>
+              </a:ext>
+            </a:extLst>
+          </p:cNvPr>
+          <p:cNvPicPr>
+            <a:picLocks noChangeAspect="1"/>
+          </p:cNvPicPr>
+          <p:nvPr/>
+        </p:nvPicPr>
+        <p:blipFill>
+          <a:blip r:embed="rId4"/>
+          <a:stretch>
+            <a:fillRect/>
+          </a:stretch>
+        </p:blipFill>
+        <p:spPr>
+          <a:xfrm>
+            <a:off x="2996119" y="5341142"/>
+            <a:ext cx="8991146" cy="1176914"/>
+          </a:xfrm>
+          <a:prstGeom prst="rect">
+            <a:avLst/>
+          </a:prstGeom>
+        </p:spPr>
+      </p:pic>
+    </p:spTree>
+    <p:extLst>
+      <p:ext uri="{BB962C8B-B14F-4D97-AF65-F5344CB8AC3E}">
+        <p14:creationId xmlns:p14="http://schemas.microsoft.com/office/powerpoint/2010/main" val="3806126751"/>
+      </p:ext>
+    </p:extLst>
+  </p:cSld>
+  <p:clrMapOvr>
+    <a:masterClrMapping/>
+  </p:clrMapOvr>
+</p:sld>
+</file>
+
+<file path=ppt/slides/slide5.xml><?xml version="1.0" encoding="utf-8"?>
+<p:sld xmlns:a="http://schemas.openxmlformats.org/drawingml/2006/main" xmlns:r="http://schemas.openxmlformats.org/officeDocument/2006/relationships" xmlns:p="http://schemas.openxmlformats.org/presentationml/2006/main">
+  <p:cSld>
+    <p:bg>
+      <p:bgPr>
+        <a:solidFill>
+          <a:schemeClr val="bg1"/>
+        </a:solidFill>
+        <a:effectLst/>
+      </p:bgPr>
+    </p:bg>
+    <p:spTree>
+      <p:nvGrpSpPr>
+        <p:cNvPr id="1" name=""/>
+        <p:cNvGrpSpPr/>
+        <p:nvPr/>
+      </p:nvGrpSpPr>
+      <p:grpSpPr>
+        <a:xfrm>
+          <a:off x="0" y="0"/>
+          <a:ext cx="0" cy="0"/>
+          <a:chOff x="0" y="0"/>
+          <a:chExt cx="0" cy="0"/>
+        </a:xfrm>
+      </p:grpSpPr>
+      <p:sp>
+        <p:nvSpPr>
+          <p:cNvPr id="9" name="Rectangle 8">
+            <a:extLst>
+              <a:ext uri="{FF2B5EF4-FFF2-40B4-BE49-F238E27FC236}">
+                <a16:creationId xmlns:a16="http://schemas.microsoft.com/office/drawing/2014/main" id="{E35A04CF-97D4-4FF7-B359-C546B1F62E54}"/>
+              </a:ext>
+              <a:ext uri="{C183D7F6-B498-43B3-948B-1728B52AA6E4}">
+                <adec:decorative xmlns:adec="http://schemas.microsoft.com/office/drawing/2017/decorative" val="1"/>
+              </a:ext>
+            </a:extLst>
+          </p:cNvPr>
+          <p:cNvSpPr>
+            <a:spLocks noGrp="1" noRot="1" noChangeAspect="1" noMove="1" noResize="1" noEditPoints="1" noAdjustHandles="1" noChangeArrowheads="1" noChangeShapeType="1" noTextEdit="1"/>
+          </p:cNvSpPr>
+          <p:nvPr>
+            <p:extLst>
+              <p:ext uri="{386F3935-93C4-4BCD-93E2-E3B085C9AB24}">
+                <p16:designElem xmlns:p16="http://schemas.microsoft.com/office/powerpoint/2015/main" val="1"/>
+              </p:ext>
+            </p:extLst>
+          </p:nvPr>
+        </p:nvSpPr>
+        <p:spPr>
+          <a:xfrm>
+            <a:off x="0" y="0"/>
+            <a:ext cx="12191999" cy="6858000"/>
+          </a:xfrm>
+          <a:prstGeom prst="rect">
+            <a:avLst/>
+          </a:prstGeom>
+          <a:solidFill>
+            <a:schemeClr val="bg1">
+              <a:lumMod val="85000"/>
+            </a:schemeClr>
+          </a:solidFill>
+          <a:ln>
+            <a:noFill/>
+          </a:ln>
+        </p:spPr>
+        <p:style>
+          <a:lnRef idx="2">
+            <a:schemeClr val="accent1">
+              <a:shade val="50000"/>
+            </a:schemeClr>
+          </a:lnRef>
+          <a:fillRef idx="1">
+            <a:schemeClr val="accent1"/>
+          </a:fillRef>
+          <a:effectRef idx="0">
+            <a:schemeClr val="accent1"/>
+          </a:effectRef>
+          <a:fontRef idx="minor">
+            <a:schemeClr val="lt1"/>
+          </a:fontRef>
+        </p:style>
+        <p:txBody>
+          <a:bodyPr rtlCol="0" anchor="ctr"/>
+          <a:lstStyle/>
+          <a:p>
+            <a:pPr algn="ctr"/>
+            <a:endParaRPr lang="en-US"/>
+          </a:p>
+        </p:txBody>
+      </p:sp>
+      <p:sp>
+        <p:nvSpPr>
+          <p:cNvPr id="11" name="Freeform: Shape 10">
+            <a:extLst>
+              <a:ext uri="{FF2B5EF4-FFF2-40B4-BE49-F238E27FC236}">
+                <a16:creationId xmlns:a16="http://schemas.microsoft.com/office/drawing/2014/main" id="{1DE7243B-5109-444B-8FAF-7437C66BC0E9}"/>
+              </a:ext>
+              <a:ext uri="{C183D7F6-B498-43B3-948B-1728B52AA6E4}">
+                <adec:decorative xmlns:adec="http://schemas.microsoft.com/office/drawing/2017/decorative" val="1"/>
+              </a:ext>
+            </a:extLst>
+          </p:cNvPr>
+          <p:cNvSpPr>
+            <a:spLocks noGrp="1" noRot="1" noChangeAspect="1" noMove="1" noResize="1" noEditPoints="1" noAdjustHandles="1" noChangeArrowheads="1" noChangeShapeType="1" noTextEdit="1"/>
+          </p:cNvSpPr>
+          <p:nvPr>
+            <p:extLst>
+              <p:ext uri="{386F3935-93C4-4BCD-93E2-E3B085C9AB24}">
+                <p16:designElem xmlns:p16="http://schemas.microsoft.com/office/powerpoint/2015/main" val="1"/>
+              </p:ext>
+            </p:extLst>
+          </p:nvPr>
+        </p:nvSpPr>
+        <p:spPr>
+          <a:xfrm flipH="1">
+            <a:off x="0" y="0"/>
+            <a:ext cx="4421332" cy="6858000"/>
+          </a:xfrm>
+          <a:custGeom>
+            <a:avLst/>
+            <a:gdLst>
+              <a:gd name="connsiteX0" fmla="*/ 4421332 w 4421332"/>
+              <a:gd name="connsiteY0" fmla="*/ 0 h 6858000"/>
+              <a:gd name="connsiteX1" fmla="*/ 69075 w 4421332"/>
+              <a:gd name="connsiteY1" fmla="*/ 0 h 6858000"/>
+              <a:gd name="connsiteX2" fmla="*/ 35131 w 4421332"/>
+              <a:gd name="connsiteY2" fmla="*/ 267128 h 6858000"/>
+              <a:gd name="connsiteX3" fmla="*/ 0 w 4421332"/>
+              <a:gd name="connsiteY3" fmla="*/ 962845 h 6858000"/>
+              <a:gd name="connsiteX4" fmla="*/ 3276103 w 4421332"/>
+              <a:gd name="connsiteY4" fmla="*/ 6782205 h 6858000"/>
+              <a:gd name="connsiteX5" fmla="*/ 3407923 w 4421332"/>
+              <a:gd name="connsiteY5" fmla="*/ 6858000 h 6858000"/>
+              <a:gd name="connsiteX6" fmla="*/ 4421332 w 4421332"/>
+              <a:gd name="connsiteY6" fmla="*/ 6858000 h 6858000"/>
+            </a:gdLst>
+            <a:ahLst/>
+            <a:cxnLst>
+              <a:cxn ang="0">
+                <a:pos x="connsiteX0" y="connsiteY0"/>
+              </a:cxn>
+              <a:cxn ang="0">
+                <a:pos x="connsiteX1" y="connsiteY1"/>
+              </a:cxn>
+              <a:cxn ang="0">
+                <a:pos x="connsiteX2" y="connsiteY2"/>
+              </a:cxn>
+              <a:cxn ang="0">
+                <a:pos x="connsiteX3" y="connsiteY3"/>
+              </a:cxn>
+              <a:cxn ang="0">
+                <a:pos x="connsiteX4" y="connsiteY4"/>
+              </a:cxn>
+              <a:cxn ang="0">
+                <a:pos x="connsiteX5" y="connsiteY5"/>
+              </a:cxn>
+              <a:cxn ang="0">
+                <a:pos x="connsiteX6" y="connsiteY6"/>
+              </a:cxn>
+            </a:cxnLst>
+            <a:rect l="l" t="t" r="r" b="b"/>
+            <a:pathLst>
+              <a:path w="4421332" h="6858000">
+                <a:moveTo>
+                  <a:pt x="4421332" y="0"/>
+                </a:moveTo>
+                <a:lnTo>
+                  <a:pt x="69075" y="0"/>
+                </a:lnTo>
+                <a:lnTo>
+                  <a:pt x="35131" y="267128"/>
+                </a:lnTo>
+                <a:cubicBezTo>
+                  <a:pt x="11901" y="495874"/>
+                  <a:pt x="0" y="727970"/>
+                  <a:pt x="0" y="962845"/>
+                </a:cubicBezTo>
+                <a:cubicBezTo>
+                  <a:pt x="0" y="3429034"/>
+                  <a:pt x="1312002" y="5588789"/>
+                  <a:pt x="3276103" y="6782205"/>
+                </a:cubicBezTo>
+                <a:lnTo>
+                  <a:pt x="3407923" y="6858000"/>
+                </a:lnTo>
+                <a:lnTo>
+                  <a:pt x="4421332" y="6858000"/>
+                </a:lnTo>
+                <a:close/>
+              </a:path>
+            </a:pathLst>
+          </a:custGeom>
+          <a:solidFill>
+            <a:srgbClr val="FFFFFF">
+              <a:alpha val="80000"/>
+            </a:srgbClr>
+          </a:solidFill>
+          <a:ln>
+            <a:noFill/>
+          </a:ln>
+        </p:spPr>
+        <p:style>
+          <a:lnRef idx="2">
+            <a:schemeClr val="accent1">
+              <a:shade val="50000"/>
+            </a:schemeClr>
+          </a:lnRef>
+          <a:fillRef idx="1">
+            <a:schemeClr val="accent1"/>
+          </a:fillRef>
+          <a:effectRef idx="0">
+            <a:schemeClr val="accent1"/>
+          </a:effectRef>
+          <a:fontRef idx="minor">
+            <a:schemeClr val="lt1"/>
+          </a:fontRef>
+        </p:style>
+        <p:txBody>
+          <a:bodyPr wrap="square" rtlCol="0" anchor="ctr">
+            <a:noAutofit/>
+          </a:bodyPr>
+          <a:lstStyle/>
+          <a:p>
+            <a:pPr marL="0" marR="0" lvl="0" indent="0" algn="ctr" defTabSz="914400" rtl="0" eaLnBrk="1" fontAlgn="auto" latinLnBrk="0" hangingPunct="1">
+              <a:lnSpc>
+                <a:spcPct val="100000"/>
+              </a:lnSpc>
+              <a:spcBef>
+                <a:spcPts val="0"/>
+              </a:spcBef>
+              <a:spcAft>
+                <a:spcPts val="0"/>
+              </a:spcAft>
+              <a:buClrTx/>
+              <a:buSzTx/>
+              <a:buFontTx/>
+              <a:buNone/>
+              <a:tabLst/>
+              <a:defRPr/>
+            </a:pPr>
+            <a:endParaRPr kumimoji="0" lang="en-US" sz="1800" b="0" i="0" u="none" strike="noStrike" kern="1200" cap="none" spc="0" normalizeH="0" baseline="0" noProof="0">
+              <a:ln>
+                <a:noFill/>
+              </a:ln>
+              <a:solidFill>
+                <a:prstClr val="white"/>
+              </a:solidFill>
+              <a:effectLst/>
+              <a:uLnTx/>
+              <a:uFillTx/>
+              <a:latin typeface="Calibri" panose="020F0502020204030204"/>
+              <a:ea typeface="+mn-ea"/>
+              <a:cs typeface="+mn-cs"/>
+            </a:endParaRPr>
+          </a:p>
+        </p:txBody>
+      </p:sp>
+      <p:sp>
+        <p:nvSpPr>
+          <p:cNvPr id="13" name="Freeform: Shape 12">
+            <a:extLst>
+              <a:ext uri="{FF2B5EF4-FFF2-40B4-BE49-F238E27FC236}">
+                <a16:creationId xmlns:a16="http://schemas.microsoft.com/office/drawing/2014/main" id="{4C5D6221-DA7B-4611-AA26-7D8E349FDE96}"/>
+              </a:ext>
+              <a:ext uri="{C183D7F6-B498-43B3-948B-1728B52AA6E4}">
+                <adec:decorative xmlns:adec="http://schemas.microsoft.com/office/drawing/2017/decorative" val="1"/>
+              </a:ext>
+            </a:extLst>
+          </p:cNvPr>
+          <p:cNvSpPr>
+            <a:spLocks noGrp="1" noRot="1" noChangeAspect="1" noMove="1" noResize="1" noEditPoints="1" noAdjustHandles="1" noChangeArrowheads="1" noChangeShapeType="1" noTextEdit="1"/>
+          </p:cNvSpPr>
+          <p:nvPr>
+            <p:extLst>
+              <p:ext uri="{386F3935-93C4-4BCD-93E2-E3B085C9AB24}">
+                <p16:designElem xmlns:p16="http://schemas.microsoft.com/office/powerpoint/2015/main" val="1"/>
+              </p:ext>
+            </p:extLst>
+          </p:nvPr>
+        </p:nvSpPr>
+        <p:spPr>
+          <a:xfrm>
+            <a:off x="1" y="0"/>
+            <a:ext cx="4232227" cy="6858000"/>
+          </a:xfrm>
+          <a:custGeom>
+            <a:avLst/>
+            <a:gdLst>
+              <a:gd name="connsiteX0" fmla="*/ 0 w 4232227"/>
+              <a:gd name="connsiteY0" fmla="*/ 0 h 6858000"/>
+              <a:gd name="connsiteX1" fmla="*/ 4161853 w 4232227"/>
+              <a:gd name="connsiteY1" fmla="*/ 0 h 6858000"/>
+              <a:gd name="connsiteX2" fmla="*/ 4197953 w 4232227"/>
+              <a:gd name="connsiteY2" fmla="*/ 284091 h 6858000"/>
+              <a:gd name="connsiteX3" fmla="*/ 4232227 w 4232227"/>
+              <a:gd name="connsiteY3" fmla="*/ 962844 h 6858000"/>
+              <a:gd name="connsiteX4" fmla="*/ 758007 w 4232227"/>
+              <a:gd name="connsiteY4" fmla="*/ 6800152 h 6858000"/>
+              <a:gd name="connsiteX5" fmla="*/ 645060 w 4232227"/>
+              <a:gd name="connsiteY5" fmla="*/ 6858000 h 6858000"/>
+              <a:gd name="connsiteX6" fmla="*/ 0 w 4232227"/>
+              <a:gd name="connsiteY6" fmla="*/ 6858000 h 6858000"/>
+            </a:gdLst>
+            <a:ahLst/>
+            <a:cxnLst>
+              <a:cxn ang="0">
+                <a:pos x="connsiteX0" y="connsiteY0"/>
+              </a:cxn>
+              <a:cxn ang="0">
+                <a:pos x="connsiteX1" y="connsiteY1"/>
+              </a:cxn>
+              <a:cxn ang="0">
+                <a:pos x="connsiteX2" y="connsiteY2"/>
+              </a:cxn>
+              <a:cxn ang="0">
+                <a:pos x="connsiteX3" y="connsiteY3"/>
+              </a:cxn>
+              <a:cxn ang="0">
+                <a:pos x="connsiteX4" y="connsiteY4"/>
+              </a:cxn>
+              <a:cxn ang="0">
+                <a:pos x="connsiteX5" y="connsiteY5"/>
+              </a:cxn>
+              <a:cxn ang="0">
+                <a:pos x="connsiteX6" y="connsiteY6"/>
+              </a:cxn>
+            </a:cxnLst>
+            <a:rect l="l" t="t" r="r" b="b"/>
+            <a:pathLst>
+              <a:path w="4232227" h="6858000">
+                <a:moveTo>
+                  <a:pt x="0" y="0"/>
+                </a:moveTo>
+                <a:lnTo>
+                  <a:pt x="4161853" y="0"/>
+                </a:lnTo>
+                <a:lnTo>
+                  <a:pt x="4197953" y="284091"/>
+                </a:lnTo>
+                <a:cubicBezTo>
+                  <a:pt x="4220617" y="507260"/>
+                  <a:pt x="4232227" y="733696"/>
+                  <a:pt x="4232227" y="962844"/>
+                </a:cubicBezTo>
+                <a:cubicBezTo>
+                  <a:pt x="4232227" y="3483472"/>
+                  <a:pt x="2827409" y="5675986"/>
+                  <a:pt x="758007" y="6800152"/>
+                </a:cubicBezTo>
+                <a:lnTo>
+                  <a:pt x="645060" y="6858000"/>
+                </a:lnTo>
+                <a:lnTo>
+                  <a:pt x="0" y="6858000"/>
+                </a:lnTo>
+                <a:close/>
+              </a:path>
+            </a:pathLst>
+          </a:custGeom>
+          <a:solidFill>
+            <a:srgbClr val="404040"/>
+          </a:solidFill>
+          <a:ln>
+            <a:noFill/>
+          </a:ln>
+        </p:spPr>
+        <p:style>
+          <a:lnRef idx="2">
+            <a:schemeClr val="accent1">
+              <a:shade val="50000"/>
+            </a:schemeClr>
+          </a:lnRef>
+          <a:fillRef idx="1">
+            <a:schemeClr val="accent1"/>
+          </a:fillRef>
+          <a:effectRef idx="0">
+            <a:schemeClr val="accent1"/>
+          </a:effectRef>
+          <a:fontRef idx="minor">
+            <a:schemeClr val="lt1"/>
+          </a:fontRef>
+        </p:style>
+        <p:txBody>
+          <a:bodyPr wrap="square" rtlCol="0" anchor="ctr">
+            <a:noAutofit/>
+          </a:bodyPr>
+          <a:lstStyle/>
+          <a:p>
+            <a:pPr marL="0" marR="0" lvl="0" indent="0" algn="ctr" defTabSz="914400" rtl="0" eaLnBrk="1" fontAlgn="auto" latinLnBrk="0" hangingPunct="1">
+              <a:lnSpc>
+                <a:spcPct val="100000"/>
+              </a:lnSpc>
+              <a:spcBef>
+                <a:spcPts val="0"/>
+              </a:spcBef>
+              <a:spcAft>
+                <a:spcPts val="0"/>
+              </a:spcAft>
+              <a:buClrTx/>
+              <a:buSzTx/>
+              <a:buFontTx/>
+              <a:buNone/>
+              <a:tabLst/>
+              <a:defRPr/>
+            </a:pPr>
+            <a:endParaRPr kumimoji="0" lang="en-US" sz="1800" b="0" i="0" u="none" strike="noStrike" kern="1200" cap="none" spc="0" normalizeH="0" baseline="0" noProof="0">
+              <a:ln>
+                <a:noFill/>
+              </a:ln>
+              <a:solidFill>
+                <a:prstClr val="white"/>
+              </a:solidFill>
+              <a:effectLst/>
+              <a:uLnTx/>
+              <a:uFillTx/>
+              <a:latin typeface="Calibri" panose="020F0502020204030204"/>
+              <a:ea typeface="+mn-ea"/>
+              <a:cs typeface="+mn-cs"/>
+            </a:endParaRPr>
+          </a:p>
+        </p:txBody>
+      </p:sp>
+      <p:sp>
+        <p:nvSpPr>
+          <p:cNvPr id="2" name="Titre 1">
+            <a:extLst>
+              <a:ext uri="{FF2B5EF4-FFF2-40B4-BE49-F238E27FC236}">
+                <a16:creationId xmlns:a16="http://schemas.microsoft.com/office/drawing/2014/main" id="{77328127-2658-29C0-D5B6-2E19F8D9CB6F}"/>
+              </a:ext>
+            </a:extLst>
+          </p:cNvPr>
+          <p:cNvSpPr>
+            <a:spLocks noGrp="1"/>
+          </p:cNvSpPr>
+          <p:nvPr>
+            <p:ph type="ctrTitle"/>
+          </p:nvPr>
+        </p:nvSpPr>
+        <p:spPr>
+          <a:xfrm>
+            <a:off x="306769" y="2060796"/>
+            <a:ext cx="3555017" cy="1137385"/>
+          </a:xfrm>
+        </p:spPr>
+        <p:txBody>
+          <a:bodyPr vert="horz" lIns="91440" tIns="45720" rIns="91440" bIns="45720" rtlCol="0" anchor="t">
+            <a:normAutofit/>
+          </a:bodyPr>
+          <a:lstStyle/>
+          <a:p>
+            <a:pPr algn="l"/>
+            <a:r>
+              <a:rPr lang="en-US" sz="3600" b="1" dirty="0">
+                <a:solidFill>
+                  <a:srgbClr val="FFFFFF"/>
+                </a:solidFill>
+                <a:latin typeface="Century Gothic" panose="020B0502020202090204" pitchFamily="34" charset="0"/>
+              </a:rPr>
+              <a:t>Data preprocessing:</a:t>
+            </a:r>
+            <a:endParaRPr lang="en-US" sz="3600" b="1" kern="1200" dirty="0">
+              <a:solidFill>
+                <a:srgbClr val="FFFFFF"/>
+              </a:solidFill>
+              <a:latin typeface="Century Gothic" panose="020B0502020202090204" pitchFamily="34" charset="0"/>
+            </a:endParaRPr>
+          </a:p>
+        </p:txBody>
+      </p:sp>
+      <p:sp>
+        <p:nvSpPr>
+          <p:cNvPr id="4" name="Sous-titre 2">
+            <a:extLst>
+              <a:ext uri="{FF2B5EF4-FFF2-40B4-BE49-F238E27FC236}">
+                <a16:creationId xmlns:a16="http://schemas.microsoft.com/office/drawing/2014/main" id="{F268D261-47EE-1D4F-CCA1-52A3131E5925}"/>
+              </a:ext>
+            </a:extLst>
+          </p:cNvPr>
+          <p:cNvSpPr txBox="1">
+            <a:spLocks/>
+          </p:cNvSpPr>
+          <p:nvPr/>
+        </p:nvSpPr>
+        <p:spPr>
+          <a:xfrm>
+            <a:off x="5315546" y="1816257"/>
+            <a:ext cx="6569685" cy="950716"/>
+          </a:xfrm>
+          <a:prstGeom prst="rect">
+            <a:avLst/>
+          </a:prstGeom>
+        </p:spPr>
+        <p:txBody>
+          <a:bodyPr vert="horz" lIns="91440" tIns="45720" rIns="91440" bIns="45720" rtlCol="0">
+            <a:noAutofit/>
+          </a:bodyPr>
+          <a:lstStyle>
+            <a:lvl1pPr marL="0" indent="0" algn="ctr" defTabSz="914400" rtl="0" eaLnBrk="1" latinLnBrk="0" hangingPunct="1">
+              <a:lnSpc>
+                <a:spcPct val="90000"/>
+              </a:lnSpc>
+              <a:spcBef>
+                <a:spcPts val="1000"/>
+              </a:spcBef>
+              <a:buFont typeface="Arial" panose="020B0604020202020204" pitchFamily="34" charset="0"/>
+              <a:buNone/>
+              <a:defRPr sz="2400" kern="1200">
+                <a:solidFill>
+                  <a:schemeClr val="tx1"/>
+                </a:solidFill>
+                <a:latin typeface="+mn-lt"/>
+                <a:ea typeface="+mn-ea"/>
+                <a:cs typeface="+mn-cs"/>
+              </a:defRPr>
+            </a:lvl1pPr>
+            <a:lvl2pPr marL="457200" indent="0" algn="ctr" defTabSz="914400" rtl="0" eaLnBrk="1" latinLnBrk="0" hangingPunct="1">
+              <a:lnSpc>
+                <a:spcPct val="90000"/>
+              </a:lnSpc>
+              <a:spcBef>
+                <a:spcPts val="500"/>
+              </a:spcBef>
+              <a:buFont typeface="Arial" panose="020B0604020202020204" pitchFamily="34" charset="0"/>
+              <a:buNone/>
+              <a:defRPr sz="2000" kern="1200">
+                <a:solidFill>
+                  <a:schemeClr val="tx1"/>
+                </a:solidFill>
+                <a:latin typeface="+mn-lt"/>
+                <a:ea typeface="+mn-ea"/>
+                <a:cs typeface="+mn-cs"/>
+              </a:defRPr>
+            </a:lvl2pPr>
+            <a:lvl3pPr marL="914400" indent="0" algn="ctr" defTabSz="914400" rtl="0" eaLnBrk="1" latinLnBrk="0" hangingPunct="1">
+              <a:lnSpc>
+                <a:spcPct val="90000"/>
+              </a:lnSpc>
+              <a:spcBef>
+                <a:spcPts val="500"/>
+              </a:spcBef>
+              <a:buFont typeface="Arial" panose="020B0604020202020204" pitchFamily="34" charset="0"/>
+              <a:buNone/>
+              <a:defRPr sz="1800" kern="1200">
+                <a:solidFill>
+                  <a:schemeClr val="tx1"/>
+                </a:solidFill>
+                <a:latin typeface="+mn-lt"/>
+                <a:ea typeface="+mn-ea"/>
+                <a:cs typeface="+mn-cs"/>
+              </a:defRPr>
+            </a:lvl3pPr>
+            <a:lvl4pPr marL="1371600" indent="0" algn="ctr" defTabSz="914400" rtl="0" eaLnBrk="1" latinLnBrk="0" hangingPunct="1">
+              <a:lnSpc>
+                <a:spcPct val="90000"/>
+              </a:lnSpc>
+              <a:spcBef>
+                <a:spcPts val="500"/>
+              </a:spcBef>
+              <a:buFont typeface="Arial" panose="020B0604020202020204" pitchFamily="34" charset="0"/>
+              <a:buNone/>
+              <a:defRPr sz="1600" kern="1200">
+                <a:solidFill>
+                  <a:schemeClr val="tx1"/>
+                </a:solidFill>
+                <a:latin typeface="+mn-lt"/>
+                <a:ea typeface="+mn-ea"/>
+                <a:cs typeface="+mn-cs"/>
+              </a:defRPr>
+            </a:lvl4pPr>
+            <a:lvl5pPr marL="1828800" indent="0" algn="ctr" defTabSz="914400" rtl="0" eaLnBrk="1" latinLnBrk="0" hangingPunct="1">
+              <a:lnSpc>
+                <a:spcPct val="90000"/>
+              </a:lnSpc>
+              <a:spcBef>
+                <a:spcPts val="500"/>
+              </a:spcBef>
+              <a:buFont typeface="Arial" panose="020B0604020202020204" pitchFamily="34" charset="0"/>
+              <a:buNone/>
+              <a:defRPr sz="1600" kern="1200">
+                <a:solidFill>
+                  <a:schemeClr val="tx1"/>
+                </a:solidFill>
+                <a:latin typeface="+mn-lt"/>
+                <a:ea typeface="+mn-ea"/>
+                <a:cs typeface="+mn-cs"/>
+              </a:defRPr>
+            </a:lvl5pPr>
+            <a:lvl6pPr marL="2286000" indent="0" algn="ctr" defTabSz="914400" rtl="0" eaLnBrk="1" latinLnBrk="0" hangingPunct="1">
+              <a:lnSpc>
+                <a:spcPct val="90000"/>
+              </a:lnSpc>
+              <a:spcBef>
+                <a:spcPts val="500"/>
+              </a:spcBef>
+              <a:buFont typeface="Arial" panose="020B0604020202020204" pitchFamily="34" charset="0"/>
+              <a:buNone/>
+              <a:defRPr sz="1600" kern="1200">
+                <a:solidFill>
+                  <a:schemeClr val="tx1"/>
+                </a:solidFill>
+                <a:latin typeface="+mn-lt"/>
+                <a:ea typeface="+mn-ea"/>
+                <a:cs typeface="+mn-cs"/>
+              </a:defRPr>
+            </a:lvl6pPr>
+            <a:lvl7pPr marL="2743200" indent="0" algn="ctr" defTabSz="914400" rtl="0" eaLnBrk="1" latinLnBrk="0" hangingPunct="1">
+              <a:lnSpc>
+                <a:spcPct val="90000"/>
+              </a:lnSpc>
+              <a:spcBef>
+                <a:spcPts val="500"/>
+              </a:spcBef>
+              <a:buFont typeface="Arial" panose="020B0604020202020204" pitchFamily="34" charset="0"/>
+              <a:buNone/>
+              <a:defRPr sz="1600" kern="1200">
+                <a:solidFill>
+                  <a:schemeClr val="tx1"/>
+                </a:solidFill>
+                <a:latin typeface="+mn-lt"/>
+                <a:ea typeface="+mn-ea"/>
+                <a:cs typeface="+mn-cs"/>
+              </a:defRPr>
+            </a:lvl7pPr>
+            <a:lvl8pPr marL="3200400" indent="0" algn="ctr" defTabSz="914400" rtl="0" eaLnBrk="1" latinLnBrk="0" hangingPunct="1">
+              <a:lnSpc>
+                <a:spcPct val="90000"/>
+              </a:lnSpc>
+              <a:spcBef>
+                <a:spcPts val="500"/>
+              </a:spcBef>
+              <a:buFont typeface="Arial" panose="020B0604020202020204" pitchFamily="34" charset="0"/>
+              <a:buNone/>
+              <a:defRPr sz="1600" kern="1200">
+                <a:solidFill>
+                  <a:schemeClr val="tx1"/>
+                </a:solidFill>
+                <a:latin typeface="+mn-lt"/>
+                <a:ea typeface="+mn-ea"/>
+                <a:cs typeface="+mn-cs"/>
+              </a:defRPr>
+            </a:lvl8pPr>
+            <a:lvl9pPr marL="3657600" indent="0" algn="ctr" defTabSz="914400" rtl="0" eaLnBrk="1" latinLnBrk="0" hangingPunct="1">
+              <a:lnSpc>
+                <a:spcPct val="90000"/>
+              </a:lnSpc>
+              <a:spcBef>
+                <a:spcPts val="500"/>
+              </a:spcBef>
+              <a:buFont typeface="Arial" panose="020B0604020202020204" pitchFamily="34" charset="0"/>
+              <a:buNone/>
+              <a:defRPr sz="1600" kern="1200">
+                <a:solidFill>
+                  <a:schemeClr val="tx1"/>
+                </a:solidFill>
+                <a:latin typeface="+mn-lt"/>
+                <a:ea typeface="+mn-ea"/>
+                <a:cs typeface="+mn-cs"/>
+              </a:defRPr>
+            </a:lvl9pPr>
+          </a:lstStyle>
+          <a:p>
+            <a:pPr algn="l"/>
+            <a:endParaRPr lang="en-US" sz="3200" dirty="0">
+              <a:latin typeface="Century Gothic" panose="020B0502020202090204" pitchFamily="34" charset="0"/>
+            </a:endParaRPr>
+          </a:p>
+        </p:txBody>
+      </p:sp>
+      <p:sp>
+        <p:nvSpPr>
+          <p:cNvPr id="3" name="TextBox 2">
+            <a:extLst>
+              <a:ext uri="{FF2B5EF4-FFF2-40B4-BE49-F238E27FC236}">
+                <a16:creationId xmlns:a16="http://schemas.microsoft.com/office/drawing/2014/main" id="{EAD47845-7B0F-4589-A4F6-5510F2647AF3}"/>
+              </a:ext>
+            </a:extLst>
+          </p:cNvPr>
+          <p:cNvSpPr txBox="1"/>
+          <p:nvPr/>
+        </p:nvSpPr>
+        <p:spPr>
+          <a:xfrm>
+            <a:off x="4872111" y="602591"/>
+            <a:ext cx="7013120" cy="830997"/>
+          </a:xfrm>
+          <a:prstGeom prst="rect">
+            <a:avLst/>
+          </a:prstGeom>
+          <a:noFill/>
+        </p:spPr>
+        <p:txBody>
+          <a:bodyPr wrap="square" rtlCol="0">
+            <a:spAutoFit/>
+          </a:bodyPr>
+          <a:lstStyle/>
+          <a:p>
+            <a:r>
+              <a:rPr lang="en-US" sz="2400" dirty="0">
+                <a:latin typeface="Century Gothic" panose="020B0502020202090204" pitchFamily="34" charset="0"/>
+              </a:rPr>
+              <a:t>The last step is the heatmap of the correlation matrix to find links between variables.</a:t>
+            </a:r>
+          </a:p>
+        </p:txBody>
+      </p:sp>
+      <p:pic>
+        <p:nvPicPr>
+          <p:cNvPr id="6" name="Picture 5">
+            <a:extLst>
+              <a:ext uri="{FF2B5EF4-FFF2-40B4-BE49-F238E27FC236}">
+                <a16:creationId xmlns:a16="http://schemas.microsoft.com/office/drawing/2014/main" id="{BE494B29-AC7A-4CD7-93C8-8409FDAA709C}"/>
+              </a:ext>
+            </a:extLst>
+          </p:cNvPr>
+          <p:cNvPicPr>
+            <a:picLocks noChangeAspect="1"/>
+          </p:cNvPicPr>
+          <p:nvPr/>
+        </p:nvPicPr>
+        <p:blipFill>
+          <a:blip r:embed="rId2"/>
+          <a:stretch>
+            <a:fillRect/>
+          </a:stretch>
+        </p:blipFill>
+        <p:spPr>
+          <a:xfrm>
+            <a:off x="4538996" y="2191502"/>
+            <a:ext cx="7500082" cy="4559494"/>
+          </a:xfrm>
+          <a:prstGeom prst="rect">
+            <a:avLst/>
+          </a:prstGeom>
+        </p:spPr>
+      </p:pic>
+    </p:spTree>
+    <p:extLst>
+      <p:ext uri="{BB962C8B-B14F-4D97-AF65-F5344CB8AC3E}">
+        <p14:creationId xmlns:p14="http://schemas.microsoft.com/office/powerpoint/2010/main" val="587511424"/>
+      </p:ext>
+    </p:extLst>
+  </p:cSld>
+  <p:clrMapOvr>
+    <a:masterClrMapping/>
+  </p:clrMapOvr>
+</p:sld>
+</file>
+
+<file path=ppt/slides/slide6.xml><?xml version="1.0" encoding="utf-8"?>
+<p:sld xmlns:a="http://schemas.openxmlformats.org/drawingml/2006/main" xmlns:r="http://schemas.openxmlformats.org/officeDocument/2006/relationships" xmlns:p="http://schemas.openxmlformats.org/presentationml/2006/main">
+  <p:cSld>
+    <p:bg>
+      <p:bgPr>
+        <a:solidFill>
+          <a:schemeClr val="bg1"/>
+        </a:solidFill>
+        <a:effectLst/>
+      </p:bgPr>
+    </p:bg>
+    <p:spTree>
+      <p:nvGrpSpPr>
+        <p:cNvPr id="1" name=""/>
+        <p:cNvGrpSpPr/>
+        <p:nvPr/>
+      </p:nvGrpSpPr>
+      <p:grpSpPr>
+        <a:xfrm>
+          <a:off x="0" y="0"/>
+          <a:ext cx="0" cy="0"/>
+          <a:chOff x="0" y="0"/>
+          <a:chExt cx="0" cy="0"/>
+        </a:xfrm>
+      </p:grpSpPr>
+      <p:sp>
+        <p:nvSpPr>
+          <p:cNvPr id="9" name="Rectangle 8">
+            <a:extLst>
+              <a:ext uri="{FF2B5EF4-FFF2-40B4-BE49-F238E27FC236}">
+                <a16:creationId xmlns:a16="http://schemas.microsoft.com/office/drawing/2014/main" id="{E35A04CF-97D4-4FF7-B359-C546B1F62E54}"/>
+              </a:ext>
+              <a:ext uri="{C183D7F6-B498-43B3-948B-1728B52AA6E4}">
+                <adec:decorative xmlns:adec="http://schemas.microsoft.com/office/drawing/2017/decorative" val="1"/>
+              </a:ext>
+            </a:extLst>
+          </p:cNvPr>
+          <p:cNvSpPr>
+            <a:spLocks noGrp="1" noRot="1" noChangeAspect="1" noMove="1" noResize="1" noEditPoints="1" noAdjustHandles="1" noChangeArrowheads="1" noChangeShapeType="1" noTextEdit="1"/>
+          </p:cNvSpPr>
+          <p:nvPr>
+            <p:extLst>
+              <p:ext uri="{386F3935-93C4-4BCD-93E2-E3B085C9AB24}">
+                <p16:designElem xmlns:p16="http://schemas.microsoft.com/office/powerpoint/2015/main" val="1"/>
+              </p:ext>
+            </p:extLst>
+          </p:nvPr>
+        </p:nvSpPr>
+        <p:spPr>
+          <a:xfrm>
+            <a:off x="0" y="0"/>
+            <a:ext cx="12191999" cy="6858000"/>
+          </a:xfrm>
+          <a:prstGeom prst="rect">
+            <a:avLst/>
+          </a:prstGeom>
+          <a:solidFill>
+            <a:schemeClr val="bg1">
+              <a:lumMod val="85000"/>
+            </a:schemeClr>
+          </a:solidFill>
+          <a:ln>
+            <a:noFill/>
+          </a:ln>
+        </p:spPr>
+        <p:style>
+          <a:lnRef idx="2">
+            <a:schemeClr val="accent1">
+              <a:shade val="50000"/>
+            </a:schemeClr>
+          </a:lnRef>
+          <a:fillRef idx="1">
+            <a:schemeClr val="accent1"/>
+          </a:fillRef>
+          <a:effectRef idx="0">
+            <a:schemeClr val="accent1"/>
+          </a:effectRef>
+          <a:fontRef idx="minor">
+            <a:schemeClr val="lt1"/>
+          </a:fontRef>
+        </p:style>
+        <p:txBody>
+          <a:bodyPr rtlCol="0" anchor="ctr"/>
+          <a:lstStyle/>
+          <a:p>
+            <a:pPr algn="ctr"/>
+            <a:endParaRPr lang="en-US"/>
+          </a:p>
+        </p:txBody>
+      </p:sp>
+      <p:sp>
+        <p:nvSpPr>
+          <p:cNvPr id="11" name="Freeform: Shape 10">
+            <a:extLst>
+              <a:ext uri="{FF2B5EF4-FFF2-40B4-BE49-F238E27FC236}">
+                <a16:creationId xmlns:a16="http://schemas.microsoft.com/office/drawing/2014/main" id="{1DE7243B-5109-444B-8FAF-7437C66BC0E9}"/>
+              </a:ext>
+              <a:ext uri="{C183D7F6-B498-43B3-948B-1728B52AA6E4}">
+                <adec:decorative xmlns:adec="http://schemas.microsoft.com/office/drawing/2017/decorative" val="1"/>
+              </a:ext>
+            </a:extLst>
+          </p:cNvPr>
+          <p:cNvSpPr>
+            <a:spLocks noGrp="1" noRot="1" noChangeAspect="1" noMove="1" noResize="1" noEditPoints="1" noAdjustHandles="1" noChangeArrowheads="1" noChangeShapeType="1" noTextEdit="1"/>
+          </p:cNvSpPr>
+          <p:nvPr>
+            <p:extLst>
+              <p:ext uri="{386F3935-93C4-4BCD-93E2-E3B085C9AB24}">
+                <p16:designElem xmlns:p16="http://schemas.microsoft.com/office/powerpoint/2015/main" val="1"/>
+              </p:ext>
+            </p:extLst>
+          </p:nvPr>
+        </p:nvSpPr>
+        <p:spPr>
+          <a:xfrm flipH="1">
+            <a:off x="0" y="0"/>
+            <a:ext cx="4421332" cy="6858000"/>
+          </a:xfrm>
+          <a:custGeom>
+            <a:avLst/>
+            <a:gdLst>
+              <a:gd name="connsiteX0" fmla="*/ 4421332 w 4421332"/>
+              <a:gd name="connsiteY0" fmla="*/ 0 h 6858000"/>
+              <a:gd name="connsiteX1" fmla="*/ 69075 w 4421332"/>
+              <a:gd name="connsiteY1" fmla="*/ 0 h 6858000"/>
+              <a:gd name="connsiteX2" fmla="*/ 35131 w 4421332"/>
+              <a:gd name="connsiteY2" fmla="*/ 267128 h 6858000"/>
+              <a:gd name="connsiteX3" fmla="*/ 0 w 4421332"/>
+              <a:gd name="connsiteY3" fmla="*/ 962845 h 6858000"/>
+              <a:gd name="connsiteX4" fmla="*/ 3276103 w 4421332"/>
+              <a:gd name="connsiteY4" fmla="*/ 6782205 h 6858000"/>
+              <a:gd name="connsiteX5" fmla="*/ 3407923 w 4421332"/>
+              <a:gd name="connsiteY5" fmla="*/ 6858000 h 6858000"/>
+              <a:gd name="connsiteX6" fmla="*/ 4421332 w 4421332"/>
+              <a:gd name="connsiteY6" fmla="*/ 6858000 h 6858000"/>
+            </a:gdLst>
+            <a:ahLst/>
+            <a:cxnLst>
+              <a:cxn ang="0">
+                <a:pos x="connsiteX0" y="connsiteY0"/>
+              </a:cxn>
+              <a:cxn ang="0">
+                <a:pos x="connsiteX1" y="connsiteY1"/>
+              </a:cxn>
+              <a:cxn ang="0">
+                <a:pos x="connsiteX2" y="connsiteY2"/>
+              </a:cxn>
+              <a:cxn ang="0">
+                <a:pos x="connsiteX3" y="connsiteY3"/>
+              </a:cxn>
+              <a:cxn ang="0">
+                <a:pos x="connsiteX4" y="connsiteY4"/>
+              </a:cxn>
+              <a:cxn ang="0">
+                <a:pos x="connsiteX5" y="connsiteY5"/>
+              </a:cxn>
+              <a:cxn ang="0">
+                <a:pos x="connsiteX6" y="connsiteY6"/>
+              </a:cxn>
+            </a:cxnLst>
+            <a:rect l="l" t="t" r="r" b="b"/>
+            <a:pathLst>
+              <a:path w="4421332" h="6858000">
+                <a:moveTo>
+                  <a:pt x="4421332" y="0"/>
+                </a:moveTo>
+                <a:lnTo>
+                  <a:pt x="69075" y="0"/>
+                </a:lnTo>
+                <a:lnTo>
+                  <a:pt x="35131" y="267128"/>
+                </a:lnTo>
+                <a:cubicBezTo>
+                  <a:pt x="11901" y="495874"/>
+                  <a:pt x="0" y="727970"/>
+                  <a:pt x="0" y="962845"/>
+                </a:cubicBezTo>
+                <a:cubicBezTo>
+                  <a:pt x="0" y="3429034"/>
+                  <a:pt x="1312002" y="5588789"/>
+                  <a:pt x="3276103" y="6782205"/>
+                </a:cubicBezTo>
+                <a:lnTo>
+                  <a:pt x="3407923" y="6858000"/>
+                </a:lnTo>
+                <a:lnTo>
+                  <a:pt x="4421332" y="6858000"/>
+                </a:lnTo>
+                <a:close/>
+              </a:path>
+            </a:pathLst>
+          </a:custGeom>
+          <a:solidFill>
+            <a:srgbClr val="FFFFFF">
+              <a:alpha val="80000"/>
+            </a:srgbClr>
+          </a:solidFill>
+          <a:ln>
+            <a:noFill/>
+          </a:ln>
+        </p:spPr>
+        <p:style>
+          <a:lnRef idx="2">
+            <a:schemeClr val="accent1">
+              <a:shade val="50000"/>
+            </a:schemeClr>
+          </a:lnRef>
+          <a:fillRef idx="1">
+            <a:schemeClr val="accent1"/>
+          </a:fillRef>
+          <a:effectRef idx="0">
+            <a:schemeClr val="accent1"/>
+          </a:effectRef>
+          <a:fontRef idx="minor">
+            <a:schemeClr val="lt1"/>
+          </a:fontRef>
+        </p:style>
+        <p:txBody>
+          <a:bodyPr wrap="square" rtlCol="0" anchor="ctr">
+            <a:noAutofit/>
+          </a:bodyPr>
+          <a:lstStyle/>
+          <a:p>
+            <a:pPr marL="0" marR="0" lvl="0" indent="0" algn="ctr" defTabSz="914400" rtl="0" eaLnBrk="1" fontAlgn="auto" latinLnBrk="0" hangingPunct="1">
+              <a:lnSpc>
+                <a:spcPct val="100000"/>
+              </a:lnSpc>
+              <a:spcBef>
+                <a:spcPts val="0"/>
+              </a:spcBef>
+              <a:spcAft>
+                <a:spcPts val="0"/>
+              </a:spcAft>
+              <a:buClrTx/>
+              <a:buSzTx/>
+              <a:buFontTx/>
+              <a:buNone/>
+              <a:tabLst/>
+              <a:defRPr/>
+            </a:pPr>
+            <a:endParaRPr kumimoji="0" lang="en-US" sz="1800" b="0" i="0" u="none" strike="noStrike" kern="1200" cap="none" spc="0" normalizeH="0" baseline="0" noProof="0">
+              <a:ln>
+                <a:noFill/>
+              </a:ln>
+              <a:solidFill>
+                <a:prstClr val="white"/>
+              </a:solidFill>
+              <a:effectLst/>
+              <a:uLnTx/>
+              <a:uFillTx/>
+              <a:latin typeface="Calibri" panose="020F0502020204030204"/>
+              <a:ea typeface="+mn-ea"/>
+              <a:cs typeface="+mn-cs"/>
+            </a:endParaRPr>
+          </a:p>
+        </p:txBody>
+      </p:sp>
+      <p:sp>
+        <p:nvSpPr>
+          <p:cNvPr id="13" name="Freeform: Shape 12">
+            <a:extLst>
+              <a:ext uri="{FF2B5EF4-FFF2-40B4-BE49-F238E27FC236}">
+                <a16:creationId xmlns:a16="http://schemas.microsoft.com/office/drawing/2014/main" id="{4C5D6221-DA7B-4611-AA26-7D8E349FDE96}"/>
+              </a:ext>
+              <a:ext uri="{C183D7F6-B498-43B3-948B-1728B52AA6E4}">
+                <adec:decorative xmlns:adec="http://schemas.microsoft.com/office/drawing/2017/decorative" val="1"/>
+              </a:ext>
+            </a:extLst>
+          </p:cNvPr>
+          <p:cNvSpPr>
+            <a:spLocks noGrp="1" noRot="1" noChangeAspect="1" noMove="1" noResize="1" noEditPoints="1" noAdjustHandles="1" noChangeArrowheads="1" noChangeShapeType="1" noTextEdit="1"/>
+          </p:cNvSpPr>
+          <p:nvPr>
+            <p:extLst>
+              <p:ext uri="{386F3935-93C4-4BCD-93E2-E3B085C9AB24}">
+                <p16:designElem xmlns:p16="http://schemas.microsoft.com/office/powerpoint/2015/main" val="1"/>
+              </p:ext>
+            </p:extLst>
+          </p:nvPr>
+        </p:nvSpPr>
+        <p:spPr>
+          <a:xfrm>
+            <a:off x="1" y="0"/>
+            <a:ext cx="4232227" cy="6858000"/>
+          </a:xfrm>
+          <a:custGeom>
+            <a:avLst/>
+            <a:gdLst>
+              <a:gd name="connsiteX0" fmla="*/ 0 w 4232227"/>
+              <a:gd name="connsiteY0" fmla="*/ 0 h 6858000"/>
+              <a:gd name="connsiteX1" fmla="*/ 4161853 w 4232227"/>
+              <a:gd name="connsiteY1" fmla="*/ 0 h 6858000"/>
+              <a:gd name="connsiteX2" fmla="*/ 4197953 w 4232227"/>
+              <a:gd name="connsiteY2" fmla="*/ 284091 h 6858000"/>
+              <a:gd name="connsiteX3" fmla="*/ 4232227 w 4232227"/>
+              <a:gd name="connsiteY3" fmla="*/ 962844 h 6858000"/>
+              <a:gd name="connsiteX4" fmla="*/ 758007 w 4232227"/>
+              <a:gd name="connsiteY4" fmla="*/ 6800152 h 6858000"/>
+              <a:gd name="connsiteX5" fmla="*/ 645060 w 4232227"/>
+              <a:gd name="connsiteY5" fmla="*/ 6858000 h 6858000"/>
+              <a:gd name="connsiteX6" fmla="*/ 0 w 4232227"/>
+              <a:gd name="connsiteY6" fmla="*/ 6858000 h 6858000"/>
+            </a:gdLst>
+            <a:ahLst/>
+            <a:cxnLst>
+              <a:cxn ang="0">
+                <a:pos x="connsiteX0" y="connsiteY0"/>
+              </a:cxn>
+              <a:cxn ang="0">
+                <a:pos x="connsiteX1" y="connsiteY1"/>
+              </a:cxn>
+              <a:cxn ang="0">
+                <a:pos x="connsiteX2" y="connsiteY2"/>
+              </a:cxn>
+              <a:cxn ang="0">
+                <a:pos x="connsiteX3" y="connsiteY3"/>
+              </a:cxn>
+              <a:cxn ang="0">
+                <a:pos x="connsiteX4" y="connsiteY4"/>
+              </a:cxn>
+              <a:cxn ang="0">
+                <a:pos x="connsiteX5" y="connsiteY5"/>
+              </a:cxn>
+              <a:cxn ang="0">
+                <a:pos x="connsiteX6" y="connsiteY6"/>
+              </a:cxn>
+            </a:cxnLst>
+            <a:rect l="l" t="t" r="r" b="b"/>
+            <a:pathLst>
+              <a:path w="4232227" h="6858000">
+                <a:moveTo>
+                  <a:pt x="0" y="0"/>
+                </a:moveTo>
+                <a:lnTo>
+                  <a:pt x="4161853" y="0"/>
+                </a:lnTo>
+                <a:lnTo>
+                  <a:pt x="4197953" y="284091"/>
+                </a:lnTo>
+                <a:cubicBezTo>
+                  <a:pt x="4220617" y="507260"/>
+                  <a:pt x="4232227" y="733696"/>
+                  <a:pt x="4232227" y="962844"/>
+                </a:cubicBezTo>
+                <a:cubicBezTo>
+                  <a:pt x="4232227" y="3483472"/>
+                  <a:pt x="2827409" y="5675986"/>
+                  <a:pt x="758007" y="6800152"/>
+                </a:cubicBezTo>
+                <a:lnTo>
+                  <a:pt x="645060" y="6858000"/>
+                </a:lnTo>
+                <a:lnTo>
+                  <a:pt x="0" y="6858000"/>
+                </a:lnTo>
+                <a:close/>
+              </a:path>
+            </a:pathLst>
+          </a:custGeom>
+          <a:solidFill>
+            <a:srgbClr val="404040"/>
+          </a:solidFill>
+          <a:ln>
+            <a:noFill/>
+          </a:ln>
+        </p:spPr>
+        <p:style>
+          <a:lnRef idx="2">
+            <a:schemeClr val="accent1">
+              <a:shade val="50000"/>
+            </a:schemeClr>
+          </a:lnRef>
+          <a:fillRef idx="1">
+            <a:schemeClr val="accent1"/>
+          </a:fillRef>
+          <a:effectRef idx="0">
+            <a:schemeClr val="accent1"/>
+          </a:effectRef>
+          <a:fontRef idx="minor">
+            <a:schemeClr val="lt1"/>
+          </a:fontRef>
+        </p:style>
+        <p:txBody>
+          <a:bodyPr wrap="square" rtlCol="0" anchor="ctr">
+            <a:noAutofit/>
+          </a:bodyPr>
+          <a:lstStyle/>
+          <a:p>
+            <a:pPr marL="0" marR="0" lvl="0" indent="0" algn="ctr" defTabSz="914400" rtl="0" eaLnBrk="1" fontAlgn="auto" latinLnBrk="0" hangingPunct="1">
+              <a:lnSpc>
+                <a:spcPct val="100000"/>
+              </a:lnSpc>
+              <a:spcBef>
+                <a:spcPts val="0"/>
+              </a:spcBef>
+              <a:spcAft>
+                <a:spcPts val="0"/>
+              </a:spcAft>
+              <a:buClrTx/>
+              <a:buSzTx/>
+              <a:buFontTx/>
+              <a:buNone/>
+              <a:tabLst/>
+              <a:defRPr/>
+            </a:pPr>
+            <a:endParaRPr kumimoji="0" lang="en-US" sz="1800" b="0" i="0" u="none" strike="noStrike" kern="1200" cap="none" spc="0" normalizeH="0" baseline="0" noProof="0">
+              <a:ln>
+                <a:noFill/>
+              </a:ln>
+              <a:solidFill>
+                <a:prstClr val="white"/>
+              </a:solidFill>
+              <a:effectLst/>
+              <a:uLnTx/>
+              <a:uFillTx/>
+              <a:latin typeface="Calibri" panose="020F0502020204030204"/>
+              <a:ea typeface="+mn-ea"/>
+              <a:cs typeface="+mn-cs"/>
+            </a:endParaRPr>
+          </a:p>
+        </p:txBody>
+      </p:sp>
+      <p:sp>
+        <p:nvSpPr>
+          <p:cNvPr id="2" name="Titre 1">
+            <a:extLst>
+              <a:ext uri="{FF2B5EF4-FFF2-40B4-BE49-F238E27FC236}">
+                <a16:creationId xmlns:a16="http://schemas.microsoft.com/office/drawing/2014/main" id="{77328127-2658-29C0-D5B6-2E19F8D9CB6F}"/>
+              </a:ext>
+            </a:extLst>
+          </p:cNvPr>
+          <p:cNvSpPr>
+            <a:spLocks noGrp="1"/>
+          </p:cNvSpPr>
+          <p:nvPr>
+            <p:ph type="ctrTitle"/>
+          </p:nvPr>
+        </p:nvSpPr>
+        <p:spPr>
+          <a:xfrm>
+            <a:off x="306769" y="1980896"/>
+            <a:ext cx="3626039" cy="1010878"/>
+          </a:xfrm>
+        </p:spPr>
+        <p:txBody>
+          <a:bodyPr vert="horz" lIns="91440" tIns="45720" rIns="91440" bIns="45720" rtlCol="0" anchor="t">
+            <a:normAutofit fontScale="90000"/>
+          </a:bodyPr>
+          <a:lstStyle/>
+          <a:p>
+            <a:pPr algn="l"/>
+            <a:r>
+              <a:rPr lang="en-US" sz="3600" b="1" dirty="0">
+                <a:solidFill>
+                  <a:srgbClr val="FFFFFF"/>
+                </a:solidFill>
+                <a:latin typeface="Century Gothic" panose="020B0502020202090204" pitchFamily="34" charset="0"/>
+              </a:rPr>
+              <a:t>Data visualization:</a:t>
+            </a:r>
+            <a:endParaRPr lang="en-US" sz="3600" b="1" kern="1200" dirty="0">
+              <a:solidFill>
+                <a:srgbClr val="FFFFFF"/>
+              </a:solidFill>
+              <a:latin typeface="Century Gothic" panose="020B0502020202090204" pitchFamily="34" charset="0"/>
+            </a:endParaRPr>
+          </a:p>
+        </p:txBody>
+      </p:sp>
+      <p:sp>
+        <p:nvSpPr>
+          <p:cNvPr id="4" name="Sous-titre 2">
+            <a:extLst>
+              <a:ext uri="{FF2B5EF4-FFF2-40B4-BE49-F238E27FC236}">
+                <a16:creationId xmlns:a16="http://schemas.microsoft.com/office/drawing/2014/main" id="{F268D261-47EE-1D4F-CCA1-52A3131E5925}"/>
+              </a:ext>
+            </a:extLst>
+          </p:cNvPr>
+          <p:cNvSpPr txBox="1">
+            <a:spLocks/>
+          </p:cNvSpPr>
+          <p:nvPr/>
+        </p:nvSpPr>
+        <p:spPr>
+          <a:xfrm>
+            <a:off x="5315546" y="1816257"/>
+            <a:ext cx="6569685" cy="950716"/>
+          </a:xfrm>
+          <a:prstGeom prst="rect">
+            <a:avLst/>
+          </a:prstGeom>
+        </p:spPr>
+        <p:txBody>
+          <a:bodyPr vert="horz" lIns="91440" tIns="45720" rIns="91440" bIns="45720" rtlCol="0">
+            <a:noAutofit/>
+          </a:bodyPr>
+          <a:lstStyle>
+            <a:lvl1pPr marL="0" indent="0" algn="ctr" defTabSz="914400" rtl="0" eaLnBrk="1" latinLnBrk="0" hangingPunct="1">
+              <a:lnSpc>
+                <a:spcPct val="90000"/>
+              </a:lnSpc>
+              <a:spcBef>
+                <a:spcPts val="1000"/>
+              </a:spcBef>
+              <a:buFont typeface="Arial" panose="020B0604020202020204" pitchFamily="34" charset="0"/>
+              <a:buNone/>
+              <a:defRPr sz="2400" kern="1200">
+                <a:solidFill>
+                  <a:schemeClr val="tx1"/>
+                </a:solidFill>
+                <a:latin typeface="+mn-lt"/>
+                <a:ea typeface="+mn-ea"/>
+                <a:cs typeface="+mn-cs"/>
+              </a:defRPr>
+            </a:lvl1pPr>
+            <a:lvl2pPr marL="457200" indent="0" algn="ctr" defTabSz="914400" rtl="0" eaLnBrk="1" latinLnBrk="0" hangingPunct="1">
+              <a:lnSpc>
+                <a:spcPct val="90000"/>
+              </a:lnSpc>
+              <a:spcBef>
+                <a:spcPts val="500"/>
+              </a:spcBef>
+              <a:buFont typeface="Arial" panose="020B0604020202020204" pitchFamily="34" charset="0"/>
+              <a:buNone/>
+              <a:defRPr sz="2000" kern="1200">
+                <a:solidFill>
+                  <a:schemeClr val="tx1"/>
+                </a:solidFill>
+                <a:latin typeface="+mn-lt"/>
+                <a:ea typeface="+mn-ea"/>
+                <a:cs typeface="+mn-cs"/>
+              </a:defRPr>
+            </a:lvl2pPr>
+            <a:lvl3pPr marL="914400" indent="0" algn="ctr" defTabSz="914400" rtl="0" eaLnBrk="1" latinLnBrk="0" hangingPunct="1">
+              <a:lnSpc>
+                <a:spcPct val="90000"/>
+              </a:lnSpc>
+              <a:spcBef>
+                <a:spcPts val="500"/>
+              </a:spcBef>
+              <a:buFont typeface="Arial" panose="020B0604020202020204" pitchFamily="34" charset="0"/>
+              <a:buNone/>
+              <a:defRPr sz="1800" kern="1200">
+                <a:solidFill>
+                  <a:schemeClr val="tx1"/>
+                </a:solidFill>
+                <a:latin typeface="+mn-lt"/>
+                <a:ea typeface="+mn-ea"/>
+                <a:cs typeface="+mn-cs"/>
+              </a:defRPr>
+            </a:lvl3pPr>
+            <a:lvl4pPr marL="1371600" indent="0" algn="ctr" defTabSz="914400" rtl="0" eaLnBrk="1" latinLnBrk="0" hangingPunct="1">
+              <a:lnSpc>
+                <a:spcPct val="90000"/>
+              </a:lnSpc>
+              <a:spcBef>
+                <a:spcPts val="500"/>
+              </a:spcBef>
+              <a:buFont typeface="Arial" panose="020B0604020202020204" pitchFamily="34" charset="0"/>
+              <a:buNone/>
+              <a:defRPr sz="1600" kern="1200">
+                <a:solidFill>
+                  <a:schemeClr val="tx1"/>
+                </a:solidFill>
+                <a:latin typeface="+mn-lt"/>
+                <a:ea typeface="+mn-ea"/>
+                <a:cs typeface="+mn-cs"/>
+              </a:defRPr>
+            </a:lvl4pPr>
+            <a:lvl5pPr marL="1828800" indent="0" algn="ctr" defTabSz="914400" rtl="0" eaLnBrk="1" latinLnBrk="0" hangingPunct="1">
+              <a:lnSpc>
+                <a:spcPct val="90000"/>
+              </a:lnSpc>
+              <a:spcBef>
+                <a:spcPts val="500"/>
+              </a:spcBef>
+              <a:buFont typeface="Arial" panose="020B0604020202020204" pitchFamily="34" charset="0"/>
+              <a:buNone/>
+              <a:defRPr sz="1600" kern="1200">
+                <a:solidFill>
+                  <a:schemeClr val="tx1"/>
+                </a:solidFill>
+                <a:latin typeface="+mn-lt"/>
+                <a:ea typeface="+mn-ea"/>
+                <a:cs typeface="+mn-cs"/>
+              </a:defRPr>
+            </a:lvl5pPr>
+            <a:lvl6pPr marL="2286000" indent="0" algn="ctr" defTabSz="914400" rtl="0" eaLnBrk="1" latinLnBrk="0" hangingPunct="1">
+              <a:lnSpc>
+                <a:spcPct val="90000"/>
+              </a:lnSpc>
+              <a:spcBef>
+                <a:spcPts val="500"/>
+              </a:spcBef>
+              <a:buFont typeface="Arial" panose="020B0604020202020204" pitchFamily="34" charset="0"/>
+              <a:buNone/>
+              <a:defRPr sz="1600" kern="1200">
+                <a:solidFill>
+                  <a:schemeClr val="tx1"/>
+                </a:solidFill>
+                <a:latin typeface="+mn-lt"/>
+                <a:ea typeface="+mn-ea"/>
+                <a:cs typeface="+mn-cs"/>
+              </a:defRPr>
+            </a:lvl6pPr>
+            <a:lvl7pPr marL="2743200" indent="0" algn="ctr" defTabSz="914400" rtl="0" eaLnBrk="1" latinLnBrk="0" hangingPunct="1">
+              <a:lnSpc>
+                <a:spcPct val="90000"/>
+              </a:lnSpc>
+              <a:spcBef>
+                <a:spcPts val="500"/>
+              </a:spcBef>
+              <a:buFont typeface="Arial" panose="020B0604020202020204" pitchFamily="34" charset="0"/>
+              <a:buNone/>
+              <a:defRPr sz="1600" kern="1200">
+                <a:solidFill>
+                  <a:schemeClr val="tx1"/>
+                </a:solidFill>
+                <a:latin typeface="+mn-lt"/>
+                <a:ea typeface="+mn-ea"/>
+                <a:cs typeface="+mn-cs"/>
+              </a:defRPr>
+            </a:lvl7pPr>
+            <a:lvl8pPr marL="3200400" indent="0" algn="ctr" defTabSz="914400" rtl="0" eaLnBrk="1" latinLnBrk="0" hangingPunct="1">
+              <a:lnSpc>
+                <a:spcPct val="90000"/>
+              </a:lnSpc>
+              <a:spcBef>
+                <a:spcPts val="500"/>
+              </a:spcBef>
+              <a:buFont typeface="Arial" panose="020B0604020202020204" pitchFamily="34" charset="0"/>
+              <a:buNone/>
+              <a:defRPr sz="1600" kern="1200">
+                <a:solidFill>
+                  <a:schemeClr val="tx1"/>
+                </a:solidFill>
+                <a:latin typeface="+mn-lt"/>
+                <a:ea typeface="+mn-ea"/>
+                <a:cs typeface="+mn-cs"/>
+              </a:defRPr>
+            </a:lvl8pPr>
+            <a:lvl9pPr marL="3657600" indent="0" algn="ctr" defTabSz="914400" rtl="0" eaLnBrk="1" latinLnBrk="0" hangingPunct="1">
+              <a:lnSpc>
+                <a:spcPct val="90000"/>
+              </a:lnSpc>
+              <a:spcBef>
+                <a:spcPts val="500"/>
+              </a:spcBef>
+              <a:buFont typeface="Arial" panose="020B0604020202020204" pitchFamily="34" charset="0"/>
+              <a:buNone/>
+              <a:defRPr sz="1600" kern="1200">
+                <a:solidFill>
+                  <a:schemeClr val="tx1"/>
+                </a:solidFill>
+                <a:latin typeface="+mn-lt"/>
+                <a:ea typeface="+mn-ea"/>
+                <a:cs typeface="+mn-cs"/>
+              </a:defRPr>
+            </a:lvl9pPr>
+          </a:lstStyle>
+          <a:p>
+            <a:pPr algn="l"/>
+            <a:endParaRPr lang="en-US" sz="3200" dirty="0">
+              <a:latin typeface="Century Gothic" panose="020B0502020202090204" pitchFamily="34" charset="0"/>
+            </a:endParaRPr>
+          </a:p>
+        </p:txBody>
+      </p:sp>
+      <p:sp>
+        <p:nvSpPr>
+          <p:cNvPr id="3" name="TextBox 2">
+            <a:extLst>
+              <a:ext uri="{FF2B5EF4-FFF2-40B4-BE49-F238E27FC236}">
+                <a16:creationId xmlns:a16="http://schemas.microsoft.com/office/drawing/2014/main" id="{202E6CE0-2539-41B7-8A0C-62E272A12CC7}"/>
+              </a:ext>
+            </a:extLst>
+          </p:cNvPr>
+          <p:cNvSpPr txBox="1"/>
+          <p:nvPr/>
+        </p:nvSpPr>
+        <p:spPr>
+          <a:xfrm>
+            <a:off x="5090102" y="554186"/>
+            <a:ext cx="6569685" cy="707886"/>
+          </a:xfrm>
+          <a:prstGeom prst="rect">
+            <a:avLst/>
+          </a:prstGeom>
+          <a:noFill/>
+        </p:spPr>
+        <p:txBody>
+          <a:bodyPr wrap="square" rtlCol="0">
+            <a:spAutoFit/>
+          </a:bodyPr>
+          <a:lstStyle/>
+          <a:p>
+            <a:r>
+              <a:rPr lang="en-US" sz="2000" dirty="0">
+                <a:latin typeface="Century Gothic" panose="020B0502020202090204" pitchFamily="34" charset="0"/>
+              </a:rPr>
+              <a:t>First let’s have a look to the number of diabetic people depending on their age:</a:t>
+            </a:r>
+          </a:p>
+        </p:txBody>
+      </p:sp>
+      <p:pic>
+        <p:nvPicPr>
+          <p:cNvPr id="6" name="Picture 5">
+            <a:extLst>
+              <a:ext uri="{FF2B5EF4-FFF2-40B4-BE49-F238E27FC236}">
+                <a16:creationId xmlns:a16="http://schemas.microsoft.com/office/drawing/2014/main" id="{BCAEEE91-FE71-4001-8C0B-A977FD787FAB}"/>
+              </a:ext>
+            </a:extLst>
+          </p:cNvPr>
+          <p:cNvPicPr>
+            <a:picLocks noChangeAspect="1"/>
+          </p:cNvPicPr>
+          <p:nvPr/>
+        </p:nvPicPr>
+        <p:blipFill>
+          <a:blip r:embed="rId2"/>
+          <a:stretch>
+            <a:fillRect/>
+          </a:stretch>
+        </p:blipFill>
+        <p:spPr>
+          <a:xfrm>
+            <a:off x="3930682" y="3866227"/>
+            <a:ext cx="8058184" cy="2547890"/>
+          </a:xfrm>
+          <a:prstGeom prst="rect">
+            <a:avLst/>
+          </a:prstGeom>
+        </p:spPr>
+      </p:pic>
+    </p:spTree>
+    <p:extLst>
+      <p:ext uri="{BB962C8B-B14F-4D97-AF65-F5344CB8AC3E}">
+        <p14:creationId xmlns:p14="http://schemas.microsoft.com/office/powerpoint/2010/main" val="3645481631"/>
+      </p:ext>
+    </p:extLst>
+  </p:cSld>
+  <p:clrMapOvr>
+    <a:masterClrMapping/>
+  </p:clrMapOvr>
+</p:sld>
+</file>
+
+<file path=ppt/slides/slide7.xml><?xml version="1.0" encoding="utf-8"?>
+<p:sld xmlns:a="http://schemas.openxmlformats.org/drawingml/2006/main" xmlns:r="http://schemas.openxmlformats.org/officeDocument/2006/relationships" xmlns:p="http://schemas.openxmlformats.org/presentationml/2006/main">
+  <p:cSld>
+    <p:bg>
+      <p:bgPr>
+        <a:solidFill>
+          <a:schemeClr val="bg1"/>
+        </a:solidFill>
+        <a:effectLst/>
+      </p:bgPr>
+    </p:bg>
+    <p:spTree>
+      <p:nvGrpSpPr>
+        <p:cNvPr id="1" name=""/>
+        <p:cNvGrpSpPr/>
+        <p:nvPr/>
+      </p:nvGrpSpPr>
+      <p:grpSpPr>
+        <a:xfrm>
+          <a:off x="0" y="0"/>
+          <a:ext cx="0" cy="0"/>
+          <a:chOff x="0" y="0"/>
+          <a:chExt cx="0" cy="0"/>
+        </a:xfrm>
+      </p:grpSpPr>
+      <p:sp>
+        <p:nvSpPr>
+          <p:cNvPr id="9" name="Rectangle 8">
+            <a:extLst>
+              <a:ext uri="{FF2B5EF4-FFF2-40B4-BE49-F238E27FC236}">
+                <a16:creationId xmlns:a16="http://schemas.microsoft.com/office/drawing/2014/main" id="{E35A04CF-97D4-4FF7-B359-C546B1F62E54}"/>
+              </a:ext>
+              <a:ext uri="{C183D7F6-B498-43B3-948B-1728B52AA6E4}">
+                <adec:decorative xmlns:adec="http://schemas.microsoft.com/office/drawing/2017/decorative" val="1"/>
+              </a:ext>
+            </a:extLst>
+          </p:cNvPr>
+          <p:cNvSpPr>
+            <a:spLocks noGrp="1" noRot="1" noChangeAspect="1" noMove="1" noResize="1" noEditPoints="1" noAdjustHandles="1" noChangeArrowheads="1" noChangeShapeType="1" noTextEdit="1"/>
+          </p:cNvSpPr>
+          <p:nvPr>
+            <p:extLst>
+              <p:ext uri="{386F3935-93C4-4BCD-93E2-E3B085C9AB24}">
+                <p16:designElem xmlns:p16="http://schemas.microsoft.com/office/powerpoint/2015/main" val="1"/>
+              </p:ext>
+            </p:extLst>
+          </p:nvPr>
+        </p:nvSpPr>
+        <p:spPr>
+          <a:xfrm>
+            <a:off x="0" y="0"/>
+            <a:ext cx="12191999" cy="6858000"/>
+          </a:xfrm>
+          <a:prstGeom prst="rect">
+            <a:avLst/>
+          </a:prstGeom>
+          <a:solidFill>
+            <a:schemeClr val="bg1">
+              <a:lumMod val="85000"/>
+            </a:schemeClr>
+          </a:solidFill>
+          <a:ln>
+            <a:noFill/>
+          </a:ln>
+        </p:spPr>
+        <p:style>
+          <a:lnRef idx="2">
+            <a:schemeClr val="accent1">
+              <a:shade val="50000"/>
+            </a:schemeClr>
+          </a:lnRef>
+          <a:fillRef idx="1">
+            <a:schemeClr val="accent1"/>
+          </a:fillRef>
+          <a:effectRef idx="0">
+            <a:schemeClr val="accent1"/>
+          </a:effectRef>
+          <a:fontRef idx="minor">
+            <a:schemeClr val="lt1"/>
+          </a:fontRef>
+        </p:style>
+        <p:txBody>
+          <a:bodyPr rtlCol="0" anchor="ctr"/>
+          <a:lstStyle/>
+          <a:p>
+            <a:pPr algn="ctr"/>
+            <a:endParaRPr lang="en-US"/>
+          </a:p>
+        </p:txBody>
+      </p:sp>
+      <p:sp>
+        <p:nvSpPr>
+          <p:cNvPr id="11" name="Freeform: Shape 10">
+            <a:extLst>
+              <a:ext uri="{FF2B5EF4-FFF2-40B4-BE49-F238E27FC236}">
+                <a16:creationId xmlns:a16="http://schemas.microsoft.com/office/drawing/2014/main" id="{1DE7243B-5109-444B-8FAF-7437C66BC0E9}"/>
+              </a:ext>
+              <a:ext uri="{C183D7F6-B498-43B3-948B-1728B52AA6E4}">
+                <adec:decorative xmlns:adec="http://schemas.microsoft.com/office/drawing/2017/decorative" val="1"/>
+              </a:ext>
+            </a:extLst>
+          </p:cNvPr>
+          <p:cNvSpPr>
+            <a:spLocks noGrp="1" noRot="1" noChangeAspect="1" noMove="1" noResize="1" noEditPoints="1" noAdjustHandles="1" noChangeArrowheads="1" noChangeShapeType="1" noTextEdit="1"/>
+          </p:cNvSpPr>
+          <p:nvPr>
+            <p:extLst>
+              <p:ext uri="{386F3935-93C4-4BCD-93E2-E3B085C9AB24}">
+                <p16:designElem xmlns:p16="http://schemas.microsoft.com/office/powerpoint/2015/main" val="1"/>
+              </p:ext>
+            </p:extLst>
+          </p:nvPr>
+        </p:nvSpPr>
+        <p:spPr>
+          <a:xfrm flipH="1">
+            <a:off x="0" y="0"/>
+            <a:ext cx="4421332" cy="6858000"/>
+          </a:xfrm>
+          <a:custGeom>
+            <a:avLst/>
+            <a:gdLst>
+              <a:gd name="connsiteX0" fmla="*/ 4421332 w 4421332"/>
+              <a:gd name="connsiteY0" fmla="*/ 0 h 6858000"/>
+              <a:gd name="connsiteX1" fmla="*/ 69075 w 4421332"/>
+              <a:gd name="connsiteY1" fmla="*/ 0 h 6858000"/>
+              <a:gd name="connsiteX2" fmla="*/ 35131 w 4421332"/>
+              <a:gd name="connsiteY2" fmla="*/ 267128 h 6858000"/>
+              <a:gd name="connsiteX3" fmla="*/ 0 w 4421332"/>
+              <a:gd name="connsiteY3" fmla="*/ 962845 h 6858000"/>
+              <a:gd name="connsiteX4" fmla="*/ 3276103 w 4421332"/>
+              <a:gd name="connsiteY4" fmla="*/ 6782205 h 6858000"/>
+              <a:gd name="connsiteX5" fmla="*/ 3407923 w 4421332"/>
+              <a:gd name="connsiteY5" fmla="*/ 6858000 h 6858000"/>
+              <a:gd name="connsiteX6" fmla="*/ 4421332 w 4421332"/>
+              <a:gd name="connsiteY6" fmla="*/ 6858000 h 6858000"/>
+            </a:gdLst>
+            <a:ahLst/>
+            <a:cxnLst>
+              <a:cxn ang="0">
+                <a:pos x="connsiteX0" y="connsiteY0"/>
+              </a:cxn>
+              <a:cxn ang="0">
+                <a:pos x="connsiteX1" y="connsiteY1"/>
+              </a:cxn>
+              <a:cxn ang="0">
+                <a:pos x="connsiteX2" y="connsiteY2"/>
+              </a:cxn>
+              <a:cxn ang="0">
+                <a:pos x="connsiteX3" y="connsiteY3"/>
+              </a:cxn>
+              <a:cxn ang="0">
+                <a:pos x="connsiteX4" y="connsiteY4"/>
+              </a:cxn>
+              <a:cxn ang="0">
+                <a:pos x="connsiteX5" y="connsiteY5"/>
+              </a:cxn>
+              <a:cxn ang="0">
+                <a:pos x="connsiteX6" y="connsiteY6"/>
+              </a:cxn>
+            </a:cxnLst>
+            <a:rect l="l" t="t" r="r" b="b"/>
+            <a:pathLst>
+              <a:path w="4421332" h="6858000">
+                <a:moveTo>
+                  <a:pt x="4421332" y="0"/>
+                </a:moveTo>
+                <a:lnTo>
+                  <a:pt x="69075" y="0"/>
+                </a:lnTo>
+                <a:lnTo>
+                  <a:pt x="35131" y="267128"/>
+                </a:lnTo>
+                <a:cubicBezTo>
+                  <a:pt x="11901" y="495874"/>
+                  <a:pt x="0" y="727970"/>
+                  <a:pt x="0" y="962845"/>
+                </a:cubicBezTo>
+                <a:cubicBezTo>
+                  <a:pt x="0" y="3429034"/>
+                  <a:pt x="1312002" y="5588789"/>
+                  <a:pt x="3276103" y="6782205"/>
+                </a:cubicBezTo>
+                <a:lnTo>
+                  <a:pt x="3407923" y="6858000"/>
+                </a:lnTo>
+                <a:lnTo>
+                  <a:pt x="4421332" y="6858000"/>
+                </a:lnTo>
+                <a:close/>
+              </a:path>
+            </a:pathLst>
+          </a:custGeom>
+          <a:solidFill>
+            <a:srgbClr val="FFFFFF">
+              <a:alpha val="80000"/>
+            </a:srgbClr>
+          </a:solidFill>
+          <a:ln>
+            <a:noFill/>
+          </a:ln>
+        </p:spPr>
+        <p:style>
+          <a:lnRef idx="2">
+            <a:schemeClr val="accent1">
+              <a:shade val="50000"/>
+            </a:schemeClr>
+          </a:lnRef>
+          <a:fillRef idx="1">
+            <a:schemeClr val="accent1"/>
+          </a:fillRef>
+          <a:effectRef idx="0">
+            <a:schemeClr val="accent1"/>
+          </a:effectRef>
+          <a:fontRef idx="minor">
+            <a:schemeClr val="lt1"/>
+          </a:fontRef>
+        </p:style>
+        <p:txBody>
+          <a:bodyPr wrap="square" rtlCol="0" anchor="ctr">
+            <a:noAutofit/>
+          </a:bodyPr>
+          <a:lstStyle/>
+          <a:p>
+            <a:pPr marL="0" marR="0" lvl="0" indent="0" algn="ctr" defTabSz="914400" rtl="0" eaLnBrk="1" fontAlgn="auto" latinLnBrk="0" hangingPunct="1">
+              <a:lnSpc>
+                <a:spcPct val="100000"/>
+              </a:lnSpc>
+              <a:spcBef>
+                <a:spcPts val="0"/>
+              </a:spcBef>
+              <a:spcAft>
+                <a:spcPts val="0"/>
+              </a:spcAft>
+              <a:buClrTx/>
+              <a:buSzTx/>
+              <a:buFontTx/>
+              <a:buNone/>
+              <a:tabLst/>
+              <a:defRPr/>
+            </a:pPr>
+            <a:endParaRPr kumimoji="0" lang="en-US" sz="1800" b="0" i="0" u="none" strike="noStrike" kern="1200" cap="none" spc="0" normalizeH="0" baseline="0" noProof="0">
+              <a:ln>
+                <a:noFill/>
+              </a:ln>
+              <a:solidFill>
+                <a:prstClr val="white"/>
+              </a:solidFill>
+              <a:effectLst/>
+              <a:uLnTx/>
+              <a:uFillTx/>
+              <a:latin typeface="Calibri" panose="020F0502020204030204"/>
+              <a:ea typeface="+mn-ea"/>
+              <a:cs typeface="+mn-cs"/>
+            </a:endParaRPr>
+          </a:p>
+        </p:txBody>
+      </p:sp>
+      <p:sp>
+        <p:nvSpPr>
+          <p:cNvPr id="13" name="Freeform: Shape 12">
+            <a:extLst>
+              <a:ext uri="{FF2B5EF4-FFF2-40B4-BE49-F238E27FC236}">
+                <a16:creationId xmlns:a16="http://schemas.microsoft.com/office/drawing/2014/main" id="{4C5D6221-DA7B-4611-AA26-7D8E349FDE96}"/>
+              </a:ext>
+              <a:ext uri="{C183D7F6-B498-43B3-948B-1728B52AA6E4}">
+                <adec:decorative xmlns:adec="http://schemas.microsoft.com/office/drawing/2017/decorative" val="1"/>
+              </a:ext>
+            </a:extLst>
+          </p:cNvPr>
+          <p:cNvSpPr>
+            <a:spLocks noGrp="1" noRot="1" noChangeAspect="1" noMove="1" noResize="1" noEditPoints="1" noAdjustHandles="1" noChangeArrowheads="1" noChangeShapeType="1" noTextEdit="1"/>
+          </p:cNvSpPr>
+          <p:nvPr>
+            <p:extLst>
+              <p:ext uri="{386F3935-93C4-4BCD-93E2-E3B085C9AB24}">
+                <p16:designElem xmlns:p16="http://schemas.microsoft.com/office/powerpoint/2015/main" val="1"/>
+              </p:ext>
+            </p:extLst>
+          </p:nvPr>
+        </p:nvSpPr>
+        <p:spPr>
+          <a:xfrm>
+            <a:off x="1" y="0"/>
+            <a:ext cx="4232227" cy="6858000"/>
+          </a:xfrm>
+          <a:custGeom>
+            <a:avLst/>
+            <a:gdLst>
+              <a:gd name="connsiteX0" fmla="*/ 0 w 4232227"/>
+              <a:gd name="connsiteY0" fmla="*/ 0 h 6858000"/>
+              <a:gd name="connsiteX1" fmla="*/ 4161853 w 4232227"/>
+              <a:gd name="connsiteY1" fmla="*/ 0 h 6858000"/>
+              <a:gd name="connsiteX2" fmla="*/ 4197953 w 4232227"/>
+              <a:gd name="connsiteY2" fmla="*/ 284091 h 6858000"/>
+              <a:gd name="connsiteX3" fmla="*/ 4232227 w 4232227"/>
+              <a:gd name="connsiteY3" fmla="*/ 962844 h 6858000"/>
+              <a:gd name="connsiteX4" fmla="*/ 758007 w 4232227"/>
+              <a:gd name="connsiteY4" fmla="*/ 6800152 h 6858000"/>
+              <a:gd name="connsiteX5" fmla="*/ 645060 w 4232227"/>
+              <a:gd name="connsiteY5" fmla="*/ 6858000 h 6858000"/>
+              <a:gd name="connsiteX6" fmla="*/ 0 w 4232227"/>
+              <a:gd name="connsiteY6" fmla="*/ 6858000 h 6858000"/>
+            </a:gdLst>
+            <a:ahLst/>
+            <a:cxnLst>
+              <a:cxn ang="0">
+                <a:pos x="connsiteX0" y="connsiteY0"/>
+              </a:cxn>
+              <a:cxn ang="0">
+                <a:pos x="connsiteX1" y="connsiteY1"/>
+              </a:cxn>
+              <a:cxn ang="0">
+                <a:pos x="connsiteX2" y="connsiteY2"/>
+              </a:cxn>
+              <a:cxn ang="0">
+                <a:pos x="connsiteX3" y="connsiteY3"/>
+              </a:cxn>
+              <a:cxn ang="0">
+                <a:pos x="connsiteX4" y="connsiteY4"/>
+              </a:cxn>
+              <a:cxn ang="0">
+                <a:pos x="connsiteX5" y="connsiteY5"/>
+              </a:cxn>
+              <a:cxn ang="0">
+                <a:pos x="connsiteX6" y="connsiteY6"/>
+              </a:cxn>
+            </a:cxnLst>
+            <a:rect l="l" t="t" r="r" b="b"/>
+            <a:pathLst>
+              <a:path w="4232227" h="6858000">
+                <a:moveTo>
+                  <a:pt x="0" y="0"/>
+                </a:moveTo>
+                <a:lnTo>
+                  <a:pt x="4161853" y="0"/>
+                </a:lnTo>
+                <a:lnTo>
+                  <a:pt x="4197953" y="284091"/>
+                </a:lnTo>
+                <a:cubicBezTo>
+                  <a:pt x="4220617" y="507260"/>
+                  <a:pt x="4232227" y="733696"/>
+                  <a:pt x="4232227" y="962844"/>
+                </a:cubicBezTo>
+                <a:cubicBezTo>
+                  <a:pt x="4232227" y="3483472"/>
+                  <a:pt x="2827409" y="5675986"/>
+                  <a:pt x="758007" y="6800152"/>
+                </a:cubicBezTo>
+                <a:lnTo>
+                  <a:pt x="645060" y="6858000"/>
+                </a:lnTo>
+                <a:lnTo>
+                  <a:pt x="0" y="6858000"/>
+                </a:lnTo>
+                <a:close/>
+              </a:path>
+            </a:pathLst>
+          </a:custGeom>
+          <a:solidFill>
+            <a:srgbClr val="404040"/>
+          </a:solidFill>
+          <a:ln>
+            <a:noFill/>
+          </a:ln>
+        </p:spPr>
+        <p:style>
+          <a:lnRef idx="2">
+            <a:schemeClr val="accent1">
+              <a:shade val="50000"/>
+            </a:schemeClr>
+          </a:lnRef>
+          <a:fillRef idx="1">
+            <a:schemeClr val="accent1"/>
+          </a:fillRef>
+          <a:effectRef idx="0">
+            <a:schemeClr val="accent1"/>
+          </a:effectRef>
+          <a:fontRef idx="minor">
+            <a:schemeClr val="lt1"/>
+          </a:fontRef>
+        </p:style>
+        <p:txBody>
+          <a:bodyPr wrap="square" rtlCol="0" anchor="ctr">
+            <a:noAutofit/>
+          </a:bodyPr>
+          <a:lstStyle/>
+          <a:p>
+            <a:pPr marL="0" marR="0" lvl="0" indent="0" algn="ctr" defTabSz="914400" rtl="0" eaLnBrk="1" fontAlgn="auto" latinLnBrk="0" hangingPunct="1">
+              <a:lnSpc>
+                <a:spcPct val="100000"/>
+              </a:lnSpc>
+              <a:spcBef>
+                <a:spcPts val="0"/>
+              </a:spcBef>
+              <a:spcAft>
+                <a:spcPts val="0"/>
+              </a:spcAft>
+              <a:buClrTx/>
+              <a:buSzTx/>
+              <a:buFontTx/>
+              <a:buNone/>
+              <a:tabLst/>
+              <a:defRPr/>
+            </a:pPr>
+            <a:endParaRPr kumimoji="0" lang="en-US" sz="1800" b="0" i="0" u="none" strike="noStrike" kern="1200" cap="none" spc="0" normalizeH="0" baseline="0" noProof="0">
+              <a:ln>
+                <a:noFill/>
+              </a:ln>
+              <a:solidFill>
+                <a:prstClr val="white"/>
+              </a:solidFill>
+              <a:effectLst/>
+              <a:uLnTx/>
+              <a:uFillTx/>
+              <a:latin typeface="Calibri" panose="020F0502020204030204"/>
+              <a:ea typeface="+mn-ea"/>
+              <a:cs typeface="+mn-cs"/>
+            </a:endParaRPr>
+          </a:p>
+        </p:txBody>
+      </p:sp>
+      <p:sp>
+        <p:nvSpPr>
+          <p:cNvPr id="2" name="Titre 1">
+            <a:extLst>
+              <a:ext uri="{FF2B5EF4-FFF2-40B4-BE49-F238E27FC236}">
+                <a16:creationId xmlns:a16="http://schemas.microsoft.com/office/drawing/2014/main" id="{77328127-2658-29C0-D5B6-2E19F8D9CB6F}"/>
+              </a:ext>
+            </a:extLst>
+          </p:cNvPr>
+          <p:cNvSpPr>
+            <a:spLocks noGrp="1"/>
+          </p:cNvSpPr>
+          <p:nvPr>
+            <p:ph type="ctrTitle"/>
+          </p:nvPr>
+        </p:nvSpPr>
+        <p:spPr>
+          <a:xfrm>
+            <a:off x="306769" y="1980896"/>
+            <a:ext cx="3626039" cy="1010878"/>
+          </a:xfrm>
+        </p:spPr>
+        <p:txBody>
+          <a:bodyPr vert="horz" lIns="91440" tIns="45720" rIns="91440" bIns="45720" rtlCol="0" anchor="t">
+            <a:normAutofit fontScale="90000"/>
+          </a:bodyPr>
+          <a:lstStyle/>
+          <a:p>
+            <a:pPr algn="l"/>
+            <a:r>
+              <a:rPr lang="en-US" sz="3600" b="1" dirty="0">
+                <a:solidFill>
+                  <a:srgbClr val="FFFFFF"/>
+                </a:solidFill>
+                <a:latin typeface="Century Gothic" panose="020B0502020202090204" pitchFamily="34" charset="0"/>
+              </a:rPr>
+              <a:t>Data visualization:</a:t>
+            </a:r>
+            <a:endParaRPr lang="en-US" sz="3600" b="1" kern="1200" dirty="0">
+              <a:solidFill>
+                <a:srgbClr val="FFFFFF"/>
+              </a:solidFill>
+              <a:latin typeface="Century Gothic" panose="020B0502020202090204" pitchFamily="34" charset="0"/>
+            </a:endParaRPr>
+          </a:p>
+        </p:txBody>
+      </p:sp>
+      <p:sp>
+        <p:nvSpPr>
+          <p:cNvPr id="4" name="Sous-titre 2">
+            <a:extLst>
+              <a:ext uri="{FF2B5EF4-FFF2-40B4-BE49-F238E27FC236}">
+                <a16:creationId xmlns:a16="http://schemas.microsoft.com/office/drawing/2014/main" id="{F268D261-47EE-1D4F-CCA1-52A3131E5925}"/>
+              </a:ext>
+            </a:extLst>
+          </p:cNvPr>
+          <p:cNvSpPr txBox="1">
+            <a:spLocks/>
+          </p:cNvSpPr>
+          <p:nvPr/>
+        </p:nvSpPr>
+        <p:spPr>
+          <a:xfrm>
+            <a:off x="5315546" y="1816257"/>
+            <a:ext cx="6569685" cy="950716"/>
+          </a:xfrm>
+          <a:prstGeom prst="rect">
+            <a:avLst/>
+          </a:prstGeom>
+        </p:spPr>
+        <p:txBody>
+          <a:bodyPr vert="horz" lIns="91440" tIns="45720" rIns="91440" bIns="45720" rtlCol="0">
+            <a:noAutofit/>
+          </a:bodyPr>
+          <a:lstStyle>
+            <a:lvl1pPr marL="0" indent="0" algn="ctr" defTabSz="914400" rtl="0" eaLnBrk="1" latinLnBrk="0" hangingPunct="1">
+              <a:lnSpc>
+                <a:spcPct val="90000"/>
+              </a:lnSpc>
+              <a:spcBef>
+                <a:spcPts val="1000"/>
+              </a:spcBef>
+              <a:buFont typeface="Arial" panose="020B0604020202020204" pitchFamily="34" charset="0"/>
+              <a:buNone/>
+              <a:defRPr sz="2400" kern="1200">
+                <a:solidFill>
+                  <a:schemeClr val="tx1"/>
+                </a:solidFill>
+                <a:latin typeface="+mn-lt"/>
+                <a:ea typeface="+mn-ea"/>
+                <a:cs typeface="+mn-cs"/>
+              </a:defRPr>
+            </a:lvl1pPr>
+            <a:lvl2pPr marL="457200" indent="0" algn="ctr" defTabSz="914400" rtl="0" eaLnBrk="1" latinLnBrk="0" hangingPunct="1">
+              <a:lnSpc>
+                <a:spcPct val="90000"/>
+              </a:lnSpc>
+              <a:spcBef>
+                <a:spcPts val="500"/>
+              </a:spcBef>
+              <a:buFont typeface="Arial" panose="020B0604020202020204" pitchFamily="34" charset="0"/>
+              <a:buNone/>
+              <a:defRPr sz="2000" kern="1200">
+                <a:solidFill>
+                  <a:schemeClr val="tx1"/>
+                </a:solidFill>
+                <a:latin typeface="+mn-lt"/>
+                <a:ea typeface="+mn-ea"/>
+                <a:cs typeface="+mn-cs"/>
+              </a:defRPr>
+            </a:lvl2pPr>
+            <a:lvl3pPr marL="914400" indent="0" algn="ctr" defTabSz="914400" rtl="0" eaLnBrk="1" latinLnBrk="0" hangingPunct="1">
+              <a:lnSpc>
+                <a:spcPct val="90000"/>
+              </a:lnSpc>
+              <a:spcBef>
+                <a:spcPts val="500"/>
+              </a:spcBef>
+              <a:buFont typeface="Arial" panose="020B0604020202020204" pitchFamily="34" charset="0"/>
+              <a:buNone/>
+              <a:defRPr sz="1800" kern="1200">
+                <a:solidFill>
+                  <a:schemeClr val="tx1"/>
+                </a:solidFill>
+                <a:latin typeface="+mn-lt"/>
+                <a:ea typeface="+mn-ea"/>
+                <a:cs typeface="+mn-cs"/>
+              </a:defRPr>
+            </a:lvl3pPr>
+            <a:lvl4pPr marL="1371600" indent="0" algn="ctr" defTabSz="914400" rtl="0" eaLnBrk="1" latinLnBrk="0" hangingPunct="1">
+              <a:lnSpc>
+                <a:spcPct val="90000"/>
+              </a:lnSpc>
+              <a:spcBef>
+                <a:spcPts val="500"/>
+              </a:spcBef>
+              <a:buFont typeface="Arial" panose="020B0604020202020204" pitchFamily="34" charset="0"/>
+              <a:buNone/>
+              <a:defRPr sz="1600" kern="1200">
+                <a:solidFill>
+                  <a:schemeClr val="tx1"/>
+                </a:solidFill>
+                <a:latin typeface="+mn-lt"/>
+                <a:ea typeface="+mn-ea"/>
+                <a:cs typeface="+mn-cs"/>
+              </a:defRPr>
+            </a:lvl4pPr>
+            <a:lvl5pPr marL="1828800" indent="0" algn="ctr" defTabSz="914400" rtl="0" eaLnBrk="1" latinLnBrk="0" hangingPunct="1">
+              <a:lnSpc>
+                <a:spcPct val="90000"/>
+              </a:lnSpc>
+              <a:spcBef>
+                <a:spcPts val="500"/>
+              </a:spcBef>
+              <a:buFont typeface="Arial" panose="020B0604020202020204" pitchFamily="34" charset="0"/>
+              <a:buNone/>
+              <a:defRPr sz="1600" kern="1200">
+                <a:solidFill>
+                  <a:schemeClr val="tx1"/>
+                </a:solidFill>
+                <a:latin typeface="+mn-lt"/>
+                <a:ea typeface="+mn-ea"/>
+                <a:cs typeface="+mn-cs"/>
+              </a:defRPr>
+            </a:lvl5pPr>
+            <a:lvl6pPr marL="2286000" indent="0" algn="ctr" defTabSz="914400" rtl="0" eaLnBrk="1" latinLnBrk="0" hangingPunct="1">
+              <a:lnSpc>
+                <a:spcPct val="90000"/>
+              </a:lnSpc>
+              <a:spcBef>
+                <a:spcPts val="500"/>
+              </a:spcBef>
+              <a:buFont typeface="Arial" panose="020B0604020202020204" pitchFamily="34" charset="0"/>
+              <a:buNone/>
+              <a:defRPr sz="1600" kern="1200">
+                <a:solidFill>
+                  <a:schemeClr val="tx1"/>
+                </a:solidFill>
+                <a:latin typeface="+mn-lt"/>
+                <a:ea typeface="+mn-ea"/>
+                <a:cs typeface="+mn-cs"/>
+              </a:defRPr>
+            </a:lvl6pPr>
+            <a:lvl7pPr marL="2743200" indent="0" algn="ctr" defTabSz="914400" rtl="0" eaLnBrk="1" latinLnBrk="0" hangingPunct="1">
+              <a:lnSpc>
+                <a:spcPct val="90000"/>
+              </a:lnSpc>
+              <a:spcBef>
+                <a:spcPts val="500"/>
+              </a:spcBef>
+              <a:buFont typeface="Arial" panose="020B0604020202020204" pitchFamily="34" charset="0"/>
+              <a:buNone/>
+              <a:defRPr sz="1600" kern="1200">
+                <a:solidFill>
+                  <a:schemeClr val="tx1"/>
+                </a:solidFill>
+                <a:latin typeface="+mn-lt"/>
+                <a:ea typeface="+mn-ea"/>
+                <a:cs typeface="+mn-cs"/>
+              </a:defRPr>
+            </a:lvl7pPr>
+            <a:lvl8pPr marL="3200400" indent="0" algn="ctr" defTabSz="914400" rtl="0" eaLnBrk="1" latinLnBrk="0" hangingPunct="1">
+              <a:lnSpc>
+                <a:spcPct val="90000"/>
+              </a:lnSpc>
+              <a:spcBef>
+                <a:spcPts val="500"/>
+              </a:spcBef>
+              <a:buFont typeface="Arial" panose="020B0604020202020204" pitchFamily="34" charset="0"/>
+              <a:buNone/>
+              <a:defRPr sz="1600" kern="1200">
+                <a:solidFill>
+                  <a:schemeClr val="tx1"/>
+                </a:solidFill>
+                <a:latin typeface="+mn-lt"/>
+                <a:ea typeface="+mn-ea"/>
+                <a:cs typeface="+mn-cs"/>
+              </a:defRPr>
+            </a:lvl8pPr>
+            <a:lvl9pPr marL="3657600" indent="0" algn="ctr" defTabSz="914400" rtl="0" eaLnBrk="1" latinLnBrk="0" hangingPunct="1">
+              <a:lnSpc>
+                <a:spcPct val="90000"/>
+              </a:lnSpc>
+              <a:spcBef>
+                <a:spcPts val="500"/>
+              </a:spcBef>
+              <a:buFont typeface="Arial" panose="020B0604020202020204" pitchFamily="34" charset="0"/>
+              <a:buNone/>
+              <a:defRPr sz="1600" kern="1200">
+                <a:solidFill>
+                  <a:schemeClr val="tx1"/>
+                </a:solidFill>
+                <a:latin typeface="+mn-lt"/>
+                <a:ea typeface="+mn-ea"/>
+                <a:cs typeface="+mn-cs"/>
+              </a:defRPr>
+            </a:lvl9pPr>
+          </a:lstStyle>
+          <a:p>
+            <a:pPr algn="l"/>
+            <a:endParaRPr lang="en-US" sz="3200" dirty="0">
+              <a:latin typeface="Century Gothic" panose="020B0502020202090204" pitchFamily="34" charset="0"/>
+            </a:endParaRPr>
+          </a:p>
+        </p:txBody>
+      </p:sp>
+      <p:sp>
+        <p:nvSpPr>
+          <p:cNvPr id="7" name="TextBox 6">
+            <a:extLst>
+              <a:ext uri="{FF2B5EF4-FFF2-40B4-BE49-F238E27FC236}">
+                <a16:creationId xmlns:a16="http://schemas.microsoft.com/office/drawing/2014/main" id="{14DB6575-BDCF-4E84-B859-4F92A6FF6825}"/>
+              </a:ext>
+            </a:extLst>
+          </p:cNvPr>
+          <p:cNvSpPr txBox="1"/>
+          <p:nvPr/>
+        </p:nvSpPr>
+        <p:spPr>
+          <a:xfrm>
+            <a:off x="4702412" y="630283"/>
+            <a:ext cx="2319826" cy="1200329"/>
+          </a:xfrm>
+          <a:prstGeom prst="rect">
+            <a:avLst/>
+          </a:prstGeom>
+          <a:noFill/>
+        </p:spPr>
+        <p:txBody>
+          <a:bodyPr wrap="square" rtlCol="0">
+            <a:spAutoFit/>
+          </a:bodyPr>
+          <a:lstStyle/>
+          <a:p>
+            <a:r>
+              <a:rPr lang="en-US" dirty="0">
+                <a:latin typeface="Century Gothic" panose="020B0502020202090204" pitchFamily="34" charset="0"/>
+              </a:rPr>
+              <a:t>Then, we have a repartition of patient time at the hospital (in days):</a:t>
+            </a:r>
+          </a:p>
+        </p:txBody>
+      </p:sp>
+      <p:pic>
+        <p:nvPicPr>
+          <p:cNvPr id="10" name="Picture 9">
+            <a:extLst>
+              <a:ext uri="{FF2B5EF4-FFF2-40B4-BE49-F238E27FC236}">
+                <a16:creationId xmlns:a16="http://schemas.microsoft.com/office/drawing/2014/main" id="{70BD477C-DCC2-43E5-AAC2-8DB861CA7343}"/>
+              </a:ext>
+            </a:extLst>
+          </p:cNvPr>
+          <p:cNvPicPr>
+            <a:picLocks noChangeAspect="1"/>
+          </p:cNvPicPr>
+          <p:nvPr/>
+        </p:nvPicPr>
+        <p:blipFill>
+          <a:blip r:embed="rId2"/>
+          <a:stretch>
+            <a:fillRect/>
+          </a:stretch>
+        </p:blipFill>
+        <p:spPr>
+          <a:xfrm>
+            <a:off x="7916452" y="98907"/>
+            <a:ext cx="3945527" cy="3638591"/>
+          </a:xfrm>
+          <a:prstGeom prst="rect">
+            <a:avLst/>
+          </a:prstGeom>
+        </p:spPr>
+      </p:pic>
+      <p:pic>
+        <p:nvPicPr>
+          <p:cNvPr id="8" name="Picture 7">
+            <a:extLst>
+              <a:ext uri="{FF2B5EF4-FFF2-40B4-BE49-F238E27FC236}">
+                <a16:creationId xmlns:a16="http://schemas.microsoft.com/office/drawing/2014/main" id="{33728B70-84AE-430F-8AD8-314663C29E13}"/>
+              </a:ext>
+            </a:extLst>
+          </p:cNvPr>
+          <p:cNvPicPr>
+            <a:picLocks noChangeAspect="1"/>
+          </p:cNvPicPr>
+          <p:nvPr/>
+        </p:nvPicPr>
+        <p:blipFill>
+          <a:blip r:embed="rId3"/>
+          <a:stretch>
+            <a:fillRect/>
+          </a:stretch>
+        </p:blipFill>
+        <p:spPr>
+          <a:xfrm>
+            <a:off x="3932808" y="4188313"/>
+            <a:ext cx="8115602" cy="2570780"/>
+          </a:xfrm>
+          <a:prstGeom prst="rect">
+            <a:avLst/>
+          </a:prstGeom>
+        </p:spPr>
+      </p:pic>
+      <p:sp>
+        <p:nvSpPr>
+          <p:cNvPr id="12" name="TextBox 11">
+            <a:extLst>
+              <a:ext uri="{FF2B5EF4-FFF2-40B4-BE49-F238E27FC236}">
+                <a16:creationId xmlns:a16="http://schemas.microsoft.com/office/drawing/2014/main" id="{6FC4055A-1E8E-41E7-AF4D-7C5BDDB0763A}"/>
+              </a:ext>
+            </a:extLst>
+          </p:cNvPr>
+          <p:cNvSpPr txBox="1"/>
+          <p:nvPr/>
+        </p:nvSpPr>
+        <p:spPr>
+          <a:xfrm>
+            <a:off x="4728100" y="2746253"/>
+            <a:ext cx="2319826" cy="1200329"/>
+          </a:xfrm>
+          <a:prstGeom prst="rect">
+            <a:avLst/>
+          </a:prstGeom>
+          <a:noFill/>
+        </p:spPr>
+        <p:txBody>
+          <a:bodyPr wrap="square" rtlCol="0">
+            <a:spAutoFit/>
+          </a:bodyPr>
+          <a:lstStyle/>
+          <a:p>
+            <a:r>
+              <a:rPr lang="en-US" dirty="0">
+                <a:latin typeface="Century Gothic" panose="020B0502020202090204" pitchFamily="34" charset="0"/>
+              </a:rPr>
+              <a:t>And a repartition of the medication they take during their stay:</a:t>
+            </a:r>
+          </a:p>
+        </p:txBody>
+      </p:sp>
+    </p:spTree>
+    <p:extLst>
+      <p:ext uri="{BB962C8B-B14F-4D97-AF65-F5344CB8AC3E}">
+        <p14:creationId xmlns:p14="http://schemas.microsoft.com/office/powerpoint/2010/main" val="3161064848"/>
+      </p:ext>
+    </p:extLst>
+  </p:cSld>
+  <p:clrMapOvr>
+    <a:masterClrMapping/>
+  </p:clrMapOvr>
+</p:sld>
+</file>
+
+<file path=ppt/slides/slide8.xml><?xml version="1.0" encoding="utf-8"?>
+<p:sld xmlns:a="http://schemas.openxmlformats.org/drawingml/2006/main" xmlns:r="http://schemas.openxmlformats.org/officeDocument/2006/relationships" xmlns:p="http://schemas.openxmlformats.org/presentationml/2006/main">
+  <p:cSld>
+    <p:bg>
+      <p:bgPr>
+        <a:solidFill>
+          <a:schemeClr val="bg1"/>
+        </a:solidFill>
+        <a:effectLst/>
+      </p:bgPr>
+    </p:bg>
+    <p:spTree>
+      <p:nvGrpSpPr>
+        <p:cNvPr id="1" name=""/>
+        <p:cNvGrpSpPr/>
+        <p:nvPr/>
+      </p:nvGrpSpPr>
+      <p:grpSpPr>
+        <a:xfrm>
+          <a:off x="0" y="0"/>
+          <a:ext cx="0" cy="0"/>
+          <a:chOff x="0" y="0"/>
+          <a:chExt cx="0" cy="0"/>
+        </a:xfrm>
+      </p:grpSpPr>
+      <p:sp>
+        <p:nvSpPr>
+          <p:cNvPr id="9" name="Rectangle 8">
+            <a:extLst>
+              <a:ext uri="{FF2B5EF4-FFF2-40B4-BE49-F238E27FC236}">
+                <a16:creationId xmlns:a16="http://schemas.microsoft.com/office/drawing/2014/main" id="{E35A04CF-97D4-4FF7-B359-C546B1F62E54}"/>
+              </a:ext>
+              <a:ext uri="{C183D7F6-B498-43B3-948B-1728B52AA6E4}">
+                <adec:decorative xmlns:adec="http://schemas.microsoft.com/office/drawing/2017/decorative" val="1"/>
+              </a:ext>
+            </a:extLst>
+          </p:cNvPr>
+          <p:cNvSpPr>
+            <a:spLocks noGrp="1" noRot="1" noChangeAspect="1" noMove="1" noResize="1" noEditPoints="1" noAdjustHandles="1" noChangeArrowheads="1" noChangeShapeType="1" noTextEdit="1"/>
+          </p:cNvSpPr>
+          <p:nvPr>
+            <p:extLst>
+              <p:ext uri="{386F3935-93C4-4BCD-93E2-E3B085C9AB24}">
+                <p16:designElem xmlns:p16="http://schemas.microsoft.com/office/powerpoint/2015/main" val="1"/>
+              </p:ext>
+            </p:extLst>
+          </p:nvPr>
+        </p:nvSpPr>
+        <p:spPr>
+          <a:xfrm>
+            <a:off x="0" y="0"/>
+            <a:ext cx="12191999" cy="6858000"/>
+          </a:xfrm>
+          <a:prstGeom prst="rect">
+            <a:avLst/>
+          </a:prstGeom>
+          <a:solidFill>
+            <a:schemeClr val="bg1">
+              <a:lumMod val="85000"/>
+            </a:schemeClr>
+          </a:solidFill>
+          <a:ln>
+            <a:noFill/>
+          </a:ln>
+        </p:spPr>
+        <p:style>
+          <a:lnRef idx="2">
+            <a:schemeClr val="accent1">
+              <a:shade val="50000"/>
+            </a:schemeClr>
+          </a:lnRef>
+          <a:fillRef idx="1">
+            <a:schemeClr val="accent1"/>
+          </a:fillRef>
+          <a:effectRef idx="0">
+            <a:schemeClr val="accent1"/>
+          </a:effectRef>
+          <a:fontRef idx="minor">
+            <a:schemeClr val="lt1"/>
+          </a:fontRef>
+        </p:style>
+        <p:txBody>
+          <a:bodyPr rtlCol="0" anchor="ctr"/>
+          <a:lstStyle/>
+          <a:p>
+            <a:pPr algn="ctr"/>
+            <a:endParaRPr lang="en-US"/>
+          </a:p>
+        </p:txBody>
+      </p:sp>
+      <p:sp>
+        <p:nvSpPr>
+          <p:cNvPr id="11" name="Freeform: Shape 10">
+            <a:extLst>
+              <a:ext uri="{FF2B5EF4-FFF2-40B4-BE49-F238E27FC236}">
+                <a16:creationId xmlns:a16="http://schemas.microsoft.com/office/drawing/2014/main" id="{1DE7243B-5109-444B-8FAF-7437C66BC0E9}"/>
+              </a:ext>
+              <a:ext uri="{C183D7F6-B498-43B3-948B-1728B52AA6E4}">
+                <adec:decorative xmlns:adec="http://schemas.microsoft.com/office/drawing/2017/decorative" val="1"/>
+              </a:ext>
+            </a:extLst>
+          </p:cNvPr>
+          <p:cNvSpPr>
+            <a:spLocks noGrp="1" noRot="1" noChangeAspect="1" noMove="1" noResize="1" noEditPoints="1" noAdjustHandles="1" noChangeArrowheads="1" noChangeShapeType="1" noTextEdit="1"/>
+          </p:cNvSpPr>
+          <p:nvPr>
+            <p:extLst>
+              <p:ext uri="{386F3935-93C4-4BCD-93E2-E3B085C9AB24}">
+                <p16:designElem xmlns:p16="http://schemas.microsoft.com/office/powerpoint/2015/main" val="1"/>
+              </p:ext>
+            </p:extLst>
+          </p:nvPr>
+        </p:nvSpPr>
+        <p:spPr>
+          <a:xfrm flipH="1">
+            <a:off x="0" y="0"/>
+            <a:ext cx="4421332" cy="6858000"/>
+          </a:xfrm>
+          <a:custGeom>
+            <a:avLst/>
+            <a:gdLst>
+              <a:gd name="connsiteX0" fmla="*/ 4421332 w 4421332"/>
+              <a:gd name="connsiteY0" fmla="*/ 0 h 6858000"/>
+              <a:gd name="connsiteX1" fmla="*/ 69075 w 4421332"/>
+              <a:gd name="connsiteY1" fmla="*/ 0 h 6858000"/>
+              <a:gd name="connsiteX2" fmla="*/ 35131 w 4421332"/>
+              <a:gd name="connsiteY2" fmla="*/ 267128 h 6858000"/>
+              <a:gd name="connsiteX3" fmla="*/ 0 w 4421332"/>
+              <a:gd name="connsiteY3" fmla="*/ 962845 h 6858000"/>
+              <a:gd name="connsiteX4" fmla="*/ 3276103 w 4421332"/>
+              <a:gd name="connsiteY4" fmla="*/ 6782205 h 6858000"/>
+              <a:gd name="connsiteX5" fmla="*/ 3407923 w 4421332"/>
+              <a:gd name="connsiteY5" fmla="*/ 6858000 h 6858000"/>
+              <a:gd name="connsiteX6" fmla="*/ 4421332 w 4421332"/>
+              <a:gd name="connsiteY6" fmla="*/ 6858000 h 6858000"/>
+            </a:gdLst>
+            <a:ahLst/>
+            <a:cxnLst>
+              <a:cxn ang="0">
+                <a:pos x="connsiteX0" y="connsiteY0"/>
+              </a:cxn>
+              <a:cxn ang="0">
+                <a:pos x="connsiteX1" y="connsiteY1"/>
+              </a:cxn>
+              <a:cxn ang="0">
+                <a:pos x="connsiteX2" y="connsiteY2"/>
+              </a:cxn>
+              <a:cxn ang="0">
+                <a:pos x="connsiteX3" y="connsiteY3"/>
+              </a:cxn>
+              <a:cxn ang="0">
+                <a:pos x="connsiteX4" y="connsiteY4"/>
+              </a:cxn>
+              <a:cxn ang="0">
+                <a:pos x="connsiteX5" y="connsiteY5"/>
+              </a:cxn>
+              <a:cxn ang="0">
+                <a:pos x="connsiteX6" y="connsiteY6"/>
+              </a:cxn>
+            </a:cxnLst>
+            <a:rect l="l" t="t" r="r" b="b"/>
+            <a:pathLst>
+              <a:path w="4421332" h="6858000">
+                <a:moveTo>
+                  <a:pt x="4421332" y="0"/>
+                </a:moveTo>
+                <a:lnTo>
+                  <a:pt x="69075" y="0"/>
+                </a:lnTo>
+                <a:lnTo>
+                  <a:pt x="35131" y="267128"/>
+                </a:lnTo>
+                <a:cubicBezTo>
+                  <a:pt x="11901" y="495874"/>
+                  <a:pt x="0" y="727970"/>
+                  <a:pt x="0" y="962845"/>
+                </a:cubicBezTo>
+                <a:cubicBezTo>
+                  <a:pt x="0" y="3429034"/>
+                  <a:pt x="1312002" y="5588789"/>
+                  <a:pt x="3276103" y="6782205"/>
+                </a:cubicBezTo>
+                <a:lnTo>
+                  <a:pt x="3407923" y="6858000"/>
+                </a:lnTo>
+                <a:lnTo>
+                  <a:pt x="4421332" y="6858000"/>
+                </a:lnTo>
+                <a:close/>
+              </a:path>
+            </a:pathLst>
+          </a:custGeom>
+          <a:solidFill>
+            <a:srgbClr val="FFFFFF">
+              <a:alpha val="80000"/>
+            </a:srgbClr>
+          </a:solidFill>
+          <a:ln>
+            <a:noFill/>
+          </a:ln>
+        </p:spPr>
+        <p:style>
+          <a:lnRef idx="2">
+            <a:schemeClr val="accent1">
+              <a:shade val="50000"/>
+            </a:schemeClr>
+          </a:lnRef>
+          <a:fillRef idx="1">
+            <a:schemeClr val="accent1"/>
+          </a:fillRef>
+          <a:effectRef idx="0">
+            <a:schemeClr val="accent1"/>
+          </a:effectRef>
+          <a:fontRef idx="minor">
+            <a:schemeClr val="lt1"/>
+          </a:fontRef>
+        </p:style>
+        <p:txBody>
+          <a:bodyPr wrap="square" rtlCol="0" anchor="ctr">
+            <a:noAutofit/>
+          </a:bodyPr>
+          <a:lstStyle/>
+          <a:p>
+            <a:pPr marL="0" marR="0" lvl="0" indent="0" algn="ctr" defTabSz="914400" rtl="0" eaLnBrk="1" fontAlgn="auto" latinLnBrk="0" hangingPunct="1">
+              <a:lnSpc>
+                <a:spcPct val="100000"/>
+              </a:lnSpc>
+              <a:spcBef>
+                <a:spcPts val="0"/>
+              </a:spcBef>
+              <a:spcAft>
+                <a:spcPts val="0"/>
+              </a:spcAft>
+              <a:buClrTx/>
+              <a:buSzTx/>
+              <a:buFontTx/>
+              <a:buNone/>
+              <a:tabLst/>
+              <a:defRPr/>
+            </a:pPr>
+            <a:endParaRPr kumimoji="0" lang="en-US" sz="1800" b="0" i="0" u="none" strike="noStrike" kern="1200" cap="none" spc="0" normalizeH="0" baseline="0" noProof="0">
+              <a:ln>
+                <a:noFill/>
+              </a:ln>
+              <a:solidFill>
+                <a:prstClr val="white"/>
+              </a:solidFill>
+              <a:effectLst/>
+              <a:uLnTx/>
+              <a:uFillTx/>
+              <a:latin typeface="Calibri" panose="020F0502020204030204"/>
+              <a:ea typeface="+mn-ea"/>
+              <a:cs typeface="+mn-cs"/>
+            </a:endParaRPr>
+          </a:p>
+        </p:txBody>
+      </p:sp>
+      <p:sp>
+        <p:nvSpPr>
+          <p:cNvPr id="13" name="Freeform: Shape 12">
+            <a:extLst>
+              <a:ext uri="{FF2B5EF4-FFF2-40B4-BE49-F238E27FC236}">
+                <a16:creationId xmlns:a16="http://schemas.microsoft.com/office/drawing/2014/main" id="{4C5D6221-DA7B-4611-AA26-7D8E349FDE96}"/>
+              </a:ext>
+              <a:ext uri="{C183D7F6-B498-43B3-948B-1728B52AA6E4}">
+                <adec:decorative xmlns:adec="http://schemas.microsoft.com/office/drawing/2017/decorative" val="1"/>
+              </a:ext>
+            </a:extLst>
+          </p:cNvPr>
+          <p:cNvSpPr>
+            <a:spLocks noGrp="1" noRot="1" noChangeAspect="1" noMove="1" noResize="1" noEditPoints="1" noAdjustHandles="1" noChangeArrowheads="1" noChangeShapeType="1" noTextEdit="1"/>
+          </p:cNvSpPr>
+          <p:nvPr>
+            <p:extLst>
+              <p:ext uri="{386F3935-93C4-4BCD-93E2-E3B085C9AB24}">
+                <p16:designElem xmlns:p16="http://schemas.microsoft.com/office/powerpoint/2015/main" val="1"/>
+              </p:ext>
+            </p:extLst>
+          </p:nvPr>
+        </p:nvSpPr>
+        <p:spPr>
+          <a:xfrm>
+            <a:off x="1" y="0"/>
+            <a:ext cx="4232227" cy="6858000"/>
+          </a:xfrm>
+          <a:custGeom>
+            <a:avLst/>
+            <a:gdLst>
+              <a:gd name="connsiteX0" fmla="*/ 0 w 4232227"/>
+              <a:gd name="connsiteY0" fmla="*/ 0 h 6858000"/>
+              <a:gd name="connsiteX1" fmla="*/ 4161853 w 4232227"/>
+              <a:gd name="connsiteY1" fmla="*/ 0 h 6858000"/>
+              <a:gd name="connsiteX2" fmla="*/ 4197953 w 4232227"/>
+              <a:gd name="connsiteY2" fmla="*/ 284091 h 6858000"/>
+              <a:gd name="connsiteX3" fmla="*/ 4232227 w 4232227"/>
+              <a:gd name="connsiteY3" fmla="*/ 962844 h 6858000"/>
+              <a:gd name="connsiteX4" fmla="*/ 758007 w 4232227"/>
+              <a:gd name="connsiteY4" fmla="*/ 6800152 h 6858000"/>
+              <a:gd name="connsiteX5" fmla="*/ 645060 w 4232227"/>
+              <a:gd name="connsiteY5" fmla="*/ 6858000 h 6858000"/>
+              <a:gd name="connsiteX6" fmla="*/ 0 w 4232227"/>
+              <a:gd name="connsiteY6" fmla="*/ 6858000 h 6858000"/>
+            </a:gdLst>
+            <a:ahLst/>
+            <a:cxnLst>
+              <a:cxn ang="0">
+                <a:pos x="connsiteX0" y="connsiteY0"/>
+              </a:cxn>
+              <a:cxn ang="0">
+                <a:pos x="connsiteX1" y="connsiteY1"/>
+              </a:cxn>
+              <a:cxn ang="0">
+                <a:pos x="connsiteX2" y="connsiteY2"/>
+              </a:cxn>
+              <a:cxn ang="0">
+                <a:pos x="connsiteX3" y="connsiteY3"/>
+              </a:cxn>
+              <a:cxn ang="0">
+                <a:pos x="connsiteX4" y="connsiteY4"/>
+              </a:cxn>
+              <a:cxn ang="0">
+                <a:pos x="connsiteX5" y="connsiteY5"/>
+              </a:cxn>
+              <a:cxn ang="0">
+                <a:pos x="connsiteX6" y="connsiteY6"/>
+              </a:cxn>
+            </a:cxnLst>
+            <a:rect l="l" t="t" r="r" b="b"/>
+            <a:pathLst>
+              <a:path w="4232227" h="6858000">
+                <a:moveTo>
+                  <a:pt x="0" y="0"/>
+                </a:moveTo>
+                <a:lnTo>
+                  <a:pt x="4161853" y="0"/>
+                </a:lnTo>
+                <a:lnTo>
+                  <a:pt x="4197953" y="284091"/>
+                </a:lnTo>
+                <a:cubicBezTo>
+                  <a:pt x="4220617" y="507260"/>
+                  <a:pt x="4232227" y="733696"/>
+                  <a:pt x="4232227" y="962844"/>
+                </a:cubicBezTo>
+                <a:cubicBezTo>
+                  <a:pt x="4232227" y="3483472"/>
+                  <a:pt x="2827409" y="5675986"/>
+                  <a:pt x="758007" y="6800152"/>
+                </a:cubicBezTo>
+                <a:lnTo>
+                  <a:pt x="645060" y="6858000"/>
+                </a:lnTo>
+                <a:lnTo>
+                  <a:pt x="0" y="6858000"/>
+                </a:lnTo>
+                <a:close/>
+              </a:path>
+            </a:pathLst>
+          </a:custGeom>
+          <a:solidFill>
+            <a:srgbClr val="404040"/>
+          </a:solidFill>
+          <a:ln>
+            <a:noFill/>
+          </a:ln>
+        </p:spPr>
+        <p:style>
+          <a:lnRef idx="2">
+            <a:schemeClr val="accent1">
+              <a:shade val="50000"/>
+            </a:schemeClr>
+          </a:lnRef>
+          <a:fillRef idx="1">
+            <a:schemeClr val="accent1"/>
+          </a:fillRef>
+          <a:effectRef idx="0">
+            <a:schemeClr val="accent1"/>
+          </a:effectRef>
+          <a:fontRef idx="minor">
+            <a:schemeClr val="lt1"/>
+          </a:fontRef>
+        </p:style>
+        <p:txBody>
+          <a:bodyPr wrap="square" rtlCol="0" anchor="ctr">
+            <a:noAutofit/>
+          </a:bodyPr>
+          <a:lstStyle/>
+          <a:p>
+            <a:pPr marL="0" marR="0" lvl="0" indent="0" algn="ctr" defTabSz="914400" rtl="0" eaLnBrk="1" fontAlgn="auto" latinLnBrk="0" hangingPunct="1">
+              <a:lnSpc>
+                <a:spcPct val="100000"/>
+              </a:lnSpc>
+              <a:spcBef>
+                <a:spcPts val="0"/>
+              </a:spcBef>
+              <a:spcAft>
+                <a:spcPts val="0"/>
+              </a:spcAft>
+              <a:buClrTx/>
+              <a:buSzTx/>
+              <a:buFontTx/>
+              <a:buNone/>
+              <a:tabLst/>
+              <a:defRPr/>
+            </a:pPr>
+            <a:endParaRPr kumimoji="0" lang="en-US" sz="1800" b="0" i="0" u="none" strike="noStrike" kern="1200" cap="none" spc="0" normalizeH="0" baseline="0" noProof="0">
+              <a:ln>
+                <a:noFill/>
+              </a:ln>
+              <a:solidFill>
+                <a:prstClr val="white"/>
+              </a:solidFill>
+              <a:effectLst/>
+              <a:uLnTx/>
+              <a:uFillTx/>
+              <a:latin typeface="Calibri" panose="020F0502020204030204"/>
+              <a:ea typeface="+mn-ea"/>
+              <a:cs typeface="+mn-cs"/>
+            </a:endParaRPr>
+          </a:p>
+        </p:txBody>
+      </p:sp>
+      <p:sp>
+        <p:nvSpPr>
+          <p:cNvPr id="2" name="Titre 1">
+            <a:extLst>
+              <a:ext uri="{FF2B5EF4-FFF2-40B4-BE49-F238E27FC236}">
+                <a16:creationId xmlns:a16="http://schemas.microsoft.com/office/drawing/2014/main" id="{77328127-2658-29C0-D5B6-2E19F8D9CB6F}"/>
+              </a:ext>
+            </a:extLst>
+          </p:cNvPr>
+          <p:cNvSpPr>
+            <a:spLocks noGrp="1"/>
+          </p:cNvSpPr>
+          <p:nvPr>
+            <p:ph type="ctrTitle"/>
+          </p:nvPr>
+        </p:nvSpPr>
+        <p:spPr>
+          <a:xfrm>
+            <a:off x="306769" y="1980896"/>
+            <a:ext cx="3626039" cy="1010878"/>
+          </a:xfrm>
+        </p:spPr>
+        <p:txBody>
+          <a:bodyPr vert="horz" lIns="91440" tIns="45720" rIns="91440" bIns="45720" rtlCol="0" anchor="t">
+            <a:normAutofit fontScale="90000"/>
+          </a:bodyPr>
+          <a:lstStyle/>
+          <a:p>
+            <a:pPr algn="l"/>
+            <a:r>
+              <a:rPr lang="en-US" sz="3600" b="1">
+                <a:solidFill>
+                  <a:srgbClr val="FFFFFF"/>
+                </a:solidFill>
+                <a:latin typeface="Century Gothic" panose="020B0502020202090204" pitchFamily="34" charset="0"/>
+              </a:rPr>
+              <a:t>Data visualization:</a:t>
+            </a:r>
+            <a:endParaRPr lang="en-US" sz="3600" b="1" kern="1200" dirty="0">
+              <a:solidFill>
+                <a:srgbClr val="FFFFFF"/>
+              </a:solidFill>
+              <a:latin typeface="Century Gothic" panose="020B0502020202090204" pitchFamily="34" charset="0"/>
+            </a:endParaRPr>
+          </a:p>
+        </p:txBody>
+      </p:sp>
+      <p:sp>
+        <p:nvSpPr>
+          <p:cNvPr id="4" name="Sous-titre 2">
+            <a:extLst>
+              <a:ext uri="{FF2B5EF4-FFF2-40B4-BE49-F238E27FC236}">
+                <a16:creationId xmlns:a16="http://schemas.microsoft.com/office/drawing/2014/main" id="{F268D261-47EE-1D4F-CCA1-52A3131E5925}"/>
+              </a:ext>
+            </a:extLst>
+          </p:cNvPr>
+          <p:cNvSpPr txBox="1">
+            <a:spLocks/>
+          </p:cNvSpPr>
+          <p:nvPr/>
+        </p:nvSpPr>
+        <p:spPr>
+          <a:xfrm>
+            <a:off x="5315546" y="1816257"/>
+            <a:ext cx="6569685" cy="950716"/>
+          </a:xfrm>
+          <a:prstGeom prst="rect">
+            <a:avLst/>
+          </a:prstGeom>
+        </p:spPr>
+        <p:txBody>
+          <a:bodyPr vert="horz" lIns="91440" tIns="45720" rIns="91440" bIns="45720" rtlCol="0">
+            <a:noAutofit/>
+          </a:bodyPr>
+          <a:lstStyle>
+            <a:lvl1pPr marL="0" indent="0" algn="ctr" defTabSz="914400" rtl="0" eaLnBrk="1" latinLnBrk="0" hangingPunct="1">
+              <a:lnSpc>
+                <a:spcPct val="90000"/>
+              </a:lnSpc>
+              <a:spcBef>
+                <a:spcPts val="1000"/>
+              </a:spcBef>
+              <a:buFont typeface="Arial" panose="020B0604020202020204" pitchFamily="34" charset="0"/>
+              <a:buNone/>
+              <a:defRPr sz="2400" kern="1200">
+                <a:solidFill>
+                  <a:schemeClr val="tx1"/>
+                </a:solidFill>
+                <a:latin typeface="+mn-lt"/>
+                <a:ea typeface="+mn-ea"/>
+                <a:cs typeface="+mn-cs"/>
+              </a:defRPr>
+            </a:lvl1pPr>
+            <a:lvl2pPr marL="457200" indent="0" algn="ctr" defTabSz="914400" rtl="0" eaLnBrk="1" latinLnBrk="0" hangingPunct="1">
+              <a:lnSpc>
+                <a:spcPct val="90000"/>
+              </a:lnSpc>
+              <a:spcBef>
+                <a:spcPts val="500"/>
+              </a:spcBef>
+              <a:buFont typeface="Arial" panose="020B0604020202020204" pitchFamily="34" charset="0"/>
+              <a:buNone/>
+              <a:defRPr sz="2000" kern="1200">
+                <a:solidFill>
+                  <a:schemeClr val="tx1"/>
+                </a:solidFill>
+                <a:latin typeface="+mn-lt"/>
+                <a:ea typeface="+mn-ea"/>
+                <a:cs typeface="+mn-cs"/>
+              </a:defRPr>
+            </a:lvl2pPr>
+            <a:lvl3pPr marL="914400" indent="0" algn="ctr" defTabSz="914400" rtl="0" eaLnBrk="1" latinLnBrk="0" hangingPunct="1">
+              <a:lnSpc>
+                <a:spcPct val="90000"/>
+              </a:lnSpc>
+              <a:spcBef>
+                <a:spcPts val="500"/>
+              </a:spcBef>
+              <a:buFont typeface="Arial" panose="020B0604020202020204" pitchFamily="34" charset="0"/>
+              <a:buNone/>
+              <a:defRPr sz="1800" kern="1200">
+                <a:solidFill>
+                  <a:schemeClr val="tx1"/>
+                </a:solidFill>
+                <a:latin typeface="+mn-lt"/>
+                <a:ea typeface="+mn-ea"/>
+                <a:cs typeface="+mn-cs"/>
+              </a:defRPr>
+            </a:lvl3pPr>
+            <a:lvl4pPr marL="1371600" indent="0" algn="ctr" defTabSz="914400" rtl="0" eaLnBrk="1" latinLnBrk="0" hangingPunct="1">
+              <a:lnSpc>
+                <a:spcPct val="90000"/>
+              </a:lnSpc>
+              <a:spcBef>
+                <a:spcPts val="500"/>
+              </a:spcBef>
+              <a:buFont typeface="Arial" panose="020B0604020202020204" pitchFamily="34" charset="0"/>
+              <a:buNone/>
+              <a:defRPr sz="1600" kern="1200">
+                <a:solidFill>
+                  <a:schemeClr val="tx1"/>
+                </a:solidFill>
+                <a:latin typeface="+mn-lt"/>
+                <a:ea typeface="+mn-ea"/>
+                <a:cs typeface="+mn-cs"/>
+              </a:defRPr>
+            </a:lvl4pPr>
+            <a:lvl5pPr marL="1828800" indent="0" algn="ctr" defTabSz="914400" rtl="0" eaLnBrk="1" latinLnBrk="0" hangingPunct="1">
+              <a:lnSpc>
+                <a:spcPct val="90000"/>
+              </a:lnSpc>
+              <a:spcBef>
+                <a:spcPts val="500"/>
+              </a:spcBef>
+              <a:buFont typeface="Arial" panose="020B0604020202020204" pitchFamily="34" charset="0"/>
+              <a:buNone/>
+              <a:defRPr sz="1600" kern="1200">
+                <a:solidFill>
+                  <a:schemeClr val="tx1"/>
+                </a:solidFill>
+                <a:latin typeface="+mn-lt"/>
+                <a:ea typeface="+mn-ea"/>
+                <a:cs typeface="+mn-cs"/>
+              </a:defRPr>
+            </a:lvl5pPr>
+            <a:lvl6pPr marL="2286000" indent="0" algn="ctr" defTabSz="914400" rtl="0" eaLnBrk="1" latinLnBrk="0" hangingPunct="1">
+              <a:lnSpc>
+                <a:spcPct val="90000"/>
+              </a:lnSpc>
+              <a:spcBef>
+                <a:spcPts val="500"/>
+              </a:spcBef>
+              <a:buFont typeface="Arial" panose="020B0604020202020204" pitchFamily="34" charset="0"/>
+              <a:buNone/>
+              <a:defRPr sz="1600" kern="1200">
+                <a:solidFill>
+                  <a:schemeClr val="tx1"/>
+                </a:solidFill>
+                <a:latin typeface="+mn-lt"/>
+                <a:ea typeface="+mn-ea"/>
+                <a:cs typeface="+mn-cs"/>
+              </a:defRPr>
+            </a:lvl6pPr>
+            <a:lvl7pPr marL="2743200" indent="0" algn="ctr" defTabSz="914400" rtl="0" eaLnBrk="1" latinLnBrk="0" hangingPunct="1">
+              <a:lnSpc>
+                <a:spcPct val="90000"/>
+              </a:lnSpc>
+              <a:spcBef>
+                <a:spcPts val="500"/>
+              </a:spcBef>
+              <a:buFont typeface="Arial" panose="020B0604020202020204" pitchFamily="34" charset="0"/>
+              <a:buNone/>
+              <a:defRPr sz="1600" kern="1200">
+                <a:solidFill>
+                  <a:schemeClr val="tx1"/>
+                </a:solidFill>
+                <a:latin typeface="+mn-lt"/>
+                <a:ea typeface="+mn-ea"/>
+                <a:cs typeface="+mn-cs"/>
+              </a:defRPr>
+            </a:lvl7pPr>
+            <a:lvl8pPr marL="3200400" indent="0" algn="ctr" defTabSz="914400" rtl="0" eaLnBrk="1" latinLnBrk="0" hangingPunct="1">
+              <a:lnSpc>
+                <a:spcPct val="90000"/>
+              </a:lnSpc>
+              <a:spcBef>
+                <a:spcPts val="500"/>
+              </a:spcBef>
+              <a:buFont typeface="Arial" panose="020B0604020202020204" pitchFamily="34" charset="0"/>
+              <a:buNone/>
+              <a:defRPr sz="1600" kern="1200">
+                <a:solidFill>
+                  <a:schemeClr val="tx1"/>
+                </a:solidFill>
+                <a:latin typeface="+mn-lt"/>
+                <a:ea typeface="+mn-ea"/>
+                <a:cs typeface="+mn-cs"/>
+              </a:defRPr>
+            </a:lvl8pPr>
+            <a:lvl9pPr marL="3657600" indent="0" algn="ctr" defTabSz="914400" rtl="0" eaLnBrk="1" latinLnBrk="0" hangingPunct="1">
+              <a:lnSpc>
+                <a:spcPct val="90000"/>
+              </a:lnSpc>
+              <a:spcBef>
+                <a:spcPts val="500"/>
+              </a:spcBef>
+              <a:buFont typeface="Arial" panose="020B0604020202020204" pitchFamily="34" charset="0"/>
+              <a:buNone/>
+              <a:defRPr sz="1600" kern="1200">
+                <a:solidFill>
+                  <a:schemeClr val="tx1"/>
+                </a:solidFill>
+                <a:latin typeface="+mn-lt"/>
+                <a:ea typeface="+mn-ea"/>
+                <a:cs typeface="+mn-cs"/>
+              </a:defRPr>
+            </a:lvl9pPr>
+          </a:lstStyle>
+          <a:p>
+            <a:pPr algn="l"/>
+            <a:endParaRPr lang="en-US" sz="3200" dirty="0">
+              <a:latin typeface="Century Gothic" panose="020B0502020202090204" pitchFamily="34" charset="0"/>
+            </a:endParaRPr>
+          </a:p>
+        </p:txBody>
+      </p:sp>
+      <p:sp>
+        <p:nvSpPr>
+          <p:cNvPr id="7" name="TextBox 6">
+            <a:extLst>
+              <a:ext uri="{FF2B5EF4-FFF2-40B4-BE49-F238E27FC236}">
+                <a16:creationId xmlns:a16="http://schemas.microsoft.com/office/drawing/2014/main" id="{14DB6575-BDCF-4E84-B859-4F92A6FF6825}"/>
+              </a:ext>
+            </a:extLst>
+          </p:cNvPr>
+          <p:cNvSpPr txBox="1"/>
+          <p:nvPr/>
+        </p:nvSpPr>
+        <p:spPr>
+          <a:xfrm>
+            <a:off x="4702412" y="630283"/>
+            <a:ext cx="6270388" cy="1015663"/>
+          </a:xfrm>
+          <a:prstGeom prst="rect">
+            <a:avLst/>
+          </a:prstGeom>
+          <a:noFill/>
+        </p:spPr>
+        <p:txBody>
+          <a:bodyPr wrap="square" rtlCol="0">
+            <a:spAutoFit/>
+          </a:bodyPr>
+          <a:lstStyle/>
+          <a:p>
+            <a:r>
+              <a:rPr lang="en-US" sz="2000" dirty="0">
+                <a:latin typeface="Century Gothic" panose="020B0502020202090204" pitchFamily="34" charset="0"/>
+              </a:rPr>
+              <a:t>The last visualization is a representation of the time in hospital in function of the medication they take:</a:t>
+            </a:r>
+          </a:p>
+        </p:txBody>
+      </p:sp>
+      <p:pic>
+        <p:nvPicPr>
+          <p:cNvPr id="5" name="Picture 4">
+            <a:extLst>
+              <a:ext uri="{FF2B5EF4-FFF2-40B4-BE49-F238E27FC236}">
+                <a16:creationId xmlns:a16="http://schemas.microsoft.com/office/drawing/2014/main" id="{4242545C-4ADE-4D17-BE85-8B5463AD00AB}"/>
+              </a:ext>
+            </a:extLst>
+          </p:cNvPr>
+          <p:cNvPicPr>
+            <a:picLocks noChangeAspect="1"/>
+          </p:cNvPicPr>
+          <p:nvPr/>
+        </p:nvPicPr>
+        <p:blipFill>
+          <a:blip r:embed="rId2"/>
+          <a:stretch>
+            <a:fillRect/>
+          </a:stretch>
+        </p:blipFill>
+        <p:spPr>
+          <a:xfrm>
+            <a:off x="4134039" y="3237043"/>
+            <a:ext cx="7918532" cy="3413540"/>
+          </a:xfrm>
+          <a:prstGeom prst="rect">
+            <a:avLst/>
+          </a:prstGeom>
+        </p:spPr>
+      </p:pic>
+    </p:spTree>
+    <p:extLst>
+      <p:ext uri="{BB962C8B-B14F-4D97-AF65-F5344CB8AC3E}">
+        <p14:creationId xmlns:p14="http://schemas.microsoft.com/office/powerpoint/2010/main" val="1636868409"/>
+      </p:ext>
+    </p:extLst>
+  </p:cSld>
+  <p:clrMapOvr>
+    <a:masterClrMapping/>
+  </p:clrMapOvr>
+</p:sld>
+</file>
+
+<file path=ppt/slides/slide9.xml><?xml version="1.0" encoding="utf-8"?>
+<p:sld xmlns:a="http://schemas.openxmlformats.org/drawingml/2006/main" xmlns:r="http://schemas.openxmlformats.org/officeDocument/2006/relationships" xmlns:p="http://schemas.openxmlformats.org/presentationml/2006/main">
+  <p:cSld>
+    <p:bg>
+      <p:bgPr>
+        <a:solidFill>
+          <a:schemeClr val="bg1"/>
+        </a:solidFill>
+        <a:effectLst/>
+      </p:bgPr>
+    </p:bg>
+    <p:spTree>
+      <p:nvGrpSpPr>
+        <p:cNvPr id="1" name=""/>
+        <p:cNvGrpSpPr/>
+        <p:nvPr/>
+      </p:nvGrpSpPr>
+      <p:grpSpPr>
+        <a:xfrm>
+          <a:off x="0" y="0"/>
+          <a:ext cx="0" cy="0"/>
+          <a:chOff x="0" y="0"/>
+          <a:chExt cx="0" cy="0"/>
+        </a:xfrm>
+      </p:grpSpPr>
+      <p:sp>
+        <p:nvSpPr>
+          <p:cNvPr id="9" name="Rectangle 8">
+            <a:extLst>
+              <a:ext uri="{FF2B5EF4-FFF2-40B4-BE49-F238E27FC236}">
+                <a16:creationId xmlns:a16="http://schemas.microsoft.com/office/drawing/2014/main" id="{E35A04CF-97D4-4FF7-B359-C546B1F62E54}"/>
+              </a:ext>
+              <a:ext uri="{C183D7F6-B498-43B3-948B-1728B52AA6E4}">
+                <adec:decorative xmlns:adec="http://schemas.microsoft.com/office/drawing/2017/decorative" val="1"/>
+              </a:ext>
+            </a:extLst>
+          </p:cNvPr>
+          <p:cNvSpPr>
+            <a:spLocks noGrp="1" noRot="1" noChangeAspect="1" noMove="1" noResize="1" noEditPoints="1" noAdjustHandles="1" noChangeArrowheads="1" noChangeShapeType="1" noTextEdit="1"/>
+          </p:cNvSpPr>
+          <p:nvPr>
+            <p:extLst>
+              <p:ext uri="{386F3935-93C4-4BCD-93E2-E3B085C9AB24}">
+                <p16:designElem xmlns:p16="http://schemas.microsoft.com/office/powerpoint/2015/main" val="1"/>
+              </p:ext>
+            </p:extLst>
+          </p:nvPr>
+        </p:nvSpPr>
+        <p:spPr>
+          <a:xfrm>
+            <a:off x="0" y="0"/>
+            <a:ext cx="12191999" cy="6858000"/>
+          </a:xfrm>
+          <a:prstGeom prst="rect">
+            <a:avLst/>
+          </a:prstGeom>
+          <a:solidFill>
+            <a:schemeClr val="bg1">
+              <a:lumMod val="85000"/>
+            </a:schemeClr>
+          </a:solidFill>
+          <a:ln>
+            <a:noFill/>
+          </a:ln>
+        </p:spPr>
+        <p:style>
+          <a:lnRef idx="2">
+            <a:schemeClr val="accent1">
+              <a:shade val="50000"/>
+            </a:schemeClr>
+          </a:lnRef>
+          <a:fillRef idx="1">
+            <a:schemeClr val="accent1"/>
+          </a:fillRef>
+          <a:effectRef idx="0">
+            <a:schemeClr val="accent1"/>
+          </a:effectRef>
+          <a:fontRef idx="minor">
+            <a:schemeClr val="lt1"/>
+          </a:fontRef>
+        </p:style>
+        <p:txBody>
+          <a:bodyPr rtlCol="0" anchor="ctr"/>
+          <a:lstStyle/>
+          <a:p>
+            <a:pPr algn="ctr"/>
+            <a:endParaRPr lang="en-US"/>
+          </a:p>
+        </p:txBody>
+      </p:sp>
+      <p:sp>
+        <p:nvSpPr>
+          <p:cNvPr id="11" name="Freeform: Shape 10">
+            <a:extLst>
+              <a:ext uri="{FF2B5EF4-FFF2-40B4-BE49-F238E27FC236}">
+                <a16:creationId xmlns:a16="http://schemas.microsoft.com/office/drawing/2014/main" id="{1DE7243B-5109-444B-8FAF-7437C66BC0E9}"/>
+              </a:ext>
+              <a:ext uri="{C183D7F6-B498-43B3-948B-1728B52AA6E4}">
+                <adec:decorative xmlns:adec="http://schemas.microsoft.com/office/drawing/2017/decorative" val="1"/>
+              </a:ext>
+            </a:extLst>
+          </p:cNvPr>
+          <p:cNvSpPr>
+            <a:spLocks noGrp="1" noRot="1" noChangeAspect="1" noMove="1" noResize="1" noEditPoints="1" noAdjustHandles="1" noChangeArrowheads="1" noChangeShapeType="1" noTextEdit="1"/>
+          </p:cNvSpPr>
+          <p:nvPr>
+            <p:extLst>
+              <p:ext uri="{386F3935-93C4-4BCD-93E2-E3B085C9AB24}">
+                <p16:designElem xmlns:p16="http://schemas.microsoft.com/office/powerpoint/2015/main" val="1"/>
+              </p:ext>
+            </p:extLst>
+          </p:nvPr>
+        </p:nvSpPr>
+        <p:spPr>
+          <a:xfrm flipH="1">
+            <a:off x="0" y="0"/>
+            <a:ext cx="4421332" cy="6858000"/>
+          </a:xfrm>
+          <a:custGeom>
+            <a:avLst/>
+            <a:gdLst>
+              <a:gd name="connsiteX0" fmla="*/ 4421332 w 4421332"/>
+              <a:gd name="connsiteY0" fmla="*/ 0 h 6858000"/>
+              <a:gd name="connsiteX1" fmla="*/ 69075 w 4421332"/>
+              <a:gd name="connsiteY1" fmla="*/ 0 h 6858000"/>
+              <a:gd name="connsiteX2" fmla="*/ 35131 w 4421332"/>
+              <a:gd name="connsiteY2" fmla="*/ 267128 h 6858000"/>
+              <a:gd name="connsiteX3" fmla="*/ 0 w 4421332"/>
+              <a:gd name="connsiteY3" fmla="*/ 962845 h 6858000"/>
+              <a:gd name="connsiteX4" fmla="*/ 3276103 w 4421332"/>
+              <a:gd name="connsiteY4" fmla="*/ 6782205 h 6858000"/>
+              <a:gd name="connsiteX5" fmla="*/ 3407923 w 4421332"/>
+              <a:gd name="connsiteY5" fmla="*/ 6858000 h 6858000"/>
+              <a:gd name="connsiteX6" fmla="*/ 4421332 w 4421332"/>
+              <a:gd name="connsiteY6" fmla="*/ 6858000 h 6858000"/>
+            </a:gdLst>
+            <a:ahLst/>
+            <a:cxnLst>
+              <a:cxn ang="0">
+                <a:pos x="connsiteX0" y="connsiteY0"/>
+              </a:cxn>
+              <a:cxn ang="0">
+                <a:pos x="connsiteX1" y="connsiteY1"/>
+              </a:cxn>
+              <a:cxn ang="0">
+                <a:pos x="connsiteX2" y="connsiteY2"/>
+              </a:cxn>
+              <a:cxn ang="0">
+                <a:pos x="connsiteX3" y="connsiteY3"/>
+              </a:cxn>
+              <a:cxn ang="0">
+                <a:pos x="connsiteX4" y="connsiteY4"/>
+              </a:cxn>
+              <a:cxn ang="0">
+                <a:pos x="connsiteX5" y="connsiteY5"/>
+              </a:cxn>
+              <a:cxn ang="0">
+                <a:pos x="connsiteX6" y="connsiteY6"/>
+              </a:cxn>
+            </a:cxnLst>
+            <a:rect l="l" t="t" r="r" b="b"/>
+            <a:pathLst>
+              <a:path w="4421332" h="6858000">
+                <a:moveTo>
+                  <a:pt x="4421332" y="0"/>
+                </a:moveTo>
+                <a:lnTo>
+                  <a:pt x="69075" y="0"/>
+                </a:lnTo>
+                <a:lnTo>
+                  <a:pt x="35131" y="267128"/>
+                </a:lnTo>
+                <a:cubicBezTo>
+                  <a:pt x="11901" y="495874"/>
+                  <a:pt x="0" y="727970"/>
+                  <a:pt x="0" y="962845"/>
+                </a:cubicBezTo>
+                <a:cubicBezTo>
+                  <a:pt x="0" y="3429034"/>
+                  <a:pt x="1312002" y="5588789"/>
+                  <a:pt x="3276103" y="6782205"/>
+                </a:cubicBezTo>
+                <a:lnTo>
+                  <a:pt x="3407923" y="6858000"/>
+                </a:lnTo>
+                <a:lnTo>
+                  <a:pt x="4421332" y="6858000"/>
+                </a:lnTo>
+                <a:close/>
+              </a:path>
+            </a:pathLst>
+          </a:custGeom>
+          <a:solidFill>
+            <a:srgbClr val="FFFFFF">
+              <a:alpha val="80000"/>
+            </a:srgbClr>
+          </a:solidFill>
+          <a:ln>
+            <a:noFill/>
+          </a:ln>
+        </p:spPr>
+        <p:style>
+          <a:lnRef idx="2">
+            <a:schemeClr val="accent1">
+              <a:shade val="50000"/>
+            </a:schemeClr>
+          </a:lnRef>
+          <a:fillRef idx="1">
+            <a:schemeClr val="accent1"/>
+          </a:fillRef>
+          <a:effectRef idx="0">
+            <a:schemeClr val="accent1"/>
+          </a:effectRef>
+          <a:fontRef idx="minor">
+            <a:schemeClr val="lt1"/>
+          </a:fontRef>
+        </p:style>
+        <p:txBody>
+          <a:bodyPr wrap="square" rtlCol="0" anchor="ctr">
+            <a:noAutofit/>
+          </a:bodyPr>
+          <a:lstStyle/>
+          <a:p>
+            <a:pPr marL="0" marR="0" lvl="0" indent="0" algn="ctr" defTabSz="914400" rtl="0" eaLnBrk="1" fontAlgn="auto" latinLnBrk="0" hangingPunct="1">
+              <a:lnSpc>
+                <a:spcPct val="100000"/>
+              </a:lnSpc>
+              <a:spcBef>
+                <a:spcPts val="0"/>
+              </a:spcBef>
+              <a:spcAft>
+                <a:spcPts val="0"/>
+              </a:spcAft>
+              <a:buClrTx/>
+              <a:buSzTx/>
+              <a:buFontTx/>
+              <a:buNone/>
+              <a:tabLst/>
+              <a:defRPr/>
+            </a:pPr>
+            <a:endParaRPr kumimoji="0" lang="en-US" sz="1800" b="0" i="0" u="none" strike="noStrike" kern="1200" cap="none" spc="0" normalizeH="0" baseline="0" noProof="0">
+              <a:ln>
+                <a:noFill/>
+              </a:ln>
+              <a:solidFill>
+                <a:prstClr val="white"/>
+              </a:solidFill>
+              <a:effectLst/>
+              <a:uLnTx/>
+              <a:uFillTx/>
+              <a:latin typeface="Calibri" panose="020F0502020204030204"/>
+              <a:ea typeface="+mn-ea"/>
+              <a:cs typeface="+mn-cs"/>
+            </a:endParaRPr>
+          </a:p>
+        </p:txBody>
+      </p:sp>
+      <p:sp>
+        <p:nvSpPr>
+          <p:cNvPr id="13" name="Freeform: Shape 12">
+            <a:extLst>
+              <a:ext uri="{FF2B5EF4-FFF2-40B4-BE49-F238E27FC236}">
+                <a16:creationId xmlns:a16="http://schemas.microsoft.com/office/drawing/2014/main" id="{4C5D6221-DA7B-4611-AA26-7D8E349FDE96}"/>
+              </a:ext>
+              <a:ext uri="{C183D7F6-B498-43B3-948B-1728B52AA6E4}">
+                <adec:decorative xmlns:adec="http://schemas.microsoft.com/office/drawing/2017/decorative" val="1"/>
+              </a:ext>
+            </a:extLst>
+          </p:cNvPr>
+          <p:cNvSpPr>
+            <a:spLocks noGrp="1" noRot="1" noChangeAspect="1" noMove="1" noResize="1" noEditPoints="1" noAdjustHandles="1" noChangeArrowheads="1" noChangeShapeType="1" noTextEdit="1"/>
+          </p:cNvSpPr>
+          <p:nvPr>
+            <p:extLst>
+              <p:ext uri="{386F3935-93C4-4BCD-93E2-E3B085C9AB24}">
+                <p16:designElem xmlns:p16="http://schemas.microsoft.com/office/powerpoint/2015/main" val="1"/>
+              </p:ext>
+            </p:extLst>
+          </p:nvPr>
+        </p:nvSpPr>
+        <p:spPr>
+          <a:xfrm>
+            <a:off x="1" y="0"/>
+            <a:ext cx="4232227" cy="6858000"/>
+          </a:xfrm>
+          <a:custGeom>
+            <a:avLst/>
+            <a:gdLst>
+              <a:gd name="connsiteX0" fmla="*/ 0 w 4232227"/>
+              <a:gd name="connsiteY0" fmla="*/ 0 h 6858000"/>
+              <a:gd name="connsiteX1" fmla="*/ 4161853 w 4232227"/>
+              <a:gd name="connsiteY1" fmla="*/ 0 h 6858000"/>
+              <a:gd name="connsiteX2" fmla="*/ 4197953 w 4232227"/>
+              <a:gd name="connsiteY2" fmla="*/ 284091 h 6858000"/>
+              <a:gd name="connsiteX3" fmla="*/ 4232227 w 4232227"/>
+              <a:gd name="connsiteY3" fmla="*/ 962844 h 6858000"/>
+              <a:gd name="connsiteX4" fmla="*/ 758007 w 4232227"/>
+              <a:gd name="connsiteY4" fmla="*/ 6800152 h 6858000"/>
+              <a:gd name="connsiteX5" fmla="*/ 645060 w 4232227"/>
+              <a:gd name="connsiteY5" fmla="*/ 6858000 h 6858000"/>
+              <a:gd name="connsiteX6" fmla="*/ 0 w 4232227"/>
+              <a:gd name="connsiteY6" fmla="*/ 6858000 h 6858000"/>
+            </a:gdLst>
+            <a:ahLst/>
+            <a:cxnLst>
+              <a:cxn ang="0">
+                <a:pos x="connsiteX0" y="connsiteY0"/>
+              </a:cxn>
+              <a:cxn ang="0">
+                <a:pos x="connsiteX1" y="connsiteY1"/>
+              </a:cxn>
+              <a:cxn ang="0">
+                <a:pos x="connsiteX2" y="connsiteY2"/>
+              </a:cxn>
+              <a:cxn ang="0">
+                <a:pos x="connsiteX3" y="connsiteY3"/>
+              </a:cxn>
+              <a:cxn ang="0">
+                <a:pos x="connsiteX4" y="connsiteY4"/>
+              </a:cxn>
+              <a:cxn ang="0">
+                <a:pos x="connsiteX5" y="connsiteY5"/>
+              </a:cxn>
+              <a:cxn ang="0">
+                <a:pos x="connsiteX6" y="connsiteY6"/>
+              </a:cxn>
+            </a:cxnLst>
+            <a:rect l="l" t="t" r="r" b="b"/>
+            <a:pathLst>
+              <a:path w="4232227" h="6858000">
+                <a:moveTo>
+                  <a:pt x="0" y="0"/>
+                </a:moveTo>
+                <a:lnTo>
+                  <a:pt x="4161853" y="0"/>
+                </a:lnTo>
+                <a:lnTo>
+                  <a:pt x="4197953" y="284091"/>
+                </a:lnTo>
+                <a:cubicBezTo>
+                  <a:pt x="4220617" y="507260"/>
+                  <a:pt x="4232227" y="733696"/>
+                  <a:pt x="4232227" y="962844"/>
+                </a:cubicBezTo>
+                <a:cubicBezTo>
+                  <a:pt x="4232227" y="3483472"/>
+                  <a:pt x="2827409" y="5675986"/>
+                  <a:pt x="758007" y="6800152"/>
+                </a:cubicBezTo>
+                <a:lnTo>
+                  <a:pt x="645060" y="6858000"/>
+                </a:lnTo>
+                <a:lnTo>
+                  <a:pt x="0" y="6858000"/>
+                </a:lnTo>
+                <a:close/>
+              </a:path>
+            </a:pathLst>
+          </a:custGeom>
+          <a:solidFill>
+            <a:srgbClr val="404040"/>
+          </a:solidFill>
+          <a:ln>
+            <a:noFill/>
+          </a:ln>
+        </p:spPr>
+        <p:style>
+          <a:lnRef idx="2">
+            <a:schemeClr val="accent1">
+              <a:shade val="50000"/>
+            </a:schemeClr>
+          </a:lnRef>
+          <a:fillRef idx="1">
+            <a:schemeClr val="accent1"/>
+          </a:fillRef>
+          <a:effectRef idx="0">
+            <a:schemeClr val="accent1"/>
+          </a:effectRef>
+          <a:fontRef idx="minor">
+            <a:schemeClr val="lt1"/>
+          </a:fontRef>
+        </p:style>
+        <p:txBody>
+          <a:bodyPr wrap="square" rtlCol="0" anchor="ctr">
+            <a:noAutofit/>
+          </a:bodyPr>
+          <a:lstStyle/>
+          <a:p>
+            <a:pPr marL="0" marR="0" lvl="0" indent="0" algn="ctr" defTabSz="914400" rtl="0" eaLnBrk="1" fontAlgn="auto" latinLnBrk="0" hangingPunct="1">
+              <a:lnSpc>
+                <a:spcPct val="100000"/>
+              </a:lnSpc>
+              <a:spcBef>
+                <a:spcPts val="0"/>
+              </a:spcBef>
+              <a:spcAft>
+                <a:spcPts val="0"/>
+              </a:spcAft>
+              <a:buClrTx/>
+              <a:buSzTx/>
+              <a:buFontTx/>
+              <a:buNone/>
+              <a:tabLst/>
+              <a:defRPr/>
+            </a:pPr>
+            <a:endParaRPr kumimoji="0" lang="en-US" sz="1800" b="0" i="0" u="none" strike="noStrike" kern="1200" cap="none" spc="0" normalizeH="0" baseline="0" noProof="0">
+              <a:ln>
+                <a:noFill/>
+              </a:ln>
+              <a:solidFill>
+                <a:prstClr val="white"/>
+              </a:solidFill>
+              <a:effectLst/>
+              <a:uLnTx/>
+              <a:uFillTx/>
+              <a:latin typeface="Calibri" panose="020F0502020204030204"/>
+              <a:ea typeface="+mn-ea"/>
+              <a:cs typeface="+mn-cs"/>
+            </a:endParaRPr>
+          </a:p>
+        </p:txBody>
+      </p:sp>
+      <p:sp>
+        <p:nvSpPr>
+          <p:cNvPr id="2" name="Titre 1">
+            <a:extLst>
+              <a:ext uri="{FF2B5EF4-FFF2-40B4-BE49-F238E27FC236}">
+                <a16:creationId xmlns:a16="http://schemas.microsoft.com/office/drawing/2014/main" id="{77328127-2658-29C0-D5B6-2E19F8D9CB6F}"/>
+              </a:ext>
+            </a:extLst>
+          </p:cNvPr>
+          <p:cNvSpPr>
+            <a:spLocks noGrp="1"/>
+          </p:cNvSpPr>
+          <p:nvPr>
+            <p:ph type="ctrTitle"/>
+          </p:nvPr>
+        </p:nvSpPr>
+        <p:spPr>
+          <a:xfrm>
+            <a:off x="228776" y="510739"/>
+            <a:ext cx="3626039" cy="1010878"/>
+          </a:xfrm>
+        </p:spPr>
+        <p:txBody>
+          <a:bodyPr vert="horz" lIns="91440" tIns="45720" rIns="91440" bIns="45720" rtlCol="0" anchor="t">
+            <a:normAutofit/>
+          </a:bodyPr>
+          <a:lstStyle/>
+          <a:p>
+            <a:pPr algn="l"/>
+            <a:r>
+              <a:rPr lang="en-US" sz="3600" b="1" kern="1200" dirty="0">
+                <a:solidFill>
+                  <a:srgbClr val="FFFFFF"/>
+                </a:solidFill>
+                <a:latin typeface="Century Gothic" panose="020B0502020202090204" pitchFamily="34" charset="0"/>
+              </a:rPr>
+              <a:t>Modeling:</a:t>
+            </a:r>
+          </a:p>
+        </p:txBody>
+      </p:sp>
+      <p:sp>
+        <p:nvSpPr>
+          <p:cNvPr id="4" name="Sous-titre 2">
+            <a:extLst>
+              <a:ext uri="{FF2B5EF4-FFF2-40B4-BE49-F238E27FC236}">
+                <a16:creationId xmlns:a16="http://schemas.microsoft.com/office/drawing/2014/main" id="{F268D261-47EE-1D4F-CCA1-52A3131E5925}"/>
+              </a:ext>
+            </a:extLst>
+          </p:cNvPr>
+          <p:cNvSpPr txBox="1">
+            <a:spLocks/>
+          </p:cNvSpPr>
+          <p:nvPr/>
+        </p:nvSpPr>
+        <p:spPr>
+          <a:xfrm>
+            <a:off x="5315546" y="1816257"/>
+            <a:ext cx="6569685" cy="950716"/>
+          </a:xfrm>
+          <a:prstGeom prst="rect">
+            <a:avLst/>
+          </a:prstGeom>
+        </p:spPr>
+        <p:txBody>
+          <a:bodyPr vert="horz" lIns="91440" tIns="45720" rIns="91440" bIns="45720" rtlCol="0">
+            <a:noAutofit/>
+          </a:bodyPr>
+          <a:lstStyle>
+            <a:lvl1pPr marL="0" indent="0" algn="ctr" defTabSz="914400" rtl="0" eaLnBrk="1" latinLnBrk="0" hangingPunct="1">
+              <a:lnSpc>
+                <a:spcPct val="90000"/>
+              </a:lnSpc>
+              <a:spcBef>
+                <a:spcPts val="1000"/>
+              </a:spcBef>
+              <a:buFont typeface="Arial" panose="020B0604020202020204" pitchFamily="34" charset="0"/>
+              <a:buNone/>
+              <a:defRPr sz="2400" kern="1200">
+                <a:solidFill>
+                  <a:schemeClr val="tx1"/>
+                </a:solidFill>
+                <a:latin typeface="+mn-lt"/>
+                <a:ea typeface="+mn-ea"/>
+                <a:cs typeface="+mn-cs"/>
+              </a:defRPr>
+            </a:lvl1pPr>
+            <a:lvl2pPr marL="457200" indent="0" algn="ctr" defTabSz="914400" rtl="0" eaLnBrk="1" latinLnBrk="0" hangingPunct="1">
+              <a:lnSpc>
+                <a:spcPct val="90000"/>
+              </a:lnSpc>
+              <a:spcBef>
+                <a:spcPts val="500"/>
+              </a:spcBef>
+              <a:buFont typeface="Arial" panose="020B0604020202020204" pitchFamily="34" charset="0"/>
+              <a:buNone/>
+              <a:defRPr sz="2000" kern="1200">
+                <a:solidFill>
+                  <a:schemeClr val="tx1"/>
+                </a:solidFill>
+                <a:latin typeface="+mn-lt"/>
+                <a:ea typeface="+mn-ea"/>
+                <a:cs typeface="+mn-cs"/>
+              </a:defRPr>
+            </a:lvl2pPr>
+            <a:lvl3pPr marL="914400" indent="0" algn="ctr" defTabSz="914400" rtl="0" eaLnBrk="1" latinLnBrk="0" hangingPunct="1">
+              <a:lnSpc>
+                <a:spcPct val="90000"/>
+              </a:lnSpc>
+              <a:spcBef>
+                <a:spcPts val="500"/>
+              </a:spcBef>
+              <a:buFont typeface="Arial" panose="020B0604020202020204" pitchFamily="34" charset="0"/>
+              <a:buNone/>
+              <a:defRPr sz="1800" kern="1200">
+                <a:solidFill>
+                  <a:schemeClr val="tx1"/>
+                </a:solidFill>
+                <a:latin typeface="+mn-lt"/>
+                <a:ea typeface="+mn-ea"/>
+                <a:cs typeface="+mn-cs"/>
+              </a:defRPr>
+            </a:lvl3pPr>
+            <a:lvl4pPr marL="1371600" indent="0" algn="ctr" defTabSz="914400" rtl="0" eaLnBrk="1" latinLnBrk="0" hangingPunct="1">
+              <a:lnSpc>
+                <a:spcPct val="90000"/>
+              </a:lnSpc>
+              <a:spcBef>
+                <a:spcPts val="500"/>
+              </a:spcBef>
+              <a:buFont typeface="Arial" panose="020B0604020202020204" pitchFamily="34" charset="0"/>
+              <a:buNone/>
+              <a:defRPr sz="1600" kern="1200">
+                <a:solidFill>
+                  <a:schemeClr val="tx1"/>
+                </a:solidFill>
+                <a:latin typeface="+mn-lt"/>
+                <a:ea typeface="+mn-ea"/>
+                <a:cs typeface="+mn-cs"/>
+              </a:defRPr>
+            </a:lvl4pPr>
+            <a:lvl5pPr marL="1828800" indent="0" algn="ctr" defTabSz="914400" rtl="0" eaLnBrk="1" latinLnBrk="0" hangingPunct="1">
+              <a:lnSpc>
+                <a:spcPct val="90000"/>
+              </a:lnSpc>
+              <a:spcBef>
+                <a:spcPts val="500"/>
+              </a:spcBef>
+              <a:buFont typeface="Arial" panose="020B0604020202020204" pitchFamily="34" charset="0"/>
+              <a:buNone/>
+              <a:defRPr sz="1600" kern="1200">
+                <a:solidFill>
+                  <a:schemeClr val="tx1"/>
+                </a:solidFill>
+                <a:latin typeface="+mn-lt"/>
+                <a:ea typeface="+mn-ea"/>
+                <a:cs typeface="+mn-cs"/>
+              </a:defRPr>
+            </a:lvl5pPr>
+            <a:lvl6pPr marL="2286000" indent="0" algn="ctr" defTabSz="914400" rtl="0" eaLnBrk="1" latinLnBrk="0" hangingPunct="1">
+              <a:lnSpc>
+                <a:spcPct val="90000"/>
+              </a:lnSpc>
+              <a:spcBef>
+                <a:spcPts val="500"/>
+              </a:spcBef>
+              <a:buFont typeface="Arial" panose="020B0604020202020204" pitchFamily="34" charset="0"/>
+              <a:buNone/>
+              <a:defRPr sz="1600" kern="1200">
+                <a:solidFill>
+                  <a:schemeClr val="tx1"/>
+                </a:solidFill>
+                <a:latin typeface="+mn-lt"/>
+                <a:ea typeface="+mn-ea"/>
+                <a:cs typeface="+mn-cs"/>
+              </a:defRPr>
+            </a:lvl6pPr>
+            <a:lvl7pPr marL="2743200" indent="0" algn="ctr" defTabSz="914400" rtl="0" eaLnBrk="1" latinLnBrk="0" hangingPunct="1">
+              <a:lnSpc>
+                <a:spcPct val="90000"/>
+              </a:lnSpc>
+              <a:spcBef>
+                <a:spcPts val="500"/>
+              </a:spcBef>
+              <a:buFont typeface="Arial" panose="020B0604020202020204" pitchFamily="34" charset="0"/>
+              <a:buNone/>
+              <a:defRPr sz="1600" kern="1200">
+                <a:solidFill>
+                  <a:schemeClr val="tx1"/>
+                </a:solidFill>
+                <a:latin typeface="+mn-lt"/>
+                <a:ea typeface="+mn-ea"/>
+                <a:cs typeface="+mn-cs"/>
+              </a:defRPr>
+            </a:lvl7pPr>
+            <a:lvl8pPr marL="3200400" indent="0" algn="ctr" defTabSz="914400" rtl="0" eaLnBrk="1" latinLnBrk="0" hangingPunct="1">
+              <a:lnSpc>
+                <a:spcPct val="90000"/>
+              </a:lnSpc>
+              <a:spcBef>
+                <a:spcPts val="500"/>
+              </a:spcBef>
+              <a:buFont typeface="Arial" panose="020B0604020202020204" pitchFamily="34" charset="0"/>
+              <a:buNone/>
+              <a:defRPr sz="1600" kern="1200">
+                <a:solidFill>
+                  <a:schemeClr val="tx1"/>
+                </a:solidFill>
+                <a:latin typeface="+mn-lt"/>
+                <a:ea typeface="+mn-ea"/>
+                <a:cs typeface="+mn-cs"/>
+              </a:defRPr>
+            </a:lvl8pPr>
+            <a:lvl9pPr marL="3657600" indent="0" algn="ctr" defTabSz="914400" rtl="0" eaLnBrk="1" latinLnBrk="0" hangingPunct="1">
+              <a:lnSpc>
+                <a:spcPct val="90000"/>
+              </a:lnSpc>
+              <a:spcBef>
+                <a:spcPts val="500"/>
+              </a:spcBef>
+              <a:buFont typeface="Arial" panose="020B0604020202020204" pitchFamily="34" charset="0"/>
+              <a:buNone/>
+              <a:defRPr sz="1600" kern="1200">
+                <a:solidFill>
+                  <a:schemeClr val="tx1"/>
+                </a:solidFill>
+                <a:latin typeface="+mn-lt"/>
+                <a:ea typeface="+mn-ea"/>
+                <a:cs typeface="+mn-cs"/>
+              </a:defRPr>
+            </a:lvl9pPr>
+          </a:lstStyle>
+          <a:p>
+            <a:pPr algn="l"/>
+            <a:endParaRPr lang="en-US" sz="3200" dirty="0">
+              <a:latin typeface="Century Gothic" panose="020B0502020202090204" pitchFamily="34" charset="0"/>
+            </a:endParaRPr>
+          </a:p>
+        </p:txBody>
+      </p:sp>
       <p:pic>
         <p:nvPicPr>
           <p:cNvPr id="5" name="Image 4">
@@ -13493,7 +17717,7 @@
         </p:blipFill>
         <p:spPr>
           <a:xfrm>
-            <a:off x="4232228" y="2563482"/>
+            <a:off x="4031576" y="3061613"/>
             <a:ext cx="4416844" cy="2982896"/>
           </a:xfrm>
           <a:prstGeom prst="rect">
@@ -13546,7 +17770,7 @@
         <p:spPr>
           <a:xfrm>
             <a:off x="6095999" y="774132"/>
-            <a:ext cx="3878809" cy="400110"/>
+            <a:ext cx="3878809" cy="707886"/>
           </a:xfrm>
           <a:prstGeom prst="rect">
             <a:avLst/>
@@ -13587,13 +17811,25 @@
               <a:rPr lang="fr-FR" sz="2000" dirty="0">
                 <a:latin typeface="Century Gothic" panose="020B0502020202020204" pitchFamily="34" charset="0"/>
               </a:rPr>
-              <a:t> the </a:t>
+              <a:t> a </a:t>
             </a:r>
             <a:r>
               <a:rPr lang="fr-FR" sz="2000" dirty="0" err="1">
                 <a:latin typeface="Century Gothic" panose="020B0502020202020204" pitchFamily="34" charset="0"/>
               </a:rPr>
-              <a:t>database</a:t>
+              <a:t>logistic</a:t>
+            </a:r>
+            <a:r>
+              <a:rPr lang="fr-FR" sz="2000" dirty="0">
+                <a:latin typeface="Century Gothic" panose="020B0502020202020204" pitchFamily="34" charset="0"/>
+              </a:rPr>
+              <a:t> </a:t>
+            </a:r>
+            <a:r>
+              <a:rPr lang="fr-FR" sz="2000" dirty="0" err="1">
+                <a:latin typeface="Century Gothic" panose="020B0502020202020204" pitchFamily="34" charset="0"/>
+              </a:rPr>
+              <a:t>regression</a:t>
             </a:r>
             <a:endParaRPr lang="fr-FR" sz="2000" dirty="0">
               <a:latin typeface="Century Gothic" panose="020B0502020202020204" pitchFamily="34" charset="0"/>
@@ -13601,6 +17837,36 @@
           </a:p>
         </p:txBody>
       </p:sp>
+      <p:pic>
+        <p:nvPicPr>
+          <p:cNvPr id="6" name="Image 5">
+            <a:extLst>
+              <a:ext uri="{FF2B5EF4-FFF2-40B4-BE49-F238E27FC236}">
+                <a16:creationId xmlns:a16="http://schemas.microsoft.com/office/drawing/2014/main" id="{32BC8459-B34F-D87C-0E7E-A0698EBE10A5}"/>
+              </a:ext>
+            </a:extLst>
+          </p:cNvPr>
+          <p:cNvPicPr>
+            <a:picLocks noChangeAspect="1"/>
+          </p:cNvPicPr>
+          <p:nvPr/>
+        </p:nvPicPr>
+        <p:blipFill>
+          <a:blip r:embed="rId4"/>
+          <a:stretch>
+            <a:fillRect/>
+          </a:stretch>
+        </p:blipFill>
+        <p:spPr>
+          <a:xfrm>
+            <a:off x="132851" y="1521617"/>
+            <a:ext cx="2499577" cy="3490262"/>
+          </a:xfrm>
+          <a:prstGeom prst="rect">
+            <a:avLst/>
+          </a:prstGeom>
+        </p:spPr>
+      </p:pic>
     </p:spTree>
     <p:extLst>
       <p:ext uri="{BB962C8B-B14F-4D97-AF65-F5344CB8AC3E}">
